--- a/호남-발표자료.pptx
+++ b/호남-발표자료.pptx
@@ -4348,15 +4348,7 @@
             </a:r>
             <a:r>
               <a:rPr lang="ko-KR" altLang="en-US" dirty="0" smtClean="0"/>
-              <a:t>보통 </a:t>
-            </a:r>
-            <a:r>
-              <a:rPr lang="ko-KR" altLang="en-US" dirty="0" err="1" smtClean="0"/>
-              <a:t>인테리어할때</a:t>
-            </a:r>
-            <a:r>
-              <a:rPr lang="ko-KR" altLang="en-US" dirty="0" smtClean="0"/>
-              <a:t> 어떠냐</a:t>
+              <a:t>보통 인테리어 할 때 어떠냐</a:t>
             </a:r>
             <a:r>
               <a:rPr lang="en-US" altLang="ko-KR" dirty="0" smtClean="0"/>
@@ -4372,13 +4364,8 @@
             </a:r>
             <a:r>
               <a:rPr lang="ko-KR" altLang="en-US" dirty="0" smtClean="0"/>
-              <a:t>특히 </a:t>
-            </a:r>
-            <a:r>
-              <a:rPr lang="ko-KR" altLang="en-US" dirty="0" err="1" smtClean="0"/>
-              <a:t>이사할때</a:t>
-            </a:r>
-            <a:endParaRPr lang="ko-KR" altLang="en-US" dirty="0" smtClean="0"/>
+              <a:t>특히 이사할 때</a:t>
+            </a:r>
           </a:p>
           <a:p>
             <a:r>
@@ -4489,8 +4476,9 @@
             </a:r>
             <a:r>
               <a:rPr lang="ko-KR" altLang="en-US" dirty="0" smtClean="0"/>
-              <a:t>번 슬라이드로 넘어가며 주 발표 시작</a:t>
-            </a:r>
+              <a:t>번 슬라이드로 넘어가며</a:t>
+            </a:r>
+            <a:endParaRPr lang="en-US" altLang="ko-KR" dirty="0" smtClean="0"/>
           </a:p>
           <a:p>
             <a:r>
@@ -4529,6 +4517,27 @@
               <a:rPr lang="ko-KR" altLang="en-US" dirty="0" smtClean="0"/>
               <a:t>사용기술</a:t>
             </a:r>
+            <a:r>
+              <a:rPr lang="en-US" altLang="ko-KR" dirty="0" smtClean="0"/>
+              <a:t>(</a:t>
+            </a:r>
+            <a:r>
+              <a:rPr lang="ko-KR" altLang="en-US" dirty="0" smtClean="0"/>
+              <a:t>순서</a:t>
+            </a:r>
+            <a:r>
+              <a:rPr lang="en-US" altLang="ko-KR" dirty="0" smtClean="0"/>
+              <a:t>,</a:t>
+            </a:r>
+            <a:r>
+              <a:rPr lang="ko-KR" altLang="en-US" dirty="0" smtClean="0"/>
+              <a:t>흐름도 포함</a:t>
+            </a:r>
+            <a:r>
+              <a:rPr lang="en-US" altLang="ko-KR" dirty="0" smtClean="0"/>
+              <a:t>)</a:t>
+            </a:r>
+            <a:endParaRPr lang="ko-KR" altLang="en-US" dirty="0" smtClean="0"/>
           </a:p>
           <a:p>
             <a:r>
@@ -28530,8 +28539,8 @@
         </p:nvSpPr>
         <p:spPr>
           <a:xfrm>
-            <a:off x="1524000" y="1581150"/>
-            <a:ext cx="6808274" cy="307777"/>
+            <a:off x="304800" y="1574798"/>
+            <a:ext cx="9145452" cy="954107"/>
           </a:xfrm>
           <a:prstGeom prst="rect">
             <a:avLst/>
@@ -28554,7 +28563,27 @@
             </a:r>
             <a:r>
               <a:rPr lang="en-US" altLang="ko-KR" sz="1400" dirty="0" smtClean="0"/>
-              <a:t>AR, </a:t>
+              <a:t>AR(</a:t>
+            </a:r>
+            <a:r>
+              <a:rPr lang="ko-KR" altLang="en-US" sz="1400" dirty="0" err="1" smtClean="0"/>
+              <a:t>마커기반</a:t>
+            </a:r>
+            <a:r>
+              <a:rPr lang="ko-KR" altLang="en-US" sz="1400" dirty="0" smtClean="0"/>
+              <a:t> </a:t>
+            </a:r>
+            <a:r>
+              <a:rPr lang="en-US" altLang="ko-KR" sz="1400" dirty="0" smtClean="0"/>
+              <a:t>AR</a:t>
+            </a:r>
+            <a:r>
+              <a:rPr lang="ko-KR" altLang="en-US" sz="1400" dirty="0" smtClean="0"/>
+              <a:t>임</a:t>
+            </a:r>
+            <a:r>
+              <a:rPr lang="en-US" altLang="ko-KR" sz="1400" dirty="0" smtClean="0"/>
+              <a:t>), </a:t>
             </a:r>
             <a:r>
               <a:rPr lang="ko-KR" altLang="en-US" sz="1400" dirty="0" err="1" smtClean="0"/>
@@ -28574,23 +28603,179 @@
             </a:r>
             <a:r>
               <a:rPr lang="ko-KR" altLang="en-US" sz="1400" dirty="0" smtClean="0"/>
-              <a:t>스토어에 검색하면 나오는 </a:t>
+              <a:t>스토어에 검색하면 나오는 잡다한</a:t>
             </a:r>
             <a:r>
               <a:rPr lang="en-US" altLang="ko-KR" sz="1400" dirty="0" smtClean="0"/>
               <a:t>AR, </a:t>
             </a:r>
             <a:r>
+              <a:rPr lang="ko-KR" altLang="en-US" sz="1400" dirty="0" smtClean="0"/>
+              <a:t>우리</a:t>
+            </a:r>
+            <a:r>
+              <a:rPr lang="en-US" altLang="ko-KR" sz="1400" dirty="0"/>
+              <a:t> </a:t>
+            </a:r>
+            <a:r>
+              <a:rPr lang="ko-KR" altLang="en-US" sz="1400" dirty="0" smtClean="0"/>
+              <a:t>거 기능 비교한 표</a:t>
+            </a:r>
+            <a:endParaRPr lang="en-US" altLang="ko-KR" sz="1400" dirty="0" smtClean="0"/>
+          </a:p>
+          <a:p>
+            <a:r>
+              <a:rPr lang="en-US" altLang="ko-KR" sz="1400" dirty="0" smtClean="0"/>
+              <a:t>V X</a:t>
+            </a:r>
+            <a:r>
+              <a:rPr lang="ko-KR" altLang="en-US" sz="1400" dirty="0"/>
+              <a:t> </a:t>
+            </a:r>
+            <a:r>
+              <a:rPr lang="ko-KR" altLang="en-US" sz="1400" dirty="0" smtClean="0"/>
+              <a:t>표시로 되냐 안되냐 표시하거나 내용 적기</a:t>
+            </a:r>
+            <a:endParaRPr lang="en-US" altLang="ko-KR" sz="1400" dirty="0" smtClean="0"/>
+          </a:p>
+          <a:p>
+            <a:r>
+              <a:rPr lang="ko-KR" altLang="en-US" sz="1400" dirty="0" smtClean="0"/>
+              <a:t>사용법</a:t>
+            </a:r>
+            <a:r>
+              <a:rPr lang="en-US" altLang="ko-KR" sz="1400" dirty="0" smtClean="0"/>
+              <a:t>(</a:t>
+            </a:r>
+            <a:r>
               <a:rPr lang="ko-KR" altLang="en-US" sz="1400" dirty="0" err="1" smtClean="0"/>
-              <a:t>우리거</a:t>
-            </a:r>
-            <a:r>
-              <a:rPr lang="ko-KR" altLang="en-US" sz="1400" smtClean="0"/>
-              <a:t> 비교한 </a:t>
+              <a:t>앱설치</a:t>
+            </a:r>
+            <a:r>
+              <a:rPr lang="en-US" altLang="ko-KR" sz="1400" dirty="0" smtClean="0"/>
+              <a:t>, </a:t>
             </a:r>
             <a:r>
               <a:rPr lang="ko-KR" altLang="en-US" sz="1400" dirty="0" smtClean="0"/>
-              <a:t>표</a:t>
+              <a:t>웹</a:t>
+            </a:r>
+            <a:r>
+              <a:rPr lang="en-US" altLang="ko-KR" sz="1400" dirty="0" smtClean="0"/>
+              <a:t>)</a:t>
+            </a:r>
+            <a:r>
+              <a:rPr lang="ko-KR" altLang="en-US" sz="1400" dirty="0" smtClean="0"/>
+              <a:t> </a:t>
+            </a:r>
+            <a:r>
+              <a:rPr lang="en-US" altLang="ko-KR" sz="1400" dirty="0" smtClean="0"/>
+              <a:t>/ </a:t>
+            </a:r>
+            <a:r>
+              <a:rPr lang="ko-KR" altLang="en-US" sz="1400" dirty="0" smtClean="0"/>
+              <a:t>기능</a:t>
+            </a:r>
+            <a:r>
+              <a:rPr lang="en-US" altLang="ko-KR" sz="1400" dirty="0" smtClean="0"/>
+              <a:t>(</a:t>
+            </a:r>
+            <a:r>
+              <a:rPr lang="ko-KR" altLang="en-US" sz="1400" dirty="0" smtClean="0"/>
+              <a:t>거리측정</a:t>
+            </a:r>
+            <a:r>
+              <a:rPr lang="en-US" altLang="ko-KR" sz="1400" dirty="0" smtClean="0"/>
+              <a:t>, </a:t>
+            </a:r>
+            <a:r>
+              <a:rPr lang="ko-KR" altLang="en-US" sz="1400" dirty="0" err="1" smtClean="0"/>
+              <a:t>로그인기능</a:t>
+            </a:r>
+            <a:r>
+              <a:rPr lang="en-US" altLang="ko-KR" sz="1400" dirty="0" smtClean="0"/>
+              <a:t>, </a:t>
+            </a:r>
+            <a:r>
+              <a:rPr lang="ko-KR" altLang="en-US" sz="1400" dirty="0" smtClean="0"/>
+              <a:t>물체이동 등</a:t>
+            </a:r>
+            <a:r>
+              <a:rPr lang="en-US" altLang="ko-KR" sz="1400" dirty="0" smtClean="0"/>
+              <a:t>) / </a:t>
+            </a:r>
+            <a:r>
+              <a:rPr lang="ko-KR" altLang="en-US" sz="1400" dirty="0" smtClean="0"/>
+              <a:t>간편함</a:t>
+            </a:r>
+            <a:r>
+              <a:rPr lang="en-US" altLang="ko-KR" sz="1400" dirty="0" smtClean="0"/>
+              <a:t>(</a:t>
+            </a:r>
+            <a:r>
+              <a:rPr lang="ko-KR" altLang="en-US" sz="1400" dirty="0" smtClean="0"/>
+              <a:t>상중하</a:t>
+            </a:r>
+            <a:r>
+              <a:rPr lang="en-US" altLang="ko-KR" sz="1400" dirty="0" smtClean="0"/>
+              <a:t>)</a:t>
+            </a:r>
+          </a:p>
+          <a:p>
+            <a:r>
+              <a:rPr lang="ko-KR" altLang="en-US" sz="1400" dirty="0" err="1" smtClean="0"/>
+              <a:t>한두가지</a:t>
+            </a:r>
+            <a:r>
+              <a:rPr lang="ko-KR" altLang="en-US" sz="1400" dirty="0" smtClean="0"/>
+              <a:t> 정도만 더 </a:t>
+            </a:r>
+            <a:r>
+              <a:rPr lang="ko-KR" altLang="en-US" sz="1400" dirty="0" err="1" smtClean="0"/>
+              <a:t>추가좀</a:t>
+            </a:r>
+            <a:r>
+              <a:rPr lang="ko-KR" altLang="en-US" sz="1400" dirty="0" smtClean="0"/>
+              <a:t> </a:t>
+            </a:r>
+            <a:r>
+              <a:rPr lang="ko-KR" altLang="en-US" sz="1400" dirty="0" err="1" smtClean="0"/>
+              <a:t>ㅎㅎ</a:t>
+            </a:r>
+            <a:r>
+              <a:rPr lang="en-US" altLang="ko-KR" sz="1400" dirty="0" smtClean="0"/>
+              <a:t>(</a:t>
+            </a:r>
+            <a:r>
+              <a:rPr lang="ko-KR" altLang="en-US" sz="1400" dirty="0" err="1" smtClean="0"/>
+              <a:t>엥간하면</a:t>
+            </a:r>
+            <a:r>
+              <a:rPr lang="ko-KR" altLang="en-US" sz="1400" dirty="0" smtClean="0"/>
+              <a:t> </a:t>
+            </a:r>
+            <a:r>
+              <a:rPr lang="ko-KR" altLang="en-US" sz="1400" dirty="0" err="1" smtClean="0"/>
+              <a:t>우리거는</a:t>
+            </a:r>
+            <a:r>
+              <a:rPr lang="ko-KR" altLang="en-US" sz="1400" dirty="0" smtClean="0"/>
+              <a:t> 가능하다</a:t>
+            </a:r>
+            <a:r>
+              <a:rPr lang="en-US" altLang="ko-KR" sz="1400" dirty="0" smtClean="0"/>
+              <a:t>! </a:t>
+            </a:r>
+            <a:r>
+              <a:rPr lang="ko-KR" altLang="en-US" sz="1400" dirty="0" smtClean="0"/>
+              <a:t>쪽으로 </a:t>
+            </a:r>
+            <a:r>
+              <a:rPr lang="ko-KR" altLang="en-US" sz="1400" dirty="0" err="1" smtClean="0"/>
+              <a:t>골라여</a:t>
+            </a:r>
+            <a:r>
+              <a:rPr lang="en-US" altLang="ko-KR" sz="1400" dirty="0" smtClean="0"/>
+              <a:t>)</a:t>
             </a:r>
             <a:endParaRPr lang="ko-KR" altLang="en-US" sz="1400" dirty="0"/>
           </a:p>
@@ -28666,11 +28851,7 @@
             </a:r>
             <a:r>
               <a:rPr lang="ko-KR" altLang="en-US" dirty="0" smtClean="0"/>
-              <a:t> </a:t>
-            </a:r>
-            <a:r>
-              <a:rPr lang="ko-KR" altLang="en-US" dirty="0" smtClean="0"/>
-              <a:t>기</a:t>
+              <a:t> 기</a:t>
             </a:r>
             <a:r>
               <a:rPr lang="ko-KR" altLang="en-US" dirty="0"/>

--- a/호남-발표자료.pptx
+++ b/호남-발표자료.pptx
@@ -18,7 +18,7 @@
     <p:sldId id="1741" r:id="rId6"/>
     <p:sldId id="1742" r:id="rId7"/>
     <p:sldId id="1744" r:id="rId8"/>
-    <p:sldId id="1745" r:id="rId9"/>
+    <p:sldId id="1746" r:id="rId9"/>
     <p:sldId id="1733" r:id="rId10"/>
     <p:sldId id="1743" r:id="rId11"/>
     <p:sldId id="1734" r:id="rId12"/>
@@ -127,7 +127,7 @@
   </p:defaultTextStyle>
   <p:extLst>
     <p:ext uri="{EFAFB233-063F-42B5-8137-9DF3F51BA10A}">
-      <p15:sldGuideLst xmlns="" xmlns:p15="http://schemas.microsoft.com/office/powerpoint/2012/main">
+      <p15:sldGuideLst xmlns:p15="http://schemas.microsoft.com/office/powerpoint/2012/main" xmlns="">
         <p15:guide id="1" orient="horz" pos="1620">
           <p15:clr>
             <a:srgbClr val="A4A3A4"/>
@@ -141,7 +141,7 @@
       </p15:sldGuideLst>
     </p:ext>
     <p:ext uri="{2D200454-40CA-4A62-9FC3-DE9A4176ACB9}">
-      <p15:notesGuideLst xmlns="" xmlns:p15="http://schemas.microsoft.com/office/powerpoint/2012/main"/>
+      <p15:notesGuideLst xmlns:p15="http://schemas.microsoft.com/office/powerpoint/2012/main" xmlns=""/>
     </p:ext>
   </p:extLst>
 </p:presentation>
@@ -27380,7 +27380,7 @@
         </p:blipFill>
         <p:spPr bwMode="auto">
           <a:xfrm>
-            <a:off x="5258823" y="1601787"/>
+            <a:off x="3352800" y="133350"/>
             <a:ext cx="2143125" cy="2143125"/>
           </a:xfrm>
           <a:prstGeom prst="rect">
@@ -27421,7 +27421,7 @@
         </p:blipFill>
         <p:spPr bwMode="auto">
           <a:xfrm>
-            <a:off x="1066800" y="1504950"/>
+            <a:off x="2743200" y="2343150"/>
             <a:ext cx="3505200" cy="2336800"/>
           </a:xfrm>
           <a:prstGeom prst="rect">
@@ -27495,7 +27495,7 @@
         </p:blipFill>
         <p:spPr bwMode="auto">
           <a:xfrm>
-            <a:off x="1600200" y="1685925"/>
+            <a:off x="457200" y="1366837"/>
             <a:ext cx="2171700" cy="2105025"/>
           </a:xfrm>
           <a:prstGeom prst="rect">
@@ -27549,7 +27549,7 @@
         </p:blipFill>
         <p:spPr bwMode="auto">
           <a:xfrm>
-            <a:off x="5029200" y="1804987"/>
+            <a:off x="6324600" y="1585912"/>
             <a:ext cx="2447925" cy="1866900"/>
           </a:xfrm>
           <a:prstGeom prst="rect">
@@ -28514,7 +28514,7 @@
         </p:nvSpPr>
         <p:spPr>
           <a:xfrm>
-            <a:off x="1295400" y="285750"/>
+            <a:off x="609600" y="209550"/>
             <a:ext cx="5548963" cy="495383"/>
           </a:xfrm>
         </p:spPr>
@@ -28531,260 +28531,871 @@
           </a:p>
         </p:txBody>
       </p:sp>
-      <p:sp>
-        <p:nvSpPr>
-          <p:cNvPr id="8" name="TextBox 7"/>
-          <p:cNvSpPr txBox="1"/>
-          <p:nvPr/>
-        </p:nvSpPr>
-        <p:spPr>
-          <a:xfrm>
-            <a:off x="304800" y="1574798"/>
-            <a:ext cx="9145452" cy="954107"/>
-          </a:xfrm>
-          <a:prstGeom prst="rect">
-            <a:avLst/>
-          </a:prstGeom>
-          <a:noFill/>
-        </p:spPr>
-        <p:txBody>
-          <a:bodyPr wrap="none" rtlCol="0">
-            <a:spAutoFit/>
-          </a:bodyPr>
-          <a:lstStyle/>
-          <a:p>
-            <a:r>
-              <a:rPr lang="ko-KR" altLang="en-US" sz="1400" dirty="0" smtClean="0"/>
-              <a:t>대충 </a:t>
-            </a:r>
-            <a:r>
-              <a:rPr lang="ko-KR" altLang="en-US" sz="1400" dirty="0" err="1" smtClean="0"/>
-              <a:t>이케아</a:t>
-            </a:r>
-            <a:r>
-              <a:rPr lang="en-US" altLang="ko-KR" sz="1400" dirty="0" smtClean="0"/>
-              <a:t>AR(</a:t>
-            </a:r>
-            <a:r>
-              <a:rPr lang="ko-KR" altLang="en-US" sz="1400" dirty="0" err="1" smtClean="0"/>
-              <a:t>마커기반</a:t>
-            </a:r>
-            <a:r>
-              <a:rPr lang="ko-KR" altLang="en-US" sz="1400" dirty="0" smtClean="0"/>
-              <a:t> </a:t>
-            </a:r>
-            <a:r>
-              <a:rPr lang="en-US" altLang="ko-KR" sz="1400" dirty="0" smtClean="0"/>
-              <a:t>AR</a:t>
-            </a:r>
-            <a:r>
-              <a:rPr lang="ko-KR" altLang="en-US" sz="1400" dirty="0" smtClean="0"/>
-              <a:t>임</a:t>
-            </a:r>
-            <a:r>
-              <a:rPr lang="en-US" altLang="ko-KR" sz="1400" dirty="0" smtClean="0"/>
-              <a:t>), </a:t>
-            </a:r>
-            <a:r>
-              <a:rPr lang="ko-KR" altLang="en-US" sz="1400" dirty="0" err="1" smtClean="0"/>
-              <a:t>포토샵</a:t>
-            </a:r>
-            <a:r>
-              <a:rPr lang="en-US" altLang="ko-KR" sz="1400" dirty="0" smtClean="0"/>
-              <a:t>, </a:t>
-            </a:r>
-            <a:r>
-              <a:rPr lang="ko-KR" altLang="en-US" sz="1400" dirty="0" smtClean="0"/>
-              <a:t>애플</a:t>
-            </a:r>
-            <a:r>
-              <a:rPr lang="en-US" altLang="ko-KR" sz="1400" dirty="0" smtClean="0"/>
-              <a:t>AR, </a:t>
-            </a:r>
-            <a:r>
-              <a:rPr lang="ko-KR" altLang="en-US" sz="1400" dirty="0" smtClean="0"/>
-              <a:t>스토어에 검색하면 나오는 잡다한</a:t>
-            </a:r>
-            <a:r>
-              <a:rPr lang="en-US" altLang="ko-KR" sz="1400" dirty="0" smtClean="0"/>
-              <a:t>AR, </a:t>
-            </a:r>
-            <a:r>
-              <a:rPr lang="ko-KR" altLang="en-US" sz="1400" dirty="0" smtClean="0"/>
-              <a:t>우리</a:t>
-            </a:r>
-            <a:r>
-              <a:rPr lang="en-US" altLang="ko-KR" sz="1400" dirty="0"/>
-              <a:t> </a:t>
-            </a:r>
-            <a:r>
-              <a:rPr lang="ko-KR" altLang="en-US" sz="1400" dirty="0" smtClean="0"/>
-              <a:t>거 기능 비교한 표</a:t>
-            </a:r>
-            <a:endParaRPr lang="en-US" altLang="ko-KR" sz="1400" dirty="0" smtClean="0"/>
-          </a:p>
-          <a:p>
-            <a:r>
-              <a:rPr lang="en-US" altLang="ko-KR" sz="1400" dirty="0" smtClean="0"/>
-              <a:t>V X</a:t>
-            </a:r>
-            <a:r>
-              <a:rPr lang="ko-KR" altLang="en-US" sz="1400" dirty="0"/>
-              <a:t> </a:t>
-            </a:r>
-            <a:r>
-              <a:rPr lang="ko-KR" altLang="en-US" sz="1400" dirty="0" smtClean="0"/>
-              <a:t>표시로 되냐 안되냐 표시하거나 내용 적기</a:t>
-            </a:r>
-            <a:endParaRPr lang="en-US" altLang="ko-KR" sz="1400" dirty="0" smtClean="0"/>
-          </a:p>
-          <a:p>
-            <a:r>
-              <a:rPr lang="ko-KR" altLang="en-US" sz="1400" dirty="0" smtClean="0"/>
-              <a:t>사용법</a:t>
-            </a:r>
-            <a:r>
-              <a:rPr lang="en-US" altLang="ko-KR" sz="1400" dirty="0" smtClean="0"/>
-              <a:t>(</a:t>
-            </a:r>
-            <a:r>
-              <a:rPr lang="ko-KR" altLang="en-US" sz="1400" dirty="0" err="1" smtClean="0"/>
-              <a:t>앱설치</a:t>
-            </a:r>
-            <a:r>
-              <a:rPr lang="en-US" altLang="ko-KR" sz="1400" dirty="0" smtClean="0"/>
-              <a:t>, </a:t>
-            </a:r>
-            <a:r>
-              <a:rPr lang="ko-KR" altLang="en-US" sz="1400" dirty="0" smtClean="0"/>
-              <a:t>웹</a:t>
-            </a:r>
-            <a:r>
-              <a:rPr lang="en-US" altLang="ko-KR" sz="1400" dirty="0" smtClean="0"/>
-              <a:t>)</a:t>
-            </a:r>
-            <a:r>
-              <a:rPr lang="ko-KR" altLang="en-US" sz="1400" dirty="0" smtClean="0"/>
-              <a:t> </a:t>
-            </a:r>
-            <a:r>
-              <a:rPr lang="en-US" altLang="ko-KR" sz="1400" dirty="0" smtClean="0"/>
-              <a:t>/ </a:t>
-            </a:r>
-            <a:r>
-              <a:rPr lang="ko-KR" altLang="en-US" sz="1400" dirty="0" smtClean="0"/>
-              <a:t>기능</a:t>
-            </a:r>
-            <a:r>
-              <a:rPr lang="en-US" altLang="ko-KR" sz="1400" dirty="0" smtClean="0"/>
-              <a:t>(</a:t>
-            </a:r>
-            <a:r>
-              <a:rPr lang="ko-KR" altLang="en-US" sz="1400" dirty="0" smtClean="0"/>
-              <a:t>거리측정</a:t>
-            </a:r>
-            <a:r>
-              <a:rPr lang="en-US" altLang="ko-KR" sz="1400" dirty="0" smtClean="0"/>
-              <a:t>, </a:t>
-            </a:r>
-            <a:r>
-              <a:rPr lang="ko-KR" altLang="en-US" sz="1400" dirty="0" err="1" smtClean="0"/>
-              <a:t>로그인기능</a:t>
-            </a:r>
-            <a:r>
-              <a:rPr lang="en-US" altLang="ko-KR" sz="1400" dirty="0" smtClean="0"/>
-              <a:t>, </a:t>
-            </a:r>
-            <a:r>
-              <a:rPr lang="ko-KR" altLang="en-US" sz="1400" dirty="0" smtClean="0"/>
-              <a:t>물체이동 등</a:t>
-            </a:r>
-            <a:r>
-              <a:rPr lang="en-US" altLang="ko-KR" sz="1400" dirty="0" smtClean="0"/>
-              <a:t>) / </a:t>
-            </a:r>
-            <a:r>
-              <a:rPr lang="ko-KR" altLang="en-US" sz="1400" dirty="0" smtClean="0"/>
-              <a:t>간편함</a:t>
-            </a:r>
-            <a:r>
-              <a:rPr lang="en-US" altLang="ko-KR" sz="1400" dirty="0" smtClean="0"/>
-              <a:t>(</a:t>
-            </a:r>
-            <a:r>
-              <a:rPr lang="ko-KR" altLang="en-US" sz="1400" dirty="0" smtClean="0"/>
-              <a:t>상중하</a:t>
-            </a:r>
-            <a:r>
-              <a:rPr lang="en-US" altLang="ko-KR" sz="1400" dirty="0" smtClean="0"/>
-              <a:t>)</a:t>
-            </a:r>
-          </a:p>
-          <a:p>
-            <a:r>
-              <a:rPr lang="ko-KR" altLang="en-US" sz="1400" dirty="0" err="1" smtClean="0"/>
-              <a:t>한두가지</a:t>
-            </a:r>
-            <a:r>
-              <a:rPr lang="ko-KR" altLang="en-US" sz="1400" dirty="0" smtClean="0"/>
-              <a:t> 정도만 더 </a:t>
-            </a:r>
-            <a:r>
-              <a:rPr lang="ko-KR" altLang="en-US" sz="1400" dirty="0" err="1" smtClean="0"/>
-              <a:t>추가좀</a:t>
-            </a:r>
-            <a:r>
-              <a:rPr lang="ko-KR" altLang="en-US" sz="1400" dirty="0" smtClean="0"/>
-              <a:t> </a:t>
-            </a:r>
-            <a:r>
-              <a:rPr lang="ko-KR" altLang="en-US" sz="1400" dirty="0" err="1" smtClean="0"/>
-              <a:t>ㅎㅎ</a:t>
-            </a:r>
-            <a:r>
-              <a:rPr lang="en-US" altLang="ko-KR" sz="1400" dirty="0" smtClean="0"/>
-              <a:t>(</a:t>
-            </a:r>
-            <a:r>
-              <a:rPr lang="ko-KR" altLang="en-US" sz="1400" dirty="0" err="1" smtClean="0"/>
-              <a:t>엥간하면</a:t>
-            </a:r>
-            <a:r>
-              <a:rPr lang="ko-KR" altLang="en-US" sz="1400" dirty="0" smtClean="0"/>
-              <a:t> </a:t>
-            </a:r>
-            <a:r>
-              <a:rPr lang="ko-KR" altLang="en-US" sz="1400" dirty="0" err="1" smtClean="0"/>
-              <a:t>우리거는</a:t>
-            </a:r>
-            <a:r>
-              <a:rPr lang="ko-KR" altLang="en-US" sz="1400" dirty="0" smtClean="0"/>
-              <a:t> 가능하다</a:t>
-            </a:r>
-            <a:r>
-              <a:rPr lang="en-US" altLang="ko-KR" sz="1400" dirty="0" smtClean="0"/>
-              <a:t>! </a:t>
-            </a:r>
-            <a:r>
-              <a:rPr lang="ko-KR" altLang="en-US" sz="1400" dirty="0" smtClean="0"/>
-              <a:t>쪽으로 </a:t>
-            </a:r>
-            <a:r>
-              <a:rPr lang="ko-KR" altLang="en-US" sz="1400" dirty="0" err="1" smtClean="0"/>
-              <a:t>골라여</a:t>
-            </a:r>
-            <a:r>
-              <a:rPr lang="en-US" altLang="ko-KR" sz="1400" dirty="0" smtClean="0"/>
-              <a:t>)</a:t>
-            </a:r>
-            <a:endParaRPr lang="ko-KR" altLang="en-US" sz="1400" dirty="0"/>
-          </a:p>
-        </p:txBody>
-      </p:sp>
+      <p:graphicFrame>
+        <p:nvGraphicFramePr>
+          <p:cNvPr id="2" name="표 1"/>
+          <p:cNvGraphicFramePr>
+            <a:graphicFrameLocks noGrp="1"/>
+          </p:cNvGraphicFramePr>
+          <p:nvPr>
+            <p:extLst>
+              <p:ext uri="{D42A27DB-BD31-4B8C-83A1-F6EECF244321}">
+                <p14:modId xmlns:p14="http://schemas.microsoft.com/office/powerpoint/2010/main" val="332522259"/>
+              </p:ext>
+            </p:extLst>
+          </p:nvPr>
+        </p:nvGraphicFramePr>
+        <p:xfrm>
+          <a:off x="228600" y="819150"/>
+          <a:ext cx="8762998" cy="4078498"/>
+        </p:xfrm>
+        <a:graphic>
+          <a:graphicData uri="http://schemas.openxmlformats.org/drawingml/2006/table">
+            <a:tbl>
+              <a:tblPr firstRow="1" bandRow="1">
+                <a:tableStyleId>{073A0DAA-6AF3-43AB-8588-CEC1D06C72B9}</a:tableStyleId>
+              </a:tblPr>
+              <a:tblGrid>
+                <a:gridCol w="1371600"/>
+                <a:gridCol w="1361812"/>
+                <a:gridCol w="1607890"/>
+                <a:gridCol w="1205918"/>
+                <a:gridCol w="1615580"/>
+                <a:gridCol w="1600198"/>
+              </a:tblGrid>
+              <a:tr h="381168">
+                <a:tc>
+                  <a:txBody>
+                    <a:bodyPr/>
+                    <a:lstStyle/>
+                    <a:p>
+                      <a:pPr algn="ctr" latinLnBrk="1"/>
+                      <a:endParaRPr lang="ko-KR" altLang="en-US" sz="1400" dirty="0"/>
+                    </a:p>
+                  </a:txBody>
+                  <a:tcPr/>
+                </a:tc>
+                <a:tc>
+                  <a:txBody>
+                    <a:bodyPr/>
+                    <a:lstStyle/>
+                    <a:p>
+                      <a:pPr algn="ctr" latinLnBrk="1"/>
+                      <a:r>
+                        <a:rPr lang="ko-KR" altLang="en-US" sz="1400" dirty="0" smtClean="0"/>
+                        <a:t>호남 </a:t>
+                      </a:r>
+                      <a:r>
+                        <a:rPr lang="en-US" altLang="ko-KR" sz="1400" dirty="0" smtClean="0"/>
+                        <a:t>AR</a:t>
+                      </a:r>
+                      <a:endParaRPr lang="ko-KR" altLang="en-US" sz="1400" dirty="0"/>
+                    </a:p>
+                  </a:txBody>
+                  <a:tcPr/>
+                </a:tc>
+                <a:tc>
+                  <a:txBody>
+                    <a:bodyPr/>
+                    <a:lstStyle/>
+                    <a:p>
+                      <a:pPr algn="ctr"/>
+                      <a:r>
+                        <a:rPr lang="en-US" altLang="ko-KR" sz="1400" dirty="0" smtClean="0"/>
+                        <a:t>IKEA Place</a:t>
+                      </a:r>
+                      <a:endParaRPr lang="ko-KR" altLang="en-US" sz="1400" dirty="0"/>
+                    </a:p>
+                  </a:txBody>
+                  <a:tcPr/>
+                </a:tc>
+                <a:tc>
+                  <a:txBody>
+                    <a:bodyPr/>
+                    <a:lstStyle/>
+                    <a:p>
+                      <a:pPr algn="ctr" latinLnBrk="1"/>
+                      <a:r>
+                        <a:rPr lang="en-US" altLang="ko-KR" sz="1400" dirty="0" err="1" smtClean="0"/>
+                        <a:t>Houzz</a:t>
+                      </a:r>
+                      <a:endParaRPr lang="ko-KR" altLang="en-US" sz="1400" dirty="0"/>
+                    </a:p>
+                  </a:txBody>
+                  <a:tcPr/>
+                </a:tc>
+                <a:tc>
+                  <a:txBody>
+                    <a:bodyPr/>
+                    <a:lstStyle/>
+                    <a:p>
+                      <a:pPr algn="ctr" latinLnBrk="1"/>
+                      <a:r>
+                        <a:rPr lang="en-US" altLang="ko-KR" sz="1400" dirty="0" err="1" smtClean="0"/>
+                        <a:t>MyTy</a:t>
+                      </a:r>
+                      <a:endParaRPr lang="ko-KR" altLang="en-US" sz="1400" dirty="0"/>
+                    </a:p>
+                  </a:txBody>
+                  <a:tcPr/>
+                </a:tc>
+                <a:tc>
+                  <a:txBody>
+                    <a:bodyPr/>
+                    <a:lstStyle/>
+                    <a:p>
+                      <a:pPr algn="ctr" latinLnBrk="1"/>
+                      <a:r>
+                        <a:rPr lang="en-US" altLang="ko-KR" sz="1400" dirty="0" err="1" smtClean="0"/>
+                        <a:t>PlaceFurnitureAR</a:t>
+                      </a:r>
+                      <a:endParaRPr lang="ko-KR" altLang="en-US" sz="1400" dirty="0"/>
+                    </a:p>
+                  </a:txBody>
+                  <a:tcPr/>
+                </a:tc>
+              </a:tr>
+              <a:tr h="380832">
+                <a:tc>
+                  <a:txBody>
+                    <a:bodyPr/>
+                    <a:lstStyle/>
+                    <a:p>
+                      <a:pPr algn="ctr" latinLnBrk="1"/>
+                      <a:r>
+                        <a:rPr lang="ko-KR" altLang="en-US" sz="1400" dirty="0" smtClean="0"/>
+                        <a:t>거리 측정</a:t>
+                      </a:r>
+                      <a:endParaRPr lang="ko-KR" altLang="en-US" sz="1400" dirty="0"/>
+                    </a:p>
+                  </a:txBody>
+                  <a:tcPr/>
+                </a:tc>
+                <a:tc>
+                  <a:txBody>
+                    <a:bodyPr/>
+                    <a:lstStyle/>
+                    <a:p>
+                      <a:pPr algn="ctr" latinLnBrk="1"/>
+                      <a:r>
+                        <a:rPr lang="en-US" altLang="ko-KR" sz="1400" dirty="0" smtClean="0"/>
+                        <a:t>O</a:t>
+                      </a:r>
+                      <a:endParaRPr lang="ko-KR" altLang="en-US" sz="1400" dirty="0"/>
+                    </a:p>
+                  </a:txBody>
+                  <a:tcPr/>
+                </a:tc>
+                <a:tc>
+                  <a:txBody>
+                    <a:bodyPr/>
+                    <a:lstStyle/>
+                    <a:p>
+                      <a:pPr algn="ctr" latinLnBrk="1"/>
+                      <a:r>
+                        <a:rPr lang="en-US" altLang="ko-KR" sz="1400" dirty="0" smtClean="0"/>
+                        <a:t>X</a:t>
+                      </a:r>
+                      <a:endParaRPr lang="ko-KR" altLang="en-US" sz="1400" dirty="0"/>
+                    </a:p>
+                  </a:txBody>
+                  <a:tcPr/>
+                </a:tc>
+                <a:tc>
+                  <a:txBody>
+                    <a:bodyPr/>
+                    <a:lstStyle/>
+                    <a:p>
+                      <a:pPr algn="ctr" latinLnBrk="1"/>
+                      <a:r>
+                        <a:rPr lang="en-US" altLang="ko-KR" sz="1400" dirty="0" smtClean="0"/>
+                        <a:t>X</a:t>
+                      </a:r>
+                      <a:endParaRPr lang="ko-KR" altLang="en-US" sz="1400" dirty="0"/>
+                    </a:p>
+                  </a:txBody>
+                  <a:tcPr/>
+                </a:tc>
+                <a:tc>
+                  <a:txBody>
+                    <a:bodyPr/>
+                    <a:lstStyle/>
+                    <a:p>
+                      <a:pPr algn="ctr" latinLnBrk="1"/>
+                      <a:r>
+                        <a:rPr lang="en-US" altLang="ko-KR" sz="1400" dirty="0" smtClean="0"/>
+                        <a:t>X</a:t>
+                      </a:r>
+                      <a:endParaRPr lang="ko-KR" altLang="en-US" sz="1400" dirty="0"/>
+                    </a:p>
+                  </a:txBody>
+                  <a:tcPr/>
+                </a:tc>
+                <a:tc>
+                  <a:txBody>
+                    <a:bodyPr/>
+                    <a:lstStyle/>
+                    <a:p>
+                      <a:pPr algn="ctr" latinLnBrk="1"/>
+                      <a:r>
+                        <a:rPr lang="en-US" altLang="ko-KR" sz="1400" dirty="0" smtClean="0"/>
+                        <a:t>X</a:t>
+                      </a:r>
+                      <a:endParaRPr lang="ko-KR" altLang="en-US" sz="1400" dirty="0"/>
+                    </a:p>
+                  </a:txBody>
+                  <a:tcPr/>
+                </a:tc>
+              </a:tr>
+              <a:tr h="381000">
+                <a:tc>
+                  <a:txBody>
+                    <a:bodyPr/>
+                    <a:lstStyle/>
+                    <a:p>
+                      <a:pPr marL="0" marR="0" indent="0" algn="ctr" defTabSz="914400" rtl="0" eaLnBrk="1" fontAlgn="auto" latinLnBrk="1" hangingPunct="1">
+                        <a:lnSpc>
+                          <a:spcPct val="100000"/>
+                        </a:lnSpc>
+                        <a:spcBef>
+                          <a:spcPts val="0"/>
+                        </a:spcBef>
+                        <a:spcAft>
+                          <a:spcPts val="0"/>
+                        </a:spcAft>
+                        <a:buClrTx/>
+                        <a:buSzTx/>
+                        <a:buFontTx/>
+                        <a:buNone/>
+                        <a:tabLst/>
+                        <a:defRPr/>
+                      </a:pPr>
+                      <a:r>
+                        <a:rPr lang="ko-KR" altLang="en-US" sz="1400" dirty="0" smtClean="0"/>
+                        <a:t>물체이동</a:t>
+                      </a:r>
+                      <a:r>
+                        <a:rPr lang="en-US" altLang="ko-KR" sz="1400" dirty="0" smtClean="0"/>
+                        <a:t>/</a:t>
+                      </a:r>
+                      <a:r>
+                        <a:rPr lang="ko-KR" altLang="en-US" sz="1400" dirty="0" smtClean="0"/>
+                        <a:t>회전</a:t>
+                      </a:r>
+                    </a:p>
+                  </a:txBody>
+                  <a:tcPr/>
+                </a:tc>
+                <a:tc>
+                  <a:txBody>
+                    <a:bodyPr/>
+                    <a:lstStyle/>
+                    <a:p>
+                      <a:pPr algn="ctr" latinLnBrk="1"/>
+                      <a:r>
+                        <a:rPr lang="en-US" altLang="ko-KR" sz="1400" dirty="0" smtClean="0"/>
+                        <a:t>O</a:t>
+                      </a:r>
+                      <a:endParaRPr lang="ko-KR" altLang="en-US" sz="1400" dirty="0"/>
+                    </a:p>
+                  </a:txBody>
+                  <a:tcPr/>
+                </a:tc>
+                <a:tc>
+                  <a:txBody>
+                    <a:bodyPr/>
+                    <a:lstStyle/>
+                    <a:p>
+                      <a:pPr algn="ctr" latinLnBrk="1"/>
+                      <a:r>
+                        <a:rPr lang="en-US" altLang="ko-KR" sz="1400" dirty="0" smtClean="0"/>
+                        <a:t>O</a:t>
+                      </a:r>
+                      <a:endParaRPr lang="ko-KR" altLang="en-US" sz="1400" dirty="0"/>
+                    </a:p>
+                  </a:txBody>
+                  <a:tcPr/>
+                </a:tc>
+                <a:tc>
+                  <a:txBody>
+                    <a:bodyPr/>
+                    <a:lstStyle/>
+                    <a:p>
+                      <a:pPr algn="ctr" latinLnBrk="1"/>
+                      <a:r>
+                        <a:rPr lang="en-US" altLang="ko-KR" sz="1400" dirty="0" smtClean="0"/>
+                        <a:t>O</a:t>
+                      </a:r>
+                      <a:endParaRPr lang="ko-KR" altLang="en-US" sz="1400" dirty="0"/>
+                    </a:p>
+                  </a:txBody>
+                  <a:tcPr/>
+                </a:tc>
+                <a:tc>
+                  <a:txBody>
+                    <a:bodyPr/>
+                    <a:lstStyle/>
+                    <a:p>
+                      <a:pPr algn="ctr" latinLnBrk="1"/>
+                      <a:r>
+                        <a:rPr lang="en-US" altLang="ko-KR" sz="1400" dirty="0" smtClean="0"/>
+                        <a:t>O</a:t>
+                      </a:r>
+                      <a:endParaRPr lang="ko-KR" altLang="en-US" sz="1400" dirty="0"/>
+                    </a:p>
+                  </a:txBody>
+                  <a:tcPr/>
+                </a:tc>
+                <a:tc>
+                  <a:txBody>
+                    <a:bodyPr/>
+                    <a:lstStyle/>
+                    <a:p>
+                      <a:pPr algn="ctr" latinLnBrk="1"/>
+                      <a:r>
+                        <a:rPr lang="en-US" altLang="ko-KR" sz="1400" dirty="0" smtClean="0"/>
+                        <a:t>O</a:t>
+                      </a:r>
+                      <a:endParaRPr lang="ko-KR" altLang="en-US" sz="1400" dirty="0"/>
+                    </a:p>
+                  </a:txBody>
+                  <a:tcPr/>
+                </a:tc>
+              </a:tr>
+              <a:tr h="420898">
+                <a:tc>
+                  <a:txBody>
+                    <a:bodyPr/>
+                    <a:lstStyle/>
+                    <a:p>
+                      <a:pPr algn="ctr" latinLnBrk="1"/>
+                      <a:r>
+                        <a:rPr lang="ko-KR" altLang="en-US" sz="1400" dirty="0" smtClean="0"/>
+                        <a:t>로그인</a:t>
+                      </a:r>
+                      <a:endParaRPr lang="ko-KR" altLang="en-US" sz="1400" dirty="0"/>
+                    </a:p>
+                  </a:txBody>
+                  <a:tcPr/>
+                </a:tc>
+                <a:tc>
+                  <a:txBody>
+                    <a:bodyPr/>
+                    <a:lstStyle/>
+                    <a:p>
+                      <a:pPr algn="ctr" latinLnBrk="1"/>
+                      <a:r>
+                        <a:rPr lang="en-US" altLang="ko-KR" sz="1400" dirty="0" smtClean="0"/>
+                        <a:t>O</a:t>
+                      </a:r>
+                      <a:endParaRPr lang="ko-KR" altLang="en-US" sz="1400" dirty="0"/>
+                    </a:p>
+                  </a:txBody>
+                  <a:tcPr/>
+                </a:tc>
+                <a:tc>
+                  <a:txBody>
+                    <a:bodyPr/>
+                    <a:lstStyle/>
+                    <a:p>
+                      <a:pPr algn="ctr" latinLnBrk="1"/>
+                      <a:r>
+                        <a:rPr lang="en-US" altLang="ko-KR" sz="1400" dirty="0" smtClean="0"/>
+                        <a:t>X</a:t>
+                      </a:r>
+                      <a:endParaRPr lang="ko-KR" altLang="en-US" sz="1400" dirty="0"/>
+                    </a:p>
+                  </a:txBody>
+                  <a:tcPr/>
+                </a:tc>
+                <a:tc>
+                  <a:txBody>
+                    <a:bodyPr/>
+                    <a:lstStyle/>
+                    <a:p>
+                      <a:pPr algn="ctr" latinLnBrk="1"/>
+                      <a:r>
+                        <a:rPr lang="en-US" altLang="ko-KR" sz="1400" dirty="0" smtClean="0"/>
+                        <a:t>O</a:t>
+                      </a:r>
+                      <a:endParaRPr lang="ko-KR" altLang="en-US" sz="1400" dirty="0"/>
+                    </a:p>
+                  </a:txBody>
+                  <a:tcPr/>
+                </a:tc>
+                <a:tc>
+                  <a:txBody>
+                    <a:bodyPr/>
+                    <a:lstStyle/>
+                    <a:p>
+                      <a:pPr algn="ctr" latinLnBrk="1"/>
+                      <a:r>
+                        <a:rPr lang="en-US" altLang="ko-KR" sz="1400" dirty="0" smtClean="0"/>
+                        <a:t>O</a:t>
+                      </a:r>
+                      <a:endParaRPr lang="ko-KR" altLang="en-US" sz="1400" dirty="0"/>
+                    </a:p>
+                  </a:txBody>
+                  <a:tcPr/>
+                </a:tc>
+                <a:tc>
+                  <a:txBody>
+                    <a:bodyPr/>
+                    <a:lstStyle/>
+                    <a:p>
+                      <a:pPr algn="ctr" latinLnBrk="1"/>
+                      <a:r>
+                        <a:rPr lang="en-US" altLang="ko-KR" sz="1400" dirty="0" smtClean="0"/>
+                        <a:t>X</a:t>
+                      </a:r>
+                      <a:endParaRPr lang="ko-KR" altLang="en-US" sz="1400" dirty="0"/>
+                    </a:p>
+                  </a:txBody>
+                  <a:tcPr/>
+                </a:tc>
+              </a:tr>
+              <a:tr h="381000">
+                <a:tc>
+                  <a:txBody>
+                    <a:bodyPr/>
+                    <a:lstStyle/>
+                    <a:p>
+                      <a:pPr marL="0" marR="0" indent="0" algn="ctr" defTabSz="914400" rtl="0" eaLnBrk="1" fontAlgn="auto" latinLnBrk="1" hangingPunct="1">
+                        <a:lnSpc>
+                          <a:spcPct val="100000"/>
+                        </a:lnSpc>
+                        <a:spcBef>
+                          <a:spcPts val="0"/>
+                        </a:spcBef>
+                        <a:spcAft>
+                          <a:spcPts val="0"/>
+                        </a:spcAft>
+                        <a:buClrTx/>
+                        <a:buSzTx/>
+                        <a:buFontTx/>
+                        <a:buNone/>
+                        <a:tabLst/>
+                        <a:defRPr/>
+                      </a:pPr>
+                      <a:r>
+                        <a:rPr lang="ko-KR" altLang="en-US" sz="1400" dirty="0" smtClean="0"/>
+                        <a:t>물체 중복 배치</a:t>
+                      </a:r>
+                    </a:p>
+                  </a:txBody>
+                  <a:tcPr/>
+                </a:tc>
+                <a:tc>
+                  <a:txBody>
+                    <a:bodyPr/>
+                    <a:lstStyle/>
+                    <a:p>
+                      <a:pPr algn="ctr" latinLnBrk="1"/>
+                      <a:r>
+                        <a:rPr lang="en-US" altLang="ko-KR" sz="1400" dirty="0" smtClean="0"/>
+                        <a:t>O</a:t>
+                      </a:r>
+                      <a:endParaRPr lang="ko-KR" altLang="en-US" sz="1400" dirty="0"/>
+                    </a:p>
+                  </a:txBody>
+                  <a:tcPr/>
+                </a:tc>
+                <a:tc>
+                  <a:txBody>
+                    <a:bodyPr/>
+                    <a:lstStyle/>
+                    <a:p>
+                      <a:pPr algn="ctr" latinLnBrk="1"/>
+                      <a:r>
+                        <a:rPr lang="en-US" altLang="ko-KR" sz="1400" dirty="0" smtClean="0"/>
+                        <a:t>O</a:t>
+                      </a:r>
+                      <a:endParaRPr lang="ko-KR" altLang="en-US" sz="1400" dirty="0"/>
+                    </a:p>
+                  </a:txBody>
+                  <a:tcPr/>
+                </a:tc>
+                <a:tc>
+                  <a:txBody>
+                    <a:bodyPr/>
+                    <a:lstStyle/>
+                    <a:p>
+                      <a:pPr algn="ctr" latinLnBrk="1"/>
+                      <a:r>
+                        <a:rPr lang="en-US" altLang="ko-KR" sz="1400" dirty="0" smtClean="0"/>
+                        <a:t>X</a:t>
+                      </a:r>
+                      <a:endParaRPr lang="ko-KR" altLang="en-US" sz="1400" dirty="0"/>
+                    </a:p>
+                  </a:txBody>
+                  <a:tcPr/>
+                </a:tc>
+                <a:tc>
+                  <a:txBody>
+                    <a:bodyPr/>
+                    <a:lstStyle/>
+                    <a:p>
+                      <a:pPr algn="ctr" latinLnBrk="1"/>
+                      <a:r>
+                        <a:rPr lang="en-US" altLang="ko-KR" sz="1400" dirty="0" smtClean="0"/>
+                        <a:t>O</a:t>
+                      </a:r>
+                      <a:endParaRPr lang="ko-KR" altLang="en-US" sz="1400" dirty="0"/>
+                    </a:p>
+                  </a:txBody>
+                  <a:tcPr/>
+                </a:tc>
+                <a:tc>
+                  <a:txBody>
+                    <a:bodyPr/>
+                    <a:lstStyle/>
+                    <a:p>
+                      <a:pPr algn="ctr" latinLnBrk="1"/>
+                      <a:r>
+                        <a:rPr lang="en-US" altLang="ko-KR" sz="1400" dirty="0" smtClean="0"/>
+                        <a:t>O</a:t>
+                      </a:r>
+                      <a:endParaRPr lang="ko-KR" altLang="en-US" sz="1400" dirty="0"/>
+                    </a:p>
+                  </a:txBody>
+                  <a:tcPr/>
+                </a:tc>
+              </a:tr>
+              <a:tr h="381000">
+                <a:tc>
+                  <a:txBody>
+                    <a:bodyPr/>
+                    <a:lstStyle/>
+                    <a:p>
+                      <a:pPr algn="ctr" latinLnBrk="1"/>
+                      <a:r>
+                        <a:rPr lang="ko-KR" altLang="en-US" sz="1400" dirty="0" smtClean="0"/>
+                        <a:t>선택 삭제</a:t>
+                      </a:r>
+                    </a:p>
+                  </a:txBody>
+                  <a:tcPr/>
+                </a:tc>
+                <a:tc>
+                  <a:txBody>
+                    <a:bodyPr/>
+                    <a:lstStyle/>
+                    <a:p>
+                      <a:pPr algn="ctr" latinLnBrk="1"/>
+                      <a:r>
+                        <a:rPr lang="en-US" altLang="ko-KR" sz="1400" dirty="0" smtClean="0"/>
+                        <a:t>O</a:t>
+                      </a:r>
+                      <a:endParaRPr lang="ko-KR" altLang="en-US" sz="1400" dirty="0"/>
+                    </a:p>
+                  </a:txBody>
+                  <a:tcPr/>
+                </a:tc>
+                <a:tc>
+                  <a:txBody>
+                    <a:bodyPr/>
+                    <a:lstStyle/>
+                    <a:p>
+                      <a:pPr algn="ctr" latinLnBrk="1"/>
+                      <a:r>
+                        <a:rPr lang="en-US" altLang="ko-KR" sz="1400" dirty="0" smtClean="0"/>
+                        <a:t>O</a:t>
+                      </a:r>
+                      <a:endParaRPr lang="ko-KR" altLang="en-US" sz="1400" dirty="0"/>
+                    </a:p>
+                  </a:txBody>
+                  <a:tcPr/>
+                </a:tc>
+                <a:tc>
+                  <a:txBody>
+                    <a:bodyPr/>
+                    <a:lstStyle/>
+                    <a:p>
+                      <a:pPr algn="ctr" latinLnBrk="1"/>
+                      <a:r>
+                        <a:rPr lang="en-US" altLang="ko-KR" sz="1400" dirty="0" smtClean="0"/>
+                        <a:t>O</a:t>
+                      </a:r>
+                      <a:endParaRPr lang="ko-KR" altLang="en-US" sz="1400" dirty="0"/>
+                    </a:p>
+                  </a:txBody>
+                  <a:tcPr/>
+                </a:tc>
+                <a:tc>
+                  <a:txBody>
+                    <a:bodyPr/>
+                    <a:lstStyle/>
+                    <a:p>
+                      <a:pPr algn="ctr" latinLnBrk="1"/>
+                      <a:r>
+                        <a:rPr lang="en-US" altLang="ko-KR" sz="1400" dirty="0" smtClean="0"/>
+                        <a:t>O</a:t>
+                      </a:r>
+                      <a:endParaRPr lang="ko-KR" altLang="en-US" sz="1400" dirty="0"/>
+                    </a:p>
+                  </a:txBody>
+                  <a:tcPr/>
+                </a:tc>
+                <a:tc>
+                  <a:txBody>
+                    <a:bodyPr/>
+                    <a:lstStyle/>
+                    <a:p>
+                      <a:pPr algn="ctr" latinLnBrk="1"/>
+                      <a:r>
+                        <a:rPr lang="en-US" altLang="ko-KR" sz="1400" dirty="0" smtClean="0"/>
+                        <a:t>O</a:t>
+                      </a:r>
+                      <a:endParaRPr lang="ko-KR" altLang="en-US" sz="1400" dirty="0"/>
+                    </a:p>
+                  </a:txBody>
+                  <a:tcPr/>
+                </a:tc>
+              </a:tr>
+              <a:tr h="381000">
+                <a:tc>
+                  <a:txBody>
+                    <a:bodyPr/>
+                    <a:lstStyle/>
+                    <a:p>
+                      <a:pPr algn="ctr" latinLnBrk="1"/>
+                      <a:r>
+                        <a:rPr lang="ko-KR" altLang="en-US" sz="1400" dirty="0" smtClean="0"/>
+                        <a:t>사용법</a:t>
+                      </a:r>
+                      <a:endParaRPr lang="ko-KR" altLang="en-US" sz="1400" dirty="0"/>
+                    </a:p>
+                  </a:txBody>
+                  <a:tcPr/>
+                </a:tc>
+                <a:tc>
+                  <a:txBody>
+                    <a:bodyPr/>
+                    <a:lstStyle/>
+                    <a:p>
+                      <a:pPr algn="ctr" latinLnBrk="1"/>
+                      <a:r>
+                        <a:rPr lang="ko-KR" altLang="en-US" sz="1400" dirty="0" smtClean="0"/>
+                        <a:t>웹</a:t>
+                      </a:r>
+                      <a:endParaRPr lang="ko-KR" altLang="en-US" sz="1400" dirty="0"/>
+                    </a:p>
+                  </a:txBody>
+                  <a:tcPr/>
+                </a:tc>
+                <a:tc>
+                  <a:txBody>
+                    <a:bodyPr/>
+                    <a:lstStyle/>
+                    <a:p>
+                      <a:pPr algn="ctr" latinLnBrk="1"/>
+                      <a:r>
+                        <a:rPr lang="ko-KR" altLang="en-US" sz="1400" dirty="0" err="1" smtClean="0"/>
+                        <a:t>앱</a:t>
+                      </a:r>
+                      <a:endParaRPr lang="ko-KR" altLang="en-US" sz="1400" dirty="0"/>
+                    </a:p>
+                  </a:txBody>
+                  <a:tcPr/>
+                </a:tc>
+                <a:tc>
+                  <a:txBody>
+                    <a:bodyPr/>
+                    <a:lstStyle/>
+                    <a:p>
+                      <a:pPr algn="ctr" latinLnBrk="1"/>
+                      <a:r>
+                        <a:rPr lang="ko-KR" altLang="en-US" sz="1400" dirty="0" err="1" smtClean="0"/>
+                        <a:t>앱</a:t>
+                      </a:r>
+                      <a:endParaRPr lang="ko-KR" altLang="en-US" sz="1400" dirty="0"/>
+                    </a:p>
+                  </a:txBody>
+                  <a:tcPr/>
+                </a:tc>
+                <a:tc>
+                  <a:txBody>
+                    <a:bodyPr/>
+                    <a:lstStyle/>
+                    <a:p>
+                      <a:pPr algn="ctr" latinLnBrk="1"/>
+                      <a:r>
+                        <a:rPr lang="ko-KR" altLang="en-US" sz="1400" dirty="0" err="1" smtClean="0"/>
+                        <a:t>앱</a:t>
+                      </a:r>
+                      <a:endParaRPr lang="ko-KR" altLang="en-US" sz="1400" dirty="0"/>
+                    </a:p>
+                  </a:txBody>
+                  <a:tcPr/>
+                </a:tc>
+                <a:tc>
+                  <a:txBody>
+                    <a:bodyPr/>
+                    <a:lstStyle/>
+                    <a:p>
+                      <a:pPr algn="ctr" latinLnBrk="1"/>
+                      <a:r>
+                        <a:rPr lang="ko-KR" altLang="en-US" sz="1400" dirty="0" err="1" smtClean="0"/>
+                        <a:t>앱</a:t>
+                      </a:r>
+                      <a:endParaRPr lang="ko-KR" altLang="en-US" sz="1400" dirty="0"/>
+                    </a:p>
+                  </a:txBody>
+                  <a:tcPr/>
+                </a:tc>
+              </a:tr>
+              <a:tr h="417302">
+                <a:tc>
+                  <a:txBody>
+                    <a:bodyPr/>
+                    <a:lstStyle/>
+                    <a:p>
+                      <a:pPr algn="ctr" latinLnBrk="1"/>
+                      <a:r>
+                        <a:rPr lang="ko-KR" altLang="en-US" sz="1400" dirty="0" smtClean="0"/>
+                        <a:t>단점</a:t>
+                      </a:r>
+                      <a:endParaRPr lang="ko-KR" altLang="en-US" sz="1400" dirty="0"/>
+                    </a:p>
+                  </a:txBody>
+                  <a:tcPr/>
+                </a:tc>
+                <a:tc>
+                  <a:txBody>
+                    <a:bodyPr/>
+                    <a:lstStyle/>
+                    <a:p>
+                      <a:pPr algn="ctr" latinLnBrk="1"/>
+                      <a:r>
+                        <a:rPr lang="ko-KR" altLang="en-US" sz="1400" dirty="0" smtClean="0"/>
+                        <a:t>물체를 사용자가 넣어야 함</a:t>
+                      </a:r>
+                      <a:endParaRPr lang="ko-KR" altLang="en-US" sz="1400" dirty="0"/>
+                    </a:p>
+                  </a:txBody>
+                  <a:tcPr/>
+                </a:tc>
+                <a:tc>
+                  <a:txBody>
+                    <a:bodyPr/>
+                    <a:lstStyle/>
+                    <a:p>
+                      <a:pPr algn="ctr" latinLnBrk="1"/>
+                      <a:r>
+                        <a:rPr lang="ko-KR" altLang="en-US" sz="1400" smtClean="0"/>
+                        <a:t>안드로이드</a:t>
+                      </a:r>
+                      <a:r>
+                        <a:rPr lang="en-US" altLang="ko-KR" sz="1400" smtClean="0"/>
+                        <a:t>-play</a:t>
+                      </a:r>
+                      <a:r>
+                        <a:rPr lang="ko-KR" altLang="en-US" sz="1400" smtClean="0"/>
+                        <a:t>스토어에 없어서 웹에서 직접 다운 받아야 함</a:t>
+                      </a:r>
+                      <a:endParaRPr lang="en-US" altLang="ko-KR" sz="1400" smtClean="0"/>
+                    </a:p>
+                    <a:p>
+                      <a:pPr algn="ctr" latinLnBrk="1"/>
+                      <a:r>
+                        <a:rPr lang="ko-KR" altLang="en-US" sz="1400" smtClean="0"/>
+                        <a:t>이동</a:t>
+                      </a:r>
+                      <a:r>
+                        <a:rPr lang="en-US" altLang="ko-KR" sz="1400" smtClean="0"/>
+                        <a:t>/</a:t>
+                      </a:r>
+                      <a:r>
+                        <a:rPr lang="ko-KR" altLang="en-US" sz="1400" smtClean="0"/>
+                        <a:t>회전이 부자연스러움</a:t>
+                      </a:r>
+                      <a:endParaRPr lang="ko-KR" altLang="en-US" sz="1400" dirty="0"/>
+                    </a:p>
+                  </a:txBody>
+                  <a:tcPr/>
+                </a:tc>
+                <a:tc>
+                  <a:txBody>
+                    <a:bodyPr/>
+                    <a:lstStyle/>
+                    <a:p>
+                      <a:pPr algn="ctr" latinLnBrk="1"/>
+                      <a:r>
+                        <a:rPr lang="ko-KR" altLang="en-US" sz="1400" dirty="0" smtClean="0"/>
+                        <a:t>한글 지원이 안됨 </a:t>
+                      </a:r>
+                      <a:endParaRPr lang="en-US" altLang="ko-KR" sz="1400" dirty="0" smtClean="0"/>
+                    </a:p>
+                    <a:p>
+                      <a:pPr algn="ctr" latinLnBrk="1"/>
+                      <a:r>
+                        <a:rPr lang="en-US" altLang="ko-KR" sz="1400" dirty="0" smtClean="0"/>
+                        <a:t>3D </a:t>
+                      </a:r>
+                      <a:r>
+                        <a:rPr lang="ko-KR" altLang="en-US" sz="1400" dirty="0" smtClean="0"/>
+                        <a:t>물체</a:t>
+                      </a:r>
+                      <a:r>
+                        <a:rPr lang="ko-KR" altLang="en-US" sz="1400" baseline="0" dirty="0" smtClean="0"/>
+                        <a:t> 적음</a:t>
+                      </a:r>
+                      <a:endParaRPr lang="ko-KR" altLang="en-US" sz="1400" dirty="0"/>
+                    </a:p>
+                  </a:txBody>
+                  <a:tcPr/>
+                </a:tc>
+                <a:tc>
+                  <a:txBody>
+                    <a:bodyPr/>
+                    <a:lstStyle/>
+                    <a:p>
+                      <a:pPr algn="ctr" latinLnBrk="1"/>
+                      <a:r>
+                        <a:rPr lang="ko-KR" altLang="en-US" sz="1400" dirty="0" smtClean="0"/>
+                        <a:t>전체적으로 로딩시간이 김</a:t>
+                      </a:r>
+                      <a:endParaRPr lang="en-US" altLang="ko-KR" sz="1400" dirty="0" smtClean="0"/>
+                    </a:p>
+                    <a:p>
+                      <a:pPr algn="ctr" latinLnBrk="1"/>
+                      <a:endParaRPr lang="ko-KR" altLang="en-US" sz="1400" dirty="0"/>
+                    </a:p>
+                  </a:txBody>
+                  <a:tcPr/>
+                </a:tc>
+                <a:tc>
+                  <a:txBody>
+                    <a:bodyPr/>
+                    <a:lstStyle/>
+                    <a:p>
+                      <a:pPr algn="ctr" latinLnBrk="1"/>
+                      <a:r>
+                        <a:rPr lang="ko-KR" altLang="en-US" sz="1400" dirty="0" smtClean="0"/>
+                        <a:t>물체들이 너무 적음 </a:t>
+                      </a:r>
+                      <a:endParaRPr lang="en-US" altLang="ko-KR" sz="1400" dirty="0" smtClean="0"/>
+                    </a:p>
+                    <a:p>
+                      <a:pPr algn="ctr" latinLnBrk="1"/>
+                      <a:r>
+                        <a:rPr lang="ko-KR" altLang="en-US" sz="1400" dirty="0" smtClean="0"/>
+                        <a:t>정해져 있는 물체 말고는 추가불가</a:t>
+                      </a:r>
+                      <a:endParaRPr lang="ko-KR" altLang="en-US" sz="1400" dirty="0"/>
+                    </a:p>
+                  </a:txBody>
+                  <a:tcPr/>
+                </a:tc>
+              </a:tr>
+            </a:tbl>
+          </a:graphicData>
+        </a:graphic>
+      </p:graphicFrame>
     </p:spTree>
     <p:extLst>
       <p:ext uri="{BB962C8B-B14F-4D97-AF65-F5344CB8AC3E}">
-        <p14:creationId xmlns:p14="http://schemas.microsoft.com/office/powerpoint/2010/main" val="1312834005"/>
+        <p14:creationId xmlns:p14="http://schemas.microsoft.com/office/powerpoint/2010/main" val="1913635215"/>
       </p:ext>
     </p:extLst>
   </p:cSld>
@@ -30846,7 +31457,7 @@
   <a:extraClrSchemeLst/>
   <a:extLst>
     <a:ext uri="{05A4C25C-085E-4340-85A3-A5531E510DB2}">
-      <thm15:themeFamily xmlns="" xmlns:thm15="http://schemas.microsoft.com/office/thememl/2012/main" name="Office Theme" id="{62F939B6-93AF-4DB8-9C6B-D6C7DFDC589F}" vid="{4A3C46E8-61CC-4603-A589-7422A47A8E4A}"/>
+      <thm15:themeFamily xmlns:thm15="http://schemas.microsoft.com/office/thememl/2012/main" xmlns="" name="Office Theme" id="{62F939B6-93AF-4DB8-9C6B-D6C7DFDC589F}" vid="{4A3C46E8-61CC-4603-A589-7422A47A8E4A}"/>
     </a:ext>
   </a:extLst>
 </a:theme>
@@ -31390,7 +32001,7 @@
   <a:extraClrSchemeLst/>
   <a:extLst>
     <a:ext uri="{05A4C25C-085E-4340-85A3-A5531E510DB2}">
-      <thm15:themeFamily xmlns="" xmlns:thm15="http://schemas.microsoft.com/office/thememl/2012/main" name="Office Theme" id="{62F939B6-93AF-4DB8-9C6B-D6C7DFDC589F}" vid="{4A3C46E8-61CC-4603-A589-7422A47A8E4A}"/>
+      <thm15:themeFamily xmlns:thm15="http://schemas.microsoft.com/office/thememl/2012/main" xmlns="" name="Office Theme" id="{62F939B6-93AF-4DB8-9C6B-D6C7DFDC589F}" vid="{4A3C46E8-61CC-4603-A589-7422A47A8E4A}"/>
     </a:ext>
   </a:extLst>
 </a:theme>

--- a/호남-발표자료.pptx
+++ b/호남-발표자료.pptx
@@ -14322,7 +14322,7 @@
                 </a:spcAft>
                 <a:defRPr lang="ko-KR" altLang="en-US"/>
               </a:pPr>
-              <a:endParaRPr lang="en-US" altLang="ko-KR" sz="2800">
+              <a:endParaRPr lang="en-US" altLang="ko-KR" sz="2800" dirty="0">
                 <a:latin typeface="+mn-lt"/>
                 <a:ea typeface="+mn-ea"/>
                 <a:cs typeface="+mn-cs"/>
@@ -14342,28 +14342,14 @@
                 <a:defRPr lang="ko-KR" altLang="en-US"/>
               </a:pPr>
               <a:r>
-                <a:rPr lang="ko-KR" altLang="en-US" sz="1400">
+                <a:rPr lang="ko-KR" altLang="en-US" sz="1400" dirty="0" err="1">
                   <a:latin typeface="+mn-lt"/>
                   <a:ea typeface="+mn-ea"/>
                   <a:cs typeface="+mn-cs"/>
                 </a:rPr>
                 <a:t>곽규한</a:t>
               </a:r>
-            </a:p>
-            <a:p>
-              <a:pPr lvl="0" algn="l" defTabSz="1244600" latinLnBrk="1">
-                <a:lnSpc>
-                  <a:spcPct val="90000"/>
-                </a:lnSpc>
-                <a:spcBef>
-                  <a:spcPct val="0"/>
-                </a:spcBef>
-                <a:spcAft>
-                  <a:spcPct val="35000"/>
-                </a:spcAft>
-                <a:defRPr lang="ko-KR" altLang="en-US"/>
-              </a:pPr>
-              <a:endParaRPr lang="en-US" altLang="ko-KR" sz="1400">
+              <a:endParaRPr lang="ko-KR" altLang="en-US" sz="1400" dirty="0">
                 <a:latin typeface="+mn-lt"/>
                 <a:ea typeface="+mn-ea"/>
                 <a:cs typeface="+mn-cs"/>
@@ -14382,7 +14368,7 @@
                 </a:spcAft>
                 <a:defRPr lang="ko-KR" altLang="en-US"/>
               </a:pPr>
-              <a:endParaRPr lang="en-US" altLang="ko-KR" sz="1400">
+              <a:endParaRPr lang="en-US" altLang="ko-KR" sz="1400" dirty="0">
                 <a:latin typeface="+mn-lt"/>
                 <a:ea typeface="+mn-ea"/>
                 <a:cs typeface="+mn-cs"/>
@@ -14401,7 +14387,7 @@
                 </a:spcAft>
                 <a:defRPr lang="ko-KR" altLang="en-US"/>
               </a:pPr>
-              <a:endParaRPr lang="en-US" altLang="ko-KR" sz="1400">
+              <a:endParaRPr lang="en-US" altLang="ko-KR" sz="1400" dirty="0">
                 <a:latin typeface="+mn-lt"/>
                 <a:ea typeface="+mn-ea"/>
                 <a:cs typeface="+mn-cs"/>
@@ -14420,7 +14406,26 @@
                 </a:spcAft>
                 <a:defRPr lang="ko-KR" altLang="en-US"/>
               </a:pPr>
-              <a:endParaRPr lang="en-US" altLang="ko-KR" sz="700">
+              <a:endParaRPr lang="en-US" altLang="ko-KR" sz="1400" dirty="0">
+                <a:latin typeface="+mn-lt"/>
+                <a:ea typeface="+mn-ea"/>
+                <a:cs typeface="+mn-cs"/>
+              </a:endParaRPr>
+            </a:p>
+            <a:p>
+              <a:pPr lvl="0" algn="l" defTabSz="1244600" latinLnBrk="1">
+                <a:lnSpc>
+                  <a:spcPct val="90000"/>
+                </a:lnSpc>
+                <a:spcBef>
+                  <a:spcPct val="0"/>
+                </a:spcBef>
+                <a:spcAft>
+                  <a:spcPct val="35000"/>
+                </a:spcAft>
+                <a:defRPr lang="ko-KR" altLang="en-US"/>
+              </a:pPr>
+              <a:endParaRPr lang="en-US" altLang="ko-KR" sz="700" dirty="0">
                 <a:latin typeface="+mn-lt"/>
                 <a:ea typeface="+mn-ea"/>
                 <a:cs typeface="+mn-cs"/>
@@ -14440,7 +14445,7 @@
                 <a:defRPr lang="ko-KR" altLang="en-US"/>
               </a:pPr>
               <a:r>
-                <a:rPr lang="ko-KR" altLang="en-US" sz="1400">
+                <a:rPr lang="ko-KR" altLang="en-US" sz="1400" dirty="0">
                   <a:latin typeface="+mn-lt"/>
                   <a:ea typeface="+mn-ea"/>
                   <a:cs typeface="+mn-cs"/>
@@ -14461,7 +14466,7 @@
                 </a:spcAft>
                 <a:defRPr lang="ko-KR" altLang="en-US"/>
               </a:pPr>
-              <a:endParaRPr lang="en-US" altLang="ko-KR" sz="1400">
+              <a:endParaRPr lang="en-US" altLang="ko-KR" sz="1400" dirty="0">
                 <a:latin typeface="+mn-lt"/>
                 <a:ea typeface="+mn-ea"/>
                 <a:cs typeface="+mn-cs"/>
@@ -14480,7 +14485,7 @@
                 </a:spcAft>
                 <a:defRPr lang="ko-KR" altLang="en-US"/>
               </a:pPr>
-              <a:endParaRPr lang="en-US" altLang="ko-KR" sz="1400">
+              <a:endParaRPr lang="en-US" altLang="ko-KR" sz="1400" dirty="0">
                 <a:latin typeface="+mn-lt"/>
                 <a:ea typeface="+mn-ea"/>
                 <a:cs typeface="+mn-cs"/>
@@ -14499,7 +14504,7 @@
                 </a:spcAft>
                 <a:defRPr lang="ko-KR" altLang="en-US"/>
               </a:pPr>
-              <a:endParaRPr lang="en-US" altLang="ko-KR" sz="1400">
+              <a:endParaRPr lang="en-US" altLang="ko-KR" sz="1400" dirty="0">
                 <a:latin typeface="+mn-lt"/>
                 <a:ea typeface="+mn-ea"/>
                 <a:cs typeface="+mn-cs"/>
@@ -14518,7 +14523,7 @@
                 </a:spcAft>
                 <a:defRPr lang="ko-KR" altLang="en-US"/>
               </a:pPr>
-              <a:endParaRPr lang="en-US" altLang="ko-KR" sz="1400">
+              <a:endParaRPr lang="en-US" altLang="ko-KR" sz="1400" dirty="0">
                 <a:latin typeface="+mn-lt"/>
                 <a:ea typeface="+mn-ea"/>
                 <a:cs typeface="+mn-cs"/>
@@ -14538,14 +14543,14 @@
                 <a:defRPr lang="ko-KR" altLang="en-US"/>
               </a:pPr>
               <a:r>
-                <a:rPr lang="ko-KR" altLang="en-US" sz="1400">
+                <a:rPr lang="ko-KR" altLang="en-US" sz="1400" dirty="0">
                   <a:latin typeface="+mn-lt"/>
                   <a:ea typeface="+mn-ea"/>
                   <a:cs typeface="+mn-cs"/>
                 </a:rPr>
                 <a:t>이남현</a:t>
               </a:r>
-              <a:endParaRPr lang="en-US" altLang="ko-KR" sz="1400">
+              <a:endParaRPr lang="en-US" altLang="ko-KR" sz="1400" dirty="0">
                 <a:latin typeface="+mn-lt"/>
                 <a:ea typeface="+mn-ea"/>
                 <a:cs typeface="+mn-cs"/>
@@ -25577,63 +25582,128 @@
           </a:p>
         </p:txBody>
       </p:sp>
-      <p:sp>
-        <p:nvSpPr>
-          <p:cNvPr id="8" name="TextBox 7"/>
-          <p:cNvSpPr txBox="1"/>
-          <p:nvPr/>
-        </p:nvSpPr>
+      <p:pic>
+        <p:nvPicPr>
+          <p:cNvPr id="2" name="semple">
+            <a:hlinkClick r:id="" action="ppaction://media"/>
+          </p:cNvPr>
+          <p:cNvPicPr>
+            <a:picLocks noChangeAspect="1"/>
+          </p:cNvPicPr>
+          <p:nvPr>
+            <a:videoFile r:link="rId2"/>
+            <p:extLst>
+              <p:ext uri="{DAA4B4D4-6D71-4841-9C94-3DE7FCFB9230}">
+                <p14:media xmlns:p14="http://schemas.microsoft.com/office/powerpoint/2010/main" r:embed="rId1"/>
+              </p:ext>
+            </p:extLst>
+          </p:nvPr>
+        </p:nvPicPr>
+        <p:blipFill>
+          <a:blip r:embed="rId4"/>
+          <a:stretch>
+            <a:fillRect/>
+          </a:stretch>
+        </p:blipFill>
         <p:spPr>
           <a:xfrm>
-            <a:off x="2286000" y="2517972"/>
-            <a:ext cx="4853940" cy="307777"/>
+            <a:off x="1290228" y="1474961"/>
+            <a:ext cx="6552491" cy="3300134"/>
           </a:xfrm>
           <a:prstGeom prst="rect">
             <a:avLst/>
           </a:prstGeom>
           <a:noFill/>
+          <a:ln>
+            <a:noFill/>
+          </a:ln>
         </p:spPr>
-        <p:txBody>
-          <a:bodyPr wrap="none">
-            <a:spAutoFit/>
-          </a:bodyPr>
-          <a:lstStyle/>
-          <a:p>
-            <a:pPr lvl="0">
-              <a:defRPr lang="ko-KR" altLang="en-US"/>
-            </a:pPr>
-            <a:r>
-              <a:rPr lang="ko-KR" altLang="en-US" sz="1400" dirty="0">
-                <a:latin typeface="+mn-lt"/>
-                <a:ea typeface="+mn-ea"/>
-                <a:cs typeface="+mn-cs"/>
-              </a:rPr>
-              <a:t>대충 폰 켜서 웹 페이지</a:t>
-            </a:r>
-            <a:r>
-              <a:rPr lang="en-US" altLang="ko-KR" sz="1400" dirty="0">
-                <a:latin typeface="+mn-lt"/>
-                <a:ea typeface="+mn-ea"/>
-                <a:cs typeface="+mn-cs"/>
-              </a:rPr>
-              <a:t>(AR)</a:t>
-            </a:r>
-            <a:r>
-              <a:rPr lang="ko-KR" altLang="en-US" sz="1400" dirty="0">
-                <a:latin typeface="+mn-lt"/>
-                <a:ea typeface="+mn-ea"/>
-                <a:cs typeface="+mn-cs"/>
-              </a:rPr>
-              <a:t> 접속하고 실행까지만 하는 영상</a:t>
-            </a:r>
-          </a:p>
-        </p:txBody>
-      </p:sp>
+      </p:pic>
     </p:spTree>
   </p:cSld>
   <p:clrMapOvr>
     <a:masterClrMapping/>
   </p:clrMapOvr>
+  <p:timing>
+    <p:tnLst>
+      <p:par>
+        <p:cTn id="1" dur="indefinite" restart="never" nodeType="tmRoot">
+          <p:childTnLst>
+            <p:seq concurrent="1" nextAc="seek">
+              <p:cTn id="2" restart="whenNotActive" fill="hold" evtFilter="cancelBubble" nodeType="interactiveSeq">
+                <p:stCondLst>
+                  <p:cond evt="onClick" delay="0">
+                    <p:tgtEl>
+                      <p:spTgt spid="2"/>
+                    </p:tgtEl>
+                  </p:cond>
+                </p:stCondLst>
+                <p:endSync evt="end" delay="0">
+                  <p:rtn val="all"/>
+                </p:endSync>
+                <p:childTnLst>
+                  <p:par>
+                    <p:cTn id="3" fill="hold">
+                      <p:stCondLst>
+                        <p:cond delay="0"/>
+                      </p:stCondLst>
+                      <p:childTnLst>
+                        <p:par>
+                          <p:cTn id="4" fill="hold">
+                            <p:stCondLst>
+                              <p:cond delay="0"/>
+                            </p:stCondLst>
+                            <p:childTnLst>
+                              <p:par>
+                                <p:cTn id="5" presetID="2" presetClass="mediacall" presetSubtype="0" fill="hold" nodeType="clickEffect">
+                                  <p:stCondLst>
+                                    <p:cond delay="0"/>
+                                  </p:stCondLst>
+                                  <p:childTnLst>
+                                    <p:cmd type="call" cmd="togglePause">
+                                      <p:cBhvr>
+                                        <p:cTn id="6" dur="1" fill="hold"/>
+                                        <p:tgtEl>
+                                          <p:spTgt spid="2"/>
+                                        </p:tgtEl>
+                                      </p:cBhvr>
+                                    </p:cmd>
+                                  </p:childTnLst>
+                                </p:cTn>
+                              </p:par>
+                            </p:childTnLst>
+                          </p:cTn>
+                        </p:par>
+                      </p:childTnLst>
+                    </p:cTn>
+                  </p:par>
+                </p:childTnLst>
+              </p:cTn>
+              <p:nextCondLst>
+                <p:cond evt="onClick" delay="0">
+                  <p:tgtEl>
+                    <p:spTgt spid="2"/>
+                  </p:tgtEl>
+                </p:cond>
+              </p:nextCondLst>
+            </p:seq>
+            <p:video>
+              <p:cMediaNode vol="80000">
+                <p:cTn id="7" fill="hold" display="0">
+                  <p:stCondLst>
+                    <p:cond delay="indefinite"/>
+                  </p:stCondLst>
+                </p:cTn>
+                <p:tgtEl>
+                  <p:spTgt spid="2"/>
+                </p:tgtEl>
+              </p:cMediaNode>
+            </p:video>
+          </p:childTnLst>
+        </p:cTn>
+      </p:par>
+    </p:tnLst>
+  </p:timing>
 </p:sld>
 </file>
 
@@ -28353,7 +28423,7 @@
         </p:blipFill>
         <p:spPr bwMode="auto">
           <a:xfrm>
-            <a:off x="1763688" y="1196366"/>
+            <a:off x="1619672" y="1201184"/>
             <a:ext cx="3060340" cy="1461655"/>
           </a:xfrm>
           <a:prstGeom prst="rect">

--- a/호남-발표자료.pptx
+++ b/호남-발표자료.pptx
@@ -238,7 +238,7 @@
               <a:pPr lvl="0">
                 <a:defRPr lang="ko-KR" altLang="en-US"/>
               </a:pPr>
-              <a:t>11/17/2020</a:t>
+              <a:t>11/20/2020</a:t>
             </a:fld>
             <a:endParaRPr lang="en-US"/>
           </a:p>
@@ -421,7 +421,7 @@
               <a:pPr lvl="0">
                 <a:defRPr lang="ko-KR" altLang="en-US"/>
               </a:pPr>
-              <a:t>11/17/2020</a:t>
+              <a:t>11/20/2020</a:t>
             </a:fld>
             <a:endParaRPr lang="en-US"/>
           </a:p>
@@ -5029,7 +5029,7 @@
           </p:nvPr>
         </p:nvPicPr>
         <p:blipFill rotWithShape="1">
-          <a:blip r:embed="rId3"/>
+          <a:blip r:embed="rId4"/>
           <a:srcRect t="3000" b="3000"/>
           <a:stretch>
             <a:fillRect/>
@@ -5556,6 +5556,9 @@
         </p:txBody>
       </p:sp>
     </p:spTree>
+    <p:custDataLst>
+      <p:tags r:id="rId1"/>
+    </p:custDataLst>
   </p:cSld>
   <p:clrMapOvr>
     <a:masterClrMapping/>
@@ -13161,6 +13164,13 @@
   <p:transition spd="slow">
     <p:randomBar dir="vert"/>
   </p:transition>
+  <p:timing>
+    <p:tnLst>
+      <p:par>
+        <p:cTn id="1" dur="indefinite" restart="never" nodeType="tmRoot"/>
+      </p:par>
+    </p:tnLst>
+  </p:timing>
 </p:sld>
 </file>
 
@@ -14161,6 +14171,13 @@
   <p:clrMapOvr>
     <a:masterClrMapping/>
   </p:clrMapOvr>
+  <p:timing>
+    <p:tnLst>
+      <p:par>
+        <p:cTn id="1" dur="indefinite" restart="never" nodeType="tmRoot"/>
+      </p:par>
+    </p:tnLst>
+  </p:timing>
 </p:sld>
 </file>
 
@@ -15199,6 +15216,13 @@
   <p:clrMapOvr>
     <a:masterClrMapping/>
   </p:clrMapOvr>
+  <p:timing>
+    <p:tnLst>
+      <p:par>
+        <p:cTn id="1" dur="indefinite" restart="never" nodeType="tmRoot"/>
+      </p:par>
+    </p:tnLst>
+  </p:timing>
 </p:sld>
 </file>
 
@@ -15313,6 +15337,13 @@
   <p:clrMapOvr>
     <a:masterClrMapping/>
   </p:clrMapOvr>
+  <p:timing>
+    <p:tnLst>
+      <p:par>
+        <p:cTn id="1" dur="indefinite" restart="never" nodeType="tmRoot"/>
+      </p:par>
+    </p:tnLst>
+  </p:timing>
 </p:sld>
 </file>
 
@@ -15638,7 +15669,7 @@
               <a:defRPr lang="ko-KR" altLang="en-US"/>
             </a:pPr>
             <a:r>
-              <a:rPr lang="en-US" sz="1400" b="1">
+              <a:rPr lang="en-US" sz="1400" b="1" dirty="0">
                 <a:solidFill>
                   <a:schemeClr val="accent1"/>
                 </a:solidFill>
@@ -15647,7 +15678,7 @@
               <a:t>FIRST</a:t>
             </a:r>
             <a:r>
-              <a:rPr lang="en-US" sz="1400" b="1">
+              <a:rPr lang="en-US" sz="1400" b="1" dirty="0">
                 <a:solidFill>
                   <a:schemeClr val="bg1">
                     <a:lumMod val="65000"/>
@@ -15658,7 +15689,7 @@
               <a:t/>
             </a:r>
             <a:br>
-              <a:rPr lang="en-US" sz="1400" b="1">
+              <a:rPr lang="en-US" sz="1400" b="1" dirty="0">
                 <a:solidFill>
                   <a:schemeClr val="bg1">
                     <a:lumMod val="65000"/>
@@ -15668,7 +15699,7 @@
               </a:rPr>
             </a:br>
             <a:r>
-              <a:rPr lang="ko-KR" altLang="en-US" sz="1400" b="1">
+              <a:rPr lang="ko-KR" altLang="en-US" sz="1400" b="1" dirty="0">
                 <a:solidFill>
                   <a:schemeClr val="bg1">
                     <a:lumMod val="65000"/>
@@ -15678,7 +15709,7 @@
               </a:rPr>
               <a:t>개발동기</a:t>
             </a:r>
-            <a:endParaRPr lang="en-US" sz="1200">
+            <a:endParaRPr lang="en-US" sz="1200" dirty="0">
               <a:solidFill>
                 <a:schemeClr val="bg1">
                   <a:lumMod val="65000"/>
@@ -23444,6 +23475,9 @@
         </p:txBody>
       </p:sp>
     </p:spTree>
+    <p:custDataLst>
+      <p:tags r:id="rId1"/>
+    </p:custDataLst>
   </p:cSld>
   <p:clrMapOvr>
     <a:masterClrMapping/>
@@ -23462,10 +23496,7 @@
                   <p:par>
                     <p:cTn id="3" fill="hold">
                       <p:stCondLst>
-                        <p:cond delay="0"/>
-                        <p:cond evt="onBegin" delay="0">
-                          <p:tn val="2"/>
-                        </p:cond>
+                        <p:cond delay="indefinite"/>
                       </p:stCondLst>
                       <p:childTnLst>
                         <p:par>
@@ -23475,13 +23506,10 @@
                             </p:stCondLst>
                             <p:childTnLst>
                               <p:par>
-                                <p:cTn id="5" presetID="2" presetClass="entr" presetSubtype="8" fill="hold" grpId="0" nodeType="afterEffect">
+                                <p:cTn id="5" presetID="2" presetClass="entr" presetSubtype="8" fill="hold" grpId="0" nodeType="clickEffect">
                                   <p:stCondLst>
                                     <p:cond delay="0"/>
                                   </p:stCondLst>
-                                  <p:iterate>
-                                    <p:tmPct val="10000"/>
-                                  </p:iterate>
                                   <p:childTnLst>
                                     <p:set>
                                       <p:cBhvr>
@@ -23502,12 +23530,8 @@
                                       </p:to>
                                     </p:set>
                                     <p:anim calcmode="lin" valueType="num">
-                                      <p:cBhvr>
-                                        <p:cTn id="7" dur="500" fill="hold">
-                                          <p:stCondLst>
-                                            <p:cond delay="0"/>
-                                          </p:stCondLst>
-                                        </p:cTn>
+                                      <p:cBhvr additive="base">
+                                        <p:cTn id="7" dur="500" fill="hold"/>
                                         <p:tgtEl>
                                           <p:spTgt spid="23"/>
                                         </p:tgtEl>
@@ -23529,12 +23553,8 @@
                                       </p:tavLst>
                                     </p:anim>
                                     <p:anim calcmode="lin" valueType="num">
-                                      <p:cBhvr>
-                                        <p:cTn id="8" dur="500" fill="hold">
-                                          <p:stCondLst>
-                                            <p:cond delay="0"/>
-                                          </p:stCondLst>
-                                        </p:cTn>
+                                      <p:cBhvr additive="base">
+                                        <p:cTn id="8" dur="500" fill="hold"/>
                                         <p:tgtEl>
                                           <p:spTgt spid="23"/>
                                         </p:tgtEl>
@@ -23744,27 +23764,15 @@
                                   </p:childTnLst>
                                 </p:cTn>
                               </p:par>
-                            </p:childTnLst>
-                          </p:cTn>
-                        </p:par>
-                        <p:par>
-                          <p:cTn id="19" fill="hold">
-                            <p:stCondLst>
-                              <p:cond delay="500"/>
-                            </p:stCondLst>
-                            <p:childTnLst>
                               <p:par>
-                                <p:cTn id="20" presetID="2" presetClass="entr" presetSubtype="8" fill="hold" grpId="0" nodeType="afterEffect">
+                                <p:cTn id="19" presetID="2" presetClass="entr" presetSubtype="8" fill="hold" grpId="0" nodeType="withEffect">
                                   <p:stCondLst>
                                     <p:cond delay="0"/>
                                   </p:stCondLst>
-                                  <p:iterate>
-                                    <p:tmPct val="10000"/>
-                                  </p:iterate>
                                   <p:childTnLst>
                                     <p:set>
                                       <p:cBhvr>
-                                        <p:cTn id="21" dur="1" fill="hold">
+                                        <p:cTn id="20" dur="1" fill="hold">
                                           <p:stCondLst>
                                             <p:cond delay="0"/>
                                           </p:stCondLst>
@@ -23781,12 +23789,8 @@
                                       </p:to>
                                     </p:set>
                                     <p:anim calcmode="lin" valueType="num">
-                                      <p:cBhvr>
-                                        <p:cTn id="22" dur="500" fill="hold">
-                                          <p:stCondLst>
-                                            <p:cond delay="0"/>
-                                          </p:stCondLst>
-                                        </p:cTn>
+                                      <p:cBhvr additive="base">
+                                        <p:cTn id="21" dur="500" fill="hold"/>
                                         <p:tgtEl>
                                           <p:spTgt spid="24"/>
                                         </p:tgtEl>
@@ -23808,12 +23812,8 @@
                                       </p:tavLst>
                                     </p:anim>
                                     <p:anim calcmode="lin" valueType="num">
-                                      <p:cBhvr>
-                                        <p:cTn id="23" dur="500" fill="hold">
-                                          <p:stCondLst>
-                                            <p:cond delay="0"/>
-                                          </p:stCondLst>
-                                        </p:cTn>
+                                      <p:cBhvr additive="base">
+                                        <p:cTn id="22" dur="500" fill="hold"/>
                                         <p:tgtEl>
                                           <p:spTgt spid="24"/>
                                         </p:tgtEl>
@@ -23841,20 +23841,20 @@
                           </p:cTn>
                         </p:par>
                         <p:par>
-                          <p:cTn id="24" fill="hold">
+                          <p:cTn id="23" fill="hold">
                             <p:stCondLst>
-                              <p:cond delay="500"/>
+                              <p:cond delay="1000"/>
                             </p:stCondLst>
                             <p:childTnLst>
                               <p:par>
-                                <p:cTn id="25" presetID="53" presetClass="entr" presetSubtype="0" fill="hold" nodeType="afterEffect">
+                                <p:cTn id="24" presetID="53" presetClass="entr" presetSubtype="0" fill="hold" nodeType="afterEffect">
                                   <p:stCondLst>
                                     <p:cond delay="0"/>
                                   </p:stCondLst>
                                   <p:childTnLst>
                                     <p:set>
                                       <p:cBhvr>
-                                        <p:cTn id="26" dur="1" fill="hold">
+                                        <p:cTn id="25" dur="1" fill="hold">
                                           <p:stCondLst>
                                             <p:cond delay="0"/>
                                           </p:stCondLst>
@@ -23872,7 +23872,7 @@
                                     </p:set>
                                     <p:anim calcmode="lin" valueType="num">
                                       <p:cBhvr>
-                                        <p:cTn id="27" dur="500" fill="hold">
+                                        <p:cTn id="26" dur="500" fill="hold">
                                           <p:stCondLst>
                                             <p:cond delay="0"/>
                                           </p:stCondLst>
@@ -23899,7 +23899,7 @@
                                     </p:anim>
                                     <p:anim calcmode="lin" valueType="num">
                                       <p:cBhvr>
-                                        <p:cTn id="28" dur="500" fill="hold">
+                                        <p:cTn id="27" dur="500" fill="hold">
                                           <p:stCondLst>
                                             <p:cond delay="0"/>
                                           </p:stCondLst>
@@ -23926,7 +23926,7 @@
                                     </p:anim>
                                     <p:animEffect transition="in" filter="fade">
                                       <p:cBhvr>
-                                        <p:cTn id="29" dur="500" fill="hold">
+                                        <p:cTn id="28" dur="500" fill="hold">
                                           <p:stCondLst>
                                             <p:cond delay="0"/>
                                           </p:stCondLst>
@@ -23940,7 +23940,7 @@
                                 </p:cTn>
                               </p:par>
                               <p:par>
-                                <p:cTn id="30" presetID="2" presetClass="entr" presetSubtype="8" fill="hold" grpId="0" nodeType="withEffect">
+                                <p:cTn id="29" presetID="2" presetClass="entr" presetSubtype="8" fill="hold" grpId="0" nodeType="withEffect">
                                   <p:stCondLst>
                                     <p:cond delay="0"/>
                                   </p:stCondLst>
@@ -23950,7 +23950,7 @@
                                   <p:childTnLst>
                                     <p:set>
                                       <p:cBhvr>
-                                        <p:cTn id="31" dur="1" fill="hold">
+                                        <p:cTn id="30" dur="1" fill="hold">
                                           <p:stCondLst>
                                             <p:cond delay="0"/>
                                           </p:stCondLst>
@@ -23968,7 +23968,7 @@
                                     </p:set>
                                     <p:anim calcmode="lin" valueType="num">
                                       <p:cBhvr>
-                                        <p:cTn id="32" dur="500" fill="hold">
+                                        <p:cTn id="31" dur="500" fill="hold">
                                           <p:stCondLst>
                                             <p:cond delay="0"/>
                                           </p:stCondLst>
@@ -23995,7 +23995,7 @@
                                     </p:anim>
                                     <p:anim calcmode="lin" valueType="num">
                                       <p:cBhvr>
-                                        <p:cTn id="33" dur="500" fill="hold">
+                                        <p:cTn id="32" dur="500" fill="hold">
                                           <p:stCondLst>
                                             <p:cond delay="0"/>
                                           </p:stCondLst>
@@ -24023,27 +24023,15 @@
                                   </p:childTnLst>
                                 </p:cTn>
                               </p:par>
-                            </p:childTnLst>
-                          </p:cTn>
-                        </p:par>
-                        <p:par>
-                          <p:cTn id="34" fill="hold">
-                            <p:stCondLst>
-                              <p:cond delay="500"/>
-                            </p:stCondLst>
-                            <p:childTnLst>
                               <p:par>
-                                <p:cTn id="35" presetID="2" presetClass="entr" presetSubtype="8" fill="hold" grpId="0" nodeType="afterEffect">
+                                <p:cTn id="33" presetID="2" presetClass="entr" presetSubtype="8" fill="hold" grpId="0" nodeType="withEffect">
                                   <p:stCondLst>
                                     <p:cond delay="0"/>
                                   </p:stCondLst>
-                                  <p:iterate>
-                                    <p:tmPct val="10000"/>
-                                  </p:iterate>
                                   <p:childTnLst>
                                     <p:set>
                                       <p:cBhvr>
-                                        <p:cTn id="36" dur="1" fill="hold">
+                                        <p:cTn id="34" dur="1" fill="hold">
                                           <p:stCondLst>
                                             <p:cond delay="0"/>
                                           </p:stCondLst>
@@ -24060,12 +24048,8 @@
                                       </p:to>
                                     </p:set>
                                     <p:anim calcmode="lin" valueType="num">
-                                      <p:cBhvr>
-                                        <p:cTn id="37" dur="500" fill="hold">
-                                          <p:stCondLst>
-                                            <p:cond delay="0"/>
-                                          </p:stCondLst>
-                                        </p:cTn>
+                                      <p:cBhvr additive="base">
+                                        <p:cTn id="35" dur="500" fill="hold"/>
                                         <p:tgtEl>
                                           <p:spTgt spid="27"/>
                                         </p:tgtEl>
@@ -24087,12 +24071,8 @@
                                       </p:tavLst>
                                     </p:anim>
                                     <p:anim calcmode="lin" valueType="num">
-                                      <p:cBhvr>
-                                        <p:cTn id="38" dur="500" fill="hold">
-                                          <p:stCondLst>
-                                            <p:cond delay="0"/>
-                                          </p:stCondLst>
-                                        </p:cTn>
+                                      <p:cBhvr additive="base">
+                                        <p:cTn id="36" dur="500" fill="hold"/>
                                         <p:tgtEl>
                                           <p:spTgt spid="27"/>
                                         </p:tgtEl>
@@ -24120,20 +24100,20 @@
                           </p:cTn>
                         </p:par>
                         <p:par>
-                          <p:cTn id="39" fill="hold">
+                          <p:cTn id="37" fill="hold">
                             <p:stCondLst>
-                              <p:cond delay="500"/>
+                              <p:cond delay="1500"/>
                             </p:stCondLst>
                             <p:childTnLst>
                               <p:par>
-                                <p:cTn id="40" presetID="53" presetClass="entr" presetSubtype="0" fill="hold" nodeType="afterEffect">
+                                <p:cTn id="38" presetID="53" presetClass="entr" presetSubtype="0" fill="hold" nodeType="afterEffect">
                                   <p:stCondLst>
                                     <p:cond delay="0"/>
                                   </p:stCondLst>
                                   <p:childTnLst>
                                     <p:set>
                                       <p:cBhvr>
-                                        <p:cTn id="41" dur="1" fill="hold">
+                                        <p:cTn id="39" dur="1" fill="hold">
                                           <p:stCondLst>
                                             <p:cond delay="0"/>
                                           </p:stCondLst>
@@ -24151,7 +24131,7 @@
                                     </p:set>
                                     <p:anim calcmode="lin" valueType="num">
                                       <p:cBhvr>
-                                        <p:cTn id="42" dur="500" fill="hold">
+                                        <p:cTn id="40" dur="500" fill="hold">
                                           <p:stCondLst>
                                             <p:cond delay="0"/>
                                           </p:stCondLst>
@@ -24178,7 +24158,7 @@
                                     </p:anim>
                                     <p:anim calcmode="lin" valueType="num">
                                       <p:cBhvr>
-                                        <p:cTn id="43" dur="500" fill="hold">
+                                        <p:cTn id="41" dur="500" fill="hold">
                                           <p:stCondLst>
                                             <p:cond delay="0"/>
                                           </p:stCondLst>
@@ -24205,7 +24185,7 @@
                                     </p:anim>
                                     <p:animEffect transition="in" filter="fade">
                                       <p:cBhvr>
-                                        <p:cTn id="44" dur="500" fill="hold">
+                                        <p:cTn id="42" dur="500" fill="hold">
                                           <p:stCondLst>
                                             <p:cond delay="0"/>
                                           </p:stCondLst>
@@ -24219,7 +24199,7 @@
                                 </p:cTn>
                               </p:par>
                               <p:par>
-                                <p:cTn id="45" presetID="2" presetClass="entr" presetSubtype="8" fill="hold" grpId="0" nodeType="withEffect">
+                                <p:cTn id="43" presetID="2" presetClass="entr" presetSubtype="8" fill="hold" grpId="0" nodeType="withEffect">
                                   <p:stCondLst>
                                     <p:cond delay="0"/>
                                   </p:stCondLst>
@@ -24229,7 +24209,7 @@
                                   <p:childTnLst>
                                     <p:set>
                                       <p:cBhvr>
-                                        <p:cTn id="46" dur="1" fill="hold">
+                                        <p:cTn id="44" dur="1" fill="hold">
                                           <p:stCondLst>
                                             <p:cond delay="0"/>
                                           </p:stCondLst>
@@ -24247,7 +24227,7 @@
                                     </p:set>
                                     <p:anim calcmode="lin" valueType="num">
                                       <p:cBhvr>
-                                        <p:cTn id="47" dur="500" fill="hold">
+                                        <p:cTn id="45" dur="500" fill="hold">
                                           <p:stCondLst>
                                             <p:cond delay="0"/>
                                           </p:stCondLst>
@@ -24274,7 +24254,7 @@
                                     </p:anim>
                                     <p:anim calcmode="lin" valueType="num">
                                       <p:cBhvr>
-                                        <p:cTn id="48" dur="500" fill="hold">
+                                        <p:cTn id="46" dur="500" fill="hold">
                                           <p:stCondLst>
                                             <p:cond delay="0"/>
                                           </p:stCondLst>
@@ -24302,27 +24282,15 @@
                                   </p:childTnLst>
                                 </p:cTn>
                               </p:par>
-                            </p:childTnLst>
-                          </p:cTn>
-                        </p:par>
-                        <p:par>
-                          <p:cTn id="49" fill="hold">
-                            <p:stCondLst>
-                              <p:cond delay="500"/>
-                            </p:stCondLst>
-                            <p:childTnLst>
                               <p:par>
-                                <p:cTn id="50" presetID="2" presetClass="entr" presetSubtype="8" fill="hold" grpId="0" nodeType="afterEffect">
+                                <p:cTn id="47" presetID="2" presetClass="entr" presetSubtype="8" fill="hold" grpId="0" nodeType="withEffect">
                                   <p:stCondLst>
                                     <p:cond delay="0"/>
                                   </p:stCondLst>
-                                  <p:iterate>
-                                    <p:tmPct val="10000"/>
-                                  </p:iterate>
                                   <p:childTnLst>
                                     <p:set>
                                       <p:cBhvr>
-                                        <p:cTn id="51" dur="1" fill="hold">
+                                        <p:cTn id="48" dur="1" fill="hold">
                                           <p:stCondLst>
                                             <p:cond delay="0"/>
                                           </p:stCondLst>
@@ -24339,12 +24307,8 @@
                                       </p:to>
                                     </p:set>
                                     <p:anim calcmode="lin" valueType="num">
-                                      <p:cBhvr>
-                                        <p:cTn id="52" dur="500" fill="hold">
-                                          <p:stCondLst>
-                                            <p:cond delay="0"/>
-                                          </p:stCondLst>
-                                        </p:cTn>
+                                      <p:cBhvr additive="base">
+                                        <p:cTn id="49" dur="500" fill="hold"/>
                                         <p:tgtEl>
                                           <p:spTgt spid="30"/>
                                         </p:tgtEl>
@@ -24366,12 +24330,8 @@
                                       </p:tavLst>
                                     </p:anim>
                                     <p:anim calcmode="lin" valueType="num">
-                                      <p:cBhvr>
-                                        <p:cTn id="53" dur="500" fill="hold">
-                                          <p:stCondLst>
-                                            <p:cond delay="0"/>
-                                          </p:stCondLst>
-                                        </p:cTn>
+                                      <p:cBhvr additive="base">
+                                        <p:cTn id="50" dur="500" fill="hold"/>
                                         <p:tgtEl>
                                           <p:spTgt spid="30"/>
                                         </p:tgtEl>
@@ -24399,13 +24359,13 @@
                           </p:cTn>
                         </p:par>
                         <p:par>
-                          <p:cTn id="54" fill="hold">
+                          <p:cTn id="51" fill="hold">
                             <p:stCondLst>
-                              <p:cond delay="500"/>
+                              <p:cond delay="2000"/>
                             </p:stCondLst>
                             <p:childTnLst>
                               <p:par>
-                                <p:cTn id="55" presetID="53" presetClass="entr" presetSubtype="0" fill="hold" grpId="0" nodeType="afterEffect">
+                                <p:cTn id="52" presetID="53" presetClass="entr" presetSubtype="0" fill="hold" grpId="0" nodeType="afterEffect">
                                   <p:stCondLst>
                                     <p:cond delay="0"/>
                                   </p:stCondLst>
@@ -24415,7 +24375,7 @@
                                   <p:childTnLst>
                                     <p:set>
                                       <p:cBhvr>
-                                        <p:cTn id="56" dur="1" fill="hold">
+                                        <p:cTn id="53" dur="1" fill="hold">
                                           <p:stCondLst>
                                             <p:cond delay="0"/>
                                           </p:stCondLst>
@@ -24433,7 +24393,7 @@
                                     </p:set>
                                     <p:anim calcmode="lin" valueType="num">
                                       <p:cBhvr>
-                                        <p:cTn id="57" dur="500" fill="hold">
+                                        <p:cTn id="54" dur="500" fill="hold">
                                           <p:stCondLst>
                                             <p:cond delay="0"/>
                                           </p:stCondLst>
@@ -24460,7 +24420,7 @@
                                     </p:anim>
                                     <p:anim calcmode="lin" valueType="num">
                                       <p:cBhvr>
-                                        <p:cTn id="58" dur="500" fill="hold">
+                                        <p:cTn id="55" dur="500" fill="hold">
                                           <p:stCondLst>
                                             <p:cond delay="0"/>
                                           </p:stCondLst>
@@ -24487,7 +24447,7 @@
                                     </p:anim>
                                     <p:animEffect transition="in" filter="fade">
                                       <p:cBhvr>
-                                        <p:cTn id="59" dur="500" fill="hold">
+                                        <p:cTn id="56" dur="500" fill="hold">
                                           <p:stCondLst>
                                             <p:cond delay="0"/>
                                           </p:stCondLst>
@@ -24501,7 +24461,7 @@
                                 </p:cTn>
                               </p:par>
                               <p:par>
-                                <p:cTn id="60" presetID="2" presetClass="entr" presetSubtype="8" fill="hold" grpId="0" nodeType="withEffect">
+                                <p:cTn id="57" presetID="2" presetClass="entr" presetSubtype="8" fill="hold" grpId="0" nodeType="withEffect">
                                   <p:stCondLst>
                                     <p:cond delay="0"/>
                                   </p:stCondLst>
@@ -24511,7 +24471,7 @@
                                   <p:childTnLst>
                                     <p:set>
                                       <p:cBhvr>
-                                        <p:cTn id="61" dur="1" fill="hold">
+                                        <p:cTn id="58" dur="1" fill="hold">
                                           <p:stCondLst>
                                             <p:cond delay="0"/>
                                           </p:stCondLst>
@@ -24529,7 +24489,7 @@
                                     </p:set>
                                     <p:anim calcmode="lin" valueType="num">
                                       <p:cBhvr>
-                                        <p:cTn id="62" dur="500" fill="hold">
+                                        <p:cTn id="59" dur="500" fill="hold">
                                           <p:stCondLst>
                                             <p:cond delay="0"/>
                                           </p:stCondLst>
@@ -24556,7 +24516,7 @@
                                     </p:anim>
                                     <p:anim calcmode="lin" valueType="num">
                                       <p:cBhvr>
-                                        <p:cTn id="63" dur="500" fill="hold">
+                                        <p:cTn id="60" dur="500" fill="hold">
                                           <p:stCondLst>
                                             <p:cond delay="0"/>
                                           </p:stCondLst>
@@ -24707,7 +24667,7 @@
         </p:nvSpPr>
         <p:spPr>
           <a:xfrm>
-            <a:off x="1295400" y="285750"/>
+            <a:off x="848256" y="303758"/>
             <a:ext cx="5548963" cy="495383"/>
           </a:xfrm>
         </p:spPr>
@@ -24793,6 +24753,9 @@
   <p:clrMapOvr>
     <a:masterClrMapping/>
   </p:clrMapOvr>
+  <p:transition spd="slow">
+    <p:push/>
+  </p:transition>
   <p:timing>
     <p:tnLst>
       <p:par>
@@ -24814,7 +24777,7 @@
                             </p:stCondLst>
                             <p:childTnLst>
                               <p:par>
-                                <p:cTn id="5" presetID="10" presetClass="entr" presetSubtype="0" fill="hold" nodeType="clickEffect">
+                                <p:cTn id="5" presetID="1" presetClass="entr" presetSubtype="0" fill="hold" nodeType="clickEffect">
                                   <p:stCondLst>
                                     <p:cond delay="0"/>
                                   </p:stCondLst>
@@ -24827,7 +24790,7 @@
                                           </p:stCondLst>
                                         </p:cTn>
                                         <p:tgtEl>
-                                          <p:spTgt spid="14"/>
+                                          <p:spTgt spid="1026"/>
                                         </p:tgtEl>
                                         <p:attrNameLst>
                                           <p:attrName>style.visibility</p:attrName>
@@ -24837,36 +24800,24 @@
                                         <p:strVal val="visible"/>
                                       </p:to>
                                     </p:set>
-                                    <p:animEffect transition="in" filter="fade">
-                                      <p:cBhvr>
-                                        <p:cTn id="7" dur="500" fill="hold">
-                                          <p:stCondLst>
-                                            <p:cond delay="0"/>
-                                          </p:stCondLst>
-                                        </p:cTn>
-                                        <p:tgtEl>
-                                          <p:spTgt spid="14"/>
-                                        </p:tgtEl>
-                                      </p:cBhvr>
-                                    </p:animEffect>
                                   </p:childTnLst>
                                 </p:cTn>
                               </p:par>
                               <p:par>
-                                <p:cTn id="8" presetID="10" presetClass="entr" presetSubtype="0" fill="hold" nodeType="withEffect">
+                                <p:cTn id="7" presetID="1" presetClass="entr" presetSubtype="0" fill="hold" nodeType="withEffect">
                                   <p:stCondLst>
                                     <p:cond delay="0"/>
                                   </p:stCondLst>
                                   <p:childTnLst>
                                     <p:set>
                                       <p:cBhvr>
-                                        <p:cTn id="9" dur="1" fill="hold">
+                                        <p:cTn id="8" dur="1" fill="hold">
                                           <p:stCondLst>
                                             <p:cond delay="0"/>
                                           </p:stCondLst>
                                         </p:cTn>
                                         <p:tgtEl>
-                                          <p:spTgt spid="15"/>
+                                          <p:spTgt spid="1028"/>
                                         </p:tgtEl>
                                         <p:attrNameLst>
                                           <p:attrName>style.visibility</p:attrName>
@@ -24876,23 +24827,29 @@
                                         <p:strVal val="visible"/>
                                       </p:to>
                                     </p:set>
-                                    <p:animEffect transition="in" filter="fade">
-                                      <p:cBhvr>
-                                        <p:cTn id="10" dur="500" fill="hold">
-                                          <p:stCondLst>
-                                            <p:cond delay="0"/>
-                                          </p:stCondLst>
-                                        </p:cTn>
-                                        <p:tgtEl>
-                                          <p:spTgt spid="15"/>
-                                        </p:tgtEl>
-                                      </p:cBhvr>
-                                    </p:animEffect>
                                   </p:childTnLst>
                                 </p:cTn>
                               </p:par>
+                            </p:childTnLst>
+                          </p:cTn>
+                        </p:par>
+                      </p:childTnLst>
+                    </p:cTn>
+                  </p:par>
+                  <p:par>
+                    <p:cTn id="9" fill="hold">
+                      <p:stCondLst>
+                        <p:cond delay="indefinite"/>
+                      </p:stCondLst>
+                      <p:childTnLst>
+                        <p:par>
+                          <p:cTn id="10" fill="hold">
+                            <p:stCondLst>
+                              <p:cond delay="0"/>
+                            </p:stCondLst>
+                            <p:childTnLst>
                               <p:par>
-                                <p:cTn id="11" presetID="1" presetClass="exit" presetSubtype="0" fill="hold" nodeType="withEffect">
+                                <p:cTn id="11" presetID="1" presetClass="exit" presetSubtype="0" fill="hold" nodeType="clickEffect">
                                   <p:stCondLst>
                                     <p:cond delay="0"/>
                                   </p:stCondLst>
@@ -24901,7 +24858,7 @@
                                       <p:cBhvr>
                                         <p:cTn id="12" dur="1" fill="hold">
                                           <p:stCondLst>
-                                            <p:cond delay="0"/>
+                                            <p:cond delay="9"/>
                                           </p:stCondLst>
                                         </p:cTn>
                                         <p:tgtEl>
@@ -24928,7 +24885,7 @@
                                       <p:cBhvr>
                                         <p:cTn id="14" dur="1" fill="hold">
                                           <p:stCondLst>
-                                            <p:cond delay="0"/>
+                                            <p:cond delay="9"/>
                                           </p:stCondLst>
                                         </p:cTn>
                                         <p:tgtEl>
@@ -24942,6 +24899,102 @@
                                         <p:strVal val="hidden"/>
                                       </p:to>
                                     </p:set>
+                                  </p:childTnLst>
+                                </p:cTn>
+                              </p:par>
+                            </p:childTnLst>
+                          </p:cTn>
+                        </p:par>
+                      </p:childTnLst>
+                    </p:cTn>
+                  </p:par>
+                  <p:par>
+                    <p:cTn id="15" fill="hold">
+                      <p:stCondLst>
+                        <p:cond delay="indefinite"/>
+                      </p:stCondLst>
+                      <p:childTnLst>
+                        <p:par>
+                          <p:cTn id="16" fill="hold">
+                            <p:stCondLst>
+                              <p:cond delay="0"/>
+                            </p:stCondLst>
+                            <p:childTnLst>
+                              <p:par>
+                                <p:cTn id="17" presetID="10" presetClass="entr" presetSubtype="0" fill="hold" nodeType="clickEffect">
+                                  <p:stCondLst>
+                                    <p:cond delay="0"/>
+                                  </p:stCondLst>
+                                  <p:childTnLst>
+                                    <p:set>
+                                      <p:cBhvr>
+                                        <p:cTn id="18" dur="1" fill="hold">
+                                          <p:stCondLst>
+                                            <p:cond delay="0"/>
+                                          </p:stCondLst>
+                                        </p:cTn>
+                                        <p:tgtEl>
+                                          <p:spTgt spid="14"/>
+                                        </p:tgtEl>
+                                        <p:attrNameLst>
+                                          <p:attrName>style.visibility</p:attrName>
+                                        </p:attrNameLst>
+                                      </p:cBhvr>
+                                      <p:to>
+                                        <p:strVal val="visible"/>
+                                      </p:to>
+                                    </p:set>
+                                    <p:animEffect transition="in" filter="fade">
+                                      <p:cBhvr>
+                                        <p:cTn id="19" dur="500" fill="hold">
+                                          <p:stCondLst>
+                                            <p:cond delay="0"/>
+                                          </p:stCondLst>
+                                        </p:cTn>
+                                        <p:tgtEl>
+                                          <p:spTgt spid="14"/>
+                                        </p:tgtEl>
+                                      </p:cBhvr>
+                                    </p:animEffect>
+                                  </p:childTnLst>
+                                </p:cTn>
+                              </p:par>
+                              <p:par>
+                                <p:cTn id="20" presetID="10" presetClass="entr" presetSubtype="0" fill="hold" nodeType="withEffect">
+                                  <p:stCondLst>
+                                    <p:cond delay="0"/>
+                                  </p:stCondLst>
+                                  <p:childTnLst>
+                                    <p:set>
+                                      <p:cBhvr>
+                                        <p:cTn id="21" dur="1" fill="hold">
+                                          <p:stCondLst>
+                                            <p:cond delay="0"/>
+                                          </p:stCondLst>
+                                        </p:cTn>
+                                        <p:tgtEl>
+                                          <p:spTgt spid="15"/>
+                                        </p:tgtEl>
+                                        <p:attrNameLst>
+                                          <p:attrName>style.visibility</p:attrName>
+                                        </p:attrNameLst>
+                                      </p:cBhvr>
+                                      <p:to>
+                                        <p:strVal val="visible"/>
+                                      </p:to>
+                                    </p:set>
+                                    <p:animEffect transition="in" filter="fade">
+                                      <p:cBhvr>
+                                        <p:cTn id="22" dur="500" fill="hold">
+                                          <p:stCondLst>
+                                            <p:cond delay="0"/>
+                                          </p:stCondLst>
+                                        </p:cTn>
+                                        <p:tgtEl>
+                                          <p:spTgt spid="15"/>
+                                        </p:tgtEl>
+                                      </p:cBhvr>
+                                    </p:animEffect>
                                   </p:childTnLst>
                                 </p:cTn>
                               </p:par>
@@ -25765,7 +25818,7 @@
         </p:nvGraphicFramePr>
         <p:xfrm>
           <a:off x="228600" y="819150"/>
-          <a:ext cx="8762998" cy="4215490"/>
+          <a:ext cx="8762998" cy="4078498"/>
         </p:xfrm>
         <a:graphic>
           <a:graphicData uri="http://schemas.openxmlformats.org/drawingml/2006/table">
@@ -25790,7 +25843,7 @@
                       <a:pPr algn="ctr" latinLnBrk="1">
                         <a:defRPr lang="ko-KR" altLang="en-US"/>
                       </a:pPr>
-                      <a:endParaRPr lang="ko-KR" altLang="en-US" sz="1400">
+                      <a:endParaRPr lang="ko-KR" altLang="en-US" sz="1400" dirty="0">
                         <a:latin typeface="+mn-lt"/>
                         <a:ea typeface="+mn-ea"/>
                         <a:cs typeface="+mn-cs"/>
@@ -26859,7 +26912,7 @@
                         <a:defRPr lang="ko-KR" altLang="en-US"/>
                       </a:pPr>
                       <a:r>
-                        <a:rPr lang="ko-KR" altLang="en-US" sz="1400">
+                        <a:rPr lang="ko-KR" altLang="en-US" sz="1400" dirty="0">
                           <a:latin typeface="+mn-lt"/>
                           <a:ea typeface="+mn-ea"/>
                           <a:cs typeface="+mn-cs"/>
@@ -27015,7 +27068,7 @@
                         <a:defRPr lang="ko-KR" altLang="en-US"/>
                       </a:pPr>
                       <a:r>
-                        <a:rPr lang="ko-KR" altLang="en-US" sz="1400">
+                        <a:rPr lang="ko-KR" altLang="en-US" sz="1400" dirty="0">
                           <a:latin typeface="+mn-lt"/>
                           <a:ea typeface="+mn-ea"/>
                           <a:cs typeface="+mn-cs"/>
@@ -27028,7 +27081,7 @@
                         <a:defRPr lang="ko-KR" altLang="en-US"/>
                       </a:pPr>
                       <a:r>
-                        <a:rPr lang="ko-KR" altLang="en-US" sz="1400">
+                        <a:rPr lang="ko-KR" altLang="en-US" sz="1400" dirty="0">
                           <a:latin typeface="+mn-lt"/>
                           <a:ea typeface="+mn-ea"/>
                           <a:cs typeface="+mn-cs"/>
@@ -27049,6 +27102,89 @@
   <p:clrMapOvr>
     <a:masterClrMapping/>
   </p:clrMapOvr>
+  <p:timing>
+    <p:tnLst>
+      <p:par>
+        <p:cTn id="1" dur="indefinite" restart="never" nodeType="tmRoot">
+          <p:childTnLst>
+            <p:seq concurrent="1" nextAc="seek">
+              <p:cTn id="2" dur="indefinite" nodeType="mainSeq">
+                <p:childTnLst>
+                  <p:par>
+                    <p:cTn id="3" fill="hold">
+                      <p:stCondLst>
+                        <p:cond delay="indefinite"/>
+                      </p:stCondLst>
+                      <p:childTnLst>
+                        <p:par>
+                          <p:cTn id="4" fill="hold">
+                            <p:stCondLst>
+                              <p:cond delay="0"/>
+                            </p:stCondLst>
+                            <p:childTnLst>
+                              <p:par>
+                                <p:cTn id="5" presetID="10" presetClass="entr" presetSubtype="0" fill="hold" nodeType="clickEffect">
+                                  <p:stCondLst>
+                                    <p:cond delay="0"/>
+                                  </p:stCondLst>
+                                  <p:childTnLst>
+                                    <p:set>
+                                      <p:cBhvr>
+                                        <p:cTn id="6" dur="1" fill="hold">
+                                          <p:stCondLst>
+                                            <p:cond delay="0"/>
+                                          </p:stCondLst>
+                                        </p:cTn>
+                                        <p:tgtEl>
+                                          <p:spTgt spid="2"/>
+                                        </p:tgtEl>
+                                        <p:attrNameLst>
+                                          <p:attrName>style.visibility</p:attrName>
+                                        </p:attrNameLst>
+                                      </p:cBhvr>
+                                      <p:to>
+                                        <p:strVal val="visible"/>
+                                      </p:to>
+                                    </p:set>
+                                    <p:animEffect transition="in" filter="fade">
+                                      <p:cBhvr>
+                                        <p:cTn id="7" dur="500"/>
+                                        <p:tgtEl>
+                                          <p:spTgt spid="2"/>
+                                        </p:tgtEl>
+                                      </p:cBhvr>
+                                    </p:animEffect>
+                                  </p:childTnLst>
+                                </p:cTn>
+                              </p:par>
+                            </p:childTnLst>
+                          </p:cTn>
+                        </p:par>
+                      </p:childTnLst>
+                    </p:cTn>
+                  </p:par>
+                </p:childTnLst>
+              </p:cTn>
+              <p:prevCondLst>
+                <p:cond evt="onPrev" delay="0">
+                  <p:tgtEl>
+                    <p:sldTgt/>
+                  </p:tgtEl>
+                </p:cond>
+              </p:prevCondLst>
+              <p:nextCondLst>
+                <p:cond evt="onNext" delay="0">
+                  <p:tgtEl>
+                    <p:sldTgt/>
+                  </p:tgtEl>
+                </p:cond>
+              </p:nextCondLst>
+            </p:seq>
+          </p:childTnLst>
+        </p:cTn>
+      </p:par>
+    </p:tnLst>
+  </p:timing>
 </p:sld>
 </file>
 
@@ -28586,6 +28722,18 @@
     </p:bldLst>
   </p:timing>
 </p:sld>
+</file>
+
+<file path=ppt/tags/tag1.xml><?xml version="1.0" encoding="utf-8"?>
+<p:tagLst xmlns:a="http://schemas.openxmlformats.org/drawingml/2006/main" xmlns:r="http://schemas.openxmlformats.org/officeDocument/2006/relationships" xmlns:p="http://schemas.openxmlformats.org/presentationml/2006/main">
+  <p:tag name="TIMING" val="|0"/>
+</p:tagLst>
+</file>
+
+<file path=ppt/tags/tag2.xml><?xml version="1.0" encoding="utf-8"?>
+<p:tagLst xmlns:a="http://schemas.openxmlformats.org/drawingml/2006/main" xmlns:r="http://schemas.openxmlformats.org/officeDocument/2006/relationships" xmlns:p="http://schemas.openxmlformats.org/presentationml/2006/main">
+  <p:tag name="TIMING" val="|0"/>
+</p:tagLst>
 </file>
 
 <file path=ppt/theme/theme1.xml><?xml version="1.0" encoding="utf-8"?>

--- a/호남-발표자료.pptx
+++ b/호남-발표자료.pptx
@@ -5928,7 +5928,12 @@
             <p:ph type="title"/>
           </p:nvPr>
         </p:nvSpPr>
-        <p:spPr/>
+        <p:spPr>
+          <a:xfrm>
+            <a:off x="337413" y="341711"/>
+            <a:ext cx="8368363" cy="495383"/>
+          </a:xfrm>
+        </p:spPr>
         <p:txBody>
           <a:bodyPr/>
           <a:lstStyle/>
@@ -5937,7 +5942,7 @@
               <a:defRPr lang="ko-KR" altLang="en-US"/>
             </a:pPr>
             <a:r>
-              <a:rPr lang="ko-KR" altLang="en-US" b="1"/>
+              <a:rPr lang="ko-KR" altLang="en-US" b="1" dirty="0"/>
               <a:t>사용한 라이브러리</a:t>
             </a:r>
           </a:p>
@@ -5955,7 +5960,7 @@
         </p:nvSpPr>
         <p:spPr>
           <a:xfrm>
-            <a:off x="275193" y="895350"/>
+            <a:off x="139003" y="889397"/>
             <a:ext cx="8368363" cy="173255"/>
           </a:xfrm>
         </p:spPr>
@@ -5967,10 +5972,30 @@
               <a:defRPr lang="ko-KR" altLang="en-US"/>
             </a:pPr>
             <a:r>
-              <a:rPr lang="en-US" altLang="ko-KR" b="1"/>
-              <a:t>WebXR Device API 	Three.js		dat.gui.js</a:t>
+              <a:rPr lang="en-US" altLang="ko-KR" b="1" dirty="0" err="1"/>
+              <a:t>WebXR</a:t>
             </a:r>
-            <a:endParaRPr lang="ko-KR" altLang="en-US" b="1"/>
+            <a:r>
+              <a:rPr lang="en-US" altLang="ko-KR" b="1" dirty="0"/>
+              <a:t> Device API </a:t>
+            </a:r>
+            <a:r>
+              <a:rPr lang="en-US" altLang="ko-KR" b="1" dirty="0" smtClean="0"/>
+              <a:t>		</a:t>
+            </a:r>
+            <a:r>
+              <a:rPr lang="en-US" altLang="ko-KR" b="1" dirty="0"/>
+              <a:t>	Three.js	</a:t>
+            </a:r>
+            <a:r>
+              <a:rPr lang="en-US" altLang="ko-KR" b="1" dirty="0" smtClean="0"/>
+              <a:t>	</a:t>
+            </a:r>
+            <a:r>
+              <a:rPr lang="en-US" altLang="ko-KR" b="1" dirty="0"/>
+              <a:t>	dat.gui.js</a:t>
+            </a:r>
+            <a:endParaRPr lang="ko-KR" altLang="en-US" b="1" dirty="0"/>
           </a:p>
         </p:txBody>
       </p:sp>

--- a/호남-발표자료.pptx
+++ b/호남-발표자료.pptx
@@ -6,10 +6,10 @@
     <p:sldMasterId id="2147483660" r:id="rId2"/>
   </p:sldMasterIdLst>
   <p:notesMasterIdLst>
-    <p:notesMasterId r:id="rId20"/>
+    <p:notesMasterId r:id="rId23"/>
   </p:notesMasterIdLst>
   <p:handoutMasterIdLst>
-    <p:handoutMasterId r:id="rId21"/>
+    <p:handoutMasterId r:id="rId24"/>
   </p:handoutMasterIdLst>
   <p:sldIdLst>
     <p:sldId id="257" r:id="rId3"/>
@@ -18,17 +18,20 @@
     <p:sldId id="260" r:id="rId6"/>
     <p:sldId id="261" r:id="rId7"/>
     <p:sldId id="277" r:id="rId8"/>
-    <p:sldId id="263" r:id="rId9"/>
-    <p:sldId id="275" r:id="rId10"/>
-    <p:sldId id="273" r:id="rId11"/>
-    <p:sldId id="276" r:id="rId12"/>
-    <p:sldId id="266" r:id="rId13"/>
-    <p:sldId id="278" r:id="rId14"/>
-    <p:sldId id="268" r:id="rId15"/>
+    <p:sldId id="275" r:id="rId9"/>
+    <p:sldId id="273" r:id="rId10"/>
+    <p:sldId id="276" r:id="rId11"/>
+    <p:sldId id="263" r:id="rId12"/>
+    <p:sldId id="280" r:id="rId13"/>
+    <p:sldId id="266" r:id="rId14"/>
+    <p:sldId id="278" r:id="rId15"/>
     <p:sldId id="269" r:id="rId16"/>
-    <p:sldId id="270" r:id="rId17"/>
-    <p:sldId id="279" r:id="rId18"/>
-    <p:sldId id="271" r:id="rId19"/>
+    <p:sldId id="268" r:id="rId17"/>
+    <p:sldId id="282" r:id="rId18"/>
+    <p:sldId id="281" r:id="rId19"/>
+    <p:sldId id="279" r:id="rId20"/>
+    <p:sldId id="270" r:id="rId21"/>
+    <p:sldId id="271" r:id="rId22"/>
   </p:sldIdLst>
   <p:sldSz cx="9144000" cy="5143500" type="screen16x9"/>
   <p:notesSz cx="6858000" cy="9144000"/>
@@ -923,9 +926,13 @@
             <a:rPr lang="ko-KR" altLang="en-US" sz="2000" dirty="0" err="1" smtClean="0"/>
             <a:t>곽규한</a:t>
           </a:r>
+          <a:endParaRPr lang="en-US" altLang="ko-KR" sz="2000" dirty="0" smtClean="0"/>
+        </a:p>
+        <a:p>
+          <a:pPr latinLnBrk="1"/>
           <a:r>
             <a:rPr lang="ko-KR" altLang="en-US" sz="2000" dirty="0" smtClean="0"/>
-            <a:t> 이호준</a:t>
+            <a:t>이호준</a:t>
           </a:r>
           <a:endParaRPr lang="ko-KR" altLang="en-US" sz="2000" dirty="0"/>
         </a:p>
@@ -956,7 +963,7 @@
       </dgm:t>
     </dgm:pt>
     <dgm:pt modelId="{46B6A35C-5F69-40E6-B648-226608D3E721}">
-      <dgm:prSet phldrT="[텍스트]"/>
+      <dgm:prSet phldrT="[텍스트]" custT="1"/>
       <dgm:spPr/>
       <dgm:t>
         <a:bodyPr/>
@@ -964,14 +971,22 @@
         <a:p>
           <a:pPr latinLnBrk="1"/>
           <a:r>
-            <a:rPr lang="en-US" altLang="ko-KR" dirty="0" smtClean="0"/>
+            <a:rPr lang="en-US" altLang="ko-KR" sz="2400" dirty="0" smtClean="0"/>
             <a:t>AR </a:t>
           </a:r>
           <a:r>
-            <a:rPr lang="ko-KR" altLang="en-US" dirty="0" smtClean="0"/>
+            <a:rPr lang="ko-KR" altLang="en-US" sz="2400" dirty="0" smtClean="0"/>
             <a:t>기능</a:t>
           </a:r>
-          <a:endParaRPr lang="ko-KR" altLang="en-US" dirty="0"/>
+          <a:r>
+            <a:rPr lang="en-US" altLang="ko-KR" sz="2400" dirty="0" smtClean="0"/>
+            <a:t>, </a:t>
+          </a:r>
+          <a:r>
+            <a:rPr lang="ko-KR" altLang="en-US" sz="2400" dirty="0" smtClean="0"/>
+            <a:t>제어판 기능</a:t>
+          </a:r>
+          <a:endParaRPr lang="ko-KR" altLang="en-US" sz="2400" dirty="0"/>
         </a:p>
       </dgm:t>
     </dgm:pt>
@@ -999,46 +1014,6 @@
         </a:p>
       </dgm:t>
     </dgm:pt>
-    <dgm:pt modelId="{0FD48A26-7033-4671-B22A-E5A0558FE799}">
-      <dgm:prSet phldrT="[텍스트]"/>
-      <dgm:spPr/>
-      <dgm:t>
-        <a:bodyPr/>
-        <a:lstStyle/>
-        <a:p>
-          <a:pPr latinLnBrk="1"/>
-          <a:r>
-            <a:rPr lang="ko-KR" altLang="en-US" dirty="0" smtClean="0"/>
-            <a:t>제어판 기능</a:t>
-          </a:r>
-          <a:endParaRPr lang="ko-KR" altLang="en-US" dirty="0"/>
-        </a:p>
-      </dgm:t>
-    </dgm:pt>
-    <dgm:pt modelId="{2EE09D97-D7F8-4C55-B69A-D28FA5B543CA}" type="parTrans" cxnId="{03B64A24-3F07-4F91-AE0B-E3B9F395874B}">
-      <dgm:prSet/>
-      <dgm:spPr/>
-      <dgm:t>
-        <a:bodyPr/>
-        <a:lstStyle/>
-        <a:p>
-          <a:pPr latinLnBrk="1"/>
-          <a:endParaRPr lang="ko-KR" altLang="en-US"/>
-        </a:p>
-      </dgm:t>
-    </dgm:pt>
-    <dgm:pt modelId="{D9E5C785-9212-42EB-A0FA-F68696472BD8}" type="sibTrans" cxnId="{03B64A24-3F07-4F91-AE0B-E3B9F395874B}">
-      <dgm:prSet/>
-      <dgm:spPr/>
-      <dgm:t>
-        <a:bodyPr/>
-        <a:lstStyle/>
-        <a:p>
-          <a:pPr latinLnBrk="1"/>
-          <a:endParaRPr lang="ko-KR" altLang="en-US"/>
-        </a:p>
-      </dgm:t>
-    </dgm:pt>
     <dgm:pt modelId="{FE15ECCA-2318-41FF-9BA0-8E9F775671A5}">
       <dgm:prSet phldrT="[텍스트]" custT="1"/>
       <dgm:spPr/>
@@ -1048,10 +1023,10 @@
         <a:p>
           <a:pPr latinLnBrk="1"/>
           <a:r>
-            <a:rPr lang="ko-KR" altLang="en-US" sz="2400" dirty="0" smtClean="0"/>
+            <a:rPr lang="ko-KR" altLang="en-US" sz="2000" dirty="0" smtClean="0"/>
             <a:t>이남현</a:t>
           </a:r>
-          <a:endParaRPr lang="ko-KR" altLang="en-US" sz="2400" dirty="0"/>
+          <a:endParaRPr lang="ko-KR" altLang="en-US" sz="2000" dirty="0"/>
         </a:p>
       </dgm:t>
     </dgm:pt>
@@ -1080,7 +1055,7 @@
       </dgm:t>
     </dgm:pt>
     <dgm:pt modelId="{4739C7DF-4ACB-4E75-A431-9A1343B9F520}">
-      <dgm:prSet phldrT="[텍스트]"/>
+      <dgm:prSet phldrT="[텍스트]" custT="1"/>
       <dgm:spPr/>
       <dgm:t>
         <a:bodyPr/>
@@ -1088,14 +1063,14 @@
         <a:p>
           <a:pPr latinLnBrk="1"/>
           <a:r>
-            <a:rPr lang="ko-KR" altLang="en-US" dirty="0" smtClean="0"/>
-            <a:t>서버 </a:t>
+            <a:rPr lang="en-US" altLang="ko-KR" sz="2400" dirty="0" smtClean="0"/>
+            <a:t>SERVER</a:t>
           </a:r>
           <a:r>
-            <a:rPr lang="ko-KR" altLang="en-US" dirty="0" err="1" smtClean="0"/>
-            <a:t>ㅌㅌ</a:t>
+            <a:rPr lang="ko-KR" altLang="en-US" sz="2400" dirty="0" smtClean="0"/>
+            <a:t> </a:t>
           </a:r>
-          <a:endParaRPr lang="ko-KR" altLang="en-US" dirty="0"/>
+          <a:endParaRPr lang="ko-KR" altLang="en-US" sz="2400" dirty="0"/>
         </a:p>
       </dgm:t>
     </dgm:pt>
@@ -1132,6 +1107,14 @@
         </dgm:presLayoutVars>
       </dgm:prSet>
       <dgm:spPr/>
+      <dgm:t>
+        <a:bodyPr/>
+        <a:lstStyle/>
+        <a:p>
+          <a:pPr latinLnBrk="1"/>
+          <a:endParaRPr lang="ko-KR" altLang="en-US"/>
+        </a:p>
+      </dgm:t>
     </dgm:pt>
     <dgm:pt modelId="{97E95642-6116-44AE-A337-7BC0A6A646B2}" type="pres">
       <dgm:prSet presAssocID="{438D24A9-899D-4F77-9301-5ED182164E06}" presName="thickLine" presStyleLbl="alignNode1" presStyleIdx="0" presStyleCnt="2"/>
@@ -1142,7 +1125,7 @@
       <dgm:spPr/>
     </dgm:pt>
     <dgm:pt modelId="{DCBC971F-FC39-4D96-ABAA-1A7A0C3F50D1}" type="pres">
-      <dgm:prSet presAssocID="{438D24A9-899D-4F77-9301-5ED182164E06}" presName="tx1" presStyleLbl="revTx" presStyleIdx="0" presStyleCnt="5" custLinFactNeighborX="-2468" custLinFactNeighborY="13281"/>
+      <dgm:prSet presAssocID="{438D24A9-899D-4F77-9301-5ED182164E06}" presName="tx1" presStyleLbl="revTx" presStyleIdx="0" presStyleCnt="4" custLinFactNeighborX="-2468" custLinFactNeighborY="13281"/>
       <dgm:spPr/>
       <dgm:t>
         <a:bodyPr/>
@@ -1170,7 +1153,7 @@
       <dgm:spPr/>
     </dgm:pt>
     <dgm:pt modelId="{7C4FB7B5-D460-4973-BF26-AEBEB02499D0}" type="pres">
-      <dgm:prSet presAssocID="{46B6A35C-5F69-40E6-B648-226608D3E721}" presName="tx2" presStyleLbl="revTx" presStyleIdx="1" presStyleCnt="5"/>
+      <dgm:prSet presAssocID="{46B6A35C-5F69-40E6-B648-226608D3E721}" presName="tx2" presStyleLbl="revTx" presStyleIdx="1" presStyleCnt="4"/>
       <dgm:spPr/>
       <dgm:t>
         <a:bodyPr/>
@@ -1186,43 +1169,11 @@
       <dgm:spPr/>
     </dgm:pt>
     <dgm:pt modelId="{BAA0753F-A9FE-4701-942D-2D8182617D15}" type="pres">
-      <dgm:prSet presAssocID="{46B6A35C-5F69-40E6-B648-226608D3E721}" presName="thinLine2b" presStyleLbl="callout" presStyleIdx="0" presStyleCnt="3"/>
+      <dgm:prSet presAssocID="{46B6A35C-5F69-40E6-B648-226608D3E721}" presName="thinLine2b" presStyleLbl="callout" presStyleIdx="0" presStyleCnt="2"/>
       <dgm:spPr/>
     </dgm:pt>
     <dgm:pt modelId="{35A09055-1A65-4DEC-A9B1-FA40900DB8E8}" type="pres">
       <dgm:prSet presAssocID="{46B6A35C-5F69-40E6-B648-226608D3E721}" presName="vertSpace2b" presStyleCnt="0"/>
-      <dgm:spPr/>
-    </dgm:pt>
-    <dgm:pt modelId="{43146DE7-B062-4C51-A775-8B1F9E5CBBBE}" type="pres">
-      <dgm:prSet presAssocID="{0FD48A26-7033-4671-B22A-E5A0558FE799}" presName="horz2" presStyleCnt="0"/>
-      <dgm:spPr/>
-    </dgm:pt>
-    <dgm:pt modelId="{1ACAB59E-6F13-4CE6-870D-9CDE0169858F}" type="pres">
-      <dgm:prSet presAssocID="{0FD48A26-7033-4671-B22A-E5A0558FE799}" presName="horzSpace2" presStyleCnt="0"/>
-      <dgm:spPr/>
-    </dgm:pt>
-    <dgm:pt modelId="{631EBEB3-2B81-4C98-BDAB-E9698B4E0EE6}" type="pres">
-      <dgm:prSet presAssocID="{0FD48A26-7033-4671-B22A-E5A0558FE799}" presName="tx2" presStyleLbl="revTx" presStyleIdx="2" presStyleCnt="5"/>
-      <dgm:spPr/>
-      <dgm:t>
-        <a:bodyPr/>
-        <a:lstStyle/>
-        <a:p>
-          <a:pPr latinLnBrk="1"/>
-          <a:endParaRPr lang="ko-KR" altLang="en-US"/>
-        </a:p>
-      </dgm:t>
-    </dgm:pt>
-    <dgm:pt modelId="{19635C84-F336-4218-896C-4B03D57BB6E0}" type="pres">
-      <dgm:prSet presAssocID="{0FD48A26-7033-4671-B22A-E5A0558FE799}" presName="vert2" presStyleCnt="0"/>
-      <dgm:spPr/>
-    </dgm:pt>
-    <dgm:pt modelId="{B06A348A-4BB1-4BA5-BF31-E2F8E8621185}" type="pres">
-      <dgm:prSet presAssocID="{0FD48A26-7033-4671-B22A-E5A0558FE799}" presName="thinLine2b" presStyleLbl="callout" presStyleIdx="1" presStyleCnt="3"/>
-      <dgm:spPr/>
-    </dgm:pt>
-    <dgm:pt modelId="{A3F1E3AB-DB5B-40DA-B24C-B3FCB41FE1CC}" type="pres">
-      <dgm:prSet presAssocID="{0FD48A26-7033-4671-B22A-E5A0558FE799}" presName="vertSpace2b" presStyleCnt="0"/>
       <dgm:spPr/>
     </dgm:pt>
     <dgm:pt modelId="{D7502388-C955-45BA-8AF5-2054B132C11C}" type="pres">
@@ -1234,8 +1185,16 @@
       <dgm:spPr/>
     </dgm:pt>
     <dgm:pt modelId="{0121AB03-4C53-463B-B760-EC250EE8B1A2}" type="pres">
-      <dgm:prSet presAssocID="{FE15ECCA-2318-41FF-9BA0-8E9F775671A5}" presName="tx1" presStyleLbl="revTx" presStyleIdx="3" presStyleCnt="5"/>
+      <dgm:prSet presAssocID="{FE15ECCA-2318-41FF-9BA0-8E9F775671A5}" presName="tx1" presStyleLbl="revTx" presStyleIdx="2" presStyleCnt="4"/>
       <dgm:spPr/>
+      <dgm:t>
+        <a:bodyPr/>
+        <a:lstStyle/>
+        <a:p>
+          <a:pPr latinLnBrk="1"/>
+          <a:endParaRPr lang="ko-KR" altLang="en-US"/>
+        </a:p>
+      </dgm:t>
     </dgm:pt>
     <dgm:pt modelId="{4A9B8CF1-989C-407B-B5D1-DA3D0531F2F2}" type="pres">
       <dgm:prSet presAssocID="{FE15ECCA-2318-41FF-9BA0-8E9F775671A5}" presName="vert1" presStyleCnt="0"/>
@@ -1254,7 +1213,7 @@
       <dgm:spPr/>
     </dgm:pt>
     <dgm:pt modelId="{4C37C8A3-9B77-46C6-AB1D-90AB5E3271E6}" type="pres">
-      <dgm:prSet presAssocID="{4739C7DF-4ACB-4E75-A431-9A1343B9F520}" presName="tx2" presStyleLbl="revTx" presStyleIdx="4" presStyleCnt="5"/>
+      <dgm:prSet presAssocID="{4739C7DF-4ACB-4E75-A431-9A1343B9F520}" presName="tx2" presStyleLbl="revTx" presStyleIdx="3" presStyleCnt="4"/>
       <dgm:spPr/>
       <dgm:t>
         <a:bodyPr/>
@@ -1270,7 +1229,7 @@
       <dgm:spPr/>
     </dgm:pt>
     <dgm:pt modelId="{F16ADB40-B52D-40B8-A813-0E635BE895AE}" type="pres">
-      <dgm:prSet presAssocID="{4739C7DF-4ACB-4E75-A431-9A1343B9F520}" presName="thinLine2b" presStyleLbl="callout" presStyleIdx="2" presStyleCnt="3"/>
+      <dgm:prSet presAssocID="{4739C7DF-4ACB-4E75-A431-9A1343B9F520}" presName="thinLine2b" presStyleLbl="callout" presStyleIdx="1" presStyleCnt="2"/>
       <dgm:spPr/>
     </dgm:pt>
     <dgm:pt modelId="{01B8173B-60BC-45DD-A0D3-BF6922AA8103}" type="pres">
@@ -1280,16 +1239,14 @@
   </dgm:ptLst>
   <dgm:cxnLst>
     <dgm:cxn modelId="{EE456226-86C9-4D95-8077-AC3A3B6A1483}" srcId="{C332F953-762B-4B33-AC2C-EB40F1FF85B0}" destId="{438D24A9-899D-4F77-9301-5ED182164E06}" srcOrd="0" destOrd="0" parTransId="{FCCAB6E7-1CB7-4EA4-93E1-962B21C1F142}" sibTransId="{5403BA80-8400-4E8A-B977-0894F00C47B9}"/>
-    <dgm:cxn modelId="{03B64A24-3F07-4F91-AE0B-E3B9F395874B}" srcId="{438D24A9-899D-4F77-9301-5ED182164E06}" destId="{0FD48A26-7033-4671-B22A-E5A0558FE799}" srcOrd="1" destOrd="0" parTransId="{2EE09D97-D7F8-4C55-B69A-D28FA5B543CA}" sibTransId="{D9E5C785-9212-42EB-A0FA-F68696472BD8}"/>
+    <dgm:cxn modelId="{4C06F040-F43B-4C97-BBC4-C76D3D7A2DAE}" type="presOf" srcId="{C332F953-762B-4B33-AC2C-EB40F1FF85B0}" destId="{16E7B203-BAAD-40BA-9278-6FA55D9657F8}" srcOrd="0" destOrd="0" presId="urn:microsoft.com/office/officeart/2008/layout/LinedList"/>
     <dgm:cxn modelId="{5AD5C818-4A74-4EDD-9261-34B8B259F232}" srcId="{C332F953-762B-4B33-AC2C-EB40F1FF85B0}" destId="{FE15ECCA-2318-41FF-9BA0-8E9F775671A5}" srcOrd="1" destOrd="0" parTransId="{3C50DDA9-2C64-457F-BFB5-37FBA56F1A60}" sibTransId="{8E31555D-ABA4-48FD-8145-68403794D90F}"/>
+    <dgm:cxn modelId="{5DBE6071-D3DE-4EFC-AB48-F5362E251EB1}" type="presOf" srcId="{438D24A9-899D-4F77-9301-5ED182164E06}" destId="{DCBC971F-FC39-4D96-ABAA-1A7A0C3F50D1}" srcOrd="0" destOrd="0" presId="urn:microsoft.com/office/officeart/2008/layout/LinedList"/>
+    <dgm:cxn modelId="{48BA3CD7-38F7-4AD5-8A1E-9BA138550472}" type="presOf" srcId="{46B6A35C-5F69-40E6-B648-226608D3E721}" destId="{7C4FB7B5-D460-4973-BF26-AEBEB02499D0}" srcOrd="0" destOrd="0" presId="urn:microsoft.com/office/officeart/2008/layout/LinedList"/>
     <dgm:cxn modelId="{2F1AE8CD-D85B-465E-AF8E-778760328D94}" type="presOf" srcId="{FE15ECCA-2318-41FF-9BA0-8E9F775671A5}" destId="{0121AB03-4C53-463B-B760-EC250EE8B1A2}" srcOrd="0" destOrd="0" presId="urn:microsoft.com/office/officeart/2008/layout/LinedList"/>
+    <dgm:cxn modelId="{7BAE9CD9-08C2-4D1C-886E-AD2681613D8E}" type="presOf" srcId="{4739C7DF-4ACB-4E75-A431-9A1343B9F520}" destId="{4C37C8A3-9B77-46C6-AB1D-90AB5E3271E6}" srcOrd="0" destOrd="0" presId="urn:microsoft.com/office/officeart/2008/layout/LinedList"/>
     <dgm:cxn modelId="{7E06B90A-7CCD-4F86-88C4-3EB4939ACDAB}" srcId="{438D24A9-899D-4F77-9301-5ED182164E06}" destId="{46B6A35C-5F69-40E6-B648-226608D3E721}" srcOrd="0" destOrd="0" parTransId="{8542FAF9-95D0-456B-8E42-4AA3FFA68C7B}" sibTransId="{5DFFEF75-EC01-4987-BFEB-B4551AD1C001}"/>
-    <dgm:cxn modelId="{48BA3CD7-38F7-4AD5-8A1E-9BA138550472}" type="presOf" srcId="{46B6A35C-5F69-40E6-B648-226608D3E721}" destId="{7C4FB7B5-D460-4973-BF26-AEBEB02499D0}" srcOrd="0" destOrd="0" presId="urn:microsoft.com/office/officeart/2008/layout/LinedList"/>
-    <dgm:cxn modelId="{5DBE6071-D3DE-4EFC-AB48-F5362E251EB1}" type="presOf" srcId="{438D24A9-899D-4F77-9301-5ED182164E06}" destId="{DCBC971F-FC39-4D96-ABAA-1A7A0C3F50D1}" srcOrd="0" destOrd="0" presId="urn:microsoft.com/office/officeart/2008/layout/LinedList"/>
     <dgm:cxn modelId="{E93B7607-10CF-427B-BBE9-B0112961329D}" srcId="{FE15ECCA-2318-41FF-9BA0-8E9F775671A5}" destId="{4739C7DF-4ACB-4E75-A431-9A1343B9F520}" srcOrd="0" destOrd="0" parTransId="{A9B8C49C-96EA-4620-9E1C-C7CDD47946AC}" sibTransId="{E6C04529-A12B-4894-A53D-6055F0F3AEA9}"/>
-    <dgm:cxn modelId="{4C06F040-F43B-4C97-BBC4-C76D3D7A2DAE}" type="presOf" srcId="{C332F953-762B-4B33-AC2C-EB40F1FF85B0}" destId="{16E7B203-BAAD-40BA-9278-6FA55D9657F8}" srcOrd="0" destOrd="0" presId="urn:microsoft.com/office/officeart/2008/layout/LinedList"/>
-    <dgm:cxn modelId="{A05692F9-9821-4CE7-9FBF-2DD965B321F3}" type="presOf" srcId="{0FD48A26-7033-4671-B22A-E5A0558FE799}" destId="{631EBEB3-2B81-4C98-BDAB-E9698B4E0EE6}" srcOrd="0" destOrd="0" presId="urn:microsoft.com/office/officeart/2008/layout/LinedList"/>
-    <dgm:cxn modelId="{7BAE9CD9-08C2-4D1C-886E-AD2681613D8E}" type="presOf" srcId="{4739C7DF-4ACB-4E75-A431-9A1343B9F520}" destId="{4C37C8A3-9B77-46C6-AB1D-90AB5E3271E6}" srcOrd="0" destOrd="0" presId="urn:microsoft.com/office/officeart/2008/layout/LinedList"/>
     <dgm:cxn modelId="{E16F981C-024C-4F48-A91F-27C33BBC75CC}" type="presParOf" srcId="{16E7B203-BAAD-40BA-9278-6FA55D9657F8}" destId="{97E95642-6116-44AE-A337-7BC0A6A646B2}" srcOrd="0" destOrd="0" presId="urn:microsoft.com/office/officeart/2008/layout/LinedList"/>
     <dgm:cxn modelId="{1DA98C74-8CB5-411B-8790-30480994E5EC}" type="presParOf" srcId="{16E7B203-BAAD-40BA-9278-6FA55D9657F8}" destId="{A216F87C-71A1-4B10-A167-56695C339652}" srcOrd="1" destOrd="0" presId="urn:microsoft.com/office/officeart/2008/layout/LinedList"/>
     <dgm:cxn modelId="{CD177B85-96F1-4E1D-8BFD-1E0951FD22DF}" type="presParOf" srcId="{A216F87C-71A1-4B10-A167-56695C339652}" destId="{DCBC971F-FC39-4D96-ABAA-1A7A0C3F50D1}" srcOrd="0" destOrd="0" presId="urn:microsoft.com/office/officeart/2008/layout/LinedList"/>
@@ -1301,12 +1258,6 @@
     <dgm:cxn modelId="{76E97838-8699-438E-B543-C1F2401140FC}" type="presParOf" srcId="{53C5FEC9-1F8C-4B39-AAF0-11C84536DFF1}" destId="{2EFA211F-19DA-4891-954D-D13BEB531FD4}" srcOrd="2" destOrd="0" presId="urn:microsoft.com/office/officeart/2008/layout/LinedList"/>
     <dgm:cxn modelId="{7CEE4E39-F434-4244-BB27-6F86C60138CD}" type="presParOf" srcId="{94A2C16E-868A-4B1D-B516-89A300EBB78D}" destId="{BAA0753F-A9FE-4701-942D-2D8182617D15}" srcOrd="2" destOrd="0" presId="urn:microsoft.com/office/officeart/2008/layout/LinedList"/>
     <dgm:cxn modelId="{EA520341-10E2-4B35-B0B5-F79A9EF3E45E}" type="presParOf" srcId="{94A2C16E-868A-4B1D-B516-89A300EBB78D}" destId="{35A09055-1A65-4DEC-A9B1-FA40900DB8E8}" srcOrd="3" destOrd="0" presId="urn:microsoft.com/office/officeart/2008/layout/LinedList"/>
-    <dgm:cxn modelId="{91B45E8E-754F-4B13-8A81-C6A38D57CC3A}" type="presParOf" srcId="{94A2C16E-868A-4B1D-B516-89A300EBB78D}" destId="{43146DE7-B062-4C51-A775-8B1F9E5CBBBE}" srcOrd="4" destOrd="0" presId="urn:microsoft.com/office/officeart/2008/layout/LinedList"/>
-    <dgm:cxn modelId="{183ABD7C-9E21-4719-869C-76F1FC84A64A}" type="presParOf" srcId="{43146DE7-B062-4C51-A775-8B1F9E5CBBBE}" destId="{1ACAB59E-6F13-4CE6-870D-9CDE0169858F}" srcOrd="0" destOrd="0" presId="urn:microsoft.com/office/officeart/2008/layout/LinedList"/>
-    <dgm:cxn modelId="{4A1F8DBC-48F6-43AC-B2BE-E41B03BA094D}" type="presParOf" srcId="{43146DE7-B062-4C51-A775-8B1F9E5CBBBE}" destId="{631EBEB3-2B81-4C98-BDAB-E9698B4E0EE6}" srcOrd="1" destOrd="0" presId="urn:microsoft.com/office/officeart/2008/layout/LinedList"/>
-    <dgm:cxn modelId="{345ACB0D-B09B-47E9-B419-EB5313299B25}" type="presParOf" srcId="{43146DE7-B062-4C51-A775-8B1F9E5CBBBE}" destId="{19635C84-F336-4218-896C-4B03D57BB6E0}" srcOrd="2" destOrd="0" presId="urn:microsoft.com/office/officeart/2008/layout/LinedList"/>
-    <dgm:cxn modelId="{3075F200-3FA6-468C-BF4E-DDFCE07D2D9C}" type="presParOf" srcId="{94A2C16E-868A-4B1D-B516-89A300EBB78D}" destId="{B06A348A-4BB1-4BA5-BF31-E2F8E8621185}" srcOrd="5" destOrd="0" presId="urn:microsoft.com/office/officeart/2008/layout/LinedList"/>
-    <dgm:cxn modelId="{0144D463-ABFE-48DF-899E-68BEF06C39C8}" type="presParOf" srcId="{94A2C16E-868A-4B1D-B516-89A300EBB78D}" destId="{A3F1E3AB-DB5B-40DA-B24C-B3FCB41FE1CC}" srcOrd="6" destOrd="0" presId="urn:microsoft.com/office/officeart/2008/layout/LinedList"/>
     <dgm:cxn modelId="{04B81C74-2A46-40F1-9943-115948A115B1}" type="presParOf" srcId="{16E7B203-BAAD-40BA-9278-6FA55D9657F8}" destId="{D7502388-C955-45BA-8AF5-2054B132C11C}" srcOrd="2" destOrd="0" presId="urn:microsoft.com/office/officeart/2008/layout/LinedList"/>
     <dgm:cxn modelId="{C52DDCAF-C0C8-4169-BAC7-6C37B1409A0B}" type="presParOf" srcId="{16E7B203-BAAD-40BA-9278-6FA55D9657F8}" destId="{108F5681-2640-4653-95C2-92BCB51E7F91}" srcOrd="3" destOrd="0" presId="urn:microsoft.com/office/officeart/2008/layout/LinedList"/>
     <dgm:cxn modelId="{14BD20E8-98D2-4E58-A2F2-0AA0882B6AB5}" type="presParOf" srcId="{108F5681-2640-4653-95C2-92BCB51E7F91}" destId="{0121AB03-4C53-463B-B760-EC250EE8B1A2}" srcOrd="0" destOrd="0" presId="urn:microsoft.com/office/officeart/2008/layout/LinedList"/>
@@ -1345,7 +1296,7 @@
       <dsp:spPr>
         <a:xfrm>
           <a:off x="0" y="0"/>
-          <a:ext cx="6096000" cy="0"/>
+          <a:ext cx="5868652" cy="0"/>
         </a:xfrm>
         <a:prstGeom prst="line">
           <a:avLst/>
@@ -1393,8 +1344,8 @@
       </dsp:nvSpPr>
       <dsp:spPr>
         <a:xfrm>
-          <a:off x="0" y="269869"/>
-          <a:ext cx="1219200" cy="2032000"/>
+          <a:off x="0" y="148232"/>
+          <a:ext cx="1173730" cy="1116124"/>
         </a:xfrm>
         <a:prstGeom prst="rect">
           <a:avLst/>
@@ -1438,16 +1389,30 @@
             <a:rPr lang="ko-KR" altLang="en-US" sz="2000" kern="1200" dirty="0" err="1" smtClean="0"/>
             <a:t>곽규한</a:t>
           </a:r>
+          <a:endParaRPr lang="en-US" altLang="ko-KR" sz="2000" kern="1200" dirty="0" smtClean="0"/>
+        </a:p>
+        <a:p>
+          <a:pPr lvl="0" algn="l" defTabSz="889000" latinLnBrk="1">
+            <a:lnSpc>
+              <a:spcPct val="90000"/>
+            </a:lnSpc>
+            <a:spcBef>
+              <a:spcPct val="0"/>
+            </a:spcBef>
+            <a:spcAft>
+              <a:spcPct val="35000"/>
+            </a:spcAft>
+          </a:pPr>
           <a:r>
             <a:rPr lang="ko-KR" altLang="en-US" sz="2000" kern="1200" dirty="0" smtClean="0"/>
-            <a:t> 이호준</a:t>
+            <a:t>이호준</a:t>
           </a:r>
           <a:endParaRPr lang="ko-KR" altLang="en-US" sz="2000" kern="1200" dirty="0"/>
         </a:p>
       </dsp:txBody>
       <dsp:txXfrm>
-        <a:off x="0" y="269869"/>
-        <a:ext cx="1219200" cy="2032000"/>
+        <a:off x="0" y="148232"/>
+        <a:ext cx="1173730" cy="1116124"/>
       </dsp:txXfrm>
     </dsp:sp>
     <dsp:sp modelId="{7C4FB7B5-D460-4973-BF26-AEBEB02499D0}">
@@ -1457,8 +1422,8 @@
       </dsp:nvSpPr>
       <dsp:spPr>
         <a:xfrm>
-          <a:off x="1310640" y="47228"/>
-          <a:ext cx="4785360" cy="944562"/>
+          <a:off x="1261760" y="50683"/>
+          <a:ext cx="4606891" cy="1013667"/>
         </a:xfrm>
         <a:prstGeom prst="rect">
           <a:avLst/>
@@ -1482,12 +1447,12 @@
         <a:fontRef idx="minor"/>
       </dsp:style>
       <dsp:txBody>
-        <a:bodyPr spcFirstLastPara="0" vert="horz" wrap="square" lIns="171450" tIns="171450" rIns="171450" bIns="171450" numCol="1" spcCol="1270" anchor="t" anchorCtr="0">
+        <a:bodyPr spcFirstLastPara="0" vert="horz" wrap="square" lIns="91440" tIns="91440" rIns="91440" bIns="91440" numCol="1" spcCol="1270" anchor="t" anchorCtr="0">
           <a:noAutofit/>
         </a:bodyPr>
         <a:lstStyle/>
         <a:p>
-          <a:pPr lvl="0" algn="l" defTabSz="2000250" latinLnBrk="1">
+          <a:pPr lvl="0" algn="l" defTabSz="1066800" latinLnBrk="1">
             <a:lnSpc>
               <a:spcPct val="90000"/>
             </a:lnSpc>
@@ -1499,19 +1464,27 @@
             </a:spcAft>
           </a:pPr>
           <a:r>
-            <a:rPr lang="en-US" altLang="ko-KR" sz="4500" kern="1200" dirty="0" smtClean="0"/>
+            <a:rPr lang="en-US" altLang="ko-KR" sz="2400" kern="1200" dirty="0" smtClean="0"/>
             <a:t>AR </a:t>
           </a:r>
           <a:r>
-            <a:rPr lang="ko-KR" altLang="en-US" sz="4500" kern="1200" dirty="0" smtClean="0"/>
+            <a:rPr lang="ko-KR" altLang="en-US" sz="2400" kern="1200" dirty="0" smtClean="0"/>
             <a:t>기능</a:t>
           </a:r>
-          <a:endParaRPr lang="ko-KR" altLang="en-US" sz="4500" kern="1200" dirty="0"/>
+          <a:r>
+            <a:rPr lang="en-US" altLang="ko-KR" sz="2400" kern="1200" dirty="0" smtClean="0"/>
+            <a:t>, </a:t>
+          </a:r>
+          <a:r>
+            <a:rPr lang="ko-KR" altLang="en-US" sz="2400" kern="1200" dirty="0" smtClean="0"/>
+            <a:t>제어판 기능</a:t>
+          </a:r>
+          <a:endParaRPr lang="ko-KR" altLang="en-US" sz="2400" kern="1200" dirty="0"/>
         </a:p>
       </dsp:txBody>
       <dsp:txXfrm>
-        <a:off x="1310640" y="47228"/>
-        <a:ext cx="4785360" cy="944562"/>
+        <a:off x="1261760" y="50683"/>
+        <a:ext cx="4606891" cy="1013667"/>
       </dsp:txXfrm>
     </dsp:sp>
     <dsp:sp modelId="{BAA0753F-A9FE-4701-942D-2D8182617D15}">
@@ -1521,116 +1494,8 @@
       </dsp:nvSpPr>
       <dsp:spPr>
         <a:xfrm>
-          <a:off x="1219199" y="991790"/>
-          <a:ext cx="4876800" cy="0"/>
-        </a:xfrm>
-        <a:prstGeom prst="line">
-          <a:avLst/>
-        </a:prstGeom>
-        <a:solidFill>
-          <a:schemeClr val="accent1">
-            <a:hueOff val="0"/>
-            <a:satOff val="0"/>
-            <a:lumOff val="0"/>
-            <a:alphaOff val="0"/>
-          </a:schemeClr>
-        </a:solidFill>
-        <a:ln w="25400" cap="flat" cmpd="sng" algn="ctr">
-          <a:solidFill>
-            <a:schemeClr val="accent1">
-              <a:tint val="50000"/>
-              <a:hueOff val="0"/>
-              <a:satOff val="0"/>
-              <a:lumOff val="0"/>
-              <a:alphaOff val="0"/>
-            </a:schemeClr>
-          </a:solidFill>
-          <a:prstDash val="solid"/>
-        </a:ln>
-        <a:effectLst/>
-      </dsp:spPr>
-      <dsp:style>
-        <a:lnRef idx="2">
-          <a:scrgbClr r="0" g="0" b="0"/>
-        </a:lnRef>
-        <a:fillRef idx="1">
-          <a:scrgbClr r="0" g="0" b="0"/>
-        </a:fillRef>
-        <a:effectRef idx="0">
-          <a:scrgbClr r="0" g="0" b="0"/>
-        </a:effectRef>
-        <a:fontRef idx="minor"/>
-      </dsp:style>
-    </dsp:sp>
-    <dsp:sp modelId="{631EBEB3-2B81-4C98-BDAB-E9698B4E0EE6}">
-      <dsp:nvSpPr>
-        <dsp:cNvPr id="0" name=""/>
-        <dsp:cNvSpPr/>
-      </dsp:nvSpPr>
-      <dsp:spPr>
-        <a:xfrm>
-          <a:off x="1310640" y="1039018"/>
-          <a:ext cx="4785360" cy="944562"/>
-        </a:xfrm>
-        <a:prstGeom prst="rect">
-          <a:avLst/>
-        </a:prstGeom>
-        <a:noFill/>
-        <a:ln>
-          <a:noFill/>
-        </a:ln>
-        <a:effectLst/>
-      </dsp:spPr>
-      <dsp:style>
-        <a:lnRef idx="0">
-          <a:scrgbClr r="0" g="0" b="0"/>
-        </a:lnRef>
-        <a:fillRef idx="0">
-          <a:scrgbClr r="0" g="0" b="0"/>
-        </a:fillRef>
-        <a:effectRef idx="0">
-          <a:scrgbClr r="0" g="0" b="0"/>
-        </a:effectRef>
-        <a:fontRef idx="minor"/>
-      </dsp:style>
-      <dsp:txBody>
-        <a:bodyPr spcFirstLastPara="0" vert="horz" wrap="square" lIns="171450" tIns="171450" rIns="171450" bIns="171450" numCol="1" spcCol="1270" anchor="t" anchorCtr="0">
-          <a:noAutofit/>
-        </a:bodyPr>
-        <a:lstStyle/>
-        <a:p>
-          <a:pPr lvl="0" algn="l" defTabSz="2000250" latinLnBrk="1">
-            <a:lnSpc>
-              <a:spcPct val="90000"/>
-            </a:lnSpc>
-            <a:spcBef>
-              <a:spcPct val="0"/>
-            </a:spcBef>
-            <a:spcAft>
-              <a:spcPct val="35000"/>
-            </a:spcAft>
-          </a:pPr>
-          <a:r>
-            <a:rPr lang="ko-KR" altLang="en-US" sz="4500" kern="1200" dirty="0" smtClean="0"/>
-            <a:t>제어판 기능</a:t>
-          </a:r>
-          <a:endParaRPr lang="ko-KR" altLang="en-US" sz="4500" kern="1200" dirty="0"/>
-        </a:p>
-      </dsp:txBody>
-      <dsp:txXfrm>
-        <a:off x="1310640" y="1039018"/>
-        <a:ext cx="4785360" cy="944562"/>
-      </dsp:txXfrm>
-    </dsp:sp>
-    <dsp:sp modelId="{B06A348A-4BB1-4BA5-BF31-E2F8E8621185}">
-      <dsp:nvSpPr>
-        <dsp:cNvPr id="0" name=""/>
-        <dsp:cNvSpPr/>
-      </dsp:nvSpPr>
-      <dsp:spPr>
-        <a:xfrm>
-          <a:off x="1219199" y="1983581"/>
-          <a:ext cx="4876800" cy="0"/>
+          <a:off x="1173730" y="1064350"/>
+          <a:ext cx="4694921" cy="0"/>
         </a:xfrm>
         <a:prstGeom prst="line">
           <a:avLst/>
@@ -1677,8 +1542,8 @@
       </dsp:nvSpPr>
       <dsp:spPr>
         <a:xfrm>
-          <a:off x="0" y="2032000"/>
-          <a:ext cx="6096000" cy="0"/>
+          <a:off x="0" y="1116124"/>
+          <a:ext cx="5868652" cy="0"/>
         </a:xfrm>
         <a:prstGeom prst="line">
           <a:avLst/>
@@ -1726,8 +1591,68 @@
       </dsp:nvSpPr>
       <dsp:spPr>
         <a:xfrm>
-          <a:off x="0" y="2032000"/>
-          <a:ext cx="1219200" cy="2032000"/>
+          <a:off x="0" y="1116124"/>
+          <a:ext cx="1173730" cy="1116124"/>
+        </a:xfrm>
+        <a:prstGeom prst="rect">
+          <a:avLst/>
+        </a:prstGeom>
+        <a:noFill/>
+        <a:ln>
+          <a:noFill/>
+        </a:ln>
+        <a:effectLst/>
+      </dsp:spPr>
+      <dsp:style>
+        <a:lnRef idx="0">
+          <a:scrgbClr r="0" g="0" b="0"/>
+        </a:lnRef>
+        <a:fillRef idx="0">
+          <a:scrgbClr r="0" g="0" b="0"/>
+        </a:fillRef>
+        <a:effectRef idx="0">
+          <a:scrgbClr r="0" g="0" b="0"/>
+        </a:effectRef>
+        <a:fontRef idx="minor"/>
+      </dsp:style>
+      <dsp:txBody>
+        <a:bodyPr spcFirstLastPara="0" vert="horz" wrap="square" lIns="76200" tIns="76200" rIns="76200" bIns="76200" numCol="1" spcCol="1270" anchor="t" anchorCtr="0">
+          <a:noAutofit/>
+        </a:bodyPr>
+        <a:lstStyle/>
+        <a:p>
+          <a:pPr lvl="0" algn="l" defTabSz="889000" latinLnBrk="1">
+            <a:lnSpc>
+              <a:spcPct val="90000"/>
+            </a:lnSpc>
+            <a:spcBef>
+              <a:spcPct val="0"/>
+            </a:spcBef>
+            <a:spcAft>
+              <a:spcPct val="35000"/>
+            </a:spcAft>
+          </a:pPr>
+          <a:r>
+            <a:rPr lang="ko-KR" altLang="en-US" sz="2000" kern="1200" dirty="0" smtClean="0"/>
+            <a:t>이남현</a:t>
+          </a:r>
+          <a:endParaRPr lang="ko-KR" altLang="en-US" sz="2000" kern="1200" dirty="0"/>
+        </a:p>
+      </dsp:txBody>
+      <dsp:txXfrm>
+        <a:off x="0" y="1116124"/>
+        <a:ext cx="1173730" cy="1116124"/>
+      </dsp:txXfrm>
+    </dsp:sp>
+    <dsp:sp modelId="{4C37C8A3-9B77-46C6-AB1D-90AB5E3271E6}">
+      <dsp:nvSpPr>
+        <dsp:cNvPr id="0" name=""/>
+        <dsp:cNvSpPr/>
+      </dsp:nvSpPr>
+      <dsp:spPr>
+        <a:xfrm>
+          <a:off x="1261760" y="1166807"/>
+          <a:ext cx="4606891" cy="1013667"/>
         </a:xfrm>
         <a:prstGeom prst="rect">
           <a:avLst/>
@@ -1768,79 +1693,19 @@
             </a:spcAft>
           </a:pPr>
           <a:r>
+            <a:rPr lang="en-US" altLang="ko-KR" sz="2400" kern="1200" dirty="0" smtClean="0"/>
+            <a:t>SERVER</a:t>
+          </a:r>
+          <a:r>
             <a:rPr lang="ko-KR" altLang="en-US" sz="2400" kern="1200" dirty="0" smtClean="0"/>
-            <a:t>이남현</a:t>
+            <a:t> </a:t>
           </a:r>
           <a:endParaRPr lang="ko-KR" altLang="en-US" sz="2400" kern="1200" dirty="0"/>
         </a:p>
       </dsp:txBody>
       <dsp:txXfrm>
-        <a:off x="0" y="2032000"/>
-        <a:ext cx="1219200" cy="2032000"/>
-      </dsp:txXfrm>
-    </dsp:sp>
-    <dsp:sp modelId="{4C37C8A3-9B77-46C6-AB1D-90AB5E3271E6}">
-      <dsp:nvSpPr>
-        <dsp:cNvPr id="0" name=""/>
-        <dsp:cNvSpPr/>
-      </dsp:nvSpPr>
-      <dsp:spPr>
-        <a:xfrm>
-          <a:off x="1310640" y="2124273"/>
-          <a:ext cx="4785360" cy="1845468"/>
-        </a:xfrm>
-        <a:prstGeom prst="rect">
-          <a:avLst/>
-        </a:prstGeom>
-        <a:noFill/>
-        <a:ln>
-          <a:noFill/>
-        </a:ln>
-        <a:effectLst/>
-      </dsp:spPr>
-      <dsp:style>
-        <a:lnRef idx="0">
-          <a:scrgbClr r="0" g="0" b="0"/>
-        </a:lnRef>
-        <a:fillRef idx="0">
-          <a:scrgbClr r="0" g="0" b="0"/>
-        </a:fillRef>
-        <a:effectRef idx="0">
-          <a:scrgbClr r="0" g="0" b="0"/>
-        </a:effectRef>
-        <a:fontRef idx="minor"/>
-      </dsp:style>
-      <dsp:txBody>
-        <a:bodyPr spcFirstLastPara="0" vert="horz" wrap="square" lIns="171450" tIns="171450" rIns="171450" bIns="171450" numCol="1" spcCol="1270" anchor="t" anchorCtr="0">
-          <a:noAutofit/>
-        </a:bodyPr>
-        <a:lstStyle/>
-        <a:p>
-          <a:pPr lvl="0" algn="l" defTabSz="2000250" latinLnBrk="1">
-            <a:lnSpc>
-              <a:spcPct val="90000"/>
-            </a:lnSpc>
-            <a:spcBef>
-              <a:spcPct val="0"/>
-            </a:spcBef>
-            <a:spcAft>
-              <a:spcPct val="35000"/>
-            </a:spcAft>
-          </a:pPr>
-          <a:r>
-            <a:rPr lang="ko-KR" altLang="en-US" sz="4500" kern="1200" dirty="0" smtClean="0"/>
-            <a:t>서버 </a:t>
-          </a:r>
-          <a:r>
-            <a:rPr lang="ko-KR" altLang="en-US" sz="4500" kern="1200" dirty="0" err="1" smtClean="0"/>
-            <a:t>ㅌㅌ</a:t>
-          </a:r>
-          <a:endParaRPr lang="ko-KR" altLang="en-US" sz="4500" kern="1200" dirty="0"/>
-        </a:p>
-      </dsp:txBody>
-      <dsp:txXfrm>
-        <a:off x="1310640" y="2124273"/>
-        <a:ext cx="4785360" cy="1845468"/>
+        <a:off x="1261760" y="1166807"/>
+        <a:ext cx="4606891" cy="1013667"/>
       </dsp:txXfrm>
     </dsp:sp>
     <dsp:sp modelId="{F16ADB40-B52D-40B8-A813-0E635BE895AE}">
@@ -1850,8 +1715,8 @@
       </dsp:nvSpPr>
       <dsp:spPr>
         <a:xfrm>
-          <a:off x="1219199" y="3969742"/>
-          <a:ext cx="4876800" cy="0"/>
+          <a:off x="1173730" y="2180474"/>
+          <a:ext cx="4694921" cy="0"/>
         </a:xfrm>
         <a:prstGeom prst="line">
           <a:avLst/>
@@ -4009,23 +3874,23 @@
               <a:defRPr lang="ko-KR" altLang="en-US"/>
             </a:pPr>
             <a:r>
-              <a:rPr lang="en-US" altLang="ko-KR" dirty="0"/>
+              <a:rPr lang="en-US" altLang="ko-KR" dirty="0" smtClean="0"/>
               <a:t>-</a:t>
             </a:r>
             <a:r>
-              <a:rPr lang="ko-KR" altLang="en-US" dirty="0"/>
+              <a:rPr lang="ko-KR" altLang="en-US" dirty="0" smtClean="0"/>
               <a:t>내용구성</a:t>
             </a:r>
             <a:r>
-              <a:rPr lang="en-US" altLang="ko-KR" dirty="0"/>
+              <a:rPr lang="en-US" altLang="ko-KR" dirty="0" smtClean="0"/>
               <a:t>(</a:t>
             </a:r>
             <a:r>
-              <a:rPr lang="ko-KR" altLang="en-US" dirty="0"/>
+              <a:rPr lang="ko-KR" altLang="en-US" dirty="0" smtClean="0"/>
               <a:t>슬라이드</a:t>
             </a:r>
             <a:r>
-              <a:rPr lang="en-US" altLang="ko-KR" dirty="0"/>
+              <a:rPr lang="en-US" altLang="ko-KR" dirty="0" smtClean="0"/>
               <a:t>)</a:t>
             </a:r>
           </a:p>
@@ -4034,11 +3899,11 @@
               <a:defRPr lang="ko-KR" altLang="en-US"/>
             </a:pPr>
             <a:r>
-              <a:rPr lang="en-US" altLang="ko-KR" dirty="0"/>
+              <a:rPr lang="en-US" altLang="ko-KR" dirty="0" smtClean="0"/>
               <a:t>	O1. </a:t>
             </a:r>
             <a:r>
-              <a:rPr lang="ko-KR" altLang="en-US" dirty="0"/>
+              <a:rPr lang="ko-KR" altLang="en-US" dirty="0" smtClean="0"/>
               <a:t>표지</a:t>
             </a:r>
           </a:p>
@@ -4047,15 +3912,15 @@
               <a:defRPr lang="ko-KR" altLang="en-US"/>
             </a:pPr>
             <a:r>
-              <a:rPr lang="ko-KR" altLang="en-US" dirty="0"/>
+              <a:rPr lang="ko-KR" altLang="en-US" dirty="0" smtClean="0"/>
               <a:t>	</a:t>
             </a:r>
             <a:r>
-              <a:rPr lang="en-US" altLang="ko-KR" dirty="0"/>
+              <a:rPr lang="en-US" altLang="ko-KR" dirty="0" smtClean="0"/>
               <a:t>O2. </a:t>
             </a:r>
             <a:r>
-              <a:rPr lang="ko-KR" altLang="en-US" dirty="0"/>
+              <a:rPr lang="ko-KR" altLang="en-US" dirty="0" smtClean="0"/>
               <a:t>목차</a:t>
             </a:r>
           </a:p>
@@ -4064,39 +3929,39 @@
               <a:defRPr lang="ko-KR" altLang="en-US"/>
             </a:pPr>
             <a:r>
-              <a:rPr lang="ko-KR" altLang="en-US" dirty="0"/>
+              <a:rPr lang="ko-KR" altLang="en-US" dirty="0" smtClean="0"/>
               <a:t>	</a:t>
             </a:r>
             <a:r>
-              <a:rPr lang="en-US" altLang="ko-KR" dirty="0"/>
+              <a:rPr lang="en-US" altLang="ko-KR" dirty="0" smtClean="0"/>
               <a:t>O3. </a:t>
             </a:r>
             <a:r>
-              <a:rPr lang="ko-KR" altLang="en-US" dirty="0"/>
+              <a:rPr lang="ko-KR" altLang="en-US" dirty="0" smtClean="0"/>
               <a:t>상황설명 </a:t>
             </a:r>
             <a:r>
-              <a:rPr lang="en-US" altLang="ko-KR" dirty="0"/>
+              <a:rPr lang="en-US" altLang="ko-KR" dirty="0" smtClean="0"/>
               <a:t>- </a:t>
             </a:r>
             <a:r>
-              <a:rPr lang="ko-KR" altLang="en-US" dirty="0"/>
+              <a:rPr lang="ko-KR" altLang="en-US" dirty="0" smtClean="0"/>
               <a:t>보통 인테리어 할 때 어떠냐</a:t>
             </a:r>
             <a:r>
-              <a:rPr lang="en-US" altLang="ko-KR" dirty="0"/>
+              <a:rPr lang="en-US" altLang="ko-KR" dirty="0" smtClean="0"/>
               <a:t>? </a:t>
             </a:r>
             <a:r>
-              <a:rPr lang="ko-KR" altLang="en-US" dirty="0"/>
+              <a:rPr lang="ko-KR" altLang="en-US" dirty="0" smtClean="0"/>
               <a:t>묻기</a:t>
             </a:r>
             <a:r>
-              <a:rPr lang="en-US" altLang="ko-KR" dirty="0"/>
+              <a:rPr lang="en-US" altLang="ko-KR" dirty="0" smtClean="0"/>
               <a:t>, </a:t>
             </a:r>
             <a:r>
-              <a:rPr lang="ko-KR" altLang="en-US" dirty="0"/>
+              <a:rPr lang="ko-KR" altLang="en-US" dirty="0" smtClean="0"/>
               <a:t>특히 이사할 때</a:t>
             </a:r>
           </a:p>
@@ -4105,15 +3970,15 @@
               <a:defRPr lang="ko-KR" altLang="en-US"/>
             </a:pPr>
             <a:r>
-              <a:rPr lang="ko-KR" altLang="en-US" dirty="0"/>
+              <a:rPr lang="ko-KR" altLang="en-US" dirty="0" smtClean="0"/>
               <a:t>	</a:t>
             </a:r>
             <a:r>
-              <a:rPr lang="en-US" altLang="ko-KR" dirty="0"/>
+              <a:rPr lang="en-US" altLang="ko-KR" dirty="0" smtClean="0"/>
               <a:t>O4. </a:t>
             </a:r>
             <a:r>
-              <a:rPr lang="ko-KR" altLang="en-US" dirty="0"/>
+              <a:rPr lang="ko-KR" altLang="en-US" dirty="0" smtClean="0"/>
               <a:t>개발동기</a:t>
             </a:r>
           </a:p>
@@ -4122,27 +3987,27 @@
               <a:defRPr lang="ko-KR" altLang="en-US"/>
             </a:pPr>
             <a:r>
-              <a:rPr lang="ko-KR" altLang="en-US" dirty="0"/>
+              <a:rPr lang="ko-KR" altLang="en-US" dirty="0" smtClean="0"/>
               <a:t>		</a:t>
             </a:r>
             <a:r>
-              <a:rPr lang="en-US" altLang="ko-KR" dirty="0"/>
+              <a:rPr lang="en-US" altLang="ko-KR" dirty="0" smtClean="0"/>
               <a:t>1 </a:t>
             </a:r>
             <a:r>
-              <a:rPr lang="ko-KR" altLang="en-US" dirty="0"/>
+              <a:rPr lang="ko-KR" altLang="en-US" dirty="0" smtClean="0"/>
               <a:t>필요성</a:t>
             </a:r>
             <a:r>
-              <a:rPr lang="en-US" altLang="ko-KR" dirty="0"/>
+              <a:rPr lang="en-US" altLang="ko-KR" dirty="0" smtClean="0"/>
               <a:t>1(</a:t>
             </a:r>
             <a:r>
-              <a:rPr lang="ko-KR" altLang="en-US" dirty="0"/>
+              <a:rPr lang="ko-KR" altLang="en-US" dirty="0" smtClean="0"/>
               <a:t>이게 없어서 불편했다</a:t>
             </a:r>
             <a:r>
-              <a:rPr lang="en-US" altLang="ko-KR" dirty="0"/>
+              <a:rPr lang="en-US" altLang="ko-KR" dirty="0" smtClean="0"/>
               <a:t>)</a:t>
             </a:r>
           </a:p>
@@ -4151,55 +4016,55 @@
               <a:defRPr lang="ko-KR" altLang="en-US"/>
             </a:pPr>
             <a:r>
-              <a:rPr lang="en-US" altLang="ko-KR" dirty="0"/>
+              <a:rPr lang="en-US" altLang="ko-KR" dirty="0" smtClean="0"/>
               <a:t>		2 </a:t>
             </a:r>
             <a:r>
-              <a:rPr lang="ko-KR" altLang="en-US" dirty="0"/>
+              <a:rPr lang="ko-KR" altLang="en-US" dirty="0" smtClean="0"/>
               <a:t>필요성</a:t>
             </a:r>
             <a:r>
-              <a:rPr lang="en-US" altLang="ko-KR" dirty="0"/>
+              <a:rPr lang="en-US" altLang="ko-KR" dirty="0" smtClean="0"/>
               <a:t>2(</a:t>
             </a:r>
             <a:r>
-              <a:rPr lang="ko-KR" altLang="en-US" dirty="0"/>
+              <a:rPr lang="ko-KR" altLang="en-US" dirty="0" smtClean="0"/>
               <a:t>이걸 쓰면 편하다</a:t>
             </a:r>
             <a:r>
-              <a:rPr lang="en-US" altLang="ko-KR" dirty="0"/>
+              <a:rPr lang="en-US" altLang="ko-KR" dirty="0" smtClean="0"/>
               <a:t>, </a:t>
             </a:r>
             <a:r>
-              <a:rPr lang="ko-KR" altLang="en-US" dirty="0" err="1"/>
+              <a:rPr lang="ko-KR" altLang="en-US" dirty="0" err="1" smtClean="0"/>
               <a:t>포토샵써서</a:t>
             </a:r>
             <a:r>
-              <a:rPr lang="ko-KR" altLang="en-US" dirty="0"/>
+              <a:rPr lang="ko-KR" altLang="en-US" dirty="0" smtClean="0"/>
               <a:t> 합성</a:t>
             </a:r>
             <a:r>
-              <a:rPr lang="en-US" altLang="ko-KR" dirty="0"/>
+              <a:rPr lang="en-US" altLang="ko-KR" dirty="0" smtClean="0"/>
               <a:t>? </a:t>
             </a:r>
             <a:r>
-              <a:rPr lang="ko-KR" altLang="en-US" dirty="0"/>
+              <a:rPr lang="ko-KR" altLang="en-US" dirty="0" smtClean="0"/>
               <a:t>굳이 </a:t>
             </a:r>
             <a:r>
-              <a:rPr lang="ko-KR" altLang="en-US" dirty="0" err="1"/>
+              <a:rPr lang="ko-KR" altLang="en-US" dirty="0" err="1" smtClean="0"/>
               <a:t>어플설치</a:t>
             </a:r>
             <a:r>
-              <a:rPr lang="en-US" altLang="ko-KR" dirty="0"/>
+              <a:rPr lang="en-US" altLang="ko-KR" dirty="0" smtClean="0"/>
               <a:t>? </a:t>
             </a:r>
             <a:r>
-              <a:rPr lang="ko-KR" altLang="en-US" dirty="0"/>
+              <a:rPr lang="ko-KR" altLang="en-US" dirty="0" smtClean="0"/>
               <a:t>를 넣어서 장점을 은연중에 부각</a:t>
             </a:r>
             <a:r>
-              <a:rPr lang="en-US" altLang="ko-KR" dirty="0"/>
+              <a:rPr lang="en-US" altLang="ko-KR" dirty="0" smtClean="0"/>
               <a:t>)</a:t>
             </a:r>
           </a:p>
@@ -4208,19 +4073,19 @@
               <a:defRPr lang="ko-KR" altLang="en-US"/>
             </a:pPr>
             <a:r>
-              <a:rPr lang="en-US" altLang="ko-KR" dirty="0"/>
+              <a:rPr lang="en-US" altLang="ko-KR" dirty="0" smtClean="0"/>
               <a:t>		3 </a:t>
             </a:r>
             <a:r>
-              <a:rPr lang="ko-KR" altLang="en-US" dirty="0"/>
+              <a:rPr lang="ko-KR" altLang="en-US" dirty="0" smtClean="0"/>
               <a:t>우리 작품이 해결해준다 </a:t>
             </a:r>
             <a:r>
-              <a:rPr lang="en-US" altLang="ko-KR" dirty="0"/>
+              <a:rPr lang="en-US" altLang="ko-KR" dirty="0" smtClean="0"/>
               <a:t>-&gt; 5</a:t>
             </a:r>
             <a:r>
-              <a:rPr lang="ko-KR" altLang="en-US" dirty="0"/>
+              <a:rPr lang="ko-KR" altLang="en-US" dirty="0" smtClean="0"/>
               <a:t>번 슬라이드로 넘어가며</a:t>
             </a:r>
           </a:p>
@@ -4229,11 +4094,11 @@
               <a:defRPr lang="ko-KR" altLang="en-US"/>
             </a:pPr>
             <a:r>
-              <a:rPr lang="en-US" altLang="ko-KR" dirty="0"/>
+              <a:rPr lang="en-US" altLang="ko-KR" dirty="0" smtClean="0"/>
               <a:t>5~9</a:t>
             </a:r>
             <a:r>
-              <a:rPr lang="ko-KR" altLang="en-US" dirty="0"/>
+              <a:rPr lang="ko-KR" altLang="en-US" dirty="0" smtClean="0"/>
               <a:t>은 순서 조정필요</a:t>
             </a:r>
           </a:p>
@@ -4242,15 +4107,15 @@
               <a:defRPr lang="ko-KR" altLang="en-US"/>
             </a:pPr>
             <a:r>
-              <a:rPr lang="ko-KR" altLang="en-US" dirty="0"/>
+              <a:rPr lang="ko-KR" altLang="en-US" dirty="0" smtClean="0"/>
               <a:t>	</a:t>
             </a:r>
             <a:r>
-              <a:rPr lang="en-US" altLang="ko-KR" dirty="0"/>
+              <a:rPr lang="en-US" altLang="ko-KR" dirty="0" smtClean="0"/>
               <a:t>O5. </a:t>
             </a:r>
             <a:r>
-              <a:rPr lang="ko-KR" altLang="en-US" dirty="0"/>
+              <a:rPr lang="ko-KR" altLang="en-US" dirty="0" smtClean="0"/>
               <a:t>기능</a:t>
             </a:r>
           </a:p>
@@ -4259,35 +4124,35 @@
               <a:defRPr lang="ko-KR" altLang="en-US"/>
             </a:pPr>
             <a:r>
-              <a:rPr lang="ko-KR" altLang="en-US" dirty="0"/>
+              <a:rPr lang="ko-KR" altLang="en-US" dirty="0" smtClean="0"/>
               <a:t>	</a:t>
             </a:r>
             <a:r>
-              <a:rPr lang="en-US" altLang="ko-KR" dirty="0"/>
+              <a:rPr lang="en-US" altLang="ko-KR" dirty="0" smtClean="0"/>
               <a:t>O6. </a:t>
             </a:r>
             <a:r>
-              <a:rPr lang="ko-KR" altLang="en-US" dirty="0"/>
+              <a:rPr lang="ko-KR" altLang="en-US" dirty="0" smtClean="0"/>
               <a:t>사용기술</a:t>
             </a:r>
             <a:r>
-              <a:rPr lang="en-US" altLang="ko-KR" dirty="0"/>
+              <a:rPr lang="en-US" altLang="ko-KR" dirty="0" smtClean="0"/>
               <a:t>(</a:t>
             </a:r>
             <a:r>
-              <a:rPr lang="ko-KR" altLang="en-US" dirty="0"/>
+              <a:rPr lang="ko-KR" altLang="en-US" dirty="0" smtClean="0"/>
               <a:t>순서</a:t>
             </a:r>
             <a:r>
-              <a:rPr lang="en-US" altLang="ko-KR" dirty="0"/>
+              <a:rPr lang="en-US" altLang="ko-KR" dirty="0" smtClean="0"/>
               <a:t>,</a:t>
             </a:r>
             <a:r>
-              <a:rPr lang="ko-KR" altLang="en-US" dirty="0"/>
+              <a:rPr lang="ko-KR" altLang="en-US" dirty="0" smtClean="0"/>
               <a:t>흐름도 포함</a:t>
             </a:r>
             <a:r>
-              <a:rPr lang="en-US" altLang="ko-KR" dirty="0"/>
+              <a:rPr lang="en-US" altLang="ko-KR" dirty="0" smtClean="0"/>
               <a:t>)</a:t>
             </a:r>
           </a:p>
@@ -4296,27 +4161,27 @@
               <a:defRPr lang="ko-KR" altLang="en-US"/>
             </a:pPr>
             <a:r>
-              <a:rPr lang="ko-KR" altLang="en-US" dirty="0"/>
+              <a:rPr lang="ko-KR" altLang="en-US" dirty="0" smtClean="0"/>
               <a:t>	</a:t>
             </a:r>
             <a:r>
-              <a:rPr lang="en-US" altLang="ko-KR" dirty="0"/>
+              <a:rPr lang="en-US" altLang="ko-KR" dirty="0" smtClean="0"/>
               <a:t>X7. </a:t>
             </a:r>
             <a:r>
-              <a:rPr lang="ko-KR" altLang="en-US" dirty="0"/>
+              <a:rPr lang="ko-KR" altLang="en-US" dirty="0" smtClean="0"/>
               <a:t>수익</a:t>
             </a:r>
             <a:r>
-              <a:rPr lang="en-US" altLang="ko-KR" dirty="0"/>
+              <a:rPr lang="en-US" altLang="ko-KR" dirty="0" smtClean="0"/>
               <a:t>(</a:t>
             </a:r>
             <a:r>
-              <a:rPr lang="ko-KR" altLang="en-US" dirty="0"/>
+              <a:rPr lang="ko-KR" altLang="en-US" dirty="0" smtClean="0"/>
               <a:t>사업연계</a:t>
             </a:r>
             <a:r>
-              <a:rPr lang="en-US" altLang="ko-KR" dirty="0"/>
+              <a:rPr lang="en-US" altLang="ko-KR" dirty="0" smtClean="0"/>
               <a:t>?)</a:t>
             </a:r>
           </a:p>
@@ -4325,11 +4190,11 @@
               <a:defRPr lang="ko-KR" altLang="en-US"/>
             </a:pPr>
             <a:r>
-              <a:rPr lang="en-US" altLang="ko-KR" dirty="0"/>
+              <a:rPr lang="en-US" altLang="ko-KR" dirty="0" smtClean="0"/>
               <a:t>	X8. </a:t>
             </a:r>
             <a:r>
-              <a:rPr lang="ko-KR" altLang="en-US" dirty="0"/>
+              <a:rPr lang="ko-KR" altLang="en-US" dirty="0" smtClean="0"/>
               <a:t>시연</a:t>
             </a:r>
           </a:p>
@@ -4338,15 +4203,15 @@
               <a:defRPr lang="ko-KR" altLang="en-US"/>
             </a:pPr>
             <a:r>
-              <a:rPr lang="ko-KR" altLang="en-US" dirty="0"/>
+              <a:rPr lang="ko-KR" altLang="en-US" dirty="0" smtClean="0"/>
               <a:t>	</a:t>
             </a:r>
             <a:r>
-              <a:rPr lang="en-US" altLang="ko-KR" dirty="0"/>
+              <a:rPr lang="en-US" altLang="ko-KR" dirty="0" smtClean="0"/>
               <a:t>X9. </a:t>
             </a:r>
             <a:r>
-              <a:rPr lang="ko-KR" altLang="en-US" dirty="0"/>
+              <a:rPr lang="ko-KR" altLang="en-US" dirty="0" smtClean="0"/>
               <a:t>타 제품과 비교</a:t>
             </a:r>
           </a:p>
@@ -4355,7 +4220,7 @@
               <a:defRPr lang="ko-KR" altLang="en-US"/>
             </a:pPr>
             <a:r>
-              <a:rPr lang="ko-KR" altLang="en-US" dirty="0"/>
+              <a:rPr lang="ko-KR" altLang="en-US" dirty="0" smtClean="0"/>
               <a:t>일단 정해본 순서</a:t>
             </a:r>
           </a:p>
@@ -4364,7 +4229,7 @@
               <a:defRPr lang="ko-KR" altLang="en-US"/>
             </a:pPr>
             <a:r>
-              <a:rPr lang="ko-KR" altLang="en-US" dirty="0"/>
+              <a:rPr lang="ko-KR" altLang="en-US" dirty="0" smtClean="0"/>
               <a:t>기능</a:t>
             </a:r>
           </a:p>
@@ -4373,15 +4238,15 @@
               <a:defRPr lang="ko-KR" altLang="en-US"/>
             </a:pPr>
             <a:r>
-              <a:rPr lang="ko-KR" altLang="en-US" dirty="0"/>
+              <a:rPr lang="ko-KR" altLang="en-US" dirty="0" smtClean="0"/>
               <a:t>타 제품과 비교 </a:t>
             </a:r>
             <a:r>
-              <a:rPr lang="en-US" altLang="ko-KR" dirty="0"/>
+              <a:rPr lang="en-US" altLang="ko-KR" dirty="0" smtClean="0"/>
               <a:t>-&gt; </a:t>
             </a:r>
             <a:r>
-              <a:rPr lang="ko-KR" altLang="en-US" dirty="0"/>
+              <a:rPr lang="ko-KR" altLang="en-US" dirty="0" smtClean="0"/>
               <a:t>기능 슬라이드 직전에 추가</a:t>
             </a:r>
           </a:p>
@@ -4390,7 +4255,7 @@
               <a:defRPr lang="ko-KR" altLang="en-US"/>
             </a:pPr>
             <a:r>
-              <a:rPr lang="ko-KR" altLang="en-US" dirty="0"/>
+              <a:rPr lang="ko-KR" altLang="en-US" dirty="0" smtClean="0"/>
               <a:t>사용기술</a:t>
             </a:r>
           </a:p>
@@ -4399,7 +4264,7 @@
               <a:defRPr lang="ko-KR" altLang="en-US"/>
             </a:pPr>
             <a:r>
-              <a:rPr lang="ko-KR" altLang="en-US" dirty="0"/>
+              <a:rPr lang="ko-KR" altLang="en-US" dirty="0" smtClean="0"/>
               <a:t>시연</a:t>
             </a:r>
           </a:p>
@@ -9169,7 +9034,7 @@
 </file>
 
 <file path=ppt/slides/slide10.xml><?xml version="1.0" encoding="utf-8"?>
-<p:sld xmlns:a="http://schemas.openxmlformats.org/drawingml/2006/main" xmlns:r="http://schemas.openxmlformats.org/officeDocument/2006/relationships" xmlns:p="http://schemas.openxmlformats.org/presentationml/2006/main">
+<p:sld xmlns:a="http://schemas.openxmlformats.org/drawingml/2006/main" xmlns:r="http://schemas.openxmlformats.org/officeDocument/2006/relationships" xmlns:p="http://schemas.openxmlformats.org/presentationml/2006/main" showMasterSp="0">
   <p:cSld>
     <p:spTree>
       <p:nvGrpSpPr>
@@ -9185,597 +9050,1413 @@
           <a:chExt cx="0" cy="0"/>
         </a:xfrm>
       </p:grpSpPr>
+      <p:graphicFrame>
+        <p:nvGraphicFramePr>
+          <p:cNvPr id="2" name="표 1"/>
+          <p:cNvGraphicFramePr>
+            <a:graphicFrameLocks noGrp="1"/>
+          </p:cNvGraphicFramePr>
+          <p:nvPr>
+            <p:extLst>
+              <p:ext uri="{D42A27DB-BD31-4B8C-83A1-F6EECF244321}">
+                <p14:modId xmlns:p14="http://schemas.microsoft.com/office/powerpoint/2010/main" val="3851060037"/>
+              </p:ext>
+            </p:extLst>
+          </p:nvPr>
+        </p:nvGraphicFramePr>
+        <p:xfrm>
+          <a:off x="228600" y="819150"/>
+          <a:ext cx="8762998" cy="4139290"/>
+        </p:xfrm>
+        <a:graphic>
+          <a:graphicData uri="http://schemas.openxmlformats.org/drawingml/2006/table">
+            <a:tbl>
+              <a:tblPr firstRow="1" bandRow="1">
+                <a:tableStyleId>{073A0DAA-6AF3-43AB-8588-CEC1D06C72B9}</a:tableStyleId>
+              </a:tblPr>
+              <a:tblGrid>
+                <a:gridCol w="1371600"/>
+                <a:gridCol w="1135596"/>
+                <a:gridCol w="1908212"/>
+                <a:gridCol w="1296144"/>
+                <a:gridCol w="1451248"/>
+                <a:gridCol w="1600198"/>
+              </a:tblGrid>
+              <a:tr h="381168">
+                <a:tc>
+                  <a:txBody>
+                    <a:bodyPr/>
+                    <a:lstStyle/>
+                    <a:p>
+                      <a:pPr algn="ctr" latinLnBrk="1">
+                        <a:defRPr lang="ko-KR" altLang="en-US"/>
+                      </a:pPr>
+                      <a:endParaRPr lang="ko-KR" altLang="en-US" sz="1400" dirty="0">
+                        <a:latin typeface="+mn-lt"/>
+                        <a:ea typeface="+mn-ea"/>
+                        <a:cs typeface="+mn-cs"/>
+                      </a:endParaRPr>
+                    </a:p>
+                  </a:txBody>
+                  <a:tcPr/>
+                </a:tc>
+                <a:tc>
+                  <a:txBody>
+                    <a:bodyPr/>
+                    <a:lstStyle/>
+                    <a:p>
+                      <a:pPr algn="ctr" latinLnBrk="1">
+                        <a:defRPr lang="ko-KR" altLang="en-US"/>
+                      </a:pPr>
+                      <a:r>
+                        <a:rPr lang="ko-KR" altLang="en-US" sz="1400">
+                          <a:latin typeface="+mn-lt"/>
+                          <a:ea typeface="+mn-ea"/>
+                          <a:cs typeface="+mn-cs"/>
+                        </a:rPr>
+                        <a:t>호남 </a:t>
+                      </a:r>
+                      <a:r>
+                        <a:rPr lang="en-US" altLang="ko-KR" sz="1400">
+                          <a:latin typeface="+mn-lt"/>
+                          <a:ea typeface="+mn-ea"/>
+                          <a:cs typeface="+mn-cs"/>
+                        </a:rPr>
+                        <a:t>AR</a:t>
+                      </a:r>
+                      <a:endParaRPr lang="ko-KR" altLang="en-US" sz="1400">
+                        <a:latin typeface="+mn-lt"/>
+                        <a:ea typeface="+mn-ea"/>
+                        <a:cs typeface="+mn-cs"/>
+                      </a:endParaRPr>
+                    </a:p>
+                  </a:txBody>
+                  <a:tcPr/>
+                </a:tc>
+                <a:tc>
+                  <a:txBody>
+                    <a:bodyPr/>
+                    <a:lstStyle/>
+                    <a:p>
+                      <a:pPr algn="ctr">
+                        <a:defRPr lang="ko-KR" altLang="en-US"/>
+                      </a:pPr>
+                      <a:r>
+                        <a:rPr lang="en-US" altLang="ko-KR" sz="1400">
+                          <a:latin typeface="+mn-lt"/>
+                          <a:ea typeface="+mn-ea"/>
+                          <a:cs typeface="+mn-cs"/>
+                        </a:rPr>
+                        <a:t>IKEA Place</a:t>
+                      </a:r>
+                      <a:endParaRPr lang="ko-KR" altLang="en-US" sz="1400">
+                        <a:latin typeface="+mn-lt"/>
+                        <a:ea typeface="+mn-ea"/>
+                        <a:cs typeface="+mn-cs"/>
+                      </a:endParaRPr>
+                    </a:p>
+                  </a:txBody>
+                  <a:tcPr/>
+                </a:tc>
+                <a:tc>
+                  <a:txBody>
+                    <a:bodyPr/>
+                    <a:lstStyle/>
+                    <a:p>
+                      <a:pPr algn="ctr" latinLnBrk="1">
+                        <a:defRPr lang="ko-KR" altLang="en-US"/>
+                      </a:pPr>
+                      <a:r>
+                        <a:rPr lang="en-US" altLang="ko-KR" sz="1400" dirty="0" err="1">
+                          <a:latin typeface="+mn-lt"/>
+                          <a:ea typeface="+mn-ea"/>
+                          <a:cs typeface="+mn-cs"/>
+                        </a:rPr>
+                        <a:t>Houzz</a:t>
+                      </a:r>
+                      <a:endParaRPr lang="ko-KR" altLang="en-US" sz="1400" dirty="0">
+                        <a:latin typeface="+mn-lt"/>
+                        <a:ea typeface="+mn-ea"/>
+                        <a:cs typeface="+mn-cs"/>
+                      </a:endParaRPr>
+                    </a:p>
+                  </a:txBody>
+                  <a:tcPr/>
+                </a:tc>
+                <a:tc>
+                  <a:txBody>
+                    <a:bodyPr/>
+                    <a:lstStyle/>
+                    <a:p>
+                      <a:pPr algn="ctr" latinLnBrk="1">
+                        <a:defRPr lang="ko-KR" altLang="en-US"/>
+                      </a:pPr>
+                      <a:r>
+                        <a:rPr lang="en-US" altLang="ko-KR" sz="1400">
+                          <a:latin typeface="+mn-lt"/>
+                          <a:ea typeface="+mn-ea"/>
+                          <a:cs typeface="+mn-cs"/>
+                        </a:rPr>
+                        <a:t>MyTy</a:t>
+                      </a:r>
+                      <a:endParaRPr lang="ko-KR" altLang="en-US" sz="1400">
+                        <a:latin typeface="+mn-lt"/>
+                        <a:ea typeface="+mn-ea"/>
+                        <a:cs typeface="+mn-cs"/>
+                      </a:endParaRPr>
+                    </a:p>
+                  </a:txBody>
+                  <a:tcPr/>
+                </a:tc>
+                <a:tc>
+                  <a:txBody>
+                    <a:bodyPr/>
+                    <a:lstStyle/>
+                    <a:p>
+                      <a:pPr algn="ctr" latinLnBrk="1">
+                        <a:defRPr lang="ko-KR" altLang="en-US"/>
+                      </a:pPr>
+                      <a:r>
+                        <a:rPr lang="en-US" altLang="ko-KR" sz="1400">
+                          <a:latin typeface="+mn-lt"/>
+                          <a:ea typeface="+mn-ea"/>
+                          <a:cs typeface="+mn-cs"/>
+                        </a:rPr>
+                        <a:t>PlaceFurnitureAR</a:t>
+                      </a:r>
+                      <a:endParaRPr lang="ko-KR" altLang="en-US" sz="1400">
+                        <a:latin typeface="+mn-lt"/>
+                        <a:ea typeface="+mn-ea"/>
+                        <a:cs typeface="+mn-cs"/>
+                      </a:endParaRPr>
+                    </a:p>
+                  </a:txBody>
+                  <a:tcPr/>
+                </a:tc>
+              </a:tr>
+              <a:tr h="380832">
+                <a:tc>
+                  <a:txBody>
+                    <a:bodyPr/>
+                    <a:lstStyle/>
+                    <a:p>
+                      <a:pPr algn="ctr" latinLnBrk="1">
+                        <a:defRPr lang="ko-KR" altLang="en-US"/>
+                      </a:pPr>
+                      <a:r>
+                        <a:rPr lang="ko-KR" altLang="en-US" sz="1400">
+                          <a:latin typeface="+mn-lt"/>
+                          <a:ea typeface="+mn-ea"/>
+                          <a:cs typeface="+mn-cs"/>
+                        </a:rPr>
+                        <a:t>거리 측정</a:t>
+                      </a:r>
+                    </a:p>
+                  </a:txBody>
+                  <a:tcPr/>
+                </a:tc>
+                <a:tc>
+                  <a:txBody>
+                    <a:bodyPr/>
+                    <a:lstStyle/>
+                    <a:p>
+                      <a:pPr algn="ctr" latinLnBrk="1">
+                        <a:defRPr lang="ko-KR" altLang="en-US"/>
+                      </a:pPr>
+                      <a:r>
+                        <a:rPr lang="en-US" altLang="ko-KR" sz="1400">
+                          <a:latin typeface="+mn-lt"/>
+                          <a:ea typeface="+mn-ea"/>
+                          <a:cs typeface="+mn-cs"/>
+                        </a:rPr>
+                        <a:t>O</a:t>
+                      </a:r>
+                      <a:endParaRPr lang="ko-KR" altLang="en-US" sz="1400">
+                        <a:latin typeface="+mn-lt"/>
+                        <a:ea typeface="+mn-ea"/>
+                        <a:cs typeface="+mn-cs"/>
+                      </a:endParaRPr>
+                    </a:p>
+                  </a:txBody>
+                  <a:tcPr/>
+                </a:tc>
+                <a:tc>
+                  <a:txBody>
+                    <a:bodyPr/>
+                    <a:lstStyle/>
+                    <a:p>
+                      <a:pPr algn="ctr" latinLnBrk="1">
+                        <a:defRPr lang="ko-KR" altLang="en-US"/>
+                      </a:pPr>
+                      <a:r>
+                        <a:rPr lang="en-US" altLang="ko-KR" sz="1400">
+                          <a:latin typeface="+mn-lt"/>
+                          <a:ea typeface="+mn-ea"/>
+                          <a:cs typeface="+mn-cs"/>
+                        </a:rPr>
+                        <a:t>X</a:t>
+                      </a:r>
+                      <a:endParaRPr lang="ko-KR" altLang="en-US" sz="1400">
+                        <a:latin typeface="+mn-lt"/>
+                        <a:ea typeface="+mn-ea"/>
+                        <a:cs typeface="+mn-cs"/>
+                      </a:endParaRPr>
+                    </a:p>
+                  </a:txBody>
+                  <a:tcPr/>
+                </a:tc>
+                <a:tc>
+                  <a:txBody>
+                    <a:bodyPr/>
+                    <a:lstStyle/>
+                    <a:p>
+                      <a:pPr algn="ctr" latinLnBrk="1">
+                        <a:defRPr lang="ko-KR" altLang="en-US"/>
+                      </a:pPr>
+                      <a:r>
+                        <a:rPr lang="en-US" altLang="ko-KR" sz="1400">
+                          <a:latin typeface="+mn-lt"/>
+                          <a:ea typeface="+mn-ea"/>
+                          <a:cs typeface="+mn-cs"/>
+                        </a:rPr>
+                        <a:t>X</a:t>
+                      </a:r>
+                      <a:endParaRPr lang="ko-KR" altLang="en-US" sz="1400">
+                        <a:latin typeface="+mn-lt"/>
+                        <a:ea typeface="+mn-ea"/>
+                        <a:cs typeface="+mn-cs"/>
+                      </a:endParaRPr>
+                    </a:p>
+                  </a:txBody>
+                  <a:tcPr/>
+                </a:tc>
+                <a:tc>
+                  <a:txBody>
+                    <a:bodyPr/>
+                    <a:lstStyle/>
+                    <a:p>
+                      <a:pPr algn="ctr" latinLnBrk="1">
+                        <a:defRPr lang="ko-KR" altLang="en-US"/>
+                      </a:pPr>
+                      <a:r>
+                        <a:rPr lang="en-US" altLang="ko-KR" sz="1400">
+                          <a:latin typeface="+mn-lt"/>
+                          <a:ea typeface="+mn-ea"/>
+                          <a:cs typeface="+mn-cs"/>
+                        </a:rPr>
+                        <a:t>X</a:t>
+                      </a:r>
+                      <a:endParaRPr lang="ko-KR" altLang="en-US" sz="1400">
+                        <a:latin typeface="+mn-lt"/>
+                        <a:ea typeface="+mn-ea"/>
+                        <a:cs typeface="+mn-cs"/>
+                      </a:endParaRPr>
+                    </a:p>
+                  </a:txBody>
+                  <a:tcPr/>
+                </a:tc>
+                <a:tc>
+                  <a:txBody>
+                    <a:bodyPr/>
+                    <a:lstStyle/>
+                    <a:p>
+                      <a:pPr algn="ctr" latinLnBrk="1">
+                        <a:defRPr lang="ko-KR" altLang="en-US"/>
+                      </a:pPr>
+                      <a:r>
+                        <a:rPr lang="en-US" altLang="ko-KR" sz="1400">
+                          <a:latin typeface="+mn-lt"/>
+                          <a:ea typeface="+mn-ea"/>
+                          <a:cs typeface="+mn-cs"/>
+                        </a:rPr>
+                        <a:t>X</a:t>
+                      </a:r>
+                      <a:endParaRPr lang="ko-KR" altLang="en-US" sz="1400">
+                        <a:latin typeface="+mn-lt"/>
+                        <a:ea typeface="+mn-ea"/>
+                        <a:cs typeface="+mn-cs"/>
+                      </a:endParaRPr>
+                    </a:p>
+                  </a:txBody>
+                  <a:tcPr/>
+                </a:tc>
+              </a:tr>
+              <a:tr h="381000">
+                <a:tc>
+                  <a:txBody>
+                    <a:bodyPr/>
+                    <a:lstStyle/>
+                    <a:p>
+                      <a:pPr marL="0" indent="0" algn="ctr" defTabSz="914400" eaLnBrk="1" latinLnBrk="1" hangingPunct="1">
+                        <a:lnSpc>
+                          <a:spcPct val="100000"/>
+                        </a:lnSpc>
+                        <a:spcBef>
+                          <a:spcPct val="0"/>
+                        </a:spcBef>
+                        <a:spcAft>
+                          <a:spcPct val="0"/>
+                        </a:spcAft>
+                        <a:buNone/>
+                        <a:defRPr lang="ko-KR">
+                          <a:latin typeface="+mn-lt"/>
+                          <a:ea typeface="+mn-ea"/>
+                          <a:cs typeface="+mn-cs"/>
+                        </a:defRPr>
+                      </a:pPr>
+                      <a:r>
+                        <a:rPr lang="ko-KR" altLang="en-US" sz="1400">
+                          <a:latin typeface="+mn-lt"/>
+                          <a:ea typeface="+mn-ea"/>
+                          <a:cs typeface="+mn-cs"/>
+                        </a:rPr>
+                        <a:t>물체이동</a:t>
+                      </a:r>
+                      <a:r>
+                        <a:rPr lang="en-US" altLang="ko-KR" sz="1400">
+                          <a:latin typeface="+mn-lt"/>
+                          <a:ea typeface="+mn-ea"/>
+                          <a:cs typeface="+mn-cs"/>
+                        </a:rPr>
+                        <a:t>/</a:t>
+                      </a:r>
+                      <a:r>
+                        <a:rPr lang="ko-KR" altLang="en-US" sz="1400">
+                          <a:latin typeface="+mn-lt"/>
+                          <a:ea typeface="+mn-ea"/>
+                          <a:cs typeface="+mn-cs"/>
+                        </a:rPr>
+                        <a:t>회전</a:t>
+                      </a:r>
+                    </a:p>
+                  </a:txBody>
+                  <a:tcPr/>
+                </a:tc>
+                <a:tc>
+                  <a:txBody>
+                    <a:bodyPr/>
+                    <a:lstStyle/>
+                    <a:p>
+                      <a:pPr algn="ctr" latinLnBrk="1">
+                        <a:defRPr lang="ko-KR" altLang="en-US"/>
+                      </a:pPr>
+                      <a:r>
+                        <a:rPr lang="en-US" altLang="ko-KR" sz="1400">
+                          <a:latin typeface="+mn-lt"/>
+                          <a:ea typeface="+mn-ea"/>
+                          <a:cs typeface="+mn-cs"/>
+                        </a:rPr>
+                        <a:t>O</a:t>
+                      </a:r>
+                      <a:endParaRPr lang="ko-KR" altLang="en-US" sz="1400">
+                        <a:latin typeface="+mn-lt"/>
+                        <a:ea typeface="+mn-ea"/>
+                        <a:cs typeface="+mn-cs"/>
+                      </a:endParaRPr>
+                    </a:p>
+                  </a:txBody>
+                  <a:tcPr/>
+                </a:tc>
+                <a:tc>
+                  <a:txBody>
+                    <a:bodyPr/>
+                    <a:lstStyle/>
+                    <a:p>
+                      <a:pPr algn="ctr" latinLnBrk="1">
+                        <a:defRPr lang="ko-KR" altLang="en-US"/>
+                      </a:pPr>
+                      <a:r>
+                        <a:rPr lang="en-US" altLang="ko-KR" sz="1400">
+                          <a:latin typeface="+mn-lt"/>
+                          <a:ea typeface="+mn-ea"/>
+                          <a:cs typeface="+mn-cs"/>
+                        </a:rPr>
+                        <a:t>O</a:t>
+                      </a:r>
+                      <a:endParaRPr lang="ko-KR" altLang="en-US" sz="1400">
+                        <a:latin typeface="+mn-lt"/>
+                        <a:ea typeface="+mn-ea"/>
+                        <a:cs typeface="+mn-cs"/>
+                      </a:endParaRPr>
+                    </a:p>
+                  </a:txBody>
+                  <a:tcPr/>
+                </a:tc>
+                <a:tc>
+                  <a:txBody>
+                    <a:bodyPr/>
+                    <a:lstStyle/>
+                    <a:p>
+                      <a:pPr algn="ctr" latinLnBrk="1">
+                        <a:defRPr lang="ko-KR" altLang="en-US"/>
+                      </a:pPr>
+                      <a:r>
+                        <a:rPr lang="en-US" altLang="ko-KR" sz="1400">
+                          <a:latin typeface="+mn-lt"/>
+                          <a:ea typeface="+mn-ea"/>
+                          <a:cs typeface="+mn-cs"/>
+                        </a:rPr>
+                        <a:t>O</a:t>
+                      </a:r>
+                      <a:endParaRPr lang="ko-KR" altLang="en-US" sz="1400">
+                        <a:latin typeface="+mn-lt"/>
+                        <a:ea typeface="+mn-ea"/>
+                        <a:cs typeface="+mn-cs"/>
+                      </a:endParaRPr>
+                    </a:p>
+                  </a:txBody>
+                  <a:tcPr/>
+                </a:tc>
+                <a:tc>
+                  <a:txBody>
+                    <a:bodyPr/>
+                    <a:lstStyle/>
+                    <a:p>
+                      <a:pPr algn="ctr" latinLnBrk="1">
+                        <a:defRPr lang="ko-KR" altLang="en-US"/>
+                      </a:pPr>
+                      <a:r>
+                        <a:rPr lang="en-US" altLang="ko-KR" sz="1400" dirty="0">
+                          <a:latin typeface="+mn-lt"/>
+                          <a:ea typeface="+mn-ea"/>
+                          <a:cs typeface="+mn-cs"/>
+                        </a:rPr>
+                        <a:t>O</a:t>
+                      </a:r>
+                      <a:endParaRPr lang="ko-KR" altLang="en-US" sz="1400" dirty="0">
+                        <a:latin typeface="+mn-lt"/>
+                        <a:ea typeface="+mn-ea"/>
+                        <a:cs typeface="+mn-cs"/>
+                      </a:endParaRPr>
+                    </a:p>
+                  </a:txBody>
+                  <a:tcPr/>
+                </a:tc>
+                <a:tc>
+                  <a:txBody>
+                    <a:bodyPr/>
+                    <a:lstStyle/>
+                    <a:p>
+                      <a:pPr algn="ctr" latinLnBrk="1">
+                        <a:defRPr lang="ko-KR" altLang="en-US"/>
+                      </a:pPr>
+                      <a:r>
+                        <a:rPr lang="en-US" altLang="ko-KR" sz="1400">
+                          <a:latin typeface="+mn-lt"/>
+                          <a:ea typeface="+mn-ea"/>
+                          <a:cs typeface="+mn-cs"/>
+                        </a:rPr>
+                        <a:t>O</a:t>
+                      </a:r>
+                      <a:endParaRPr lang="ko-KR" altLang="en-US" sz="1400">
+                        <a:latin typeface="+mn-lt"/>
+                        <a:ea typeface="+mn-ea"/>
+                        <a:cs typeface="+mn-cs"/>
+                      </a:endParaRPr>
+                    </a:p>
+                  </a:txBody>
+                  <a:tcPr/>
+                </a:tc>
+              </a:tr>
+              <a:tr h="420898">
+                <a:tc>
+                  <a:txBody>
+                    <a:bodyPr/>
+                    <a:lstStyle/>
+                    <a:p>
+                      <a:pPr algn="ctr" latinLnBrk="1">
+                        <a:defRPr lang="ko-KR" altLang="en-US"/>
+                      </a:pPr>
+                      <a:r>
+                        <a:rPr lang="ko-KR" altLang="en-US" sz="1400">
+                          <a:latin typeface="+mn-lt"/>
+                          <a:ea typeface="+mn-ea"/>
+                          <a:cs typeface="+mn-cs"/>
+                        </a:rPr>
+                        <a:t>로그인</a:t>
+                      </a:r>
+                    </a:p>
+                  </a:txBody>
+                  <a:tcPr/>
+                </a:tc>
+                <a:tc>
+                  <a:txBody>
+                    <a:bodyPr/>
+                    <a:lstStyle/>
+                    <a:p>
+                      <a:pPr algn="ctr" latinLnBrk="1">
+                        <a:defRPr lang="ko-KR" altLang="en-US"/>
+                      </a:pPr>
+                      <a:r>
+                        <a:rPr lang="en-US" altLang="ko-KR" sz="1400">
+                          <a:latin typeface="+mn-lt"/>
+                          <a:ea typeface="+mn-ea"/>
+                          <a:cs typeface="+mn-cs"/>
+                        </a:rPr>
+                        <a:t>X</a:t>
+                      </a:r>
+                    </a:p>
+                  </a:txBody>
+                  <a:tcPr/>
+                </a:tc>
+                <a:tc>
+                  <a:txBody>
+                    <a:bodyPr/>
+                    <a:lstStyle/>
+                    <a:p>
+                      <a:pPr algn="ctr" latinLnBrk="1">
+                        <a:defRPr lang="ko-KR" altLang="en-US"/>
+                      </a:pPr>
+                      <a:r>
+                        <a:rPr lang="en-US" altLang="ko-KR" sz="1400">
+                          <a:latin typeface="+mn-lt"/>
+                          <a:ea typeface="+mn-ea"/>
+                          <a:cs typeface="+mn-cs"/>
+                        </a:rPr>
+                        <a:t>X</a:t>
+                      </a:r>
+                      <a:endParaRPr lang="ko-KR" altLang="en-US" sz="1400">
+                        <a:latin typeface="+mn-lt"/>
+                        <a:ea typeface="+mn-ea"/>
+                        <a:cs typeface="+mn-cs"/>
+                      </a:endParaRPr>
+                    </a:p>
+                  </a:txBody>
+                  <a:tcPr/>
+                </a:tc>
+                <a:tc>
+                  <a:txBody>
+                    <a:bodyPr/>
+                    <a:lstStyle/>
+                    <a:p>
+                      <a:pPr algn="ctr" latinLnBrk="1">
+                        <a:defRPr lang="ko-KR" altLang="en-US"/>
+                      </a:pPr>
+                      <a:r>
+                        <a:rPr lang="en-US" altLang="ko-KR" sz="1400">
+                          <a:latin typeface="+mn-lt"/>
+                          <a:ea typeface="+mn-ea"/>
+                          <a:cs typeface="+mn-cs"/>
+                        </a:rPr>
+                        <a:t>O</a:t>
+                      </a:r>
+                      <a:endParaRPr lang="ko-KR" altLang="en-US" sz="1400">
+                        <a:latin typeface="+mn-lt"/>
+                        <a:ea typeface="+mn-ea"/>
+                        <a:cs typeface="+mn-cs"/>
+                      </a:endParaRPr>
+                    </a:p>
+                  </a:txBody>
+                  <a:tcPr/>
+                </a:tc>
+                <a:tc>
+                  <a:txBody>
+                    <a:bodyPr/>
+                    <a:lstStyle/>
+                    <a:p>
+                      <a:pPr algn="ctr" latinLnBrk="1">
+                        <a:defRPr lang="ko-KR" altLang="en-US"/>
+                      </a:pPr>
+                      <a:r>
+                        <a:rPr lang="en-US" altLang="ko-KR" sz="1400" dirty="0">
+                          <a:latin typeface="+mn-lt"/>
+                          <a:ea typeface="+mn-ea"/>
+                          <a:cs typeface="+mn-cs"/>
+                        </a:rPr>
+                        <a:t>O</a:t>
+                      </a:r>
+                      <a:endParaRPr lang="ko-KR" altLang="en-US" sz="1400" dirty="0">
+                        <a:latin typeface="+mn-lt"/>
+                        <a:ea typeface="+mn-ea"/>
+                        <a:cs typeface="+mn-cs"/>
+                      </a:endParaRPr>
+                    </a:p>
+                  </a:txBody>
+                  <a:tcPr/>
+                </a:tc>
+                <a:tc>
+                  <a:txBody>
+                    <a:bodyPr/>
+                    <a:lstStyle/>
+                    <a:p>
+                      <a:pPr algn="ctr" latinLnBrk="1">
+                        <a:defRPr lang="ko-KR" altLang="en-US"/>
+                      </a:pPr>
+                      <a:r>
+                        <a:rPr lang="en-US" altLang="ko-KR" sz="1400">
+                          <a:latin typeface="+mn-lt"/>
+                          <a:ea typeface="+mn-ea"/>
+                          <a:cs typeface="+mn-cs"/>
+                        </a:rPr>
+                        <a:t>X</a:t>
+                      </a:r>
+                      <a:endParaRPr lang="ko-KR" altLang="en-US" sz="1400">
+                        <a:latin typeface="+mn-lt"/>
+                        <a:ea typeface="+mn-ea"/>
+                        <a:cs typeface="+mn-cs"/>
+                      </a:endParaRPr>
+                    </a:p>
+                  </a:txBody>
+                  <a:tcPr/>
+                </a:tc>
+              </a:tr>
+              <a:tr h="381000">
+                <a:tc>
+                  <a:txBody>
+                    <a:bodyPr/>
+                    <a:lstStyle/>
+                    <a:p>
+                      <a:pPr marL="0" indent="0" algn="ctr" defTabSz="914400" eaLnBrk="1" latinLnBrk="1" hangingPunct="1">
+                        <a:lnSpc>
+                          <a:spcPct val="100000"/>
+                        </a:lnSpc>
+                        <a:spcBef>
+                          <a:spcPct val="0"/>
+                        </a:spcBef>
+                        <a:spcAft>
+                          <a:spcPct val="0"/>
+                        </a:spcAft>
+                        <a:buNone/>
+                        <a:defRPr lang="ko-KR">
+                          <a:latin typeface="+mn-lt"/>
+                          <a:ea typeface="+mn-ea"/>
+                          <a:cs typeface="+mn-cs"/>
+                        </a:defRPr>
+                      </a:pPr>
+                      <a:r>
+                        <a:rPr lang="ko-KR" altLang="en-US" sz="1400">
+                          <a:latin typeface="+mn-lt"/>
+                          <a:ea typeface="+mn-ea"/>
+                          <a:cs typeface="+mn-cs"/>
+                        </a:rPr>
+                        <a:t>물체 중복 배치</a:t>
+                      </a:r>
+                    </a:p>
+                  </a:txBody>
+                  <a:tcPr/>
+                </a:tc>
+                <a:tc>
+                  <a:txBody>
+                    <a:bodyPr/>
+                    <a:lstStyle/>
+                    <a:p>
+                      <a:pPr algn="ctr" latinLnBrk="1">
+                        <a:defRPr lang="ko-KR" altLang="en-US"/>
+                      </a:pPr>
+                      <a:r>
+                        <a:rPr lang="en-US" altLang="ko-KR" sz="1400">
+                          <a:latin typeface="+mn-lt"/>
+                          <a:ea typeface="+mn-ea"/>
+                          <a:cs typeface="+mn-cs"/>
+                        </a:rPr>
+                        <a:t>O</a:t>
+                      </a:r>
+                      <a:endParaRPr lang="ko-KR" altLang="en-US" sz="1400">
+                        <a:latin typeface="+mn-lt"/>
+                        <a:ea typeface="+mn-ea"/>
+                        <a:cs typeface="+mn-cs"/>
+                      </a:endParaRPr>
+                    </a:p>
+                  </a:txBody>
+                  <a:tcPr/>
+                </a:tc>
+                <a:tc>
+                  <a:txBody>
+                    <a:bodyPr/>
+                    <a:lstStyle/>
+                    <a:p>
+                      <a:pPr algn="ctr" latinLnBrk="1">
+                        <a:defRPr lang="ko-KR" altLang="en-US"/>
+                      </a:pPr>
+                      <a:r>
+                        <a:rPr lang="en-US" altLang="ko-KR" sz="1400">
+                          <a:latin typeface="+mn-lt"/>
+                          <a:ea typeface="+mn-ea"/>
+                          <a:cs typeface="+mn-cs"/>
+                        </a:rPr>
+                        <a:t>O</a:t>
+                      </a:r>
+                      <a:endParaRPr lang="ko-KR" altLang="en-US" sz="1400">
+                        <a:latin typeface="+mn-lt"/>
+                        <a:ea typeface="+mn-ea"/>
+                        <a:cs typeface="+mn-cs"/>
+                      </a:endParaRPr>
+                    </a:p>
+                  </a:txBody>
+                  <a:tcPr/>
+                </a:tc>
+                <a:tc>
+                  <a:txBody>
+                    <a:bodyPr/>
+                    <a:lstStyle/>
+                    <a:p>
+                      <a:pPr algn="ctr" latinLnBrk="1">
+                        <a:defRPr lang="ko-KR" altLang="en-US"/>
+                      </a:pPr>
+                      <a:r>
+                        <a:rPr lang="en-US" altLang="ko-KR" sz="1400">
+                          <a:latin typeface="+mn-lt"/>
+                          <a:ea typeface="+mn-ea"/>
+                          <a:cs typeface="+mn-cs"/>
+                        </a:rPr>
+                        <a:t>X</a:t>
+                      </a:r>
+                      <a:endParaRPr lang="ko-KR" altLang="en-US" sz="1400">
+                        <a:latin typeface="+mn-lt"/>
+                        <a:ea typeface="+mn-ea"/>
+                        <a:cs typeface="+mn-cs"/>
+                      </a:endParaRPr>
+                    </a:p>
+                  </a:txBody>
+                  <a:tcPr/>
+                </a:tc>
+                <a:tc>
+                  <a:txBody>
+                    <a:bodyPr/>
+                    <a:lstStyle/>
+                    <a:p>
+                      <a:pPr algn="ctr" latinLnBrk="1">
+                        <a:defRPr lang="ko-KR" altLang="en-US"/>
+                      </a:pPr>
+                      <a:r>
+                        <a:rPr lang="en-US" altLang="ko-KR" sz="1400">
+                          <a:latin typeface="+mn-lt"/>
+                          <a:ea typeface="+mn-ea"/>
+                          <a:cs typeface="+mn-cs"/>
+                        </a:rPr>
+                        <a:t>O</a:t>
+                      </a:r>
+                      <a:endParaRPr lang="ko-KR" altLang="en-US" sz="1400">
+                        <a:latin typeface="+mn-lt"/>
+                        <a:ea typeface="+mn-ea"/>
+                        <a:cs typeface="+mn-cs"/>
+                      </a:endParaRPr>
+                    </a:p>
+                  </a:txBody>
+                  <a:tcPr/>
+                </a:tc>
+                <a:tc>
+                  <a:txBody>
+                    <a:bodyPr/>
+                    <a:lstStyle/>
+                    <a:p>
+                      <a:pPr algn="ctr" latinLnBrk="1">
+                        <a:defRPr lang="ko-KR" altLang="en-US"/>
+                      </a:pPr>
+                      <a:r>
+                        <a:rPr lang="en-US" altLang="ko-KR" sz="1400">
+                          <a:latin typeface="+mn-lt"/>
+                          <a:ea typeface="+mn-ea"/>
+                          <a:cs typeface="+mn-cs"/>
+                        </a:rPr>
+                        <a:t>O</a:t>
+                      </a:r>
+                      <a:endParaRPr lang="ko-KR" altLang="en-US" sz="1400">
+                        <a:latin typeface="+mn-lt"/>
+                        <a:ea typeface="+mn-ea"/>
+                        <a:cs typeface="+mn-cs"/>
+                      </a:endParaRPr>
+                    </a:p>
+                  </a:txBody>
+                  <a:tcPr/>
+                </a:tc>
+              </a:tr>
+              <a:tr h="381000">
+                <a:tc>
+                  <a:txBody>
+                    <a:bodyPr/>
+                    <a:lstStyle/>
+                    <a:p>
+                      <a:pPr algn="ctr" latinLnBrk="1">
+                        <a:defRPr lang="ko-KR" altLang="en-US"/>
+                      </a:pPr>
+                      <a:r>
+                        <a:rPr lang="ko-KR" altLang="en-US" sz="1400">
+                          <a:latin typeface="+mn-lt"/>
+                          <a:ea typeface="+mn-ea"/>
+                          <a:cs typeface="+mn-cs"/>
+                        </a:rPr>
+                        <a:t>선택 삭제</a:t>
+                      </a:r>
+                    </a:p>
+                  </a:txBody>
+                  <a:tcPr/>
+                </a:tc>
+                <a:tc>
+                  <a:txBody>
+                    <a:bodyPr/>
+                    <a:lstStyle/>
+                    <a:p>
+                      <a:pPr algn="ctr" latinLnBrk="1">
+                        <a:defRPr lang="ko-KR" altLang="en-US"/>
+                      </a:pPr>
+                      <a:r>
+                        <a:rPr lang="en-US" altLang="ko-KR" sz="1400">
+                          <a:latin typeface="+mn-lt"/>
+                          <a:ea typeface="+mn-ea"/>
+                          <a:cs typeface="+mn-cs"/>
+                        </a:rPr>
+                        <a:t>O</a:t>
+                      </a:r>
+                      <a:endParaRPr lang="ko-KR" altLang="en-US" sz="1400">
+                        <a:latin typeface="+mn-lt"/>
+                        <a:ea typeface="+mn-ea"/>
+                        <a:cs typeface="+mn-cs"/>
+                      </a:endParaRPr>
+                    </a:p>
+                  </a:txBody>
+                  <a:tcPr/>
+                </a:tc>
+                <a:tc>
+                  <a:txBody>
+                    <a:bodyPr/>
+                    <a:lstStyle/>
+                    <a:p>
+                      <a:pPr algn="ctr" latinLnBrk="1">
+                        <a:defRPr lang="ko-KR" altLang="en-US"/>
+                      </a:pPr>
+                      <a:r>
+                        <a:rPr lang="en-US" altLang="ko-KR" sz="1400">
+                          <a:latin typeface="+mn-lt"/>
+                          <a:ea typeface="+mn-ea"/>
+                          <a:cs typeface="+mn-cs"/>
+                        </a:rPr>
+                        <a:t>O</a:t>
+                      </a:r>
+                      <a:endParaRPr lang="ko-KR" altLang="en-US" sz="1400">
+                        <a:latin typeface="+mn-lt"/>
+                        <a:ea typeface="+mn-ea"/>
+                        <a:cs typeface="+mn-cs"/>
+                      </a:endParaRPr>
+                    </a:p>
+                  </a:txBody>
+                  <a:tcPr/>
+                </a:tc>
+                <a:tc>
+                  <a:txBody>
+                    <a:bodyPr/>
+                    <a:lstStyle/>
+                    <a:p>
+                      <a:pPr algn="ctr" latinLnBrk="1">
+                        <a:defRPr lang="ko-KR" altLang="en-US"/>
+                      </a:pPr>
+                      <a:r>
+                        <a:rPr lang="en-US" altLang="ko-KR" sz="1400">
+                          <a:latin typeface="+mn-lt"/>
+                          <a:ea typeface="+mn-ea"/>
+                          <a:cs typeface="+mn-cs"/>
+                        </a:rPr>
+                        <a:t>O</a:t>
+                      </a:r>
+                      <a:endParaRPr lang="ko-KR" altLang="en-US" sz="1400">
+                        <a:latin typeface="+mn-lt"/>
+                        <a:ea typeface="+mn-ea"/>
+                        <a:cs typeface="+mn-cs"/>
+                      </a:endParaRPr>
+                    </a:p>
+                  </a:txBody>
+                  <a:tcPr/>
+                </a:tc>
+                <a:tc>
+                  <a:txBody>
+                    <a:bodyPr/>
+                    <a:lstStyle/>
+                    <a:p>
+                      <a:pPr algn="ctr" latinLnBrk="1">
+                        <a:defRPr lang="ko-KR" altLang="en-US"/>
+                      </a:pPr>
+                      <a:r>
+                        <a:rPr lang="en-US" altLang="ko-KR" sz="1400">
+                          <a:latin typeface="+mn-lt"/>
+                          <a:ea typeface="+mn-ea"/>
+                          <a:cs typeface="+mn-cs"/>
+                        </a:rPr>
+                        <a:t>O</a:t>
+                      </a:r>
+                      <a:endParaRPr lang="ko-KR" altLang="en-US" sz="1400">
+                        <a:latin typeface="+mn-lt"/>
+                        <a:ea typeface="+mn-ea"/>
+                        <a:cs typeface="+mn-cs"/>
+                      </a:endParaRPr>
+                    </a:p>
+                  </a:txBody>
+                  <a:tcPr/>
+                </a:tc>
+                <a:tc>
+                  <a:txBody>
+                    <a:bodyPr/>
+                    <a:lstStyle/>
+                    <a:p>
+                      <a:pPr algn="ctr" latinLnBrk="1">
+                        <a:defRPr lang="ko-KR" altLang="en-US"/>
+                      </a:pPr>
+                      <a:r>
+                        <a:rPr lang="en-US" altLang="ko-KR" sz="1400">
+                          <a:latin typeface="+mn-lt"/>
+                          <a:ea typeface="+mn-ea"/>
+                          <a:cs typeface="+mn-cs"/>
+                        </a:rPr>
+                        <a:t>O</a:t>
+                      </a:r>
+                      <a:endParaRPr lang="ko-KR" altLang="en-US" sz="1400">
+                        <a:latin typeface="+mn-lt"/>
+                        <a:ea typeface="+mn-ea"/>
+                        <a:cs typeface="+mn-cs"/>
+                      </a:endParaRPr>
+                    </a:p>
+                  </a:txBody>
+                  <a:tcPr/>
+                </a:tc>
+              </a:tr>
+              <a:tr h="381000">
+                <a:tc>
+                  <a:txBody>
+                    <a:bodyPr/>
+                    <a:lstStyle/>
+                    <a:p>
+                      <a:pPr algn="ctr" latinLnBrk="1">
+                        <a:defRPr lang="ko-KR" altLang="en-US"/>
+                      </a:pPr>
+                      <a:r>
+                        <a:rPr lang="ko-KR" altLang="en-US" sz="1400">
+                          <a:latin typeface="+mn-lt"/>
+                          <a:ea typeface="+mn-ea"/>
+                          <a:cs typeface="+mn-cs"/>
+                        </a:rPr>
+                        <a:t>사용법</a:t>
+                      </a:r>
+                    </a:p>
+                  </a:txBody>
+                  <a:tcPr/>
+                </a:tc>
+                <a:tc>
+                  <a:txBody>
+                    <a:bodyPr/>
+                    <a:lstStyle/>
+                    <a:p>
+                      <a:pPr algn="ctr" latinLnBrk="1">
+                        <a:defRPr lang="ko-KR" altLang="en-US"/>
+                      </a:pPr>
+                      <a:r>
+                        <a:rPr lang="en-US" altLang="ko-KR" sz="1400" dirty="0" smtClean="0">
+                          <a:latin typeface="+mn-lt"/>
+                          <a:ea typeface="+mn-ea"/>
+                          <a:cs typeface="+mn-cs"/>
+                        </a:rPr>
+                        <a:t>WEB</a:t>
+                      </a:r>
+                      <a:endParaRPr lang="ko-KR" altLang="en-US" sz="1400" dirty="0">
+                        <a:latin typeface="+mn-lt"/>
+                        <a:ea typeface="+mn-ea"/>
+                        <a:cs typeface="+mn-cs"/>
+                      </a:endParaRPr>
+                    </a:p>
+                  </a:txBody>
+                  <a:tcPr/>
+                </a:tc>
+                <a:tc>
+                  <a:txBody>
+                    <a:bodyPr/>
+                    <a:lstStyle/>
+                    <a:p>
+                      <a:pPr algn="ctr" latinLnBrk="1">
+                        <a:defRPr lang="ko-KR" altLang="en-US"/>
+                      </a:pPr>
+                      <a:r>
+                        <a:rPr lang="en-US" altLang="ko-KR" sz="1400" dirty="0" smtClean="0">
+                          <a:latin typeface="+mn-lt"/>
+                          <a:ea typeface="+mn-ea"/>
+                          <a:cs typeface="+mn-cs"/>
+                        </a:rPr>
+                        <a:t>APPLICATION</a:t>
+                      </a:r>
+                      <a:endParaRPr lang="ko-KR" altLang="en-US" sz="1400" dirty="0">
+                        <a:latin typeface="+mn-lt"/>
+                        <a:ea typeface="+mn-ea"/>
+                        <a:cs typeface="+mn-cs"/>
+                      </a:endParaRPr>
+                    </a:p>
+                  </a:txBody>
+                  <a:tcPr/>
+                </a:tc>
+                <a:tc>
+                  <a:txBody>
+                    <a:bodyPr/>
+                    <a:lstStyle/>
+                    <a:p>
+                      <a:pPr algn="ctr" latinLnBrk="1">
+                        <a:defRPr lang="ko-KR" altLang="en-US"/>
+                      </a:pPr>
+                      <a:r>
+                        <a:rPr lang="en-US" altLang="ko-KR" sz="1400" dirty="0" smtClean="0">
+                          <a:latin typeface="+mn-lt"/>
+                          <a:ea typeface="+mn-ea"/>
+                          <a:cs typeface="+mn-cs"/>
+                        </a:rPr>
+                        <a:t>APPLICATION</a:t>
+                      </a:r>
+                      <a:endParaRPr lang="ko-KR" altLang="en-US" sz="1400" dirty="0">
+                        <a:latin typeface="+mn-lt"/>
+                        <a:ea typeface="+mn-ea"/>
+                        <a:cs typeface="+mn-cs"/>
+                      </a:endParaRPr>
+                    </a:p>
+                  </a:txBody>
+                  <a:tcPr/>
+                </a:tc>
+                <a:tc>
+                  <a:txBody>
+                    <a:bodyPr/>
+                    <a:lstStyle/>
+                    <a:p>
+                      <a:pPr algn="ctr" latinLnBrk="1">
+                        <a:defRPr lang="ko-KR" altLang="en-US"/>
+                      </a:pPr>
+                      <a:r>
+                        <a:rPr lang="en-US" altLang="ko-KR" sz="1400" dirty="0" smtClean="0">
+                          <a:latin typeface="+mn-lt"/>
+                          <a:ea typeface="+mn-ea"/>
+                          <a:cs typeface="+mn-cs"/>
+                        </a:rPr>
+                        <a:t>APPLICATION</a:t>
+                      </a:r>
+                      <a:endParaRPr lang="ko-KR" altLang="en-US" sz="1400" dirty="0">
+                        <a:latin typeface="+mn-lt"/>
+                        <a:ea typeface="+mn-ea"/>
+                        <a:cs typeface="+mn-cs"/>
+                      </a:endParaRPr>
+                    </a:p>
+                  </a:txBody>
+                  <a:tcPr/>
+                </a:tc>
+                <a:tc>
+                  <a:txBody>
+                    <a:bodyPr/>
+                    <a:lstStyle/>
+                    <a:p>
+                      <a:pPr algn="ctr" latinLnBrk="1">
+                        <a:defRPr lang="ko-KR" altLang="en-US"/>
+                      </a:pPr>
+                      <a:r>
+                        <a:rPr lang="en-US" altLang="ko-KR" sz="1400" dirty="0" smtClean="0">
+                          <a:latin typeface="+mn-lt"/>
+                          <a:ea typeface="+mn-ea"/>
+                          <a:cs typeface="+mn-cs"/>
+                        </a:rPr>
+                        <a:t>APPLICATION</a:t>
+                      </a:r>
+                      <a:endParaRPr lang="ko-KR" altLang="en-US" sz="1400" dirty="0">
+                        <a:latin typeface="+mn-lt"/>
+                        <a:ea typeface="+mn-ea"/>
+                        <a:cs typeface="+mn-cs"/>
+                      </a:endParaRPr>
+                    </a:p>
+                  </a:txBody>
+                  <a:tcPr/>
+                </a:tc>
+              </a:tr>
+              <a:tr h="417302">
+                <a:tc>
+                  <a:txBody>
+                    <a:bodyPr/>
+                    <a:lstStyle/>
+                    <a:p>
+                      <a:pPr algn="ctr" latinLnBrk="1">
+                        <a:defRPr lang="ko-KR" altLang="en-US"/>
+                      </a:pPr>
+                      <a:r>
+                        <a:rPr lang="ko-KR" altLang="en-US" sz="1400" dirty="0">
+                          <a:latin typeface="+mn-lt"/>
+                          <a:ea typeface="+mn-ea"/>
+                          <a:cs typeface="+mn-cs"/>
+                        </a:rPr>
+                        <a:t>단점</a:t>
+                      </a:r>
+                    </a:p>
+                  </a:txBody>
+                  <a:tcPr/>
+                </a:tc>
+                <a:tc>
+                  <a:txBody>
+                    <a:bodyPr/>
+                    <a:lstStyle/>
+                    <a:p>
+                      <a:pPr algn="ctr" latinLnBrk="1">
+                        <a:defRPr lang="ko-KR" altLang="en-US"/>
+                      </a:pPr>
+                      <a:r>
+                        <a:rPr lang="ko-KR" altLang="en-US" sz="1400" dirty="0" smtClean="0">
+                          <a:latin typeface="+mn-lt"/>
+                          <a:ea typeface="+mn-ea"/>
+                          <a:cs typeface="+mn-cs"/>
+                        </a:rPr>
+                        <a:t>물체가 너무 적음</a:t>
+                      </a:r>
+                      <a:endParaRPr lang="en-US" altLang="ko-KR" sz="1400" dirty="0" smtClean="0">
+                        <a:latin typeface="+mn-lt"/>
+                        <a:ea typeface="+mn-ea"/>
+                        <a:cs typeface="+mn-cs"/>
+                      </a:endParaRPr>
+                    </a:p>
+                    <a:p>
+                      <a:pPr algn="ctr" latinLnBrk="1">
+                        <a:defRPr lang="ko-KR" altLang="en-US"/>
+                      </a:pPr>
+                      <a:endParaRPr lang="en-US" altLang="ko-KR" sz="1400" dirty="0" smtClean="0">
+                        <a:latin typeface="+mn-lt"/>
+                        <a:ea typeface="+mn-ea"/>
+                        <a:cs typeface="+mn-cs"/>
+                      </a:endParaRPr>
+                    </a:p>
+                  </a:txBody>
+                  <a:tcPr/>
+                </a:tc>
+                <a:tc>
+                  <a:txBody>
+                    <a:bodyPr/>
+                    <a:lstStyle/>
+                    <a:p>
+                      <a:pPr algn="ctr" latinLnBrk="1">
+                        <a:defRPr lang="ko-KR" altLang="en-US"/>
+                      </a:pPr>
+                      <a:r>
+                        <a:rPr lang="en-US" altLang="ko-KR" sz="1400" dirty="0" smtClean="0">
+                          <a:latin typeface="+mn-lt"/>
+                          <a:ea typeface="+mn-ea"/>
+                          <a:cs typeface="+mn-cs"/>
+                        </a:rPr>
+                        <a:t>play</a:t>
+                      </a:r>
+                      <a:r>
+                        <a:rPr lang="ko-KR" altLang="en-US" sz="1400" dirty="0">
+                          <a:latin typeface="+mn-lt"/>
+                          <a:ea typeface="+mn-ea"/>
+                          <a:cs typeface="+mn-cs"/>
+                        </a:rPr>
+                        <a:t>스토어에 없어서 웹에서 직접 다운 </a:t>
+                      </a:r>
+                      <a:endParaRPr lang="en-US" altLang="ko-KR" sz="1400" dirty="0" smtClean="0">
+                        <a:latin typeface="+mn-lt"/>
+                        <a:ea typeface="+mn-ea"/>
+                        <a:cs typeface="+mn-cs"/>
+                      </a:endParaRPr>
+                    </a:p>
+                    <a:p>
+                      <a:pPr algn="ctr" latinLnBrk="1">
+                        <a:defRPr lang="ko-KR" altLang="en-US"/>
+                      </a:pPr>
+                      <a:r>
+                        <a:rPr lang="ko-KR" altLang="en-US" sz="1400" dirty="0" smtClean="0">
+                          <a:latin typeface="+mn-lt"/>
+                          <a:ea typeface="+mn-ea"/>
+                          <a:cs typeface="+mn-cs"/>
+                        </a:rPr>
+                        <a:t>받아야 </a:t>
+                      </a:r>
+                      <a:r>
+                        <a:rPr lang="ko-KR" altLang="en-US" sz="1400" dirty="0">
+                          <a:latin typeface="+mn-lt"/>
+                          <a:ea typeface="+mn-ea"/>
+                          <a:cs typeface="+mn-cs"/>
+                        </a:rPr>
+                        <a:t>함</a:t>
+                      </a:r>
+                    </a:p>
+                    <a:p>
+                      <a:pPr algn="ctr" latinLnBrk="1">
+                        <a:defRPr lang="ko-KR" altLang="en-US"/>
+                      </a:pPr>
+                      <a:r>
+                        <a:rPr lang="ko-KR" altLang="en-US" sz="1400" dirty="0">
+                          <a:latin typeface="+mn-lt"/>
+                          <a:ea typeface="+mn-ea"/>
+                          <a:cs typeface="+mn-cs"/>
+                        </a:rPr>
+                        <a:t>이동</a:t>
+                      </a:r>
+                      <a:r>
+                        <a:rPr lang="en-US" altLang="ko-KR" sz="1400" dirty="0">
+                          <a:latin typeface="+mn-lt"/>
+                          <a:ea typeface="+mn-ea"/>
+                          <a:cs typeface="+mn-cs"/>
+                        </a:rPr>
+                        <a:t>/</a:t>
+                      </a:r>
+                      <a:r>
+                        <a:rPr lang="ko-KR" altLang="en-US" sz="1400" dirty="0">
+                          <a:latin typeface="+mn-lt"/>
+                          <a:ea typeface="+mn-ea"/>
+                          <a:cs typeface="+mn-cs"/>
+                        </a:rPr>
+                        <a:t>회전이 부자연스러움</a:t>
+                      </a:r>
+                    </a:p>
+                  </a:txBody>
+                  <a:tcPr/>
+                </a:tc>
+                <a:tc>
+                  <a:txBody>
+                    <a:bodyPr/>
+                    <a:lstStyle/>
+                    <a:p>
+                      <a:pPr algn="ctr" latinLnBrk="1">
+                        <a:defRPr lang="ko-KR" altLang="en-US"/>
+                      </a:pPr>
+                      <a:r>
+                        <a:rPr lang="ko-KR" altLang="en-US" sz="1400" dirty="0">
+                          <a:latin typeface="+mn-lt"/>
+                          <a:ea typeface="+mn-ea"/>
+                          <a:cs typeface="+mn-cs"/>
+                        </a:rPr>
+                        <a:t>한글 지원이 안됨 </a:t>
+                      </a:r>
+                    </a:p>
+                    <a:p>
+                      <a:pPr algn="ctr" latinLnBrk="1">
+                        <a:defRPr lang="ko-KR" altLang="en-US"/>
+                      </a:pPr>
+                      <a:r>
+                        <a:rPr lang="en-US" altLang="ko-KR" sz="1400" dirty="0">
+                          <a:latin typeface="+mn-lt"/>
+                          <a:ea typeface="+mn-ea"/>
+                          <a:cs typeface="+mn-cs"/>
+                        </a:rPr>
+                        <a:t>3D </a:t>
+                      </a:r>
+                      <a:r>
+                        <a:rPr lang="ko-KR" altLang="en-US" sz="1400" dirty="0">
+                          <a:latin typeface="+mn-lt"/>
+                          <a:ea typeface="+mn-ea"/>
+                          <a:cs typeface="+mn-cs"/>
+                        </a:rPr>
+                        <a:t>물체 적음</a:t>
+                      </a:r>
+                    </a:p>
+                  </a:txBody>
+                  <a:tcPr/>
+                </a:tc>
+                <a:tc>
+                  <a:txBody>
+                    <a:bodyPr/>
+                    <a:lstStyle/>
+                    <a:p>
+                      <a:pPr algn="ctr" latinLnBrk="1">
+                        <a:defRPr lang="ko-KR" altLang="en-US"/>
+                      </a:pPr>
+                      <a:r>
+                        <a:rPr lang="ko-KR" altLang="en-US" sz="1400">
+                          <a:latin typeface="+mn-lt"/>
+                          <a:ea typeface="+mn-ea"/>
+                          <a:cs typeface="+mn-cs"/>
+                        </a:rPr>
+                        <a:t>전체적으로 로딩시간이 김</a:t>
+                      </a:r>
+                    </a:p>
+                    <a:p>
+                      <a:pPr algn="ctr" latinLnBrk="1">
+                        <a:defRPr lang="ko-KR" altLang="en-US"/>
+                      </a:pPr>
+                      <a:endParaRPr lang="ko-KR" altLang="en-US" sz="1400">
+                        <a:latin typeface="+mn-lt"/>
+                        <a:ea typeface="+mn-ea"/>
+                        <a:cs typeface="+mn-cs"/>
+                      </a:endParaRPr>
+                    </a:p>
+                  </a:txBody>
+                  <a:tcPr/>
+                </a:tc>
+                <a:tc>
+                  <a:txBody>
+                    <a:bodyPr/>
+                    <a:lstStyle/>
+                    <a:p>
+                      <a:pPr algn="ctr" latinLnBrk="1">
+                        <a:defRPr lang="ko-KR" altLang="en-US"/>
+                      </a:pPr>
+                      <a:r>
+                        <a:rPr lang="ko-KR" altLang="en-US" sz="1400" dirty="0">
+                          <a:latin typeface="+mn-lt"/>
+                          <a:ea typeface="+mn-ea"/>
+                          <a:cs typeface="+mn-cs"/>
+                        </a:rPr>
+                        <a:t>물체들이 너무 적음 </a:t>
+                      </a:r>
+                    </a:p>
+                    <a:p>
+                      <a:pPr algn="ctr" latinLnBrk="1">
+                        <a:defRPr lang="ko-KR" altLang="en-US"/>
+                      </a:pPr>
+                      <a:r>
+                        <a:rPr lang="ko-KR" altLang="en-US" sz="1400" dirty="0">
+                          <a:latin typeface="+mn-lt"/>
+                          <a:ea typeface="+mn-ea"/>
+                          <a:cs typeface="+mn-cs"/>
+                        </a:rPr>
+                        <a:t>정해져 있는 물체 말고는 추가불가</a:t>
+                      </a:r>
+                    </a:p>
+                  </a:txBody>
+                  <a:tcPr/>
+                </a:tc>
+              </a:tr>
+            </a:tbl>
+          </a:graphicData>
+        </a:graphic>
+      </p:graphicFrame>
       <p:sp>
         <p:nvSpPr>
-          <p:cNvPr id="9" name="Rectangle 5"/>
-          <p:cNvSpPr/>
+          <p:cNvPr id="7" name="Title 3"/>
+          <p:cNvSpPr txBox="1">
+            <a:spLocks/>
+          </p:cNvSpPr>
           <p:nvPr/>
         </p:nvSpPr>
         <p:spPr>
           <a:xfrm>
-            <a:off x="-508" y="3579718"/>
-            <a:ext cx="9144000" cy="1563638"/>
-          </a:xfrm>
-          <a:prstGeom prst="rect">
-            <a:avLst/>
-          </a:prstGeom>
-          <a:solidFill>
-            <a:srgbClr val="3F4C55"/>
-          </a:solidFill>
-          <a:ln w="9525">
-            <a:noFill/>
-            <a:round/>
-          </a:ln>
-        </p:spPr>
-        <p:txBody>
-          <a:bodyPr vert="horz" wrap="square" lIns="91440" tIns="45720" rIns="91440" bIns="45720" anchor="ctr" anchorCtr="0"/>
-          <a:lstStyle/>
-          <a:p>
-            <a:pPr algn="ctr">
-              <a:defRPr lang="ko-KR" altLang="en-US"/>
-            </a:pPr>
-            <a:endParaRPr lang="en-US">
-              <a:solidFill>
-                <a:schemeClr val="bg1"/>
-              </a:solidFill>
-              <a:latin typeface="+mn-lt"/>
-              <a:ea typeface="+mn-ea"/>
-              <a:cs typeface="+mn-cs"/>
-            </a:endParaRPr>
-          </a:p>
-        </p:txBody>
-      </p:sp>
-      <p:sp>
-        <p:nvSpPr>
-          <p:cNvPr id="2" name="Title 1"/>
-          <p:cNvSpPr>
-            <a:spLocks noGrp="1"/>
-          </p:cNvSpPr>
-          <p:nvPr>
-            <p:ph type="title"/>
-          </p:nvPr>
-        </p:nvSpPr>
-        <p:spPr/>
-        <p:txBody>
-          <a:bodyPr/>
-          <a:lstStyle/>
-          <a:p>
-            <a:pPr lvl="0">
-              <a:defRPr lang="ko-KR" altLang="en-US"/>
-            </a:pPr>
-            <a:r>
-              <a:rPr lang="en-US"/>
-              <a:t>WebAR</a:t>
-            </a:r>
-            <a:r>
-              <a:rPr lang="ko-KR" altLang="en-US"/>
-              <a:t> 인테리어 </a:t>
-            </a:r>
-            <a:r>
-              <a:rPr lang="en-US" altLang="ko-KR"/>
-              <a:t>- </a:t>
-            </a:r>
-            <a:r>
-              <a:rPr lang="ko-KR" altLang="en-US"/>
-              <a:t>기능</a:t>
-            </a:r>
-            <a:endParaRPr lang="en-US"/>
-          </a:p>
-        </p:txBody>
-      </p:sp>
-      <p:sp>
-        <p:nvSpPr>
-          <p:cNvPr id="12" name="Inhaltsplatzhalter 4"/>
-          <p:cNvSpPr txBox="1"/>
-          <p:nvPr/>
-        </p:nvSpPr>
-        <p:spPr>
-          <a:xfrm>
-            <a:off x="1331640" y="3742977"/>
-            <a:ext cx="2412268" cy="1246495"/>
+            <a:off x="1295400" y="285750"/>
+            <a:ext cx="5548963" cy="495383"/>
           </a:xfrm>
           <a:prstGeom prst="rect">
             <a:avLst/>
           </a:prstGeom>
         </p:spPr>
         <p:txBody>
-          <a:bodyPr wrap="square" lIns="0" tIns="0" rIns="0" bIns="0" anchor="ctr">
-            <a:spAutoFit/>
-          </a:bodyPr>
+          <a:bodyPr lIns="0" tIns="0" rIns="0" bIns="0" anchor="ctr"/>
           <a:lstStyle>
-            <a:lvl1pPr marL="272967" indent="-272967" algn="l" defTabSz="914127" rtl="0" eaLnBrk="1" latinLnBrk="0" hangingPunct="1">
-              <a:lnSpc>
-                <a:spcPct val="90000"/>
-              </a:lnSpc>
+            <a:lvl1pPr algn="ctr" defTabSz="914400" rtl="0" eaLnBrk="1" latinLnBrk="0" hangingPunct="1">
               <a:spcBef>
-                <a:spcPts val="0"/>
+                <a:spcPct val="0"/>
               </a:spcBef>
-              <a:spcAft>
-                <a:spcPts val="1000"/>
-              </a:spcAft>
-              <a:buFont typeface="Wingdings"/>
-              <a:buChar char="§"/>
-              <a:defRPr sz="2300" kern="1200">
+              <a:buNone/>
+              <a:defRPr sz="3200" kern="1200">
                 <a:solidFill>
-                  <a:schemeClr val="bg1"/>
+                  <a:schemeClr val="bg1">
+                    <a:lumMod val="50000"/>
+                  </a:schemeClr>
                 </a:solidFill>
-                <a:latin typeface="Calibri Light"/>
-                <a:ea typeface="+mn-ea"/>
-                <a:cs typeface="+mn-cs"/>
+                <a:latin typeface="+mj-lt"/>
+                <a:ea typeface="+mj-ea"/>
+                <a:cs typeface="+mj-cs"/>
               </a:defRPr>
             </a:lvl1pPr>
-            <a:lvl2pPr marL="807798" indent="-272967" algn="l" defTabSz="914127" rtl="0" eaLnBrk="1" latinLnBrk="0" hangingPunct="1">
-              <a:lnSpc>
-                <a:spcPct val="90000"/>
-              </a:lnSpc>
-              <a:spcBef>
-                <a:spcPts val="0"/>
-              </a:spcBef>
-              <a:spcAft>
-                <a:spcPts val="1000"/>
-              </a:spcAft>
-              <a:buFont typeface="Symbol"/>
-              <a:buChar char="-"/>
-              <a:defRPr sz="2000" kern="1200">
-                <a:solidFill>
-                  <a:schemeClr val="bg1"/>
-                </a:solidFill>
-                <a:latin typeface="Calibri Light"/>
-                <a:ea typeface="+mn-ea"/>
-                <a:cs typeface="+mn-cs"/>
-              </a:defRPr>
-            </a:lvl2pPr>
-            <a:lvl3pPr marL="1080764" indent="-177748" algn="l" defTabSz="914127" rtl="0" eaLnBrk="1" latinLnBrk="0" hangingPunct="1">
-              <a:lnSpc>
-                <a:spcPct val="90000"/>
-              </a:lnSpc>
-              <a:spcBef>
-                <a:spcPts val="0"/>
-              </a:spcBef>
-              <a:spcAft>
-                <a:spcPts val="1000"/>
-              </a:spcAft>
-              <a:buFont typeface="Symbol"/>
-              <a:buChar char="-"/>
-              <a:defRPr sz="1900" kern="1200">
-                <a:solidFill>
-                  <a:schemeClr val="bg1"/>
-                </a:solidFill>
-                <a:latin typeface="Calibri Light"/>
-                <a:ea typeface="+mn-ea"/>
-                <a:cs typeface="+mn-cs"/>
-              </a:defRPr>
-            </a:lvl3pPr>
-            <a:lvl4pPr marL="1436256" indent="-177748" algn="l" defTabSz="914127" rtl="0" eaLnBrk="1" latinLnBrk="0" hangingPunct="1">
-              <a:lnSpc>
-                <a:spcPct val="90000"/>
-              </a:lnSpc>
-              <a:spcBef>
-                <a:spcPts val="0"/>
-              </a:spcBef>
-              <a:spcAft>
-                <a:spcPts val="1000"/>
-              </a:spcAft>
-              <a:buFont typeface="Symbol"/>
-              <a:buChar char="-"/>
-              <a:defRPr sz="1600" kern="1200">
-                <a:solidFill>
-                  <a:schemeClr val="bg1"/>
-                </a:solidFill>
-                <a:latin typeface="Calibri Light"/>
-                <a:ea typeface="+mn-ea"/>
-                <a:cs typeface="+mn-cs"/>
-              </a:defRPr>
-            </a:lvl4pPr>
-            <a:lvl5pPr marL="1793335" indent="-179335" algn="l" defTabSz="914127" rtl="0" eaLnBrk="1" latinLnBrk="0" hangingPunct="1">
-              <a:lnSpc>
-                <a:spcPct val="90000"/>
-              </a:lnSpc>
-              <a:spcBef>
-                <a:spcPts val="0"/>
-              </a:spcBef>
-              <a:spcAft>
-                <a:spcPts val="1000"/>
-              </a:spcAft>
-              <a:buFont typeface="Symbol"/>
-              <a:buChar char="-"/>
-              <a:defRPr sz="1600" kern="1200">
-                <a:solidFill>
-                  <a:schemeClr val="bg1"/>
-                </a:solidFill>
-                <a:latin typeface="Calibri Light"/>
-                <a:ea typeface="+mn-ea"/>
-                <a:cs typeface="+mn-cs"/>
-              </a:defRPr>
-            </a:lvl5pPr>
-            <a:lvl6pPr marL="2513847" indent="-228532" algn="l" defTabSz="914127" rtl="0" eaLnBrk="1" latinLnBrk="0" hangingPunct="1">
-              <a:spcBef>
-                <a:spcPct val="20000"/>
-              </a:spcBef>
-              <a:buFont typeface="Arial"/>
-              <a:buChar char="•"/>
-              <a:defRPr sz="2000" kern="1200">
-                <a:solidFill>
-                  <a:schemeClr val="tx1"/>
-                </a:solidFill>
-                <a:latin typeface="+mn-lt"/>
-                <a:ea typeface="+mn-ea"/>
-                <a:cs typeface="+mn-cs"/>
-              </a:defRPr>
-            </a:lvl6pPr>
-            <a:lvl7pPr marL="2970910" indent="-228532" algn="l" defTabSz="914127" rtl="0" eaLnBrk="1" latinLnBrk="0" hangingPunct="1">
-              <a:spcBef>
-                <a:spcPct val="20000"/>
-              </a:spcBef>
-              <a:buFont typeface="Arial"/>
-              <a:buChar char="•"/>
-              <a:defRPr sz="2000" kern="1200">
-                <a:solidFill>
-                  <a:schemeClr val="tx1"/>
-                </a:solidFill>
-                <a:latin typeface="+mn-lt"/>
-                <a:ea typeface="+mn-ea"/>
-                <a:cs typeface="+mn-cs"/>
-              </a:defRPr>
-            </a:lvl7pPr>
-            <a:lvl8pPr marL="3427972" indent="-228532" algn="l" defTabSz="914127" rtl="0" eaLnBrk="1" latinLnBrk="0" hangingPunct="1">
-              <a:spcBef>
-                <a:spcPct val="20000"/>
-              </a:spcBef>
-              <a:buFont typeface="Arial"/>
-              <a:buChar char="•"/>
-              <a:defRPr sz="2000" kern="1200">
-                <a:solidFill>
-                  <a:schemeClr val="tx1"/>
-                </a:solidFill>
-                <a:latin typeface="+mn-lt"/>
-                <a:ea typeface="+mn-ea"/>
-                <a:cs typeface="+mn-cs"/>
-              </a:defRPr>
-            </a:lvl8pPr>
-            <a:lvl9pPr marL="3885034" indent="-228532" algn="l" defTabSz="914127" rtl="0" eaLnBrk="1" latinLnBrk="0" hangingPunct="1">
-              <a:spcBef>
-                <a:spcPct val="20000"/>
-              </a:spcBef>
-              <a:buFont typeface="Arial"/>
-              <a:buChar char="•"/>
-              <a:defRPr sz="2000" kern="1200">
-                <a:solidFill>
-                  <a:schemeClr val="tx1"/>
-                </a:solidFill>
-                <a:latin typeface="+mn-lt"/>
-                <a:ea typeface="+mn-ea"/>
-                <a:cs typeface="+mn-cs"/>
-              </a:defRPr>
-            </a:lvl9pPr>
           </a:lstStyle>
           <a:p>
-            <a:pPr marL="0" indent="0">
-              <a:lnSpc>
-                <a:spcPct val="150000"/>
-              </a:lnSpc>
-              <a:buNone/>
+            <a:pPr algn="l">
               <a:defRPr lang="ko-KR" altLang="en-US"/>
             </a:pPr>
             <a:r>
-              <a:rPr lang="ko-KR" altLang="en-US" sz="1800" b="1" dirty="0" smtClean="0">
-                <a:latin typeface="+mj-lt"/>
-              </a:rPr>
-              <a:t>보기 편한 옵션</a:t>
+              <a:rPr lang="ko-KR" altLang="en-US" dirty="0" smtClean="0"/>
+              <a:t>비교</a:t>
             </a:r>
-            <a:r>
-              <a:rPr lang="ko-KR" altLang="en-US" sz="1800" b="1" dirty="0" smtClean="0">
-                <a:latin typeface="+mj-lt"/>
-              </a:rPr>
-              <a:t> </a:t>
-            </a:r>
-            <a:r>
-              <a:rPr lang="en-US" altLang="ko-KR" sz="1800" b="1" dirty="0" smtClean="0">
-                <a:latin typeface="+mj-lt"/>
-              </a:rPr>
-              <a:t>#05</a:t>
-            </a:r>
-            <a:r>
-              <a:rPr lang="en-US" sz="1800" b="1" dirty="0" smtClean="0">
-                <a:latin typeface="+mj-lt"/>
-              </a:rPr>
-              <a:t/>
-            </a:r>
-            <a:br>
-              <a:rPr lang="en-US" sz="1800" b="1" dirty="0" smtClean="0">
-                <a:latin typeface="+mj-lt"/>
-              </a:rPr>
-            </a:br>
-            <a:r>
-              <a:rPr lang="ko-KR" altLang="en-US" sz="1200" dirty="0" smtClean="0">
-                <a:latin typeface="+mj-lt"/>
-              </a:rPr>
-              <a:t>접속 후 바로 볼 수 있는 제어판과 </a:t>
-            </a:r>
-            <a:r>
-              <a:rPr lang="ko-KR" altLang="en-US" sz="1200" dirty="0" err="1" smtClean="0">
-                <a:latin typeface="+mj-lt"/>
-              </a:rPr>
-              <a:t>스크린샷을</a:t>
-            </a:r>
-            <a:r>
-              <a:rPr lang="ko-KR" altLang="en-US" sz="1200" dirty="0" smtClean="0">
-                <a:latin typeface="+mj-lt"/>
-              </a:rPr>
-              <a:t> 찍을 때 타원이나 길이표시 삭제 가능</a:t>
-            </a:r>
-            <a:endParaRPr lang="en-US" sz="1400" dirty="0">
-              <a:latin typeface="+mj-lt"/>
-            </a:endParaRPr>
-          </a:p>
-        </p:txBody>
-      </p:sp>
-      <p:sp>
-        <p:nvSpPr>
-          <p:cNvPr id="13" name="Inhaltsplatzhalter 4"/>
-          <p:cNvSpPr txBox="1"/>
-          <p:nvPr/>
-        </p:nvSpPr>
-        <p:spPr>
-          <a:xfrm>
-            <a:off x="5508104" y="3738434"/>
-            <a:ext cx="2432860" cy="1246495"/>
-          </a:xfrm>
-          <a:prstGeom prst="rect">
-            <a:avLst/>
-          </a:prstGeom>
-        </p:spPr>
-        <p:txBody>
-          <a:bodyPr wrap="square" lIns="0" tIns="0" rIns="0" bIns="0" anchor="ctr">
-            <a:spAutoFit/>
-          </a:bodyPr>
-          <a:lstStyle>
-            <a:lvl1pPr marL="272967" indent="-272967" algn="l" defTabSz="914127" rtl="0" eaLnBrk="1" latinLnBrk="0" hangingPunct="1">
-              <a:lnSpc>
-                <a:spcPct val="90000"/>
-              </a:lnSpc>
-              <a:spcBef>
-                <a:spcPts val="0"/>
-              </a:spcBef>
-              <a:spcAft>
-                <a:spcPts val="1000"/>
-              </a:spcAft>
-              <a:buFont typeface="Wingdings"/>
-              <a:buChar char="§"/>
-              <a:defRPr sz="2300" kern="1200">
-                <a:solidFill>
-                  <a:schemeClr val="bg1"/>
-                </a:solidFill>
-                <a:latin typeface="Calibri Light"/>
-                <a:ea typeface="+mn-ea"/>
-                <a:cs typeface="+mn-cs"/>
-              </a:defRPr>
-            </a:lvl1pPr>
-            <a:lvl2pPr marL="807798" indent="-272967" algn="l" defTabSz="914127" rtl="0" eaLnBrk="1" latinLnBrk="0" hangingPunct="1">
-              <a:lnSpc>
-                <a:spcPct val="90000"/>
-              </a:lnSpc>
-              <a:spcBef>
-                <a:spcPts val="0"/>
-              </a:spcBef>
-              <a:spcAft>
-                <a:spcPts val="1000"/>
-              </a:spcAft>
-              <a:buFont typeface="Symbol"/>
-              <a:buChar char="-"/>
-              <a:defRPr sz="2000" kern="1200">
-                <a:solidFill>
-                  <a:schemeClr val="bg1"/>
-                </a:solidFill>
-                <a:latin typeface="Calibri Light"/>
-                <a:ea typeface="+mn-ea"/>
-                <a:cs typeface="+mn-cs"/>
-              </a:defRPr>
-            </a:lvl2pPr>
-            <a:lvl3pPr marL="1080764" indent="-177748" algn="l" defTabSz="914127" rtl="0" eaLnBrk="1" latinLnBrk="0" hangingPunct="1">
-              <a:lnSpc>
-                <a:spcPct val="90000"/>
-              </a:lnSpc>
-              <a:spcBef>
-                <a:spcPts val="0"/>
-              </a:spcBef>
-              <a:spcAft>
-                <a:spcPts val="1000"/>
-              </a:spcAft>
-              <a:buFont typeface="Symbol"/>
-              <a:buChar char="-"/>
-              <a:defRPr sz="1900" kern="1200">
-                <a:solidFill>
-                  <a:schemeClr val="bg1"/>
-                </a:solidFill>
-                <a:latin typeface="Calibri Light"/>
-                <a:ea typeface="+mn-ea"/>
-                <a:cs typeface="+mn-cs"/>
-              </a:defRPr>
-            </a:lvl3pPr>
-            <a:lvl4pPr marL="1436256" indent="-177748" algn="l" defTabSz="914127" rtl="0" eaLnBrk="1" latinLnBrk="0" hangingPunct="1">
-              <a:lnSpc>
-                <a:spcPct val="90000"/>
-              </a:lnSpc>
-              <a:spcBef>
-                <a:spcPts val="0"/>
-              </a:spcBef>
-              <a:spcAft>
-                <a:spcPts val="1000"/>
-              </a:spcAft>
-              <a:buFont typeface="Symbol"/>
-              <a:buChar char="-"/>
-              <a:defRPr sz="1600" kern="1200">
-                <a:solidFill>
-                  <a:schemeClr val="bg1"/>
-                </a:solidFill>
-                <a:latin typeface="Calibri Light"/>
-                <a:ea typeface="+mn-ea"/>
-                <a:cs typeface="+mn-cs"/>
-              </a:defRPr>
-            </a:lvl4pPr>
-            <a:lvl5pPr marL="1793335" indent="-179335" algn="l" defTabSz="914127" rtl="0" eaLnBrk="1" latinLnBrk="0" hangingPunct="1">
-              <a:lnSpc>
-                <a:spcPct val="90000"/>
-              </a:lnSpc>
-              <a:spcBef>
-                <a:spcPts val="0"/>
-              </a:spcBef>
-              <a:spcAft>
-                <a:spcPts val="1000"/>
-              </a:spcAft>
-              <a:buFont typeface="Symbol"/>
-              <a:buChar char="-"/>
-              <a:defRPr sz="1600" kern="1200">
-                <a:solidFill>
-                  <a:schemeClr val="bg1"/>
-                </a:solidFill>
-                <a:latin typeface="Calibri Light"/>
-                <a:ea typeface="+mn-ea"/>
-                <a:cs typeface="+mn-cs"/>
-              </a:defRPr>
-            </a:lvl5pPr>
-            <a:lvl6pPr marL="2513847" indent="-228532" algn="l" defTabSz="914127" rtl="0" eaLnBrk="1" latinLnBrk="0" hangingPunct="1">
-              <a:spcBef>
-                <a:spcPct val="20000"/>
-              </a:spcBef>
-              <a:buFont typeface="Arial"/>
-              <a:buChar char="•"/>
-              <a:defRPr sz="2000" kern="1200">
-                <a:solidFill>
-                  <a:schemeClr val="tx1"/>
-                </a:solidFill>
-                <a:latin typeface="+mn-lt"/>
-                <a:ea typeface="+mn-ea"/>
-                <a:cs typeface="+mn-cs"/>
-              </a:defRPr>
-            </a:lvl6pPr>
-            <a:lvl7pPr marL="2970910" indent="-228532" algn="l" defTabSz="914127" rtl="0" eaLnBrk="1" latinLnBrk="0" hangingPunct="1">
-              <a:spcBef>
-                <a:spcPct val="20000"/>
-              </a:spcBef>
-              <a:buFont typeface="Arial"/>
-              <a:buChar char="•"/>
-              <a:defRPr sz="2000" kern="1200">
-                <a:solidFill>
-                  <a:schemeClr val="tx1"/>
-                </a:solidFill>
-                <a:latin typeface="+mn-lt"/>
-                <a:ea typeface="+mn-ea"/>
-                <a:cs typeface="+mn-cs"/>
-              </a:defRPr>
-            </a:lvl7pPr>
-            <a:lvl8pPr marL="3427972" indent="-228532" algn="l" defTabSz="914127" rtl="0" eaLnBrk="1" latinLnBrk="0" hangingPunct="1">
-              <a:spcBef>
-                <a:spcPct val="20000"/>
-              </a:spcBef>
-              <a:buFont typeface="Arial"/>
-              <a:buChar char="•"/>
-              <a:defRPr sz="2000" kern="1200">
-                <a:solidFill>
-                  <a:schemeClr val="tx1"/>
-                </a:solidFill>
-                <a:latin typeface="+mn-lt"/>
-                <a:ea typeface="+mn-ea"/>
-                <a:cs typeface="+mn-cs"/>
-              </a:defRPr>
-            </a:lvl8pPr>
-            <a:lvl9pPr marL="3885034" indent="-228532" algn="l" defTabSz="914127" rtl="0" eaLnBrk="1" latinLnBrk="0" hangingPunct="1">
-              <a:spcBef>
-                <a:spcPct val="20000"/>
-              </a:spcBef>
-              <a:buFont typeface="Arial"/>
-              <a:buChar char="•"/>
-              <a:defRPr sz="2000" kern="1200">
-                <a:solidFill>
-                  <a:schemeClr val="tx1"/>
-                </a:solidFill>
-                <a:latin typeface="+mn-lt"/>
-                <a:ea typeface="+mn-ea"/>
-                <a:cs typeface="+mn-cs"/>
-              </a:defRPr>
-            </a:lvl9pPr>
-          </a:lstStyle>
-          <a:p>
-            <a:pPr marL="0" indent="0">
-              <a:lnSpc>
-                <a:spcPct val="150000"/>
-              </a:lnSpc>
-              <a:buNone/>
-              <a:defRPr lang="ko-KR" altLang="en-US"/>
-            </a:pPr>
-            <a:r>
-              <a:rPr lang="ko-KR" altLang="en-US" sz="1800" b="1" dirty="0" smtClean="0">
-                <a:latin typeface="+mj-lt"/>
-              </a:rPr>
-              <a:t>사용기록 제공 </a:t>
-            </a:r>
-            <a:r>
-              <a:rPr lang="en-US" sz="1800" b="1" dirty="0" smtClean="0">
-                <a:latin typeface="+mj-lt"/>
-              </a:rPr>
-              <a:t>#06</a:t>
-            </a:r>
-            <a:r>
-              <a:rPr lang="en-US" sz="1800" b="1" dirty="0">
-                <a:latin typeface="+mj-lt"/>
-              </a:rPr>
-              <a:t/>
-            </a:r>
-            <a:br>
-              <a:rPr lang="en-US" sz="1800" b="1" dirty="0">
-                <a:latin typeface="+mj-lt"/>
-              </a:rPr>
-            </a:br>
-            <a:r>
-              <a:rPr lang="ko-KR" altLang="en-US" sz="1200" dirty="0" smtClean="0">
-                <a:latin typeface="+mj-lt"/>
-              </a:rPr>
-              <a:t>로그인</a:t>
-            </a:r>
-            <a:r>
-              <a:rPr lang="en-US" altLang="ko-KR" sz="1200" dirty="0" smtClean="0">
-                <a:latin typeface="+mj-lt"/>
-              </a:rPr>
-              <a:t>-</a:t>
-            </a:r>
-            <a:r>
-              <a:rPr lang="ko-KR" altLang="en-US" sz="1200" dirty="0" smtClean="0">
-                <a:latin typeface="+mj-lt"/>
-              </a:rPr>
-              <a:t>인테리어 기록 기능을 제공해 사용자의 인테리어 내역을 언제</a:t>
-            </a:r>
-            <a:r>
-              <a:rPr lang="en-US" altLang="ko-KR" sz="1200" dirty="0" smtClean="0">
-                <a:latin typeface="+mj-lt"/>
-              </a:rPr>
-              <a:t>, </a:t>
-            </a:r>
-            <a:r>
-              <a:rPr lang="ko-KR" altLang="en-US" sz="1200" dirty="0" smtClean="0">
-                <a:latin typeface="+mj-lt"/>
-              </a:rPr>
-              <a:t>어디서나 확인 가능</a:t>
-            </a:r>
-            <a:endParaRPr lang="en-US" sz="1400" dirty="0">
-              <a:latin typeface="+mj-lt"/>
-            </a:endParaRPr>
+            <a:endParaRPr lang="en-US" altLang="en-US" dirty="0"/>
           </a:p>
         </p:txBody>
       </p:sp>
     </p:spTree>
-    <p:extLst>
-      <p:ext uri="{BB962C8B-B14F-4D97-AF65-F5344CB8AC3E}">
-        <p14:creationId xmlns:p14="http://schemas.microsoft.com/office/powerpoint/2010/main" val="2400844566"/>
-      </p:ext>
-    </p:extLst>
   </p:cSld>
   <p:clrMapOvr>
     <a:masterClrMapping/>
   </p:clrMapOvr>
-  <p:transition spd="med">
-    <p:fade/>
-  </p:transition>
   <p:timing>
     <p:tnLst>
       <p:par>
@@ -9788,9 +10469,6 @@
                     <p:cTn id="3" fill="hold">
                       <p:stCondLst>
                         <p:cond delay="indefinite"/>
-                        <p:cond evt="onBegin" delay="0">
-                          <p:tn val="2"/>
-                        </p:cond>
                       </p:stCondLst>
                       <p:childTnLst>
                         <p:par>
@@ -9800,13 +10478,10 @@
                             </p:stCondLst>
                             <p:childTnLst>
                               <p:par>
-                                <p:cTn id="5" presetID="22" presetClass="entr" presetSubtype="8" fill="hold" grpId="0" nodeType="withEffect">
+                                <p:cTn id="5" presetID="10" presetClass="entr" presetSubtype="0" fill="hold" nodeType="clickEffect">
                                   <p:stCondLst>
                                     <p:cond delay="0"/>
                                   </p:stCondLst>
-                                  <p:iterate>
-                                    <p:tmPct val="10000"/>
-                                  </p:iterate>
                                   <p:childTnLst>
                                     <p:set>
                                       <p:cBhvr>
@@ -9816,7 +10491,7 @@
                                           </p:stCondLst>
                                         </p:cTn>
                                         <p:tgtEl>
-                                          <p:spTgt spid="12"/>
+                                          <p:spTgt spid="2"/>
                                         </p:tgtEl>
                                         <p:attrNameLst>
                                           <p:attrName>style.visibility</p:attrName>
@@ -9826,57 +10501,11 @@
                                         <p:strVal val="visible"/>
                                       </p:to>
                                     </p:set>
-                                    <p:animEffect transition="in" filter="wipe(left)">
+                                    <p:animEffect transition="in" filter="fade">
                                       <p:cBhvr>
-                                        <p:cTn id="7" dur="500" fill="hold">
-                                          <p:stCondLst>
-                                            <p:cond delay="0"/>
-                                          </p:stCondLst>
-                                        </p:cTn>
+                                        <p:cTn id="7" dur="500"/>
                                         <p:tgtEl>
-                                          <p:spTgt spid="12"/>
-                                        </p:tgtEl>
-                                      </p:cBhvr>
-                                    </p:animEffect>
-                                  </p:childTnLst>
-                                </p:cTn>
-                              </p:par>
-                              <p:par>
-                                <p:cTn id="8" presetID="22" presetClass="entr" presetSubtype="8" fill="hold" grpId="0" nodeType="withEffect">
-                                  <p:stCondLst>
-                                    <p:cond delay="0"/>
-                                  </p:stCondLst>
-                                  <p:iterate>
-                                    <p:tmPct val="10000"/>
-                                  </p:iterate>
-                                  <p:childTnLst>
-                                    <p:set>
-                                      <p:cBhvr>
-                                        <p:cTn id="9" dur="1" fill="hold">
-                                          <p:stCondLst>
-                                            <p:cond delay="0"/>
-                                          </p:stCondLst>
-                                        </p:cTn>
-                                        <p:tgtEl>
-                                          <p:spTgt spid="13"/>
-                                        </p:tgtEl>
-                                        <p:attrNameLst>
-                                          <p:attrName>style.visibility</p:attrName>
-                                        </p:attrNameLst>
-                                      </p:cBhvr>
-                                      <p:to>
-                                        <p:strVal val="visible"/>
-                                      </p:to>
-                                    </p:set>
-                                    <p:animEffect transition="in" filter="wipe(left)">
-                                      <p:cBhvr>
-                                        <p:cTn id="10" dur="500" fill="hold">
-                                          <p:stCondLst>
-                                            <p:cond delay="0"/>
-                                          </p:stCondLst>
-                                        </p:cTn>
-                                        <p:tgtEl>
-                                          <p:spTgt spid="13"/>
+                                          <p:spTgt spid="2"/>
                                         </p:tgtEl>
                                       </p:cBhvr>
                                     </p:animEffect>
@@ -9910,15 +10539,363 @@
         </p:cTn>
       </p:par>
     </p:tnLst>
-    <p:bldLst>
-      <p:bldP spid="12" grpId="0" autoUpdateAnimBg="0"/>
-      <p:bldP spid="13" grpId="0" autoUpdateAnimBg="0"/>
-    </p:bldLst>
   </p:timing>
 </p:sld>
 </file>
 
 <file path=ppt/slides/slide11.xml><?xml version="1.0" encoding="utf-8"?>
+<p:sld xmlns:a="http://schemas.openxmlformats.org/drawingml/2006/main" xmlns:r="http://schemas.openxmlformats.org/officeDocument/2006/relationships" xmlns:p="http://schemas.openxmlformats.org/presentationml/2006/main" showMasterSp="0">
+  <p:cSld>
+    <p:spTree>
+      <p:nvGrpSpPr>
+        <p:cNvPr id="1" name=""/>
+        <p:cNvGrpSpPr/>
+        <p:nvPr/>
+      </p:nvGrpSpPr>
+      <p:grpSpPr>
+        <a:xfrm>
+          <a:off x="0" y="0"/>
+          <a:ext cx="0" cy="0"/>
+          <a:chOff x="0" y="0"/>
+          <a:chExt cx="0" cy="0"/>
+        </a:xfrm>
+      </p:grpSpPr>
+      <p:sp>
+        <p:nvSpPr>
+          <p:cNvPr id="5" name="Title 3"/>
+          <p:cNvSpPr>
+            <a:spLocks noGrp="1"/>
+          </p:cNvSpPr>
+          <p:nvPr>
+            <p:ph type="title"/>
+          </p:nvPr>
+        </p:nvSpPr>
+        <p:spPr>
+          <a:xfrm>
+            <a:off x="1295400" y="285750"/>
+            <a:ext cx="5548963" cy="495383"/>
+          </a:xfrm>
+        </p:spPr>
+        <p:txBody>
+          <a:bodyPr/>
+          <a:lstStyle/>
+          <a:p>
+            <a:pPr algn="l">
+              <a:defRPr lang="ko-KR" altLang="en-US"/>
+            </a:pPr>
+            <a:r>
+              <a:rPr lang="ko-KR" altLang="en-US" dirty="0" smtClean="0"/>
+              <a:t>단점 방안</a:t>
+            </a:r>
+            <a:endParaRPr lang="en-US" dirty="0"/>
+          </a:p>
+        </p:txBody>
+      </p:sp>
+      <p:grpSp>
+        <p:nvGrpSpPr>
+          <p:cNvPr id="6" name="Group 5"/>
+          <p:cNvGrpSpPr/>
+          <p:nvPr/>
+        </p:nvGrpSpPr>
+        <p:grpSpPr>
+          <a:xfrm>
+            <a:off x="-12467" y="840674"/>
+            <a:ext cx="7386538" cy="211899"/>
+            <a:chOff x="0" y="2852400"/>
+            <a:chExt cx="7386538" cy="211899"/>
+          </a:xfrm>
+          <a:solidFill>
+            <a:schemeClr val="accent2"/>
+          </a:solidFill>
+        </p:grpSpPr>
+        <p:sp>
+          <p:nvSpPr>
+            <p:cNvPr id="8" name="Freeform 29"/>
+            <p:cNvSpPr/>
+            <p:nvPr/>
+          </p:nvSpPr>
+          <p:spPr>
+            <a:xfrm>
+              <a:off x="6306768" y="2852400"/>
+              <a:ext cx="1079770" cy="211899"/>
+            </a:xfrm>
+            <a:custGeom>
+              <a:avLst/>
+              <a:gdLst>
+                <a:gd name="connsiteX0" fmla="*/ 0 w 7238044"/>
+                <a:gd name="connsiteY0" fmla="*/ 0 h 1420425"/>
+                <a:gd name="connsiteX1" fmla="*/ 1841770 w 7238044"/>
+                <a:gd name="connsiteY1" fmla="*/ 0 h 1420425"/>
+                <a:gd name="connsiteX2" fmla="*/ 5396274 w 7238044"/>
+                <a:gd name="connsiteY2" fmla="*/ 0 h 1420425"/>
+                <a:gd name="connsiteX3" fmla="*/ 7238044 w 7238044"/>
+                <a:gd name="connsiteY3" fmla="*/ 0 h 1420425"/>
+                <a:gd name="connsiteX4" fmla="*/ 6575004 w 7238044"/>
+                <a:gd name="connsiteY4" fmla="*/ 1420425 h 1420425"/>
+                <a:gd name="connsiteX5" fmla="*/ 4733234 w 7238044"/>
+                <a:gd name="connsiteY5" fmla="*/ 1420425 h 1420425"/>
+                <a:gd name="connsiteX6" fmla="*/ 1841770 w 7238044"/>
+                <a:gd name="connsiteY6" fmla="*/ 1420425 h 1420425"/>
+                <a:gd name="connsiteX7" fmla="*/ 0 w 7238044"/>
+                <a:gd name="connsiteY7" fmla="*/ 1420425 h 1420425"/>
+              </a:gdLst>
+              <a:ahLst/>
+              <a:cxnLst>
+                <a:cxn ang="0">
+                  <a:pos x="connsiteX0" y="connsiteY0"/>
+                </a:cxn>
+                <a:cxn ang="0">
+                  <a:pos x="connsiteX1" y="connsiteY1"/>
+                </a:cxn>
+                <a:cxn ang="0">
+                  <a:pos x="connsiteX2" y="connsiteY2"/>
+                </a:cxn>
+                <a:cxn ang="0">
+                  <a:pos x="connsiteX3" y="connsiteY3"/>
+                </a:cxn>
+                <a:cxn ang="0">
+                  <a:pos x="connsiteX4" y="connsiteY4"/>
+                </a:cxn>
+                <a:cxn ang="0">
+                  <a:pos x="connsiteX5" y="connsiteY5"/>
+                </a:cxn>
+                <a:cxn ang="0">
+                  <a:pos x="connsiteX6" y="connsiteY6"/>
+                </a:cxn>
+                <a:cxn ang="0">
+                  <a:pos x="connsiteX7" y="connsiteY7"/>
+                </a:cxn>
+              </a:cxnLst>
+              <a:rect l="l" t="t" r="r" b="b"/>
+              <a:pathLst>
+                <a:path w="7238044" h="1420425">
+                  <a:moveTo>
+                    <a:pt x="0" y="0"/>
+                  </a:moveTo>
+                  <a:lnTo>
+                    <a:pt x="1841770" y="0"/>
+                  </a:lnTo>
+                  <a:lnTo>
+                    <a:pt x="5396274" y="0"/>
+                  </a:lnTo>
+                  <a:lnTo>
+                    <a:pt x="7238044" y="0"/>
+                  </a:lnTo>
+                  <a:lnTo>
+                    <a:pt x="6575004" y="1420425"/>
+                  </a:lnTo>
+                  <a:lnTo>
+                    <a:pt x="4733234" y="1420425"/>
+                  </a:lnTo>
+                  <a:lnTo>
+                    <a:pt x="1841770" y="1420425"/>
+                  </a:lnTo>
+                  <a:lnTo>
+                    <a:pt x="0" y="1420425"/>
+                  </a:lnTo>
+                  <a:close/>
+                </a:path>
+              </a:pathLst>
+            </a:custGeom>
+            <a:grpFill/>
+            <a:ln w="9525">
+              <a:noFill/>
+              <a:round/>
+            </a:ln>
+          </p:spPr>
+          <p:txBody>
+            <a:bodyPr vert="horz" wrap="square" lIns="91440" tIns="45720" rIns="91440" bIns="45720" anchor="t" anchorCtr="0"/>
+            <a:lstStyle/>
+            <a:p>
+              <a:pPr algn="ctr">
+                <a:defRPr lang="ko-KR" altLang="en-US"/>
+              </a:pPr>
+              <a:endParaRPr lang="en-US">
+                <a:latin typeface="+mn-lt"/>
+                <a:ea typeface="+mn-ea"/>
+                <a:cs typeface="+mn-cs"/>
+              </a:endParaRPr>
+            </a:p>
+          </p:txBody>
+        </p:sp>
+        <p:sp>
+          <p:nvSpPr>
+            <p:cNvPr id="9" name="Rectangle 30"/>
+            <p:cNvSpPr/>
+            <p:nvPr/>
+          </p:nvSpPr>
+          <p:spPr>
+            <a:xfrm>
+              <a:off x="0" y="2852400"/>
+              <a:ext cx="6334330" cy="211899"/>
+            </a:xfrm>
+            <a:prstGeom prst="rect">
+              <a:avLst/>
+            </a:prstGeom>
+            <a:grpFill/>
+            <a:ln w="9525">
+              <a:noFill/>
+              <a:round/>
+            </a:ln>
+          </p:spPr>
+          <p:txBody>
+            <a:bodyPr vert="horz" wrap="square" lIns="91440" tIns="45720" rIns="91440" bIns="45720" anchor="t" anchorCtr="0"/>
+            <a:lstStyle/>
+            <a:p>
+              <a:pPr algn="ctr">
+                <a:defRPr lang="ko-KR" altLang="en-US"/>
+              </a:pPr>
+              <a:endParaRPr lang="en-US">
+                <a:latin typeface="+mn-lt"/>
+                <a:ea typeface="+mn-ea"/>
+                <a:cs typeface="+mn-cs"/>
+              </a:endParaRPr>
+            </a:p>
+          </p:txBody>
+        </p:sp>
+      </p:grpSp>
+      <p:pic>
+        <p:nvPicPr>
+          <p:cNvPr id="1026" name="Picture 2" descr="알고 실천하자! 악수의 예절 : 네이버 블로그"/>
+          <p:cNvPicPr>
+            <a:picLocks noChangeAspect="1" noChangeArrowheads="1"/>
+          </p:cNvPicPr>
+          <p:nvPr/>
+        </p:nvPicPr>
+        <p:blipFill>
+          <a:blip r:embed="rId2">
+            <a:extLst>
+              <a:ext uri="{28A0092B-C50C-407E-A947-70E740481C1C}">
+                <a14:useLocalDpi xmlns:a14="http://schemas.microsoft.com/office/drawing/2010/main" val="0"/>
+              </a:ext>
+            </a:extLst>
+          </a:blip>
+          <a:srcRect/>
+          <a:stretch>
+            <a:fillRect/>
+          </a:stretch>
+        </p:blipFill>
+        <p:spPr bwMode="auto">
+          <a:xfrm>
+            <a:off x="2087724" y="2271294"/>
+            <a:ext cx="3752850" cy="2019301"/>
+          </a:xfrm>
+          <a:prstGeom prst="rect">
+            <a:avLst/>
+          </a:prstGeom>
+          <a:noFill/>
+          <a:extLst>
+            <a:ext uri="{909E8E84-426E-40DD-AFC4-6F175D3DCCD1}">
+              <a14:hiddenFill xmlns:a14="http://schemas.microsoft.com/office/drawing/2010/main">
+                <a:solidFill>
+                  <a:srgbClr val="FFFFFF"/>
+                </a:solidFill>
+              </a14:hiddenFill>
+            </a:ext>
+          </a:extLst>
+        </p:spPr>
+      </p:pic>
+      <p:pic>
+        <p:nvPicPr>
+          <p:cNvPr id="1030" name="Picture 6" descr="기업 작명 스토리]① 가구업체들의 다양한 이름…그 비밀은? - 이뉴스투데이"/>
+          <p:cNvPicPr>
+            <a:picLocks noChangeAspect="1" noChangeArrowheads="1"/>
+          </p:cNvPicPr>
+          <p:nvPr/>
+        </p:nvPicPr>
+        <p:blipFill>
+          <a:blip r:embed="rId3">
+            <a:extLst>
+              <a:ext uri="{28A0092B-C50C-407E-A947-70E740481C1C}">
+                <a14:useLocalDpi xmlns:a14="http://schemas.microsoft.com/office/drawing/2010/main" val="0"/>
+              </a:ext>
+            </a:extLst>
+          </a:blip>
+          <a:srcRect/>
+          <a:stretch>
+            <a:fillRect/>
+          </a:stretch>
+        </p:blipFill>
+        <p:spPr bwMode="auto">
+          <a:xfrm>
+            <a:off x="5980560" y="2139702"/>
+            <a:ext cx="2787022" cy="1300299"/>
+          </a:xfrm>
+          <a:prstGeom prst="rect">
+            <a:avLst/>
+          </a:prstGeom>
+          <a:noFill/>
+          <a:extLst>
+            <a:ext uri="{909E8E84-426E-40DD-AFC4-6F175D3DCCD1}">
+              <a14:hiddenFill xmlns:a14="http://schemas.microsoft.com/office/drawing/2010/main">
+                <a:solidFill>
+                  <a:srgbClr val="FFFFFF"/>
+                </a:solidFill>
+              </a14:hiddenFill>
+            </a:ext>
+          </a:extLst>
+        </p:spPr>
+      </p:pic>
+      <p:pic>
+        <p:nvPicPr>
+          <p:cNvPr id="1032" name="Picture 8" descr="호남대학교 로고"/>
+          <p:cNvPicPr>
+            <a:picLocks noChangeAspect="1" noChangeArrowheads="1"/>
+          </p:cNvPicPr>
+          <p:nvPr/>
+        </p:nvPicPr>
+        <p:blipFill rotWithShape="1">
+          <a:blip r:embed="rId4">
+            <a:extLst>
+              <a:ext uri="{28A0092B-C50C-407E-A947-70E740481C1C}">
+                <a14:useLocalDpi xmlns:a14="http://schemas.microsoft.com/office/drawing/2010/main" val="0"/>
+              </a:ext>
+            </a:extLst>
+          </a:blip>
+          <a:srcRect l="38813" t="718" r="36687" b="-718"/>
+          <a:stretch/>
+        </p:blipFill>
+        <p:spPr bwMode="auto">
+          <a:xfrm>
+            <a:off x="701334" y="2150703"/>
+            <a:ext cx="1188132" cy="2054958"/>
+          </a:xfrm>
+          <a:prstGeom prst="rect">
+            <a:avLst/>
+          </a:prstGeom>
+          <a:noFill/>
+          <a:extLst>
+            <a:ext uri="{909E8E84-426E-40DD-AFC4-6F175D3DCCD1}">
+              <a14:hiddenFill xmlns:a14="http://schemas.microsoft.com/office/drawing/2010/main">
+                <a:solidFill>
+                  <a:srgbClr val="FFFFFF"/>
+                </a:solidFill>
+              </a14:hiddenFill>
+            </a:ext>
+          </a:extLst>
+        </p:spPr>
+      </p:pic>
+    </p:spTree>
+    <p:extLst>
+      <p:ext uri="{BB962C8B-B14F-4D97-AF65-F5344CB8AC3E}">
+        <p14:creationId xmlns:p14="http://schemas.microsoft.com/office/powerpoint/2010/main" val="3593365627"/>
+      </p:ext>
+    </p:extLst>
+  </p:cSld>
+  <p:clrMapOvr>
+    <a:masterClrMapping/>
+  </p:clrMapOvr>
+  <p:timing>
+    <p:tnLst>
+      <p:par>
+        <p:cTn id="1" dur="indefinite" restart="never" nodeType="tmRoot"/>
+      </p:par>
+    </p:tnLst>
+  </p:timing>
+</p:sld>
+</file>
+
+<file path=ppt/slides/slide12.xml><?xml version="1.0" encoding="utf-8"?>
 <p:sld xmlns:a="http://schemas.openxmlformats.org/drawingml/2006/main" xmlns:r="http://schemas.openxmlformats.org/officeDocument/2006/relationships" xmlns:p="http://schemas.openxmlformats.org/presentationml/2006/main" showMasterSp="0">
   <p:cSld>
     <p:spTree>
@@ -10842,13 +11819,13 @@
   <p:clrMapOvr>
     <a:masterClrMapping/>
   </p:clrMapOvr>
-  <mc:AlternateContent xmlns:mc="http://schemas.openxmlformats.org/markup-compatibility/2006">
-    <mc:Choice xmlns:p15="http://schemas.microsoft.com/office/powerpoint/2012/main" Requires="p15">
+  <mc:AlternateContent xmlns:mc="http://schemas.openxmlformats.org/markup-compatibility/2006" xmlns:p15="http://schemas.microsoft.com/office/powerpoint/2012/main">
+    <mc:Choice Requires="p15">
       <p:transition xmlns:p14="http://schemas.microsoft.com/office/powerpoint/2010/main" spd="slow" p14:dur="2000">
         <p15:prstTrans prst="drape"/>
       </p:transition>
     </mc:Choice>
-    <mc:Fallback>
+    <mc:Fallback xmlns="">
       <p:transition spd="slow">
         <p:fade/>
       </p:transition>
@@ -11036,7 +12013,7 @@
 </p:sld>
 </file>
 
-<file path=ppt/slides/slide12.xml><?xml version="1.0" encoding="utf-8"?>
+<file path=ppt/slides/slide13.xml><?xml version="1.0" encoding="utf-8"?>
 <p:sld xmlns:a="http://schemas.openxmlformats.org/drawingml/2006/main" xmlns:r="http://schemas.openxmlformats.org/officeDocument/2006/relationships" xmlns:p="http://schemas.openxmlformats.org/presentationml/2006/main" showMasterSp="0">
   <p:cSld>
     <p:spTree>
@@ -11100,7 +12077,7 @@
         </p:nvGraphicFramePr>
         <p:xfrm>
           <a:off x="287522" y="807554"/>
-          <a:ext cx="8496945" cy="3935800"/>
+          <a:ext cx="8496945" cy="3959727"/>
         </p:xfrm>
         <a:graphic>
           <a:graphicData uri="http://schemas.openxmlformats.org/drawingml/2006/table">
@@ -12162,7 +13139,7 @@
         </p:nvSpPr>
         <p:spPr>
           <a:xfrm>
-            <a:off x="3338076" y="2355726"/>
+            <a:off x="3338076" y="2362257"/>
             <a:ext cx="720643" cy="155053"/>
           </a:xfrm>
           <a:prstGeom prst="chevron">
@@ -12372,7 +13349,7 @@
         </p:nvSpPr>
         <p:spPr>
           <a:xfrm>
-            <a:off x="8205574" y="4515966"/>
+            <a:off x="8241578" y="4515966"/>
             <a:ext cx="506886" cy="155053"/>
           </a:xfrm>
           <a:prstGeom prst="chevron">
@@ -12411,721 +13388,6 @@
   </p:clrMapOvr>
   <p:transition spd="med">
     <p:fade/>
-  </p:transition>
-  <p:timing>
-    <p:tnLst>
-      <p:par>
-        <p:cTn id="1" dur="indefinite" restart="never" nodeType="tmRoot"/>
-      </p:par>
-    </p:tnLst>
-  </p:timing>
-</p:sld>
-</file>
-
-<file path=ppt/slides/slide13.xml><?xml version="1.0" encoding="utf-8"?>
-<p:sld xmlns:a="http://schemas.openxmlformats.org/drawingml/2006/main" xmlns:r="http://schemas.openxmlformats.org/officeDocument/2006/relationships" xmlns:p="http://schemas.openxmlformats.org/presentationml/2006/main" showMasterSp="0">
-  <p:cSld>
-    <p:spTree>
-      <p:nvGrpSpPr>
-        <p:cNvPr id="1" name=""/>
-        <p:cNvGrpSpPr/>
-        <p:nvPr/>
-      </p:nvGrpSpPr>
-      <p:grpSpPr>
-        <a:xfrm>
-          <a:off x="0" y="0"/>
-          <a:ext cx="0" cy="0"/>
-          <a:chOff x="0" y="0"/>
-          <a:chExt cx="0" cy="0"/>
-        </a:xfrm>
-      </p:grpSpPr>
-      <p:sp>
-        <p:nvSpPr>
-          <p:cNvPr id="32" name="직사각형 31"/>
-          <p:cNvSpPr/>
-          <p:nvPr/>
-        </p:nvSpPr>
-        <p:spPr>
-          <a:xfrm>
-            <a:off x="3923928" y="1924317"/>
-            <a:ext cx="4428492" cy="2667000"/>
-          </a:xfrm>
-          <a:prstGeom prst="rect">
-            <a:avLst/>
-          </a:prstGeom>
-          <a:noFill/>
-          <a:ln>
-            <a:solidFill>
-              <a:schemeClr val="tx1">
-                <a:lumMod val="25000"/>
-                <a:lumOff val="75000"/>
-              </a:schemeClr>
-            </a:solidFill>
-          </a:ln>
-        </p:spPr>
-        <p:style>
-          <a:lnRef idx="2">
-            <a:schemeClr val="accent1">
-              <a:shade val="50000"/>
-            </a:schemeClr>
-          </a:lnRef>
-          <a:fillRef idx="1">
-            <a:schemeClr val="accent1"/>
-          </a:fillRef>
-          <a:effectRef idx="0">
-            <a:schemeClr val="accent1"/>
-          </a:effectRef>
-          <a:fontRef idx="minor">
-            <a:schemeClr val="lt1"/>
-          </a:fontRef>
-        </p:style>
-        <p:txBody>
-          <a:bodyPr anchor="ctr"/>
-          <a:lstStyle/>
-          <a:p>
-            <a:pPr algn="ctr">
-              <a:defRPr lang="ko-KR" altLang="en-US"/>
-            </a:pPr>
-            <a:endParaRPr lang="ko-KR" altLang="en-US">
-              <a:latin typeface="+mn-lt"/>
-              <a:ea typeface="+mn-ea"/>
-              <a:cs typeface="+mn-cs"/>
-            </a:endParaRPr>
-          </a:p>
-        </p:txBody>
-      </p:sp>
-      <p:grpSp>
-        <p:nvGrpSpPr>
-          <p:cNvPr id="5" name="그룹 4"/>
-          <p:cNvGrpSpPr/>
-          <p:nvPr/>
-        </p:nvGrpSpPr>
-        <p:grpSpPr>
-          <a:xfrm>
-            <a:off x="647564" y="1275606"/>
-            <a:ext cx="7877421" cy="3241908"/>
-            <a:chOff x="1827386" y="1614766"/>
-            <a:chExt cx="7102967" cy="2743941"/>
-          </a:xfrm>
-        </p:grpSpPr>
-        <p:sp>
-          <p:nvSpPr>
-            <p:cNvPr id="6" name="직사각형 5"/>
-            <p:cNvSpPr/>
-            <p:nvPr/>
-          </p:nvSpPr>
-          <p:spPr>
-            <a:xfrm>
-              <a:off x="1827386" y="1943062"/>
-              <a:ext cx="1913618" cy="2376264"/>
-            </a:xfrm>
-            <a:prstGeom prst="rect">
-              <a:avLst/>
-            </a:prstGeom>
-            <a:solidFill>
-              <a:schemeClr val="bg2"/>
-            </a:solidFill>
-            <a:ln>
-              <a:solidFill>
-                <a:schemeClr val="tx1">
-                  <a:lumMod val="25000"/>
-                  <a:lumOff val="75000"/>
-                </a:schemeClr>
-              </a:solidFill>
-            </a:ln>
-          </p:spPr>
-          <p:style>
-            <a:lnRef idx="2">
-              <a:schemeClr val="accent1">
-                <a:shade val="50000"/>
-              </a:schemeClr>
-            </a:lnRef>
-            <a:fillRef idx="1">
-              <a:schemeClr val="accent1"/>
-            </a:fillRef>
-            <a:effectRef idx="0">
-              <a:schemeClr val="accent1"/>
-            </a:effectRef>
-            <a:fontRef idx="minor">
-              <a:schemeClr val="lt1"/>
-            </a:fontRef>
-          </p:style>
-          <p:txBody>
-            <a:bodyPr anchor="ctr"/>
-            <a:lstStyle/>
-            <a:p>
-              <a:pPr algn="ctr">
-                <a:defRPr lang="ko-KR" altLang="en-US"/>
-              </a:pPr>
-              <a:endParaRPr lang="ko-KR" altLang="en-US">
-                <a:latin typeface="+mn-lt"/>
-                <a:ea typeface="+mn-ea"/>
-                <a:cs typeface="+mn-cs"/>
-              </a:endParaRPr>
-            </a:p>
-          </p:txBody>
-        </p:sp>
-        <p:pic>
-          <p:nvPicPr>
-            <p:cNvPr id="7" name="Picture 3"/>
-            <p:cNvPicPr>
-              <a:picLocks noChangeAspect="1" noChangeArrowheads="1"/>
-            </p:cNvPicPr>
-            <p:nvPr/>
-          </p:nvPicPr>
-          <p:blipFill rotWithShape="1">
-            <a:blip r:embed="rId2"/>
-            <a:srcRect l="65800"/>
-            <a:stretch>
-              <a:fillRect/>
-            </a:stretch>
-          </p:blipFill>
-          <p:spPr>
-            <a:xfrm>
-              <a:off x="6374704" y="2701357"/>
-              <a:ext cx="944797" cy="1657350"/>
-            </a:xfrm>
-            <a:prstGeom prst="rect">
-              <a:avLst/>
-            </a:prstGeom>
-            <a:noFill/>
-            <a:ln>
-              <a:noFill/>
-            </a:ln>
-          </p:spPr>
-        </p:pic>
-        <p:grpSp>
-          <p:nvGrpSpPr>
-            <p:cNvPr id="8" name="그룹 7"/>
-            <p:cNvGrpSpPr/>
-            <p:nvPr/>
-          </p:nvGrpSpPr>
-          <p:grpSpPr>
-            <a:xfrm>
-              <a:off x="4781640" y="2163292"/>
-              <a:ext cx="1630133" cy="2014942"/>
-              <a:chOff x="6436722" y="1699182"/>
-              <a:chExt cx="1630133" cy="2014942"/>
-            </a:xfrm>
-          </p:grpSpPr>
-          <p:pic>
-            <p:nvPicPr>
-              <p:cNvPr id="18" name="Picture 5"/>
-              <p:cNvPicPr>
-                <a:picLocks noChangeAspect="1" noChangeArrowheads="1"/>
-              </p:cNvPicPr>
-              <p:nvPr/>
-            </p:nvPicPr>
-            <p:blipFill rotWithShape="1">
-              <a:blip r:embed="rId3"/>
-              <a:srcRect/>
-              <a:stretch>
-                <a:fillRect/>
-              </a:stretch>
-            </p:blipFill>
-            <p:spPr>
-              <a:xfrm>
-                <a:off x="6436722" y="1699182"/>
-                <a:ext cx="1630133" cy="1630131"/>
-              </a:xfrm>
-              <a:prstGeom prst="rect">
-                <a:avLst/>
-              </a:prstGeom>
-              <a:noFill/>
-              <a:ln>
-                <a:noFill/>
-              </a:ln>
-            </p:spPr>
-          </p:pic>
-          <p:sp>
-            <p:nvSpPr>
-              <p:cNvPr id="19" name="TextBox 18"/>
-              <p:cNvSpPr txBox="1"/>
-              <p:nvPr/>
-            </p:nvSpPr>
-            <p:spPr>
-              <a:xfrm>
-                <a:off x="6663972" y="3466655"/>
-                <a:ext cx="1196190" cy="247469"/>
-              </a:xfrm>
-              <a:prstGeom prst="rect">
-                <a:avLst/>
-              </a:prstGeom>
-              <a:noFill/>
-            </p:spPr>
-            <p:txBody>
-              <a:bodyPr wrap="none">
-                <a:spAutoFit/>
-              </a:bodyPr>
-              <a:lstStyle/>
-              <a:p>
-                <a:pPr lvl="0">
-                  <a:defRPr lang="ko-KR" altLang="en-US"/>
-                </a:pPr>
-                <a:r>
-                  <a:rPr lang="en-US" altLang="ko-KR" sz="1400" dirty="0">
-                    <a:latin typeface="+mn-lt"/>
-                    <a:ea typeface="+mn-ea"/>
-                    <a:cs typeface="+mn-cs"/>
-                  </a:rPr>
-                  <a:t>&lt;</a:t>
-                </a:r>
-                <a:r>
-                  <a:rPr lang="ko-KR" altLang="en-US" sz="1400" dirty="0">
-                    <a:latin typeface="+mn-lt"/>
-                    <a:ea typeface="+mn-ea"/>
-                    <a:cs typeface="+mn-cs"/>
-                  </a:rPr>
-                  <a:t>메인 페이지</a:t>
-                </a:r>
-                <a:r>
-                  <a:rPr lang="en-US" altLang="ko-KR" sz="1400" dirty="0">
-                    <a:latin typeface="+mn-lt"/>
-                    <a:ea typeface="+mn-ea"/>
-                    <a:cs typeface="+mn-cs"/>
-                  </a:rPr>
-                  <a:t>&gt;</a:t>
-                </a:r>
-                <a:endParaRPr lang="ko-KR" altLang="en-US" sz="1400" dirty="0">
-                  <a:latin typeface="+mn-lt"/>
-                  <a:ea typeface="+mn-ea"/>
-                  <a:cs typeface="+mn-cs"/>
-                </a:endParaRPr>
-              </a:p>
-            </p:txBody>
-          </p:sp>
-        </p:grpSp>
-        <p:sp>
-          <p:nvSpPr>
-            <p:cNvPr id="9" name="TextBox 8"/>
-            <p:cNvSpPr txBox="1"/>
-            <p:nvPr/>
-          </p:nvSpPr>
-          <p:spPr>
-            <a:xfrm>
-              <a:off x="7208305" y="2868714"/>
-              <a:ext cx="1722048" cy="1342276"/>
-            </a:xfrm>
-            <a:prstGeom prst="rect">
-              <a:avLst/>
-            </a:prstGeom>
-            <a:noFill/>
-          </p:spPr>
-          <p:txBody>
-            <a:bodyPr wrap="square">
-              <a:spAutoFit/>
-            </a:bodyPr>
-            <a:lstStyle/>
-            <a:p>
-              <a:pPr marL="285750" indent="-285750">
-                <a:buFont typeface="Arial"/>
-                <a:buChar char="•"/>
-                <a:defRPr lang="ko-KR" altLang="en-US"/>
-              </a:pPr>
-              <a:r>
-                <a:rPr lang="ko-KR" altLang="en-US" sz="1400" dirty="0">
-                  <a:latin typeface="+mn-lt"/>
-                  <a:ea typeface="+mn-ea"/>
-                  <a:cs typeface="+mn-cs"/>
-                </a:rPr>
-                <a:t>가구 </a:t>
-              </a:r>
-              <a:r>
-                <a:rPr lang="en-US" altLang="ko-KR" sz="1400" dirty="0">
-                  <a:latin typeface="+mn-lt"/>
-                  <a:ea typeface="+mn-ea"/>
-                  <a:cs typeface="+mn-cs"/>
-                </a:rPr>
-                <a:t>3D</a:t>
-              </a:r>
-              <a:r>
-                <a:rPr lang="ko-KR" altLang="en-US" sz="1400" dirty="0">
-                  <a:latin typeface="+mn-lt"/>
-                  <a:ea typeface="+mn-ea"/>
-                  <a:cs typeface="+mn-cs"/>
-                </a:rPr>
-                <a:t> 데이터</a:t>
-              </a:r>
-            </a:p>
-            <a:p>
-              <a:pPr marL="285750" indent="-285750">
-                <a:buFont typeface="Arial"/>
-                <a:buChar char="•"/>
-                <a:defRPr lang="ko-KR" altLang="en-US"/>
-              </a:pPr>
-              <a:endParaRPr lang="en-US" altLang="ko-KR" sz="1400" dirty="0">
-                <a:latin typeface="+mn-lt"/>
-                <a:ea typeface="+mn-ea"/>
-                <a:cs typeface="+mn-cs"/>
-              </a:endParaRPr>
-            </a:p>
-            <a:p>
-              <a:pPr marL="285750" indent="-285750">
-                <a:buFont typeface="Arial"/>
-                <a:buChar char="•"/>
-                <a:defRPr lang="ko-KR" altLang="en-US"/>
-              </a:pPr>
-              <a:r>
-                <a:rPr lang="ko-KR" altLang="en-US" sz="1400" dirty="0">
-                  <a:latin typeface="+mn-lt"/>
-                  <a:ea typeface="+mn-ea"/>
-                  <a:cs typeface="+mn-cs"/>
-                </a:rPr>
-                <a:t>웹 </a:t>
-              </a:r>
-              <a:r>
-                <a:rPr lang="ko-KR" altLang="en-US" sz="1400" dirty="0" err="1">
-                  <a:latin typeface="+mn-lt"/>
-                  <a:ea typeface="+mn-ea"/>
-                  <a:cs typeface="+mn-cs"/>
-                </a:rPr>
-                <a:t>호스팅</a:t>
-              </a:r>
-              <a:endParaRPr lang="ko-KR" altLang="en-US" sz="1400" dirty="0">
-                <a:latin typeface="+mn-lt"/>
-                <a:ea typeface="+mn-ea"/>
-                <a:cs typeface="+mn-cs"/>
-              </a:endParaRPr>
-            </a:p>
-            <a:p>
-              <a:pPr marL="285750" indent="-285750">
-                <a:buFont typeface="Arial"/>
-                <a:buChar char="•"/>
-                <a:defRPr lang="ko-KR" altLang="en-US"/>
-              </a:pPr>
-              <a:endParaRPr lang="en-US" altLang="ko-KR" sz="1400" dirty="0">
-                <a:latin typeface="+mn-lt"/>
-                <a:ea typeface="+mn-ea"/>
-                <a:cs typeface="+mn-cs"/>
-              </a:endParaRPr>
-            </a:p>
-            <a:p>
-              <a:pPr marL="285750" indent="-285750">
-                <a:buFont typeface="Arial"/>
-                <a:buChar char="•"/>
-                <a:defRPr lang="ko-KR" altLang="en-US"/>
-              </a:pPr>
-              <a:r>
-                <a:rPr lang="ko-KR" altLang="en-US" sz="1400" dirty="0">
-                  <a:latin typeface="+mn-lt"/>
-                  <a:ea typeface="+mn-ea"/>
-                  <a:cs typeface="+mn-cs"/>
-                </a:rPr>
-                <a:t>로그인 정보</a:t>
-              </a:r>
-            </a:p>
-            <a:p>
-              <a:pPr marL="285750" indent="-285750">
-                <a:buFont typeface="Arial"/>
-                <a:buChar char="•"/>
-                <a:defRPr lang="ko-KR" altLang="en-US"/>
-              </a:pPr>
-              <a:endParaRPr lang="en-US" altLang="ko-KR" sz="1400" dirty="0">
-                <a:latin typeface="+mn-lt"/>
-                <a:ea typeface="+mn-ea"/>
-                <a:cs typeface="+mn-cs"/>
-              </a:endParaRPr>
-            </a:p>
-            <a:p>
-              <a:pPr marL="285750" indent="-285750">
-                <a:buFont typeface="Arial"/>
-                <a:buChar char="•"/>
-                <a:defRPr lang="ko-KR" altLang="en-US"/>
-              </a:pPr>
-              <a:r>
-                <a:rPr lang="ko-KR" altLang="en-US" sz="1400" dirty="0">
-                  <a:latin typeface="+mn-lt"/>
-                  <a:ea typeface="+mn-ea"/>
-                  <a:cs typeface="+mn-cs"/>
-                </a:rPr>
-                <a:t>사용자 데이터</a:t>
-              </a:r>
-              <a:endParaRPr lang="en-US" altLang="ko-KR" sz="1400" dirty="0">
-                <a:latin typeface="+mn-lt"/>
-                <a:ea typeface="+mn-ea"/>
-                <a:cs typeface="+mn-cs"/>
-              </a:endParaRPr>
-            </a:p>
-          </p:txBody>
-        </p:sp>
-        <p:sp>
-          <p:nvSpPr>
-            <p:cNvPr id="11" name="TextBox 10"/>
-            <p:cNvSpPr txBox="1"/>
-            <p:nvPr/>
-          </p:nvSpPr>
-          <p:spPr>
-            <a:xfrm>
-              <a:off x="2084820" y="1614766"/>
-              <a:ext cx="1656184" cy="260502"/>
-            </a:xfrm>
-            <a:prstGeom prst="rect">
-              <a:avLst/>
-            </a:prstGeom>
-            <a:noFill/>
-          </p:spPr>
-          <p:txBody>
-            <a:bodyPr wrap="square">
-              <a:spAutoFit/>
-            </a:bodyPr>
-            <a:lstStyle/>
-            <a:p>
-              <a:pPr algn="ctr">
-                <a:defRPr lang="ko-KR" altLang="en-US"/>
-              </a:pPr>
-              <a:r>
-                <a:rPr lang="en-US" altLang="ko-KR" sz="1400" dirty="0" smtClean="0">
-                  <a:latin typeface="+mn-lt"/>
-                  <a:ea typeface="+mn-ea"/>
-                  <a:cs typeface="+mn-cs"/>
-                </a:rPr>
-                <a:t>&lt;</a:t>
-              </a:r>
-              <a:r>
-                <a:rPr lang="ko-KR" altLang="en-US" sz="1400" dirty="0" smtClean="0">
-                  <a:latin typeface="+mn-lt"/>
-                  <a:ea typeface="+mn-ea"/>
-                  <a:cs typeface="+mn-cs"/>
-                </a:rPr>
-                <a:t>사용자 </a:t>
-              </a:r>
-              <a:r>
-                <a:rPr lang="ko-KR" altLang="en-US" sz="1400" dirty="0" err="1" smtClean="0">
-                  <a:latin typeface="+mn-lt"/>
-                  <a:ea typeface="+mn-ea"/>
-                  <a:cs typeface="+mn-cs"/>
-                </a:rPr>
-                <a:t>스마트폰</a:t>
-              </a:r>
-              <a:r>
-                <a:rPr lang="en-US" altLang="ko-KR" sz="1400" dirty="0" smtClean="0">
-                  <a:latin typeface="+mn-lt"/>
-                  <a:ea typeface="+mn-ea"/>
-                  <a:cs typeface="+mn-cs"/>
-                </a:rPr>
-                <a:t>&gt;</a:t>
-              </a:r>
-              <a:endParaRPr lang="ko-KR" altLang="en-US" sz="1400" dirty="0">
-                <a:latin typeface="+mn-lt"/>
-                <a:ea typeface="+mn-ea"/>
-                <a:cs typeface="+mn-cs"/>
-              </a:endParaRPr>
-            </a:p>
-          </p:txBody>
-        </p:sp>
-        <p:sp>
-          <p:nvSpPr>
-            <p:cNvPr id="14" name="TextBox 13"/>
-            <p:cNvSpPr txBox="1"/>
-            <p:nvPr/>
-          </p:nvSpPr>
-          <p:spPr>
-            <a:xfrm>
-              <a:off x="2208295" y="2037874"/>
-              <a:ext cx="770400" cy="221426"/>
-            </a:xfrm>
-            <a:prstGeom prst="rect">
-              <a:avLst/>
-            </a:prstGeom>
-            <a:noFill/>
-          </p:spPr>
-          <p:txBody>
-            <a:bodyPr wrap="square">
-              <a:spAutoFit/>
-            </a:bodyPr>
-            <a:lstStyle/>
-            <a:p>
-              <a:pPr algn="ctr">
-                <a:defRPr lang="ko-KR" altLang="en-US"/>
-              </a:pPr>
-              <a:r>
-                <a:rPr lang="en-US" altLang="ko-KR" sz="1100" dirty="0">
-                  <a:latin typeface="+mn-lt"/>
-                  <a:ea typeface="+mn-ea"/>
-                  <a:cs typeface="+mn-cs"/>
-                </a:rPr>
-                <a:t>&lt;</a:t>
-              </a:r>
-              <a:r>
-                <a:rPr lang="ko-KR" altLang="en-US" sz="1100" dirty="0">
-                  <a:latin typeface="+mn-lt"/>
-                  <a:ea typeface="+mn-ea"/>
-                  <a:cs typeface="+mn-cs"/>
-                </a:rPr>
-                <a:t>카메라</a:t>
-              </a:r>
-              <a:r>
-                <a:rPr lang="en-US" altLang="ko-KR" sz="1100" dirty="0">
-                  <a:latin typeface="+mn-lt"/>
-                  <a:ea typeface="+mn-ea"/>
-                  <a:cs typeface="+mn-cs"/>
-                </a:rPr>
-                <a:t>&gt;</a:t>
-              </a:r>
-              <a:endParaRPr lang="ko-KR" altLang="en-US" sz="1100" dirty="0">
-                <a:latin typeface="+mn-lt"/>
-                <a:ea typeface="+mn-ea"/>
-                <a:cs typeface="+mn-cs"/>
-              </a:endParaRPr>
-            </a:p>
-          </p:txBody>
-        </p:sp>
-        <p:pic>
-          <p:nvPicPr>
-            <p:cNvPr id="12" name="Picture 8" descr="https://o.remove.bg/downloads/ecd56fb6-2ee7-4325-85f4-6a339df57792/%EA%B7%B8%EB%A6%BC1-removebg-preview.png"/>
-            <p:cNvPicPr>
-              <a:picLocks noChangeAspect="1" noChangeArrowheads="1"/>
-            </p:cNvPicPr>
-            <p:nvPr/>
-          </p:nvPicPr>
-          <p:blipFill rotWithShape="1">
-            <a:blip r:embed="rId4"/>
-            <a:srcRect/>
-            <a:stretch>
-              <a:fillRect/>
-            </a:stretch>
-          </p:blipFill>
-          <p:spPr>
-            <a:xfrm>
-              <a:off x="2226243" y="2235447"/>
-              <a:ext cx="686690" cy="550442"/>
-            </a:xfrm>
-            <a:prstGeom prst="rect">
-              <a:avLst/>
-            </a:prstGeom>
-            <a:noFill/>
-          </p:spPr>
-        </p:pic>
-      </p:grpSp>
-      <p:sp>
-        <p:nvSpPr>
-          <p:cNvPr id="22" name="Title 1"/>
-          <p:cNvSpPr txBox="1"/>
-          <p:nvPr/>
-        </p:nvSpPr>
-        <p:spPr>
-          <a:xfrm>
-            <a:off x="381000" y="341313"/>
-            <a:ext cx="8368363" cy="495383"/>
-          </a:xfrm>
-          <a:prstGeom prst="rect">
-            <a:avLst/>
-          </a:prstGeom>
-        </p:spPr>
-        <p:txBody>
-          <a:bodyPr/>
-          <a:lstStyle>
-            <a:lvl1pPr algn="ctr" defTabSz="914400" rtl="0" eaLnBrk="1" latinLnBrk="0" hangingPunct="1">
-              <a:spcBef>
-                <a:spcPct val="0"/>
-              </a:spcBef>
-              <a:buNone/>
-              <a:defRPr sz="4400" kern="1200">
-                <a:solidFill>
-                  <a:schemeClr val="tx1"/>
-                </a:solidFill>
-                <a:latin typeface="+mj-lt"/>
-                <a:ea typeface="+mj-ea"/>
-                <a:cs typeface="+mj-cs"/>
-              </a:defRPr>
-            </a:lvl1pPr>
-          </a:lstStyle>
-          <a:p>
-            <a:pPr lvl="0">
-              <a:defRPr lang="ko-KR" altLang="en-US"/>
-            </a:pPr>
-            <a:r>
-              <a:rPr lang="ko-KR" altLang="en-US" sz="3200">
-                <a:solidFill>
-                  <a:srgbClr val="FFFFFF">
-                    <a:lumMod val="50000"/>
-                  </a:srgbClr>
-                </a:solidFill>
-                <a:latin typeface="+mn-lt"/>
-                <a:ea typeface="+mn-ea"/>
-                <a:cs typeface="+mn-cs"/>
-              </a:rPr>
-              <a:t>구성도</a:t>
-            </a:r>
-            <a:endParaRPr lang="en-US">
-              <a:latin typeface="+mn-lt"/>
-              <a:ea typeface="+mn-ea"/>
-              <a:cs typeface="+mn-cs"/>
-            </a:endParaRPr>
-          </a:p>
-        </p:txBody>
-      </p:sp>
-      <p:pic>
-        <p:nvPicPr>
-          <p:cNvPr id="2050" name="Picture 2"/>
-          <p:cNvPicPr>
-            <a:picLocks noChangeAspect="1" noChangeArrowheads="1"/>
-          </p:cNvPicPr>
-          <p:nvPr/>
-        </p:nvPicPr>
-        <p:blipFill rotWithShape="1">
-          <a:blip r:embed="rId5"/>
-          <a:srcRect/>
-          <a:stretch>
-            <a:fillRect/>
-          </a:stretch>
-        </p:blipFill>
-        <p:spPr>
-          <a:xfrm>
-            <a:off x="2924656" y="2574532"/>
-            <a:ext cx="828092" cy="774166"/>
-          </a:xfrm>
-          <a:prstGeom prst="rect">
-            <a:avLst/>
-          </a:prstGeom>
-          <a:noFill/>
-          <a:ln>
-            <a:noFill/>
-          </a:ln>
-        </p:spPr>
-      </p:pic>
-      <p:cxnSp>
-        <p:nvCxnSpPr>
-          <p:cNvPr id="34" name="직선 화살표 연결선 33"/>
-          <p:cNvCxnSpPr>
-            <a:stCxn id="32" idx="1"/>
-          </p:cNvCxnSpPr>
-          <p:nvPr/>
-        </p:nvCxnSpPr>
-        <p:spPr>
-          <a:xfrm flipH="1" flipV="1">
-            <a:off x="2769828" y="3255826"/>
-            <a:ext cx="1154100" cy="1991"/>
-          </a:xfrm>
-          <a:prstGeom prst="straightConnector1">
-            <a:avLst/>
-          </a:prstGeom>
-          <a:ln>
-            <a:tailEnd type="triangle"/>
-          </a:ln>
-        </p:spPr>
-        <p:style>
-          <a:lnRef idx="2">
-            <a:schemeClr val="accent1"/>
-          </a:lnRef>
-          <a:fillRef idx="0">
-            <a:schemeClr val="accent1"/>
-          </a:fillRef>
-          <a:effectRef idx="1">
-            <a:schemeClr val="accent1"/>
-          </a:effectRef>
-          <a:fontRef idx="minor">
-            <a:schemeClr val="tx1"/>
-          </a:fontRef>
-        </p:style>
-      </p:cxnSp>
-    </p:spTree>
-  </p:cSld>
-  <p:clrMapOvr>
-    <a:masterClrMapping/>
-  </p:clrMapOvr>
-  <p:transition spd="slow">
-    <p:randomBar dir="vert"/>
   </p:transition>
   <p:timing>
     <p:tnLst>
@@ -14176,56 +14438,692 @@
       </p:grpSpPr>
       <p:sp>
         <p:nvSpPr>
-          <p:cNvPr id="12" name="제목 11"/>
-          <p:cNvSpPr>
-            <a:spLocks noGrp="1"/>
-          </p:cNvSpPr>
-          <p:nvPr>
-            <p:ph type="title"/>
-          </p:nvPr>
+          <p:cNvPr id="32" name="직사각형 31"/>
+          <p:cNvSpPr/>
+          <p:nvPr/>
         </p:nvSpPr>
-        <p:spPr/>
+        <p:spPr>
+          <a:xfrm>
+            <a:off x="3923928" y="1924317"/>
+            <a:ext cx="4428492" cy="2667000"/>
+          </a:xfrm>
+          <a:prstGeom prst="rect">
+            <a:avLst/>
+          </a:prstGeom>
+          <a:noFill/>
+          <a:ln>
+            <a:solidFill>
+              <a:schemeClr val="tx1">
+                <a:lumMod val="25000"/>
+                <a:lumOff val="75000"/>
+              </a:schemeClr>
+            </a:solidFill>
+          </a:ln>
+        </p:spPr>
+        <p:style>
+          <a:lnRef idx="2">
+            <a:schemeClr val="accent1">
+              <a:shade val="50000"/>
+            </a:schemeClr>
+          </a:lnRef>
+          <a:fillRef idx="1">
+            <a:schemeClr val="accent1"/>
+          </a:fillRef>
+          <a:effectRef idx="0">
+            <a:schemeClr val="accent1"/>
+          </a:effectRef>
+          <a:fontRef idx="minor">
+            <a:schemeClr val="lt1"/>
+          </a:fontRef>
+        </p:style>
+        <p:txBody>
+          <a:bodyPr anchor="ctr"/>
+          <a:lstStyle/>
+          <a:p>
+            <a:pPr algn="ctr">
+              <a:defRPr lang="ko-KR" altLang="en-US"/>
+            </a:pPr>
+            <a:endParaRPr lang="ko-KR" altLang="en-US">
+              <a:latin typeface="+mn-lt"/>
+              <a:ea typeface="+mn-ea"/>
+              <a:cs typeface="+mn-cs"/>
+            </a:endParaRPr>
+          </a:p>
+        </p:txBody>
+      </p:sp>
+      <p:grpSp>
+        <p:nvGrpSpPr>
+          <p:cNvPr id="5" name="그룹 4"/>
+          <p:cNvGrpSpPr/>
+          <p:nvPr/>
+        </p:nvGrpSpPr>
+        <p:grpSpPr>
+          <a:xfrm>
+            <a:off x="647564" y="1275606"/>
+            <a:ext cx="7877421" cy="3241908"/>
+            <a:chOff x="1827386" y="1614766"/>
+            <a:chExt cx="7102967" cy="2743941"/>
+          </a:xfrm>
+        </p:grpSpPr>
+        <p:sp>
+          <p:nvSpPr>
+            <p:cNvPr id="6" name="직사각형 5"/>
+            <p:cNvSpPr/>
+            <p:nvPr/>
+          </p:nvSpPr>
+          <p:spPr>
+            <a:xfrm>
+              <a:off x="1827386" y="1943062"/>
+              <a:ext cx="1913618" cy="2376264"/>
+            </a:xfrm>
+            <a:prstGeom prst="rect">
+              <a:avLst/>
+            </a:prstGeom>
+            <a:solidFill>
+              <a:schemeClr val="bg2"/>
+            </a:solidFill>
+            <a:ln>
+              <a:solidFill>
+                <a:schemeClr val="tx1">
+                  <a:lumMod val="25000"/>
+                  <a:lumOff val="75000"/>
+                </a:schemeClr>
+              </a:solidFill>
+            </a:ln>
+          </p:spPr>
+          <p:style>
+            <a:lnRef idx="2">
+              <a:schemeClr val="accent1">
+                <a:shade val="50000"/>
+              </a:schemeClr>
+            </a:lnRef>
+            <a:fillRef idx="1">
+              <a:schemeClr val="accent1"/>
+            </a:fillRef>
+            <a:effectRef idx="0">
+              <a:schemeClr val="accent1"/>
+            </a:effectRef>
+            <a:fontRef idx="minor">
+              <a:schemeClr val="lt1"/>
+            </a:fontRef>
+          </p:style>
+          <p:txBody>
+            <a:bodyPr anchor="ctr"/>
+            <a:lstStyle/>
+            <a:p>
+              <a:pPr algn="ctr">
+                <a:defRPr lang="ko-KR" altLang="en-US"/>
+              </a:pPr>
+              <a:endParaRPr lang="ko-KR" altLang="en-US">
+                <a:latin typeface="+mn-lt"/>
+                <a:ea typeface="+mn-ea"/>
+                <a:cs typeface="+mn-cs"/>
+              </a:endParaRPr>
+            </a:p>
+          </p:txBody>
+        </p:sp>
+        <p:pic>
+          <p:nvPicPr>
+            <p:cNvPr id="7" name="Picture 3"/>
+            <p:cNvPicPr>
+              <a:picLocks noChangeAspect="1" noChangeArrowheads="1"/>
+            </p:cNvPicPr>
+            <p:nvPr/>
+          </p:nvPicPr>
+          <p:blipFill rotWithShape="1">
+            <a:blip r:embed="rId2"/>
+            <a:srcRect l="65800"/>
+            <a:stretch>
+              <a:fillRect/>
+            </a:stretch>
+          </p:blipFill>
+          <p:spPr>
+            <a:xfrm>
+              <a:off x="6374704" y="2701357"/>
+              <a:ext cx="944797" cy="1657350"/>
+            </a:xfrm>
+            <a:prstGeom prst="rect">
+              <a:avLst/>
+            </a:prstGeom>
+            <a:noFill/>
+            <a:ln>
+              <a:noFill/>
+            </a:ln>
+          </p:spPr>
+        </p:pic>
+        <p:grpSp>
+          <p:nvGrpSpPr>
+            <p:cNvPr id="8" name="그룹 7"/>
+            <p:cNvGrpSpPr/>
+            <p:nvPr/>
+          </p:nvGrpSpPr>
+          <p:grpSpPr>
+            <a:xfrm>
+              <a:off x="4781640" y="2163292"/>
+              <a:ext cx="1630133" cy="2014942"/>
+              <a:chOff x="6436722" y="1699182"/>
+              <a:chExt cx="1630133" cy="2014942"/>
+            </a:xfrm>
+          </p:grpSpPr>
+          <p:pic>
+            <p:nvPicPr>
+              <p:cNvPr id="18" name="Picture 5"/>
+              <p:cNvPicPr>
+                <a:picLocks noChangeAspect="1" noChangeArrowheads="1"/>
+              </p:cNvPicPr>
+              <p:nvPr/>
+            </p:nvPicPr>
+            <p:blipFill rotWithShape="1">
+              <a:blip r:embed="rId3"/>
+              <a:srcRect/>
+              <a:stretch>
+                <a:fillRect/>
+              </a:stretch>
+            </p:blipFill>
+            <p:spPr>
+              <a:xfrm>
+                <a:off x="6436722" y="1699182"/>
+                <a:ext cx="1630133" cy="1630131"/>
+              </a:xfrm>
+              <a:prstGeom prst="rect">
+                <a:avLst/>
+              </a:prstGeom>
+              <a:noFill/>
+              <a:ln>
+                <a:noFill/>
+              </a:ln>
+            </p:spPr>
+          </p:pic>
+          <p:sp>
+            <p:nvSpPr>
+              <p:cNvPr id="19" name="TextBox 18"/>
+              <p:cNvSpPr txBox="1"/>
+              <p:nvPr/>
+            </p:nvSpPr>
+            <p:spPr>
+              <a:xfrm>
+                <a:off x="6663972" y="3466655"/>
+                <a:ext cx="1196190" cy="247469"/>
+              </a:xfrm>
+              <a:prstGeom prst="rect">
+                <a:avLst/>
+              </a:prstGeom>
+              <a:noFill/>
+            </p:spPr>
+            <p:txBody>
+              <a:bodyPr wrap="none">
+                <a:spAutoFit/>
+              </a:bodyPr>
+              <a:lstStyle/>
+              <a:p>
+                <a:pPr lvl="0">
+                  <a:defRPr lang="ko-KR" altLang="en-US"/>
+                </a:pPr>
+                <a:r>
+                  <a:rPr lang="en-US" altLang="ko-KR" sz="1400" dirty="0">
+                    <a:latin typeface="+mn-lt"/>
+                    <a:ea typeface="+mn-ea"/>
+                    <a:cs typeface="+mn-cs"/>
+                  </a:rPr>
+                  <a:t>&lt;</a:t>
+                </a:r>
+                <a:r>
+                  <a:rPr lang="ko-KR" altLang="en-US" sz="1400" dirty="0">
+                    <a:latin typeface="+mn-lt"/>
+                    <a:ea typeface="+mn-ea"/>
+                    <a:cs typeface="+mn-cs"/>
+                  </a:rPr>
+                  <a:t>메인 페이지</a:t>
+                </a:r>
+                <a:r>
+                  <a:rPr lang="en-US" altLang="ko-KR" sz="1400" dirty="0">
+                    <a:latin typeface="+mn-lt"/>
+                    <a:ea typeface="+mn-ea"/>
+                    <a:cs typeface="+mn-cs"/>
+                  </a:rPr>
+                  <a:t>&gt;</a:t>
+                </a:r>
+                <a:endParaRPr lang="ko-KR" altLang="en-US" sz="1400" dirty="0">
+                  <a:latin typeface="+mn-lt"/>
+                  <a:ea typeface="+mn-ea"/>
+                  <a:cs typeface="+mn-cs"/>
+                </a:endParaRPr>
+              </a:p>
+            </p:txBody>
+          </p:sp>
+        </p:grpSp>
+        <p:sp>
+          <p:nvSpPr>
+            <p:cNvPr id="9" name="TextBox 8"/>
+            <p:cNvSpPr txBox="1"/>
+            <p:nvPr/>
+          </p:nvSpPr>
+          <p:spPr>
+            <a:xfrm>
+              <a:off x="7208305" y="2868714"/>
+              <a:ext cx="1722048" cy="1342276"/>
+            </a:xfrm>
+            <a:prstGeom prst="rect">
+              <a:avLst/>
+            </a:prstGeom>
+            <a:noFill/>
+          </p:spPr>
+          <p:txBody>
+            <a:bodyPr wrap="square">
+              <a:spAutoFit/>
+            </a:bodyPr>
+            <a:lstStyle/>
+            <a:p>
+              <a:pPr marL="285750" indent="-285750">
+                <a:buFont typeface="Arial"/>
+                <a:buChar char="•"/>
+                <a:defRPr lang="ko-KR" altLang="en-US"/>
+              </a:pPr>
+              <a:r>
+                <a:rPr lang="ko-KR" altLang="en-US" sz="1400" dirty="0">
+                  <a:latin typeface="+mn-lt"/>
+                  <a:ea typeface="+mn-ea"/>
+                  <a:cs typeface="+mn-cs"/>
+                </a:rPr>
+                <a:t>가구 </a:t>
+              </a:r>
+              <a:r>
+                <a:rPr lang="en-US" altLang="ko-KR" sz="1400" dirty="0">
+                  <a:latin typeface="+mn-lt"/>
+                  <a:ea typeface="+mn-ea"/>
+                  <a:cs typeface="+mn-cs"/>
+                </a:rPr>
+                <a:t>3D</a:t>
+              </a:r>
+              <a:r>
+                <a:rPr lang="ko-KR" altLang="en-US" sz="1400" dirty="0">
+                  <a:latin typeface="+mn-lt"/>
+                  <a:ea typeface="+mn-ea"/>
+                  <a:cs typeface="+mn-cs"/>
+                </a:rPr>
+                <a:t> 데이터</a:t>
+              </a:r>
+            </a:p>
+            <a:p>
+              <a:pPr marL="285750" indent="-285750">
+                <a:buFont typeface="Arial"/>
+                <a:buChar char="•"/>
+                <a:defRPr lang="ko-KR" altLang="en-US"/>
+              </a:pPr>
+              <a:endParaRPr lang="en-US" altLang="ko-KR" sz="1400" dirty="0">
+                <a:latin typeface="+mn-lt"/>
+                <a:ea typeface="+mn-ea"/>
+                <a:cs typeface="+mn-cs"/>
+              </a:endParaRPr>
+            </a:p>
+            <a:p>
+              <a:pPr marL="285750" indent="-285750">
+                <a:buFont typeface="Arial"/>
+                <a:buChar char="•"/>
+                <a:defRPr lang="ko-KR" altLang="en-US"/>
+              </a:pPr>
+              <a:r>
+                <a:rPr lang="ko-KR" altLang="en-US" sz="1400" dirty="0">
+                  <a:latin typeface="+mn-lt"/>
+                  <a:ea typeface="+mn-ea"/>
+                  <a:cs typeface="+mn-cs"/>
+                </a:rPr>
+                <a:t>웹 </a:t>
+              </a:r>
+              <a:r>
+                <a:rPr lang="ko-KR" altLang="en-US" sz="1400" dirty="0" err="1">
+                  <a:latin typeface="+mn-lt"/>
+                  <a:ea typeface="+mn-ea"/>
+                  <a:cs typeface="+mn-cs"/>
+                </a:rPr>
+                <a:t>호스팅</a:t>
+              </a:r>
+              <a:endParaRPr lang="ko-KR" altLang="en-US" sz="1400" dirty="0">
+                <a:latin typeface="+mn-lt"/>
+                <a:ea typeface="+mn-ea"/>
+                <a:cs typeface="+mn-cs"/>
+              </a:endParaRPr>
+            </a:p>
+            <a:p>
+              <a:pPr marL="285750" indent="-285750">
+                <a:buFont typeface="Arial"/>
+                <a:buChar char="•"/>
+                <a:defRPr lang="ko-KR" altLang="en-US"/>
+              </a:pPr>
+              <a:endParaRPr lang="en-US" altLang="ko-KR" sz="1400" dirty="0">
+                <a:latin typeface="+mn-lt"/>
+                <a:ea typeface="+mn-ea"/>
+                <a:cs typeface="+mn-cs"/>
+              </a:endParaRPr>
+            </a:p>
+            <a:p>
+              <a:pPr marL="285750" indent="-285750">
+                <a:buFont typeface="Arial"/>
+                <a:buChar char="•"/>
+                <a:defRPr lang="ko-KR" altLang="en-US"/>
+              </a:pPr>
+              <a:r>
+                <a:rPr lang="ko-KR" altLang="en-US" sz="1400" dirty="0">
+                  <a:latin typeface="+mn-lt"/>
+                  <a:ea typeface="+mn-ea"/>
+                  <a:cs typeface="+mn-cs"/>
+                </a:rPr>
+                <a:t>로그인 정보</a:t>
+              </a:r>
+            </a:p>
+            <a:p>
+              <a:pPr marL="285750" indent="-285750">
+                <a:buFont typeface="Arial"/>
+                <a:buChar char="•"/>
+                <a:defRPr lang="ko-KR" altLang="en-US"/>
+              </a:pPr>
+              <a:endParaRPr lang="en-US" altLang="ko-KR" sz="1400" dirty="0">
+                <a:latin typeface="+mn-lt"/>
+                <a:ea typeface="+mn-ea"/>
+                <a:cs typeface="+mn-cs"/>
+              </a:endParaRPr>
+            </a:p>
+            <a:p>
+              <a:pPr marL="285750" indent="-285750">
+                <a:buFont typeface="Arial"/>
+                <a:buChar char="•"/>
+                <a:defRPr lang="ko-KR" altLang="en-US"/>
+              </a:pPr>
+              <a:r>
+                <a:rPr lang="ko-KR" altLang="en-US" sz="1400" dirty="0">
+                  <a:latin typeface="+mn-lt"/>
+                  <a:ea typeface="+mn-ea"/>
+                  <a:cs typeface="+mn-cs"/>
+                </a:rPr>
+                <a:t>사용자 데이터</a:t>
+              </a:r>
+              <a:endParaRPr lang="en-US" altLang="ko-KR" sz="1400" dirty="0">
+                <a:latin typeface="+mn-lt"/>
+                <a:ea typeface="+mn-ea"/>
+                <a:cs typeface="+mn-cs"/>
+              </a:endParaRPr>
+            </a:p>
+          </p:txBody>
+        </p:sp>
+        <p:sp>
+          <p:nvSpPr>
+            <p:cNvPr id="11" name="TextBox 10"/>
+            <p:cNvSpPr txBox="1"/>
+            <p:nvPr/>
+          </p:nvSpPr>
+          <p:spPr>
+            <a:xfrm>
+              <a:off x="2084820" y="1614766"/>
+              <a:ext cx="1656184" cy="260502"/>
+            </a:xfrm>
+            <a:prstGeom prst="rect">
+              <a:avLst/>
+            </a:prstGeom>
+            <a:noFill/>
+          </p:spPr>
+          <p:txBody>
+            <a:bodyPr wrap="square">
+              <a:spAutoFit/>
+            </a:bodyPr>
+            <a:lstStyle/>
+            <a:p>
+              <a:pPr algn="ctr">
+                <a:defRPr lang="ko-KR" altLang="en-US"/>
+              </a:pPr>
+              <a:r>
+                <a:rPr lang="en-US" altLang="ko-KR" sz="1400" dirty="0" smtClean="0">
+                  <a:latin typeface="+mn-lt"/>
+                  <a:ea typeface="+mn-ea"/>
+                  <a:cs typeface="+mn-cs"/>
+                </a:rPr>
+                <a:t>&lt;</a:t>
+              </a:r>
+              <a:r>
+                <a:rPr lang="ko-KR" altLang="en-US" sz="1400" dirty="0" smtClean="0">
+                  <a:latin typeface="+mn-lt"/>
+                  <a:ea typeface="+mn-ea"/>
+                  <a:cs typeface="+mn-cs"/>
+                </a:rPr>
+                <a:t>사용자 </a:t>
+              </a:r>
+              <a:r>
+                <a:rPr lang="ko-KR" altLang="en-US" sz="1400" dirty="0" err="1" smtClean="0">
+                  <a:latin typeface="+mn-lt"/>
+                  <a:ea typeface="+mn-ea"/>
+                  <a:cs typeface="+mn-cs"/>
+                </a:rPr>
+                <a:t>스마트폰</a:t>
+              </a:r>
+              <a:r>
+                <a:rPr lang="en-US" altLang="ko-KR" sz="1400" dirty="0" smtClean="0">
+                  <a:latin typeface="+mn-lt"/>
+                  <a:ea typeface="+mn-ea"/>
+                  <a:cs typeface="+mn-cs"/>
+                </a:rPr>
+                <a:t>&gt;</a:t>
+              </a:r>
+              <a:endParaRPr lang="ko-KR" altLang="en-US" sz="1400" dirty="0">
+                <a:latin typeface="+mn-lt"/>
+                <a:ea typeface="+mn-ea"/>
+                <a:cs typeface="+mn-cs"/>
+              </a:endParaRPr>
+            </a:p>
+          </p:txBody>
+        </p:sp>
+        <p:sp>
+          <p:nvSpPr>
+            <p:cNvPr id="14" name="TextBox 13"/>
+            <p:cNvSpPr txBox="1"/>
+            <p:nvPr/>
+          </p:nvSpPr>
+          <p:spPr>
+            <a:xfrm>
+              <a:off x="2208295" y="2037874"/>
+              <a:ext cx="770400" cy="221426"/>
+            </a:xfrm>
+            <a:prstGeom prst="rect">
+              <a:avLst/>
+            </a:prstGeom>
+            <a:noFill/>
+          </p:spPr>
+          <p:txBody>
+            <a:bodyPr wrap="square">
+              <a:spAutoFit/>
+            </a:bodyPr>
+            <a:lstStyle/>
+            <a:p>
+              <a:pPr algn="ctr">
+                <a:defRPr lang="ko-KR" altLang="en-US"/>
+              </a:pPr>
+              <a:r>
+                <a:rPr lang="en-US" altLang="ko-KR" sz="1100" dirty="0">
+                  <a:latin typeface="+mn-lt"/>
+                  <a:ea typeface="+mn-ea"/>
+                  <a:cs typeface="+mn-cs"/>
+                </a:rPr>
+                <a:t>&lt;</a:t>
+              </a:r>
+              <a:r>
+                <a:rPr lang="ko-KR" altLang="en-US" sz="1100" dirty="0">
+                  <a:latin typeface="+mn-lt"/>
+                  <a:ea typeface="+mn-ea"/>
+                  <a:cs typeface="+mn-cs"/>
+                </a:rPr>
+                <a:t>카메라</a:t>
+              </a:r>
+              <a:r>
+                <a:rPr lang="en-US" altLang="ko-KR" sz="1100" dirty="0">
+                  <a:latin typeface="+mn-lt"/>
+                  <a:ea typeface="+mn-ea"/>
+                  <a:cs typeface="+mn-cs"/>
+                </a:rPr>
+                <a:t>&gt;</a:t>
+              </a:r>
+              <a:endParaRPr lang="ko-KR" altLang="en-US" sz="1100" dirty="0">
+                <a:latin typeface="+mn-lt"/>
+                <a:ea typeface="+mn-ea"/>
+                <a:cs typeface="+mn-cs"/>
+              </a:endParaRPr>
+            </a:p>
+          </p:txBody>
+        </p:sp>
+        <p:pic>
+          <p:nvPicPr>
+            <p:cNvPr id="12" name="Picture 8" descr="https://o.remove.bg/downloads/ecd56fb6-2ee7-4325-85f4-6a339df57792/%EA%B7%B8%EB%A6%BC1-removebg-preview.png"/>
+            <p:cNvPicPr>
+              <a:picLocks noChangeAspect="1" noChangeArrowheads="1"/>
+            </p:cNvPicPr>
+            <p:nvPr/>
+          </p:nvPicPr>
+          <p:blipFill rotWithShape="1">
+            <a:blip r:embed="rId4"/>
+            <a:srcRect/>
+            <a:stretch>
+              <a:fillRect/>
+            </a:stretch>
+          </p:blipFill>
+          <p:spPr>
+            <a:xfrm>
+              <a:off x="2226243" y="2235447"/>
+              <a:ext cx="686690" cy="550442"/>
+            </a:xfrm>
+            <a:prstGeom prst="rect">
+              <a:avLst/>
+            </a:prstGeom>
+            <a:noFill/>
+          </p:spPr>
+        </p:pic>
+      </p:grpSp>
+      <p:sp>
+        <p:nvSpPr>
+          <p:cNvPr id="22" name="Title 1"/>
+          <p:cNvSpPr txBox="1"/>
+          <p:nvPr/>
+        </p:nvSpPr>
+        <p:spPr>
+          <a:xfrm>
+            <a:off x="381000" y="341313"/>
+            <a:ext cx="8368363" cy="495383"/>
+          </a:xfrm>
+          <a:prstGeom prst="rect">
+            <a:avLst/>
+          </a:prstGeom>
+        </p:spPr>
         <p:txBody>
           <a:bodyPr/>
-          <a:lstStyle/>
+          <a:lstStyle>
+            <a:lvl1pPr algn="ctr" defTabSz="914400" rtl="0" eaLnBrk="1" latinLnBrk="0" hangingPunct="1">
+              <a:spcBef>
+                <a:spcPct val="0"/>
+              </a:spcBef>
+              <a:buNone/>
+              <a:defRPr sz="4400" kern="1200">
+                <a:solidFill>
+                  <a:schemeClr val="tx1"/>
+                </a:solidFill>
+                <a:latin typeface="+mj-lt"/>
+                <a:ea typeface="+mj-ea"/>
+                <a:cs typeface="+mj-cs"/>
+              </a:defRPr>
+            </a:lvl1pPr>
+          </a:lstStyle>
           <a:p>
             <a:pPr lvl="0">
               <a:defRPr lang="ko-KR" altLang="en-US"/>
             </a:pPr>
             <a:r>
-              <a:rPr lang="ko-KR" altLang="en-US"/>
-              <a:t>역할분담</a:t>
+              <a:rPr lang="ko-KR" altLang="en-US" sz="3200">
+                <a:solidFill>
+                  <a:srgbClr val="FFFFFF">
+                    <a:lumMod val="50000"/>
+                  </a:srgbClr>
+                </a:solidFill>
+                <a:latin typeface="+mn-lt"/>
+                <a:ea typeface="+mn-ea"/>
+                <a:cs typeface="+mn-cs"/>
+              </a:rPr>
+              <a:t>구성도</a:t>
             </a:r>
+            <a:endParaRPr lang="en-US">
+              <a:latin typeface="+mn-lt"/>
+              <a:ea typeface="+mn-ea"/>
+              <a:cs typeface="+mn-cs"/>
+            </a:endParaRPr>
           </a:p>
         </p:txBody>
       </p:sp>
-      <p:graphicFrame>
-        <p:nvGraphicFramePr>
-          <p:cNvPr id="13" name="다이어그램 12"/>
-          <p:cNvGraphicFramePr/>
-          <p:nvPr>
-            <p:extLst>
-              <p:ext uri="{D42A27DB-BD31-4B8C-83A1-F6EECF244321}">
-                <p14:modId xmlns:p14="http://schemas.microsoft.com/office/powerpoint/2010/main" val="123582811"/>
-              </p:ext>
-            </p:extLst>
-          </p:nvPr>
-        </p:nvGraphicFramePr>
-        <p:xfrm>
-          <a:off x="1511660" y="987574"/>
-          <a:ext cx="6096000" cy="4064000"/>
-        </p:xfrm>
-        <a:graphic>
-          <a:graphicData uri="http://schemas.openxmlformats.org/drawingml/2006/diagram">
-            <dgm:relIds xmlns:dgm="http://schemas.openxmlformats.org/drawingml/2006/diagram" xmlns:r="http://schemas.openxmlformats.org/officeDocument/2006/relationships" r:dm="rId2" r:lo="rId3" r:qs="rId4" r:cs="rId5"/>
-          </a:graphicData>
-        </a:graphic>
-      </p:graphicFrame>
+      <p:pic>
+        <p:nvPicPr>
+          <p:cNvPr id="2050" name="Picture 2"/>
+          <p:cNvPicPr>
+            <a:picLocks noChangeAspect="1" noChangeArrowheads="1"/>
+          </p:cNvPicPr>
+          <p:nvPr/>
+        </p:nvPicPr>
+        <p:blipFill rotWithShape="1">
+          <a:blip r:embed="rId5"/>
+          <a:srcRect/>
+          <a:stretch>
+            <a:fillRect/>
+          </a:stretch>
+        </p:blipFill>
+        <p:spPr>
+          <a:xfrm>
+            <a:off x="2924656" y="2574532"/>
+            <a:ext cx="828092" cy="774166"/>
+          </a:xfrm>
+          <a:prstGeom prst="rect">
+            <a:avLst/>
+          </a:prstGeom>
+          <a:noFill/>
+          <a:ln>
+            <a:noFill/>
+          </a:ln>
+        </p:spPr>
+      </p:pic>
+      <p:cxnSp>
+        <p:nvCxnSpPr>
+          <p:cNvPr id="34" name="직선 화살표 연결선 33"/>
+          <p:cNvCxnSpPr>
+            <a:stCxn id="32" idx="1"/>
+          </p:cNvCxnSpPr>
+          <p:nvPr/>
+        </p:nvCxnSpPr>
+        <p:spPr>
+          <a:xfrm flipH="1" flipV="1">
+            <a:off x="2769828" y="3255826"/>
+            <a:ext cx="1154100" cy="1991"/>
+          </a:xfrm>
+          <a:prstGeom prst="straightConnector1">
+            <a:avLst/>
+          </a:prstGeom>
+          <a:ln>
+            <a:tailEnd type="triangle"/>
+          </a:ln>
+        </p:spPr>
+        <p:style>
+          <a:lnRef idx="2">
+            <a:schemeClr val="accent1"/>
+          </a:lnRef>
+          <a:fillRef idx="0">
+            <a:schemeClr val="accent1"/>
+          </a:fillRef>
+          <a:effectRef idx="1">
+            <a:schemeClr val="accent1"/>
+          </a:effectRef>
+          <a:fontRef idx="minor">
+            <a:schemeClr val="tx1"/>
+          </a:fontRef>
+        </p:style>
+      </p:cxnSp>
     </p:spTree>
   </p:cSld>
   <p:clrMapOvr>
     <a:masterClrMapping/>
   </p:clrMapOvr>
+  <p:transition spd="slow">
+    <p:randomBar dir="vert"/>
+  </p:transition>
   <p:timing>
     <p:tnLst>
       <p:par>
@@ -14237,6 +15135,1797 @@
 </file>
 
 <file path=ppt/slides/slide16.xml><?xml version="1.0" encoding="utf-8"?>
+<p:sld xmlns:a="http://schemas.openxmlformats.org/drawingml/2006/main" xmlns:r="http://schemas.openxmlformats.org/officeDocument/2006/relationships" xmlns:p="http://schemas.openxmlformats.org/presentationml/2006/main">
+  <p:cSld>
+    <p:spTree>
+      <p:nvGrpSpPr>
+        <p:cNvPr id="1" name=""/>
+        <p:cNvGrpSpPr/>
+        <p:nvPr/>
+      </p:nvGrpSpPr>
+      <p:grpSpPr>
+        <a:xfrm>
+          <a:off x="0" y="0"/>
+          <a:ext cx="0" cy="0"/>
+          <a:chOff x="0" y="0"/>
+          <a:chExt cx="0" cy="0"/>
+        </a:xfrm>
+      </p:grpSpPr>
+      <p:sp>
+        <p:nvSpPr>
+          <p:cNvPr id="22" name="Title 1"/>
+          <p:cNvSpPr txBox="1"/>
+          <p:nvPr/>
+        </p:nvSpPr>
+        <p:spPr>
+          <a:xfrm>
+            <a:off x="381000" y="341313"/>
+            <a:ext cx="8368363" cy="495383"/>
+          </a:xfrm>
+          <a:prstGeom prst="rect">
+            <a:avLst/>
+          </a:prstGeom>
+        </p:spPr>
+        <p:txBody>
+          <a:bodyPr/>
+          <a:lstStyle>
+            <a:lvl1pPr algn="ctr" defTabSz="914400" rtl="0" eaLnBrk="1" latinLnBrk="0" hangingPunct="1">
+              <a:spcBef>
+                <a:spcPct val="0"/>
+              </a:spcBef>
+              <a:buNone/>
+              <a:defRPr sz="4400" kern="1200">
+                <a:solidFill>
+                  <a:schemeClr val="tx1"/>
+                </a:solidFill>
+                <a:latin typeface="+mj-lt"/>
+                <a:ea typeface="+mj-ea"/>
+                <a:cs typeface="+mj-cs"/>
+              </a:defRPr>
+            </a:lvl1pPr>
+          </a:lstStyle>
+          <a:p>
+            <a:pPr lvl="0">
+              <a:defRPr lang="ko-KR" altLang="en-US"/>
+            </a:pPr>
+            <a:r>
+              <a:rPr lang="ko-KR" altLang="en-US" sz="3200" dirty="0" smtClean="0">
+                <a:solidFill>
+                  <a:srgbClr val="FFFFFF">
+                    <a:lumMod val="50000"/>
+                  </a:srgbClr>
+                </a:solidFill>
+                <a:latin typeface="+mn-lt"/>
+                <a:ea typeface="+mn-ea"/>
+                <a:cs typeface="+mn-cs"/>
+              </a:rPr>
+              <a:t>데이터 흐름도 </a:t>
+            </a:r>
+            <a:endParaRPr lang="en-US" dirty="0">
+              <a:latin typeface="+mn-lt"/>
+              <a:ea typeface="+mn-ea"/>
+              <a:cs typeface="+mn-cs"/>
+            </a:endParaRPr>
+          </a:p>
+        </p:txBody>
+      </p:sp>
+      <p:sp>
+        <p:nvSpPr>
+          <p:cNvPr id="2" name="직사각형 1"/>
+          <p:cNvSpPr/>
+          <p:nvPr/>
+        </p:nvSpPr>
+        <p:spPr>
+          <a:xfrm>
+            <a:off x="293620" y="381333"/>
+            <a:ext cx="1332148" cy="368470"/>
+          </a:xfrm>
+          <a:prstGeom prst="rect">
+            <a:avLst/>
+          </a:prstGeom>
+          <a:ln/>
+        </p:spPr>
+        <p:style>
+          <a:lnRef idx="2">
+            <a:schemeClr val="dk1"/>
+          </a:lnRef>
+          <a:fillRef idx="1">
+            <a:schemeClr val="lt1"/>
+          </a:fillRef>
+          <a:effectRef idx="0">
+            <a:schemeClr val="dk1"/>
+          </a:effectRef>
+          <a:fontRef idx="minor">
+            <a:schemeClr val="dk1"/>
+          </a:fontRef>
+        </p:style>
+        <p:txBody>
+          <a:bodyPr vert="horz" wrap="square" lIns="91440" tIns="45720" rIns="91440" bIns="45720" numCol="1" rtlCol="0" anchor="t" anchorCtr="0" compatLnSpc="1">
+            <a:prstTxWarp prst="textNoShape">
+              <a:avLst/>
+            </a:prstTxWarp>
+          </a:bodyPr>
+          <a:lstStyle/>
+          <a:p>
+            <a:pPr algn="ctr"/>
+            <a:r>
+              <a:rPr lang="en-US" altLang="ko-KR" dirty="0" smtClean="0"/>
+              <a:t>interior</a:t>
+            </a:r>
+            <a:endParaRPr lang="ko-KR" altLang="en-US" dirty="0"/>
+          </a:p>
+        </p:txBody>
+      </p:sp>
+      <p:sp>
+        <p:nvSpPr>
+          <p:cNvPr id="3" name="타원 2"/>
+          <p:cNvSpPr/>
+          <p:nvPr/>
+        </p:nvSpPr>
+        <p:spPr>
+          <a:xfrm>
+            <a:off x="3879134" y="1142158"/>
+            <a:ext cx="1276376" cy="855312"/>
+          </a:xfrm>
+          <a:prstGeom prst="ellipse">
+            <a:avLst/>
+          </a:prstGeom>
+          <a:ln/>
+        </p:spPr>
+        <p:style>
+          <a:lnRef idx="2">
+            <a:schemeClr val="dk1"/>
+          </a:lnRef>
+          <a:fillRef idx="1">
+            <a:schemeClr val="lt1"/>
+          </a:fillRef>
+          <a:effectRef idx="0">
+            <a:schemeClr val="dk1"/>
+          </a:effectRef>
+          <a:fontRef idx="minor">
+            <a:schemeClr val="dk1"/>
+          </a:fontRef>
+        </p:style>
+        <p:txBody>
+          <a:bodyPr vert="horz" wrap="square" lIns="91440" tIns="45720" rIns="91440" bIns="45720" numCol="1" rtlCol="0" anchor="ctr" anchorCtr="0" compatLnSpc="1">
+            <a:prstTxWarp prst="textNoShape">
+              <a:avLst/>
+            </a:prstTxWarp>
+          </a:bodyPr>
+          <a:lstStyle/>
+          <a:p>
+            <a:pPr algn="ctr"/>
+            <a:r>
+              <a:rPr lang="ko-KR" altLang="en-US" sz="1200" dirty="0" smtClean="0"/>
+              <a:t>물체 생성</a:t>
+            </a:r>
+            <a:r>
+              <a:rPr lang="en-US" altLang="ko-KR" sz="1200" dirty="0" smtClean="0"/>
+              <a:t>,</a:t>
+            </a:r>
+          </a:p>
+          <a:p>
+            <a:pPr algn="ctr"/>
+            <a:r>
+              <a:rPr lang="ko-KR" altLang="en-US" sz="1200" dirty="0" smtClean="0"/>
+              <a:t>원판 변경</a:t>
+            </a:r>
+            <a:endParaRPr lang="en-US" altLang="ko-KR" sz="1200" dirty="0" smtClean="0"/>
+          </a:p>
+        </p:txBody>
+      </p:sp>
+      <p:grpSp>
+        <p:nvGrpSpPr>
+          <p:cNvPr id="13" name="그룹 12"/>
+          <p:cNvGrpSpPr/>
+          <p:nvPr/>
+        </p:nvGrpSpPr>
+        <p:grpSpPr>
+          <a:xfrm>
+            <a:off x="3688135" y="3481658"/>
+            <a:ext cx="1332148" cy="424005"/>
+            <a:chOff x="3851920" y="1815666"/>
+            <a:chExt cx="1620180" cy="549775"/>
+          </a:xfrm>
+        </p:grpSpPr>
+        <p:sp>
+          <p:nvSpPr>
+            <p:cNvPr id="4" name="직사각형 3"/>
+            <p:cNvSpPr/>
+            <p:nvPr/>
+          </p:nvSpPr>
+          <p:spPr>
+            <a:xfrm>
+              <a:off x="3851920" y="1815666"/>
+              <a:ext cx="1620180" cy="45719"/>
+            </a:xfrm>
+            <a:prstGeom prst="rect">
+              <a:avLst/>
+            </a:prstGeom>
+            <a:solidFill>
+              <a:schemeClr val="tx1"/>
+            </a:solidFill>
+            <a:ln w="9525">
+              <a:noFill/>
+              <a:round/>
+            </a:ln>
+          </p:spPr>
+          <p:txBody>
+            <a:bodyPr vert="horz" wrap="square" lIns="91440" tIns="45720" rIns="91440" bIns="45720" numCol="1" rtlCol="0" anchor="t" anchorCtr="0" compatLnSpc="1">
+              <a:prstTxWarp prst="textNoShape">
+                <a:avLst/>
+              </a:prstTxWarp>
+            </a:bodyPr>
+            <a:lstStyle/>
+            <a:p>
+              <a:pPr algn="ctr"/>
+              <a:endParaRPr lang="ko-KR" altLang="en-US"/>
+            </a:p>
+          </p:txBody>
+        </p:sp>
+        <p:sp>
+          <p:nvSpPr>
+            <p:cNvPr id="20" name="직사각형 19"/>
+            <p:cNvSpPr/>
+            <p:nvPr/>
+          </p:nvSpPr>
+          <p:spPr>
+            <a:xfrm>
+              <a:off x="3851920" y="2319722"/>
+              <a:ext cx="1620180" cy="45719"/>
+            </a:xfrm>
+            <a:prstGeom prst="rect">
+              <a:avLst/>
+            </a:prstGeom>
+            <a:solidFill>
+              <a:schemeClr val="tx1"/>
+            </a:solidFill>
+            <a:ln w="9525">
+              <a:noFill/>
+              <a:round/>
+            </a:ln>
+          </p:spPr>
+          <p:txBody>
+            <a:bodyPr vert="horz" wrap="square" lIns="91440" tIns="45720" rIns="91440" bIns="45720" numCol="1" rtlCol="0" anchor="t" anchorCtr="0" compatLnSpc="1">
+              <a:prstTxWarp prst="textNoShape">
+                <a:avLst/>
+              </a:prstTxWarp>
+            </a:bodyPr>
+            <a:lstStyle/>
+            <a:p>
+              <a:pPr algn="ctr"/>
+              <a:endParaRPr lang="ko-KR" altLang="en-US"/>
+            </a:p>
+          </p:txBody>
+        </p:sp>
+        <p:sp>
+          <p:nvSpPr>
+            <p:cNvPr id="10" name="TextBox 9"/>
+            <p:cNvSpPr txBox="1"/>
+            <p:nvPr/>
+          </p:nvSpPr>
+          <p:spPr>
+            <a:xfrm>
+              <a:off x="3851920" y="1861385"/>
+              <a:ext cx="1620180" cy="350865"/>
+            </a:xfrm>
+            <a:prstGeom prst="rect">
+              <a:avLst/>
+            </a:prstGeom>
+          </p:spPr>
+          <p:txBody>
+            <a:bodyPr wrap="square" lIns="0" tIns="0" rIns="0" bIns="0" rtlCol="0" anchor="ctr">
+              <a:spAutoFit/>
+            </a:bodyPr>
+            <a:lstStyle/>
+            <a:p>
+              <a:pPr marL="0" indent="0" algn="ctr">
+                <a:lnSpc>
+                  <a:spcPct val="150000"/>
+                </a:lnSpc>
+                <a:buNone/>
+              </a:pPr>
+              <a:r>
+                <a:rPr lang="ko-KR" altLang="en-US" b="1" dirty="0" smtClean="0">
+                  <a:solidFill>
+                    <a:schemeClr val="tx1"/>
+                  </a:solidFill>
+                  <a:latin typeface="+mj-lt"/>
+                </a:rPr>
+                <a:t>제어판 변수</a:t>
+              </a:r>
+              <a:endParaRPr lang="ko-KR" altLang="en-US" b="1" dirty="0" smtClean="0">
+                <a:solidFill>
+                  <a:schemeClr val="tx1"/>
+                </a:solidFill>
+                <a:latin typeface="+mj-lt"/>
+              </a:endParaRPr>
+            </a:p>
+          </p:txBody>
+        </p:sp>
+      </p:grpSp>
+      <p:grpSp>
+        <p:nvGrpSpPr>
+          <p:cNvPr id="12" name="그룹 11"/>
+          <p:cNvGrpSpPr/>
+          <p:nvPr/>
+        </p:nvGrpSpPr>
+        <p:grpSpPr>
+          <a:xfrm>
+            <a:off x="381000" y="2460833"/>
+            <a:ext cx="1576577" cy="830997"/>
+            <a:chOff x="3851920" y="1540381"/>
+            <a:chExt cx="1620181" cy="1077491"/>
+          </a:xfrm>
+        </p:grpSpPr>
+        <p:sp>
+          <p:nvSpPr>
+            <p:cNvPr id="14" name="직사각형 13"/>
+            <p:cNvSpPr/>
+            <p:nvPr/>
+          </p:nvSpPr>
+          <p:spPr>
+            <a:xfrm>
+              <a:off x="3851920" y="1815666"/>
+              <a:ext cx="1620180" cy="45719"/>
+            </a:xfrm>
+            <a:prstGeom prst="rect">
+              <a:avLst/>
+            </a:prstGeom>
+            <a:solidFill>
+              <a:schemeClr val="tx1"/>
+            </a:solidFill>
+            <a:ln w="9525">
+              <a:noFill/>
+              <a:round/>
+            </a:ln>
+          </p:spPr>
+          <p:txBody>
+            <a:bodyPr vert="horz" wrap="square" lIns="91440" tIns="45720" rIns="91440" bIns="45720" numCol="1" rtlCol="0" anchor="t" anchorCtr="0" compatLnSpc="1">
+              <a:prstTxWarp prst="textNoShape">
+                <a:avLst/>
+              </a:prstTxWarp>
+            </a:bodyPr>
+            <a:lstStyle/>
+            <a:p>
+              <a:pPr algn="ctr"/>
+              <a:endParaRPr lang="ko-KR" altLang="en-US"/>
+            </a:p>
+          </p:txBody>
+        </p:sp>
+        <p:sp>
+          <p:nvSpPr>
+            <p:cNvPr id="15" name="직사각형 14"/>
+            <p:cNvSpPr/>
+            <p:nvPr/>
+          </p:nvSpPr>
+          <p:spPr>
+            <a:xfrm>
+              <a:off x="3851920" y="2319722"/>
+              <a:ext cx="1620180" cy="45719"/>
+            </a:xfrm>
+            <a:prstGeom prst="rect">
+              <a:avLst/>
+            </a:prstGeom>
+            <a:solidFill>
+              <a:schemeClr val="tx1"/>
+            </a:solidFill>
+            <a:ln w="9525">
+              <a:noFill/>
+              <a:round/>
+            </a:ln>
+          </p:spPr>
+          <p:txBody>
+            <a:bodyPr vert="horz" wrap="square" lIns="91440" tIns="45720" rIns="91440" bIns="45720" numCol="1" rtlCol="0" anchor="t" anchorCtr="0" compatLnSpc="1">
+              <a:prstTxWarp prst="textNoShape">
+                <a:avLst/>
+              </a:prstTxWarp>
+            </a:bodyPr>
+            <a:lstStyle/>
+            <a:p>
+              <a:pPr algn="ctr"/>
+              <a:endParaRPr lang="ko-KR" altLang="en-US"/>
+            </a:p>
+          </p:txBody>
+        </p:sp>
+        <p:sp>
+          <p:nvSpPr>
+            <p:cNvPr id="16" name="TextBox 15"/>
+            <p:cNvSpPr txBox="1"/>
+            <p:nvPr/>
+          </p:nvSpPr>
+          <p:spPr>
+            <a:xfrm>
+              <a:off x="3851921" y="1540381"/>
+              <a:ext cx="1620180" cy="1077491"/>
+            </a:xfrm>
+            <a:prstGeom prst="rect">
+              <a:avLst/>
+            </a:prstGeom>
+          </p:spPr>
+          <p:txBody>
+            <a:bodyPr wrap="square" lIns="0" tIns="0" rIns="0" bIns="0" rtlCol="0" anchor="ctr">
+              <a:spAutoFit/>
+            </a:bodyPr>
+            <a:lstStyle/>
+            <a:p>
+              <a:pPr marL="0" indent="0" algn="ctr">
+                <a:lnSpc>
+                  <a:spcPct val="150000"/>
+                </a:lnSpc>
+                <a:buNone/>
+              </a:pPr>
+              <a:r>
+                <a:rPr lang="en-US" altLang="ko-KR" b="1" dirty="0" smtClean="0">
+                  <a:solidFill>
+                    <a:schemeClr val="tx1"/>
+                  </a:solidFill>
+                  <a:latin typeface="+mj-lt"/>
+                </a:rPr>
+                <a:t>Hit-test </a:t>
+              </a:r>
+              <a:r>
+                <a:rPr lang="ko-KR" altLang="en-US" b="1" dirty="0" smtClean="0">
+                  <a:solidFill>
+                    <a:schemeClr val="tx1"/>
+                  </a:solidFill>
+                  <a:latin typeface="+mj-lt"/>
+                </a:rPr>
+                <a:t>좌표</a:t>
+              </a:r>
+              <a:endParaRPr lang="ko-KR" altLang="en-US" b="1" dirty="0" smtClean="0">
+                <a:solidFill>
+                  <a:schemeClr val="tx1"/>
+                </a:solidFill>
+                <a:latin typeface="+mj-lt"/>
+              </a:endParaRPr>
+            </a:p>
+          </p:txBody>
+        </p:sp>
+      </p:grpSp>
+      <p:sp>
+        <p:nvSpPr>
+          <p:cNvPr id="17" name="타원 16"/>
+          <p:cNvSpPr/>
+          <p:nvPr/>
+        </p:nvSpPr>
+        <p:spPr>
+          <a:xfrm>
+            <a:off x="1583668" y="3821779"/>
+            <a:ext cx="1006512" cy="694187"/>
+          </a:xfrm>
+          <a:prstGeom prst="ellipse">
+            <a:avLst/>
+          </a:prstGeom>
+          <a:ln/>
+        </p:spPr>
+        <p:style>
+          <a:lnRef idx="2">
+            <a:schemeClr val="dk1"/>
+          </a:lnRef>
+          <a:fillRef idx="1">
+            <a:schemeClr val="lt1"/>
+          </a:fillRef>
+          <a:effectRef idx="0">
+            <a:schemeClr val="dk1"/>
+          </a:effectRef>
+          <a:fontRef idx="minor">
+            <a:schemeClr val="dk1"/>
+          </a:fontRef>
+        </p:style>
+        <p:txBody>
+          <a:bodyPr vert="horz" wrap="square" lIns="91440" tIns="45720" rIns="91440" bIns="45720" numCol="1" rtlCol="0" anchor="ctr" anchorCtr="0" compatLnSpc="1">
+            <a:prstTxWarp prst="textNoShape">
+              <a:avLst/>
+            </a:prstTxWarp>
+          </a:bodyPr>
+          <a:lstStyle/>
+          <a:p>
+            <a:pPr algn="ctr"/>
+            <a:r>
+              <a:rPr lang="ko-KR" altLang="en-US" dirty="0" smtClean="0"/>
+              <a:t>터치</a:t>
+            </a:r>
+            <a:endParaRPr lang="ko-KR" altLang="en-US" dirty="0"/>
+          </a:p>
+        </p:txBody>
+      </p:sp>
+      <p:cxnSp>
+        <p:nvCxnSpPr>
+          <p:cNvPr id="18" name="구부러진 연결선 17"/>
+          <p:cNvCxnSpPr>
+            <a:stCxn id="2" idx="2"/>
+            <a:endCxn id="64" idx="1"/>
+          </p:cNvCxnSpPr>
+          <p:nvPr/>
+        </p:nvCxnSpPr>
+        <p:spPr>
+          <a:xfrm rot="16200000" flipH="1">
+            <a:off x="1007894" y="701603"/>
+            <a:ext cx="704448" cy="800848"/>
+          </a:xfrm>
+          <a:prstGeom prst="curvedConnector3">
+            <a:avLst>
+              <a:gd name="adj1" fmla="val 50000"/>
+            </a:avLst>
+          </a:prstGeom>
+          <a:ln>
+            <a:tailEnd type="triangle"/>
+          </a:ln>
+        </p:spPr>
+        <p:style>
+          <a:lnRef idx="1">
+            <a:schemeClr val="accent1"/>
+          </a:lnRef>
+          <a:fillRef idx="0">
+            <a:schemeClr val="accent1"/>
+          </a:fillRef>
+          <a:effectRef idx="0">
+            <a:schemeClr val="accent1"/>
+          </a:effectRef>
+          <a:fontRef idx="minor">
+            <a:schemeClr val="tx1"/>
+          </a:fontRef>
+        </p:style>
+      </p:cxnSp>
+      <p:cxnSp>
+        <p:nvCxnSpPr>
+          <p:cNvPr id="25" name="구부러진 연결선 24"/>
+          <p:cNvCxnSpPr>
+            <a:stCxn id="15" idx="2"/>
+            <a:endCxn id="17" idx="0"/>
+          </p:cNvCxnSpPr>
+          <p:nvPr/>
+        </p:nvCxnSpPr>
+        <p:spPr>
+          <a:xfrm rot="16200000" flipH="1">
+            <a:off x="1265790" y="3000645"/>
+            <a:ext cx="724632" cy="917636"/>
+          </a:xfrm>
+          <a:prstGeom prst="curvedConnector3">
+            <a:avLst>
+              <a:gd name="adj1" fmla="val 50000"/>
+            </a:avLst>
+          </a:prstGeom>
+          <a:ln>
+            <a:tailEnd type="triangle"/>
+          </a:ln>
+        </p:spPr>
+        <p:style>
+          <a:lnRef idx="1">
+            <a:schemeClr val="accent1"/>
+          </a:lnRef>
+          <a:fillRef idx="0">
+            <a:schemeClr val="accent1"/>
+          </a:fillRef>
+          <a:effectRef idx="0">
+            <a:schemeClr val="accent1"/>
+          </a:effectRef>
+          <a:fontRef idx="minor">
+            <a:schemeClr val="tx1"/>
+          </a:fontRef>
+        </p:style>
+      </p:cxnSp>
+      <p:cxnSp>
+        <p:nvCxnSpPr>
+          <p:cNvPr id="30" name="구부러진 연결선 29"/>
+          <p:cNvCxnSpPr>
+            <a:stCxn id="17" idx="5"/>
+            <a:endCxn id="20" idx="2"/>
+          </p:cNvCxnSpPr>
+          <p:nvPr/>
+        </p:nvCxnSpPr>
+        <p:spPr>
+          <a:xfrm rot="5400000" flipH="1" flipV="1">
+            <a:off x="3144173" y="3204269"/>
+            <a:ext cx="508642" cy="1911429"/>
+          </a:xfrm>
+          <a:prstGeom prst="curvedConnector3">
+            <a:avLst>
+              <a:gd name="adj1" fmla="val -64930"/>
+            </a:avLst>
+          </a:prstGeom>
+          <a:ln>
+            <a:tailEnd type="triangle"/>
+          </a:ln>
+        </p:spPr>
+        <p:style>
+          <a:lnRef idx="1">
+            <a:schemeClr val="accent1"/>
+          </a:lnRef>
+          <a:fillRef idx="0">
+            <a:schemeClr val="accent1"/>
+          </a:fillRef>
+          <a:effectRef idx="0">
+            <a:schemeClr val="accent1"/>
+          </a:effectRef>
+          <a:fontRef idx="minor">
+            <a:schemeClr val="tx1"/>
+          </a:fontRef>
+        </p:style>
+      </p:cxnSp>
+      <p:cxnSp>
+        <p:nvCxnSpPr>
+          <p:cNvPr id="36" name="구부러진 연결선 35"/>
+          <p:cNvCxnSpPr>
+            <a:stCxn id="10" idx="3"/>
+            <a:endCxn id="110" idx="4"/>
+          </p:cNvCxnSpPr>
+          <p:nvPr/>
+        </p:nvCxnSpPr>
+        <p:spPr>
+          <a:xfrm flipV="1">
+            <a:off x="5020283" y="2827176"/>
+            <a:ext cx="819965" cy="825042"/>
+          </a:xfrm>
+          <a:prstGeom prst="curvedConnector2">
+            <a:avLst/>
+          </a:prstGeom>
+          <a:ln>
+            <a:tailEnd type="triangle"/>
+          </a:ln>
+        </p:spPr>
+        <p:style>
+          <a:lnRef idx="1">
+            <a:schemeClr val="accent1"/>
+          </a:lnRef>
+          <a:fillRef idx="0">
+            <a:schemeClr val="accent1"/>
+          </a:fillRef>
+          <a:effectRef idx="0">
+            <a:schemeClr val="accent1"/>
+          </a:effectRef>
+          <a:fontRef idx="minor">
+            <a:schemeClr val="tx1"/>
+          </a:fontRef>
+        </p:style>
+      </p:cxnSp>
+      <p:cxnSp>
+        <p:nvCxnSpPr>
+          <p:cNvPr id="42" name="구부러진 연결선 41"/>
+          <p:cNvCxnSpPr>
+            <a:stCxn id="3" idx="2"/>
+            <a:endCxn id="10" idx="1"/>
+          </p:cNvCxnSpPr>
+          <p:nvPr/>
+        </p:nvCxnSpPr>
+        <p:spPr>
+          <a:xfrm rot="10800000" flipV="1">
+            <a:off x="3688136" y="1569814"/>
+            <a:ext cx="190999" cy="2082404"/>
+          </a:xfrm>
+          <a:prstGeom prst="curvedConnector3">
+            <a:avLst>
+              <a:gd name="adj1" fmla="val 219686"/>
+            </a:avLst>
+          </a:prstGeom>
+          <a:ln>
+            <a:tailEnd type="triangle"/>
+          </a:ln>
+        </p:spPr>
+        <p:style>
+          <a:lnRef idx="1">
+            <a:schemeClr val="accent1"/>
+          </a:lnRef>
+          <a:fillRef idx="0">
+            <a:schemeClr val="accent1"/>
+          </a:fillRef>
+          <a:effectRef idx="0">
+            <a:schemeClr val="accent1"/>
+          </a:effectRef>
+          <a:fontRef idx="minor">
+            <a:schemeClr val="tx1"/>
+          </a:fontRef>
+        </p:style>
+      </p:cxnSp>
+      <p:sp>
+        <p:nvSpPr>
+          <p:cNvPr id="64" name="타원 63"/>
+          <p:cNvSpPr/>
+          <p:nvPr/>
+        </p:nvSpPr>
+        <p:spPr>
+          <a:xfrm>
+            <a:off x="1613142" y="1352590"/>
+            <a:ext cx="1006512" cy="694187"/>
+          </a:xfrm>
+          <a:prstGeom prst="ellipse">
+            <a:avLst/>
+          </a:prstGeom>
+          <a:ln/>
+        </p:spPr>
+        <p:style>
+          <a:lnRef idx="2">
+            <a:schemeClr val="dk1"/>
+          </a:lnRef>
+          <a:fillRef idx="1">
+            <a:schemeClr val="lt1"/>
+          </a:fillRef>
+          <a:effectRef idx="0">
+            <a:schemeClr val="dk1"/>
+          </a:effectRef>
+          <a:fontRef idx="minor">
+            <a:schemeClr val="dk1"/>
+          </a:fontRef>
+        </p:style>
+        <p:txBody>
+          <a:bodyPr vert="horz" wrap="square" lIns="91440" tIns="45720" rIns="91440" bIns="45720" numCol="1" rtlCol="0" anchor="ctr" anchorCtr="0" compatLnSpc="1">
+            <a:prstTxWarp prst="textNoShape">
+              <a:avLst/>
+            </a:prstTxWarp>
+          </a:bodyPr>
+          <a:lstStyle/>
+          <a:p>
+            <a:pPr algn="ctr"/>
+            <a:r>
+              <a:rPr lang="ko-KR" altLang="en-US" dirty="0" smtClean="0"/>
+              <a:t>바닥 감지</a:t>
+            </a:r>
+            <a:endParaRPr lang="ko-KR" altLang="en-US" dirty="0"/>
+          </a:p>
+        </p:txBody>
+      </p:sp>
+      <p:cxnSp>
+        <p:nvCxnSpPr>
+          <p:cNvPr id="67" name="구부러진 연결선 66"/>
+          <p:cNvCxnSpPr>
+            <a:stCxn id="64" idx="3"/>
+            <a:endCxn id="14" idx="0"/>
+          </p:cNvCxnSpPr>
+          <p:nvPr/>
+        </p:nvCxnSpPr>
+        <p:spPr>
+          <a:xfrm rot="5400000">
+            <a:off x="1100902" y="2013502"/>
+            <a:ext cx="728026" cy="591254"/>
+          </a:xfrm>
+          <a:prstGeom prst="curvedConnector3">
+            <a:avLst>
+              <a:gd name="adj1" fmla="val 50000"/>
+            </a:avLst>
+          </a:prstGeom>
+          <a:ln>
+            <a:tailEnd type="triangle"/>
+          </a:ln>
+        </p:spPr>
+        <p:style>
+          <a:lnRef idx="1">
+            <a:schemeClr val="accent1"/>
+          </a:lnRef>
+          <a:fillRef idx="0">
+            <a:schemeClr val="accent1"/>
+          </a:fillRef>
+          <a:effectRef idx="0">
+            <a:schemeClr val="accent1"/>
+          </a:effectRef>
+          <a:fontRef idx="minor">
+            <a:schemeClr val="tx1"/>
+          </a:fontRef>
+        </p:style>
+      </p:cxnSp>
+      <p:sp>
+        <p:nvSpPr>
+          <p:cNvPr id="73" name="TextBox 72"/>
+          <p:cNvSpPr txBox="1"/>
+          <p:nvPr/>
+        </p:nvSpPr>
+        <p:spPr>
+          <a:xfrm>
+            <a:off x="1043529" y="1058390"/>
+            <a:ext cx="755015" cy="230832"/>
+          </a:xfrm>
+          <a:prstGeom prst="rect">
+            <a:avLst/>
+          </a:prstGeom>
+        </p:spPr>
+        <p:txBody>
+          <a:bodyPr wrap="none" lIns="0" tIns="0" rIns="0" bIns="0" rtlCol="0" anchor="ctr">
+            <a:spAutoFit/>
+          </a:bodyPr>
+          <a:lstStyle/>
+          <a:p>
+            <a:pPr marL="0" indent="0">
+              <a:lnSpc>
+                <a:spcPct val="150000"/>
+              </a:lnSpc>
+              <a:buNone/>
+            </a:pPr>
+            <a:r>
+              <a:rPr lang="en-US" altLang="ko-KR" sz="1000" b="1" dirty="0" smtClean="0">
+                <a:solidFill>
+                  <a:schemeClr val="tx1"/>
+                </a:solidFill>
+                <a:latin typeface="+mj-lt"/>
+              </a:rPr>
+              <a:t>AR </a:t>
+            </a:r>
+            <a:r>
+              <a:rPr lang="ko-KR" altLang="en-US" sz="1000" b="1" dirty="0" smtClean="0">
+                <a:solidFill>
+                  <a:schemeClr val="tx1"/>
+                </a:solidFill>
+                <a:latin typeface="+mj-lt"/>
+              </a:rPr>
+              <a:t>세션 접속</a:t>
+            </a:r>
+            <a:endParaRPr lang="ko-KR" altLang="en-US" sz="1000" b="1" dirty="0" smtClean="0">
+              <a:solidFill>
+                <a:schemeClr val="tx1"/>
+              </a:solidFill>
+              <a:latin typeface="+mj-lt"/>
+            </a:endParaRPr>
+          </a:p>
+        </p:txBody>
+      </p:sp>
+      <p:sp>
+        <p:nvSpPr>
+          <p:cNvPr id="76" name="TextBox 75"/>
+          <p:cNvSpPr txBox="1"/>
+          <p:nvPr/>
+        </p:nvSpPr>
+        <p:spPr>
+          <a:xfrm>
+            <a:off x="1223628" y="2124894"/>
+            <a:ext cx="921727" cy="230832"/>
+          </a:xfrm>
+          <a:prstGeom prst="rect">
+            <a:avLst/>
+          </a:prstGeom>
+        </p:spPr>
+        <p:txBody>
+          <a:bodyPr wrap="none" lIns="0" tIns="0" rIns="0" bIns="0" rtlCol="0" anchor="ctr">
+            <a:spAutoFit/>
+          </a:bodyPr>
+          <a:lstStyle/>
+          <a:p>
+            <a:pPr marL="0" indent="0">
+              <a:lnSpc>
+                <a:spcPct val="150000"/>
+              </a:lnSpc>
+              <a:buNone/>
+            </a:pPr>
+            <a:r>
+              <a:rPr lang="en-US" altLang="ko-KR" sz="1000" b="1" dirty="0" smtClean="0">
+                <a:latin typeface="+mj-lt"/>
+              </a:rPr>
+              <a:t>Hit-test </a:t>
+            </a:r>
+            <a:r>
+              <a:rPr lang="ko-KR" altLang="en-US" sz="1000" b="1" dirty="0" smtClean="0">
+                <a:latin typeface="+mj-lt"/>
+              </a:rPr>
+              <a:t>좌표 값</a:t>
+            </a:r>
+            <a:endParaRPr lang="ko-KR" altLang="en-US" sz="1000" b="1" dirty="0" smtClean="0">
+              <a:solidFill>
+                <a:schemeClr val="tx1"/>
+              </a:solidFill>
+              <a:latin typeface="+mj-lt"/>
+            </a:endParaRPr>
+          </a:p>
+        </p:txBody>
+      </p:sp>
+      <p:sp>
+        <p:nvSpPr>
+          <p:cNvPr id="79" name="TextBox 78"/>
+          <p:cNvSpPr txBox="1"/>
+          <p:nvPr/>
+        </p:nvSpPr>
+        <p:spPr>
+          <a:xfrm>
+            <a:off x="1346017" y="3396937"/>
+            <a:ext cx="921727" cy="230832"/>
+          </a:xfrm>
+          <a:prstGeom prst="rect">
+            <a:avLst/>
+          </a:prstGeom>
+        </p:spPr>
+        <p:txBody>
+          <a:bodyPr wrap="none" lIns="0" tIns="0" rIns="0" bIns="0" rtlCol="0" anchor="ctr">
+            <a:spAutoFit/>
+          </a:bodyPr>
+          <a:lstStyle/>
+          <a:p>
+            <a:pPr marL="0" indent="0">
+              <a:lnSpc>
+                <a:spcPct val="150000"/>
+              </a:lnSpc>
+              <a:buNone/>
+            </a:pPr>
+            <a:r>
+              <a:rPr lang="en-US" altLang="ko-KR" sz="1000" b="1" dirty="0" smtClean="0">
+                <a:latin typeface="+mj-lt"/>
+              </a:rPr>
+              <a:t>Hit-test </a:t>
+            </a:r>
+            <a:r>
+              <a:rPr lang="ko-KR" altLang="en-US" sz="1000" b="1" dirty="0" smtClean="0">
+                <a:latin typeface="+mj-lt"/>
+              </a:rPr>
+              <a:t>좌표 값</a:t>
+            </a:r>
+            <a:endParaRPr lang="ko-KR" altLang="en-US" sz="1000" b="1" dirty="0" smtClean="0">
+              <a:solidFill>
+                <a:schemeClr val="tx1"/>
+              </a:solidFill>
+              <a:latin typeface="+mj-lt"/>
+            </a:endParaRPr>
+          </a:p>
+        </p:txBody>
+      </p:sp>
+      <p:sp>
+        <p:nvSpPr>
+          <p:cNvPr id="81" name="TextBox 80"/>
+          <p:cNvSpPr txBox="1"/>
+          <p:nvPr/>
+        </p:nvSpPr>
+        <p:spPr>
+          <a:xfrm>
+            <a:off x="3300881" y="4234304"/>
+            <a:ext cx="921727" cy="230832"/>
+          </a:xfrm>
+          <a:prstGeom prst="rect">
+            <a:avLst/>
+          </a:prstGeom>
+        </p:spPr>
+        <p:txBody>
+          <a:bodyPr wrap="none" lIns="0" tIns="0" rIns="0" bIns="0" rtlCol="0" anchor="ctr">
+            <a:spAutoFit/>
+          </a:bodyPr>
+          <a:lstStyle/>
+          <a:p>
+            <a:pPr marL="0" indent="0">
+              <a:lnSpc>
+                <a:spcPct val="150000"/>
+              </a:lnSpc>
+              <a:buNone/>
+            </a:pPr>
+            <a:r>
+              <a:rPr lang="en-US" altLang="ko-KR" sz="1000" b="1" dirty="0" smtClean="0">
+                <a:latin typeface="+mj-lt"/>
+              </a:rPr>
+              <a:t>Hit-test </a:t>
+            </a:r>
+            <a:r>
+              <a:rPr lang="ko-KR" altLang="en-US" sz="1000" b="1" dirty="0" smtClean="0">
+                <a:latin typeface="+mj-lt"/>
+              </a:rPr>
+              <a:t>좌표 값</a:t>
+            </a:r>
+            <a:endParaRPr lang="ko-KR" altLang="en-US" sz="1000" b="1" dirty="0" smtClean="0">
+              <a:solidFill>
+                <a:schemeClr val="tx1"/>
+              </a:solidFill>
+              <a:latin typeface="+mj-lt"/>
+            </a:endParaRPr>
+          </a:p>
+        </p:txBody>
+      </p:sp>
+      <p:grpSp>
+        <p:nvGrpSpPr>
+          <p:cNvPr id="92" name="그룹 91"/>
+          <p:cNvGrpSpPr/>
+          <p:nvPr/>
+        </p:nvGrpSpPr>
+        <p:grpSpPr>
+          <a:xfrm>
+            <a:off x="7417215" y="2421031"/>
+            <a:ext cx="1332148" cy="428878"/>
+            <a:chOff x="3851920" y="1809348"/>
+            <a:chExt cx="1620180" cy="556093"/>
+          </a:xfrm>
+        </p:grpSpPr>
+        <p:sp>
+          <p:nvSpPr>
+            <p:cNvPr id="93" name="직사각형 92"/>
+            <p:cNvSpPr/>
+            <p:nvPr/>
+          </p:nvSpPr>
+          <p:spPr>
+            <a:xfrm>
+              <a:off x="3851920" y="1815666"/>
+              <a:ext cx="1620180" cy="45719"/>
+            </a:xfrm>
+            <a:prstGeom prst="rect">
+              <a:avLst/>
+            </a:prstGeom>
+            <a:solidFill>
+              <a:schemeClr val="tx1"/>
+            </a:solidFill>
+            <a:ln w="9525">
+              <a:noFill/>
+              <a:round/>
+            </a:ln>
+          </p:spPr>
+          <p:txBody>
+            <a:bodyPr vert="horz" wrap="square" lIns="91440" tIns="45720" rIns="91440" bIns="45720" numCol="1" rtlCol="0" anchor="t" anchorCtr="0" compatLnSpc="1">
+              <a:prstTxWarp prst="textNoShape">
+                <a:avLst/>
+              </a:prstTxWarp>
+            </a:bodyPr>
+            <a:lstStyle/>
+            <a:p>
+              <a:pPr algn="ctr"/>
+              <a:endParaRPr lang="ko-KR" altLang="en-US"/>
+            </a:p>
+          </p:txBody>
+        </p:sp>
+        <p:sp>
+          <p:nvSpPr>
+            <p:cNvPr id="94" name="직사각형 93"/>
+            <p:cNvSpPr/>
+            <p:nvPr/>
+          </p:nvSpPr>
+          <p:spPr>
+            <a:xfrm>
+              <a:off x="3851920" y="2319722"/>
+              <a:ext cx="1620180" cy="45719"/>
+            </a:xfrm>
+            <a:prstGeom prst="rect">
+              <a:avLst/>
+            </a:prstGeom>
+            <a:solidFill>
+              <a:schemeClr val="tx1"/>
+            </a:solidFill>
+            <a:ln w="9525">
+              <a:noFill/>
+              <a:round/>
+            </a:ln>
+          </p:spPr>
+          <p:txBody>
+            <a:bodyPr vert="horz" wrap="square" lIns="91440" tIns="45720" rIns="91440" bIns="45720" numCol="1" rtlCol="0" anchor="t" anchorCtr="0" compatLnSpc="1">
+              <a:prstTxWarp prst="textNoShape">
+                <a:avLst/>
+              </a:prstTxWarp>
+            </a:bodyPr>
+            <a:lstStyle/>
+            <a:p>
+              <a:pPr algn="ctr"/>
+              <a:endParaRPr lang="ko-KR" altLang="en-US"/>
+            </a:p>
+          </p:txBody>
+        </p:sp>
+        <p:sp>
+          <p:nvSpPr>
+            <p:cNvPr id="95" name="TextBox 94"/>
+            <p:cNvSpPr txBox="1"/>
+            <p:nvPr/>
+          </p:nvSpPr>
+          <p:spPr>
+            <a:xfrm>
+              <a:off x="3851920" y="1809348"/>
+              <a:ext cx="1620180" cy="454940"/>
+            </a:xfrm>
+            <a:prstGeom prst="rect">
+              <a:avLst/>
+            </a:prstGeom>
+          </p:spPr>
+          <p:txBody>
+            <a:bodyPr wrap="square" lIns="0" tIns="0" rIns="0" bIns="0" rtlCol="0" anchor="ctr">
+              <a:spAutoFit/>
+            </a:bodyPr>
+            <a:lstStyle/>
+            <a:p>
+              <a:pPr marL="0" indent="0" algn="ctr">
+                <a:lnSpc>
+                  <a:spcPct val="150000"/>
+                </a:lnSpc>
+                <a:buNone/>
+              </a:pPr>
+              <a:r>
+                <a:rPr lang="ko-KR" altLang="en-US" b="1" dirty="0" smtClean="0">
+                  <a:solidFill>
+                    <a:schemeClr val="tx1"/>
+                  </a:solidFill>
+                  <a:latin typeface="+mj-lt"/>
+                </a:rPr>
+                <a:t>서버</a:t>
+              </a:r>
+              <a:endParaRPr lang="ko-KR" altLang="en-US" b="1" dirty="0" smtClean="0">
+                <a:solidFill>
+                  <a:schemeClr val="tx1"/>
+                </a:solidFill>
+                <a:latin typeface="+mj-lt"/>
+              </a:endParaRPr>
+            </a:p>
+          </p:txBody>
+        </p:sp>
+      </p:grpSp>
+      <p:cxnSp>
+        <p:nvCxnSpPr>
+          <p:cNvPr id="97" name="구부러진 연결선 96"/>
+          <p:cNvCxnSpPr>
+            <a:stCxn id="110" idx="0"/>
+            <a:endCxn id="3" idx="6"/>
+          </p:cNvCxnSpPr>
+          <p:nvPr/>
+        </p:nvCxnSpPr>
+        <p:spPr>
+          <a:xfrm rot="16200000" flipV="1">
+            <a:off x="5216292" y="1509033"/>
+            <a:ext cx="563175" cy="684738"/>
+          </a:xfrm>
+          <a:prstGeom prst="curvedConnector2">
+            <a:avLst/>
+          </a:prstGeom>
+          <a:ln>
+            <a:tailEnd type="triangle"/>
+          </a:ln>
+        </p:spPr>
+        <p:style>
+          <a:lnRef idx="1">
+            <a:schemeClr val="accent1"/>
+          </a:lnRef>
+          <a:fillRef idx="0">
+            <a:schemeClr val="accent1"/>
+          </a:fillRef>
+          <a:effectRef idx="0">
+            <a:schemeClr val="accent1"/>
+          </a:effectRef>
+          <a:fontRef idx="minor">
+            <a:schemeClr val="tx1"/>
+          </a:fontRef>
+        </p:style>
+      </p:cxnSp>
+      <p:sp>
+        <p:nvSpPr>
+          <p:cNvPr id="107" name="TextBox 106"/>
+          <p:cNvSpPr txBox="1"/>
+          <p:nvPr/>
+        </p:nvSpPr>
+        <p:spPr>
+          <a:xfrm>
+            <a:off x="4952435" y="3130732"/>
+            <a:ext cx="1384995" cy="230832"/>
+          </a:xfrm>
+          <a:prstGeom prst="rect">
+            <a:avLst/>
+          </a:prstGeom>
+        </p:spPr>
+        <p:txBody>
+          <a:bodyPr wrap="none" lIns="0" tIns="0" rIns="0" bIns="0" rtlCol="0" anchor="ctr">
+            <a:spAutoFit/>
+          </a:bodyPr>
+          <a:lstStyle/>
+          <a:p>
+            <a:pPr marL="0" indent="0">
+              <a:lnSpc>
+                <a:spcPct val="150000"/>
+              </a:lnSpc>
+              <a:buNone/>
+            </a:pPr>
+            <a:r>
+              <a:rPr lang="en-US" altLang="ko-KR" sz="1000" b="1" dirty="0" smtClean="0">
+                <a:latin typeface="+mj-lt"/>
+              </a:rPr>
+              <a:t>3D </a:t>
+            </a:r>
+            <a:r>
+              <a:rPr lang="ko-KR" altLang="en-US" sz="1000" b="1" dirty="0" smtClean="0">
+                <a:latin typeface="+mj-lt"/>
+              </a:rPr>
+              <a:t>모델 경로 및 파일 명</a:t>
+            </a:r>
+            <a:endParaRPr lang="ko-KR" altLang="en-US" sz="1000" b="1" dirty="0" smtClean="0">
+              <a:solidFill>
+                <a:schemeClr val="tx1"/>
+              </a:solidFill>
+              <a:latin typeface="+mj-lt"/>
+            </a:endParaRPr>
+          </a:p>
+        </p:txBody>
+      </p:sp>
+      <p:sp>
+        <p:nvSpPr>
+          <p:cNvPr id="108" name="TextBox 107"/>
+          <p:cNvSpPr txBox="1"/>
+          <p:nvPr/>
+        </p:nvSpPr>
+        <p:spPr>
+          <a:xfrm>
+            <a:off x="6462397" y="2337933"/>
+            <a:ext cx="702158" cy="230832"/>
+          </a:xfrm>
+          <a:prstGeom prst="rect">
+            <a:avLst/>
+          </a:prstGeom>
+        </p:spPr>
+        <p:txBody>
+          <a:bodyPr wrap="square" lIns="0" tIns="0" rIns="0" bIns="0" rtlCol="0" anchor="ctr">
+            <a:spAutoFit/>
+          </a:bodyPr>
+          <a:lstStyle/>
+          <a:p>
+            <a:pPr marL="0" indent="0">
+              <a:lnSpc>
+                <a:spcPct val="150000"/>
+              </a:lnSpc>
+              <a:buNone/>
+            </a:pPr>
+            <a:r>
+              <a:rPr lang="en-US" altLang="ko-KR" sz="1000" b="1" dirty="0" smtClean="0">
+                <a:latin typeface="+mj-lt"/>
+              </a:rPr>
+              <a:t>3D </a:t>
+            </a:r>
+            <a:r>
+              <a:rPr lang="ko-KR" altLang="en-US" sz="1000" b="1" dirty="0" smtClean="0">
+                <a:latin typeface="+mj-lt"/>
+              </a:rPr>
+              <a:t>모델 </a:t>
+            </a:r>
+            <a:endParaRPr lang="en-US" altLang="ko-KR" sz="1000" b="1" dirty="0" smtClean="0">
+              <a:latin typeface="+mj-lt"/>
+            </a:endParaRPr>
+          </a:p>
+        </p:txBody>
+      </p:sp>
+      <p:sp>
+        <p:nvSpPr>
+          <p:cNvPr id="110" name="타원 109"/>
+          <p:cNvSpPr/>
+          <p:nvPr/>
+        </p:nvSpPr>
+        <p:spPr>
+          <a:xfrm>
+            <a:off x="5336992" y="2132989"/>
+            <a:ext cx="1006512" cy="694187"/>
+          </a:xfrm>
+          <a:prstGeom prst="ellipse">
+            <a:avLst/>
+          </a:prstGeom>
+          <a:ln/>
+        </p:spPr>
+        <p:style>
+          <a:lnRef idx="2">
+            <a:schemeClr val="dk1"/>
+          </a:lnRef>
+          <a:fillRef idx="1">
+            <a:schemeClr val="lt1"/>
+          </a:fillRef>
+          <a:effectRef idx="0">
+            <a:schemeClr val="dk1"/>
+          </a:effectRef>
+          <a:fontRef idx="minor">
+            <a:schemeClr val="dk1"/>
+          </a:fontRef>
+        </p:style>
+        <p:txBody>
+          <a:bodyPr vert="horz" wrap="square" lIns="91440" tIns="45720" rIns="91440" bIns="45720" numCol="1" rtlCol="0" anchor="ctr" anchorCtr="0" compatLnSpc="1">
+            <a:prstTxWarp prst="textNoShape">
+              <a:avLst/>
+            </a:prstTxWarp>
+          </a:bodyPr>
+          <a:lstStyle/>
+          <a:p>
+            <a:pPr algn="ctr"/>
+            <a:r>
+              <a:rPr lang="ko-KR" altLang="en-US" sz="1200" dirty="0" smtClean="0"/>
+              <a:t>서버에 요청</a:t>
+            </a:r>
+            <a:endParaRPr lang="ko-KR" altLang="en-US" sz="1200" dirty="0"/>
+          </a:p>
+        </p:txBody>
+      </p:sp>
+      <p:cxnSp>
+        <p:nvCxnSpPr>
+          <p:cNvPr id="114" name="구부러진 연결선 113"/>
+          <p:cNvCxnSpPr>
+            <a:stCxn id="95" idx="1"/>
+            <a:endCxn id="110" idx="6"/>
+          </p:cNvCxnSpPr>
+          <p:nvPr/>
+        </p:nvCxnSpPr>
+        <p:spPr>
+          <a:xfrm rot="10800000">
+            <a:off x="6343505" y="2480084"/>
+            <a:ext cx="1073711" cy="116381"/>
+          </a:xfrm>
+          <a:prstGeom prst="curvedConnector3">
+            <a:avLst>
+              <a:gd name="adj1" fmla="val 50000"/>
+            </a:avLst>
+          </a:prstGeom>
+          <a:ln>
+            <a:tailEnd type="triangle"/>
+          </a:ln>
+        </p:spPr>
+        <p:style>
+          <a:lnRef idx="1">
+            <a:schemeClr val="accent1"/>
+          </a:lnRef>
+          <a:fillRef idx="0">
+            <a:schemeClr val="accent1"/>
+          </a:fillRef>
+          <a:effectRef idx="0">
+            <a:schemeClr val="accent1"/>
+          </a:effectRef>
+          <a:fontRef idx="minor">
+            <a:schemeClr val="tx1"/>
+          </a:fontRef>
+        </p:style>
+      </p:cxnSp>
+      <p:sp>
+        <p:nvSpPr>
+          <p:cNvPr id="137" name="TextBox 136"/>
+          <p:cNvSpPr txBox="1"/>
+          <p:nvPr/>
+        </p:nvSpPr>
+        <p:spPr>
+          <a:xfrm>
+            <a:off x="5451855" y="1695705"/>
+            <a:ext cx="1308723" cy="230832"/>
+          </a:xfrm>
+          <a:prstGeom prst="rect">
+            <a:avLst/>
+          </a:prstGeom>
+        </p:spPr>
+        <p:txBody>
+          <a:bodyPr wrap="square" lIns="0" tIns="0" rIns="0" bIns="0" rtlCol="0" anchor="ctr">
+            <a:spAutoFit/>
+          </a:bodyPr>
+          <a:lstStyle/>
+          <a:p>
+            <a:pPr marL="0" indent="0">
+              <a:lnSpc>
+                <a:spcPct val="150000"/>
+              </a:lnSpc>
+              <a:buNone/>
+            </a:pPr>
+            <a:r>
+              <a:rPr lang="en-US" altLang="ko-KR" sz="1000" b="1" dirty="0" smtClean="0">
+                <a:latin typeface="+mj-lt"/>
+              </a:rPr>
+              <a:t>3D </a:t>
+            </a:r>
+            <a:r>
+              <a:rPr lang="ko-KR" altLang="en-US" sz="1000" b="1" dirty="0" smtClean="0">
+                <a:latin typeface="+mj-lt"/>
+              </a:rPr>
+              <a:t>모델 </a:t>
+            </a:r>
+            <a:endParaRPr lang="ko-KR" altLang="en-US" sz="1000" b="1" dirty="0" smtClean="0">
+              <a:solidFill>
+                <a:schemeClr val="tx1"/>
+              </a:solidFill>
+              <a:latin typeface="+mj-lt"/>
+            </a:endParaRPr>
+          </a:p>
+        </p:txBody>
+      </p:sp>
+      <p:sp>
+        <p:nvSpPr>
+          <p:cNvPr id="138" name="TextBox 137"/>
+          <p:cNvSpPr txBox="1"/>
+          <p:nvPr/>
+        </p:nvSpPr>
+        <p:spPr>
+          <a:xfrm>
+            <a:off x="3052537" y="2386214"/>
+            <a:ext cx="1308723" cy="230832"/>
+          </a:xfrm>
+          <a:prstGeom prst="rect">
+            <a:avLst/>
+          </a:prstGeom>
+        </p:spPr>
+        <p:txBody>
+          <a:bodyPr wrap="square" lIns="0" tIns="0" rIns="0" bIns="0" rtlCol="0" anchor="ctr">
+            <a:spAutoFit/>
+          </a:bodyPr>
+          <a:lstStyle/>
+          <a:p>
+            <a:pPr marL="0" indent="0">
+              <a:lnSpc>
+                <a:spcPct val="150000"/>
+              </a:lnSpc>
+              <a:buNone/>
+            </a:pPr>
+            <a:r>
+              <a:rPr lang="ko-KR" altLang="en-US" sz="1000" b="1" dirty="0" smtClean="0">
+                <a:latin typeface="+mj-lt"/>
+              </a:rPr>
+              <a:t>모드 </a:t>
+            </a:r>
+            <a:r>
+              <a:rPr lang="en-US" altLang="ko-KR" sz="1000" b="1" dirty="0" smtClean="0">
+                <a:latin typeface="+mj-lt"/>
+              </a:rPr>
+              <a:t>= select</a:t>
+            </a:r>
+            <a:endParaRPr lang="ko-KR" altLang="en-US" sz="1000" b="1" dirty="0" smtClean="0">
+              <a:solidFill>
+                <a:schemeClr val="tx1"/>
+              </a:solidFill>
+              <a:latin typeface="+mj-lt"/>
+            </a:endParaRPr>
+          </a:p>
+        </p:txBody>
+      </p:sp>
+    </p:spTree>
+    <p:extLst>
+      <p:ext uri="{BB962C8B-B14F-4D97-AF65-F5344CB8AC3E}">
+        <p14:creationId xmlns:p14="http://schemas.microsoft.com/office/powerpoint/2010/main" val="1427322013"/>
+      </p:ext>
+    </p:extLst>
+  </p:cSld>
+  <p:clrMapOvr>
+    <a:masterClrMapping/>
+  </p:clrMapOvr>
+  <p:transition spd="slow">
+    <p:randomBar dir="vert"/>
+  </p:transition>
+  <p:timing>
+    <p:tnLst>
+      <p:par>
+        <p:cTn id="1" dur="indefinite" restart="never" nodeType="tmRoot"/>
+      </p:par>
+    </p:tnLst>
+  </p:timing>
+</p:sld>
+</file>
+
+<file path=ppt/slides/slide17.xml><?xml version="1.0" encoding="utf-8"?>
+<p:sld xmlns:a="http://schemas.openxmlformats.org/drawingml/2006/main" xmlns:r="http://schemas.openxmlformats.org/officeDocument/2006/relationships" xmlns:p="http://schemas.openxmlformats.org/presentationml/2006/main">
+  <p:cSld>
+    <p:spTree>
+      <p:nvGrpSpPr>
+        <p:cNvPr id="1" name=""/>
+        <p:cNvGrpSpPr/>
+        <p:nvPr/>
+      </p:nvGrpSpPr>
+      <p:grpSpPr>
+        <a:xfrm>
+          <a:off x="0" y="0"/>
+          <a:ext cx="0" cy="0"/>
+          <a:chOff x="0" y="0"/>
+          <a:chExt cx="0" cy="0"/>
+        </a:xfrm>
+      </p:grpSpPr>
+      <p:sp>
+        <p:nvSpPr>
+          <p:cNvPr id="22" name="Title 1"/>
+          <p:cNvSpPr txBox="1"/>
+          <p:nvPr/>
+        </p:nvSpPr>
+        <p:spPr>
+          <a:xfrm>
+            <a:off x="381000" y="341313"/>
+            <a:ext cx="8368363" cy="495383"/>
+          </a:xfrm>
+          <a:prstGeom prst="rect">
+            <a:avLst/>
+          </a:prstGeom>
+        </p:spPr>
+        <p:txBody>
+          <a:bodyPr/>
+          <a:lstStyle>
+            <a:lvl1pPr algn="ctr" defTabSz="914400" rtl="0" eaLnBrk="1" latinLnBrk="0" hangingPunct="1">
+              <a:spcBef>
+                <a:spcPct val="0"/>
+              </a:spcBef>
+              <a:buNone/>
+              <a:defRPr sz="4400" kern="1200">
+                <a:solidFill>
+                  <a:schemeClr val="tx1"/>
+                </a:solidFill>
+                <a:latin typeface="+mj-lt"/>
+                <a:ea typeface="+mj-ea"/>
+                <a:cs typeface="+mj-cs"/>
+              </a:defRPr>
+            </a:lvl1pPr>
+          </a:lstStyle>
+          <a:p>
+            <a:pPr lvl="0">
+              <a:defRPr lang="ko-KR" altLang="en-US"/>
+            </a:pPr>
+            <a:r>
+              <a:rPr lang="ko-KR" altLang="en-US" sz="3200" dirty="0" smtClean="0">
+                <a:solidFill>
+                  <a:srgbClr val="FFFFFF">
+                    <a:lumMod val="50000"/>
+                  </a:srgbClr>
+                </a:solidFill>
+                <a:latin typeface="+mn-lt"/>
+                <a:ea typeface="+mn-ea"/>
+                <a:cs typeface="+mn-cs"/>
+              </a:rPr>
+              <a:t>데이터 흐름도 </a:t>
+            </a:r>
+            <a:endParaRPr lang="en-US" dirty="0">
+              <a:latin typeface="+mn-lt"/>
+              <a:ea typeface="+mn-ea"/>
+              <a:cs typeface="+mn-cs"/>
+            </a:endParaRPr>
+          </a:p>
+        </p:txBody>
+      </p:sp>
+      <p:sp>
+        <p:nvSpPr>
+          <p:cNvPr id="2" name="직사각형 1"/>
+          <p:cNvSpPr/>
+          <p:nvPr/>
+        </p:nvSpPr>
+        <p:spPr>
+          <a:xfrm>
+            <a:off x="719572" y="1154447"/>
+            <a:ext cx="1620180" cy="477767"/>
+          </a:xfrm>
+          <a:prstGeom prst="rect">
+            <a:avLst/>
+          </a:prstGeom>
+          <a:ln/>
+        </p:spPr>
+        <p:style>
+          <a:lnRef idx="2">
+            <a:schemeClr val="dk1"/>
+          </a:lnRef>
+          <a:fillRef idx="1">
+            <a:schemeClr val="lt1"/>
+          </a:fillRef>
+          <a:effectRef idx="0">
+            <a:schemeClr val="dk1"/>
+          </a:effectRef>
+          <a:fontRef idx="minor">
+            <a:schemeClr val="dk1"/>
+          </a:fontRef>
+        </p:style>
+        <p:txBody>
+          <a:bodyPr vert="horz" wrap="square" lIns="91440" tIns="45720" rIns="91440" bIns="45720" numCol="1" rtlCol="0" anchor="t" anchorCtr="0" compatLnSpc="1">
+            <a:prstTxWarp prst="textNoShape">
+              <a:avLst/>
+            </a:prstTxWarp>
+          </a:bodyPr>
+          <a:lstStyle/>
+          <a:p>
+            <a:pPr algn="ctr"/>
+            <a:endParaRPr lang="ko-KR" altLang="en-US" dirty="0"/>
+          </a:p>
+        </p:txBody>
+      </p:sp>
+      <p:sp>
+        <p:nvSpPr>
+          <p:cNvPr id="3" name="타원 2"/>
+          <p:cNvSpPr/>
+          <p:nvPr/>
+        </p:nvSpPr>
+        <p:spPr>
+          <a:xfrm>
+            <a:off x="1799692" y="3075806"/>
+            <a:ext cx="1224136" cy="900100"/>
+          </a:xfrm>
+          <a:prstGeom prst="ellipse">
+            <a:avLst/>
+          </a:prstGeom>
+          <a:ln/>
+        </p:spPr>
+        <p:style>
+          <a:lnRef idx="2">
+            <a:schemeClr val="dk1"/>
+          </a:lnRef>
+          <a:fillRef idx="1">
+            <a:schemeClr val="lt1"/>
+          </a:fillRef>
+          <a:effectRef idx="0">
+            <a:schemeClr val="dk1"/>
+          </a:effectRef>
+          <a:fontRef idx="minor">
+            <a:schemeClr val="dk1"/>
+          </a:fontRef>
+        </p:style>
+        <p:txBody>
+          <a:bodyPr vert="horz" wrap="square" lIns="91440" tIns="45720" rIns="91440" bIns="45720" numCol="1" rtlCol="0" anchor="t" anchorCtr="0" compatLnSpc="1">
+            <a:prstTxWarp prst="textNoShape">
+              <a:avLst/>
+            </a:prstTxWarp>
+          </a:bodyPr>
+          <a:lstStyle/>
+          <a:p>
+            <a:pPr algn="ctr"/>
+            <a:endParaRPr lang="ko-KR" altLang="en-US"/>
+          </a:p>
+        </p:txBody>
+      </p:sp>
+      <p:grpSp>
+        <p:nvGrpSpPr>
+          <p:cNvPr id="13" name="그룹 12"/>
+          <p:cNvGrpSpPr/>
+          <p:nvPr/>
+        </p:nvGrpSpPr>
+        <p:grpSpPr>
+          <a:xfrm>
+            <a:off x="3635896" y="1923678"/>
+            <a:ext cx="1620180" cy="549775"/>
+            <a:chOff x="3851920" y="1815666"/>
+            <a:chExt cx="1620180" cy="549775"/>
+          </a:xfrm>
+        </p:grpSpPr>
+        <p:sp>
+          <p:nvSpPr>
+            <p:cNvPr id="4" name="직사각형 3"/>
+            <p:cNvSpPr/>
+            <p:nvPr/>
+          </p:nvSpPr>
+          <p:spPr>
+            <a:xfrm>
+              <a:off x="3851920" y="1815666"/>
+              <a:ext cx="1620180" cy="45719"/>
+            </a:xfrm>
+            <a:prstGeom prst="rect">
+              <a:avLst/>
+            </a:prstGeom>
+            <a:solidFill>
+              <a:schemeClr val="tx1"/>
+            </a:solidFill>
+            <a:ln w="9525">
+              <a:noFill/>
+              <a:round/>
+            </a:ln>
+          </p:spPr>
+          <p:txBody>
+            <a:bodyPr vert="horz" wrap="square" lIns="91440" tIns="45720" rIns="91440" bIns="45720" numCol="1" rtlCol="0" anchor="t" anchorCtr="0" compatLnSpc="1">
+              <a:prstTxWarp prst="textNoShape">
+                <a:avLst/>
+              </a:prstTxWarp>
+            </a:bodyPr>
+            <a:lstStyle/>
+            <a:p>
+              <a:pPr algn="ctr"/>
+              <a:endParaRPr lang="ko-KR" altLang="en-US"/>
+            </a:p>
+          </p:txBody>
+        </p:sp>
+        <p:sp>
+          <p:nvSpPr>
+            <p:cNvPr id="20" name="직사각형 19"/>
+            <p:cNvSpPr/>
+            <p:nvPr/>
+          </p:nvSpPr>
+          <p:spPr>
+            <a:xfrm>
+              <a:off x="3851920" y="2319722"/>
+              <a:ext cx="1620180" cy="45719"/>
+            </a:xfrm>
+            <a:prstGeom prst="rect">
+              <a:avLst/>
+            </a:prstGeom>
+            <a:solidFill>
+              <a:schemeClr val="tx1"/>
+            </a:solidFill>
+            <a:ln w="9525">
+              <a:noFill/>
+              <a:round/>
+            </a:ln>
+          </p:spPr>
+          <p:txBody>
+            <a:bodyPr vert="horz" wrap="square" lIns="91440" tIns="45720" rIns="91440" bIns="45720" numCol="1" rtlCol="0" anchor="t" anchorCtr="0" compatLnSpc="1">
+              <a:prstTxWarp prst="textNoShape">
+                <a:avLst/>
+              </a:prstTxWarp>
+            </a:bodyPr>
+            <a:lstStyle/>
+            <a:p>
+              <a:pPr algn="ctr"/>
+              <a:endParaRPr lang="ko-KR" altLang="en-US"/>
+            </a:p>
+          </p:txBody>
+        </p:sp>
+        <p:sp>
+          <p:nvSpPr>
+            <p:cNvPr id="10" name="TextBox 9"/>
+            <p:cNvSpPr txBox="1"/>
+            <p:nvPr/>
+          </p:nvSpPr>
+          <p:spPr>
+            <a:xfrm>
+              <a:off x="3851920" y="1981661"/>
+              <a:ext cx="1620180" cy="194925"/>
+            </a:xfrm>
+            <a:prstGeom prst="rect">
+              <a:avLst/>
+            </a:prstGeom>
+          </p:spPr>
+          <p:txBody>
+            <a:bodyPr wrap="square" lIns="0" tIns="0" rIns="0" bIns="0" rtlCol="0" anchor="ctr">
+              <a:spAutoFit/>
+            </a:bodyPr>
+            <a:lstStyle/>
+            <a:p>
+              <a:pPr marL="0" indent="0" algn="ctr">
+                <a:lnSpc>
+                  <a:spcPct val="150000"/>
+                </a:lnSpc>
+                <a:buNone/>
+              </a:pPr>
+              <a:r>
+                <a:rPr lang="ko-KR" altLang="en-US" sz="1000" b="1" dirty="0" smtClean="0">
+                  <a:solidFill>
+                    <a:schemeClr val="tx1"/>
+                  </a:solidFill>
+                  <a:latin typeface="+mj-lt"/>
+                </a:rPr>
+                <a:t>내용</a:t>
+              </a:r>
+              <a:endParaRPr lang="ko-KR" altLang="en-US" sz="1000" b="1" dirty="0" smtClean="0">
+                <a:solidFill>
+                  <a:schemeClr val="tx1"/>
+                </a:solidFill>
+                <a:latin typeface="+mj-lt"/>
+              </a:endParaRPr>
+            </a:p>
+          </p:txBody>
+        </p:sp>
+      </p:grpSp>
+      <p:sp>
+        <p:nvSpPr>
+          <p:cNvPr id="23" name="직사각형 22"/>
+          <p:cNvSpPr/>
+          <p:nvPr/>
+        </p:nvSpPr>
+        <p:spPr>
+          <a:xfrm>
+            <a:off x="381000" y="1956251"/>
+            <a:ext cx="1620180" cy="477767"/>
+          </a:xfrm>
+          <a:prstGeom prst="rect">
+            <a:avLst/>
+          </a:prstGeom>
+          <a:ln/>
+        </p:spPr>
+        <p:style>
+          <a:lnRef idx="2">
+            <a:schemeClr val="dk1"/>
+          </a:lnRef>
+          <a:fillRef idx="1">
+            <a:schemeClr val="lt1"/>
+          </a:fillRef>
+          <a:effectRef idx="0">
+            <a:schemeClr val="dk1"/>
+          </a:effectRef>
+          <a:fontRef idx="minor">
+            <a:schemeClr val="dk1"/>
+          </a:fontRef>
+        </p:style>
+        <p:txBody>
+          <a:bodyPr vert="horz" wrap="square" lIns="91440" tIns="45720" rIns="91440" bIns="45720" numCol="1" rtlCol="0" anchor="t" anchorCtr="0" compatLnSpc="1">
+            <a:prstTxWarp prst="textNoShape">
+              <a:avLst/>
+            </a:prstTxWarp>
+          </a:bodyPr>
+          <a:lstStyle/>
+          <a:p>
+            <a:pPr algn="ctr"/>
+            <a:r>
+              <a:rPr lang="ko-KR" altLang="en-US" dirty="0" smtClean="0"/>
+              <a:t>길이 측정</a:t>
+            </a:r>
+            <a:endParaRPr lang="ko-KR" altLang="en-US" dirty="0"/>
+          </a:p>
+        </p:txBody>
+      </p:sp>
+    </p:spTree>
+    <p:extLst>
+      <p:ext uri="{BB962C8B-B14F-4D97-AF65-F5344CB8AC3E}">
+        <p14:creationId xmlns:p14="http://schemas.microsoft.com/office/powerpoint/2010/main" val="1957242805"/>
+      </p:ext>
+    </p:extLst>
+  </p:cSld>
+  <p:clrMapOvr>
+    <a:masterClrMapping/>
+  </p:clrMapOvr>
+  <p:transition spd="slow">
+    <p:randomBar dir="vert"/>
+  </p:transition>
+  <p:timing>
+    <p:tnLst>
+      <p:par>
+        <p:cTn id="1" dur="indefinite" restart="never" nodeType="tmRoot"/>
+      </p:par>
+    </p:tnLst>
+  </p:timing>
+</p:sld>
+</file>
+
+<file path=ppt/slides/slide18.xml><?xml version="1.0" encoding="utf-8"?>
 <p:sld xmlns:a="http://schemas.openxmlformats.org/drawingml/2006/main" xmlns:r="http://schemas.openxmlformats.org/officeDocument/2006/relationships" xmlns:p="http://schemas.openxmlformats.org/presentationml/2006/main">
   <p:cSld>
     <p:spTree>
@@ -14272,7 +16961,7 @@
               <a:defRPr lang="ko-KR" altLang="en-US"/>
             </a:pPr>
             <a:r>
-              <a:rPr lang="ko-KR" altLang="en-US" smtClean="0"/>
+              <a:rPr lang="ko-KR" altLang="en-US" dirty="0" smtClean="0"/>
               <a:t>사용 영상</a:t>
             </a:r>
             <a:endParaRPr lang="ko-KR" altLang="en-US" dirty="0"/>
@@ -14363,7 +17052,7 @@
 </p:sld>
 </file>
 
-<file path=ppt/slides/slide17.xml><?xml version="1.0" encoding="utf-8"?>
+<file path=ppt/slides/slide19.xml><?xml version="1.0" encoding="utf-8"?>
 <p:sld xmlns:a="http://schemas.openxmlformats.org/drawingml/2006/main" xmlns:r="http://schemas.openxmlformats.org/officeDocument/2006/relationships" xmlns:p="http://schemas.openxmlformats.org/presentationml/2006/main" showMasterSp="0">
   <p:cSld>
     <p:spTree>
@@ -14382,7 +17071,7 @@
       </p:grpSpPr>
       <p:sp>
         <p:nvSpPr>
-          <p:cNvPr id="3" name="제목 2"/>
+          <p:cNvPr id="12" name="제목 11"/>
           <p:cNvSpPr>
             <a:spLocks noGrp="1"/>
           </p:cNvSpPr>
@@ -14390,48 +17079,43 @@
             <p:ph type="title"/>
           </p:nvPr>
         </p:nvSpPr>
-        <p:spPr>
-          <a:xfrm>
-            <a:off x="344097" y="2355726"/>
-            <a:ext cx="8368363" cy="495383"/>
-          </a:xfrm>
-        </p:spPr>
+        <p:spPr/>
         <p:txBody>
           <a:bodyPr/>
           <a:lstStyle/>
           <a:p>
+            <a:pPr lvl="0">
+              <a:defRPr lang="ko-KR" altLang="en-US"/>
+            </a:pPr>
             <a:r>
-              <a:rPr lang="en-US" altLang="ko-KR" sz="4000" dirty="0" smtClean="0">
-                <a:ln w="0"/>
-                <a:solidFill>
-                  <a:schemeClr val="tx1"/>
-                </a:solidFill>
-                <a:effectLst>
-                  <a:outerShdw blurRad="38100" dist="19050" dir="2700000" algn="tl" rotWithShape="0">
-                    <a:schemeClr val="dk1">
-                      <a:alpha val="40000"/>
-                    </a:schemeClr>
-                  </a:outerShdw>
-                </a:effectLst>
-              </a:rPr>
-              <a:t>Q&amp;A</a:t>
+              <a:rPr lang="ko-KR" altLang="en-US"/>
+              <a:t>역할분담</a:t>
             </a:r>
-            <a:endParaRPr lang="ko-KR" altLang="en-US" sz="4000" dirty="0">
-              <a:ln w="0"/>
-              <a:solidFill>
-                <a:schemeClr val="tx1"/>
-              </a:solidFill>
-              <a:effectLst>
-                <a:outerShdw blurRad="38100" dist="19050" dir="2700000" algn="tl" rotWithShape="0">
-                  <a:schemeClr val="dk1">
-                    <a:alpha val="40000"/>
-                  </a:schemeClr>
-                </a:outerShdw>
-              </a:effectLst>
-            </a:endParaRPr>
           </a:p>
         </p:txBody>
       </p:sp>
+      <p:graphicFrame>
+        <p:nvGraphicFramePr>
+          <p:cNvPr id="13" name="다이어그램 12"/>
+          <p:cNvGraphicFramePr/>
+          <p:nvPr>
+            <p:extLst>
+              <p:ext uri="{D42A27DB-BD31-4B8C-83A1-F6EECF244321}">
+                <p14:modId xmlns:p14="http://schemas.microsoft.com/office/powerpoint/2010/main" val="1480946156"/>
+              </p:ext>
+            </p:extLst>
+          </p:nvPr>
+        </p:nvGraphicFramePr>
+        <p:xfrm>
+          <a:off x="1871700" y="1095586"/>
+          <a:ext cx="5868652" cy="2232248"/>
+        </p:xfrm>
+        <a:graphic>
+          <a:graphicData uri="http://schemas.openxmlformats.org/drawingml/2006/diagram">
+            <dgm:relIds xmlns:dgm="http://schemas.openxmlformats.org/drawingml/2006/diagram" xmlns:r="http://schemas.openxmlformats.org/officeDocument/2006/relationships" r:dm="rId2" r:lo="rId3" r:qs="rId4" r:cs="rId5"/>
+          </a:graphicData>
+        </a:graphic>
+      </p:graphicFrame>
     </p:spTree>
   </p:cSld>
   <p:clrMapOvr>
@@ -23849,6 +26533,90 @@
 </p:sld>
 </file>
 
+<file path=ppt/slides/slide20.xml><?xml version="1.0" encoding="utf-8"?>
+<p:sld xmlns:a="http://schemas.openxmlformats.org/drawingml/2006/main" xmlns:r="http://schemas.openxmlformats.org/officeDocument/2006/relationships" xmlns:p="http://schemas.openxmlformats.org/presentationml/2006/main" showMasterSp="0">
+  <p:cSld>
+    <p:spTree>
+      <p:nvGrpSpPr>
+        <p:cNvPr id="1" name=""/>
+        <p:cNvGrpSpPr/>
+        <p:nvPr/>
+      </p:nvGrpSpPr>
+      <p:grpSpPr>
+        <a:xfrm>
+          <a:off x="0" y="0"/>
+          <a:ext cx="0" cy="0"/>
+          <a:chOff x="0" y="0"/>
+          <a:chExt cx="0" cy="0"/>
+        </a:xfrm>
+      </p:grpSpPr>
+      <p:sp>
+        <p:nvSpPr>
+          <p:cNvPr id="3" name="제목 2"/>
+          <p:cNvSpPr>
+            <a:spLocks noGrp="1"/>
+          </p:cNvSpPr>
+          <p:nvPr>
+            <p:ph type="title"/>
+          </p:nvPr>
+        </p:nvSpPr>
+        <p:spPr>
+          <a:xfrm>
+            <a:off x="344097" y="2355726"/>
+            <a:ext cx="8368363" cy="495383"/>
+          </a:xfrm>
+        </p:spPr>
+        <p:txBody>
+          <a:bodyPr/>
+          <a:lstStyle/>
+          <a:p>
+            <a:r>
+              <a:rPr lang="en-US" altLang="ko-KR" sz="4000" dirty="0" smtClean="0">
+                <a:ln w="0"/>
+                <a:solidFill>
+                  <a:schemeClr val="tx1"/>
+                </a:solidFill>
+                <a:effectLst>
+                  <a:outerShdw blurRad="38100" dist="19050" dir="2700000" algn="tl" rotWithShape="0">
+                    <a:schemeClr val="dk1">
+                      <a:alpha val="40000"/>
+                    </a:schemeClr>
+                  </a:outerShdw>
+                </a:effectLst>
+              </a:rPr>
+              <a:t>Q&amp;A</a:t>
+            </a:r>
+            <a:endParaRPr lang="ko-KR" altLang="en-US" sz="4000" dirty="0">
+              <a:ln w="0"/>
+              <a:solidFill>
+                <a:schemeClr val="tx1"/>
+              </a:solidFill>
+              <a:effectLst>
+                <a:outerShdw blurRad="38100" dist="19050" dir="2700000" algn="tl" rotWithShape="0">
+                  <a:schemeClr val="dk1">
+                    <a:alpha val="40000"/>
+                  </a:schemeClr>
+                </a:outerShdw>
+              </a:effectLst>
+            </a:endParaRPr>
+          </a:p>
+        </p:txBody>
+      </p:sp>
+    </p:spTree>
+  </p:cSld>
+  <p:clrMapOvr>
+    <a:masterClrMapping/>
+  </p:clrMapOvr>
+  <p:timing>
+    <p:tnLst>
+      <p:par>
+        <p:cTn id="1" dur="indefinite" restart="never" nodeType="tmRoot"/>
+      </p:par>
+    </p:tnLst>
+  </p:timing>
+</p:sld>
+</file>
+
 <file path=ppt/slides/slide3.xml><?xml version="1.0" encoding="utf-8"?>
 <p:sld xmlns:a="http://schemas.openxmlformats.org/drawingml/2006/main" xmlns:r="http://schemas.openxmlformats.org/officeDocument/2006/relationships" xmlns:p="http://schemas.openxmlformats.org/presentationml/2006/main" showMasterSp="0">
   <p:cSld>
@@ -23883,7 +26651,7 @@
         </p:blipFill>
         <p:spPr>
           <a:xfrm>
-            <a:off x="1871700" y="1537902"/>
+            <a:off x="1655329" y="1760773"/>
             <a:ext cx="2143125" cy="2143125"/>
           </a:xfrm>
           <a:prstGeom prst="rect">
@@ -23909,7 +26677,7 @@
         </p:blipFill>
         <p:spPr>
           <a:xfrm>
-            <a:off x="4235152" y="1272220"/>
+            <a:off x="4018781" y="1495091"/>
             <a:ext cx="3505200" cy="2336800"/>
           </a:xfrm>
           <a:prstGeom prst="rect">
@@ -23970,7 +26738,7 @@
         </p:blipFill>
         <p:spPr>
           <a:xfrm>
-            <a:off x="4572000" y="1467991"/>
+            <a:off x="4355629" y="1690862"/>
             <a:ext cx="2171700" cy="2105025"/>
           </a:xfrm>
           <a:prstGeom prst="rect">
@@ -23999,7 +26767,7 @@
         </p:blipFill>
         <p:spPr>
           <a:xfrm>
-            <a:off x="1836043" y="1562100"/>
+            <a:off x="1619672" y="1784971"/>
             <a:ext cx="2447925" cy="1866900"/>
           </a:xfrm>
           <a:prstGeom prst="rect">
@@ -25619,11 +28387,11 @@
   <p:clrMapOvr>
     <a:masterClrMapping/>
   </p:clrMapOvr>
-  <mc:AlternateContent xmlns:mc="http://schemas.openxmlformats.org/markup-compatibility/2006">
-    <mc:Choice xmlns:p14="http://schemas.microsoft.com/office/powerpoint/2010/main" Requires="p14">
+  <mc:AlternateContent xmlns:mc="http://schemas.openxmlformats.org/markup-compatibility/2006" xmlns:p14="http://schemas.microsoft.com/office/powerpoint/2010/main">
+    <mc:Choice Requires="p14">
       <p:transition spd="slow" p14:dur="2000" advClick="0"/>
     </mc:Choice>
-    <mc:Fallback>
+    <mc:Fallback xmlns="">
       <p:transition spd="slow" advClick="0"/>
     </mc:Fallback>
   </mc:AlternateContent>
@@ -25708,1516 +28476,6 @@
 </file>
 
 <file path=ppt/slides/slide7.xml><?xml version="1.0" encoding="utf-8"?>
-<p:sld xmlns:a="http://schemas.openxmlformats.org/drawingml/2006/main" xmlns:r="http://schemas.openxmlformats.org/officeDocument/2006/relationships" xmlns:p="http://schemas.openxmlformats.org/presentationml/2006/main" showMasterSp="0">
-  <p:cSld>
-    <p:spTree>
-      <p:nvGrpSpPr>
-        <p:cNvPr id="1" name=""/>
-        <p:cNvGrpSpPr/>
-        <p:nvPr/>
-      </p:nvGrpSpPr>
-      <p:grpSpPr>
-        <a:xfrm>
-          <a:off x="0" y="0"/>
-          <a:ext cx="0" cy="0"/>
-          <a:chOff x="0" y="0"/>
-          <a:chExt cx="0" cy="0"/>
-        </a:xfrm>
-      </p:grpSpPr>
-      <p:graphicFrame>
-        <p:nvGraphicFramePr>
-          <p:cNvPr id="2" name="표 1"/>
-          <p:cNvGraphicFramePr>
-            <a:graphicFrameLocks noGrp="1"/>
-          </p:cNvGraphicFramePr>
-          <p:nvPr>
-            <p:extLst>
-              <p:ext uri="{D42A27DB-BD31-4B8C-83A1-F6EECF244321}">
-                <p14:modId xmlns:p14="http://schemas.microsoft.com/office/powerpoint/2010/main" val="3851060037"/>
-              </p:ext>
-            </p:extLst>
-          </p:nvPr>
-        </p:nvGraphicFramePr>
-        <p:xfrm>
-          <a:off x="228600" y="819150"/>
-          <a:ext cx="8762998" cy="3865138"/>
-        </p:xfrm>
-        <a:graphic>
-          <a:graphicData uri="http://schemas.openxmlformats.org/drawingml/2006/table">
-            <a:tbl>
-              <a:tblPr firstRow="1" bandRow="1">
-                <a:tableStyleId>{073A0DAA-6AF3-43AB-8588-CEC1D06C72B9}</a:tableStyleId>
-              </a:tblPr>
-              <a:tblGrid>
-                <a:gridCol w="1371600"/>
-                <a:gridCol w="1135596"/>
-                <a:gridCol w="1908212"/>
-                <a:gridCol w="1296144"/>
-                <a:gridCol w="1451248"/>
-                <a:gridCol w="1600198"/>
-              </a:tblGrid>
-              <a:tr h="381168">
-                <a:tc>
-                  <a:txBody>
-                    <a:bodyPr/>
-                    <a:lstStyle/>
-                    <a:p>
-                      <a:pPr algn="ctr" latinLnBrk="1">
-                        <a:defRPr lang="ko-KR" altLang="en-US"/>
-                      </a:pPr>
-                      <a:endParaRPr lang="ko-KR" altLang="en-US" sz="1400" dirty="0">
-                        <a:latin typeface="+mn-lt"/>
-                        <a:ea typeface="+mn-ea"/>
-                        <a:cs typeface="+mn-cs"/>
-                      </a:endParaRPr>
-                    </a:p>
-                  </a:txBody>
-                  <a:tcPr/>
-                </a:tc>
-                <a:tc>
-                  <a:txBody>
-                    <a:bodyPr/>
-                    <a:lstStyle/>
-                    <a:p>
-                      <a:pPr algn="ctr" latinLnBrk="1">
-                        <a:defRPr lang="ko-KR" altLang="en-US"/>
-                      </a:pPr>
-                      <a:r>
-                        <a:rPr lang="ko-KR" altLang="en-US" sz="1400">
-                          <a:latin typeface="+mn-lt"/>
-                          <a:ea typeface="+mn-ea"/>
-                          <a:cs typeface="+mn-cs"/>
-                        </a:rPr>
-                        <a:t>호남 </a:t>
-                      </a:r>
-                      <a:r>
-                        <a:rPr lang="en-US" altLang="ko-KR" sz="1400">
-                          <a:latin typeface="+mn-lt"/>
-                          <a:ea typeface="+mn-ea"/>
-                          <a:cs typeface="+mn-cs"/>
-                        </a:rPr>
-                        <a:t>AR</a:t>
-                      </a:r>
-                      <a:endParaRPr lang="ko-KR" altLang="en-US" sz="1400">
-                        <a:latin typeface="+mn-lt"/>
-                        <a:ea typeface="+mn-ea"/>
-                        <a:cs typeface="+mn-cs"/>
-                      </a:endParaRPr>
-                    </a:p>
-                  </a:txBody>
-                  <a:tcPr/>
-                </a:tc>
-                <a:tc>
-                  <a:txBody>
-                    <a:bodyPr/>
-                    <a:lstStyle/>
-                    <a:p>
-                      <a:pPr algn="ctr">
-                        <a:defRPr lang="ko-KR" altLang="en-US"/>
-                      </a:pPr>
-                      <a:r>
-                        <a:rPr lang="en-US" altLang="ko-KR" sz="1400">
-                          <a:latin typeface="+mn-lt"/>
-                          <a:ea typeface="+mn-ea"/>
-                          <a:cs typeface="+mn-cs"/>
-                        </a:rPr>
-                        <a:t>IKEA Place</a:t>
-                      </a:r>
-                      <a:endParaRPr lang="ko-KR" altLang="en-US" sz="1400">
-                        <a:latin typeface="+mn-lt"/>
-                        <a:ea typeface="+mn-ea"/>
-                        <a:cs typeface="+mn-cs"/>
-                      </a:endParaRPr>
-                    </a:p>
-                  </a:txBody>
-                  <a:tcPr/>
-                </a:tc>
-                <a:tc>
-                  <a:txBody>
-                    <a:bodyPr/>
-                    <a:lstStyle/>
-                    <a:p>
-                      <a:pPr algn="ctr" latinLnBrk="1">
-                        <a:defRPr lang="ko-KR" altLang="en-US"/>
-                      </a:pPr>
-                      <a:r>
-                        <a:rPr lang="en-US" altLang="ko-KR" sz="1400" dirty="0" err="1">
-                          <a:latin typeface="+mn-lt"/>
-                          <a:ea typeface="+mn-ea"/>
-                          <a:cs typeface="+mn-cs"/>
-                        </a:rPr>
-                        <a:t>Houzz</a:t>
-                      </a:r>
-                      <a:endParaRPr lang="ko-KR" altLang="en-US" sz="1400" dirty="0">
-                        <a:latin typeface="+mn-lt"/>
-                        <a:ea typeface="+mn-ea"/>
-                        <a:cs typeface="+mn-cs"/>
-                      </a:endParaRPr>
-                    </a:p>
-                  </a:txBody>
-                  <a:tcPr/>
-                </a:tc>
-                <a:tc>
-                  <a:txBody>
-                    <a:bodyPr/>
-                    <a:lstStyle/>
-                    <a:p>
-                      <a:pPr algn="ctr" latinLnBrk="1">
-                        <a:defRPr lang="ko-KR" altLang="en-US"/>
-                      </a:pPr>
-                      <a:r>
-                        <a:rPr lang="en-US" altLang="ko-KR" sz="1400">
-                          <a:latin typeface="+mn-lt"/>
-                          <a:ea typeface="+mn-ea"/>
-                          <a:cs typeface="+mn-cs"/>
-                        </a:rPr>
-                        <a:t>MyTy</a:t>
-                      </a:r>
-                      <a:endParaRPr lang="ko-KR" altLang="en-US" sz="1400">
-                        <a:latin typeface="+mn-lt"/>
-                        <a:ea typeface="+mn-ea"/>
-                        <a:cs typeface="+mn-cs"/>
-                      </a:endParaRPr>
-                    </a:p>
-                  </a:txBody>
-                  <a:tcPr/>
-                </a:tc>
-                <a:tc>
-                  <a:txBody>
-                    <a:bodyPr/>
-                    <a:lstStyle/>
-                    <a:p>
-                      <a:pPr algn="ctr" latinLnBrk="1">
-                        <a:defRPr lang="ko-KR" altLang="en-US"/>
-                      </a:pPr>
-                      <a:r>
-                        <a:rPr lang="en-US" altLang="ko-KR" sz="1400">
-                          <a:latin typeface="+mn-lt"/>
-                          <a:ea typeface="+mn-ea"/>
-                          <a:cs typeface="+mn-cs"/>
-                        </a:rPr>
-                        <a:t>PlaceFurnitureAR</a:t>
-                      </a:r>
-                      <a:endParaRPr lang="ko-KR" altLang="en-US" sz="1400">
-                        <a:latin typeface="+mn-lt"/>
-                        <a:ea typeface="+mn-ea"/>
-                        <a:cs typeface="+mn-cs"/>
-                      </a:endParaRPr>
-                    </a:p>
-                  </a:txBody>
-                  <a:tcPr/>
-                </a:tc>
-              </a:tr>
-              <a:tr h="380832">
-                <a:tc>
-                  <a:txBody>
-                    <a:bodyPr/>
-                    <a:lstStyle/>
-                    <a:p>
-                      <a:pPr algn="ctr" latinLnBrk="1">
-                        <a:defRPr lang="ko-KR" altLang="en-US"/>
-                      </a:pPr>
-                      <a:r>
-                        <a:rPr lang="ko-KR" altLang="en-US" sz="1400">
-                          <a:latin typeface="+mn-lt"/>
-                          <a:ea typeface="+mn-ea"/>
-                          <a:cs typeface="+mn-cs"/>
-                        </a:rPr>
-                        <a:t>거리 측정</a:t>
-                      </a:r>
-                    </a:p>
-                  </a:txBody>
-                  <a:tcPr/>
-                </a:tc>
-                <a:tc>
-                  <a:txBody>
-                    <a:bodyPr/>
-                    <a:lstStyle/>
-                    <a:p>
-                      <a:pPr algn="ctr" latinLnBrk="1">
-                        <a:defRPr lang="ko-KR" altLang="en-US"/>
-                      </a:pPr>
-                      <a:r>
-                        <a:rPr lang="en-US" altLang="ko-KR" sz="1400">
-                          <a:latin typeface="+mn-lt"/>
-                          <a:ea typeface="+mn-ea"/>
-                          <a:cs typeface="+mn-cs"/>
-                        </a:rPr>
-                        <a:t>O</a:t>
-                      </a:r>
-                      <a:endParaRPr lang="ko-KR" altLang="en-US" sz="1400">
-                        <a:latin typeface="+mn-lt"/>
-                        <a:ea typeface="+mn-ea"/>
-                        <a:cs typeface="+mn-cs"/>
-                      </a:endParaRPr>
-                    </a:p>
-                  </a:txBody>
-                  <a:tcPr/>
-                </a:tc>
-                <a:tc>
-                  <a:txBody>
-                    <a:bodyPr/>
-                    <a:lstStyle/>
-                    <a:p>
-                      <a:pPr algn="ctr" latinLnBrk="1">
-                        <a:defRPr lang="ko-KR" altLang="en-US"/>
-                      </a:pPr>
-                      <a:r>
-                        <a:rPr lang="en-US" altLang="ko-KR" sz="1400">
-                          <a:latin typeface="+mn-lt"/>
-                          <a:ea typeface="+mn-ea"/>
-                          <a:cs typeface="+mn-cs"/>
-                        </a:rPr>
-                        <a:t>X</a:t>
-                      </a:r>
-                      <a:endParaRPr lang="ko-KR" altLang="en-US" sz="1400">
-                        <a:latin typeface="+mn-lt"/>
-                        <a:ea typeface="+mn-ea"/>
-                        <a:cs typeface="+mn-cs"/>
-                      </a:endParaRPr>
-                    </a:p>
-                  </a:txBody>
-                  <a:tcPr/>
-                </a:tc>
-                <a:tc>
-                  <a:txBody>
-                    <a:bodyPr/>
-                    <a:lstStyle/>
-                    <a:p>
-                      <a:pPr algn="ctr" latinLnBrk="1">
-                        <a:defRPr lang="ko-KR" altLang="en-US"/>
-                      </a:pPr>
-                      <a:r>
-                        <a:rPr lang="en-US" altLang="ko-KR" sz="1400">
-                          <a:latin typeface="+mn-lt"/>
-                          <a:ea typeface="+mn-ea"/>
-                          <a:cs typeface="+mn-cs"/>
-                        </a:rPr>
-                        <a:t>X</a:t>
-                      </a:r>
-                      <a:endParaRPr lang="ko-KR" altLang="en-US" sz="1400">
-                        <a:latin typeface="+mn-lt"/>
-                        <a:ea typeface="+mn-ea"/>
-                        <a:cs typeface="+mn-cs"/>
-                      </a:endParaRPr>
-                    </a:p>
-                  </a:txBody>
-                  <a:tcPr/>
-                </a:tc>
-                <a:tc>
-                  <a:txBody>
-                    <a:bodyPr/>
-                    <a:lstStyle/>
-                    <a:p>
-                      <a:pPr algn="ctr" latinLnBrk="1">
-                        <a:defRPr lang="ko-KR" altLang="en-US"/>
-                      </a:pPr>
-                      <a:r>
-                        <a:rPr lang="en-US" altLang="ko-KR" sz="1400">
-                          <a:latin typeface="+mn-lt"/>
-                          <a:ea typeface="+mn-ea"/>
-                          <a:cs typeface="+mn-cs"/>
-                        </a:rPr>
-                        <a:t>X</a:t>
-                      </a:r>
-                      <a:endParaRPr lang="ko-KR" altLang="en-US" sz="1400">
-                        <a:latin typeface="+mn-lt"/>
-                        <a:ea typeface="+mn-ea"/>
-                        <a:cs typeface="+mn-cs"/>
-                      </a:endParaRPr>
-                    </a:p>
-                  </a:txBody>
-                  <a:tcPr/>
-                </a:tc>
-                <a:tc>
-                  <a:txBody>
-                    <a:bodyPr/>
-                    <a:lstStyle/>
-                    <a:p>
-                      <a:pPr algn="ctr" latinLnBrk="1">
-                        <a:defRPr lang="ko-KR" altLang="en-US"/>
-                      </a:pPr>
-                      <a:r>
-                        <a:rPr lang="en-US" altLang="ko-KR" sz="1400">
-                          <a:latin typeface="+mn-lt"/>
-                          <a:ea typeface="+mn-ea"/>
-                          <a:cs typeface="+mn-cs"/>
-                        </a:rPr>
-                        <a:t>X</a:t>
-                      </a:r>
-                      <a:endParaRPr lang="ko-KR" altLang="en-US" sz="1400">
-                        <a:latin typeface="+mn-lt"/>
-                        <a:ea typeface="+mn-ea"/>
-                        <a:cs typeface="+mn-cs"/>
-                      </a:endParaRPr>
-                    </a:p>
-                  </a:txBody>
-                  <a:tcPr/>
-                </a:tc>
-              </a:tr>
-              <a:tr h="381000">
-                <a:tc>
-                  <a:txBody>
-                    <a:bodyPr/>
-                    <a:lstStyle/>
-                    <a:p>
-                      <a:pPr marL="0" indent="0" algn="ctr" defTabSz="914400" eaLnBrk="1" latinLnBrk="1" hangingPunct="1">
-                        <a:lnSpc>
-                          <a:spcPct val="100000"/>
-                        </a:lnSpc>
-                        <a:spcBef>
-                          <a:spcPct val="0"/>
-                        </a:spcBef>
-                        <a:spcAft>
-                          <a:spcPct val="0"/>
-                        </a:spcAft>
-                        <a:buNone/>
-                        <a:defRPr lang="ko-KR">
-                          <a:latin typeface="+mn-lt"/>
-                          <a:ea typeface="+mn-ea"/>
-                          <a:cs typeface="+mn-cs"/>
-                        </a:defRPr>
-                      </a:pPr>
-                      <a:r>
-                        <a:rPr lang="ko-KR" altLang="en-US" sz="1400">
-                          <a:latin typeface="+mn-lt"/>
-                          <a:ea typeface="+mn-ea"/>
-                          <a:cs typeface="+mn-cs"/>
-                        </a:rPr>
-                        <a:t>물체이동</a:t>
-                      </a:r>
-                      <a:r>
-                        <a:rPr lang="en-US" altLang="ko-KR" sz="1400">
-                          <a:latin typeface="+mn-lt"/>
-                          <a:ea typeface="+mn-ea"/>
-                          <a:cs typeface="+mn-cs"/>
-                        </a:rPr>
-                        <a:t>/</a:t>
-                      </a:r>
-                      <a:r>
-                        <a:rPr lang="ko-KR" altLang="en-US" sz="1400">
-                          <a:latin typeface="+mn-lt"/>
-                          <a:ea typeface="+mn-ea"/>
-                          <a:cs typeface="+mn-cs"/>
-                        </a:rPr>
-                        <a:t>회전</a:t>
-                      </a:r>
-                    </a:p>
-                  </a:txBody>
-                  <a:tcPr/>
-                </a:tc>
-                <a:tc>
-                  <a:txBody>
-                    <a:bodyPr/>
-                    <a:lstStyle/>
-                    <a:p>
-                      <a:pPr algn="ctr" latinLnBrk="1">
-                        <a:defRPr lang="ko-KR" altLang="en-US"/>
-                      </a:pPr>
-                      <a:r>
-                        <a:rPr lang="en-US" altLang="ko-KR" sz="1400">
-                          <a:latin typeface="+mn-lt"/>
-                          <a:ea typeface="+mn-ea"/>
-                          <a:cs typeface="+mn-cs"/>
-                        </a:rPr>
-                        <a:t>O</a:t>
-                      </a:r>
-                      <a:endParaRPr lang="ko-KR" altLang="en-US" sz="1400">
-                        <a:latin typeface="+mn-lt"/>
-                        <a:ea typeface="+mn-ea"/>
-                        <a:cs typeface="+mn-cs"/>
-                      </a:endParaRPr>
-                    </a:p>
-                  </a:txBody>
-                  <a:tcPr/>
-                </a:tc>
-                <a:tc>
-                  <a:txBody>
-                    <a:bodyPr/>
-                    <a:lstStyle/>
-                    <a:p>
-                      <a:pPr algn="ctr" latinLnBrk="1">
-                        <a:defRPr lang="ko-KR" altLang="en-US"/>
-                      </a:pPr>
-                      <a:r>
-                        <a:rPr lang="en-US" altLang="ko-KR" sz="1400">
-                          <a:latin typeface="+mn-lt"/>
-                          <a:ea typeface="+mn-ea"/>
-                          <a:cs typeface="+mn-cs"/>
-                        </a:rPr>
-                        <a:t>O</a:t>
-                      </a:r>
-                      <a:endParaRPr lang="ko-KR" altLang="en-US" sz="1400">
-                        <a:latin typeface="+mn-lt"/>
-                        <a:ea typeface="+mn-ea"/>
-                        <a:cs typeface="+mn-cs"/>
-                      </a:endParaRPr>
-                    </a:p>
-                  </a:txBody>
-                  <a:tcPr/>
-                </a:tc>
-                <a:tc>
-                  <a:txBody>
-                    <a:bodyPr/>
-                    <a:lstStyle/>
-                    <a:p>
-                      <a:pPr algn="ctr" latinLnBrk="1">
-                        <a:defRPr lang="ko-KR" altLang="en-US"/>
-                      </a:pPr>
-                      <a:r>
-                        <a:rPr lang="en-US" altLang="ko-KR" sz="1400">
-                          <a:latin typeface="+mn-lt"/>
-                          <a:ea typeface="+mn-ea"/>
-                          <a:cs typeface="+mn-cs"/>
-                        </a:rPr>
-                        <a:t>O</a:t>
-                      </a:r>
-                      <a:endParaRPr lang="ko-KR" altLang="en-US" sz="1400">
-                        <a:latin typeface="+mn-lt"/>
-                        <a:ea typeface="+mn-ea"/>
-                        <a:cs typeface="+mn-cs"/>
-                      </a:endParaRPr>
-                    </a:p>
-                  </a:txBody>
-                  <a:tcPr/>
-                </a:tc>
-                <a:tc>
-                  <a:txBody>
-                    <a:bodyPr/>
-                    <a:lstStyle/>
-                    <a:p>
-                      <a:pPr algn="ctr" latinLnBrk="1">
-                        <a:defRPr lang="ko-KR" altLang="en-US"/>
-                      </a:pPr>
-                      <a:r>
-                        <a:rPr lang="en-US" altLang="ko-KR" sz="1400" dirty="0">
-                          <a:latin typeface="+mn-lt"/>
-                          <a:ea typeface="+mn-ea"/>
-                          <a:cs typeface="+mn-cs"/>
-                        </a:rPr>
-                        <a:t>O</a:t>
-                      </a:r>
-                      <a:endParaRPr lang="ko-KR" altLang="en-US" sz="1400" dirty="0">
-                        <a:latin typeface="+mn-lt"/>
-                        <a:ea typeface="+mn-ea"/>
-                        <a:cs typeface="+mn-cs"/>
-                      </a:endParaRPr>
-                    </a:p>
-                  </a:txBody>
-                  <a:tcPr/>
-                </a:tc>
-                <a:tc>
-                  <a:txBody>
-                    <a:bodyPr/>
-                    <a:lstStyle/>
-                    <a:p>
-                      <a:pPr algn="ctr" latinLnBrk="1">
-                        <a:defRPr lang="ko-KR" altLang="en-US"/>
-                      </a:pPr>
-                      <a:r>
-                        <a:rPr lang="en-US" altLang="ko-KR" sz="1400">
-                          <a:latin typeface="+mn-lt"/>
-                          <a:ea typeface="+mn-ea"/>
-                          <a:cs typeface="+mn-cs"/>
-                        </a:rPr>
-                        <a:t>O</a:t>
-                      </a:r>
-                      <a:endParaRPr lang="ko-KR" altLang="en-US" sz="1400">
-                        <a:latin typeface="+mn-lt"/>
-                        <a:ea typeface="+mn-ea"/>
-                        <a:cs typeface="+mn-cs"/>
-                      </a:endParaRPr>
-                    </a:p>
-                  </a:txBody>
-                  <a:tcPr/>
-                </a:tc>
-              </a:tr>
-              <a:tr h="420898">
-                <a:tc>
-                  <a:txBody>
-                    <a:bodyPr/>
-                    <a:lstStyle/>
-                    <a:p>
-                      <a:pPr algn="ctr" latinLnBrk="1">
-                        <a:defRPr lang="ko-KR" altLang="en-US"/>
-                      </a:pPr>
-                      <a:r>
-                        <a:rPr lang="ko-KR" altLang="en-US" sz="1400">
-                          <a:latin typeface="+mn-lt"/>
-                          <a:ea typeface="+mn-ea"/>
-                          <a:cs typeface="+mn-cs"/>
-                        </a:rPr>
-                        <a:t>로그인</a:t>
-                      </a:r>
-                    </a:p>
-                  </a:txBody>
-                  <a:tcPr/>
-                </a:tc>
-                <a:tc>
-                  <a:txBody>
-                    <a:bodyPr/>
-                    <a:lstStyle/>
-                    <a:p>
-                      <a:pPr algn="ctr" latinLnBrk="1">
-                        <a:defRPr lang="ko-KR" altLang="en-US"/>
-                      </a:pPr>
-                      <a:r>
-                        <a:rPr lang="en-US" altLang="ko-KR" sz="1400">
-                          <a:latin typeface="+mn-lt"/>
-                          <a:ea typeface="+mn-ea"/>
-                          <a:cs typeface="+mn-cs"/>
-                        </a:rPr>
-                        <a:t>X</a:t>
-                      </a:r>
-                    </a:p>
-                  </a:txBody>
-                  <a:tcPr/>
-                </a:tc>
-                <a:tc>
-                  <a:txBody>
-                    <a:bodyPr/>
-                    <a:lstStyle/>
-                    <a:p>
-                      <a:pPr algn="ctr" latinLnBrk="1">
-                        <a:defRPr lang="ko-KR" altLang="en-US"/>
-                      </a:pPr>
-                      <a:r>
-                        <a:rPr lang="en-US" altLang="ko-KR" sz="1400">
-                          <a:latin typeface="+mn-lt"/>
-                          <a:ea typeface="+mn-ea"/>
-                          <a:cs typeface="+mn-cs"/>
-                        </a:rPr>
-                        <a:t>X</a:t>
-                      </a:r>
-                      <a:endParaRPr lang="ko-KR" altLang="en-US" sz="1400">
-                        <a:latin typeface="+mn-lt"/>
-                        <a:ea typeface="+mn-ea"/>
-                        <a:cs typeface="+mn-cs"/>
-                      </a:endParaRPr>
-                    </a:p>
-                  </a:txBody>
-                  <a:tcPr/>
-                </a:tc>
-                <a:tc>
-                  <a:txBody>
-                    <a:bodyPr/>
-                    <a:lstStyle/>
-                    <a:p>
-                      <a:pPr algn="ctr" latinLnBrk="1">
-                        <a:defRPr lang="ko-KR" altLang="en-US"/>
-                      </a:pPr>
-                      <a:r>
-                        <a:rPr lang="en-US" altLang="ko-KR" sz="1400">
-                          <a:latin typeface="+mn-lt"/>
-                          <a:ea typeface="+mn-ea"/>
-                          <a:cs typeface="+mn-cs"/>
-                        </a:rPr>
-                        <a:t>O</a:t>
-                      </a:r>
-                      <a:endParaRPr lang="ko-KR" altLang="en-US" sz="1400">
-                        <a:latin typeface="+mn-lt"/>
-                        <a:ea typeface="+mn-ea"/>
-                        <a:cs typeface="+mn-cs"/>
-                      </a:endParaRPr>
-                    </a:p>
-                  </a:txBody>
-                  <a:tcPr/>
-                </a:tc>
-                <a:tc>
-                  <a:txBody>
-                    <a:bodyPr/>
-                    <a:lstStyle/>
-                    <a:p>
-                      <a:pPr algn="ctr" latinLnBrk="1">
-                        <a:defRPr lang="ko-KR" altLang="en-US"/>
-                      </a:pPr>
-                      <a:r>
-                        <a:rPr lang="en-US" altLang="ko-KR" sz="1400" dirty="0">
-                          <a:latin typeface="+mn-lt"/>
-                          <a:ea typeface="+mn-ea"/>
-                          <a:cs typeface="+mn-cs"/>
-                        </a:rPr>
-                        <a:t>O</a:t>
-                      </a:r>
-                      <a:endParaRPr lang="ko-KR" altLang="en-US" sz="1400" dirty="0">
-                        <a:latin typeface="+mn-lt"/>
-                        <a:ea typeface="+mn-ea"/>
-                        <a:cs typeface="+mn-cs"/>
-                      </a:endParaRPr>
-                    </a:p>
-                  </a:txBody>
-                  <a:tcPr/>
-                </a:tc>
-                <a:tc>
-                  <a:txBody>
-                    <a:bodyPr/>
-                    <a:lstStyle/>
-                    <a:p>
-                      <a:pPr algn="ctr" latinLnBrk="1">
-                        <a:defRPr lang="ko-KR" altLang="en-US"/>
-                      </a:pPr>
-                      <a:r>
-                        <a:rPr lang="en-US" altLang="ko-KR" sz="1400">
-                          <a:latin typeface="+mn-lt"/>
-                          <a:ea typeface="+mn-ea"/>
-                          <a:cs typeface="+mn-cs"/>
-                        </a:rPr>
-                        <a:t>X</a:t>
-                      </a:r>
-                      <a:endParaRPr lang="ko-KR" altLang="en-US" sz="1400">
-                        <a:latin typeface="+mn-lt"/>
-                        <a:ea typeface="+mn-ea"/>
-                        <a:cs typeface="+mn-cs"/>
-                      </a:endParaRPr>
-                    </a:p>
-                  </a:txBody>
-                  <a:tcPr/>
-                </a:tc>
-              </a:tr>
-              <a:tr h="381000">
-                <a:tc>
-                  <a:txBody>
-                    <a:bodyPr/>
-                    <a:lstStyle/>
-                    <a:p>
-                      <a:pPr marL="0" indent="0" algn="ctr" defTabSz="914400" eaLnBrk="1" latinLnBrk="1" hangingPunct="1">
-                        <a:lnSpc>
-                          <a:spcPct val="100000"/>
-                        </a:lnSpc>
-                        <a:spcBef>
-                          <a:spcPct val="0"/>
-                        </a:spcBef>
-                        <a:spcAft>
-                          <a:spcPct val="0"/>
-                        </a:spcAft>
-                        <a:buNone/>
-                        <a:defRPr lang="ko-KR">
-                          <a:latin typeface="+mn-lt"/>
-                          <a:ea typeface="+mn-ea"/>
-                          <a:cs typeface="+mn-cs"/>
-                        </a:defRPr>
-                      </a:pPr>
-                      <a:r>
-                        <a:rPr lang="ko-KR" altLang="en-US" sz="1400">
-                          <a:latin typeface="+mn-lt"/>
-                          <a:ea typeface="+mn-ea"/>
-                          <a:cs typeface="+mn-cs"/>
-                        </a:rPr>
-                        <a:t>물체 중복 배치</a:t>
-                      </a:r>
-                    </a:p>
-                  </a:txBody>
-                  <a:tcPr/>
-                </a:tc>
-                <a:tc>
-                  <a:txBody>
-                    <a:bodyPr/>
-                    <a:lstStyle/>
-                    <a:p>
-                      <a:pPr algn="ctr" latinLnBrk="1">
-                        <a:defRPr lang="ko-KR" altLang="en-US"/>
-                      </a:pPr>
-                      <a:r>
-                        <a:rPr lang="en-US" altLang="ko-KR" sz="1400">
-                          <a:latin typeface="+mn-lt"/>
-                          <a:ea typeface="+mn-ea"/>
-                          <a:cs typeface="+mn-cs"/>
-                        </a:rPr>
-                        <a:t>O</a:t>
-                      </a:r>
-                      <a:endParaRPr lang="ko-KR" altLang="en-US" sz="1400">
-                        <a:latin typeface="+mn-lt"/>
-                        <a:ea typeface="+mn-ea"/>
-                        <a:cs typeface="+mn-cs"/>
-                      </a:endParaRPr>
-                    </a:p>
-                  </a:txBody>
-                  <a:tcPr/>
-                </a:tc>
-                <a:tc>
-                  <a:txBody>
-                    <a:bodyPr/>
-                    <a:lstStyle/>
-                    <a:p>
-                      <a:pPr algn="ctr" latinLnBrk="1">
-                        <a:defRPr lang="ko-KR" altLang="en-US"/>
-                      </a:pPr>
-                      <a:r>
-                        <a:rPr lang="en-US" altLang="ko-KR" sz="1400">
-                          <a:latin typeface="+mn-lt"/>
-                          <a:ea typeface="+mn-ea"/>
-                          <a:cs typeface="+mn-cs"/>
-                        </a:rPr>
-                        <a:t>O</a:t>
-                      </a:r>
-                      <a:endParaRPr lang="ko-KR" altLang="en-US" sz="1400">
-                        <a:latin typeface="+mn-lt"/>
-                        <a:ea typeface="+mn-ea"/>
-                        <a:cs typeface="+mn-cs"/>
-                      </a:endParaRPr>
-                    </a:p>
-                  </a:txBody>
-                  <a:tcPr/>
-                </a:tc>
-                <a:tc>
-                  <a:txBody>
-                    <a:bodyPr/>
-                    <a:lstStyle/>
-                    <a:p>
-                      <a:pPr algn="ctr" latinLnBrk="1">
-                        <a:defRPr lang="ko-KR" altLang="en-US"/>
-                      </a:pPr>
-                      <a:r>
-                        <a:rPr lang="en-US" altLang="ko-KR" sz="1400">
-                          <a:latin typeface="+mn-lt"/>
-                          <a:ea typeface="+mn-ea"/>
-                          <a:cs typeface="+mn-cs"/>
-                        </a:rPr>
-                        <a:t>X</a:t>
-                      </a:r>
-                      <a:endParaRPr lang="ko-KR" altLang="en-US" sz="1400">
-                        <a:latin typeface="+mn-lt"/>
-                        <a:ea typeface="+mn-ea"/>
-                        <a:cs typeface="+mn-cs"/>
-                      </a:endParaRPr>
-                    </a:p>
-                  </a:txBody>
-                  <a:tcPr/>
-                </a:tc>
-                <a:tc>
-                  <a:txBody>
-                    <a:bodyPr/>
-                    <a:lstStyle/>
-                    <a:p>
-                      <a:pPr algn="ctr" latinLnBrk="1">
-                        <a:defRPr lang="ko-KR" altLang="en-US"/>
-                      </a:pPr>
-                      <a:r>
-                        <a:rPr lang="en-US" altLang="ko-KR" sz="1400">
-                          <a:latin typeface="+mn-lt"/>
-                          <a:ea typeface="+mn-ea"/>
-                          <a:cs typeface="+mn-cs"/>
-                        </a:rPr>
-                        <a:t>O</a:t>
-                      </a:r>
-                      <a:endParaRPr lang="ko-KR" altLang="en-US" sz="1400">
-                        <a:latin typeface="+mn-lt"/>
-                        <a:ea typeface="+mn-ea"/>
-                        <a:cs typeface="+mn-cs"/>
-                      </a:endParaRPr>
-                    </a:p>
-                  </a:txBody>
-                  <a:tcPr/>
-                </a:tc>
-                <a:tc>
-                  <a:txBody>
-                    <a:bodyPr/>
-                    <a:lstStyle/>
-                    <a:p>
-                      <a:pPr algn="ctr" latinLnBrk="1">
-                        <a:defRPr lang="ko-KR" altLang="en-US"/>
-                      </a:pPr>
-                      <a:r>
-                        <a:rPr lang="en-US" altLang="ko-KR" sz="1400">
-                          <a:latin typeface="+mn-lt"/>
-                          <a:ea typeface="+mn-ea"/>
-                          <a:cs typeface="+mn-cs"/>
-                        </a:rPr>
-                        <a:t>O</a:t>
-                      </a:r>
-                      <a:endParaRPr lang="ko-KR" altLang="en-US" sz="1400">
-                        <a:latin typeface="+mn-lt"/>
-                        <a:ea typeface="+mn-ea"/>
-                        <a:cs typeface="+mn-cs"/>
-                      </a:endParaRPr>
-                    </a:p>
-                  </a:txBody>
-                  <a:tcPr/>
-                </a:tc>
-              </a:tr>
-              <a:tr h="381000">
-                <a:tc>
-                  <a:txBody>
-                    <a:bodyPr/>
-                    <a:lstStyle/>
-                    <a:p>
-                      <a:pPr algn="ctr" latinLnBrk="1">
-                        <a:defRPr lang="ko-KR" altLang="en-US"/>
-                      </a:pPr>
-                      <a:r>
-                        <a:rPr lang="ko-KR" altLang="en-US" sz="1400">
-                          <a:latin typeface="+mn-lt"/>
-                          <a:ea typeface="+mn-ea"/>
-                          <a:cs typeface="+mn-cs"/>
-                        </a:rPr>
-                        <a:t>선택 삭제</a:t>
-                      </a:r>
-                    </a:p>
-                  </a:txBody>
-                  <a:tcPr/>
-                </a:tc>
-                <a:tc>
-                  <a:txBody>
-                    <a:bodyPr/>
-                    <a:lstStyle/>
-                    <a:p>
-                      <a:pPr algn="ctr" latinLnBrk="1">
-                        <a:defRPr lang="ko-KR" altLang="en-US"/>
-                      </a:pPr>
-                      <a:r>
-                        <a:rPr lang="en-US" altLang="ko-KR" sz="1400">
-                          <a:latin typeface="+mn-lt"/>
-                          <a:ea typeface="+mn-ea"/>
-                          <a:cs typeface="+mn-cs"/>
-                        </a:rPr>
-                        <a:t>O</a:t>
-                      </a:r>
-                      <a:endParaRPr lang="ko-KR" altLang="en-US" sz="1400">
-                        <a:latin typeface="+mn-lt"/>
-                        <a:ea typeface="+mn-ea"/>
-                        <a:cs typeface="+mn-cs"/>
-                      </a:endParaRPr>
-                    </a:p>
-                  </a:txBody>
-                  <a:tcPr/>
-                </a:tc>
-                <a:tc>
-                  <a:txBody>
-                    <a:bodyPr/>
-                    <a:lstStyle/>
-                    <a:p>
-                      <a:pPr algn="ctr" latinLnBrk="1">
-                        <a:defRPr lang="ko-KR" altLang="en-US"/>
-                      </a:pPr>
-                      <a:r>
-                        <a:rPr lang="en-US" altLang="ko-KR" sz="1400">
-                          <a:latin typeface="+mn-lt"/>
-                          <a:ea typeface="+mn-ea"/>
-                          <a:cs typeface="+mn-cs"/>
-                        </a:rPr>
-                        <a:t>O</a:t>
-                      </a:r>
-                      <a:endParaRPr lang="ko-KR" altLang="en-US" sz="1400">
-                        <a:latin typeface="+mn-lt"/>
-                        <a:ea typeface="+mn-ea"/>
-                        <a:cs typeface="+mn-cs"/>
-                      </a:endParaRPr>
-                    </a:p>
-                  </a:txBody>
-                  <a:tcPr/>
-                </a:tc>
-                <a:tc>
-                  <a:txBody>
-                    <a:bodyPr/>
-                    <a:lstStyle/>
-                    <a:p>
-                      <a:pPr algn="ctr" latinLnBrk="1">
-                        <a:defRPr lang="ko-KR" altLang="en-US"/>
-                      </a:pPr>
-                      <a:r>
-                        <a:rPr lang="en-US" altLang="ko-KR" sz="1400">
-                          <a:latin typeface="+mn-lt"/>
-                          <a:ea typeface="+mn-ea"/>
-                          <a:cs typeface="+mn-cs"/>
-                        </a:rPr>
-                        <a:t>O</a:t>
-                      </a:r>
-                      <a:endParaRPr lang="ko-KR" altLang="en-US" sz="1400">
-                        <a:latin typeface="+mn-lt"/>
-                        <a:ea typeface="+mn-ea"/>
-                        <a:cs typeface="+mn-cs"/>
-                      </a:endParaRPr>
-                    </a:p>
-                  </a:txBody>
-                  <a:tcPr/>
-                </a:tc>
-                <a:tc>
-                  <a:txBody>
-                    <a:bodyPr/>
-                    <a:lstStyle/>
-                    <a:p>
-                      <a:pPr algn="ctr" latinLnBrk="1">
-                        <a:defRPr lang="ko-KR" altLang="en-US"/>
-                      </a:pPr>
-                      <a:r>
-                        <a:rPr lang="en-US" altLang="ko-KR" sz="1400">
-                          <a:latin typeface="+mn-lt"/>
-                          <a:ea typeface="+mn-ea"/>
-                          <a:cs typeface="+mn-cs"/>
-                        </a:rPr>
-                        <a:t>O</a:t>
-                      </a:r>
-                      <a:endParaRPr lang="ko-KR" altLang="en-US" sz="1400">
-                        <a:latin typeface="+mn-lt"/>
-                        <a:ea typeface="+mn-ea"/>
-                        <a:cs typeface="+mn-cs"/>
-                      </a:endParaRPr>
-                    </a:p>
-                  </a:txBody>
-                  <a:tcPr/>
-                </a:tc>
-                <a:tc>
-                  <a:txBody>
-                    <a:bodyPr/>
-                    <a:lstStyle/>
-                    <a:p>
-                      <a:pPr algn="ctr" latinLnBrk="1">
-                        <a:defRPr lang="ko-KR" altLang="en-US"/>
-                      </a:pPr>
-                      <a:r>
-                        <a:rPr lang="en-US" altLang="ko-KR" sz="1400">
-                          <a:latin typeface="+mn-lt"/>
-                          <a:ea typeface="+mn-ea"/>
-                          <a:cs typeface="+mn-cs"/>
-                        </a:rPr>
-                        <a:t>O</a:t>
-                      </a:r>
-                      <a:endParaRPr lang="ko-KR" altLang="en-US" sz="1400">
-                        <a:latin typeface="+mn-lt"/>
-                        <a:ea typeface="+mn-ea"/>
-                        <a:cs typeface="+mn-cs"/>
-                      </a:endParaRPr>
-                    </a:p>
-                  </a:txBody>
-                  <a:tcPr/>
-                </a:tc>
-              </a:tr>
-              <a:tr h="381000">
-                <a:tc>
-                  <a:txBody>
-                    <a:bodyPr/>
-                    <a:lstStyle/>
-                    <a:p>
-                      <a:pPr algn="ctr" latinLnBrk="1">
-                        <a:defRPr lang="ko-KR" altLang="en-US"/>
-                      </a:pPr>
-                      <a:r>
-                        <a:rPr lang="ko-KR" altLang="en-US" sz="1400">
-                          <a:latin typeface="+mn-lt"/>
-                          <a:ea typeface="+mn-ea"/>
-                          <a:cs typeface="+mn-cs"/>
-                        </a:rPr>
-                        <a:t>사용법</a:t>
-                      </a:r>
-                    </a:p>
-                  </a:txBody>
-                  <a:tcPr/>
-                </a:tc>
-                <a:tc>
-                  <a:txBody>
-                    <a:bodyPr/>
-                    <a:lstStyle/>
-                    <a:p>
-                      <a:pPr algn="ctr" latinLnBrk="1">
-                        <a:defRPr lang="ko-KR" altLang="en-US"/>
-                      </a:pPr>
-                      <a:r>
-                        <a:rPr lang="en-US" altLang="ko-KR" sz="1400" dirty="0" smtClean="0">
-                          <a:latin typeface="+mn-lt"/>
-                          <a:ea typeface="+mn-ea"/>
-                          <a:cs typeface="+mn-cs"/>
-                        </a:rPr>
-                        <a:t>WEB</a:t>
-                      </a:r>
-                      <a:endParaRPr lang="ko-KR" altLang="en-US" sz="1400" dirty="0">
-                        <a:latin typeface="+mn-lt"/>
-                        <a:ea typeface="+mn-ea"/>
-                        <a:cs typeface="+mn-cs"/>
-                      </a:endParaRPr>
-                    </a:p>
-                  </a:txBody>
-                  <a:tcPr/>
-                </a:tc>
-                <a:tc>
-                  <a:txBody>
-                    <a:bodyPr/>
-                    <a:lstStyle/>
-                    <a:p>
-                      <a:pPr algn="ctr" latinLnBrk="1">
-                        <a:defRPr lang="ko-KR" altLang="en-US"/>
-                      </a:pPr>
-                      <a:r>
-                        <a:rPr lang="en-US" altLang="ko-KR" sz="1400" dirty="0" smtClean="0">
-                          <a:latin typeface="+mn-lt"/>
-                          <a:ea typeface="+mn-ea"/>
-                          <a:cs typeface="+mn-cs"/>
-                        </a:rPr>
-                        <a:t>APPLICATION</a:t>
-                      </a:r>
-                      <a:endParaRPr lang="ko-KR" altLang="en-US" sz="1400" dirty="0">
-                        <a:latin typeface="+mn-lt"/>
-                        <a:ea typeface="+mn-ea"/>
-                        <a:cs typeface="+mn-cs"/>
-                      </a:endParaRPr>
-                    </a:p>
-                  </a:txBody>
-                  <a:tcPr/>
-                </a:tc>
-                <a:tc>
-                  <a:txBody>
-                    <a:bodyPr/>
-                    <a:lstStyle/>
-                    <a:p>
-                      <a:pPr algn="ctr" latinLnBrk="1">
-                        <a:defRPr lang="ko-KR" altLang="en-US"/>
-                      </a:pPr>
-                      <a:r>
-                        <a:rPr lang="en-US" altLang="ko-KR" sz="1400" dirty="0" smtClean="0">
-                          <a:latin typeface="+mn-lt"/>
-                          <a:ea typeface="+mn-ea"/>
-                          <a:cs typeface="+mn-cs"/>
-                        </a:rPr>
-                        <a:t>APPLICATION</a:t>
-                      </a:r>
-                      <a:endParaRPr lang="ko-KR" altLang="en-US" sz="1400" dirty="0">
-                        <a:latin typeface="+mn-lt"/>
-                        <a:ea typeface="+mn-ea"/>
-                        <a:cs typeface="+mn-cs"/>
-                      </a:endParaRPr>
-                    </a:p>
-                  </a:txBody>
-                  <a:tcPr/>
-                </a:tc>
-                <a:tc>
-                  <a:txBody>
-                    <a:bodyPr/>
-                    <a:lstStyle/>
-                    <a:p>
-                      <a:pPr algn="ctr" latinLnBrk="1">
-                        <a:defRPr lang="ko-KR" altLang="en-US"/>
-                      </a:pPr>
-                      <a:r>
-                        <a:rPr lang="en-US" altLang="ko-KR" sz="1400" dirty="0" smtClean="0">
-                          <a:latin typeface="+mn-lt"/>
-                          <a:ea typeface="+mn-ea"/>
-                          <a:cs typeface="+mn-cs"/>
-                        </a:rPr>
-                        <a:t>APPLICATION</a:t>
-                      </a:r>
-                      <a:endParaRPr lang="ko-KR" altLang="en-US" sz="1400" dirty="0">
-                        <a:latin typeface="+mn-lt"/>
-                        <a:ea typeface="+mn-ea"/>
-                        <a:cs typeface="+mn-cs"/>
-                      </a:endParaRPr>
-                    </a:p>
-                  </a:txBody>
-                  <a:tcPr/>
-                </a:tc>
-                <a:tc>
-                  <a:txBody>
-                    <a:bodyPr/>
-                    <a:lstStyle/>
-                    <a:p>
-                      <a:pPr algn="ctr" latinLnBrk="1">
-                        <a:defRPr lang="ko-KR" altLang="en-US"/>
-                      </a:pPr>
-                      <a:r>
-                        <a:rPr lang="en-US" altLang="ko-KR" sz="1400" dirty="0" smtClean="0">
-                          <a:latin typeface="+mn-lt"/>
-                          <a:ea typeface="+mn-ea"/>
-                          <a:cs typeface="+mn-cs"/>
-                        </a:rPr>
-                        <a:t>APPLICATION</a:t>
-                      </a:r>
-                      <a:endParaRPr lang="ko-KR" altLang="en-US" sz="1400" dirty="0">
-                        <a:latin typeface="+mn-lt"/>
-                        <a:ea typeface="+mn-ea"/>
-                        <a:cs typeface="+mn-cs"/>
-                      </a:endParaRPr>
-                    </a:p>
-                  </a:txBody>
-                  <a:tcPr/>
-                </a:tc>
-              </a:tr>
-              <a:tr h="417302">
-                <a:tc>
-                  <a:txBody>
-                    <a:bodyPr/>
-                    <a:lstStyle/>
-                    <a:p>
-                      <a:pPr algn="ctr" latinLnBrk="1">
-                        <a:defRPr lang="ko-KR" altLang="en-US"/>
-                      </a:pPr>
-                      <a:r>
-                        <a:rPr lang="ko-KR" altLang="en-US" sz="1400" dirty="0">
-                          <a:latin typeface="+mn-lt"/>
-                          <a:ea typeface="+mn-ea"/>
-                          <a:cs typeface="+mn-cs"/>
-                        </a:rPr>
-                        <a:t>단점</a:t>
-                      </a:r>
-                    </a:p>
-                  </a:txBody>
-                  <a:tcPr/>
-                </a:tc>
-                <a:tc>
-                  <a:txBody>
-                    <a:bodyPr/>
-                    <a:lstStyle/>
-                    <a:p>
-                      <a:pPr algn="ctr" latinLnBrk="1">
-                        <a:defRPr lang="ko-KR" altLang="en-US"/>
-                      </a:pPr>
-                      <a:r>
-                        <a:rPr lang="ko-KR" altLang="en-US" sz="1400" dirty="0" smtClean="0">
-                          <a:latin typeface="+mn-lt"/>
-                          <a:ea typeface="+mn-ea"/>
-                          <a:cs typeface="+mn-cs"/>
-                        </a:rPr>
-                        <a:t>물체가 너무 적음</a:t>
-                      </a:r>
-                      <a:endParaRPr lang="en-US" altLang="ko-KR" sz="1400" dirty="0" smtClean="0">
-                        <a:latin typeface="+mn-lt"/>
-                        <a:ea typeface="+mn-ea"/>
-                        <a:cs typeface="+mn-cs"/>
-                      </a:endParaRPr>
-                    </a:p>
-                    <a:p>
-                      <a:pPr algn="ctr" latinLnBrk="1">
-                        <a:defRPr lang="ko-KR" altLang="en-US"/>
-                      </a:pPr>
-                      <a:endParaRPr lang="en-US" altLang="ko-KR" sz="1400" dirty="0" smtClean="0">
-                        <a:latin typeface="+mn-lt"/>
-                        <a:ea typeface="+mn-ea"/>
-                        <a:cs typeface="+mn-cs"/>
-                      </a:endParaRPr>
-                    </a:p>
-                  </a:txBody>
-                  <a:tcPr/>
-                </a:tc>
-                <a:tc>
-                  <a:txBody>
-                    <a:bodyPr/>
-                    <a:lstStyle/>
-                    <a:p>
-                      <a:pPr algn="ctr" latinLnBrk="1">
-                        <a:defRPr lang="ko-KR" altLang="en-US"/>
-                      </a:pPr>
-                      <a:r>
-                        <a:rPr lang="en-US" altLang="ko-KR" sz="1400" dirty="0" smtClean="0">
-                          <a:latin typeface="+mn-lt"/>
-                          <a:ea typeface="+mn-ea"/>
-                          <a:cs typeface="+mn-cs"/>
-                        </a:rPr>
-                        <a:t>play</a:t>
-                      </a:r>
-                      <a:r>
-                        <a:rPr lang="ko-KR" altLang="en-US" sz="1400" dirty="0">
-                          <a:latin typeface="+mn-lt"/>
-                          <a:ea typeface="+mn-ea"/>
-                          <a:cs typeface="+mn-cs"/>
-                        </a:rPr>
-                        <a:t>스토어에 없어서 웹에서 직접 다운 </a:t>
-                      </a:r>
-                      <a:endParaRPr lang="en-US" altLang="ko-KR" sz="1400" dirty="0" smtClean="0">
-                        <a:latin typeface="+mn-lt"/>
-                        <a:ea typeface="+mn-ea"/>
-                        <a:cs typeface="+mn-cs"/>
-                      </a:endParaRPr>
-                    </a:p>
-                    <a:p>
-                      <a:pPr algn="ctr" latinLnBrk="1">
-                        <a:defRPr lang="ko-KR" altLang="en-US"/>
-                      </a:pPr>
-                      <a:r>
-                        <a:rPr lang="ko-KR" altLang="en-US" sz="1400" dirty="0" smtClean="0">
-                          <a:latin typeface="+mn-lt"/>
-                          <a:ea typeface="+mn-ea"/>
-                          <a:cs typeface="+mn-cs"/>
-                        </a:rPr>
-                        <a:t>받아야 </a:t>
-                      </a:r>
-                      <a:r>
-                        <a:rPr lang="ko-KR" altLang="en-US" sz="1400" dirty="0">
-                          <a:latin typeface="+mn-lt"/>
-                          <a:ea typeface="+mn-ea"/>
-                          <a:cs typeface="+mn-cs"/>
-                        </a:rPr>
-                        <a:t>함</a:t>
-                      </a:r>
-                    </a:p>
-                    <a:p>
-                      <a:pPr algn="ctr" latinLnBrk="1">
-                        <a:defRPr lang="ko-KR" altLang="en-US"/>
-                      </a:pPr>
-                      <a:r>
-                        <a:rPr lang="ko-KR" altLang="en-US" sz="1400" dirty="0">
-                          <a:latin typeface="+mn-lt"/>
-                          <a:ea typeface="+mn-ea"/>
-                          <a:cs typeface="+mn-cs"/>
-                        </a:rPr>
-                        <a:t>이동</a:t>
-                      </a:r>
-                      <a:r>
-                        <a:rPr lang="en-US" altLang="ko-KR" sz="1400" dirty="0">
-                          <a:latin typeface="+mn-lt"/>
-                          <a:ea typeface="+mn-ea"/>
-                          <a:cs typeface="+mn-cs"/>
-                        </a:rPr>
-                        <a:t>/</a:t>
-                      </a:r>
-                      <a:r>
-                        <a:rPr lang="ko-KR" altLang="en-US" sz="1400" dirty="0">
-                          <a:latin typeface="+mn-lt"/>
-                          <a:ea typeface="+mn-ea"/>
-                          <a:cs typeface="+mn-cs"/>
-                        </a:rPr>
-                        <a:t>회전이 부자연스러움</a:t>
-                      </a:r>
-                    </a:p>
-                  </a:txBody>
-                  <a:tcPr/>
-                </a:tc>
-                <a:tc>
-                  <a:txBody>
-                    <a:bodyPr/>
-                    <a:lstStyle/>
-                    <a:p>
-                      <a:pPr algn="ctr" latinLnBrk="1">
-                        <a:defRPr lang="ko-KR" altLang="en-US"/>
-                      </a:pPr>
-                      <a:r>
-                        <a:rPr lang="ko-KR" altLang="en-US" sz="1400" dirty="0">
-                          <a:latin typeface="+mn-lt"/>
-                          <a:ea typeface="+mn-ea"/>
-                          <a:cs typeface="+mn-cs"/>
-                        </a:rPr>
-                        <a:t>한글 지원이 안됨 </a:t>
-                      </a:r>
-                    </a:p>
-                    <a:p>
-                      <a:pPr algn="ctr" latinLnBrk="1">
-                        <a:defRPr lang="ko-KR" altLang="en-US"/>
-                      </a:pPr>
-                      <a:r>
-                        <a:rPr lang="en-US" altLang="ko-KR" sz="1400" dirty="0">
-                          <a:latin typeface="+mn-lt"/>
-                          <a:ea typeface="+mn-ea"/>
-                          <a:cs typeface="+mn-cs"/>
-                        </a:rPr>
-                        <a:t>3D </a:t>
-                      </a:r>
-                      <a:r>
-                        <a:rPr lang="ko-KR" altLang="en-US" sz="1400" dirty="0">
-                          <a:latin typeface="+mn-lt"/>
-                          <a:ea typeface="+mn-ea"/>
-                          <a:cs typeface="+mn-cs"/>
-                        </a:rPr>
-                        <a:t>물체 적음</a:t>
-                      </a:r>
-                    </a:p>
-                  </a:txBody>
-                  <a:tcPr/>
-                </a:tc>
-                <a:tc>
-                  <a:txBody>
-                    <a:bodyPr/>
-                    <a:lstStyle/>
-                    <a:p>
-                      <a:pPr algn="ctr" latinLnBrk="1">
-                        <a:defRPr lang="ko-KR" altLang="en-US"/>
-                      </a:pPr>
-                      <a:r>
-                        <a:rPr lang="ko-KR" altLang="en-US" sz="1400">
-                          <a:latin typeface="+mn-lt"/>
-                          <a:ea typeface="+mn-ea"/>
-                          <a:cs typeface="+mn-cs"/>
-                        </a:rPr>
-                        <a:t>전체적으로 로딩시간이 김</a:t>
-                      </a:r>
-                    </a:p>
-                    <a:p>
-                      <a:pPr algn="ctr" latinLnBrk="1">
-                        <a:defRPr lang="ko-KR" altLang="en-US"/>
-                      </a:pPr>
-                      <a:endParaRPr lang="ko-KR" altLang="en-US" sz="1400">
-                        <a:latin typeface="+mn-lt"/>
-                        <a:ea typeface="+mn-ea"/>
-                        <a:cs typeface="+mn-cs"/>
-                      </a:endParaRPr>
-                    </a:p>
-                  </a:txBody>
-                  <a:tcPr/>
-                </a:tc>
-                <a:tc>
-                  <a:txBody>
-                    <a:bodyPr/>
-                    <a:lstStyle/>
-                    <a:p>
-                      <a:pPr algn="ctr" latinLnBrk="1">
-                        <a:defRPr lang="ko-KR" altLang="en-US"/>
-                      </a:pPr>
-                      <a:r>
-                        <a:rPr lang="ko-KR" altLang="en-US" sz="1400" dirty="0">
-                          <a:latin typeface="+mn-lt"/>
-                          <a:ea typeface="+mn-ea"/>
-                          <a:cs typeface="+mn-cs"/>
-                        </a:rPr>
-                        <a:t>물체들이 너무 적음 </a:t>
-                      </a:r>
-                    </a:p>
-                    <a:p>
-                      <a:pPr algn="ctr" latinLnBrk="1">
-                        <a:defRPr lang="ko-KR" altLang="en-US"/>
-                      </a:pPr>
-                      <a:r>
-                        <a:rPr lang="ko-KR" altLang="en-US" sz="1400" dirty="0">
-                          <a:latin typeface="+mn-lt"/>
-                          <a:ea typeface="+mn-ea"/>
-                          <a:cs typeface="+mn-cs"/>
-                        </a:rPr>
-                        <a:t>정해져 있는 물체 말고는 추가불가</a:t>
-                      </a:r>
-                    </a:p>
-                  </a:txBody>
-                  <a:tcPr/>
-                </a:tc>
-              </a:tr>
-            </a:tbl>
-          </a:graphicData>
-        </a:graphic>
-      </p:graphicFrame>
-      <p:sp>
-        <p:nvSpPr>
-          <p:cNvPr id="7" name="Title 3"/>
-          <p:cNvSpPr txBox="1">
-            <a:spLocks/>
-          </p:cNvSpPr>
-          <p:nvPr/>
-        </p:nvSpPr>
-        <p:spPr>
-          <a:xfrm>
-            <a:off x="1295400" y="285750"/>
-            <a:ext cx="5548963" cy="495383"/>
-          </a:xfrm>
-          <a:prstGeom prst="rect">
-            <a:avLst/>
-          </a:prstGeom>
-        </p:spPr>
-        <p:txBody>
-          <a:bodyPr lIns="0" tIns="0" rIns="0" bIns="0" anchor="ctr"/>
-          <a:lstStyle>
-            <a:lvl1pPr algn="ctr" defTabSz="914400" rtl="0" eaLnBrk="1" latinLnBrk="0" hangingPunct="1">
-              <a:spcBef>
-                <a:spcPct val="0"/>
-              </a:spcBef>
-              <a:buNone/>
-              <a:defRPr sz="3200" kern="1200">
-                <a:solidFill>
-                  <a:schemeClr val="bg1">
-                    <a:lumMod val="50000"/>
-                  </a:schemeClr>
-                </a:solidFill>
-                <a:latin typeface="+mj-lt"/>
-                <a:ea typeface="+mj-ea"/>
-                <a:cs typeface="+mj-cs"/>
-              </a:defRPr>
-            </a:lvl1pPr>
-          </a:lstStyle>
-          <a:p>
-            <a:pPr algn="l">
-              <a:defRPr lang="ko-KR" altLang="en-US"/>
-            </a:pPr>
-            <a:r>
-              <a:rPr lang="ko-KR" altLang="en-US" dirty="0" smtClean="0"/>
-              <a:t>비교</a:t>
-            </a:r>
-            <a:endParaRPr lang="en-US" altLang="en-US" dirty="0"/>
-          </a:p>
-        </p:txBody>
-      </p:sp>
-    </p:spTree>
-  </p:cSld>
-  <p:clrMapOvr>
-    <a:masterClrMapping/>
-  </p:clrMapOvr>
-  <p:timing>
-    <p:tnLst>
-      <p:par>
-        <p:cTn id="1" dur="indefinite" restart="never" nodeType="tmRoot">
-          <p:childTnLst>
-            <p:seq concurrent="1" nextAc="seek">
-              <p:cTn id="2" dur="indefinite" nodeType="mainSeq">
-                <p:childTnLst>
-                  <p:par>
-                    <p:cTn id="3" fill="hold">
-                      <p:stCondLst>
-                        <p:cond delay="indefinite"/>
-                      </p:stCondLst>
-                      <p:childTnLst>
-                        <p:par>
-                          <p:cTn id="4" fill="hold">
-                            <p:stCondLst>
-                              <p:cond delay="0"/>
-                            </p:stCondLst>
-                            <p:childTnLst>
-                              <p:par>
-                                <p:cTn id="5" presetID="10" presetClass="entr" presetSubtype="0" fill="hold" nodeType="clickEffect">
-                                  <p:stCondLst>
-                                    <p:cond delay="0"/>
-                                  </p:stCondLst>
-                                  <p:childTnLst>
-                                    <p:set>
-                                      <p:cBhvr>
-                                        <p:cTn id="6" dur="1" fill="hold">
-                                          <p:stCondLst>
-                                            <p:cond delay="0"/>
-                                          </p:stCondLst>
-                                        </p:cTn>
-                                        <p:tgtEl>
-                                          <p:spTgt spid="2"/>
-                                        </p:tgtEl>
-                                        <p:attrNameLst>
-                                          <p:attrName>style.visibility</p:attrName>
-                                        </p:attrNameLst>
-                                      </p:cBhvr>
-                                      <p:to>
-                                        <p:strVal val="visible"/>
-                                      </p:to>
-                                    </p:set>
-                                    <p:animEffect transition="in" filter="fade">
-                                      <p:cBhvr>
-                                        <p:cTn id="7" dur="500"/>
-                                        <p:tgtEl>
-                                          <p:spTgt spid="2"/>
-                                        </p:tgtEl>
-                                      </p:cBhvr>
-                                    </p:animEffect>
-                                  </p:childTnLst>
-                                </p:cTn>
-                              </p:par>
-                            </p:childTnLst>
-                          </p:cTn>
-                        </p:par>
-                      </p:childTnLst>
-                    </p:cTn>
-                  </p:par>
-                </p:childTnLst>
-              </p:cTn>
-              <p:prevCondLst>
-                <p:cond evt="onPrev" delay="0">
-                  <p:tgtEl>
-                    <p:sldTgt/>
-                  </p:tgtEl>
-                </p:cond>
-              </p:prevCondLst>
-              <p:nextCondLst>
-                <p:cond evt="onNext" delay="0">
-                  <p:tgtEl>
-                    <p:sldTgt/>
-                  </p:tgtEl>
-                </p:cond>
-              </p:nextCondLst>
-            </p:seq>
-          </p:childTnLst>
-        </p:cTn>
-      </p:par>
-    </p:tnLst>
-  </p:timing>
-</p:sld>
-</file>
-
-<file path=ppt/slides/slide8.xml><?xml version="1.0" encoding="utf-8"?>
 <p:sld xmlns:a="http://schemas.openxmlformats.org/drawingml/2006/main" xmlns:r="http://schemas.openxmlformats.org/officeDocument/2006/relationships" xmlns:p="http://schemas.openxmlformats.org/presentationml/2006/main">
   <p:cSld>
     <p:spTree>
@@ -27964,7 +29222,7 @@
 </p:sld>
 </file>
 
-<file path=ppt/slides/slide9.xml><?xml version="1.0" encoding="utf-8"?>
+<file path=ppt/slides/slide8.xml><?xml version="1.0" encoding="utf-8"?>
 <p:sld xmlns:a="http://schemas.openxmlformats.org/drawingml/2006/main" xmlns:r="http://schemas.openxmlformats.org/officeDocument/2006/relationships" xmlns:p="http://schemas.openxmlformats.org/presentationml/2006/main">
   <p:cSld>
     <p:spTree>
@@ -28527,13 +29785,7 @@
               <a:rPr lang="ko-KR" altLang="en-US" sz="1200" dirty="0" smtClean="0">
                 <a:latin typeface="+mj-lt"/>
               </a:rPr>
-              <a:t>실제 가구 배치에 도움을 </a:t>
-            </a:r>
-            <a:r>
-              <a:rPr lang="ko-KR" altLang="en-US" sz="1200" dirty="0" smtClean="0">
-                <a:latin typeface="+mj-lt"/>
-              </a:rPr>
-              <a:t>줌</a:t>
+              <a:t>실제 가구 배치에 도움을 줌</a:t>
             </a:r>
             <a:endParaRPr lang="en-US" sz="1400" dirty="0">
               <a:latin typeface="+mj-lt"/>
@@ -28545,6 +29797,750 @@
     <p:extLst>
       <p:ext uri="{BB962C8B-B14F-4D97-AF65-F5344CB8AC3E}">
         <p14:creationId xmlns:p14="http://schemas.microsoft.com/office/powerpoint/2010/main" val="4029614632"/>
+      </p:ext>
+    </p:extLst>
+  </p:cSld>
+  <p:clrMapOvr>
+    <a:masterClrMapping/>
+  </p:clrMapOvr>
+  <p:transition spd="med">
+    <p:fade/>
+  </p:transition>
+  <p:timing>
+    <p:tnLst>
+      <p:par>
+        <p:cTn id="1" dur="indefinite" restart="never" nodeType="tmRoot">
+          <p:childTnLst>
+            <p:seq concurrent="1" nextAc="seek">
+              <p:cTn id="2" dur="indefinite" nodeType="mainSeq">
+                <p:childTnLst>
+                  <p:par>
+                    <p:cTn id="3" fill="hold">
+                      <p:stCondLst>
+                        <p:cond delay="indefinite"/>
+                        <p:cond evt="onBegin" delay="0">
+                          <p:tn val="2"/>
+                        </p:cond>
+                      </p:stCondLst>
+                      <p:childTnLst>
+                        <p:par>
+                          <p:cTn id="4" fill="hold">
+                            <p:stCondLst>
+                              <p:cond delay="0"/>
+                            </p:stCondLst>
+                            <p:childTnLst>
+                              <p:par>
+                                <p:cTn id="5" presetID="22" presetClass="entr" presetSubtype="8" fill="hold" grpId="0" nodeType="withEffect">
+                                  <p:stCondLst>
+                                    <p:cond delay="0"/>
+                                  </p:stCondLst>
+                                  <p:iterate>
+                                    <p:tmPct val="10000"/>
+                                  </p:iterate>
+                                  <p:childTnLst>
+                                    <p:set>
+                                      <p:cBhvr>
+                                        <p:cTn id="6" dur="1" fill="hold">
+                                          <p:stCondLst>
+                                            <p:cond delay="0"/>
+                                          </p:stCondLst>
+                                        </p:cTn>
+                                        <p:tgtEl>
+                                          <p:spTgt spid="12"/>
+                                        </p:tgtEl>
+                                        <p:attrNameLst>
+                                          <p:attrName>style.visibility</p:attrName>
+                                        </p:attrNameLst>
+                                      </p:cBhvr>
+                                      <p:to>
+                                        <p:strVal val="visible"/>
+                                      </p:to>
+                                    </p:set>
+                                    <p:animEffect transition="in" filter="wipe(left)">
+                                      <p:cBhvr>
+                                        <p:cTn id="7" dur="500" fill="hold">
+                                          <p:stCondLst>
+                                            <p:cond delay="0"/>
+                                          </p:stCondLst>
+                                        </p:cTn>
+                                        <p:tgtEl>
+                                          <p:spTgt spid="12"/>
+                                        </p:tgtEl>
+                                      </p:cBhvr>
+                                    </p:animEffect>
+                                  </p:childTnLst>
+                                </p:cTn>
+                              </p:par>
+                              <p:par>
+                                <p:cTn id="8" presetID="22" presetClass="entr" presetSubtype="8" fill="hold" grpId="0" nodeType="withEffect">
+                                  <p:stCondLst>
+                                    <p:cond delay="0"/>
+                                  </p:stCondLst>
+                                  <p:iterate>
+                                    <p:tmPct val="10000"/>
+                                  </p:iterate>
+                                  <p:childTnLst>
+                                    <p:set>
+                                      <p:cBhvr>
+                                        <p:cTn id="9" dur="1" fill="hold">
+                                          <p:stCondLst>
+                                            <p:cond delay="0"/>
+                                          </p:stCondLst>
+                                        </p:cTn>
+                                        <p:tgtEl>
+                                          <p:spTgt spid="13"/>
+                                        </p:tgtEl>
+                                        <p:attrNameLst>
+                                          <p:attrName>style.visibility</p:attrName>
+                                        </p:attrNameLst>
+                                      </p:cBhvr>
+                                      <p:to>
+                                        <p:strVal val="visible"/>
+                                      </p:to>
+                                    </p:set>
+                                    <p:animEffect transition="in" filter="wipe(left)">
+                                      <p:cBhvr>
+                                        <p:cTn id="10" dur="500" fill="hold">
+                                          <p:stCondLst>
+                                            <p:cond delay="0"/>
+                                          </p:stCondLst>
+                                        </p:cTn>
+                                        <p:tgtEl>
+                                          <p:spTgt spid="13"/>
+                                        </p:tgtEl>
+                                      </p:cBhvr>
+                                    </p:animEffect>
+                                  </p:childTnLst>
+                                </p:cTn>
+                              </p:par>
+                            </p:childTnLst>
+                          </p:cTn>
+                        </p:par>
+                      </p:childTnLst>
+                    </p:cTn>
+                  </p:par>
+                </p:childTnLst>
+              </p:cTn>
+              <p:prevCondLst>
+                <p:cond evt="onPrev" delay="0">
+                  <p:tgtEl>
+                    <p:sldTgt/>
+                  </p:tgtEl>
+                </p:cond>
+              </p:prevCondLst>
+              <p:nextCondLst>
+                <p:cond evt="onNext" delay="0">
+                  <p:tgtEl>
+                    <p:sldTgt/>
+                  </p:tgtEl>
+                </p:cond>
+              </p:nextCondLst>
+            </p:seq>
+          </p:childTnLst>
+        </p:cTn>
+      </p:par>
+    </p:tnLst>
+    <p:bldLst>
+      <p:bldP spid="12" grpId="0" autoUpdateAnimBg="0"/>
+      <p:bldP spid="13" grpId="0" autoUpdateAnimBg="0"/>
+    </p:bldLst>
+  </p:timing>
+</p:sld>
+</file>
+
+<file path=ppt/slides/slide9.xml><?xml version="1.0" encoding="utf-8"?>
+<p:sld xmlns:a="http://schemas.openxmlformats.org/drawingml/2006/main" xmlns:r="http://schemas.openxmlformats.org/officeDocument/2006/relationships" xmlns:p="http://schemas.openxmlformats.org/presentationml/2006/main">
+  <p:cSld>
+    <p:spTree>
+      <p:nvGrpSpPr>
+        <p:cNvPr id="1" name=""/>
+        <p:cNvGrpSpPr/>
+        <p:nvPr/>
+      </p:nvGrpSpPr>
+      <p:grpSpPr>
+        <a:xfrm>
+          <a:off x="0" y="0"/>
+          <a:ext cx="0" cy="0"/>
+          <a:chOff x="0" y="0"/>
+          <a:chExt cx="0" cy="0"/>
+        </a:xfrm>
+      </p:grpSpPr>
+      <p:sp>
+        <p:nvSpPr>
+          <p:cNvPr id="9" name="Rectangle 5"/>
+          <p:cNvSpPr/>
+          <p:nvPr/>
+        </p:nvSpPr>
+        <p:spPr>
+          <a:xfrm>
+            <a:off x="-508" y="3579718"/>
+            <a:ext cx="9144000" cy="1563638"/>
+          </a:xfrm>
+          <a:prstGeom prst="rect">
+            <a:avLst/>
+          </a:prstGeom>
+          <a:solidFill>
+            <a:srgbClr val="3F4C55"/>
+          </a:solidFill>
+          <a:ln w="9525">
+            <a:noFill/>
+            <a:round/>
+          </a:ln>
+        </p:spPr>
+        <p:txBody>
+          <a:bodyPr vert="horz" wrap="square" lIns="91440" tIns="45720" rIns="91440" bIns="45720" anchor="ctr" anchorCtr="0"/>
+          <a:lstStyle/>
+          <a:p>
+            <a:pPr algn="ctr">
+              <a:defRPr lang="ko-KR" altLang="en-US"/>
+            </a:pPr>
+            <a:endParaRPr lang="en-US">
+              <a:solidFill>
+                <a:schemeClr val="bg1"/>
+              </a:solidFill>
+              <a:latin typeface="+mn-lt"/>
+              <a:ea typeface="+mn-ea"/>
+              <a:cs typeface="+mn-cs"/>
+            </a:endParaRPr>
+          </a:p>
+        </p:txBody>
+      </p:sp>
+      <p:sp>
+        <p:nvSpPr>
+          <p:cNvPr id="2" name="Title 1"/>
+          <p:cNvSpPr>
+            <a:spLocks noGrp="1"/>
+          </p:cNvSpPr>
+          <p:nvPr>
+            <p:ph type="title"/>
+          </p:nvPr>
+        </p:nvSpPr>
+        <p:spPr/>
+        <p:txBody>
+          <a:bodyPr/>
+          <a:lstStyle/>
+          <a:p>
+            <a:pPr lvl="0">
+              <a:defRPr lang="ko-KR" altLang="en-US"/>
+            </a:pPr>
+            <a:r>
+              <a:rPr lang="en-US" dirty="0" err="1"/>
+              <a:t>WebAR</a:t>
+            </a:r>
+            <a:r>
+              <a:rPr lang="ko-KR" altLang="en-US" dirty="0"/>
+              <a:t> 인테리어 </a:t>
+            </a:r>
+            <a:r>
+              <a:rPr lang="en-US" altLang="ko-KR" dirty="0"/>
+              <a:t>- </a:t>
+            </a:r>
+            <a:r>
+              <a:rPr lang="ko-KR" altLang="en-US" dirty="0"/>
+              <a:t>기능</a:t>
+            </a:r>
+            <a:endParaRPr lang="en-US" dirty="0"/>
+          </a:p>
+        </p:txBody>
+      </p:sp>
+      <p:sp>
+        <p:nvSpPr>
+          <p:cNvPr id="12" name="Inhaltsplatzhalter 4"/>
+          <p:cNvSpPr txBox="1"/>
+          <p:nvPr/>
+        </p:nvSpPr>
+        <p:spPr>
+          <a:xfrm>
+            <a:off x="1331640" y="3742977"/>
+            <a:ext cx="2412268" cy="1246495"/>
+          </a:xfrm>
+          <a:prstGeom prst="rect">
+            <a:avLst/>
+          </a:prstGeom>
+        </p:spPr>
+        <p:txBody>
+          <a:bodyPr wrap="square" lIns="0" tIns="0" rIns="0" bIns="0" anchor="ctr">
+            <a:spAutoFit/>
+          </a:bodyPr>
+          <a:lstStyle>
+            <a:lvl1pPr marL="272967" indent="-272967" algn="l" defTabSz="914127" rtl="0" eaLnBrk="1" latinLnBrk="0" hangingPunct="1">
+              <a:lnSpc>
+                <a:spcPct val="90000"/>
+              </a:lnSpc>
+              <a:spcBef>
+                <a:spcPts val="0"/>
+              </a:spcBef>
+              <a:spcAft>
+                <a:spcPts val="1000"/>
+              </a:spcAft>
+              <a:buFont typeface="Wingdings"/>
+              <a:buChar char="§"/>
+              <a:defRPr sz="2300" kern="1200">
+                <a:solidFill>
+                  <a:schemeClr val="bg1"/>
+                </a:solidFill>
+                <a:latin typeface="Calibri Light"/>
+                <a:ea typeface="+mn-ea"/>
+                <a:cs typeface="+mn-cs"/>
+              </a:defRPr>
+            </a:lvl1pPr>
+            <a:lvl2pPr marL="807798" indent="-272967" algn="l" defTabSz="914127" rtl="0" eaLnBrk="1" latinLnBrk="0" hangingPunct="1">
+              <a:lnSpc>
+                <a:spcPct val="90000"/>
+              </a:lnSpc>
+              <a:spcBef>
+                <a:spcPts val="0"/>
+              </a:spcBef>
+              <a:spcAft>
+                <a:spcPts val="1000"/>
+              </a:spcAft>
+              <a:buFont typeface="Symbol"/>
+              <a:buChar char="-"/>
+              <a:defRPr sz="2000" kern="1200">
+                <a:solidFill>
+                  <a:schemeClr val="bg1"/>
+                </a:solidFill>
+                <a:latin typeface="Calibri Light"/>
+                <a:ea typeface="+mn-ea"/>
+                <a:cs typeface="+mn-cs"/>
+              </a:defRPr>
+            </a:lvl2pPr>
+            <a:lvl3pPr marL="1080764" indent="-177748" algn="l" defTabSz="914127" rtl="0" eaLnBrk="1" latinLnBrk="0" hangingPunct="1">
+              <a:lnSpc>
+                <a:spcPct val="90000"/>
+              </a:lnSpc>
+              <a:spcBef>
+                <a:spcPts val="0"/>
+              </a:spcBef>
+              <a:spcAft>
+                <a:spcPts val="1000"/>
+              </a:spcAft>
+              <a:buFont typeface="Symbol"/>
+              <a:buChar char="-"/>
+              <a:defRPr sz="1900" kern="1200">
+                <a:solidFill>
+                  <a:schemeClr val="bg1"/>
+                </a:solidFill>
+                <a:latin typeface="Calibri Light"/>
+                <a:ea typeface="+mn-ea"/>
+                <a:cs typeface="+mn-cs"/>
+              </a:defRPr>
+            </a:lvl3pPr>
+            <a:lvl4pPr marL="1436256" indent="-177748" algn="l" defTabSz="914127" rtl="0" eaLnBrk="1" latinLnBrk="0" hangingPunct="1">
+              <a:lnSpc>
+                <a:spcPct val="90000"/>
+              </a:lnSpc>
+              <a:spcBef>
+                <a:spcPts val="0"/>
+              </a:spcBef>
+              <a:spcAft>
+                <a:spcPts val="1000"/>
+              </a:spcAft>
+              <a:buFont typeface="Symbol"/>
+              <a:buChar char="-"/>
+              <a:defRPr sz="1600" kern="1200">
+                <a:solidFill>
+                  <a:schemeClr val="bg1"/>
+                </a:solidFill>
+                <a:latin typeface="Calibri Light"/>
+                <a:ea typeface="+mn-ea"/>
+                <a:cs typeface="+mn-cs"/>
+              </a:defRPr>
+            </a:lvl4pPr>
+            <a:lvl5pPr marL="1793335" indent="-179335" algn="l" defTabSz="914127" rtl="0" eaLnBrk="1" latinLnBrk="0" hangingPunct="1">
+              <a:lnSpc>
+                <a:spcPct val="90000"/>
+              </a:lnSpc>
+              <a:spcBef>
+                <a:spcPts val="0"/>
+              </a:spcBef>
+              <a:spcAft>
+                <a:spcPts val="1000"/>
+              </a:spcAft>
+              <a:buFont typeface="Symbol"/>
+              <a:buChar char="-"/>
+              <a:defRPr sz="1600" kern="1200">
+                <a:solidFill>
+                  <a:schemeClr val="bg1"/>
+                </a:solidFill>
+                <a:latin typeface="Calibri Light"/>
+                <a:ea typeface="+mn-ea"/>
+                <a:cs typeface="+mn-cs"/>
+              </a:defRPr>
+            </a:lvl5pPr>
+            <a:lvl6pPr marL="2513847" indent="-228532" algn="l" defTabSz="914127" rtl="0" eaLnBrk="1" latinLnBrk="0" hangingPunct="1">
+              <a:spcBef>
+                <a:spcPct val="20000"/>
+              </a:spcBef>
+              <a:buFont typeface="Arial"/>
+              <a:buChar char="•"/>
+              <a:defRPr sz="2000" kern="1200">
+                <a:solidFill>
+                  <a:schemeClr val="tx1"/>
+                </a:solidFill>
+                <a:latin typeface="+mn-lt"/>
+                <a:ea typeface="+mn-ea"/>
+                <a:cs typeface="+mn-cs"/>
+              </a:defRPr>
+            </a:lvl6pPr>
+            <a:lvl7pPr marL="2970910" indent="-228532" algn="l" defTabSz="914127" rtl="0" eaLnBrk="1" latinLnBrk="0" hangingPunct="1">
+              <a:spcBef>
+                <a:spcPct val="20000"/>
+              </a:spcBef>
+              <a:buFont typeface="Arial"/>
+              <a:buChar char="•"/>
+              <a:defRPr sz="2000" kern="1200">
+                <a:solidFill>
+                  <a:schemeClr val="tx1"/>
+                </a:solidFill>
+                <a:latin typeface="+mn-lt"/>
+                <a:ea typeface="+mn-ea"/>
+                <a:cs typeface="+mn-cs"/>
+              </a:defRPr>
+            </a:lvl7pPr>
+            <a:lvl8pPr marL="3427972" indent="-228532" algn="l" defTabSz="914127" rtl="0" eaLnBrk="1" latinLnBrk="0" hangingPunct="1">
+              <a:spcBef>
+                <a:spcPct val="20000"/>
+              </a:spcBef>
+              <a:buFont typeface="Arial"/>
+              <a:buChar char="•"/>
+              <a:defRPr sz="2000" kern="1200">
+                <a:solidFill>
+                  <a:schemeClr val="tx1"/>
+                </a:solidFill>
+                <a:latin typeface="+mn-lt"/>
+                <a:ea typeface="+mn-ea"/>
+                <a:cs typeface="+mn-cs"/>
+              </a:defRPr>
+            </a:lvl8pPr>
+            <a:lvl9pPr marL="3885034" indent="-228532" algn="l" defTabSz="914127" rtl="0" eaLnBrk="1" latinLnBrk="0" hangingPunct="1">
+              <a:spcBef>
+                <a:spcPct val="20000"/>
+              </a:spcBef>
+              <a:buFont typeface="Arial"/>
+              <a:buChar char="•"/>
+              <a:defRPr sz="2000" kern="1200">
+                <a:solidFill>
+                  <a:schemeClr val="tx1"/>
+                </a:solidFill>
+                <a:latin typeface="+mn-lt"/>
+                <a:ea typeface="+mn-ea"/>
+                <a:cs typeface="+mn-cs"/>
+              </a:defRPr>
+            </a:lvl9pPr>
+          </a:lstStyle>
+          <a:p>
+            <a:pPr marL="0" indent="0">
+              <a:lnSpc>
+                <a:spcPct val="150000"/>
+              </a:lnSpc>
+              <a:buNone/>
+              <a:defRPr lang="ko-KR" altLang="en-US"/>
+            </a:pPr>
+            <a:r>
+              <a:rPr lang="ko-KR" altLang="en-US" sz="1800" b="1" dirty="0" smtClean="0">
+                <a:latin typeface="+mj-lt"/>
+              </a:rPr>
+              <a:t>보기 편한 옵션 </a:t>
+            </a:r>
+            <a:r>
+              <a:rPr lang="en-US" altLang="ko-KR" sz="1800" b="1" dirty="0" smtClean="0">
+                <a:latin typeface="+mj-lt"/>
+              </a:rPr>
+              <a:t>#05</a:t>
+            </a:r>
+            <a:r>
+              <a:rPr lang="en-US" sz="1800" b="1" dirty="0" smtClean="0">
+                <a:latin typeface="+mj-lt"/>
+              </a:rPr>
+              <a:t/>
+            </a:r>
+            <a:br>
+              <a:rPr lang="en-US" sz="1800" b="1" dirty="0" smtClean="0">
+                <a:latin typeface="+mj-lt"/>
+              </a:rPr>
+            </a:br>
+            <a:r>
+              <a:rPr lang="ko-KR" altLang="en-US" sz="1200" dirty="0" smtClean="0">
+                <a:latin typeface="+mj-lt"/>
+              </a:rPr>
+              <a:t>접속 후 바로 볼 수 있는 제어판과 </a:t>
+            </a:r>
+            <a:r>
+              <a:rPr lang="ko-KR" altLang="en-US" sz="1200" dirty="0" err="1" smtClean="0">
+                <a:latin typeface="+mj-lt"/>
+              </a:rPr>
+              <a:t>스크린샷을</a:t>
+            </a:r>
+            <a:r>
+              <a:rPr lang="ko-KR" altLang="en-US" sz="1200" dirty="0" smtClean="0">
+                <a:latin typeface="+mj-lt"/>
+              </a:rPr>
+              <a:t> 찍을 때 타원이나 길이표시 삭제 가능</a:t>
+            </a:r>
+            <a:endParaRPr lang="en-US" sz="1400" dirty="0">
+              <a:latin typeface="+mj-lt"/>
+            </a:endParaRPr>
+          </a:p>
+        </p:txBody>
+      </p:sp>
+      <p:sp>
+        <p:nvSpPr>
+          <p:cNvPr id="13" name="Inhaltsplatzhalter 4"/>
+          <p:cNvSpPr txBox="1"/>
+          <p:nvPr/>
+        </p:nvSpPr>
+        <p:spPr>
+          <a:xfrm>
+            <a:off x="5508104" y="3738434"/>
+            <a:ext cx="2432860" cy="1246495"/>
+          </a:xfrm>
+          <a:prstGeom prst="rect">
+            <a:avLst/>
+          </a:prstGeom>
+        </p:spPr>
+        <p:txBody>
+          <a:bodyPr wrap="square" lIns="0" tIns="0" rIns="0" bIns="0" anchor="ctr">
+            <a:spAutoFit/>
+          </a:bodyPr>
+          <a:lstStyle>
+            <a:lvl1pPr marL="272967" indent="-272967" algn="l" defTabSz="914127" rtl="0" eaLnBrk="1" latinLnBrk="0" hangingPunct="1">
+              <a:lnSpc>
+                <a:spcPct val="90000"/>
+              </a:lnSpc>
+              <a:spcBef>
+                <a:spcPts val="0"/>
+              </a:spcBef>
+              <a:spcAft>
+                <a:spcPts val="1000"/>
+              </a:spcAft>
+              <a:buFont typeface="Wingdings"/>
+              <a:buChar char="§"/>
+              <a:defRPr sz="2300" kern="1200">
+                <a:solidFill>
+                  <a:schemeClr val="bg1"/>
+                </a:solidFill>
+                <a:latin typeface="Calibri Light"/>
+                <a:ea typeface="+mn-ea"/>
+                <a:cs typeface="+mn-cs"/>
+              </a:defRPr>
+            </a:lvl1pPr>
+            <a:lvl2pPr marL="807798" indent="-272967" algn="l" defTabSz="914127" rtl="0" eaLnBrk="1" latinLnBrk="0" hangingPunct="1">
+              <a:lnSpc>
+                <a:spcPct val="90000"/>
+              </a:lnSpc>
+              <a:spcBef>
+                <a:spcPts val="0"/>
+              </a:spcBef>
+              <a:spcAft>
+                <a:spcPts val="1000"/>
+              </a:spcAft>
+              <a:buFont typeface="Symbol"/>
+              <a:buChar char="-"/>
+              <a:defRPr sz="2000" kern="1200">
+                <a:solidFill>
+                  <a:schemeClr val="bg1"/>
+                </a:solidFill>
+                <a:latin typeface="Calibri Light"/>
+                <a:ea typeface="+mn-ea"/>
+                <a:cs typeface="+mn-cs"/>
+              </a:defRPr>
+            </a:lvl2pPr>
+            <a:lvl3pPr marL="1080764" indent="-177748" algn="l" defTabSz="914127" rtl="0" eaLnBrk="1" latinLnBrk="0" hangingPunct="1">
+              <a:lnSpc>
+                <a:spcPct val="90000"/>
+              </a:lnSpc>
+              <a:spcBef>
+                <a:spcPts val="0"/>
+              </a:spcBef>
+              <a:spcAft>
+                <a:spcPts val="1000"/>
+              </a:spcAft>
+              <a:buFont typeface="Symbol"/>
+              <a:buChar char="-"/>
+              <a:defRPr sz="1900" kern="1200">
+                <a:solidFill>
+                  <a:schemeClr val="bg1"/>
+                </a:solidFill>
+                <a:latin typeface="Calibri Light"/>
+                <a:ea typeface="+mn-ea"/>
+                <a:cs typeface="+mn-cs"/>
+              </a:defRPr>
+            </a:lvl3pPr>
+            <a:lvl4pPr marL="1436256" indent="-177748" algn="l" defTabSz="914127" rtl="0" eaLnBrk="1" latinLnBrk="0" hangingPunct="1">
+              <a:lnSpc>
+                <a:spcPct val="90000"/>
+              </a:lnSpc>
+              <a:spcBef>
+                <a:spcPts val="0"/>
+              </a:spcBef>
+              <a:spcAft>
+                <a:spcPts val="1000"/>
+              </a:spcAft>
+              <a:buFont typeface="Symbol"/>
+              <a:buChar char="-"/>
+              <a:defRPr sz="1600" kern="1200">
+                <a:solidFill>
+                  <a:schemeClr val="bg1"/>
+                </a:solidFill>
+                <a:latin typeface="Calibri Light"/>
+                <a:ea typeface="+mn-ea"/>
+                <a:cs typeface="+mn-cs"/>
+              </a:defRPr>
+            </a:lvl4pPr>
+            <a:lvl5pPr marL="1793335" indent="-179335" algn="l" defTabSz="914127" rtl="0" eaLnBrk="1" latinLnBrk="0" hangingPunct="1">
+              <a:lnSpc>
+                <a:spcPct val="90000"/>
+              </a:lnSpc>
+              <a:spcBef>
+                <a:spcPts val="0"/>
+              </a:spcBef>
+              <a:spcAft>
+                <a:spcPts val="1000"/>
+              </a:spcAft>
+              <a:buFont typeface="Symbol"/>
+              <a:buChar char="-"/>
+              <a:defRPr sz="1600" kern="1200">
+                <a:solidFill>
+                  <a:schemeClr val="bg1"/>
+                </a:solidFill>
+                <a:latin typeface="Calibri Light"/>
+                <a:ea typeface="+mn-ea"/>
+                <a:cs typeface="+mn-cs"/>
+              </a:defRPr>
+            </a:lvl5pPr>
+            <a:lvl6pPr marL="2513847" indent="-228532" algn="l" defTabSz="914127" rtl="0" eaLnBrk="1" latinLnBrk="0" hangingPunct="1">
+              <a:spcBef>
+                <a:spcPct val="20000"/>
+              </a:spcBef>
+              <a:buFont typeface="Arial"/>
+              <a:buChar char="•"/>
+              <a:defRPr sz="2000" kern="1200">
+                <a:solidFill>
+                  <a:schemeClr val="tx1"/>
+                </a:solidFill>
+                <a:latin typeface="+mn-lt"/>
+                <a:ea typeface="+mn-ea"/>
+                <a:cs typeface="+mn-cs"/>
+              </a:defRPr>
+            </a:lvl6pPr>
+            <a:lvl7pPr marL="2970910" indent="-228532" algn="l" defTabSz="914127" rtl="0" eaLnBrk="1" latinLnBrk="0" hangingPunct="1">
+              <a:spcBef>
+                <a:spcPct val="20000"/>
+              </a:spcBef>
+              <a:buFont typeface="Arial"/>
+              <a:buChar char="•"/>
+              <a:defRPr sz="2000" kern="1200">
+                <a:solidFill>
+                  <a:schemeClr val="tx1"/>
+                </a:solidFill>
+                <a:latin typeface="+mn-lt"/>
+                <a:ea typeface="+mn-ea"/>
+                <a:cs typeface="+mn-cs"/>
+              </a:defRPr>
+            </a:lvl7pPr>
+            <a:lvl8pPr marL="3427972" indent="-228532" algn="l" defTabSz="914127" rtl="0" eaLnBrk="1" latinLnBrk="0" hangingPunct="1">
+              <a:spcBef>
+                <a:spcPct val="20000"/>
+              </a:spcBef>
+              <a:buFont typeface="Arial"/>
+              <a:buChar char="•"/>
+              <a:defRPr sz="2000" kern="1200">
+                <a:solidFill>
+                  <a:schemeClr val="tx1"/>
+                </a:solidFill>
+                <a:latin typeface="+mn-lt"/>
+                <a:ea typeface="+mn-ea"/>
+                <a:cs typeface="+mn-cs"/>
+              </a:defRPr>
+            </a:lvl8pPr>
+            <a:lvl9pPr marL="3885034" indent="-228532" algn="l" defTabSz="914127" rtl="0" eaLnBrk="1" latinLnBrk="0" hangingPunct="1">
+              <a:spcBef>
+                <a:spcPct val="20000"/>
+              </a:spcBef>
+              <a:buFont typeface="Arial"/>
+              <a:buChar char="•"/>
+              <a:defRPr sz="2000" kern="1200">
+                <a:solidFill>
+                  <a:schemeClr val="tx1"/>
+                </a:solidFill>
+                <a:latin typeface="+mn-lt"/>
+                <a:ea typeface="+mn-ea"/>
+                <a:cs typeface="+mn-cs"/>
+              </a:defRPr>
+            </a:lvl9pPr>
+          </a:lstStyle>
+          <a:p>
+            <a:pPr marL="0" indent="0">
+              <a:lnSpc>
+                <a:spcPct val="150000"/>
+              </a:lnSpc>
+              <a:buNone/>
+              <a:defRPr lang="ko-KR" altLang="en-US"/>
+            </a:pPr>
+            <a:r>
+              <a:rPr lang="ko-KR" altLang="en-US" sz="1800" b="1" dirty="0" smtClean="0">
+                <a:latin typeface="+mj-lt"/>
+              </a:rPr>
+              <a:t>사용기록 제공 </a:t>
+            </a:r>
+            <a:r>
+              <a:rPr lang="en-US" sz="1800" b="1" dirty="0" smtClean="0">
+                <a:latin typeface="+mj-lt"/>
+              </a:rPr>
+              <a:t>#06</a:t>
+            </a:r>
+            <a:r>
+              <a:rPr lang="en-US" sz="1800" b="1" dirty="0">
+                <a:latin typeface="+mj-lt"/>
+              </a:rPr>
+              <a:t/>
+            </a:r>
+            <a:br>
+              <a:rPr lang="en-US" sz="1800" b="1" dirty="0">
+                <a:latin typeface="+mj-lt"/>
+              </a:rPr>
+            </a:br>
+            <a:r>
+              <a:rPr lang="ko-KR" altLang="en-US" sz="1200" dirty="0" smtClean="0">
+                <a:latin typeface="+mj-lt"/>
+              </a:rPr>
+              <a:t>로그인</a:t>
+            </a:r>
+            <a:r>
+              <a:rPr lang="en-US" altLang="ko-KR" sz="1200" dirty="0" smtClean="0">
+                <a:latin typeface="+mj-lt"/>
+              </a:rPr>
+              <a:t>-</a:t>
+            </a:r>
+            <a:r>
+              <a:rPr lang="ko-KR" altLang="en-US" sz="1200" dirty="0" smtClean="0">
+                <a:latin typeface="+mj-lt"/>
+              </a:rPr>
+              <a:t>인테리어 기록 기능을 제공해 사용자의 인테리어 내역을 언제</a:t>
+            </a:r>
+            <a:r>
+              <a:rPr lang="en-US" altLang="ko-KR" sz="1200" dirty="0" smtClean="0">
+                <a:latin typeface="+mj-lt"/>
+              </a:rPr>
+              <a:t>, </a:t>
+            </a:r>
+            <a:r>
+              <a:rPr lang="ko-KR" altLang="en-US" sz="1200" dirty="0" smtClean="0">
+                <a:latin typeface="+mj-lt"/>
+              </a:rPr>
+              <a:t>어디서나 확인 가능</a:t>
+            </a:r>
+            <a:endParaRPr lang="en-US" sz="1400" dirty="0">
+              <a:latin typeface="+mj-lt"/>
+            </a:endParaRPr>
+          </a:p>
+        </p:txBody>
+      </p:sp>
+    </p:spTree>
+    <p:extLst>
+      <p:ext uri="{BB962C8B-B14F-4D97-AF65-F5344CB8AC3E}">
+        <p14:creationId xmlns:p14="http://schemas.microsoft.com/office/powerpoint/2010/main" val="2400844566"/>
       </p:ext>
     </p:extLst>
   </p:cSld>
@@ -28920,24 +30916,32 @@
   <a:objectDefaults>
     <a:spDef>
       <a:spPr>
-        <a:solidFill>
-          <a:schemeClr val="tx1"/>
-        </a:solidFill>
-        <a:ln w="9525">
-          <a:noFill/>
-          <a:round/>
-        </a:ln>
+        <a:ln/>
       </a:spPr>
-      <a:bodyPr vert="horz" wrap="square" lIns="91440" tIns="45720" rIns="91440" bIns="45720" numCol="1" anchor="t" anchorCtr="0" compatLnSpc="1">
+      <a:bodyPr vert="horz" wrap="square" lIns="91440" tIns="45720" rIns="91440" bIns="45720" numCol="1" rtlCol="0" anchor="t" anchorCtr="0" compatLnSpc="1">
         <a:prstTxWarp prst="textNoShape">
           <a:avLst/>
         </a:prstTxWarp>
       </a:bodyPr>
       <a:lstStyle>
-        <a:defPPr>
-          <a:defRPr/>
+        <a:defPPr algn="ctr">
+          <a:defRPr dirty="0" smtClean="0"/>
         </a:defPPr>
       </a:lstStyle>
+      <a:style>
+        <a:lnRef idx="2">
+          <a:schemeClr val="dk1"/>
+        </a:lnRef>
+        <a:fillRef idx="1">
+          <a:schemeClr val="lt1"/>
+        </a:fillRef>
+        <a:effectRef idx="0">
+          <a:schemeClr val="dk1"/>
+        </a:effectRef>
+        <a:fontRef idx="minor">
+          <a:schemeClr val="dk1"/>
+        </a:fontRef>
+      </a:style>
     </a:spDef>
     <a:txDef>
       <a:spPr/>

--- a/호남-발표자료.pptx
+++ b/호남-발표자료.pptx
@@ -1238,13 +1238,13 @@
     </dgm:pt>
   </dgm:ptLst>
   <dgm:cxnLst>
+    <dgm:cxn modelId="{7BAE9CD9-08C2-4D1C-886E-AD2681613D8E}" type="presOf" srcId="{4739C7DF-4ACB-4E75-A431-9A1343B9F520}" destId="{4C37C8A3-9B77-46C6-AB1D-90AB5E3271E6}" srcOrd="0" destOrd="0" presId="urn:microsoft.com/office/officeart/2008/layout/LinedList"/>
+    <dgm:cxn modelId="{48BA3CD7-38F7-4AD5-8A1E-9BA138550472}" type="presOf" srcId="{46B6A35C-5F69-40E6-B648-226608D3E721}" destId="{7C4FB7B5-D460-4973-BF26-AEBEB02499D0}" srcOrd="0" destOrd="0" presId="urn:microsoft.com/office/officeart/2008/layout/LinedList"/>
+    <dgm:cxn modelId="{5AD5C818-4A74-4EDD-9261-34B8B259F232}" srcId="{C332F953-762B-4B33-AC2C-EB40F1FF85B0}" destId="{FE15ECCA-2318-41FF-9BA0-8E9F775671A5}" srcOrd="1" destOrd="0" parTransId="{3C50DDA9-2C64-457F-BFB5-37FBA56F1A60}" sibTransId="{8E31555D-ABA4-48FD-8145-68403794D90F}"/>
     <dgm:cxn modelId="{EE456226-86C9-4D95-8077-AC3A3B6A1483}" srcId="{C332F953-762B-4B33-AC2C-EB40F1FF85B0}" destId="{438D24A9-899D-4F77-9301-5ED182164E06}" srcOrd="0" destOrd="0" parTransId="{FCCAB6E7-1CB7-4EA4-93E1-962B21C1F142}" sibTransId="{5403BA80-8400-4E8A-B977-0894F00C47B9}"/>
+    <dgm:cxn modelId="{5DBE6071-D3DE-4EFC-AB48-F5362E251EB1}" type="presOf" srcId="{438D24A9-899D-4F77-9301-5ED182164E06}" destId="{DCBC971F-FC39-4D96-ABAA-1A7A0C3F50D1}" srcOrd="0" destOrd="0" presId="urn:microsoft.com/office/officeart/2008/layout/LinedList"/>
+    <dgm:cxn modelId="{2F1AE8CD-D85B-465E-AF8E-778760328D94}" type="presOf" srcId="{FE15ECCA-2318-41FF-9BA0-8E9F775671A5}" destId="{0121AB03-4C53-463B-B760-EC250EE8B1A2}" srcOrd="0" destOrd="0" presId="urn:microsoft.com/office/officeart/2008/layout/LinedList"/>
     <dgm:cxn modelId="{4C06F040-F43B-4C97-BBC4-C76D3D7A2DAE}" type="presOf" srcId="{C332F953-762B-4B33-AC2C-EB40F1FF85B0}" destId="{16E7B203-BAAD-40BA-9278-6FA55D9657F8}" srcOrd="0" destOrd="0" presId="urn:microsoft.com/office/officeart/2008/layout/LinedList"/>
-    <dgm:cxn modelId="{5AD5C818-4A74-4EDD-9261-34B8B259F232}" srcId="{C332F953-762B-4B33-AC2C-EB40F1FF85B0}" destId="{FE15ECCA-2318-41FF-9BA0-8E9F775671A5}" srcOrd="1" destOrd="0" parTransId="{3C50DDA9-2C64-457F-BFB5-37FBA56F1A60}" sibTransId="{8E31555D-ABA4-48FD-8145-68403794D90F}"/>
-    <dgm:cxn modelId="{5DBE6071-D3DE-4EFC-AB48-F5362E251EB1}" type="presOf" srcId="{438D24A9-899D-4F77-9301-5ED182164E06}" destId="{DCBC971F-FC39-4D96-ABAA-1A7A0C3F50D1}" srcOrd="0" destOrd="0" presId="urn:microsoft.com/office/officeart/2008/layout/LinedList"/>
-    <dgm:cxn modelId="{48BA3CD7-38F7-4AD5-8A1E-9BA138550472}" type="presOf" srcId="{46B6A35C-5F69-40E6-B648-226608D3E721}" destId="{7C4FB7B5-D460-4973-BF26-AEBEB02499D0}" srcOrd="0" destOrd="0" presId="urn:microsoft.com/office/officeart/2008/layout/LinedList"/>
-    <dgm:cxn modelId="{2F1AE8CD-D85B-465E-AF8E-778760328D94}" type="presOf" srcId="{FE15ECCA-2318-41FF-9BA0-8E9F775671A5}" destId="{0121AB03-4C53-463B-B760-EC250EE8B1A2}" srcOrd="0" destOrd="0" presId="urn:microsoft.com/office/officeart/2008/layout/LinedList"/>
-    <dgm:cxn modelId="{7BAE9CD9-08C2-4D1C-886E-AD2681613D8E}" type="presOf" srcId="{4739C7DF-4ACB-4E75-A431-9A1343B9F520}" destId="{4C37C8A3-9B77-46C6-AB1D-90AB5E3271E6}" srcOrd="0" destOrd="0" presId="urn:microsoft.com/office/officeart/2008/layout/LinedList"/>
     <dgm:cxn modelId="{7E06B90A-7CCD-4F86-88C4-3EB4939ACDAB}" srcId="{438D24A9-899D-4F77-9301-5ED182164E06}" destId="{46B6A35C-5F69-40E6-B648-226608D3E721}" srcOrd="0" destOrd="0" parTransId="{8542FAF9-95D0-456B-8E42-4AA3FFA68C7B}" sibTransId="{5DFFEF75-EC01-4987-BFEB-B4551AD1C001}"/>
     <dgm:cxn modelId="{E93B7607-10CF-427B-BBE9-B0112961329D}" srcId="{FE15ECCA-2318-41FF-9BA0-8E9F775671A5}" destId="{4739C7DF-4ACB-4E75-A431-9A1343B9F520}" srcOrd="0" destOrd="0" parTransId="{A9B8C49C-96EA-4620-9E1C-C7CDD47946AC}" sibTransId="{E6C04529-A12B-4894-A53D-6055F0F3AEA9}"/>
     <dgm:cxn modelId="{E16F981C-024C-4F48-A91F-27C33BBC75CC}" type="presParOf" srcId="{16E7B203-BAAD-40BA-9278-6FA55D9657F8}" destId="{97E95642-6116-44AE-A337-7BC0A6A646B2}" srcOrd="0" destOrd="0" presId="urn:microsoft.com/office/officeart/2008/layout/LinedList"/>
@@ -1288,474 +1288,6 @@
       <dsp:cNvGrpSpPr/>
     </dsp:nvGrpSpPr>
     <dsp:grpSpPr/>
-    <dsp:sp modelId="{97E95642-6116-44AE-A337-7BC0A6A646B2}">
-      <dsp:nvSpPr>
-        <dsp:cNvPr id="0" name=""/>
-        <dsp:cNvSpPr/>
-      </dsp:nvSpPr>
-      <dsp:spPr>
-        <a:xfrm>
-          <a:off x="0" y="0"/>
-          <a:ext cx="5868652" cy="0"/>
-        </a:xfrm>
-        <a:prstGeom prst="line">
-          <a:avLst/>
-        </a:prstGeom>
-        <a:solidFill>
-          <a:schemeClr val="accent1">
-            <a:hueOff val="0"/>
-            <a:satOff val="0"/>
-            <a:lumOff val="0"/>
-            <a:alphaOff val="0"/>
-          </a:schemeClr>
-        </a:solidFill>
-        <a:ln w="25400" cap="flat" cmpd="sng" algn="ctr">
-          <a:solidFill>
-            <a:schemeClr val="accent1">
-              <a:hueOff val="0"/>
-              <a:satOff val="0"/>
-              <a:lumOff val="0"/>
-              <a:alphaOff val="0"/>
-            </a:schemeClr>
-          </a:solidFill>
-          <a:prstDash val="solid"/>
-        </a:ln>
-        <a:effectLst/>
-      </dsp:spPr>
-      <dsp:style>
-        <a:lnRef idx="2">
-          <a:scrgbClr r="0" g="0" b="0"/>
-        </a:lnRef>
-        <a:fillRef idx="1">
-          <a:scrgbClr r="0" g="0" b="0"/>
-        </a:fillRef>
-        <a:effectRef idx="0">
-          <a:scrgbClr r="0" g="0" b="0"/>
-        </a:effectRef>
-        <a:fontRef idx="minor">
-          <a:schemeClr val="lt1"/>
-        </a:fontRef>
-      </dsp:style>
-    </dsp:sp>
-    <dsp:sp modelId="{DCBC971F-FC39-4D96-ABAA-1A7A0C3F50D1}">
-      <dsp:nvSpPr>
-        <dsp:cNvPr id="0" name=""/>
-        <dsp:cNvSpPr/>
-      </dsp:nvSpPr>
-      <dsp:spPr>
-        <a:xfrm>
-          <a:off x="0" y="148232"/>
-          <a:ext cx="1173730" cy="1116124"/>
-        </a:xfrm>
-        <a:prstGeom prst="rect">
-          <a:avLst/>
-        </a:prstGeom>
-        <a:noFill/>
-        <a:ln>
-          <a:noFill/>
-        </a:ln>
-        <a:effectLst/>
-      </dsp:spPr>
-      <dsp:style>
-        <a:lnRef idx="0">
-          <a:scrgbClr r="0" g="0" b="0"/>
-        </a:lnRef>
-        <a:fillRef idx="0">
-          <a:scrgbClr r="0" g="0" b="0"/>
-        </a:fillRef>
-        <a:effectRef idx="0">
-          <a:scrgbClr r="0" g="0" b="0"/>
-        </a:effectRef>
-        <a:fontRef idx="minor"/>
-      </dsp:style>
-      <dsp:txBody>
-        <a:bodyPr spcFirstLastPara="0" vert="horz" wrap="square" lIns="76200" tIns="76200" rIns="76200" bIns="76200" numCol="1" spcCol="1270" anchor="t" anchorCtr="0">
-          <a:noAutofit/>
-        </a:bodyPr>
-        <a:lstStyle/>
-        <a:p>
-          <a:pPr lvl="0" algn="l" defTabSz="889000" latinLnBrk="1">
-            <a:lnSpc>
-              <a:spcPct val="90000"/>
-            </a:lnSpc>
-            <a:spcBef>
-              <a:spcPct val="0"/>
-            </a:spcBef>
-            <a:spcAft>
-              <a:spcPct val="35000"/>
-            </a:spcAft>
-          </a:pPr>
-          <a:r>
-            <a:rPr lang="ko-KR" altLang="en-US" sz="2000" kern="1200" dirty="0" err="1" smtClean="0"/>
-            <a:t>곽규한</a:t>
-          </a:r>
-          <a:endParaRPr lang="en-US" altLang="ko-KR" sz="2000" kern="1200" dirty="0" smtClean="0"/>
-        </a:p>
-        <a:p>
-          <a:pPr lvl="0" algn="l" defTabSz="889000" latinLnBrk="1">
-            <a:lnSpc>
-              <a:spcPct val="90000"/>
-            </a:lnSpc>
-            <a:spcBef>
-              <a:spcPct val="0"/>
-            </a:spcBef>
-            <a:spcAft>
-              <a:spcPct val="35000"/>
-            </a:spcAft>
-          </a:pPr>
-          <a:r>
-            <a:rPr lang="ko-KR" altLang="en-US" sz="2000" kern="1200" dirty="0" smtClean="0"/>
-            <a:t>이호준</a:t>
-          </a:r>
-          <a:endParaRPr lang="ko-KR" altLang="en-US" sz="2000" kern="1200" dirty="0"/>
-        </a:p>
-      </dsp:txBody>
-      <dsp:txXfrm>
-        <a:off x="0" y="148232"/>
-        <a:ext cx="1173730" cy="1116124"/>
-      </dsp:txXfrm>
-    </dsp:sp>
-    <dsp:sp modelId="{7C4FB7B5-D460-4973-BF26-AEBEB02499D0}">
-      <dsp:nvSpPr>
-        <dsp:cNvPr id="0" name=""/>
-        <dsp:cNvSpPr/>
-      </dsp:nvSpPr>
-      <dsp:spPr>
-        <a:xfrm>
-          <a:off x="1261760" y="50683"/>
-          <a:ext cx="4606891" cy="1013667"/>
-        </a:xfrm>
-        <a:prstGeom prst="rect">
-          <a:avLst/>
-        </a:prstGeom>
-        <a:noFill/>
-        <a:ln>
-          <a:noFill/>
-        </a:ln>
-        <a:effectLst/>
-      </dsp:spPr>
-      <dsp:style>
-        <a:lnRef idx="0">
-          <a:scrgbClr r="0" g="0" b="0"/>
-        </a:lnRef>
-        <a:fillRef idx="0">
-          <a:scrgbClr r="0" g="0" b="0"/>
-        </a:fillRef>
-        <a:effectRef idx="0">
-          <a:scrgbClr r="0" g="0" b="0"/>
-        </a:effectRef>
-        <a:fontRef idx="minor"/>
-      </dsp:style>
-      <dsp:txBody>
-        <a:bodyPr spcFirstLastPara="0" vert="horz" wrap="square" lIns="91440" tIns="91440" rIns="91440" bIns="91440" numCol="1" spcCol="1270" anchor="t" anchorCtr="0">
-          <a:noAutofit/>
-        </a:bodyPr>
-        <a:lstStyle/>
-        <a:p>
-          <a:pPr lvl="0" algn="l" defTabSz="1066800" latinLnBrk="1">
-            <a:lnSpc>
-              <a:spcPct val="90000"/>
-            </a:lnSpc>
-            <a:spcBef>
-              <a:spcPct val="0"/>
-            </a:spcBef>
-            <a:spcAft>
-              <a:spcPct val="35000"/>
-            </a:spcAft>
-          </a:pPr>
-          <a:r>
-            <a:rPr lang="en-US" altLang="ko-KR" sz="2400" kern="1200" dirty="0" smtClean="0"/>
-            <a:t>AR </a:t>
-          </a:r>
-          <a:r>
-            <a:rPr lang="ko-KR" altLang="en-US" sz="2400" kern="1200" dirty="0" smtClean="0"/>
-            <a:t>기능</a:t>
-          </a:r>
-          <a:r>
-            <a:rPr lang="en-US" altLang="ko-KR" sz="2400" kern="1200" dirty="0" smtClean="0"/>
-            <a:t>, </a:t>
-          </a:r>
-          <a:r>
-            <a:rPr lang="ko-KR" altLang="en-US" sz="2400" kern="1200" dirty="0" smtClean="0"/>
-            <a:t>제어판 기능</a:t>
-          </a:r>
-          <a:endParaRPr lang="ko-KR" altLang="en-US" sz="2400" kern="1200" dirty="0"/>
-        </a:p>
-      </dsp:txBody>
-      <dsp:txXfrm>
-        <a:off x="1261760" y="50683"/>
-        <a:ext cx="4606891" cy="1013667"/>
-      </dsp:txXfrm>
-    </dsp:sp>
-    <dsp:sp modelId="{BAA0753F-A9FE-4701-942D-2D8182617D15}">
-      <dsp:nvSpPr>
-        <dsp:cNvPr id="0" name=""/>
-        <dsp:cNvSpPr/>
-      </dsp:nvSpPr>
-      <dsp:spPr>
-        <a:xfrm>
-          <a:off x="1173730" y="1064350"/>
-          <a:ext cx="4694921" cy="0"/>
-        </a:xfrm>
-        <a:prstGeom prst="line">
-          <a:avLst/>
-        </a:prstGeom>
-        <a:solidFill>
-          <a:schemeClr val="accent1">
-            <a:hueOff val="0"/>
-            <a:satOff val="0"/>
-            <a:lumOff val="0"/>
-            <a:alphaOff val="0"/>
-          </a:schemeClr>
-        </a:solidFill>
-        <a:ln w="25400" cap="flat" cmpd="sng" algn="ctr">
-          <a:solidFill>
-            <a:schemeClr val="accent1">
-              <a:tint val="50000"/>
-              <a:hueOff val="0"/>
-              <a:satOff val="0"/>
-              <a:lumOff val="0"/>
-              <a:alphaOff val="0"/>
-            </a:schemeClr>
-          </a:solidFill>
-          <a:prstDash val="solid"/>
-        </a:ln>
-        <a:effectLst/>
-      </dsp:spPr>
-      <dsp:style>
-        <a:lnRef idx="2">
-          <a:scrgbClr r="0" g="0" b="0"/>
-        </a:lnRef>
-        <a:fillRef idx="1">
-          <a:scrgbClr r="0" g="0" b="0"/>
-        </a:fillRef>
-        <a:effectRef idx="0">
-          <a:scrgbClr r="0" g="0" b="0"/>
-        </a:effectRef>
-        <a:fontRef idx="minor"/>
-      </dsp:style>
-    </dsp:sp>
-    <dsp:sp modelId="{D7502388-C955-45BA-8AF5-2054B132C11C}">
-      <dsp:nvSpPr>
-        <dsp:cNvPr id="0" name=""/>
-        <dsp:cNvSpPr/>
-      </dsp:nvSpPr>
-      <dsp:spPr>
-        <a:xfrm>
-          <a:off x="0" y="1116124"/>
-          <a:ext cx="5868652" cy="0"/>
-        </a:xfrm>
-        <a:prstGeom prst="line">
-          <a:avLst/>
-        </a:prstGeom>
-        <a:solidFill>
-          <a:schemeClr val="accent1">
-            <a:hueOff val="0"/>
-            <a:satOff val="0"/>
-            <a:lumOff val="0"/>
-            <a:alphaOff val="0"/>
-          </a:schemeClr>
-        </a:solidFill>
-        <a:ln w="25400" cap="flat" cmpd="sng" algn="ctr">
-          <a:solidFill>
-            <a:schemeClr val="accent1">
-              <a:hueOff val="0"/>
-              <a:satOff val="0"/>
-              <a:lumOff val="0"/>
-              <a:alphaOff val="0"/>
-            </a:schemeClr>
-          </a:solidFill>
-          <a:prstDash val="solid"/>
-        </a:ln>
-        <a:effectLst/>
-      </dsp:spPr>
-      <dsp:style>
-        <a:lnRef idx="2">
-          <a:scrgbClr r="0" g="0" b="0"/>
-        </a:lnRef>
-        <a:fillRef idx="1">
-          <a:scrgbClr r="0" g="0" b="0"/>
-        </a:fillRef>
-        <a:effectRef idx="0">
-          <a:scrgbClr r="0" g="0" b="0"/>
-        </a:effectRef>
-        <a:fontRef idx="minor">
-          <a:schemeClr val="lt1"/>
-        </a:fontRef>
-      </dsp:style>
-    </dsp:sp>
-    <dsp:sp modelId="{0121AB03-4C53-463B-B760-EC250EE8B1A2}">
-      <dsp:nvSpPr>
-        <dsp:cNvPr id="0" name=""/>
-        <dsp:cNvSpPr/>
-      </dsp:nvSpPr>
-      <dsp:spPr>
-        <a:xfrm>
-          <a:off x="0" y="1116124"/>
-          <a:ext cx="1173730" cy="1116124"/>
-        </a:xfrm>
-        <a:prstGeom prst="rect">
-          <a:avLst/>
-        </a:prstGeom>
-        <a:noFill/>
-        <a:ln>
-          <a:noFill/>
-        </a:ln>
-        <a:effectLst/>
-      </dsp:spPr>
-      <dsp:style>
-        <a:lnRef idx="0">
-          <a:scrgbClr r="0" g="0" b="0"/>
-        </a:lnRef>
-        <a:fillRef idx="0">
-          <a:scrgbClr r="0" g="0" b="0"/>
-        </a:fillRef>
-        <a:effectRef idx="0">
-          <a:scrgbClr r="0" g="0" b="0"/>
-        </a:effectRef>
-        <a:fontRef idx="minor"/>
-      </dsp:style>
-      <dsp:txBody>
-        <a:bodyPr spcFirstLastPara="0" vert="horz" wrap="square" lIns="76200" tIns="76200" rIns="76200" bIns="76200" numCol="1" spcCol="1270" anchor="t" anchorCtr="0">
-          <a:noAutofit/>
-        </a:bodyPr>
-        <a:lstStyle/>
-        <a:p>
-          <a:pPr lvl="0" algn="l" defTabSz="889000" latinLnBrk="1">
-            <a:lnSpc>
-              <a:spcPct val="90000"/>
-            </a:lnSpc>
-            <a:spcBef>
-              <a:spcPct val="0"/>
-            </a:spcBef>
-            <a:spcAft>
-              <a:spcPct val="35000"/>
-            </a:spcAft>
-          </a:pPr>
-          <a:r>
-            <a:rPr lang="ko-KR" altLang="en-US" sz="2000" kern="1200" dirty="0" smtClean="0"/>
-            <a:t>이남현</a:t>
-          </a:r>
-          <a:endParaRPr lang="ko-KR" altLang="en-US" sz="2000" kern="1200" dirty="0"/>
-        </a:p>
-      </dsp:txBody>
-      <dsp:txXfrm>
-        <a:off x="0" y="1116124"/>
-        <a:ext cx="1173730" cy="1116124"/>
-      </dsp:txXfrm>
-    </dsp:sp>
-    <dsp:sp modelId="{4C37C8A3-9B77-46C6-AB1D-90AB5E3271E6}">
-      <dsp:nvSpPr>
-        <dsp:cNvPr id="0" name=""/>
-        <dsp:cNvSpPr/>
-      </dsp:nvSpPr>
-      <dsp:spPr>
-        <a:xfrm>
-          <a:off x="1261760" y="1166807"/>
-          <a:ext cx="4606891" cy="1013667"/>
-        </a:xfrm>
-        <a:prstGeom prst="rect">
-          <a:avLst/>
-        </a:prstGeom>
-        <a:noFill/>
-        <a:ln>
-          <a:noFill/>
-        </a:ln>
-        <a:effectLst/>
-      </dsp:spPr>
-      <dsp:style>
-        <a:lnRef idx="0">
-          <a:scrgbClr r="0" g="0" b="0"/>
-        </a:lnRef>
-        <a:fillRef idx="0">
-          <a:scrgbClr r="0" g="0" b="0"/>
-        </a:fillRef>
-        <a:effectRef idx="0">
-          <a:scrgbClr r="0" g="0" b="0"/>
-        </a:effectRef>
-        <a:fontRef idx="minor"/>
-      </dsp:style>
-      <dsp:txBody>
-        <a:bodyPr spcFirstLastPara="0" vert="horz" wrap="square" lIns="91440" tIns="91440" rIns="91440" bIns="91440" numCol="1" spcCol="1270" anchor="t" anchorCtr="0">
-          <a:noAutofit/>
-        </a:bodyPr>
-        <a:lstStyle/>
-        <a:p>
-          <a:pPr lvl="0" algn="l" defTabSz="1066800" latinLnBrk="1">
-            <a:lnSpc>
-              <a:spcPct val="90000"/>
-            </a:lnSpc>
-            <a:spcBef>
-              <a:spcPct val="0"/>
-            </a:spcBef>
-            <a:spcAft>
-              <a:spcPct val="35000"/>
-            </a:spcAft>
-          </a:pPr>
-          <a:r>
-            <a:rPr lang="en-US" altLang="ko-KR" sz="2400" kern="1200" dirty="0" smtClean="0"/>
-            <a:t>SERVER</a:t>
-          </a:r>
-          <a:r>
-            <a:rPr lang="ko-KR" altLang="en-US" sz="2400" kern="1200" dirty="0" smtClean="0"/>
-            <a:t> </a:t>
-          </a:r>
-          <a:endParaRPr lang="ko-KR" altLang="en-US" sz="2400" kern="1200" dirty="0"/>
-        </a:p>
-      </dsp:txBody>
-      <dsp:txXfrm>
-        <a:off x="1261760" y="1166807"/>
-        <a:ext cx="4606891" cy="1013667"/>
-      </dsp:txXfrm>
-    </dsp:sp>
-    <dsp:sp modelId="{F16ADB40-B52D-40B8-A813-0E635BE895AE}">
-      <dsp:nvSpPr>
-        <dsp:cNvPr id="0" name=""/>
-        <dsp:cNvSpPr/>
-      </dsp:nvSpPr>
-      <dsp:spPr>
-        <a:xfrm>
-          <a:off x="1173730" y="2180474"/>
-          <a:ext cx="4694921" cy="0"/>
-        </a:xfrm>
-        <a:prstGeom prst="line">
-          <a:avLst/>
-        </a:prstGeom>
-        <a:solidFill>
-          <a:schemeClr val="accent1">
-            <a:hueOff val="0"/>
-            <a:satOff val="0"/>
-            <a:lumOff val="0"/>
-            <a:alphaOff val="0"/>
-          </a:schemeClr>
-        </a:solidFill>
-        <a:ln w="25400" cap="flat" cmpd="sng" algn="ctr">
-          <a:solidFill>
-            <a:schemeClr val="accent1">
-              <a:tint val="50000"/>
-              <a:hueOff val="0"/>
-              <a:satOff val="0"/>
-              <a:lumOff val="0"/>
-              <a:alphaOff val="0"/>
-            </a:schemeClr>
-          </a:solidFill>
-          <a:prstDash val="solid"/>
-        </a:ln>
-        <a:effectLst/>
-      </dsp:spPr>
-      <dsp:style>
-        <a:lnRef idx="2">
-          <a:scrgbClr r="0" g="0" b="0"/>
-        </a:lnRef>
-        <a:fillRef idx="1">
-          <a:scrgbClr r="0" g="0" b="0"/>
-        </a:fillRef>
-        <a:effectRef idx="0">
-          <a:scrgbClr r="0" g="0" b="0"/>
-        </a:effectRef>
-        <a:fontRef idx="minor"/>
-      </dsp:style>
-    </dsp:sp>
   </dsp:spTree>
 </dsp:drawing>
 </file>
@@ -3351,7 +2883,7 @@
               <a:pPr lvl="0">
                 <a:defRPr lang="ko-KR" altLang="en-US"/>
               </a:pPr>
-              <a:t>11/20/2020</a:t>
+              <a:t>11/21/2020</a:t>
             </a:fld>
             <a:endParaRPr lang="en-US"/>
           </a:p>
@@ -3534,7 +3066,7 @@
               <a:pPr lvl="0">
                 <a:defRPr lang="ko-KR" altLang="en-US"/>
               </a:pPr>
-              <a:t>11/20/2020</a:t>
+              <a:t>11/21/2020</a:t>
             </a:fld>
             <a:endParaRPr lang="en-US"/>
           </a:p>
@@ -9059,14 +8591,14 @@
           <p:nvPr>
             <p:extLst>
               <p:ext uri="{D42A27DB-BD31-4B8C-83A1-F6EECF244321}">
-                <p14:modId xmlns:p14="http://schemas.microsoft.com/office/powerpoint/2010/main" val="3851060037"/>
+                <p14:modId xmlns:p14="http://schemas.microsoft.com/office/powerpoint/2010/main" val="874095298"/>
               </p:ext>
             </p:extLst>
           </p:nvPr>
         </p:nvGraphicFramePr>
         <p:xfrm>
           <a:off x="228600" y="819150"/>
-          <a:ext cx="8762998" cy="4139290"/>
+          <a:ext cx="8762998" cy="3865138"/>
         </p:xfrm>
         <a:graphic>
           <a:graphicData uri="http://schemas.openxmlformats.org/drawingml/2006/table">
@@ -9077,8 +8609,8 @@
               <a:tblGrid>
                 <a:gridCol w="1371600"/>
                 <a:gridCol w="1135596"/>
-                <a:gridCol w="1908212"/>
-                <a:gridCol w="1296144"/>
+                <a:gridCol w="1872208"/>
+                <a:gridCol w="1332148"/>
                 <a:gridCol w="1451248"/>
                 <a:gridCol w="1600198"/>
               </a:tblGrid>
@@ -15434,12 +14966,6 @@
                 </a:rPr>
                 <a:t>제어판 변수</a:t>
               </a:r>
-              <a:endParaRPr lang="ko-KR" altLang="en-US" b="1" dirty="0" smtClean="0">
-                <a:solidFill>
-                  <a:schemeClr val="tx1"/>
-                </a:solidFill>
-                <a:latin typeface="+mj-lt"/>
-              </a:endParaRPr>
             </a:p>
           </p:txBody>
         </p:sp>
@@ -15573,12 +15099,6 @@
                 </a:rPr>
                 <a:t>좌표</a:t>
               </a:r>
-              <a:endParaRPr lang="ko-KR" altLang="en-US" b="1" dirty="0" smtClean="0">
-                <a:solidFill>
-                  <a:schemeClr val="tx1"/>
-                </a:solidFill>
-                <a:latin typeface="+mj-lt"/>
-              </a:endParaRPr>
             </a:p>
           </p:txBody>
         </p:sp>
@@ -15948,12 +15468,6 @@
               </a:rPr>
               <a:t>세션 접속</a:t>
             </a:r>
-            <a:endParaRPr lang="ko-KR" altLang="en-US" sz="1000" b="1" dirty="0" smtClean="0">
-              <a:solidFill>
-                <a:schemeClr val="tx1"/>
-              </a:solidFill>
-              <a:latin typeface="+mj-lt"/>
-            </a:endParaRPr>
           </a:p>
         </p:txBody>
       </p:sp>
@@ -16221,12 +15735,6 @@
                 </a:rPr>
                 <a:t>서버</a:t>
               </a:r>
-              <a:endParaRPr lang="ko-KR" altLang="en-US" b="1" dirty="0" smtClean="0">
-                <a:solidFill>
-                  <a:schemeClr val="tx1"/>
-                </a:solidFill>
-                <a:latin typeface="+mj-lt"/>
-              </a:endParaRPr>
             </a:p>
           </p:txBody>
         </p:sp>
@@ -16845,12 +16353,6 @@
                 </a:rPr>
                 <a:t>내용</a:t>
               </a:r>
-              <a:endParaRPr lang="ko-KR" altLang="en-US" sz="1000" b="1" dirty="0" smtClean="0">
-                <a:solidFill>
-                  <a:schemeClr val="tx1"/>
-                </a:solidFill>
-                <a:latin typeface="+mj-lt"/>
-              </a:endParaRPr>
             </a:p>
           </p:txBody>
         </p:sp>

--- a/호남-발표자료.pptx
+++ b/호남-발표자료.pptx
@@ -8591,14 +8591,14 @@
           <p:nvPr>
             <p:extLst>
               <p:ext uri="{D42A27DB-BD31-4B8C-83A1-F6EECF244321}">
-                <p14:modId xmlns:p14="http://schemas.microsoft.com/office/powerpoint/2010/main" val="874095298"/>
+                <p14:modId xmlns:p14="http://schemas.microsoft.com/office/powerpoint/2010/main" val="1429308335"/>
               </p:ext>
             </p:extLst>
           </p:nvPr>
         </p:nvGraphicFramePr>
         <p:xfrm>
           <a:off x="228600" y="819150"/>
-          <a:ext cx="8762998" cy="3865138"/>
+          <a:ext cx="8762998" cy="4002130"/>
         </p:xfrm>
         <a:graphic>
           <a:graphicData uri="http://schemas.openxmlformats.org/drawingml/2006/table">
@@ -8607,10 +8607,10 @@
                 <a:tableStyleId>{073A0DAA-6AF3-43AB-8588-CEC1D06C72B9}</a:tableStyleId>
               </a:tblPr>
               <a:tblGrid>
-                <a:gridCol w="1371600"/>
-                <a:gridCol w="1135596"/>
-                <a:gridCol w="1872208"/>
-                <a:gridCol w="1332148"/>
+                <a:gridCol w="1391072"/>
+                <a:gridCol w="1188132"/>
+                <a:gridCol w="1836204"/>
+                <a:gridCol w="1296144"/>
                 <a:gridCol w="1451248"/>
                 <a:gridCol w="1600198"/>
               </a:tblGrid>
@@ -8641,7 +8641,7 @@
                         <a:defRPr lang="ko-KR" altLang="en-US"/>
                       </a:pPr>
                       <a:r>
-                        <a:rPr lang="ko-KR" altLang="en-US" sz="1400">
+                        <a:rPr lang="ko-KR" altLang="en-US" sz="1400" dirty="0">
                           <a:latin typeface="+mn-lt"/>
                           <a:ea typeface="+mn-ea"/>
                           <a:cs typeface="+mn-cs"/>
@@ -8649,14 +8649,14 @@
                         <a:t>호남 </a:t>
                       </a:r>
                       <a:r>
-                        <a:rPr lang="en-US" altLang="ko-KR" sz="1400">
+                        <a:rPr lang="en-US" altLang="ko-KR" sz="1400" dirty="0">
                           <a:latin typeface="+mn-lt"/>
                           <a:ea typeface="+mn-ea"/>
                           <a:cs typeface="+mn-cs"/>
                         </a:rPr>
                         <a:t>AR</a:t>
                       </a:r>
-                      <a:endParaRPr lang="ko-KR" altLang="en-US" sz="1400">
+                      <a:endParaRPr lang="ko-KR" altLang="en-US" sz="1400" dirty="0">
                         <a:latin typeface="+mn-lt"/>
                         <a:ea typeface="+mn-ea"/>
                         <a:cs typeface="+mn-cs"/>

--- a/호남-발표자료.pptx
+++ b/호남-발표자료.pptx
@@ -1288,6 +1288,474 @@
       <dsp:cNvGrpSpPr/>
     </dsp:nvGrpSpPr>
     <dsp:grpSpPr/>
+    <dsp:sp modelId="{97E95642-6116-44AE-A337-7BC0A6A646B2}">
+      <dsp:nvSpPr>
+        <dsp:cNvPr id="0" name=""/>
+        <dsp:cNvSpPr/>
+      </dsp:nvSpPr>
+      <dsp:spPr>
+        <a:xfrm>
+          <a:off x="0" y="0"/>
+          <a:ext cx="5868652" cy="0"/>
+        </a:xfrm>
+        <a:prstGeom prst="line">
+          <a:avLst/>
+        </a:prstGeom>
+        <a:solidFill>
+          <a:schemeClr val="accent1">
+            <a:hueOff val="0"/>
+            <a:satOff val="0"/>
+            <a:lumOff val="0"/>
+            <a:alphaOff val="0"/>
+          </a:schemeClr>
+        </a:solidFill>
+        <a:ln w="25400" cap="flat" cmpd="sng" algn="ctr">
+          <a:solidFill>
+            <a:schemeClr val="accent1">
+              <a:hueOff val="0"/>
+              <a:satOff val="0"/>
+              <a:lumOff val="0"/>
+              <a:alphaOff val="0"/>
+            </a:schemeClr>
+          </a:solidFill>
+          <a:prstDash val="solid"/>
+        </a:ln>
+        <a:effectLst/>
+      </dsp:spPr>
+      <dsp:style>
+        <a:lnRef idx="2">
+          <a:scrgbClr r="0" g="0" b="0"/>
+        </a:lnRef>
+        <a:fillRef idx="1">
+          <a:scrgbClr r="0" g="0" b="0"/>
+        </a:fillRef>
+        <a:effectRef idx="0">
+          <a:scrgbClr r="0" g="0" b="0"/>
+        </a:effectRef>
+        <a:fontRef idx="minor">
+          <a:schemeClr val="lt1"/>
+        </a:fontRef>
+      </dsp:style>
+    </dsp:sp>
+    <dsp:sp modelId="{DCBC971F-FC39-4D96-ABAA-1A7A0C3F50D1}">
+      <dsp:nvSpPr>
+        <dsp:cNvPr id="0" name=""/>
+        <dsp:cNvSpPr/>
+      </dsp:nvSpPr>
+      <dsp:spPr>
+        <a:xfrm>
+          <a:off x="0" y="148232"/>
+          <a:ext cx="1173730" cy="1116124"/>
+        </a:xfrm>
+        <a:prstGeom prst="rect">
+          <a:avLst/>
+        </a:prstGeom>
+        <a:noFill/>
+        <a:ln>
+          <a:noFill/>
+        </a:ln>
+        <a:effectLst/>
+      </dsp:spPr>
+      <dsp:style>
+        <a:lnRef idx="0">
+          <a:scrgbClr r="0" g="0" b="0"/>
+        </a:lnRef>
+        <a:fillRef idx="0">
+          <a:scrgbClr r="0" g="0" b="0"/>
+        </a:fillRef>
+        <a:effectRef idx="0">
+          <a:scrgbClr r="0" g="0" b="0"/>
+        </a:effectRef>
+        <a:fontRef idx="minor"/>
+      </dsp:style>
+      <dsp:txBody>
+        <a:bodyPr spcFirstLastPara="0" vert="horz" wrap="square" lIns="76200" tIns="76200" rIns="76200" bIns="76200" numCol="1" spcCol="1270" anchor="t" anchorCtr="0">
+          <a:noAutofit/>
+        </a:bodyPr>
+        <a:lstStyle/>
+        <a:p>
+          <a:pPr lvl="0" algn="l" defTabSz="889000" latinLnBrk="1">
+            <a:lnSpc>
+              <a:spcPct val="90000"/>
+            </a:lnSpc>
+            <a:spcBef>
+              <a:spcPct val="0"/>
+            </a:spcBef>
+            <a:spcAft>
+              <a:spcPct val="35000"/>
+            </a:spcAft>
+          </a:pPr>
+          <a:r>
+            <a:rPr lang="ko-KR" altLang="en-US" sz="2000" kern="1200" dirty="0" err="1" smtClean="0"/>
+            <a:t>곽규한</a:t>
+          </a:r>
+          <a:endParaRPr lang="en-US" altLang="ko-KR" sz="2000" kern="1200" dirty="0" smtClean="0"/>
+        </a:p>
+        <a:p>
+          <a:pPr lvl="0" algn="l" defTabSz="889000" latinLnBrk="1">
+            <a:lnSpc>
+              <a:spcPct val="90000"/>
+            </a:lnSpc>
+            <a:spcBef>
+              <a:spcPct val="0"/>
+            </a:spcBef>
+            <a:spcAft>
+              <a:spcPct val="35000"/>
+            </a:spcAft>
+          </a:pPr>
+          <a:r>
+            <a:rPr lang="ko-KR" altLang="en-US" sz="2000" kern="1200" dirty="0" smtClean="0"/>
+            <a:t>이호준</a:t>
+          </a:r>
+          <a:endParaRPr lang="ko-KR" altLang="en-US" sz="2000" kern="1200" dirty="0"/>
+        </a:p>
+      </dsp:txBody>
+      <dsp:txXfrm>
+        <a:off x="0" y="148232"/>
+        <a:ext cx="1173730" cy="1116124"/>
+      </dsp:txXfrm>
+    </dsp:sp>
+    <dsp:sp modelId="{7C4FB7B5-D460-4973-BF26-AEBEB02499D0}">
+      <dsp:nvSpPr>
+        <dsp:cNvPr id="0" name=""/>
+        <dsp:cNvSpPr/>
+      </dsp:nvSpPr>
+      <dsp:spPr>
+        <a:xfrm>
+          <a:off x="1261760" y="50683"/>
+          <a:ext cx="4606891" cy="1013667"/>
+        </a:xfrm>
+        <a:prstGeom prst="rect">
+          <a:avLst/>
+        </a:prstGeom>
+        <a:noFill/>
+        <a:ln>
+          <a:noFill/>
+        </a:ln>
+        <a:effectLst/>
+      </dsp:spPr>
+      <dsp:style>
+        <a:lnRef idx="0">
+          <a:scrgbClr r="0" g="0" b="0"/>
+        </a:lnRef>
+        <a:fillRef idx="0">
+          <a:scrgbClr r="0" g="0" b="0"/>
+        </a:fillRef>
+        <a:effectRef idx="0">
+          <a:scrgbClr r="0" g="0" b="0"/>
+        </a:effectRef>
+        <a:fontRef idx="minor"/>
+      </dsp:style>
+      <dsp:txBody>
+        <a:bodyPr spcFirstLastPara="0" vert="horz" wrap="square" lIns="91440" tIns="91440" rIns="91440" bIns="91440" numCol="1" spcCol="1270" anchor="t" anchorCtr="0">
+          <a:noAutofit/>
+        </a:bodyPr>
+        <a:lstStyle/>
+        <a:p>
+          <a:pPr lvl="0" algn="l" defTabSz="1066800" latinLnBrk="1">
+            <a:lnSpc>
+              <a:spcPct val="90000"/>
+            </a:lnSpc>
+            <a:spcBef>
+              <a:spcPct val="0"/>
+            </a:spcBef>
+            <a:spcAft>
+              <a:spcPct val="35000"/>
+            </a:spcAft>
+          </a:pPr>
+          <a:r>
+            <a:rPr lang="en-US" altLang="ko-KR" sz="2400" kern="1200" dirty="0" smtClean="0"/>
+            <a:t>AR </a:t>
+          </a:r>
+          <a:r>
+            <a:rPr lang="ko-KR" altLang="en-US" sz="2400" kern="1200" dirty="0" smtClean="0"/>
+            <a:t>기능</a:t>
+          </a:r>
+          <a:r>
+            <a:rPr lang="en-US" altLang="ko-KR" sz="2400" kern="1200" dirty="0" smtClean="0"/>
+            <a:t>, </a:t>
+          </a:r>
+          <a:r>
+            <a:rPr lang="ko-KR" altLang="en-US" sz="2400" kern="1200" dirty="0" smtClean="0"/>
+            <a:t>제어판 기능</a:t>
+          </a:r>
+          <a:endParaRPr lang="ko-KR" altLang="en-US" sz="2400" kern="1200" dirty="0"/>
+        </a:p>
+      </dsp:txBody>
+      <dsp:txXfrm>
+        <a:off x="1261760" y="50683"/>
+        <a:ext cx="4606891" cy="1013667"/>
+      </dsp:txXfrm>
+    </dsp:sp>
+    <dsp:sp modelId="{BAA0753F-A9FE-4701-942D-2D8182617D15}">
+      <dsp:nvSpPr>
+        <dsp:cNvPr id="0" name=""/>
+        <dsp:cNvSpPr/>
+      </dsp:nvSpPr>
+      <dsp:spPr>
+        <a:xfrm>
+          <a:off x="1173730" y="1064350"/>
+          <a:ext cx="4694921" cy="0"/>
+        </a:xfrm>
+        <a:prstGeom prst="line">
+          <a:avLst/>
+        </a:prstGeom>
+        <a:solidFill>
+          <a:schemeClr val="accent1">
+            <a:hueOff val="0"/>
+            <a:satOff val="0"/>
+            <a:lumOff val="0"/>
+            <a:alphaOff val="0"/>
+          </a:schemeClr>
+        </a:solidFill>
+        <a:ln w="25400" cap="flat" cmpd="sng" algn="ctr">
+          <a:solidFill>
+            <a:schemeClr val="accent1">
+              <a:tint val="50000"/>
+              <a:hueOff val="0"/>
+              <a:satOff val="0"/>
+              <a:lumOff val="0"/>
+              <a:alphaOff val="0"/>
+            </a:schemeClr>
+          </a:solidFill>
+          <a:prstDash val="solid"/>
+        </a:ln>
+        <a:effectLst/>
+      </dsp:spPr>
+      <dsp:style>
+        <a:lnRef idx="2">
+          <a:scrgbClr r="0" g="0" b="0"/>
+        </a:lnRef>
+        <a:fillRef idx="1">
+          <a:scrgbClr r="0" g="0" b="0"/>
+        </a:fillRef>
+        <a:effectRef idx="0">
+          <a:scrgbClr r="0" g="0" b="0"/>
+        </a:effectRef>
+        <a:fontRef idx="minor"/>
+      </dsp:style>
+    </dsp:sp>
+    <dsp:sp modelId="{D7502388-C955-45BA-8AF5-2054B132C11C}">
+      <dsp:nvSpPr>
+        <dsp:cNvPr id="0" name=""/>
+        <dsp:cNvSpPr/>
+      </dsp:nvSpPr>
+      <dsp:spPr>
+        <a:xfrm>
+          <a:off x="0" y="1116124"/>
+          <a:ext cx="5868652" cy="0"/>
+        </a:xfrm>
+        <a:prstGeom prst="line">
+          <a:avLst/>
+        </a:prstGeom>
+        <a:solidFill>
+          <a:schemeClr val="accent1">
+            <a:hueOff val="0"/>
+            <a:satOff val="0"/>
+            <a:lumOff val="0"/>
+            <a:alphaOff val="0"/>
+          </a:schemeClr>
+        </a:solidFill>
+        <a:ln w="25400" cap="flat" cmpd="sng" algn="ctr">
+          <a:solidFill>
+            <a:schemeClr val="accent1">
+              <a:hueOff val="0"/>
+              <a:satOff val="0"/>
+              <a:lumOff val="0"/>
+              <a:alphaOff val="0"/>
+            </a:schemeClr>
+          </a:solidFill>
+          <a:prstDash val="solid"/>
+        </a:ln>
+        <a:effectLst/>
+      </dsp:spPr>
+      <dsp:style>
+        <a:lnRef idx="2">
+          <a:scrgbClr r="0" g="0" b="0"/>
+        </a:lnRef>
+        <a:fillRef idx="1">
+          <a:scrgbClr r="0" g="0" b="0"/>
+        </a:fillRef>
+        <a:effectRef idx="0">
+          <a:scrgbClr r="0" g="0" b="0"/>
+        </a:effectRef>
+        <a:fontRef idx="minor">
+          <a:schemeClr val="lt1"/>
+        </a:fontRef>
+      </dsp:style>
+    </dsp:sp>
+    <dsp:sp modelId="{0121AB03-4C53-463B-B760-EC250EE8B1A2}">
+      <dsp:nvSpPr>
+        <dsp:cNvPr id="0" name=""/>
+        <dsp:cNvSpPr/>
+      </dsp:nvSpPr>
+      <dsp:spPr>
+        <a:xfrm>
+          <a:off x="0" y="1116124"/>
+          <a:ext cx="1173730" cy="1116124"/>
+        </a:xfrm>
+        <a:prstGeom prst="rect">
+          <a:avLst/>
+        </a:prstGeom>
+        <a:noFill/>
+        <a:ln>
+          <a:noFill/>
+        </a:ln>
+        <a:effectLst/>
+      </dsp:spPr>
+      <dsp:style>
+        <a:lnRef idx="0">
+          <a:scrgbClr r="0" g="0" b="0"/>
+        </a:lnRef>
+        <a:fillRef idx="0">
+          <a:scrgbClr r="0" g="0" b="0"/>
+        </a:fillRef>
+        <a:effectRef idx="0">
+          <a:scrgbClr r="0" g="0" b="0"/>
+        </a:effectRef>
+        <a:fontRef idx="minor"/>
+      </dsp:style>
+      <dsp:txBody>
+        <a:bodyPr spcFirstLastPara="0" vert="horz" wrap="square" lIns="76200" tIns="76200" rIns="76200" bIns="76200" numCol="1" spcCol="1270" anchor="t" anchorCtr="0">
+          <a:noAutofit/>
+        </a:bodyPr>
+        <a:lstStyle/>
+        <a:p>
+          <a:pPr lvl="0" algn="l" defTabSz="889000" latinLnBrk="1">
+            <a:lnSpc>
+              <a:spcPct val="90000"/>
+            </a:lnSpc>
+            <a:spcBef>
+              <a:spcPct val="0"/>
+            </a:spcBef>
+            <a:spcAft>
+              <a:spcPct val="35000"/>
+            </a:spcAft>
+          </a:pPr>
+          <a:r>
+            <a:rPr lang="ko-KR" altLang="en-US" sz="2000" kern="1200" dirty="0" smtClean="0"/>
+            <a:t>이남현</a:t>
+          </a:r>
+          <a:endParaRPr lang="ko-KR" altLang="en-US" sz="2000" kern="1200" dirty="0"/>
+        </a:p>
+      </dsp:txBody>
+      <dsp:txXfrm>
+        <a:off x="0" y="1116124"/>
+        <a:ext cx="1173730" cy="1116124"/>
+      </dsp:txXfrm>
+    </dsp:sp>
+    <dsp:sp modelId="{4C37C8A3-9B77-46C6-AB1D-90AB5E3271E6}">
+      <dsp:nvSpPr>
+        <dsp:cNvPr id="0" name=""/>
+        <dsp:cNvSpPr/>
+      </dsp:nvSpPr>
+      <dsp:spPr>
+        <a:xfrm>
+          <a:off x="1261760" y="1166807"/>
+          <a:ext cx="4606891" cy="1013667"/>
+        </a:xfrm>
+        <a:prstGeom prst="rect">
+          <a:avLst/>
+        </a:prstGeom>
+        <a:noFill/>
+        <a:ln>
+          <a:noFill/>
+        </a:ln>
+        <a:effectLst/>
+      </dsp:spPr>
+      <dsp:style>
+        <a:lnRef idx="0">
+          <a:scrgbClr r="0" g="0" b="0"/>
+        </a:lnRef>
+        <a:fillRef idx="0">
+          <a:scrgbClr r="0" g="0" b="0"/>
+        </a:fillRef>
+        <a:effectRef idx="0">
+          <a:scrgbClr r="0" g="0" b="0"/>
+        </a:effectRef>
+        <a:fontRef idx="minor"/>
+      </dsp:style>
+      <dsp:txBody>
+        <a:bodyPr spcFirstLastPara="0" vert="horz" wrap="square" lIns="91440" tIns="91440" rIns="91440" bIns="91440" numCol="1" spcCol="1270" anchor="t" anchorCtr="0">
+          <a:noAutofit/>
+        </a:bodyPr>
+        <a:lstStyle/>
+        <a:p>
+          <a:pPr lvl="0" algn="l" defTabSz="1066800" latinLnBrk="1">
+            <a:lnSpc>
+              <a:spcPct val="90000"/>
+            </a:lnSpc>
+            <a:spcBef>
+              <a:spcPct val="0"/>
+            </a:spcBef>
+            <a:spcAft>
+              <a:spcPct val="35000"/>
+            </a:spcAft>
+          </a:pPr>
+          <a:r>
+            <a:rPr lang="en-US" altLang="ko-KR" sz="2400" kern="1200" dirty="0" smtClean="0"/>
+            <a:t>SERVER</a:t>
+          </a:r>
+          <a:r>
+            <a:rPr lang="ko-KR" altLang="en-US" sz="2400" kern="1200" dirty="0" smtClean="0"/>
+            <a:t> </a:t>
+          </a:r>
+          <a:endParaRPr lang="ko-KR" altLang="en-US" sz="2400" kern="1200" dirty="0"/>
+        </a:p>
+      </dsp:txBody>
+      <dsp:txXfrm>
+        <a:off x="1261760" y="1166807"/>
+        <a:ext cx="4606891" cy="1013667"/>
+      </dsp:txXfrm>
+    </dsp:sp>
+    <dsp:sp modelId="{F16ADB40-B52D-40B8-A813-0E635BE895AE}">
+      <dsp:nvSpPr>
+        <dsp:cNvPr id="0" name=""/>
+        <dsp:cNvSpPr/>
+      </dsp:nvSpPr>
+      <dsp:spPr>
+        <a:xfrm>
+          <a:off x="1173730" y="2180474"/>
+          <a:ext cx="4694921" cy="0"/>
+        </a:xfrm>
+        <a:prstGeom prst="line">
+          <a:avLst/>
+        </a:prstGeom>
+        <a:solidFill>
+          <a:schemeClr val="accent1">
+            <a:hueOff val="0"/>
+            <a:satOff val="0"/>
+            <a:lumOff val="0"/>
+            <a:alphaOff val="0"/>
+          </a:schemeClr>
+        </a:solidFill>
+        <a:ln w="25400" cap="flat" cmpd="sng" algn="ctr">
+          <a:solidFill>
+            <a:schemeClr val="accent1">
+              <a:tint val="50000"/>
+              <a:hueOff val="0"/>
+              <a:satOff val="0"/>
+              <a:lumOff val="0"/>
+              <a:alphaOff val="0"/>
+            </a:schemeClr>
+          </a:solidFill>
+          <a:prstDash val="solid"/>
+        </a:ln>
+        <a:effectLst/>
+      </dsp:spPr>
+      <dsp:style>
+        <a:lnRef idx="2">
+          <a:scrgbClr r="0" g="0" b="0"/>
+        </a:lnRef>
+        <a:fillRef idx="1">
+          <a:scrgbClr r="0" g="0" b="0"/>
+        </a:fillRef>
+        <a:effectRef idx="0">
+          <a:scrgbClr r="0" g="0" b="0"/>
+        </a:effectRef>
+        <a:fontRef idx="minor"/>
+      </dsp:style>
+    </dsp:sp>
   </dsp:spTree>
 </dsp:drawing>
 </file>
@@ -8591,14 +9059,14 @@
           <p:nvPr>
             <p:extLst>
               <p:ext uri="{D42A27DB-BD31-4B8C-83A1-F6EECF244321}">
-                <p14:modId xmlns:p14="http://schemas.microsoft.com/office/powerpoint/2010/main" val="1429308335"/>
+                <p14:modId xmlns:p14="http://schemas.microsoft.com/office/powerpoint/2010/main" val="3343189477"/>
               </p:ext>
             </p:extLst>
           </p:nvPr>
         </p:nvGraphicFramePr>
         <p:xfrm>
           <a:off x="228600" y="819150"/>
-          <a:ext cx="8762998" cy="4002130"/>
+          <a:ext cx="8762998" cy="3865138"/>
         </p:xfrm>
         <a:graphic>
           <a:graphicData uri="http://schemas.openxmlformats.org/drawingml/2006/table">
@@ -8610,9 +9078,9 @@
                 <a:gridCol w="1391072"/>
                 <a:gridCol w="1188132"/>
                 <a:gridCol w="1836204"/>
-                <a:gridCol w="1296144"/>
-                <a:gridCol w="1451248"/>
-                <a:gridCol w="1600198"/>
+                <a:gridCol w="1332148"/>
+                <a:gridCol w="1332148"/>
+                <a:gridCol w="1683294"/>
               </a:tblGrid>
               <a:tr h="381168">
                 <a:tc>
@@ -8749,14 +9217,14 @@
                         <a:defRPr lang="ko-KR" altLang="en-US"/>
                       </a:pPr>
                       <a:r>
-                        <a:rPr lang="en-US" altLang="ko-KR" sz="1400">
+                        <a:rPr lang="en-US" altLang="ko-KR" sz="1400" dirty="0" err="1">
                           <a:latin typeface="+mn-lt"/>
                           <a:ea typeface="+mn-ea"/>
                           <a:cs typeface="+mn-cs"/>
                         </a:rPr>
                         <a:t>PlaceFurnitureAR</a:t>
                       </a:r>
-                      <a:endParaRPr lang="ko-KR" altLang="en-US" sz="1400">
+                      <a:endParaRPr lang="ko-KR" altLang="en-US" sz="1400" dirty="0">
                         <a:latin typeface="+mn-lt"/>
                         <a:ea typeface="+mn-ea"/>
                         <a:cs typeface="+mn-cs"/>
@@ -9876,19 +10344,35 @@
                         <a:defRPr lang="ko-KR" altLang="en-US"/>
                       </a:pPr>
                       <a:r>
-                        <a:rPr lang="ko-KR" altLang="en-US" sz="1400">
+                        <a:rPr lang="ko-KR" altLang="en-US" sz="1400" dirty="0">
                           <a:latin typeface="+mn-lt"/>
                           <a:ea typeface="+mn-ea"/>
                           <a:cs typeface="+mn-cs"/>
                         </a:rPr>
-                        <a:t>전체적으로 로딩시간이 김</a:t>
+                        <a:t>전체적으로 </a:t>
+                      </a:r>
+                      <a:r>
+                        <a:rPr lang="ko-KR" altLang="en-US" sz="1400" dirty="0" smtClean="0">
+                          <a:latin typeface="+mn-lt"/>
+                          <a:ea typeface="+mn-ea"/>
+                          <a:cs typeface="+mn-cs"/>
+                        </a:rPr>
+                        <a:t> 로딩시간이 </a:t>
+                      </a:r>
+                      <a:r>
+                        <a:rPr lang="ko-KR" altLang="en-US" sz="1400" dirty="0">
+                          <a:latin typeface="+mn-lt"/>
+                          <a:ea typeface="+mn-ea"/>
+                          <a:cs typeface="+mn-cs"/>
+                        </a:rPr>
+                        <a:t>김</a:t>
                       </a:r>
                     </a:p>
                     <a:p>
                       <a:pPr algn="ctr" latinLnBrk="1">
                         <a:defRPr lang="ko-KR" altLang="en-US"/>
                       </a:pPr>
-                      <a:endParaRPr lang="ko-KR" altLang="en-US" sz="1400">
+                      <a:endParaRPr lang="ko-KR" altLang="en-US" sz="1400" dirty="0">
                         <a:latin typeface="+mn-lt"/>
                         <a:ea typeface="+mn-ea"/>
                         <a:cs typeface="+mn-cs"/>
@@ -9989,6 +10473,18 @@
   <p:clrMapOvr>
     <a:masterClrMapping/>
   </p:clrMapOvr>
+  <mc:AlternateContent xmlns:mc="http://schemas.openxmlformats.org/markup-compatibility/2006">
+    <mc:Choice xmlns:p14="http://schemas.microsoft.com/office/powerpoint/2010/main" Requires="p14">
+      <p:transition spd="med" p14:dur="700">
+        <p:fade/>
+      </p:transition>
+    </mc:Choice>
+    <mc:Fallback>
+      <p:transition spd="med">
+        <p:fade/>
+      </p:transition>
+    </mc:Fallback>
+  </mc:AlternateContent>
   <p:timing>
     <p:tnLst>
       <p:par>
@@ -10286,127 +10782,142 @@
           </p:txBody>
         </p:sp>
       </p:grpSp>
-      <p:pic>
-        <p:nvPicPr>
-          <p:cNvPr id="1026" name="Picture 2" descr="알고 실천하자! 악수의 예절 : 네이버 블로그"/>
-          <p:cNvPicPr>
-            <a:picLocks noChangeAspect="1" noChangeArrowheads="1"/>
-          </p:cNvPicPr>
+      <p:grpSp>
+        <p:nvGrpSpPr>
+          <p:cNvPr id="2" name="그룹 1"/>
+          <p:cNvGrpSpPr/>
           <p:nvPr/>
-        </p:nvPicPr>
-        <p:blipFill>
-          <a:blip r:embed="rId2">
+        </p:nvGrpSpPr>
+        <p:grpSpPr>
+          <a:xfrm>
+            <a:off x="701334" y="2139702"/>
+            <a:ext cx="8066248" cy="2150893"/>
+            <a:chOff x="701334" y="2139702"/>
+            <a:chExt cx="8066248" cy="2150893"/>
+          </a:xfrm>
+        </p:grpSpPr>
+        <p:pic>
+          <p:nvPicPr>
+            <p:cNvPr id="1026" name="Picture 2" descr="알고 실천하자! 악수의 예절 : 네이버 블로그"/>
+            <p:cNvPicPr>
+              <a:picLocks noChangeAspect="1" noChangeArrowheads="1"/>
+            </p:cNvPicPr>
+            <p:nvPr/>
+          </p:nvPicPr>
+          <p:blipFill>
+            <a:blip r:embed="rId2">
+              <a:extLst>
+                <a:ext uri="{28A0092B-C50C-407E-A947-70E740481C1C}">
+                  <a14:useLocalDpi xmlns:a14="http://schemas.microsoft.com/office/drawing/2010/main" val="0"/>
+                </a:ext>
+              </a:extLst>
+            </a:blip>
+            <a:srcRect/>
+            <a:stretch>
+              <a:fillRect/>
+            </a:stretch>
+          </p:blipFill>
+          <p:spPr bwMode="auto">
+            <a:xfrm>
+              <a:off x="2087724" y="2271294"/>
+              <a:ext cx="3752850" cy="2019301"/>
+            </a:xfrm>
+            <a:prstGeom prst="rect">
+              <a:avLst/>
+            </a:prstGeom>
+            <a:noFill/>
             <a:extLst>
-              <a:ext uri="{28A0092B-C50C-407E-A947-70E740481C1C}">
-                <a14:useLocalDpi xmlns:a14="http://schemas.microsoft.com/office/drawing/2010/main" val="0"/>
+              <a:ext uri="{909E8E84-426E-40DD-AFC4-6F175D3DCCD1}">
+                <a14:hiddenFill xmlns:a14="http://schemas.microsoft.com/office/drawing/2010/main">
+                  <a:solidFill>
+                    <a:srgbClr val="FFFFFF"/>
+                  </a:solidFill>
+                </a14:hiddenFill>
               </a:ext>
             </a:extLst>
-          </a:blip>
-          <a:srcRect/>
-          <a:stretch>
-            <a:fillRect/>
-          </a:stretch>
-        </p:blipFill>
-        <p:spPr bwMode="auto">
-          <a:xfrm>
-            <a:off x="2087724" y="2271294"/>
-            <a:ext cx="3752850" cy="2019301"/>
-          </a:xfrm>
-          <a:prstGeom prst="rect">
-            <a:avLst/>
-          </a:prstGeom>
-          <a:noFill/>
-          <a:extLst>
-            <a:ext uri="{909E8E84-426E-40DD-AFC4-6F175D3DCCD1}">
-              <a14:hiddenFill xmlns:a14="http://schemas.microsoft.com/office/drawing/2010/main">
-                <a:solidFill>
-                  <a:srgbClr val="FFFFFF"/>
-                </a:solidFill>
-              </a14:hiddenFill>
-            </a:ext>
-          </a:extLst>
-        </p:spPr>
-      </p:pic>
-      <p:pic>
-        <p:nvPicPr>
-          <p:cNvPr id="1030" name="Picture 6" descr="기업 작명 스토리]① 가구업체들의 다양한 이름…그 비밀은? - 이뉴스투데이"/>
-          <p:cNvPicPr>
-            <a:picLocks noChangeAspect="1" noChangeArrowheads="1"/>
-          </p:cNvPicPr>
-          <p:nvPr/>
-        </p:nvPicPr>
-        <p:blipFill>
-          <a:blip r:embed="rId3">
+          </p:spPr>
+        </p:pic>
+        <p:pic>
+          <p:nvPicPr>
+            <p:cNvPr id="1030" name="Picture 6" descr="기업 작명 스토리]① 가구업체들의 다양한 이름…그 비밀은? - 이뉴스투데이"/>
+            <p:cNvPicPr>
+              <a:picLocks noChangeAspect="1" noChangeArrowheads="1"/>
+            </p:cNvPicPr>
+            <p:nvPr/>
+          </p:nvPicPr>
+          <p:blipFill>
+            <a:blip r:embed="rId3">
+              <a:extLst>
+                <a:ext uri="{28A0092B-C50C-407E-A947-70E740481C1C}">
+                  <a14:useLocalDpi xmlns:a14="http://schemas.microsoft.com/office/drawing/2010/main" val="0"/>
+                </a:ext>
+              </a:extLst>
+            </a:blip>
+            <a:srcRect/>
+            <a:stretch>
+              <a:fillRect/>
+            </a:stretch>
+          </p:blipFill>
+          <p:spPr bwMode="auto">
+            <a:xfrm>
+              <a:off x="5980560" y="2139702"/>
+              <a:ext cx="2787022" cy="1300299"/>
+            </a:xfrm>
+            <a:prstGeom prst="rect">
+              <a:avLst/>
+            </a:prstGeom>
+            <a:noFill/>
             <a:extLst>
-              <a:ext uri="{28A0092B-C50C-407E-A947-70E740481C1C}">
-                <a14:useLocalDpi xmlns:a14="http://schemas.microsoft.com/office/drawing/2010/main" val="0"/>
+              <a:ext uri="{909E8E84-426E-40DD-AFC4-6F175D3DCCD1}">
+                <a14:hiddenFill xmlns:a14="http://schemas.microsoft.com/office/drawing/2010/main">
+                  <a:solidFill>
+                    <a:srgbClr val="FFFFFF"/>
+                  </a:solidFill>
+                </a14:hiddenFill>
               </a:ext>
             </a:extLst>
-          </a:blip>
-          <a:srcRect/>
-          <a:stretch>
-            <a:fillRect/>
-          </a:stretch>
-        </p:blipFill>
-        <p:spPr bwMode="auto">
-          <a:xfrm>
-            <a:off x="5980560" y="2139702"/>
-            <a:ext cx="2787022" cy="1300299"/>
-          </a:xfrm>
-          <a:prstGeom prst="rect">
-            <a:avLst/>
-          </a:prstGeom>
-          <a:noFill/>
-          <a:extLst>
-            <a:ext uri="{909E8E84-426E-40DD-AFC4-6F175D3DCCD1}">
-              <a14:hiddenFill xmlns:a14="http://schemas.microsoft.com/office/drawing/2010/main">
-                <a:solidFill>
-                  <a:srgbClr val="FFFFFF"/>
-                </a:solidFill>
-              </a14:hiddenFill>
-            </a:ext>
-          </a:extLst>
-        </p:spPr>
-      </p:pic>
-      <p:pic>
-        <p:nvPicPr>
-          <p:cNvPr id="1032" name="Picture 8" descr="호남대학교 로고"/>
-          <p:cNvPicPr>
-            <a:picLocks noChangeAspect="1" noChangeArrowheads="1"/>
-          </p:cNvPicPr>
-          <p:nvPr/>
-        </p:nvPicPr>
-        <p:blipFill rotWithShape="1">
-          <a:blip r:embed="rId4">
+          </p:spPr>
+        </p:pic>
+        <p:pic>
+          <p:nvPicPr>
+            <p:cNvPr id="1032" name="Picture 8" descr="호남대학교 로고"/>
+            <p:cNvPicPr>
+              <a:picLocks noChangeAspect="1" noChangeArrowheads="1"/>
+            </p:cNvPicPr>
+            <p:nvPr/>
+          </p:nvPicPr>
+          <p:blipFill rotWithShape="1">
+            <a:blip r:embed="rId4">
+              <a:extLst>
+                <a:ext uri="{28A0092B-C50C-407E-A947-70E740481C1C}">
+                  <a14:useLocalDpi xmlns:a14="http://schemas.microsoft.com/office/drawing/2010/main" val="0"/>
+                </a:ext>
+              </a:extLst>
+            </a:blip>
+            <a:srcRect l="38813" t="718" r="36687" b="-718"/>
+            <a:stretch/>
+          </p:blipFill>
+          <p:spPr bwMode="auto">
+            <a:xfrm>
+              <a:off x="701334" y="2150703"/>
+              <a:ext cx="1188132" cy="2054958"/>
+            </a:xfrm>
+            <a:prstGeom prst="rect">
+              <a:avLst/>
+            </a:prstGeom>
+            <a:noFill/>
             <a:extLst>
-              <a:ext uri="{28A0092B-C50C-407E-A947-70E740481C1C}">
-                <a14:useLocalDpi xmlns:a14="http://schemas.microsoft.com/office/drawing/2010/main" val="0"/>
+              <a:ext uri="{909E8E84-426E-40DD-AFC4-6F175D3DCCD1}">
+                <a14:hiddenFill xmlns:a14="http://schemas.microsoft.com/office/drawing/2010/main">
+                  <a:solidFill>
+                    <a:srgbClr val="FFFFFF"/>
+                  </a:solidFill>
+                </a14:hiddenFill>
               </a:ext>
             </a:extLst>
-          </a:blip>
-          <a:srcRect l="38813" t="718" r="36687" b="-718"/>
-          <a:stretch/>
-        </p:blipFill>
-        <p:spPr bwMode="auto">
-          <a:xfrm>
-            <a:off x="701334" y="2150703"/>
-            <a:ext cx="1188132" cy="2054958"/>
-          </a:xfrm>
-          <a:prstGeom prst="rect">
-            <a:avLst/>
-          </a:prstGeom>
-          <a:noFill/>
-          <a:extLst>
-            <a:ext uri="{909E8E84-426E-40DD-AFC4-6F175D3DCCD1}">
-              <a14:hiddenFill xmlns:a14="http://schemas.microsoft.com/office/drawing/2010/main">
-                <a:solidFill>
-                  <a:srgbClr val="FFFFFF"/>
-                </a:solidFill>
-              </a14:hiddenFill>
-            </a:ext>
-          </a:extLst>
-        </p:spPr>
-      </p:pic>
+          </p:spPr>
+        </p:pic>
+      </p:grpSp>
     </p:spTree>
     <p:extLst>
       <p:ext uri="{BB962C8B-B14F-4D97-AF65-F5344CB8AC3E}">
@@ -10417,10 +10928,98 @@
   <p:clrMapOvr>
     <a:masterClrMapping/>
   </p:clrMapOvr>
+  <mc:AlternateContent xmlns:mc="http://schemas.openxmlformats.org/markup-compatibility/2006">
+    <mc:Choice xmlns:p14="http://schemas.microsoft.com/office/powerpoint/2010/main" Requires="p14">
+      <p:transition spd="med" p14:dur="700">
+        <p:fade/>
+      </p:transition>
+    </mc:Choice>
+    <mc:Fallback>
+      <p:transition spd="med">
+        <p:fade/>
+      </p:transition>
+    </mc:Fallback>
+  </mc:AlternateContent>
   <p:timing>
     <p:tnLst>
       <p:par>
-        <p:cTn id="1" dur="indefinite" restart="never" nodeType="tmRoot"/>
+        <p:cTn id="1" dur="indefinite" restart="never" nodeType="tmRoot">
+          <p:childTnLst>
+            <p:seq concurrent="1" nextAc="seek">
+              <p:cTn id="2" dur="indefinite" nodeType="mainSeq">
+                <p:childTnLst>
+                  <p:par>
+                    <p:cTn id="3" fill="hold">
+                      <p:stCondLst>
+                        <p:cond delay="indefinite"/>
+                      </p:stCondLst>
+                      <p:childTnLst>
+                        <p:par>
+                          <p:cTn id="4" fill="hold">
+                            <p:stCondLst>
+                              <p:cond delay="0"/>
+                            </p:stCondLst>
+                            <p:childTnLst>
+                              <p:par>
+                                <p:cTn id="5" presetID="10" presetClass="entr" presetSubtype="0" fill="hold" nodeType="clickEffect">
+                                  <p:stCondLst>
+                                    <p:cond delay="0"/>
+                                  </p:stCondLst>
+                                  <p:childTnLst>
+                                    <p:set>
+                                      <p:cBhvr>
+                                        <p:cTn id="6" dur="1" fill="hold">
+                                          <p:stCondLst>
+                                            <p:cond delay="0"/>
+                                          </p:stCondLst>
+                                        </p:cTn>
+                                        <p:tgtEl>
+                                          <p:spTgt spid="2"/>
+                                        </p:tgtEl>
+                                        <p:attrNameLst>
+                                          <p:attrName>style.visibility</p:attrName>
+                                        </p:attrNameLst>
+                                      </p:cBhvr>
+                                      <p:to>
+                                        <p:strVal val="visible"/>
+                                      </p:to>
+                                    </p:set>
+                                    <p:animEffect transition="in" filter="fade">
+                                      <p:cBhvr>
+                                        <p:cTn id="7" dur="500"/>
+                                        <p:tgtEl>
+                                          <p:spTgt spid="2"/>
+                                        </p:tgtEl>
+                                      </p:cBhvr>
+                                    </p:animEffect>
+                                  </p:childTnLst>
+                                </p:cTn>
+                              </p:par>
+                            </p:childTnLst>
+                          </p:cTn>
+                        </p:par>
+                      </p:childTnLst>
+                    </p:cTn>
+                  </p:par>
+                </p:childTnLst>
+              </p:cTn>
+              <p:prevCondLst>
+                <p:cond evt="onPrev" delay="0">
+                  <p:tgtEl>
+                    <p:sldTgt/>
+                  </p:tgtEl>
+                </p:cond>
+              </p:prevCondLst>
+              <p:nextCondLst>
+                <p:cond evt="onNext" delay="0">
+                  <p:tgtEl>
+                    <p:sldTgt/>
+                  </p:tgtEl>
+                </p:cond>
+              </p:nextCondLst>
+            </p:seq>
+          </p:childTnLst>
+        </p:cTn>
       </p:par>
     </p:tnLst>
   </p:timing>
@@ -11351,14 +11950,14 @@
   <p:clrMapOvr>
     <a:masterClrMapping/>
   </p:clrMapOvr>
-  <mc:AlternateContent xmlns:mc="http://schemas.openxmlformats.org/markup-compatibility/2006" xmlns:p15="http://schemas.microsoft.com/office/powerpoint/2012/main">
-    <mc:Choice Requires="p15">
-      <p:transition xmlns:p14="http://schemas.microsoft.com/office/powerpoint/2010/main" spd="slow" p14:dur="2000">
-        <p15:prstTrans prst="drape"/>
+  <mc:AlternateContent xmlns:mc="http://schemas.openxmlformats.org/markup-compatibility/2006">
+    <mc:Choice xmlns:p14="http://schemas.microsoft.com/office/powerpoint/2010/main" Requires="p14">
+      <p:transition spd="med" p14:dur="700">
+        <p:fade/>
       </p:transition>
     </mc:Choice>
-    <mc:Fallback xmlns="">
-      <p:transition spd="slow">
+    <mc:Fallback>
+      <p:transition spd="med">
         <p:fade/>
       </p:transition>
     </mc:Fallback>
@@ -11609,7 +12208,7 @@
         </p:nvGraphicFramePr>
         <p:xfrm>
           <a:off x="287522" y="807554"/>
-          <a:ext cx="8496945" cy="3959727"/>
+          <a:ext cx="8496945" cy="3935800"/>
         </p:xfrm>
         <a:graphic>
           <a:graphicData uri="http://schemas.openxmlformats.org/drawingml/2006/table">
@@ -13941,6 +14540,18 @@
   <p:clrMapOvr>
     <a:masterClrMapping/>
   </p:clrMapOvr>
+  <mc:AlternateContent xmlns:mc="http://schemas.openxmlformats.org/markup-compatibility/2006">
+    <mc:Choice xmlns:p14="http://schemas.microsoft.com/office/powerpoint/2010/main" Requires="p14">
+      <p:transition spd="med" p14:dur="700">
+        <p:fade/>
+      </p:transition>
+    </mc:Choice>
+    <mc:Fallback>
+      <p:transition spd="med">
+        <p:fade/>
+      </p:transition>
+    </mc:Fallback>
+  </mc:AlternateContent>
   <p:timing>
     <p:tnLst>
       <p:par>
@@ -14653,9 +15264,18 @@
   <p:clrMapOvr>
     <a:masterClrMapping/>
   </p:clrMapOvr>
-  <p:transition spd="slow">
-    <p:randomBar dir="vert"/>
-  </p:transition>
+  <mc:AlternateContent xmlns:mc="http://schemas.openxmlformats.org/markup-compatibility/2006">
+    <mc:Choice xmlns:p14="http://schemas.microsoft.com/office/powerpoint/2010/main" Requires="p14">
+      <p:transition spd="med" p14:dur="700">
+        <p:fade/>
+      </p:transition>
+    </mc:Choice>
+    <mc:Fallback>
+      <p:transition spd="med">
+        <p:fade/>
+      </p:transition>
+    </mc:Fallback>
+  </mc:AlternateContent>
   <p:timing>
     <p:tnLst>
       <p:par>
@@ -16059,9 +16679,18 @@
   <p:clrMapOvr>
     <a:masterClrMapping/>
   </p:clrMapOvr>
-  <p:transition spd="slow">
-    <p:randomBar dir="vert"/>
-  </p:transition>
+  <mc:AlternateContent xmlns:mc="http://schemas.openxmlformats.org/markup-compatibility/2006">
+    <mc:Choice xmlns:p14="http://schemas.microsoft.com/office/powerpoint/2010/main" Requires="p14">
+      <p:transition spd="med" p14:dur="700">
+        <p:fade/>
+      </p:transition>
+    </mc:Choice>
+    <mc:Fallback>
+      <p:transition spd="med">
+        <p:fade/>
+      </p:transition>
+    </mc:Fallback>
+  </mc:AlternateContent>
   <p:timing>
     <p:tnLst>
       <p:par>
@@ -16414,9 +17043,18 @@
   <p:clrMapOvr>
     <a:masterClrMapping/>
   </p:clrMapOvr>
-  <p:transition spd="slow">
-    <p:randomBar dir="vert"/>
-  </p:transition>
+  <mc:AlternateContent xmlns:mc="http://schemas.openxmlformats.org/markup-compatibility/2006">
+    <mc:Choice xmlns:p14="http://schemas.microsoft.com/office/powerpoint/2010/main" Requires="p14">
+      <p:transition spd="med" p14:dur="700">
+        <p:fade/>
+      </p:transition>
+    </mc:Choice>
+    <mc:Fallback>
+      <p:transition spd="med">
+        <p:fade/>
+      </p:transition>
+    </mc:Fallback>
+  </mc:AlternateContent>
   <p:timing>
     <p:tnLst>
       <p:par>
@@ -16544,6 +17182,18 @@
   <p:clrMapOvr>
     <a:masterClrMapping/>
   </p:clrMapOvr>
+  <mc:AlternateContent xmlns:mc="http://schemas.openxmlformats.org/markup-compatibility/2006">
+    <mc:Choice xmlns:p14="http://schemas.microsoft.com/office/powerpoint/2010/main" Requires="p14">
+      <p:transition spd="med" p14:dur="700">
+        <p:fade/>
+      </p:transition>
+    </mc:Choice>
+    <mc:Fallback>
+      <p:transition spd="med">
+        <p:fade/>
+      </p:transition>
+    </mc:Fallback>
+  </mc:AlternateContent>
   <p:timing>
     <p:tnLst>
       <p:par>
@@ -16581,7 +17231,12 @@
             <p:ph type="title"/>
           </p:nvPr>
         </p:nvSpPr>
-        <p:spPr/>
+        <p:spPr>
+          <a:xfrm>
+            <a:off x="323528" y="591530"/>
+            <a:ext cx="8368363" cy="495383"/>
+          </a:xfrm>
+        </p:spPr>
         <p:txBody>
           <a:bodyPr/>
           <a:lstStyle/>
@@ -16590,7 +17245,7 @@
               <a:defRPr lang="ko-KR" altLang="en-US"/>
             </a:pPr>
             <a:r>
-              <a:rPr lang="ko-KR" altLang="en-US"/>
+              <a:rPr lang="ko-KR" altLang="en-US" dirty="0"/>
               <a:t>역할분담</a:t>
             </a:r>
           </a:p>
@@ -16603,13 +17258,13 @@
           <p:nvPr>
             <p:extLst>
               <p:ext uri="{D42A27DB-BD31-4B8C-83A1-F6EECF244321}">
-                <p14:modId xmlns:p14="http://schemas.microsoft.com/office/powerpoint/2010/main" val="1480946156"/>
+                <p14:modId xmlns:p14="http://schemas.microsoft.com/office/powerpoint/2010/main" val="1971593582"/>
               </p:ext>
             </p:extLst>
           </p:nvPr>
         </p:nvGraphicFramePr>
         <p:xfrm>
-          <a:off x="1871700" y="1095586"/>
+          <a:off x="1547664" y="1779662"/>
           <a:ext cx="5868652" cy="2232248"/>
         </p:xfrm>
         <a:graphic>
@@ -16623,6 +17278,18 @@
   <p:clrMapOvr>
     <a:masterClrMapping/>
   </p:clrMapOvr>
+  <mc:AlternateContent xmlns:mc="http://schemas.openxmlformats.org/markup-compatibility/2006">
+    <mc:Choice xmlns:p14="http://schemas.microsoft.com/office/powerpoint/2010/main" Requires="p14">
+      <p:transition spd="med" p14:dur="700">
+        <p:fade/>
+      </p:transition>
+    </mc:Choice>
+    <mc:Fallback>
+      <p:transition spd="med">
+        <p:fade/>
+      </p:transition>
+    </mc:Fallback>
+  </mc:AlternateContent>
   <p:timing>
     <p:tnLst>
       <p:par>
@@ -26109,6 +26776,18 @@
   <p:clrMapOvr>
     <a:masterClrMapping/>
   </p:clrMapOvr>
+  <mc:AlternateContent xmlns:mc="http://schemas.openxmlformats.org/markup-compatibility/2006">
+    <mc:Choice xmlns:p14="http://schemas.microsoft.com/office/powerpoint/2010/main" Requires="p14">
+      <p:transition spd="med" p14:dur="700">
+        <p:fade/>
+      </p:transition>
+    </mc:Choice>
+    <mc:Fallback>
+      <p:transition spd="med">
+        <p:fade/>
+      </p:transition>
+    </mc:Fallback>
+  </mc:AlternateContent>
   <p:timing>
     <p:tnLst>
       <p:par>

--- a/호남-발표자료.pptx
+++ b/호남-발표자료.pptx
@@ -9059,7 +9059,7 @@
           <p:nvPr>
             <p:extLst>
               <p:ext uri="{D42A27DB-BD31-4B8C-83A1-F6EECF244321}">
-                <p14:modId xmlns:p14="http://schemas.microsoft.com/office/powerpoint/2010/main" val="3343189477"/>
+                <p14:modId xmlns:p14="http://schemas.microsoft.com/office/powerpoint/2010/main" val="1856467021"/>
               </p:ext>
             </p:extLst>
           </p:nvPr>
@@ -10329,7 +10329,47 @@
                           <a:ea typeface="+mn-ea"/>
                           <a:cs typeface="+mn-cs"/>
                         </a:rPr>
-                        <a:t>물체 적음</a:t>
+                        <a:t>물체 </a:t>
+                      </a:r>
+                      <a:r>
+                        <a:rPr lang="ko-KR" altLang="en-US" sz="1400" dirty="0" smtClean="0">
+                          <a:latin typeface="+mn-lt"/>
+                          <a:ea typeface="+mn-ea"/>
+                          <a:cs typeface="+mn-cs"/>
+                        </a:rPr>
+                        <a:t>적음</a:t>
+                      </a:r>
+                      <a:endParaRPr lang="en-US" altLang="ko-KR" sz="1400" dirty="0" smtClean="0">
+                        <a:latin typeface="+mn-lt"/>
+                        <a:ea typeface="+mn-ea"/>
+                        <a:cs typeface="+mn-cs"/>
+                      </a:endParaRPr>
+                    </a:p>
+                    <a:p>
+                      <a:pPr marL="0" marR="0" indent="0" algn="ctr" defTabSz="914400" rtl="0" eaLnBrk="1" fontAlgn="auto" latinLnBrk="1" hangingPunct="1">
+                        <a:lnSpc>
+                          <a:spcPct val="100000"/>
+                        </a:lnSpc>
+                        <a:spcBef>
+                          <a:spcPts val="0"/>
+                        </a:spcBef>
+                        <a:spcAft>
+                          <a:spcPts val="0"/>
+                        </a:spcAft>
+                        <a:buClrTx/>
+                        <a:buSzTx/>
+                        <a:buFontTx/>
+                        <a:buNone/>
+                        <a:tabLst/>
+                        <a:defRPr lang="ko-KR" altLang="en-US"/>
+                      </a:pPr>
+                      <a:r>
+                        <a:rPr lang="ko-KR" altLang="en-US" sz="1400" dirty="0" smtClean="0">
+                          <a:latin typeface="+mn-lt"/>
+                          <a:ea typeface="+mn-ea"/>
+                          <a:cs typeface="+mn-cs"/>
+                        </a:rPr>
+                        <a:t>한 물체만    배치 가능</a:t>
                       </a:r>
                     </a:p>
                   </a:txBody>
@@ -10390,12 +10430,20 @@
                         <a:defRPr lang="ko-KR" altLang="en-US"/>
                       </a:pPr>
                       <a:r>
+                        <a:rPr lang="ko-KR" altLang="en-US" sz="1400" dirty="0" smtClean="0">
+                          <a:latin typeface="+mn-lt"/>
+                          <a:ea typeface="+mn-ea"/>
+                          <a:cs typeface="+mn-cs"/>
+                        </a:rPr>
+                        <a:t>물체가 </a:t>
+                      </a:r>
+                      <a:r>
                         <a:rPr lang="ko-KR" altLang="en-US" sz="1400" dirty="0">
                           <a:latin typeface="+mn-lt"/>
                           <a:ea typeface="+mn-ea"/>
                           <a:cs typeface="+mn-cs"/>
                         </a:rPr>
-                        <a:t>물체들이 너무 적음 </a:t>
+                        <a:t>적음 </a:t>
                       </a:r>
                     </a:p>
                     <a:p>
@@ -10473,13 +10521,13 @@
   <p:clrMapOvr>
     <a:masterClrMapping/>
   </p:clrMapOvr>
-  <mc:AlternateContent xmlns:mc="http://schemas.openxmlformats.org/markup-compatibility/2006">
-    <mc:Choice xmlns:p14="http://schemas.microsoft.com/office/powerpoint/2010/main" Requires="p14">
+  <mc:AlternateContent xmlns:mc="http://schemas.openxmlformats.org/markup-compatibility/2006" xmlns:p14="http://schemas.microsoft.com/office/powerpoint/2010/main">
+    <mc:Choice Requires="p14">
       <p:transition spd="med" p14:dur="700">
         <p:fade/>
       </p:transition>
     </mc:Choice>
-    <mc:Fallback>
+    <mc:Fallback xmlns="">
       <p:transition spd="med">
         <p:fade/>
       </p:transition>
@@ -10928,13 +10976,13 @@
   <p:clrMapOvr>
     <a:masterClrMapping/>
   </p:clrMapOvr>
-  <mc:AlternateContent xmlns:mc="http://schemas.openxmlformats.org/markup-compatibility/2006">
-    <mc:Choice xmlns:p14="http://schemas.microsoft.com/office/powerpoint/2010/main" Requires="p14">
+  <mc:AlternateContent xmlns:mc="http://schemas.openxmlformats.org/markup-compatibility/2006" xmlns:p14="http://schemas.microsoft.com/office/powerpoint/2010/main">
+    <mc:Choice Requires="p14">
       <p:transition spd="med" p14:dur="700">
         <p:fade/>
       </p:transition>
     </mc:Choice>
-    <mc:Fallback>
+    <mc:Fallback xmlns="">
       <p:transition spd="med">
         <p:fade/>
       </p:transition>
@@ -11950,13 +11998,13 @@
   <p:clrMapOvr>
     <a:masterClrMapping/>
   </p:clrMapOvr>
-  <mc:AlternateContent xmlns:mc="http://schemas.openxmlformats.org/markup-compatibility/2006">
-    <mc:Choice xmlns:p14="http://schemas.microsoft.com/office/powerpoint/2010/main" Requires="p14">
+  <mc:AlternateContent xmlns:mc="http://schemas.openxmlformats.org/markup-compatibility/2006" xmlns:p14="http://schemas.microsoft.com/office/powerpoint/2010/main">
+    <mc:Choice Requires="p14">
       <p:transition spd="med" p14:dur="700">
         <p:fade/>
       </p:transition>
     </mc:Choice>
-    <mc:Fallback>
+    <mc:Fallback xmlns="">
       <p:transition spd="med">
         <p:fade/>
       </p:transition>
@@ -12208,7 +12256,7 @@
         </p:nvGraphicFramePr>
         <p:xfrm>
           <a:off x="287522" y="807554"/>
-          <a:ext cx="8496945" cy="3935800"/>
+          <a:ext cx="8496945" cy="3959727"/>
         </p:xfrm>
         <a:graphic>
           <a:graphicData uri="http://schemas.openxmlformats.org/drawingml/2006/table">
@@ -14540,13 +14588,13 @@
   <p:clrMapOvr>
     <a:masterClrMapping/>
   </p:clrMapOvr>
-  <mc:AlternateContent xmlns:mc="http://schemas.openxmlformats.org/markup-compatibility/2006">
-    <mc:Choice xmlns:p14="http://schemas.microsoft.com/office/powerpoint/2010/main" Requires="p14">
+  <mc:AlternateContent xmlns:mc="http://schemas.openxmlformats.org/markup-compatibility/2006" xmlns:p14="http://schemas.microsoft.com/office/powerpoint/2010/main">
+    <mc:Choice Requires="p14">
       <p:transition spd="med" p14:dur="700">
         <p:fade/>
       </p:transition>
     </mc:Choice>
-    <mc:Fallback>
+    <mc:Fallback xmlns="">
       <p:transition spd="med">
         <p:fade/>
       </p:transition>
@@ -15264,13 +15312,13 @@
   <p:clrMapOvr>
     <a:masterClrMapping/>
   </p:clrMapOvr>
-  <mc:AlternateContent xmlns:mc="http://schemas.openxmlformats.org/markup-compatibility/2006">
-    <mc:Choice xmlns:p14="http://schemas.microsoft.com/office/powerpoint/2010/main" Requires="p14">
+  <mc:AlternateContent xmlns:mc="http://schemas.openxmlformats.org/markup-compatibility/2006" xmlns:p14="http://schemas.microsoft.com/office/powerpoint/2010/main">
+    <mc:Choice Requires="p14">
       <p:transition spd="med" p14:dur="700">
         <p:fade/>
       </p:transition>
     </mc:Choice>
-    <mc:Fallback>
+    <mc:Fallback xmlns="">
       <p:transition spd="med">
         <p:fade/>
       </p:transition>
@@ -16679,13 +16727,13 @@
   <p:clrMapOvr>
     <a:masterClrMapping/>
   </p:clrMapOvr>
-  <mc:AlternateContent xmlns:mc="http://schemas.openxmlformats.org/markup-compatibility/2006">
-    <mc:Choice xmlns:p14="http://schemas.microsoft.com/office/powerpoint/2010/main" Requires="p14">
+  <mc:AlternateContent xmlns:mc="http://schemas.openxmlformats.org/markup-compatibility/2006" xmlns:p14="http://schemas.microsoft.com/office/powerpoint/2010/main">
+    <mc:Choice Requires="p14">
       <p:transition spd="med" p14:dur="700">
         <p:fade/>
       </p:transition>
     </mc:Choice>
-    <mc:Fallback>
+    <mc:Fallback xmlns="">
       <p:transition spd="med">
         <p:fade/>
       </p:transition>
@@ -17043,13 +17091,13 @@
   <p:clrMapOvr>
     <a:masterClrMapping/>
   </p:clrMapOvr>
-  <mc:AlternateContent xmlns:mc="http://schemas.openxmlformats.org/markup-compatibility/2006">
-    <mc:Choice xmlns:p14="http://schemas.microsoft.com/office/powerpoint/2010/main" Requires="p14">
+  <mc:AlternateContent xmlns:mc="http://schemas.openxmlformats.org/markup-compatibility/2006" xmlns:p14="http://schemas.microsoft.com/office/powerpoint/2010/main">
+    <mc:Choice Requires="p14">
       <p:transition spd="med" p14:dur="700">
         <p:fade/>
       </p:transition>
     </mc:Choice>
-    <mc:Fallback>
+    <mc:Fallback xmlns="">
       <p:transition spd="med">
         <p:fade/>
       </p:transition>
@@ -17182,13 +17230,13 @@
   <p:clrMapOvr>
     <a:masterClrMapping/>
   </p:clrMapOvr>
-  <mc:AlternateContent xmlns:mc="http://schemas.openxmlformats.org/markup-compatibility/2006">
-    <mc:Choice xmlns:p14="http://schemas.microsoft.com/office/powerpoint/2010/main" Requires="p14">
+  <mc:AlternateContent xmlns:mc="http://schemas.openxmlformats.org/markup-compatibility/2006" xmlns:p14="http://schemas.microsoft.com/office/powerpoint/2010/main">
+    <mc:Choice Requires="p14">
       <p:transition spd="med" p14:dur="700">
         <p:fade/>
       </p:transition>
     </mc:Choice>
-    <mc:Fallback>
+    <mc:Fallback xmlns="">
       <p:transition spd="med">
         <p:fade/>
       </p:transition>
@@ -17278,13 +17326,13 @@
   <p:clrMapOvr>
     <a:masterClrMapping/>
   </p:clrMapOvr>
-  <mc:AlternateContent xmlns:mc="http://schemas.openxmlformats.org/markup-compatibility/2006">
-    <mc:Choice xmlns:p14="http://schemas.microsoft.com/office/powerpoint/2010/main" Requires="p14">
+  <mc:AlternateContent xmlns:mc="http://schemas.openxmlformats.org/markup-compatibility/2006" xmlns:p14="http://schemas.microsoft.com/office/powerpoint/2010/main">
+    <mc:Choice Requires="p14">
       <p:transition spd="med" p14:dur="700">
         <p:fade/>
       </p:transition>
     </mc:Choice>
-    <mc:Fallback>
+    <mc:Fallback xmlns="">
       <p:transition spd="med">
         <p:fade/>
       </p:transition>
@@ -26776,13 +26824,13 @@
   <p:clrMapOvr>
     <a:masterClrMapping/>
   </p:clrMapOvr>
-  <mc:AlternateContent xmlns:mc="http://schemas.openxmlformats.org/markup-compatibility/2006">
-    <mc:Choice xmlns:p14="http://schemas.microsoft.com/office/powerpoint/2010/main" Requires="p14">
+  <mc:AlternateContent xmlns:mc="http://schemas.openxmlformats.org/markup-compatibility/2006" xmlns:p14="http://schemas.microsoft.com/office/powerpoint/2010/main">
+    <mc:Choice Requires="p14">
       <p:transition spd="med" p14:dur="700">
         <p:fade/>
       </p:transition>
     </mc:Choice>
-    <mc:Fallback>
+    <mc:Fallback xmlns="">
       <p:transition spd="med">
         <p:fade/>
       </p:transition>

--- a/호남-발표자료.pptx
+++ b/호남-발표자료.pptx
@@ -6,10 +6,10 @@
     <p:sldMasterId id="2147483660" r:id="rId2"/>
   </p:sldMasterIdLst>
   <p:notesMasterIdLst>
-    <p:notesMasterId r:id="rId23"/>
+    <p:notesMasterId r:id="rId26"/>
   </p:notesMasterIdLst>
   <p:handoutMasterIdLst>
-    <p:handoutMasterId r:id="rId24"/>
+    <p:handoutMasterId r:id="rId27"/>
   </p:handoutMasterIdLst>
   <p:sldIdLst>
     <p:sldId id="257" r:id="rId3"/>
@@ -27,11 +27,14 @@
     <p:sldId id="278" r:id="rId15"/>
     <p:sldId id="269" r:id="rId16"/>
     <p:sldId id="268" r:id="rId17"/>
-    <p:sldId id="282" r:id="rId18"/>
-    <p:sldId id="281" r:id="rId19"/>
-    <p:sldId id="279" r:id="rId20"/>
-    <p:sldId id="270" r:id="rId21"/>
-    <p:sldId id="271" r:id="rId22"/>
+    <p:sldId id="281" r:id="rId18"/>
+    <p:sldId id="282" r:id="rId19"/>
+    <p:sldId id="283" r:id="rId20"/>
+    <p:sldId id="284" r:id="rId21"/>
+    <p:sldId id="285" r:id="rId22"/>
+    <p:sldId id="279" r:id="rId23"/>
+    <p:sldId id="270" r:id="rId24"/>
+    <p:sldId id="271" r:id="rId25"/>
   </p:sldIdLst>
   <p:sldSz cx="9144000" cy="5143500" type="screen16x9"/>
   <p:notesSz cx="6858000" cy="9144000"/>
@@ -132,7 +135,7 @@
   </p:defaultTextStyle>
   <p:extLst>
     <p:ext uri="{EFAFB233-063F-42B5-8137-9DF3F51BA10A}">
-      <p15:sldGuideLst xmlns:p15="http://schemas.microsoft.com/office/powerpoint/2012/main">
+      <p15:sldGuideLst xmlns:p15="http://schemas.microsoft.com/office/powerpoint/2012/main" xmlns="">
         <p15:guide id="1" orient="horz" pos="1619">
           <p15:clr>
             <a:srgbClr val="A4A3A4"/>
@@ -146,7 +149,7 @@
       </p15:sldGuideLst>
     </p:ext>
     <p:ext uri="{2D200454-40CA-4A62-9FC3-DE9A4176ACB9}">
-      <p15:notesGuideLst xmlns:p15="http://schemas.microsoft.com/office/powerpoint/2012/main"/>
+      <p15:notesGuideLst xmlns:p15="http://schemas.microsoft.com/office/powerpoint/2012/main" xmlns=""/>
     </p:ext>
   </p:extLst>
 </p:presentation>
@@ -9059,7 +9062,7 @@
           <p:nvPr>
             <p:extLst>
               <p:ext uri="{D42A27DB-BD31-4B8C-83A1-F6EECF244321}">
-                <p14:modId xmlns:p14="http://schemas.microsoft.com/office/powerpoint/2010/main" val="1856467021"/>
+                <p14:modId xmlns:p14="http://schemas.microsoft.com/office/powerpoint/2010/main" val="3801895274"/>
               </p:ext>
             </p:extLst>
           </p:nvPr>
@@ -10254,13 +10257,26 @@
                         <a:t>받아야 </a:t>
                       </a:r>
                       <a:r>
-                        <a:rPr lang="ko-KR" altLang="en-US" sz="1400" dirty="0">
+                        <a:rPr lang="ko-KR" altLang="en-US" sz="1400" dirty="0" smtClean="0">
                           <a:latin typeface="+mn-lt"/>
                           <a:ea typeface="+mn-ea"/>
                           <a:cs typeface="+mn-cs"/>
                         </a:rPr>
                         <a:t>함</a:t>
                       </a:r>
+                      <a:r>
+                        <a:rPr lang="en-US" altLang="ko-KR" sz="1400" dirty="0" smtClean="0">
+                          <a:latin typeface="+mn-lt"/>
+                          <a:ea typeface="+mn-ea"/>
+                          <a:cs typeface="+mn-cs"/>
+                        </a:rPr>
+                        <a:t>.</a:t>
+                      </a:r>
+                      <a:endParaRPr lang="ko-KR" altLang="en-US" sz="1400" dirty="0">
+                        <a:latin typeface="+mn-lt"/>
+                        <a:ea typeface="+mn-ea"/>
+                        <a:cs typeface="+mn-cs"/>
+                      </a:endParaRPr>
                     </a:p>
                     <a:p>
                       <a:pPr algn="ctr" latinLnBrk="1">
@@ -10308,8 +10324,29 @@
                           <a:ea typeface="+mn-ea"/>
                           <a:cs typeface="+mn-cs"/>
                         </a:rPr>
-                        <a:t>한글 지원이 안됨 </a:t>
+                        <a:t>한글 지원이 </a:t>
                       </a:r>
+                      <a:r>
+                        <a:rPr lang="ko-KR" altLang="en-US" sz="1400" dirty="0" smtClean="0">
+                          <a:latin typeface="+mn-lt"/>
+                          <a:ea typeface="+mn-ea"/>
+                          <a:cs typeface="+mn-cs"/>
+                        </a:rPr>
+                        <a:t>안됨</a:t>
+                      </a:r>
+                      <a:r>
+                        <a:rPr lang="en-US" altLang="ko-KR" sz="1400" dirty="0" smtClean="0">
+                          <a:latin typeface="+mn-lt"/>
+                          <a:ea typeface="+mn-ea"/>
+                          <a:cs typeface="+mn-cs"/>
+                        </a:rPr>
+                        <a:t>.</a:t>
+                      </a:r>
+                      <a:endParaRPr lang="ko-KR" altLang="en-US" sz="1400" dirty="0">
+                        <a:latin typeface="+mn-lt"/>
+                        <a:ea typeface="+mn-ea"/>
+                        <a:cs typeface="+mn-cs"/>
+                      </a:endParaRPr>
                     </a:p>
                     <a:p>
                       <a:pPr algn="ctr" latinLnBrk="1">
@@ -10400,13 +10437,26 @@
                         <a:t> 로딩시간이 </a:t>
                       </a:r>
                       <a:r>
-                        <a:rPr lang="ko-KR" altLang="en-US" sz="1400" dirty="0">
+                        <a:rPr lang="ko-KR" altLang="en-US" sz="1400" dirty="0" smtClean="0">
                           <a:latin typeface="+mn-lt"/>
                           <a:ea typeface="+mn-ea"/>
                           <a:cs typeface="+mn-cs"/>
                         </a:rPr>
-                        <a:t>김</a:t>
+                        <a:t>긺</a:t>
                       </a:r>
+                      <a:r>
+                        <a:rPr lang="en-US" altLang="ko-KR" sz="1400" dirty="0" smtClean="0">
+                          <a:latin typeface="+mn-lt"/>
+                          <a:ea typeface="+mn-ea"/>
+                          <a:cs typeface="+mn-cs"/>
+                        </a:rPr>
+                        <a:t>.</a:t>
+                      </a:r>
+                      <a:endParaRPr lang="ko-KR" altLang="en-US" sz="1400" dirty="0">
+                        <a:latin typeface="+mn-lt"/>
+                        <a:ea typeface="+mn-ea"/>
+                        <a:cs typeface="+mn-cs"/>
+                      </a:endParaRPr>
                     </a:p>
                     <a:p>
                       <a:pPr algn="ctr" latinLnBrk="1">
@@ -10438,13 +10488,26 @@
                         <a:t>물체가 </a:t>
                       </a:r>
                       <a:r>
-                        <a:rPr lang="ko-KR" altLang="en-US" sz="1400" dirty="0">
+                        <a:rPr lang="ko-KR" altLang="en-US" sz="1400" dirty="0" smtClean="0">
                           <a:latin typeface="+mn-lt"/>
                           <a:ea typeface="+mn-ea"/>
                           <a:cs typeface="+mn-cs"/>
                         </a:rPr>
-                        <a:t>적음 </a:t>
+                        <a:t>적음</a:t>
                       </a:r>
+                      <a:r>
+                        <a:rPr lang="en-US" altLang="ko-KR" sz="1400" dirty="0" smtClean="0">
+                          <a:latin typeface="+mn-lt"/>
+                          <a:ea typeface="+mn-ea"/>
+                          <a:cs typeface="+mn-cs"/>
+                        </a:rPr>
+                        <a:t>.</a:t>
+                      </a:r>
+                      <a:endParaRPr lang="ko-KR" altLang="en-US" sz="1400" dirty="0">
+                        <a:latin typeface="+mn-lt"/>
+                        <a:ea typeface="+mn-ea"/>
+                        <a:cs typeface="+mn-cs"/>
+                      </a:endParaRPr>
                     </a:p>
                     <a:p>
                       <a:pPr algn="ctr" latinLnBrk="1">
@@ -12256,7 +12319,7 @@
         </p:nvGraphicFramePr>
         <p:xfrm>
           <a:off x="287522" y="807554"/>
-          <a:ext cx="8496945" cy="3959727"/>
+          <a:ext cx="8496945" cy="3935800"/>
         </p:xfrm>
         <a:graphic>
           <a:graphicData uri="http://schemas.openxmlformats.org/drawingml/2006/table">
@@ -13458,8 +13521,8 @@
         </p:nvSpPr>
         <p:spPr>
           <a:xfrm>
-            <a:off x="5665543" y="3795886"/>
-            <a:ext cx="1392568" cy="155053"/>
+            <a:off x="6480212" y="3795886"/>
+            <a:ext cx="577899" cy="155053"/>
           </a:xfrm>
           <a:prstGeom prst="chevron">
             <a:avLst/>
@@ -15353,13 +15416,379 @@
       </p:grpSpPr>
       <p:sp>
         <p:nvSpPr>
-          <p:cNvPr id="22" name="Title 1"/>
+          <p:cNvPr id="2" name="직사각형 1"/>
+          <p:cNvSpPr/>
+          <p:nvPr/>
+        </p:nvSpPr>
+        <p:spPr>
+          <a:xfrm>
+            <a:off x="1667309" y="1906517"/>
+            <a:ext cx="1332148" cy="368470"/>
+          </a:xfrm>
+          <a:prstGeom prst="rect">
+            <a:avLst/>
+          </a:prstGeom>
+          <a:ln/>
+        </p:spPr>
+        <p:style>
+          <a:lnRef idx="2">
+            <a:schemeClr val="dk1"/>
+          </a:lnRef>
+          <a:fillRef idx="1">
+            <a:schemeClr val="lt1"/>
+          </a:fillRef>
+          <a:effectRef idx="0">
+            <a:schemeClr val="dk1"/>
+          </a:effectRef>
+          <a:fontRef idx="minor">
+            <a:schemeClr val="dk1"/>
+          </a:fontRef>
+        </p:style>
+        <p:txBody>
+          <a:bodyPr vert="horz" wrap="square" lIns="91440" tIns="45720" rIns="91440" bIns="45720" numCol="1" rtlCol="0" anchor="t" anchorCtr="0" compatLnSpc="1">
+            <a:prstTxWarp prst="textNoShape">
+              <a:avLst/>
+            </a:prstTxWarp>
+          </a:bodyPr>
+          <a:lstStyle/>
+          <a:p>
+            <a:pPr algn="ctr"/>
+            <a:r>
+              <a:rPr lang="ko-KR" altLang="en-US" dirty="0" smtClean="0"/>
+              <a:t>사용자 폰</a:t>
+            </a:r>
+            <a:endParaRPr lang="ko-KR" altLang="en-US" dirty="0"/>
+          </a:p>
+        </p:txBody>
+      </p:sp>
+      <p:sp>
+        <p:nvSpPr>
+          <p:cNvPr id="17" name="타원 16"/>
+          <p:cNvSpPr/>
+          <p:nvPr/>
+        </p:nvSpPr>
+        <p:spPr>
+          <a:xfrm>
+            <a:off x="3815916" y="1743658"/>
+            <a:ext cx="1061474" cy="694187"/>
+          </a:xfrm>
+          <a:prstGeom prst="ellipse">
+            <a:avLst/>
+          </a:prstGeom>
+          <a:ln/>
+        </p:spPr>
+        <p:style>
+          <a:lnRef idx="2">
+            <a:schemeClr val="dk1"/>
+          </a:lnRef>
+          <a:fillRef idx="1">
+            <a:schemeClr val="lt1"/>
+          </a:fillRef>
+          <a:effectRef idx="0">
+            <a:schemeClr val="dk1"/>
+          </a:effectRef>
+          <a:fontRef idx="minor">
+            <a:schemeClr val="dk1"/>
+          </a:fontRef>
+        </p:style>
+        <p:txBody>
+          <a:bodyPr vert="horz" wrap="square" lIns="91440" tIns="45720" rIns="91440" bIns="45720" numCol="1" rtlCol="0" anchor="ctr" anchorCtr="0" compatLnSpc="1">
+            <a:prstTxWarp prst="textNoShape">
+              <a:avLst/>
+            </a:prstTxWarp>
+          </a:bodyPr>
+          <a:lstStyle/>
+          <a:p>
+            <a:pPr algn="ctr"/>
+            <a:r>
+              <a:rPr lang="en-US" altLang="ko-KR" sz="1100" b="1" dirty="0" smtClean="0"/>
+              <a:t>AR</a:t>
+            </a:r>
+            <a:r>
+              <a:rPr lang="ko-KR" altLang="en-US" sz="1100" b="1" dirty="0"/>
+              <a:t> </a:t>
+            </a:r>
+            <a:r>
+              <a:rPr lang="ko-KR" altLang="en-US" sz="1100" b="1" dirty="0" smtClean="0"/>
+              <a:t>실행</a:t>
+            </a:r>
+            <a:r>
+              <a:rPr lang="en-US" altLang="ko-KR" sz="1100" b="1" dirty="0"/>
+              <a:t> </a:t>
+            </a:r>
+            <a:r>
+              <a:rPr lang="ko-KR" altLang="en-US" sz="1100" b="1" dirty="0" smtClean="0"/>
+              <a:t>및 바닥감지</a:t>
+            </a:r>
+            <a:endParaRPr lang="ko-KR" altLang="en-US" sz="1100" b="1" dirty="0"/>
+          </a:p>
+        </p:txBody>
+      </p:sp>
+      <p:sp>
+        <p:nvSpPr>
+          <p:cNvPr id="76" name="TextBox 75"/>
           <p:cNvSpPr txBox="1"/>
           <p:nvPr/>
         </p:nvSpPr>
         <p:spPr>
           <a:xfrm>
-            <a:off x="381000" y="341313"/>
+            <a:off x="3074717" y="1855273"/>
+            <a:ext cx="633187" cy="194925"/>
+          </a:xfrm>
+          <a:prstGeom prst="rect">
+            <a:avLst/>
+          </a:prstGeom>
+        </p:spPr>
+        <p:txBody>
+          <a:bodyPr wrap="none" lIns="0" tIns="0" rIns="0" bIns="0" rtlCol="0" anchor="ctr">
+            <a:spAutoFit/>
+          </a:bodyPr>
+          <a:lstStyle/>
+          <a:p>
+            <a:pPr marL="0" indent="0">
+              <a:lnSpc>
+                <a:spcPct val="150000"/>
+              </a:lnSpc>
+              <a:buNone/>
+            </a:pPr>
+            <a:r>
+              <a:rPr lang="ko-KR" altLang="en-US" sz="1000" b="1" dirty="0" smtClean="0">
+                <a:solidFill>
+                  <a:schemeClr val="tx1"/>
+                </a:solidFill>
+                <a:latin typeface="+mj-lt"/>
+              </a:rPr>
+              <a:t>카메라영상</a:t>
+            </a:r>
+            <a:endParaRPr lang="ko-KR" altLang="en-US" sz="1000" b="1" dirty="0" smtClean="0">
+              <a:solidFill>
+                <a:schemeClr val="tx1"/>
+              </a:solidFill>
+              <a:latin typeface="+mj-lt"/>
+            </a:endParaRPr>
+          </a:p>
+        </p:txBody>
+      </p:sp>
+      <p:sp>
+        <p:nvSpPr>
+          <p:cNvPr id="79" name="TextBox 78"/>
+          <p:cNvSpPr txBox="1"/>
+          <p:nvPr/>
+        </p:nvSpPr>
+        <p:spPr>
+          <a:xfrm>
+            <a:off x="6840252" y="2578137"/>
+            <a:ext cx="921727" cy="461665"/>
+          </a:xfrm>
+          <a:prstGeom prst="rect">
+            <a:avLst/>
+          </a:prstGeom>
+        </p:spPr>
+        <p:txBody>
+          <a:bodyPr wrap="none" lIns="0" tIns="0" rIns="0" bIns="0" rtlCol="0" anchor="ctr">
+            <a:spAutoFit/>
+          </a:bodyPr>
+          <a:lstStyle/>
+          <a:p>
+            <a:pPr marL="0" indent="0">
+              <a:lnSpc>
+                <a:spcPct val="150000"/>
+              </a:lnSpc>
+              <a:buNone/>
+            </a:pPr>
+            <a:r>
+              <a:rPr lang="en-US" altLang="ko-KR" sz="1000" b="1" dirty="0" smtClean="0">
+                <a:latin typeface="+mj-lt"/>
+              </a:rPr>
+              <a:t>Hit-test </a:t>
+            </a:r>
+            <a:r>
+              <a:rPr lang="ko-KR" altLang="en-US" sz="1000" b="1" dirty="0" smtClean="0">
+                <a:latin typeface="+mj-lt"/>
+              </a:rPr>
+              <a:t>좌표 </a:t>
+            </a:r>
+            <a:r>
+              <a:rPr lang="ko-KR" altLang="en-US" sz="1000" b="1" dirty="0" smtClean="0">
+                <a:latin typeface="+mj-lt"/>
+              </a:rPr>
+              <a:t>값</a:t>
+            </a:r>
+            <a:endParaRPr lang="en-US" altLang="ko-KR" sz="1000" b="1" dirty="0" smtClean="0">
+              <a:latin typeface="+mj-lt"/>
+            </a:endParaRPr>
+          </a:p>
+          <a:p>
+            <a:pPr marL="0" indent="0">
+              <a:lnSpc>
+                <a:spcPct val="150000"/>
+              </a:lnSpc>
+              <a:buNone/>
+            </a:pPr>
+            <a:r>
+              <a:rPr lang="en-US" altLang="ko-KR" sz="1000" b="1" dirty="0" smtClean="0">
+                <a:solidFill>
+                  <a:schemeClr val="tx1"/>
+                </a:solidFill>
+                <a:latin typeface="+mj-lt"/>
+              </a:rPr>
+              <a:t>(4x4 </a:t>
+            </a:r>
+            <a:r>
+              <a:rPr lang="ko-KR" altLang="en-US" sz="1000" b="1" dirty="0" smtClean="0">
+                <a:solidFill>
+                  <a:schemeClr val="tx1"/>
+                </a:solidFill>
+                <a:latin typeface="+mj-lt"/>
+              </a:rPr>
+              <a:t>행렬</a:t>
+            </a:r>
+            <a:r>
+              <a:rPr lang="en-US" altLang="ko-KR" sz="1000" b="1" dirty="0" smtClean="0">
+                <a:solidFill>
+                  <a:schemeClr val="tx1"/>
+                </a:solidFill>
+                <a:latin typeface="+mj-lt"/>
+              </a:rPr>
+              <a:t>)</a:t>
+            </a:r>
+            <a:endParaRPr lang="ko-KR" altLang="en-US" sz="1000" b="1" dirty="0" smtClean="0">
+              <a:solidFill>
+                <a:schemeClr val="tx1"/>
+              </a:solidFill>
+              <a:latin typeface="+mj-lt"/>
+            </a:endParaRPr>
+          </a:p>
+        </p:txBody>
+      </p:sp>
+      <p:cxnSp>
+        <p:nvCxnSpPr>
+          <p:cNvPr id="39" name="직선 화살표 연결선 38"/>
+          <p:cNvCxnSpPr>
+            <a:stCxn id="2" idx="3"/>
+            <a:endCxn id="17" idx="2"/>
+          </p:cNvCxnSpPr>
+          <p:nvPr/>
+        </p:nvCxnSpPr>
+        <p:spPr>
+          <a:xfrm>
+            <a:off x="2999457" y="2090752"/>
+            <a:ext cx="816459" cy="0"/>
+          </a:xfrm>
+          <a:prstGeom prst="straightConnector1">
+            <a:avLst/>
+          </a:prstGeom>
+          <a:ln>
+            <a:tailEnd type="arrow"/>
+          </a:ln>
+        </p:spPr>
+        <p:style>
+          <a:lnRef idx="2">
+            <a:schemeClr val="accent1"/>
+          </a:lnRef>
+          <a:fillRef idx="0">
+            <a:schemeClr val="accent1"/>
+          </a:fillRef>
+          <a:effectRef idx="1">
+            <a:schemeClr val="accent1"/>
+          </a:effectRef>
+          <a:fontRef idx="minor">
+            <a:schemeClr val="tx1"/>
+          </a:fontRef>
+        </p:style>
+      </p:cxnSp>
+      <p:cxnSp>
+        <p:nvCxnSpPr>
+          <p:cNvPr id="60" name="직선 화살표 연결선 59"/>
+          <p:cNvCxnSpPr>
+            <a:stCxn id="168" idx="2"/>
+            <a:endCxn id="65" idx="0"/>
+          </p:cNvCxnSpPr>
+          <p:nvPr/>
+        </p:nvCxnSpPr>
+        <p:spPr>
+          <a:xfrm>
+            <a:off x="6772043" y="2319839"/>
+            <a:ext cx="33005" cy="1321920"/>
+          </a:xfrm>
+          <a:prstGeom prst="straightConnector1">
+            <a:avLst/>
+          </a:prstGeom>
+          <a:ln>
+            <a:tailEnd type="arrow"/>
+          </a:ln>
+        </p:spPr>
+        <p:style>
+          <a:lnRef idx="2">
+            <a:schemeClr val="accent1"/>
+          </a:lnRef>
+          <a:fillRef idx="0">
+            <a:schemeClr val="accent1"/>
+          </a:fillRef>
+          <a:effectRef idx="1">
+            <a:schemeClr val="accent1"/>
+          </a:effectRef>
+          <a:fontRef idx="minor">
+            <a:schemeClr val="tx1"/>
+          </a:fontRef>
+        </p:style>
+      </p:cxnSp>
+      <p:sp>
+        <p:nvSpPr>
+          <p:cNvPr id="65" name="타원 64"/>
+          <p:cNvSpPr/>
+          <p:nvPr/>
+        </p:nvSpPr>
+        <p:spPr>
+          <a:xfrm>
+            <a:off x="6301792" y="3641759"/>
+            <a:ext cx="1006512" cy="694187"/>
+          </a:xfrm>
+          <a:prstGeom prst="ellipse">
+            <a:avLst/>
+          </a:prstGeom>
+          <a:ln/>
+        </p:spPr>
+        <p:style>
+          <a:lnRef idx="2">
+            <a:schemeClr val="dk1"/>
+          </a:lnRef>
+          <a:fillRef idx="1">
+            <a:schemeClr val="lt1"/>
+          </a:fillRef>
+          <a:effectRef idx="0">
+            <a:schemeClr val="dk1"/>
+          </a:effectRef>
+          <a:fontRef idx="minor">
+            <a:schemeClr val="dk1"/>
+          </a:fontRef>
+        </p:style>
+        <p:txBody>
+          <a:bodyPr vert="horz" wrap="square" lIns="91440" tIns="45720" rIns="91440" bIns="45720" numCol="1" rtlCol="0" anchor="ctr" anchorCtr="0" compatLnSpc="1">
+            <a:prstTxWarp prst="textNoShape">
+              <a:avLst/>
+            </a:prstTxWarp>
+          </a:bodyPr>
+          <a:lstStyle/>
+          <a:p>
+            <a:pPr algn="ctr"/>
+            <a:r>
+              <a:rPr lang="ko-KR" altLang="en-US" dirty="0" smtClean="0"/>
+              <a:t>원판 생성</a:t>
+            </a:r>
+            <a:endParaRPr lang="ko-KR" altLang="en-US" dirty="0"/>
+          </a:p>
+        </p:txBody>
+      </p:sp>
+      <p:sp>
+        <p:nvSpPr>
+          <p:cNvPr id="128" name="Title 1"/>
+          <p:cNvSpPr txBox="1"/>
+          <p:nvPr/>
+        </p:nvSpPr>
+        <p:spPr>
+          <a:xfrm>
+            <a:off x="381000" y="303498"/>
             <a:ext cx="8368363" cy="495383"/>
           </a:xfrm>
           <a:prstGeom prst="rect">
@@ -15389,7 +15818,7 @@
               <a:defRPr lang="ko-KR" altLang="en-US"/>
             </a:pPr>
             <a:r>
-              <a:rPr lang="ko-KR" altLang="en-US" sz="3200" dirty="0" smtClean="0">
+              <a:rPr lang="ko-KR" altLang="en-US" sz="2800" dirty="0" smtClean="0">
                 <a:solidFill>
                   <a:srgbClr val="FFFFFF">
                     <a:lumMod val="50000"/>
@@ -15399,9 +15828,35 @@
                 <a:ea typeface="+mn-ea"/>
                 <a:cs typeface="+mn-cs"/>
               </a:rPr>
-              <a:t>데이터 흐름도 </a:t>
+              <a:t>데이터 </a:t>
             </a:r>
-            <a:endParaRPr lang="en-US" dirty="0">
+            <a:r>
+              <a:rPr lang="ko-KR" altLang="en-US" sz="2800" dirty="0" smtClean="0">
+                <a:solidFill>
+                  <a:srgbClr val="FFFFFF">
+                    <a:lumMod val="50000"/>
+                  </a:srgbClr>
+                </a:solidFill>
+                <a:latin typeface="+mn-lt"/>
+                <a:ea typeface="+mn-ea"/>
+                <a:cs typeface="+mn-cs"/>
+              </a:rPr>
+              <a:t>흐름도 </a:t>
+            </a:r>
+            <a:r>
+              <a:rPr lang="en-US" altLang="ko-KR" sz="2800" dirty="0" smtClean="0">
+                <a:solidFill>
+                  <a:srgbClr val="FFFFFF">
+                    <a:lumMod val="50000"/>
+                  </a:srgbClr>
+                </a:solidFill>
+                <a:latin typeface="+mn-lt"/>
+                <a:ea typeface="+mn-ea"/>
+                <a:cs typeface="+mn-cs"/>
+              </a:rPr>
+              <a:t>– Hit test</a:t>
+            </a:r>
+            <a:endParaRPr lang="en-US" sz="4000" dirty="0">
               <a:latin typeface="+mn-lt"/>
               <a:ea typeface="+mn-ea"/>
               <a:cs typeface="+mn-cs"/>
@@ -15409,15 +15864,541 @@
           </a:p>
         </p:txBody>
       </p:sp>
+      <p:grpSp>
+        <p:nvGrpSpPr>
+          <p:cNvPr id="158" name="그룹 157"/>
+          <p:cNvGrpSpPr/>
+          <p:nvPr/>
+        </p:nvGrpSpPr>
+        <p:grpSpPr>
+          <a:xfrm>
+            <a:off x="3648170" y="3781101"/>
+            <a:ext cx="1576577" cy="428565"/>
+            <a:chOff x="3851920" y="1809753"/>
+            <a:chExt cx="1620181" cy="555688"/>
+          </a:xfrm>
+        </p:grpSpPr>
+        <p:sp>
+          <p:nvSpPr>
+            <p:cNvPr id="159" name="직사각형 158"/>
+            <p:cNvSpPr/>
+            <p:nvPr/>
+          </p:nvSpPr>
+          <p:spPr>
+            <a:xfrm>
+              <a:off x="3851920" y="1815666"/>
+              <a:ext cx="1620180" cy="45719"/>
+            </a:xfrm>
+            <a:prstGeom prst="rect">
+              <a:avLst/>
+            </a:prstGeom>
+            <a:solidFill>
+              <a:schemeClr val="tx1"/>
+            </a:solidFill>
+            <a:ln w="9525">
+              <a:noFill/>
+              <a:round/>
+            </a:ln>
+          </p:spPr>
+          <p:txBody>
+            <a:bodyPr vert="horz" wrap="square" lIns="91440" tIns="45720" rIns="91440" bIns="45720" numCol="1" rtlCol="0" anchor="t" anchorCtr="0" compatLnSpc="1">
+              <a:prstTxWarp prst="textNoShape">
+                <a:avLst/>
+              </a:prstTxWarp>
+            </a:bodyPr>
+            <a:lstStyle/>
+            <a:p>
+              <a:pPr algn="ctr"/>
+              <a:endParaRPr lang="ko-KR" altLang="en-US"/>
+            </a:p>
+          </p:txBody>
+        </p:sp>
+        <p:sp>
+          <p:nvSpPr>
+            <p:cNvPr id="160" name="직사각형 159"/>
+            <p:cNvSpPr/>
+            <p:nvPr/>
+          </p:nvSpPr>
+          <p:spPr>
+            <a:xfrm>
+              <a:off x="3851920" y="2319722"/>
+              <a:ext cx="1620180" cy="45719"/>
+            </a:xfrm>
+            <a:prstGeom prst="rect">
+              <a:avLst/>
+            </a:prstGeom>
+            <a:solidFill>
+              <a:schemeClr val="tx1"/>
+            </a:solidFill>
+            <a:ln w="9525">
+              <a:noFill/>
+              <a:round/>
+            </a:ln>
+          </p:spPr>
+          <p:txBody>
+            <a:bodyPr vert="horz" wrap="square" lIns="91440" tIns="45720" rIns="91440" bIns="45720" numCol="1" rtlCol="0" anchor="t" anchorCtr="0" compatLnSpc="1">
+              <a:prstTxWarp prst="textNoShape">
+                <a:avLst/>
+              </a:prstTxWarp>
+            </a:bodyPr>
+            <a:lstStyle/>
+            <a:p>
+              <a:pPr algn="ctr"/>
+              <a:endParaRPr lang="ko-KR" altLang="en-US"/>
+            </a:p>
+          </p:txBody>
+        </p:sp>
+        <p:sp>
+          <p:nvSpPr>
+            <p:cNvPr id="161" name="TextBox 160"/>
+            <p:cNvSpPr txBox="1"/>
+            <p:nvPr/>
+          </p:nvSpPr>
+          <p:spPr>
+            <a:xfrm>
+              <a:off x="3851921" y="1809753"/>
+              <a:ext cx="1620180" cy="538745"/>
+            </a:xfrm>
+            <a:prstGeom prst="rect">
+              <a:avLst/>
+            </a:prstGeom>
+          </p:spPr>
+          <p:txBody>
+            <a:bodyPr wrap="square" lIns="0" tIns="0" rIns="0" bIns="0" rtlCol="0" anchor="ctr">
+              <a:spAutoFit/>
+            </a:bodyPr>
+            <a:lstStyle/>
+            <a:p>
+              <a:pPr marL="0" indent="0" algn="ctr">
+                <a:lnSpc>
+                  <a:spcPct val="150000"/>
+                </a:lnSpc>
+                <a:buNone/>
+              </a:pPr>
+              <a:r>
+                <a:rPr lang="ko-KR" altLang="en-US" b="1" dirty="0" smtClean="0">
+                  <a:latin typeface="+mj-lt"/>
+                </a:rPr>
+                <a:t>원판</a:t>
+              </a:r>
+              <a:r>
+                <a:rPr lang="ko-KR" altLang="en-US" b="1" dirty="0">
+                  <a:latin typeface="+mj-lt"/>
+                </a:rPr>
+                <a:t>의</a:t>
+              </a:r>
+              <a:r>
+                <a:rPr lang="en-US" altLang="ko-KR" b="1" dirty="0" smtClean="0">
+                  <a:solidFill>
+                    <a:schemeClr val="tx1"/>
+                  </a:solidFill>
+                  <a:latin typeface="+mj-lt"/>
+                </a:rPr>
+                <a:t> </a:t>
+              </a:r>
+              <a:r>
+                <a:rPr lang="ko-KR" altLang="en-US" b="1" dirty="0" smtClean="0">
+                  <a:solidFill>
+                    <a:schemeClr val="tx1"/>
+                  </a:solidFill>
+                  <a:latin typeface="+mj-lt"/>
+                </a:rPr>
+                <a:t>좌표</a:t>
+              </a:r>
+            </a:p>
+          </p:txBody>
+        </p:sp>
+      </p:grpSp>
       <p:sp>
         <p:nvSpPr>
-          <p:cNvPr id="2" name="직사각형 1"/>
+          <p:cNvPr id="162" name="TextBox 161"/>
+          <p:cNvSpPr txBox="1"/>
+          <p:nvPr/>
+        </p:nvSpPr>
+        <p:spPr>
+          <a:xfrm>
+            <a:off x="5379330" y="3749771"/>
+            <a:ext cx="884858" cy="425758"/>
+          </a:xfrm>
+          <a:prstGeom prst="rect">
+            <a:avLst/>
+          </a:prstGeom>
+        </p:spPr>
+        <p:txBody>
+          <a:bodyPr wrap="none" lIns="0" tIns="0" rIns="0" bIns="0" rtlCol="0" anchor="ctr">
+            <a:spAutoFit/>
+          </a:bodyPr>
+          <a:lstStyle/>
+          <a:p>
+            <a:pPr marL="0" indent="0">
+              <a:lnSpc>
+                <a:spcPct val="150000"/>
+              </a:lnSpc>
+              <a:buNone/>
+            </a:pPr>
+            <a:r>
+              <a:rPr lang="ko-KR" altLang="en-US" sz="1000" b="1" dirty="0" smtClean="0">
+                <a:latin typeface="+mj-lt"/>
+              </a:rPr>
+              <a:t>원판의</a:t>
+            </a:r>
+            <a:r>
+              <a:rPr lang="en-US" altLang="ko-KR" sz="1000" b="1" dirty="0" smtClean="0">
+                <a:latin typeface="+mj-lt"/>
+              </a:rPr>
+              <a:t> </a:t>
+            </a:r>
+            <a:r>
+              <a:rPr lang="ko-KR" altLang="en-US" sz="1000" b="1" dirty="0" smtClean="0">
+                <a:latin typeface="+mj-lt"/>
+              </a:rPr>
+              <a:t>좌표 </a:t>
+            </a:r>
+            <a:r>
+              <a:rPr lang="ko-KR" altLang="en-US" sz="1000" b="1" dirty="0" smtClean="0">
+                <a:latin typeface="+mj-lt"/>
+              </a:rPr>
+              <a:t>값 </a:t>
+            </a:r>
+            <a:endParaRPr lang="en-US" altLang="ko-KR" sz="1000" b="1" dirty="0" smtClean="0">
+              <a:latin typeface="+mj-lt"/>
+            </a:endParaRPr>
+          </a:p>
+          <a:p>
+            <a:pPr marL="0" indent="0">
+              <a:lnSpc>
+                <a:spcPct val="150000"/>
+              </a:lnSpc>
+              <a:buNone/>
+            </a:pPr>
+            <a:r>
+              <a:rPr lang="en-US" altLang="ko-KR" sz="1000" b="1" dirty="0" smtClean="0">
+                <a:latin typeface="+mj-lt"/>
+              </a:rPr>
+              <a:t>(</a:t>
+            </a:r>
+            <a:r>
+              <a:rPr lang="en-US" altLang="ko-KR" sz="1000" b="1" dirty="0" smtClean="0">
+                <a:latin typeface="+mj-lt"/>
+              </a:rPr>
+              <a:t>x, y, z)</a:t>
+            </a:r>
+            <a:endParaRPr lang="ko-KR" altLang="en-US" sz="1000" b="1" dirty="0" smtClean="0">
+              <a:solidFill>
+                <a:schemeClr val="tx1"/>
+              </a:solidFill>
+              <a:latin typeface="+mj-lt"/>
+            </a:endParaRPr>
+          </a:p>
+        </p:txBody>
+      </p:sp>
+      <p:cxnSp>
+        <p:nvCxnSpPr>
+          <p:cNvPr id="163" name="직선 화살표 연결선 162"/>
+          <p:cNvCxnSpPr>
+            <a:stCxn id="65" idx="2"/>
+            <a:endCxn id="161" idx="3"/>
+          </p:cNvCxnSpPr>
+          <p:nvPr/>
+        </p:nvCxnSpPr>
+        <p:spPr>
+          <a:xfrm flipH="1" flipV="1">
+            <a:off x="5224747" y="3988850"/>
+            <a:ext cx="1077045" cy="3"/>
+          </a:xfrm>
+          <a:prstGeom prst="straightConnector1">
+            <a:avLst/>
+          </a:prstGeom>
+          <a:ln>
+            <a:tailEnd type="arrow"/>
+          </a:ln>
+        </p:spPr>
+        <p:style>
+          <a:lnRef idx="2">
+            <a:schemeClr val="accent1"/>
+          </a:lnRef>
+          <a:fillRef idx="0">
+            <a:schemeClr val="accent1"/>
+          </a:fillRef>
+          <a:effectRef idx="1">
+            <a:schemeClr val="accent1"/>
+          </a:effectRef>
+          <a:fontRef idx="minor">
+            <a:schemeClr val="tx1"/>
+          </a:fontRef>
+        </p:style>
+      </p:cxnSp>
+      <p:grpSp>
+        <p:nvGrpSpPr>
+          <p:cNvPr id="166" name="그룹 165"/>
+          <p:cNvGrpSpPr/>
+          <p:nvPr/>
+        </p:nvGrpSpPr>
+        <p:grpSpPr>
+          <a:xfrm>
+            <a:off x="5983755" y="1891277"/>
+            <a:ext cx="1576577" cy="428562"/>
+            <a:chOff x="3851920" y="1809757"/>
+            <a:chExt cx="1620181" cy="555684"/>
+          </a:xfrm>
+        </p:grpSpPr>
+        <p:sp>
+          <p:nvSpPr>
+            <p:cNvPr id="167" name="직사각형 166"/>
+            <p:cNvSpPr/>
+            <p:nvPr/>
+          </p:nvSpPr>
+          <p:spPr>
+            <a:xfrm>
+              <a:off x="3851920" y="1815666"/>
+              <a:ext cx="1620180" cy="45719"/>
+            </a:xfrm>
+            <a:prstGeom prst="rect">
+              <a:avLst/>
+            </a:prstGeom>
+            <a:solidFill>
+              <a:schemeClr val="tx1"/>
+            </a:solidFill>
+            <a:ln w="9525">
+              <a:noFill/>
+              <a:round/>
+            </a:ln>
+          </p:spPr>
+          <p:txBody>
+            <a:bodyPr vert="horz" wrap="square" lIns="91440" tIns="45720" rIns="91440" bIns="45720" numCol="1" rtlCol="0" anchor="t" anchorCtr="0" compatLnSpc="1">
+              <a:prstTxWarp prst="textNoShape">
+                <a:avLst/>
+              </a:prstTxWarp>
+            </a:bodyPr>
+            <a:lstStyle/>
+            <a:p>
+              <a:pPr algn="ctr"/>
+              <a:endParaRPr lang="ko-KR" altLang="en-US"/>
+            </a:p>
+          </p:txBody>
+        </p:sp>
+        <p:sp>
+          <p:nvSpPr>
+            <p:cNvPr id="168" name="직사각형 167"/>
+            <p:cNvSpPr/>
+            <p:nvPr/>
+          </p:nvSpPr>
+          <p:spPr>
+            <a:xfrm>
+              <a:off x="3851920" y="2319722"/>
+              <a:ext cx="1620180" cy="45719"/>
+            </a:xfrm>
+            <a:prstGeom prst="rect">
+              <a:avLst/>
+            </a:prstGeom>
+            <a:solidFill>
+              <a:schemeClr val="tx1"/>
+            </a:solidFill>
+            <a:ln w="9525">
+              <a:noFill/>
+              <a:round/>
+            </a:ln>
+          </p:spPr>
+          <p:txBody>
+            <a:bodyPr vert="horz" wrap="square" lIns="91440" tIns="45720" rIns="91440" bIns="45720" numCol="1" rtlCol="0" anchor="t" anchorCtr="0" compatLnSpc="1">
+              <a:prstTxWarp prst="textNoShape">
+                <a:avLst/>
+              </a:prstTxWarp>
+            </a:bodyPr>
+            <a:lstStyle/>
+            <a:p>
+              <a:pPr algn="ctr"/>
+              <a:endParaRPr lang="ko-KR" altLang="en-US"/>
+            </a:p>
+          </p:txBody>
+        </p:sp>
+        <p:sp>
+          <p:nvSpPr>
+            <p:cNvPr id="169" name="TextBox 168"/>
+            <p:cNvSpPr txBox="1"/>
+            <p:nvPr/>
+          </p:nvSpPr>
+          <p:spPr>
+            <a:xfrm>
+              <a:off x="3851921" y="1809757"/>
+              <a:ext cx="1620180" cy="538745"/>
+            </a:xfrm>
+            <a:prstGeom prst="rect">
+              <a:avLst/>
+            </a:prstGeom>
+          </p:spPr>
+          <p:txBody>
+            <a:bodyPr wrap="square" lIns="0" tIns="0" rIns="0" bIns="0" rtlCol="0" anchor="ctr">
+              <a:spAutoFit/>
+            </a:bodyPr>
+            <a:lstStyle/>
+            <a:p>
+              <a:pPr marL="0" indent="0" algn="ctr">
+                <a:lnSpc>
+                  <a:spcPct val="150000"/>
+                </a:lnSpc>
+                <a:buNone/>
+              </a:pPr>
+              <a:r>
+                <a:rPr lang="en-US" altLang="ko-KR" b="1" dirty="0" smtClean="0">
+                  <a:latin typeface="+mj-lt"/>
+                </a:rPr>
+                <a:t>AR</a:t>
+              </a:r>
+              <a:r>
+                <a:rPr lang="ko-KR" altLang="en-US" b="1" dirty="0" smtClean="0">
+                  <a:solidFill>
+                    <a:schemeClr val="tx1"/>
+                  </a:solidFill>
+                  <a:latin typeface="+mj-lt"/>
+                </a:rPr>
+                <a:t>공간 정보</a:t>
+              </a:r>
+              <a:endParaRPr lang="ko-KR" altLang="en-US" b="1" dirty="0" smtClean="0">
+                <a:solidFill>
+                  <a:schemeClr val="tx1"/>
+                </a:solidFill>
+                <a:latin typeface="+mj-lt"/>
+              </a:endParaRPr>
+            </a:p>
+          </p:txBody>
+        </p:sp>
+      </p:grpSp>
+      <p:cxnSp>
+        <p:nvCxnSpPr>
+          <p:cNvPr id="170" name="직선 화살표 연결선 169"/>
+          <p:cNvCxnSpPr>
+            <a:stCxn id="17" idx="6"/>
+            <a:endCxn id="169" idx="1"/>
+          </p:cNvCxnSpPr>
+          <p:nvPr/>
+        </p:nvCxnSpPr>
+        <p:spPr>
+          <a:xfrm>
+            <a:off x="4877390" y="2090752"/>
+            <a:ext cx="1106366" cy="8274"/>
+          </a:xfrm>
+          <a:prstGeom prst="straightConnector1">
+            <a:avLst/>
+          </a:prstGeom>
+          <a:ln>
+            <a:tailEnd type="arrow"/>
+          </a:ln>
+        </p:spPr>
+        <p:style>
+          <a:lnRef idx="2">
+            <a:schemeClr val="accent1"/>
+          </a:lnRef>
+          <a:fillRef idx="0">
+            <a:schemeClr val="accent1"/>
+          </a:fillRef>
+          <a:effectRef idx="1">
+            <a:schemeClr val="accent1"/>
+          </a:effectRef>
+          <a:fontRef idx="minor">
+            <a:schemeClr val="tx1"/>
+          </a:fontRef>
+        </p:style>
+      </p:cxnSp>
+      <p:sp>
+        <p:nvSpPr>
+          <p:cNvPr id="178" name="TextBox 177"/>
+          <p:cNvSpPr txBox="1"/>
+          <p:nvPr/>
+        </p:nvSpPr>
+        <p:spPr>
+          <a:xfrm>
+            <a:off x="4932040" y="1815666"/>
+            <a:ext cx="969817" cy="230832"/>
+          </a:xfrm>
+          <a:prstGeom prst="rect">
+            <a:avLst/>
+          </a:prstGeom>
+        </p:spPr>
+        <p:txBody>
+          <a:bodyPr wrap="none" lIns="0" tIns="0" rIns="0" bIns="0" rtlCol="0" anchor="ctr">
+            <a:spAutoFit/>
+          </a:bodyPr>
+          <a:lstStyle/>
+          <a:p>
+            <a:pPr marL="0" indent="0">
+              <a:lnSpc>
+                <a:spcPct val="150000"/>
+              </a:lnSpc>
+              <a:buNone/>
+            </a:pPr>
+            <a:r>
+              <a:rPr lang="ko-KR" altLang="en-US" sz="1000" b="1" dirty="0" smtClean="0">
+                <a:latin typeface="+mj-lt"/>
+              </a:rPr>
+              <a:t>바닥감지</a:t>
+            </a:r>
+            <a:r>
+              <a:rPr lang="en-US" altLang="ko-KR" sz="1000" b="1" dirty="0" smtClean="0">
+                <a:latin typeface="+mj-lt"/>
+              </a:rPr>
+              <a:t> </a:t>
+            </a:r>
+            <a:r>
+              <a:rPr lang="ko-KR" altLang="en-US" sz="1000" b="1" dirty="0" smtClean="0">
+                <a:latin typeface="+mj-lt"/>
+              </a:rPr>
+              <a:t>결과 값</a:t>
+            </a:r>
+            <a:endParaRPr lang="ko-KR" altLang="en-US" sz="1000" b="1" dirty="0" smtClean="0">
+              <a:solidFill>
+                <a:schemeClr val="tx1"/>
+              </a:solidFill>
+              <a:latin typeface="+mj-lt"/>
+            </a:endParaRPr>
+          </a:p>
+        </p:txBody>
+      </p:sp>
+      <p:cxnSp>
+        <p:nvCxnSpPr>
+          <p:cNvPr id="179" name="직선 화살표 연결선 178"/>
+          <p:cNvCxnSpPr>
+            <a:stCxn id="65" idx="6"/>
+            <a:endCxn id="182" idx="2"/>
+          </p:cNvCxnSpPr>
+          <p:nvPr/>
+        </p:nvCxnSpPr>
+        <p:spPr>
+          <a:xfrm flipV="1">
+            <a:off x="7308304" y="3480280"/>
+            <a:ext cx="882098" cy="508573"/>
+          </a:xfrm>
+          <a:prstGeom prst="curvedConnector2">
+            <a:avLst/>
+          </a:prstGeom>
+          <a:ln>
+            <a:tailEnd type="arrow"/>
+          </a:ln>
+        </p:spPr>
+        <p:style>
+          <a:lnRef idx="2">
+            <a:schemeClr val="accent1"/>
+          </a:lnRef>
+          <a:fillRef idx="0">
+            <a:schemeClr val="accent1"/>
+          </a:fillRef>
+          <a:effectRef idx="1">
+            <a:schemeClr val="accent1"/>
+          </a:effectRef>
+          <a:fontRef idx="minor">
+            <a:schemeClr val="tx1"/>
+          </a:fontRef>
+        </p:style>
+      </p:cxnSp>
+      <p:sp>
+        <p:nvSpPr>
+          <p:cNvPr id="182" name="직사각형 181"/>
           <p:cNvSpPr/>
           <p:nvPr/>
         </p:nvSpPr>
         <p:spPr>
           <a:xfrm>
-            <a:off x="293620" y="381333"/>
+            <a:off x="7524328" y="3111810"/>
             <a:ext cx="1332148" cy="368470"/>
           </a:xfrm>
           <a:prstGeom prst="rect">
@@ -15450,12 +16431,302 @@
             <a:pPr algn="ctr"/>
             <a:r>
               <a:rPr lang="en-US" altLang="ko-KR" dirty="0" smtClean="0"/>
-              <a:t>interior</a:t>
+              <a:t>AR</a:t>
+            </a:r>
+            <a:r>
+              <a:rPr lang="ko-KR" altLang="en-US" dirty="0" smtClean="0"/>
+              <a:t>화면</a:t>
             </a:r>
             <a:endParaRPr lang="ko-KR" altLang="en-US" dirty="0"/>
           </a:p>
         </p:txBody>
       </p:sp>
+      <p:sp>
+        <p:nvSpPr>
+          <p:cNvPr id="186" name="TextBox 185"/>
+          <p:cNvSpPr txBox="1"/>
+          <p:nvPr/>
+        </p:nvSpPr>
+        <p:spPr>
+          <a:xfrm>
+            <a:off x="7560331" y="3683638"/>
+            <a:ext cx="253274" cy="194925"/>
+          </a:xfrm>
+          <a:prstGeom prst="rect">
+            <a:avLst/>
+          </a:prstGeom>
+        </p:spPr>
+        <p:txBody>
+          <a:bodyPr wrap="none" lIns="0" tIns="0" rIns="0" bIns="0" rtlCol="0" anchor="ctr">
+            <a:spAutoFit/>
+          </a:bodyPr>
+          <a:lstStyle/>
+          <a:p>
+            <a:pPr marL="0" indent="0">
+              <a:lnSpc>
+                <a:spcPct val="150000"/>
+              </a:lnSpc>
+              <a:buNone/>
+            </a:pPr>
+            <a:r>
+              <a:rPr lang="ko-KR" altLang="en-US" sz="1000" b="1" dirty="0" smtClean="0">
+                <a:solidFill>
+                  <a:schemeClr val="tx1"/>
+                </a:solidFill>
+                <a:latin typeface="+mj-lt"/>
+              </a:rPr>
+              <a:t>원판</a:t>
+            </a:r>
+            <a:endParaRPr lang="ko-KR" altLang="en-US" sz="1000" b="1" dirty="0" smtClean="0">
+              <a:solidFill>
+                <a:schemeClr val="tx1"/>
+              </a:solidFill>
+              <a:latin typeface="+mj-lt"/>
+            </a:endParaRPr>
+          </a:p>
+        </p:txBody>
+      </p:sp>
+    </p:spTree>
+    <p:extLst>
+      <p:ext uri="{BB962C8B-B14F-4D97-AF65-F5344CB8AC3E}">
+        <p14:creationId xmlns:p14="http://schemas.microsoft.com/office/powerpoint/2010/main" val="637824602"/>
+      </p:ext>
+    </p:extLst>
+  </p:cSld>
+  <p:clrMapOvr>
+    <a:masterClrMapping/>
+  </p:clrMapOvr>
+  <mc:AlternateContent xmlns:mc="http://schemas.openxmlformats.org/markup-compatibility/2006" xmlns:p14="http://schemas.microsoft.com/office/powerpoint/2010/main">
+    <mc:Choice Requires="p14">
+      <p:transition spd="med" p14:dur="700" advTm="20000">
+        <p:fade/>
+      </p:transition>
+    </mc:Choice>
+    <mc:Fallback xmlns="">
+      <p:transition spd="med" advTm="20000">
+        <p:fade/>
+      </p:transition>
+    </mc:Fallback>
+  </mc:AlternateContent>
+  <p:timing>
+    <p:tnLst>
+      <p:par>
+        <p:cTn id="1" dur="indefinite" restart="never" nodeType="tmRoot"/>
+      </p:par>
+    </p:tnLst>
+  </p:timing>
+</p:sld>
+</file>
+
+<file path=ppt/slides/slide17.xml><?xml version="1.0" encoding="utf-8"?>
+<p:sld xmlns:a="http://schemas.openxmlformats.org/drawingml/2006/main" xmlns:r="http://schemas.openxmlformats.org/officeDocument/2006/relationships" xmlns:p="http://schemas.openxmlformats.org/presentationml/2006/main">
+  <p:cSld>
+    <p:spTree>
+      <p:nvGrpSpPr>
+        <p:cNvPr id="1" name=""/>
+        <p:cNvGrpSpPr/>
+        <p:nvPr/>
+      </p:nvGrpSpPr>
+      <p:grpSpPr>
+        <a:xfrm>
+          <a:off x="0" y="0"/>
+          <a:ext cx="0" cy="0"/>
+          <a:chOff x="0" y="0"/>
+          <a:chExt cx="0" cy="0"/>
+        </a:xfrm>
+      </p:grpSpPr>
+      <p:sp>
+        <p:nvSpPr>
+          <p:cNvPr id="2" name="직사각형 1"/>
+          <p:cNvSpPr/>
+          <p:nvPr/>
+        </p:nvSpPr>
+        <p:spPr>
+          <a:xfrm>
+            <a:off x="843535" y="1527440"/>
+            <a:ext cx="1332148" cy="368470"/>
+          </a:xfrm>
+          <a:prstGeom prst="rect">
+            <a:avLst/>
+          </a:prstGeom>
+          <a:ln/>
+        </p:spPr>
+        <p:style>
+          <a:lnRef idx="2">
+            <a:schemeClr val="dk1"/>
+          </a:lnRef>
+          <a:fillRef idx="1">
+            <a:schemeClr val="lt1"/>
+          </a:fillRef>
+          <a:effectRef idx="0">
+            <a:schemeClr val="dk1"/>
+          </a:effectRef>
+          <a:fontRef idx="minor">
+            <a:schemeClr val="dk1"/>
+          </a:fontRef>
+        </p:style>
+        <p:txBody>
+          <a:bodyPr vert="horz" wrap="square" lIns="91440" tIns="45720" rIns="91440" bIns="45720" numCol="1" rtlCol="0" anchor="t" anchorCtr="0" compatLnSpc="1">
+            <a:prstTxWarp prst="textNoShape">
+              <a:avLst/>
+            </a:prstTxWarp>
+          </a:bodyPr>
+          <a:lstStyle/>
+          <a:p>
+            <a:pPr algn="ctr"/>
+            <a:r>
+              <a:rPr lang="ko-KR" altLang="en-US" dirty="0" smtClean="0"/>
+              <a:t>사용자 폰</a:t>
+            </a:r>
+            <a:endParaRPr lang="ko-KR" altLang="en-US" dirty="0"/>
+          </a:p>
+        </p:txBody>
+      </p:sp>
+      <p:grpSp>
+        <p:nvGrpSpPr>
+          <p:cNvPr id="12" name="그룹 11"/>
+          <p:cNvGrpSpPr/>
+          <p:nvPr/>
+        </p:nvGrpSpPr>
+        <p:grpSpPr>
+          <a:xfrm>
+            <a:off x="3651847" y="3799369"/>
+            <a:ext cx="1576577" cy="428565"/>
+            <a:chOff x="3851920" y="1809753"/>
+            <a:chExt cx="1620181" cy="555688"/>
+          </a:xfrm>
+        </p:grpSpPr>
+        <p:sp>
+          <p:nvSpPr>
+            <p:cNvPr id="14" name="직사각형 13"/>
+            <p:cNvSpPr/>
+            <p:nvPr/>
+          </p:nvSpPr>
+          <p:spPr>
+            <a:xfrm>
+              <a:off x="3851920" y="1815666"/>
+              <a:ext cx="1620180" cy="45719"/>
+            </a:xfrm>
+            <a:prstGeom prst="rect">
+              <a:avLst/>
+            </a:prstGeom>
+            <a:solidFill>
+              <a:schemeClr val="tx1"/>
+            </a:solidFill>
+            <a:ln w="9525">
+              <a:noFill/>
+              <a:round/>
+            </a:ln>
+          </p:spPr>
+          <p:txBody>
+            <a:bodyPr vert="horz" wrap="square" lIns="91440" tIns="45720" rIns="91440" bIns="45720" numCol="1" rtlCol="0" anchor="t" anchorCtr="0" compatLnSpc="1">
+              <a:prstTxWarp prst="textNoShape">
+                <a:avLst/>
+              </a:prstTxWarp>
+            </a:bodyPr>
+            <a:lstStyle/>
+            <a:p>
+              <a:pPr algn="ctr"/>
+              <a:endParaRPr lang="ko-KR" altLang="en-US"/>
+            </a:p>
+          </p:txBody>
+        </p:sp>
+        <p:sp>
+          <p:nvSpPr>
+            <p:cNvPr id="15" name="직사각형 14"/>
+            <p:cNvSpPr/>
+            <p:nvPr/>
+          </p:nvSpPr>
+          <p:spPr>
+            <a:xfrm>
+              <a:off x="3851920" y="2319722"/>
+              <a:ext cx="1620180" cy="45719"/>
+            </a:xfrm>
+            <a:prstGeom prst="rect">
+              <a:avLst/>
+            </a:prstGeom>
+            <a:solidFill>
+              <a:schemeClr val="tx1"/>
+            </a:solidFill>
+            <a:ln w="9525">
+              <a:noFill/>
+              <a:round/>
+            </a:ln>
+          </p:spPr>
+          <p:txBody>
+            <a:bodyPr vert="horz" wrap="square" lIns="91440" tIns="45720" rIns="91440" bIns="45720" numCol="1" rtlCol="0" anchor="t" anchorCtr="0" compatLnSpc="1">
+              <a:prstTxWarp prst="textNoShape">
+                <a:avLst/>
+              </a:prstTxWarp>
+            </a:bodyPr>
+            <a:lstStyle/>
+            <a:p>
+              <a:pPr algn="ctr"/>
+              <a:endParaRPr lang="ko-KR" altLang="en-US"/>
+            </a:p>
+          </p:txBody>
+        </p:sp>
+        <p:sp>
+          <p:nvSpPr>
+            <p:cNvPr id="16" name="TextBox 15"/>
+            <p:cNvSpPr txBox="1"/>
+            <p:nvPr/>
+          </p:nvSpPr>
+          <p:spPr>
+            <a:xfrm>
+              <a:off x="3851921" y="1809753"/>
+              <a:ext cx="1620180" cy="538745"/>
+            </a:xfrm>
+            <a:prstGeom prst="rect">
+              <a:avLst/>
+            </a:prstGeom>
+          </p:spPr>
+          <p:txBody>
+            <a:bodyPr wrap="square" lIns="0" tIns="0" rIns="0" bIns="0" rtlCol="0" anchor="ctr">
+              <a:spAutoFit/>
+            </a:bodyPr>
+            <a:lstStyle/>
+            <a:p>
+              <a:pPr marL="0" indent="0" algn="ctr">
+                <a:lnSpc>
+                  <a:spcPct val="150000"/>
+                </a:lnSpc>
+                <a:buNone/>
+              </a:pPr>
+              <a:r>
+                <a:rPr lang="ko-KR" altLang="en-US" b="1" dirty="0" smtClean="0">
+                  <a:latin typeface="+mj-lt"/>
+                </a:rPr>
+                <a:t>원판</a:t>
+              </a:r>
+              <a:r>
+                <a:rPr lang="ko-KR" altLang="en-US" b="1" dirty="0">
+                  <a:latin typeface="+mj-lt"/>
+                </a:rPr>
+                <a:t>의</a:t>
+              </a:r>
+              <a:r>
+                <a:rPr lang="en-US" altLang="ko-KR" b="1" dirty="0" smtClean="0">
+                  <a:solidFill>
+                    <a:schemeClr val="tx1"/>
+                  </a:solidFill>
+                  <a:latin typeface="+mj-lt"/>
+                </a:rPr>
+                <a:t> </a:t>
+              </a:r>
+              <a:r>
+                <a:rPr lang="ko-KR" altLang="en-US" b="1" dirty="0" smtClean="0">
+                  <a:solidFill>
+                    <a:schemeClr val="tx1"/>
+                  </a:solidFill>
+                  <a:latin typeface="+mj-lt"/>
+                </a:rPr>
+                <a:t>좌표</a:t>
+              </a:r>
+            </a:p>
+          </p:txBody>
+        </p:sp>
+      </p:grpSp>
       <p:sp>
         <p:nvSpPr>
           <p:cNvPr id="3" name="타원 2"/>
@@ -15464,7 +16735,7 @@
         </p:nvSpPr>
         <p:spPr>
           <a:xfrm>
-            <a:off x="3879134" y="1142158"/>
+            <a:off x="6263903" y="2391730"/>
             <a:ext cx="1276376" cy="855312"/>
           </a:xfrm>
           <a:prstGeom prst="ellipse">
@@ -15497,18 +16768,11 @@
             <a:pPr algn="ctr"/>
             <a:r>
               <a:rPr lang="ko-KR" altLang="en-US" sz="1200" dirty="0" smtClean="0"/>
-              <a:t>물체 생성</a:t>
+              <a:t>물체 </a:t>
             </a:r>
             <a:r>
-              <a:rPr lang="en-US" altLang="ko-KR" sz="1200" dirty="0" smtClean="0"/>
-              <a:t>,</a:t>
-            </a:r>
-          </a:p>
-          <a:p>
-            <a:pPr algn="ctr"/>
-            <a:r>
               <a:rPr lang="ko-KR" altLang="en-US" sz="1200" dirty="0" smtClean="0"/>
-              <a:t>원판 변경</a:t>
+              <a:t>생성 및 원판변경</a:t>
             </a:r>
             <a:endParaRPr lang="en-US" altLang="ko-KR" sz="1200" dirty="0" smtClean="0"/>
           </a:p>
@@ -15522,10 +16786,10 @@
         </p:nvGrpSpPr>
         <p:grpSpPr>
           <a:xfrm>
-            <a:off x="3688135" y="3481658"/>
-            <a:ext cx="1332148" cy="424005"/>
-            <a:chOff x="3851920" y="1815666"/>
-            <a:chExt cx="1620180" cy="549775"/>
+            <a:off x="3759859" y="2633560"/>
+            <a:ext cx="1332148" cy="428878"/>
+            <a:chOff x="3851920" y="1809348"/>
+            <a:chExt cx="1620180" cy="556093"/>
           </a:xfrm>
         </p:grpSpPr>
         <p:sp>
@@ -15606,8 +16870,8 @@
           </p:nvSpPr>
           <p:spPr>
             <a:xfrm>
-              <a:off x="3851920" y="1861385"/>
-              <a:ext cx="1620180" cy="350865"/>
+              <a:off x="3851920" y="1809348"/>
+              <a:ext cx="1620180" cy="454940"/>
             </a:xfrm>
             <a:prstGeom prst="rect">
               <a:avLst/>
@@ -15632,29 +16896,682 @@
                   </a:solidFill>
                   <a:latin typeface="+mj-lt"/>
                 </a:rPr>
-                <a:t>제어판 변수</a:t>
+                <a:t>제어판</a:t>
               </a:r>
+              <a:r>
+                <a:rPr lang="en-US" altLang="ko-KR" b="1" dirty="0" smtClean="0">
+                  <a:solidFill>
+                    <a:schemeClr val="tx1"/>
+                  </a:solidFill>
+                  <a:latin typeface="+mj-lt"/>
+                </a:rPr>
+                <a:t>(</a:t>
+              </a:r>
+              <a:r>
+                <a:rPr lang="ko-KR" altLang="en-US" b="1" dirty="0">
+                  <a:latin typeface="+mj-lt"/>
+                </a:rPr>
+                <a:t>값</a:t>
+              </a:r>
+              <a:r>
+                <a:rPr lang="en-US" altLang="ko-KR" b="1" dirty="0" smtClean="0">
+                  <a:solidFill>
+                    <a:schemeClr val="tx1"/>
+                  </a:solidFill>
+                  <a:latin typeface="+mj-lt"/>
+                </a:rPr>
+                <a:t>)</a:t>
+              </a:r>
+              <a:endParaRPr lang="ko-KR" altLang="en-US" b="1" dirty="0" smtClean="0">
+                <a:solidFill>
+                  <a:schemeClr val="tx1"/>
+                </a:solidFill>
+                <a:latin typeface="+mj-lt"/>
+              </a:endParaRPr>
             </a:p>
           </p:txBody>
         </p:sp>
       </p:grpSp>
+      <p:sp>
+        <p:nvSpPr>
+          <p:cNvPr id="77" name="TextBox 76"/>
+          <p:cNvSpPr txBox="1"/>
+          <p:nvPr/>
+        </p:nvSpPr>
+        <p:spPr>
+          <a:xfrm>
+            <a:off x="5452047" y="3543858"/>
+            <a:ext cx="843180" cy="230832"/>
+          </a:xfrm>
+          <a:prstGeom prst="rect">
+            <a:avLst/>
+          </a:prstGeom>
+        </p:spPr>
+        <p:txBody>
+          <a:bodyPr wrap="none" lIns="0" tIns="0" rIns="0" bIns="0" rtlCol="0" anchor="ctr">
+            <a:spAutoFit/>
+          </a:bodyPr>
+          <a:lstStyle/>
+          <a:p>
+            <a:pPr marL="0" indent="0">
+              <a:lnSpc>
+                <a:spcPct val="150000"/>
+              </a:lnSpc>
+              <a:buNone/>
+            </a:pPr>
+            <a:r>
+              <a:rPr lang="ko-KR" altLang="en-US" sz="1000" b="1" dirty="0" smtClean="0">
+                <a:latin typeface="+mj-lt"/>
+              </a:rPr>
+              <a:t>원판의</a:t>
+            </a:r>
+            <a:r>
+              <a:rPr lang="en-US" altLang="ko-KR" sz="1000" b="1" dirty="0" smtClean="0">
+                <a:latin typeface="+mj-lt"/>
+              </a:rPr>
+              <a:t> </a:t>
+            </a:r>
+            <a:r>
+              <a:rPr lang="ko-KR" altLang="en-US" sz="1000" b="1" dirty="0" smtClean="0">
+                <a:latin typeface="+mj-lt"/>
+              </a:rPr>
+              <a:t>좌표 값</a:t>
+            </a:r>
+            <a:endParaRPr lang="ko-KR" altLang="en-US" sz="1000" b="1" dirty="0" smtClean="0">
+              <a:solidFill>
+                <a:schemeClr val="tx1"/>
+              </a:solidFill>
+              <a:latin typeface="+mj-lt"/>
+            </a:endParaRPr>
+          </a:p>
+        </p:txBody>
+      </p:sp>
+      <p:cxnSp>
+        <p:nvCxnSpPr>
+          <p:cNvPr id="80" name="직선 화살표 연결선 79"/>
+          <p:cNvCxnSpPr>
+            <a:stCxn id="2" idx="3"/>
+            <a:endCxn id="142" idx="2"/>
+          </p:cNvCxnSpPr>
+          <p:nvPr/>
+        </p:nvCxnSpPr>
+        <p:spPr>
+          <a:xfrm>
+            <a:off x="2175683" y="1711675"/>
+            <a:ext cx="541660" cy="0"/>
+          </a:xfrm>
+          <a:prstGeom prst="straightConnector1">
+            <a:avLst/>
+          </a:prstGeom>
+          <a:ln>
+            <a:tailEnd type="arrow"/>
+          </a:ln>
+        </p:spPr>
+        <p:style>
+          <a:lnRef idx="2">
+            <a:schemeClr val="accent6"/>
+          </a:lnRef>
+          <a:fillRef idx="0">
+            <a:schemeClr val="accent6"/>
+          </a:fillRef>
+          <a:effectRef idx="1">
+            <a:schemeClr val="accent6"/>
+          </a:effectRef>
+          <a:fontRef idx="minor">
+            <a:schemeClr val="tx1"/>
+          </a:fontRef>
+        </p:style>
+      </p:cxnSp>
+      <p:cxnSp>
+        <p:nvCxnSpPr>
+          <p:cNvPr id="83" name="직선 화살표 연결선 82"/>
+          <p:cNvCxnSpPr>
+            <a:stCxn id="97" idx="6"/>
+            <a:endCxn id="3" idx="0"/>
+          </p:cNvCxnSpPr>
+          <p:nvPr/>
+        </p:nvCxnSpPr>
+        <p:spPr>
+          <a:xfrm>
+            <a:off x="6203167" y="1694708"/>
+            <a:ext cx="698924" cy="697022"/>
+          </a:xfrm>
+          <a:prstGeom prst="curvedConnector2">
+            <a:avLst/>
+          </a:prstGeom>
+          <a:ln>
+            <a:tailEnd type="arrow"/>
+          </a:ln>
+        </p:spPr>
+        <p:style>
+          <a:lnRef idx="2">
+            <a:schemeClr val="accent6"/>
+          </a:lnRef>
+          <a:fillRef idx="0">
+            <a:schemeClr val="accent6"/>
+          </a:fillRef>
+          <a:effectRef idx="1">
+            <a:schemeClr val="accent6"/>
+          </a:effectRef>
+          <a:fontRef idx="minor">
+            <a:schemeClr val="tx1"/>
+          </a:fontRef>
+        </p:style>
+      </p:cxnSp>
+      <p:sp>
+        <p:nvSpPr>
+          <p:cNvPr id="102" name="TextBox 101"/>
+          <p:cNvSpPr txBox="1"/>
+          <p:nvPr/>
+        </p:nvSpPr>
+        <p:spPr>
+          <a:xfrm>
+            <a:off x="3739368" y="1455626"/>
+            <a:ext cx="1496655" cy="194925"/>
+          </a:xfrm>
+          <a:prstGeom prst="rect">
+            <a:avLst/>
+          </a:prstGeom>
+        </p:spPr>
+        <p:txBody>
+          <a:bodyPr wrap="square" lIns="0" tIns="0" rIns="0" bIns="0" rtlCol="0" anchor="ctr">
+            <a:spAutoFit/>
+          </a:bodyPr>
+          <a:lstStyle/>
+          <a:p>
+            <a:pPr>
+              <a:lnSpc>
+                <a:spcPct val="150000"/>
+              </a:lnSpc>
+            </a:pPr>
+            <a:r>
+              <a:rPr lang="en-US" altLang="ko-KR" sz="1000" b="1" dirty="0" smtClean="0">
+                <a:latin typeface="+mj-lt"/>
+              </a:rPr>
+              <a:t>3D </a:t>
+            </a:r>
+            <a:r>
+              <a:rPr lang="ko-KR" altLang="en-US" sz="1000" b="1" dirty="0" smtClean="0">
+                <a:latin typeface="+mj-lt"/>
+              </a:rPr>
+              <a:t>모델 </a:t>
+            </a:r>
+            <a:r>
+              <a:rPr lang="ko-KR" altLang="en-US" sz="1000" b="1" dirty="0" smtClean="0"/>
+              <a:t>경로 </a:t>
+            </a:r>
+            <a:r>
+              <a:rPr lang="ko-KR" altLang="en-US" sz="1000" b="1" dirty="0"/>
+              <a:t>및 파일 </a:t>
+            </a:r>
+            <a:r>
+              <a:rPr lang="ko-KR" altLang="en-US" sz="1000" b="1" dirty="0" smtClean="0"/>
+              <a:t>명</a:t>
+            </a:r>
+            <a:endParaRPr lang="ko-KR" altLang="en-US" sz="1000" b="1" dirty="0"/>
+          </a:p>
+        </p:txBody>
+      </p:sp>
+      <p:sp>
+        <p:nvSpPr>
+          <p:cNvPr id="109" name="TextBox 108"/>
+          <p:cNvSpPr txBox="1"/>
+          <p:nvPr/>
+        </p:nvSpPr>
+        <p:spPr>
+          <a:xfrm>
+            <a:off x="5341861" y="2558277"/>
+            <a:ext cx="766235" cy="230832"/>
+          </a:xfrm>
+          <a:prstGeom prst="rect">
+            <a:avLst/>
+          </a:prstGeom>
+        </p:spPr>
+        <p:txBody>
+          <a:bodyPr wrap="none" lIns="0" tIns="0" rIns="0" bIns="0" rtlCol="0" anchor="ctr">
+            <a:spAutoFit/>
+          </a:bodyPr>
+          <a:lstStyle/>
+          <a:p>
+            <a:pPr marL="0" indent="0">
+              <a:lnSpc>
+                <a:spcPct val="150000"/>
+              </a:lnSpc>
+              <a:buNone/>
+            </a:pPr>
+            <a:r>
+              <a:rPr lang="ko-KR" altLang="en-US" sz="1000" b="1" dirty="0" smtClean="0">
+                <a:solidFill>
+                  <a:schemeClr val="tx1"/>
+                </a:solidFill>
+                <a:latin typeface="+mj-lt"/>
+              </a:rPr>
+              <a:t>모드 </a:t>
+            </a:r>
+            <a:r>
+              <a:rPr lang="en-US" altLang="ko-KR" sz="1000" b="1" dirty="0" smtClean="0">
+                <a:solidFill>
+                  <a:schemeClr val="tx1"/>
+                </a:solidFill>
+                <a:latin typeface="+mj-lt"/>
+              </a:rPr>
+              <a:t>= select</a:t>
+            </a:r>
+            <a:endParaRPr lang="ko-KR" altLang="en-US" sz="1000" b="1" dirty="0" smtClean="0">
+              <a:solidFill>
+                <a:schemeClr val="tx1"/>
+              </a:solidFill>
+              <a:latin typeface="+mj-lt"/>
+            </a:endParaRPr>
+          </a:p>
+        </p:txBody>
+      </p:sp>
+      <p:sp>
+        <p:nvSpPr>
+          <p:cNvPr id="128" name="Title 1"/>
+          <p:cNvSpPr txBox="1"/>
+          <p:nvPr/>
+        </p:nvSpPr>
+        <p:spPr>
+          <a:xfrm>
+            <a:off x="381000" y="303498"/>
+            <a:ext cx="8368363" cy="495383"/>
+          </a:xfrm>
+          <a:prstGeom prst="rect">
+            <a:avLst/>
+          </a:prstGeom>
+        </p:spPr>
+        <p:txBody>
+          <a:bodyPr/>
+          <a:lstStyle>
+            <a:lvl1pPr algn="ctr" defTabSz="914400" rtl="0" eaLnBrk="1" latinLnBrk="0" hangingPunct="1">
+              <a:spcBef>
+                <a:spcPct val="0"/>
+              </a:spcBef>
+              <a:buNone/>
+              <a:defRPr sz="4400" kern="1200">
+                <a:solidFill>
+                  <a:schemeClr val="tx1"/>
+                </a:solidFill>
+                <a:latin typeface="+mj-lt"/>
+                <a:ea typeface="+mj-ea"/>
+                <a:cs typeface="+mj-cs"/>
+              </a:defRPr>
+            </a:lvl1pPr>
+          </a:lstStyle>
+          <a:p>
+            <a:pPr lvl="0">
+              <a:defRPr lang="ko-KR" altLang="en-US"/>
+            </a:pPr>
+            <a:r>
+              <a:rPr lang="ko-KR" altLang="en-US" sz="2800" dirty="0" smtClean="0">
+                <a:solidFill>
+                  <a:srgbClr val="FFFFFF">
+                    <a:lumMod val="50000"/>
+                  </a:srgbClr>
+                </a:solidFill>
+                <a:latin typeface="+mn-lt"/>
+                <a:ea typeface="+mn-ea"/>
+                <a:cs typeface="+mn-cs"/>
+              </a:rPr>
+              <a:t>데이터 </a:t>
+            </a:r>
+            <a:r>
+              <a:rPr lang="ko-KR" altLang="en-US" sz="2800" dirty="0" smtClean="0">
+                <a:solidFill>
+                  <a:srgbClr val="FFFFFF">
+                    <a:lumMod val="50000"/>
+                  </a:srgbClr>
+                </a:solidFill>
+                <a:latin typeface="+mn-lt"/>
+                <a:ea typeface="+mn-ea"/>
+                <a:cs typeface="+mn-cs"/>
+              </a:rPr>
+              <a:t>흐름도 </a:t>
+            </a:r>
+            <a:r>
+              <a:rPr lang="en-US" altLang="ko-KR" sz="2800" dirty="0" smtClean="0">
+                <a:solidFill>
+                  <a:srgbClr val="FFFFFF">
+                    <a:lumMod val="50000"/>
+                  </a:srgbClr>
+                </a:solidFill>
+                <a:latin typeface="+mn-lt"/>
+                <a:ea typeface="+mn-ea"/>
+                <a:cs typeface="+mn-cs"/>
+              </a:rPr>
+              <a:t>– interior</a:t>
+            </a:r>
+            <a:r>
+              <a:rPr lang="ko-KR" altLang="en-US" sz="2800" dirty="0" smtClean="0">
+                <a:solidFill>
+                  <a:srgbClr val="FFFFFF">
+                    <a:lumMod val="50000"/>
+                  </a:srgbClr>
+                </a:solidFill>
+                <a:latin typeface="+mn-lt"/>
+                <a:ea typeface="+mn-ea"/>
+                <a:cs typeface="+mn-cs"/>
+              </a:rPr>
+              <a:t> 모드 </a:t>
+            </a:r>
+            <a:endParaRPr lang="en-US" sz="4000" dirty="0">
+              <a:latin typeface="+mn-lt"/>
+              <a:ea typeface="+mn-ea"/>
+              <a:cs typeface="+mn-cs"/>
+            </a:endParaRPr>
+          </a:p>
+        </p:txBody>
+      </p:sp>
+      <p:sp>
+        <p:nvSpPr>
+          <p:cNvPr id="142" name="타원 141"/>
+          <p:cNvSpPr/>
+          <p:nvPr/>
+        </p:nvSpPr>
+        <p:spPr>
+          <a:xfrm>
+            <a:off x="2717343" y="1364581"/>
+            <a:ext cx="1006512" cy="694187"/>
+          </a:xfrm>
+          <a:prstGeom prst="ellipse">
+            <a:avLst/>
+          </a:prstGeom>
+          <a:ln/>
+        </p:spPr>
+        <p:style>
+          <a:lnRef idx="2">
+            <a:schemeClr val="dk1"/>
+          </a:lnRef>
+          <a:fillRef idx="1">
+            <a:schemeClr val="lt1"/>
+          </a:fillRef>
+          <a:effectRef idx="0">
+            <a:schemeClr val="dk1"/>
+          </a:effectRef>
+          <a:fontRef idx="minor">
+            <a:schemeClr val="dk1"/>
+          </a:fontRef>
+        </p:style>
+        <p:txBody>
+          <a:bodyPr vert="horz" wrap="square" lIns="91440" tIns="45720" rIns="91440" bIns="45720" numCol="1" rtlCol="0" anchor="ctr" anchorCtr="0" compatLnSpc="1">
+            <a:prstTxWarp prst="textNoShape">
+              <a:avLst/>
+            </a:prstTxWarp>
+          </a:bodyPr>
+          <a:lstStyle/>
+          <a:p>
+            <a:pPr algn="ctr"/>
+            <a:r>
+              <a:rPr lang="ko-KR" altLang="en-US" sz="1200" dirty="0" smtClean="0"/>
+              <a:t>화면을 터치</a:t>
+            </a:r>
+            <a:endParaRPr lang="ko-KR" altLang="en-US" sz="1200" dirty="0"/>
+          </a:p>
+        </p:txBody>
+      </p:sp>
+      <p:cxnSp>
+        <p:nvCxnSpPr>
+          <p:cNvPr id="48" name="직선 화살표 연결선 47"/>
+          <p:cNvCxnSpPr>
+            <a:stCxn id="10" idx="1"/>
+            <a:endCxn id="142" idx="4"/>
+          </p:cNvCxnSpPr>
+          <p:nvPr/>
+        </p:nvCxnSpPr>
+        <p:spPr>
+          <a:xfrm rot="10800000">
+            <a:off x="3220599" y="2058769"/>
+            <a:ext cx="539260" cy="750225"/>
+          </a:xfrm>
+          <a:prstGeom prst="curvedConnector2">
+            <a:avLst/>
+          </a:prstGeom>
+          <a:ln>
+            <a:tailEnd type="arrow"/>
+          </a:ln>
+        </p:spPr>
+        <p:style>
+          <a:lnRef idx="2">
+            <a:schemeClr val="accent6"/>
+          </a:lnRef>
+          <a:fillRef idx="0">
+            <a:schemeClr val="accent6"/>
+          </a:fillRef>
+          <a:effectRef idx="1">
+            <a:schemeClr val="accent6"/>
+          </a:effectRef>
+          <a:fontRef idx="minor">
+            <a:schemeClr val="tx1"/>
+          </a:fontRef>
+        </p:style>
+      </p:cxnSp>
+      <p:sp>
+        <p:nvSpPr>
+          <p:cNvPr id="59" name="TextBox 58"/>
+          <p:cNvSpPr txBox="1"/>
+          <p:nvPr/>
+        </p:nvSpPr>
+        <p:spPr>
+          <a:xfrm>
+            <a:off x="3350307" y="2271502"/>
+            <a:ext cx="1496655" cy="194925"/>
+          </a:xfrm>
+          <a:prstGeom prst="rect">
+            <a:avLst/>
+          </a:prstGeom>
+        </p:spPr>
+        <p:txBody>
+          <a:bodyPr wrap="square" lIns="0" tIns="0" rIns="0" bIns="0" rtlCol="0" anchor="ctr">
+            <a:spAutoFit/>
+          </a:bodyPr>
+          <a:lstStyle/>
+          <a:p>
+            <a:pPr>
+              <a:lnSpc>
+                <a:spcPct val="150000"/>
+              </a:lnSpc>
+            </a:pPr>
+            <a:r>
+              <a:rPr lang="en-US" altLang="ko-KR" sz="1000" b="1" dirty="0" smtClean="0">
+                <a:latin typeface="+mj-lt"/>
+              </a:rPr>
+              <a:t>3D </a:t>
+            </a:r>
+            <a:r>
+              <a:rPr lang="ko-KR" altLang="en-US" sz="1000" b="1" dirty="0" smtClean="0">
+                <a:latin typeface="+mj-lt"/>
+              </a:rPr>
+              <a:t>모델 </a:t>
+            </a:r>
+            <a:r>
+              <a:rPr lang="ko-KR" altLang="en-US" sz="1000" b="1" dirty="0" smtClean="0"/>
+              <a:t>경로 </a:t>
+            </a:r>
+            <a:r>
+              <a:rPr lang="ko-KR" altLang="en-US" sz="1000" b="1" dirty="0"/>
+              <a:t>및 파일 </a:t>
+            </a:r>
+            <a:r>
+              <a:rPr lang="ko-KR" altLang="en-US" sz="1000" b="1" dirty="0" smtClean="0"/>
+              <a:t>명</a:t>
+            </a:r>
+            <a:endParaRPr lang="ko-KR" altLang="en-US" sz="1000" b="1" dirty="0"/>
+          </a:p>
+        </p:txBody>
+      </p:sp>
+      <p:cxnSp>
+        <p:nvCxnSpPr>
+          <p:cNvPr id="61" name="직선 화살표 연결선 60"/>
+          <p:cNvCxnSpPr>
+            <a:stCxn id="142" idx="6"/>
+            <a:endCxn id="97" idx="2"/>
+          </p:cNvCxnSpPr>
+          <p:nvPr/>
+        </p:nvCxnSpPr>
+        <p:spPr>
+          <a:xfrm flipV="1">
+            <a:off x="3723855" y="1694708"/>
+            <a:ext cx="1472800" cy="16967"/>
+          </a:xfrm>
+          <a:prstGeom prst="straightConnector1">
+            <a:avLst/>
+          </a:prstGeom>
+          <a:ln>
+            <a:tailEnd type="arrow"/>
+          </a:ln>
+        </p:spPr>
+        <p:style>
+          <a:lnRef idx="2">
+            <a:schemeClr val="accent6"/>
+          </a:lnRef>
+          <a:fillRef idx="0">
+            <a:schemeClr val="accent6"/>
+          </a:fillRef>
+          <a:effectRef idx="1">
+            <a:schemeClr val="accent6"/>
+          </a:effectRef>
+          <a:fontRef idx="minor">
+            <a:schemeClr val="tx1"/>
+          </a:fontRef>
+        </p:style>
+      </p:cxnSp>
+      <p:cxnSp>
+        <p:nvCxnSpPr>
+          <p:cNvPr id="82" name="직선 화살표 연결선 81"/>
+          <p:cNvCxnSpPr>
+            <a:stCxn id="3" idx="2"/>
+            <a:endCxn id="10" idx="3"/>
+          </p:cNvCxnSpPr>
+          <p:nvPr/>
+        </p:nvCxnSpPr>
+        <p:spPr>
+          <a:xfrm flipH="1" flipV="1">
+            <a:off x="5092007" y="2808993"/>
+            <a:ext cx="1171896" cy="10393"/>
+          </a:xfrm>
+          <a:prstGeom prst="straightConnector1">
+            <a:avLst/>
+          </a:prstGeom>
+          <a:ln>
+            <a:tailEnd type="arrow"/>
+          </a:ln>
+        </p:spPr>
+        <p:style>
+          <a:lnRef idx="2">
+            <a:schemeClr val="accent6"/>
+          </a:lnRef>
+          <a:fillRef idx="0">
+            <a:schemeClr val="accent6"/>
+          </a:fillRef>
+          <a:effectRef idx="1">
+            <a:schemeClr val="accent6"/>
+          </a:effectRef>
+          <a:fontRef idx="minor">
+            <a:schemeClr val="tx1"/>
+          </a:fontRef>
+        </p:style>
+      </p:cxnSp>
+      <p:cxnSp>
+        <p:nvCxnSpPr>
+          <p:cNvPr id="84" name="직선 화살표 연결선 83"/>
+          <p:cNvCxnSpPr>
+            <a:stCxn id="16" idx="3"/>
+            <a:endCxn id="3" idx="4"/>
+          </p:cNvCxnSpPr>
+          <p:nvPr/>
+        </p:nvCxnSpPr>
+        <p:spPr>
+          <a:xfrm flipV="1">
+            <a:off x="5228424" y="3247042"/>
+            <a:ext cx="1673667" cy="760076"/>
+          </a:xfrm>
+          <a:prstGeom prst="curvedConnector2">
+            <a:avLst/>
+          </a:prstGeom>
+          <a:ln>
+            <a:tailEnd type="arrow"/>
+          </a:ln>
+        </p:spPr>
+        <p:style>
+          <a:lnRef idx="2">
+            <a:schemeClr val="accent6"/>
+          </a:lnRef>
+          <a:fillRef idx="0">
+            <a:schemeClr val="accent6"/>
+          </a:fillRef>
+          <a:effectRef idx="1">
+            <a:schemeClr val="accent6"/>
+          </a:effectRef>
+          <a:fontRef idx="minor">
+            <a:schemeClr val="tx1"/>
+          </a:fontRef>
+        </p:style>
+      </p:cxnSp>
+      <p:sp>
+        <p:nvSpPr>
+          <p:cNvPr id="97" name="타원 96"/>
+          <p:cNvSpPr/>
+          <p:nvPr/>
+        </p:nvSpPr>
+        <p:spPr>
+          <a:xfrm>
+            <a:off x="5196655" y="1347614"/>
+            <a:ext cx="1006512" cy="694187"/>
+          </a:xfrm>
+          <a:prstGeom prst="ellipse">
+            <a:avLst/>
+          </a:prstGeom>
+          <a:ln/>
+        </p:spPr>
+        <p:style>
+          <a:lnRef idx="2">
+            <a:schemeClr val="dk1"/>
+          </a:lnRef>
+          <a:fillRef idx="1">
+            <a:schemeClr val="lt1"/>
+          </a:fillRef>
+          <a:effectRef idx="0">
+            <a:schemeClr val="dk1"/>
+          </a:effectRef>
+          <a:fontRef idx="minor">
+            <a:schemeClr val="dk1"/>
+          </a:fontRef>
+        </p:style>
+        <p:txBody>
+          <a:bodyPr vert="horz" wrap="square" lIns="91440" tIns="45720" rIns="91440" bIns="45720" numCol="1" rtlCol="0" anchor="ctr" anchorCtr="0" compatLnSpc="1">
+            <a:prstTxWarp prst="textNoShape">
+              <a:avLst/>
+            </a:prstTxWarp>
+          </a:bodyPr>
+          <a:lstStyle/>
+          <a:p>
+            <a:pPr algn="ctr"/>
+            <a:r>
+              <a:rPr lang="ko-KR" altLang="en-US" sz="1200" dirty="0" smtClean="0"/>
+              <a:t>서버에 요청</a:t>
+            </a:r>
+            <a:endParaRPr lang="ko-KR" altLang="en-US" sz="1200" dirty="0"/>
+          </a:p>
+        </p:txBody>
+      </p:sp>
       <p:grpSp>
         <p:nvGrpSpPr>
-          <p:cNvPr id="12" name="그룹 11"/>
+          <p:cNvPr id="104" name="그룹 103"/>
           <p:cNvGrpSpPr/>
           <p:nvPr/>
         </p:nvGrpSpPr>
         <p:grpSpPr>
           <a:xfrm>
-            <a:off x="381000" y="2460833"/>
-            <a:ext cx="1576577" cy="830997"/>
-            <a:chOff x="3851920" y="1540381"/>
-            <a:chExt cx="1620181" cy="1077491"/>
+            <a:off x="7632340" y="1530804"/>
+            <a:ext cx="1116124" cy="428878"/>
+            <a:chOff x="3851920" y="1809348"/>
+            <a:chExt cx="1620180" cy="556093"/>
           </a:xfrm>
         </p:grpSpPr>
         <p:sp>
           <p:nvSpPr>
-            <p:cNvPr id="14" name="직사각형 13"/>
+            <p:cNvPr id="105" name="직사각형 104"/>
             <p:cNvSpPr/>
             <p:nvPr/>
           </p:nvSpPr>
@@ -15689,7 +17606,7 @@
         </p:sp>
         <p:sp>
           <p:nvSpPr>
-            <p:cNvPr id="15" name="직사각형 14"/>
+            <p:cNvPr id="108" name="직사각형 107"/>
             <p:cNvSpPr/>
             <p:nvPr/>
           </p:nvSpPr>
@@ -15724,652 +17641,7 @@
         </p:sp>
         <p:sp>
           <p:nvSpPr>
-            <p:cNvPr id="16" name="TextBox 15"/>
-            <p:cNvSpPr txBox="1"/>
-            <p:nvPr/>
-          </p:nvSpPr>
-          <p:spPr>
-            <a:xfrm>
-              <a:off x="3851921" y="1540381"/>
-              <a:ext cx="1620180" cy="1077491"/>
-            </a:xfrm>
-            <a:prstGeom prst="rect">
-              <a:avLst/>
-            </a:prstGeom>
-          </p:spPr>
-          <p:txBody>
-            <a:bodyPr wrap="square" lIns="0" tIns="0" rIns="0" bIns="0" rtlCol="0" anchor="ctr">
-              <a:spAutoFit/>
-            </a:bodyPr>
-            <a:lstStyle/>
-            <a:p>
-              <a:pPr marL="0" indent="0" algn="ctr">
-                <a:lnSpc>
-                  <a:spcPct val="150000"/>
-                </a:lnSpc>
-                <a:buNone/>
-              </a:pPr>
-              <a:r>
-                <a:rPr lang="en-US" altLang="ko-KR" b="1" dirty="0" smtClean="0">
-                  <a:solidFill>
-                    <a:schemeClr val="tx1"/>
-                  </a:solidFill>
-                  <a:latin typeface="+mj-lt"/>
-                </a:rPr>
-                <a:t>Hit-test </a:t>
-              </a:r>
-              <a:r>
-                <a:rPr lang="ko-KR" altLang="en-US" b="1" dirty="0" smtClean="0">
-                  <a:solidFill>
-                    <a:schemeClr val="tx1"/>
-                  </a:solidFill>
-                  <a:latin typeface="+mj-lt"/>
-                </a:rPr>
-                <a:t>좌표</a:t>
-              </a:r>
-            </a:p>
-          </p:txBody>
-        </p:sp>
-      </p:grpSp>
-      <p:sp>
-        <p:nvSpPr>
-          <p:cNvPr id="17" name="타원 16"/>
-          <p:cNvSpPr/>
-          <p:nvPr/>
-        </p:nvSpPr>
-        <p:spPr>
-          <a:xfrm>
-            <a:off x="1583668" y="3821779"/>
-            <a:ext cx="1006512" cy="694187"/>
-          </a:xfrm>
-          <a:prstGeom prst="ellipse">
-            <a:avLst/>
-          </a:prstGeom>
-          <a:ln/>
-        </p:spPr>
-        <p:style>
-          <a:lnRef idx="2">
-            <a:schemeClr val="dk1"/>
-          </a:lnRef>
-          <a:fillRef idx="1">
-            <a:schemeClr val="lt1"/>
-          </a:fillRef>
-          <a:effectRef idx="0">
-            <a:schemeClr val="dk1"/>
-          </a:effectRef>
-          <a:fontRef idx="minor">
-            <a:schemeClr val="dk1"/>
-          </a:fontRef>
-        </p:style>
-        <p:txBody>
-          <a:bodyPr vert="horz" wrap="square" lIns="91440" tIns="45720" rIns="91440" bIns="45720" numCol="1" rtlCol="0" anchor="ctr" anchorCtr="0" compatLnSpc="1">
-            <a:prstTxWarp prst="textNoShape">
-              <a:avLst/>
-            </a:prstTxWarp>
-          </a:bodyPr>
-          <a:lstStyle/>
-          <a:p>
-            <a:pPr algn="ctr"/>
-            <a:r>
-              <a:rPr lang="ko-KR" altLang="en-US" dirty="0" smtClean="0"/>
-              <a:t>터치</a:t>
-            </a:r>
-            <a:endParaRPr lang="ko-KR" altLang="en-US" dirty="0"/>
-          </a:p>
-        </p:txBody>
-      </p:sp>
-      <p:cxnSp>
-        <p:nvCxnSpPr>
-          <p:cNvPr id="18" name="구부러진 연결선 17"/>
-          <p:cNvCxnSpPr>
-            <a:stCxn id="2" idx="2"/>
-            <a:endCxn id="64" idx="1"/>
-          </p:cNvCxnSpPr>
-          <p:nvPr/>
-        </p:nvCxnSpPr>
-        <p:spPr>
-          <a:xfrm rot="16200000" flipH="1">
-            <a:off x="1007894" y="701603"/>
-            <a:ext cx="704448" cy="800848"/>
-          </a:xfrm>
-          <a:prstGeom prst="curvedConnector3">
-            <a:avLst>
-              <a:gd name="adj1" fmla="val 50000"/>
-            </a:avLst>
-          </a:prstGeom>
-          <a:ln>
-            <a:tailEnd type="triangle"/>
-          </a:ln>
-        </p:spPr>
-        <p:style>
-          <a:lnRef idx="1">
-            <a:schemeClr val="accent1"/>
-          </a:lnRef>
-          <a:fillRef idx="0">
-            <a:schemeClr val="accent1"/>
-          </a:fillRef>
-          <a:effectRef idx="0">
-            <a:schemeClr val="accent1"/>
-          </a:effectRef>
-          <a:fontRef idx="minor">
-            <a:schemeClr val="tx1"/>
-          </a:fontRef>
-        </p:style>
-      </p:cxnSp>
-      <p:cxnSp>
-        <p:nvCxnSpPr>
-          <p:cNvPr id="25" name="구부러진 연결선 24"/>
-          <p:cNvCxnSpPr>
-            <a:stCxn id="15" idx="2"/>
-            <a:endCxn id="17" idx="0"/>
-          </p:cNvCxnSpPr>
-          <p:nvPr/>
-        </p:nvCxnSpPr>
-        <p:spPr>
-          <a:xfrm rot="16200000" flipH="1">
-            <a:off x="1265790" y="3000645"/>
-            <a:ext cx="724632" cy="917636"/>
-          </a:xfrm>
-          <a:prstGeom prst="curvedConnector3">
-            <a:avLst>
-              <a:gd name="adj1" fmla="val 50000"/>
-            </a:avLst>
-          </a:prstGeom>
-          <a:ln>
-            <a:tailEnd type="triangle"/>
-          </a:ln>
-        </p:spPr>
-        <p:style>
-          <a:lnRef idx="1">
-            <a:schemeClr val="accent1"/>
-          </a:lnRef>
-          <a:fillRef idx="0">
-            <a:schemeClr val="accent1"/>
-          </a:fillRef>
-          <a:effectRef idx="0">
-            <a:schemeClr val="accent1"/>
-          </a:effectRef>
-          <a:fontRef idx="minor">
-            <a:schemeClr val="tx1"/>
-          </a:fontRef>
-        </p:style>
-      </p:cxnSp>
-      <p:cxnSp>
-        <p:nvCxnSpPr>
-          <p:cNvPr id="30" name="구부러진 연결선 29"/>
-          <p:cNvCxnSpPr>
-            <a:stCxn id="17" idx="5"/>
-            <a:endCxn id="20" idx="2"/>
-          </p:cNvCxnSpPr>
-          <p:nvPr/>
-        </p:nvCxnSpPr>
-        <p:spPr>
-          <a:xfrm rot="5400000" flipH="1" flipV="1">
-            <a:off x="3144173" y="3204269"/>
-            <a:ext cx="508642" cy="1911429"/>
-          </a:xfrm>
-          <a:prstGeom prst="curvedConnector3">
-            <a:avLst>
-              <a:gd name="adj1" fmla="val -64930"/>
-            </a:avLst>
-          </a:prstGeom>
-          <a:ln>
-            <a:tailEnd type="triangle"/>
-          </a:ln>
-        </p:spPr>
-        <p:style>
-          <a:lnRef idx="1">
-            <a:schemeClr val="accent1"/>
-          </a:lnRef>
-          <a:fillRef idx="0">
-            <a:schemeClr val="accent1"/>
-          </a:fillRef>
-          <a:effectRef idx="0">
-            <a:schemeClr val="accent1"/>
-          </a:effectRef>
-          <a:fontRef idx="minor">
-            <a:schemeClr val="tx1"/>
-          </a:fontRef>
-        </p:style>
-      </p:cxnSp>
-      <p:cxnSp>
-        <p:nvCxnSpPr>
-          <p:cNvPr id="36" name="구부러진 연결선 35"/>
-          <p:cNvCxnSpPr>
-            <a:stCxn id="10" idx="3"/>
-            <a:endCxn id="110" idx="4"/>
-          </p:cNvCxnSpPr>
-          <p:nvPr/>
-        </p:nvCxnSpPr>
-        <p:spPr>
-          <a:xfrm flipV="1">
-            <a:off x="5020283" y="2827176"/>
-            <a:ext cx="819965" cy="825042"/>
-          </a:xfrm>
-          <a:prstGeom prst="curvedConnector2">
-            <a:avLst/>
-          </a:prstGeom>
-          <a:ln>
-            <a:tailEnd type="triangle"/>
-          </a:ln>
-        </p:spPr>
-        <p:style>
-          <a:lnRef idx="1">
-            <a:schemeClr val="accent1"/>
-          </a:lnRef>
-          <a:fillRef idx="0">
-            <a:schemeClr val="accent1"/>
-          </a:fillRef>
-          <a:effectRef idx="0">
-            <a:schemeClr val="accent1"/>
-          </a:effectRef>
-          <a:fontRef idx="minor">
-            <a:schemeClr val="tx1"/>
-          </a:fontRef>
-        </p:style>
-      </p:cxnSp>
-      <p:cxnSp>
-        <p:nvCxnSpPr>
-          <p:cNvPr id="42" name="구부러진 연결선 41"/>
-          <p:cNvCxnSpPr>
-            <a:stCxn id="3" idx="2"/>
-            <a:endCxn id="10" idx="1"/>
-          </p:cNvCxnSpPr>
-          <p:nvPr/>
-        </p:nvCxnSpPr>
-        <p:spPr>
-          <a:xfrm rot="10800000" flipV="1">
-            <a:off x="3688136" y="1569814"/>
-            <a:ext cx="190999" cy="2082404"/>
-          </a:xfrm>
-          <a:prstGeom prst="curvedConnector3">
-            <a:avLst>
-              <a:gd name="adj1" fmla="val 219686"/>
-            </a:avLst>
-          </a:prstGeom>
-          <a:ln>
-            <a:tailEnd type="triangle"/>
-          </a:ln>
-        </p:spPr>
-        <p:style>
-          <a:lnRef idx="1">
-            <a:schemeClr val="accent1"/>
-          </a:lnRef>
-          <a:fillRef idx="0">
-            <a:schemeClr val="accent1"/>
-          </a:fillRef>
-          <a:effectRef idx="0">
-            <a:schemeClr val="accent1"/>
-          </a:effectRef>
-          <a:fontRef idx="minor">
-            <a:schemeClr val="tx1"/>
-          </a:fontRef>
-        </p:style>
-      </p:cxnSp>
-      <p:sp>
-        <p:nvSpPr>
-          <p:cNvPr id="64" name="타원 63"/>
-          <p:cNvSpPr/>
-          <p:nvPr/>
-        </p:nvSpPr>
-        <p:spPr>
-          <a:xfrm>
-            <a:off x="1613142" y="1352590"/>
-            <a:ext cx="1006512" cy="694187"/>
-          </a:xfrm>
-          <a:prstGeom prst="ellipse">
-            <a:avLst/>
-          </a:prstGeom>
-          <a:ln/>
-        </p:spPr>
-        <p:style>
-          <a:lnRef idx="2">
-            <a:schemeClr val="dk1"/>
-          </a:lnRef>
-          <a:fillRef idx="1">
-            <a:schemeClr val="lt1"/>
-          </a:fillRef>
-          <a:effectRef idx="0">
-            <a:schemeClr val="dk1"/>
-          </a:effectRef>
-          <a:fontRef idx="minor">
-            <a:schemeClr val="dk1"/>
-          </a:fontRef>
-        </p:style>
-        <p:txBody>
-          <a:bodyPr vert="horz" wrap="square" lIns="91440" tIns="45720" rIns="91440" bIns="45720" numCol="1" rtlCol="0" anchor="ctr" anchorCtr="0" compatLnSpc="1">
-            <a:prstTxWarp prst="textNoShape">
-              <a:avLst/>
-            </a:prstTxWarp>
-          </a:bodyPr>
-          <a:lstStyle/>
-          <a:p>
-            <a:pPr algn="ctr"/>
-            <a:r>
-              <a:rPr lang="ko-KR" altLang="en-US" dirty="0" smtClean="0"/>
-              <a:t>바닥 감지</a:t>
-            </a:r>
-            <a:endParaRPr lang="ko-KR" altLang="en-US" dirty="0"/>
-          </a:p>
-        </p:txBody>
-      </p:sp>
-      <p:cxnSp>
-        <p:nvCxnSpPr>
-          <p:cNvPr id="67" name="구부러진 연결선 66"/>
-          <p:cNvCxnSpPr>
-            <a:stCxn id="64" idx="3"/>
-            <a:endCxn id="14" idx="0"/>
-          </p:cNvCxnSpPr>
-          <p:nvPr/>
-        </p:nvCxnSpPr>
-        <p:spPr>
-          <a:xfrm rot="5400000">
-            <a:off x="1100902" y="2013502"/>
-            <a:ext cx="728026" cy="591254"/>
-          </a:xfrm>
-          <a:prstGeom prst="curvedConnector3">
-            <a:avLst>
-              <a:gd name="adj1" fmla="val 50000"/>
-            </a:avLst>
-          </a:prstGeom>
-          <a:ln>
-            <a:tailEnd type="triangle"/>
-          </a:ln>
-        </p:spPr>
-        <p:style>
-          <a:lnRef idx="1">
-            <a:schemeClr val="accent1"/>
-          </a:lnRef>
-          <a:fillRef idx="0">
-            <a:schemeClr val="accent1"/>
-          </a:fillRef>
-          <a:effectRef idx="0">
-            <a:schemeClr val="accent1"/>
-          </a:effectRef>
-          <a:fontRef idx="minor">
-            <a:schemeClr val="tx1"/>
-          </a:fontRef>
-        </p:style>
-      </p:cxnSp>
-      <p:sp>
-        <p:nvSpPr>
-          <p:cNvPr id="73" name="TextBox 72"/>
-          <p:cNvSpPr txBox="1"/>
-          <p:nvPr/>
-        </p:nvSpPr>
-        <p:spPr>
-          <a:xfrm>
-            <a:off x="1043529" y="1058390"/>
-            <a:ext cx="755015" cy="230832"/>
-          </a:xfrm>
-          <a:prstGeom prst="rect">
-            <a:avLst/>
-          </a:prstGeom>
-        </p:spPr>
-        <p:txBody>
-          <a:bodyPr wrap="none" lIns="0" tIns="0" rIns="0" bIns="0" rtlCol="0" anchor="ctr">
-            <a:spAutoFit/>
-          </a:bodyPr>
-          <a:lstStyle/>
-          <a:p>
-            <a:pPr marL="0" indent="0">
-              <a:lnSpc>
-                <a:spcPct val="150000"/>
-              </a:lnSpc>
-              <a:buNone/>
-            </a:pPr>
-            <a:r>
-              <a:rPr lang="en-US" altLang="ko-KR" sz="1000" b="1" dirty="0" smtClean="0">
-                <a:solidFill>
-                  <a:schemeClr val="tx1"/>
-                </a:solidFill>
-                <a:latin typeface="+mj-lt"/>
-              </a:rPr>
-              <a:t>AR </a:t>
-            </a:r>
-            <a:r>
-              <a:rPr lang="ko-KR" altLang="en-US" sz="1000" b="1" dirty="0" smtClean="0">
-                <a:solidFill>
-                  <a:schemeClr val="tx1"/>
-                </a:solidFill>
-                <a:latin typeface="+mj-lt"/>
-              </a:rPr>
-              <a:t>세션 접속</a:t>
-            </a:r>
-          </a:p>
-        </p:txBody>
-      </p:sp>
-      <p:sp>
-        <p:nvSpPr>
-          <p:cNvPr id="76" name="TextBox 75"/>
-          <p:cNvSpPr txBox="1"/>
-          <p:nvPr/>
-        </p:nvSpPr>
-        <p:spPr>
-          <a:xfrm>
-            <a:off x="1223628" y="2124894"/>
-            <a:ext cx="921727" cy="230832"/>
-          </a:xfrm>
-          <a:prstGeom prst="rect">
-            <a:avLst/>
-          </a:prstGeom>
-        </p:spPr>
-        <p:txBody>
-          <a:bodyPr wrap="none" lIns="0" tIns="0" rIns="0" bIns="0" rtlCol="0" anchor="ctr">
-            <a:spAutoFit/>
-          </a:bodyPr>
-          <a:lstStyle/>
-          <a:p>
-            <a:pPr marL="0" indent="0">
-              <a:lnSpc>
-                <a:spcPct val="150000"/>
-              </a:lnSpc>
-              <a:buNone/>
-            </a:pPr>
-            <a:r>
-              <a:rPr lang="en-US" altLang="ko-KR" sz="1000" b="1" dirty="0" smtClean="0">
-                <a:latin typeface="+mj-lt"/>
-              </a:rPr>
-              <a:t>Hit-test </a:t>
-            </a:r>
-            <a:r>
-              <a:rPr lang="ko-KR" altLang="en-US" sz="1000" b="1" dirty="0" smtClean="0">
-                <a:latin typeface="+mj-lt"/>
-              </a:rPr>
-              <a:t>좌표 값</a:t>
-            </a:r>
-            <a:endParaRPr lang="ko-KR" altLang="en-US" sz="1000" b="1" dirty="0" smtClean="0">
-              <a:solidFill>
-                <a:schemeClr val="tx1"/>
-              </a:solidFill>
-              <a:latin typeface="+mj-lt"/>
-            </a:endParaRPr>
-          </a:p>
-        </p:txBody>
-      </p:sp>
-      <p:sp>
-        <p:nvSpPr>
-          <p:cNvPr id="79" name="TextBox 78"/>
-          <p:cNvSpPr txBox="1"/>
-          <p:nvPr/>
-        </p:nvSpPr>
-        <p:spPr>
-          <a:xfrm>
-            <a:off x="1346017" y="3396937"/>
-            <a:ext cx="921727" cy="230832"/>
-          </a:xfrm>
-          <a:prstGeom prst="rect">
-            <a:avLst/>
-          </a:prstGeom>
-        </p:spPr>
-        <p:txBody>
-          <a:bodyPr wrap="none" lIns="0" tIns="0" rIns="0" bIns="0" rtlCol="0" anchor="ctr">
-            <a:spAutoFit/>
-          </a:bodyPr>
-          <a:lstStyle/>
-          <a:p>
-            <a:pPr marL="0" indent="0">
-              <a:lnSpc>
-                <a:spcPct val="150000"/>
-              </a:lnSpc>
-              <a:buNone/>
-            </a:pPr>
-            <a:r>
-              <a:rPr lang="en-US" altLang="ko-KR" sz="1000" b="1" dirty="0" smtClean="0">
-                <a:latin typeface="+mj-lt"/>
-              </a:rPr>
-              <a:t>Hit-test </a:t>
-            </a:r>
-            <a:r>
-              <a:rPr lang="ko-KR" altLang="en-US" sz="1000" b="1" dirty="0" smtClean="0">
-                <a:latin typeface="+mj-lt"/>
-              </a:rPr>
-              <a:t>좌표 값</a:t>
-            </a:r>
-            <a:endParaRPr lang="ko-KR" altLang="en-US" sz="1000" b="1" dirty="0" smtClean="0">
-              <a:solidFill>
-                <a:schemeClr val="tx1"/>
-              </a:solidFill>
-              <a:latin typeface="+mj-lt"/>
-            </a:endParaRPr>
-          </a:p>
-        </p:txBody>
-      </p:sp>
-      <p:sp>
-        <p:nvSpPr>
-          <p:cNvPr id="81" name="TextBox 80"/>
-          <p:cNvSpPr txBox="1"/>
-          <p:nvPr/>
-        </p:nvSpPr>
-        <p:spPr>
-          <a:xfrm>
-            <a:off x="3300881" y="4234304"/>
-            <a:ext cx="921727" cy="230832"/>
-          </a:xfrm>
-          <a:prstGeom prst="rect">
-            <a:avLst/>
-          </a:prstGeom>
-        </p:spPr>
-        <p:txBody>
-          <a:bodyPr wrap="none" lIns="0" tIns="0" rIns="0" bIns="0" rtlCol="0" anchor="ctr">
-            <a:spAutoFit/>
-          </a:bodyPr>
-          <a:lstStyle/>
-          <a:p>
-            <a:pPr marL="0" indent="0">
-              <a:lnSpc>
-                <a:spcPct val="150000"/>
-              </a:lnSpc>
-              <a:buNone/>
-            </a:pPr>
-            <a:r>
-              <a:rPr lang="en-US" altLang="ko-KR" sz="1000" b="1" dirty="0" smtClean="0">
-                <a:latin typeface="+mj-lt"/>
-              </a:rPr>
-              <a:t>Hit-test </a:t>
-            </a:r>
-            <a:r>
-              <a:rPr lang="ko-KR" altLang="en-US" sz="1000" b="1" dirty="0" smtClean="0">
-                <a:latin typeface="+mj-lt"/>
-              </a:rPr>
-              <a:t>좌표 값</a:t>
-            </a:r>
-            <a:endParaRPr lang="ko-KR" altLang="en-US" sz="1000" b="1" dirty="0" smtClean="0">
-              <a:solidFill>
-                <a:schemeClr val="tx1"/>
-              </a:solidFill>
-              <a:latin typeface="+mj-lt"/>
-            </a:endParaRPr>
-          </a:p>
-        </p:txBody>
-      </p:sp>
-      <p:grpSp>
-        <p:nvGrpSpPr>
-          <p:cNvPr id="92" name="그룹 91"/>
-          <p:cNvGrpSpPr/>
-          <p:nvPr/>
-        </p:nvGrpSpPr>
-        <p:grpSpPr>
-          <a:xfrm>
-            <a:off x="7417215" y="2421031"/>
-            <a:ext cx="1332148" cy="428878"/>
-            <a:chOff x="3851920" y="1809348"/>
-            <a:chExt cx="1620180" cy="556093"/>
-          </a:xfrm>
-        </p:grpSpPr>
-        <p:sp>
-          <p:nvSpPr>
-            <p:cNvPr id="93" name="직사각형 92"/>
-            <p:cNvSpPr/>
-            <p:nvPr/>
-          </p:nvSpPr>
-          <p:spPr>
-            <a:xfrm>
-              <a:off x="3851920" y="1815666"/>
-              <a:ext cx="1620180" cy="45719"/>
-            </a:xfrm>
-            <a:prstGeom prst="rect">
-              <a:avLst/>
-            </a:prstGeom>
-            <a:solidFill>
-              <a:schemeClr val="tx1"/>
-            </a:solidFill>
-            <a:ln w="9525">
-              <a:noFill/>
-              <a:round/>
-            </a:ln>
-          </p:spPr>
-          <p:txBody>
-            <a:bodyPr vert="horz" wrap="square" lIns="91440" tIns="45720" rIns="91440" bIns="45720" numCol="1" rtlCol="0" anchor="t" anchorCtr="0" compatLnSpc="1">
-              <a:prstTxWarp prst="textNoShape">
-                <a:avLst/>
-              </a:prstTxWarp>
-            </a:bodyPr>
-            <a:lstStyle/>
-            <a:p>
-              <a:pPr algn="ctr"/>
-              <a:endParaRPr lang="ko-KR" altLang="en-US"/>
-            </a:p>
-          </p:txBody>
-        </p:sp>
-        <p:sp>
-          <p:nvSpPr>
-            <p:cNvPr id="94" name="직사각형 93"/>
-            <p:cNvSpPr/>
-            <p:nvPr/>
-          </p:nvSpPr>
-          <p:spPr>
-            <a:xfrm>
-              <a:off x="3851920" y="2319722"/>
-              <a:ext cx="1620180" cy="45719"/>
-            </a:xfrm>
-            <a:prstGeom prst="rect">
-              <a:avLst/>
-            </a:prstGeom>
-            <a:solidFill>
-              <a:schemeClr val="tx1"/>
-            </a:solidFill>
-            <a:ln w="9525">
-              <a:noFill/>
-              <a:round/>
-            </a:ln>
-          </p:spPr>
-          <p:txBody>
-            <a:bodyPr vert="horz" wrap="square" lIns="91440" tIns="45720" rIns="91440" bIns="45720" numCol="1" rtlCol="0" anchor="t" anchorCtr="0" compatLnSpc="1">
-              <a:prstTxWarp prst="textNoShape">
-                <a:avLst/>
-              </a:prstTxWarp>
-            </a:bodyPr>
-            <a:lstStyle/>
-            <a:p>
-              <a:pPr algn="ctr"/>
-              <a:endParaRPr lang="ko-KR" altLang="en-US"/>
-            </a:p>
-          </p:txBody>
-        </p:sp>
-        <p:sp>
-          <p:nvSpPr>
-            <p:cNvPr id="95" name="TextBox 94"/>
+            <p:cNvPr id="111" name="TextBox 110"/>
             <p:cNvSpPr txBox="1"/>
             <p:nvPr/>
           </p:nvSpPr>
@@ -16409,34 +17681,34 @@
       </p:grpSp>
       <p:cxnSp>
         <p:nvCxnSpPr>
-          <p:cNvPr id="97" name="구부러진 연결선 96"/>
+          <p:cNvPr id="112" name="직선 화살표 연결선 111"/>
           <p:cNvCxnSpPr>
-            <a:stCxn id="110" idx="0"/>
-            <a:endCxn id="3" idx="6"/>
+            <a:stCxn id="111" idx="1"/>
+            <a:endCxn id="97" idx="6"/>
           </p:cNvCxnSpPr>
           <p:nvPr/>
         </p:nvCxnSpPr>
         <p:spPr>
-          <a:xfrm rot="16200000" flipV="1">
-            <a:off x="5216292" y="1509033"/>
-            <a:ext cx="563175" cy="684738"/>
+          <a:xfrm flipH="1" flipV="1">
+            <a:off x="6203167" y="1694708"/>
+            <a:ext cx="1429173" cy="11529"/>
           </a:xfrm>
-          <a:prstGeom prst="curvedConnector2">
+          <a:prstGeom prst="straightConnector1">
             <a:avLst/>
           </a:prstGeom>
           <a:ln>
-            <a:tailEnd type="triangle"/>
+            <a:tailEnd type="arrow"/>
           </a:ln>
         </p:spPr>
         <p:style>
-          <a:lnRef idx="1">
-            <a:schemeClr val="accent1"/>
+          <a:lnRef idx="2">
+            <a:schemeClr val="accent6"/>
           </a:lnRef>
           <a:fillRef idx="0">
-            <a:schemeClr val="accent1"/>
+            <a:schemeClr val="accent6"/>
           </a:fillRef>
-          <a:effectRef idx="0">
-            <a:schemeClr val="accent1"/>
+          <a:effectRef idx="1">
+            <a:schemeClr val="accent6"/>
           </a:effectRef>
           <a:fontRef idx="minor">
             <a:schemeClr val="tx1"/>
@@ -16445,240 +17717,14 @@
       </p:cxnSp>
       <p:sp>
         <p:nvSpPr>
-          <p:cNvPr id="107" name="TextBox 106"/>
+          <p:cNvPr id="113" name="TextBox 112"/>
           <p:cNvSpPr txBox="1"/>
           <p:nvPr/>
         </p:nvSpPr>
         <p:spPr>
           <a:xfrm>
-            <a:off x="4952435" y="3130732"/>
-            <a:ext cx="1384995" cy="230832"/>
-          </a:xfrm>
-          <a:prstGeom prst="rect">
-            <a:avLst/>
-          </a:prstGeom>
-        </p:spPr>
-        <p:txBody>
-          <a:bodyPr wrap="none" lIns="0" tIns="0" rIns="0" bIns="0" rtlCol="0" anchor="ctr">
-            <a:spAutoFit/>
-          </a:bodyPr>
-          <a:lstStyle/>
-          <a:p>
-            <a:pPr marL="0" indent="0">
-              <a:lnSpc>
-                <a:spcPct val="150000"/>
-              </a:lnSpc>
-              <a:buNone/>
-            </a:pPr>
-            <a:r>
-              <a:rPr lang="en-US" altLang="ko-KR" sz="1000" b="1" dirty="0" smtClean="0">
-                <a:latin typeface="+mj-lt"/>
-              </a:rPr>
-              <a:t>3D </a:t>
-            </a:r>
-            <a:r>
-              <a:rPr lang="ko-KR" altLang="en-US" sz="1000" b="1" dirty="0" smtClean="0">
-                <a:latin typeface="+mj-lt"/>
-              </a:rPr>
-              <a:t>모델 경로 및 파일 명</a:t>
-            </a:r>
-            <a:endParaRPr lang="ko-KR" altLang="en-US" sz="1000" b="1" dirty="0" smtClean="0">
-              <a:solidFill>
-                <a:schemeClr val="tx1"/>
-              </a:solidFill>
-              <a:latin typeface="+mj-lt"/>
-            </a:endParaRPr>
-          </a:p>
-        </p:txBody>
-      </p:sp>
-      <p:sp>
-        <p:nvSpPr>
-          <p:cNvPr id="108" name="TextBox 107"/>
-          <p:cNvSpPr txBox="1"/>
-          <p:nvPr/>
-        </p:nvSpPr>
-        <p:spPr>
-          <a:xfrm>
-            <a:off x="6462397" y="2337933"/>
-            <a:ext cx="702158" cy="230832"/>
-          </a:xfrm>
-          <a:prstGeom prst="rect">
-            <a:avLst/>
-          </a:prstGeom>
-        </p:spPr>
-        <p:txBody>
-          <a:bodyPr wrap="square" lIns="0" tIns="0" rIns="0" bIns="0" rtlCol="0" anchor="ctr">
-            <a:spAutoFit/>
-          </a:bodyPr>
-          <a:lstStyle/>
-          <a:p>
-            <a:pPr marL="0" indent="0">
-              <a:lnSpc>
-                <a:spcPct val="150000"/>
-              </a:lnSpc>
-              <a:buNone/>
-            </a:pPr>
-            <a:r>
-              <a:rPr lang="en-US" altLang="ko-KR" sz="1000" b="1" dirty="0" smtClean="0">
-                <a:latin typeface="+mj-lt"/>
-              </a:rPr>
-              <a:t>3D </a:t>
-            </a:r>
-            <a:r>
-              <a:rPr lang="ko-KR" altLang="en-US" sz="1000" b="1" dirty="0" smtClean="0">
-                <a:latin typeface="+mj-lt"/>
-              </a:rPr>
-              <a:t>모델 </a:t>
-            </a:r>
-            <a:endParaRPr lang="en-US" altLang="ko-KR" sz="1000" b="1" dirty="0" smtClean="0">
-              <a:latin typeface="+mj-lt"/>
-            </a:endParaRPr>
-          </a:p>
-        </p:txBody>
-      </p:sp>
-      <p:sp>
-        <p:nvSpPr>
-          <p:cNvPr id="110" name="타원 109"/>
-          <p:cNvSpPr/>
-          <p:nvPr/>
-        </p:nvSpPr>
-        <p:spPr>
-          <a:xfrm>
-            <a:off x="5336992" y="2132989"/>
-            <a:ext cx="1006512" cy="694187"/>
-          </a:xfrm>
-          <a:prstGeom prst="ellipse">
-            <a:avLst/>
-          </a:prstGeom>
-          <a:ln/>
-        </p:spPr>
-        <p:style>
-          <a:lnRef idx="2">
-            <a:schemeClr val="dk1"/>
-          </a:lnRef>
-          <a:fillRef idx="1">
-            <a:schemeClr val="lt1"/>
-          </a:fillRef>
-          <a:effectRef idx="0">
-            <a:schemeClr val="dk1"/>
-          </a:effectRef>
-          <a:fontRef idx="minor">
-            <a:schemeClr val="dk1"/>
-          </a:fontRef>
-        </p:style>
-        <p:txBody>
-          <a:bodyPr vert="horz" wrap="square" lIns="91440" tIns="45720" rIns="91440" bIns="45720" numCol="1" rtlCol="0" anchor="ctr" anchorCtr="0" compatLnSpc="1">
-            <a:prstTxWarp prst="textNoShape">
-              <a:avLst/>
-            </a:prstTxWarp>
-          </a:bodyPr>
-          <a:lstStyle/>
-          <a:p>
-            <a:pPr algn="ctr"/>
-            <a:r>
-              <a:rPr lang="ko-KR" altLang="en-US" sz="1200" dirty="0" smtClean="0"/>
-              <a:t>서버에 요청</a:t>
-            </a:r>
-            <a:endParaRPr lang="ko-KR" altLang="en-US" sz="1200" dirty="0"/>
-          </a:p>
-        </p:txBody>
-      </p:sp>
-      <p:cxnSp>
-        <p:nvCxnSpPr>
-          <p:cNvPr id="114" name="구부러진 연결선 113"/>
-          <p:cNvCxnSpPr>
-            <a:stCxn id="95" idx="1"/>
-            <a:endCxn id="110" idx="6"/>
-          </p:cNvCxnSpPr>
-          <p:nvPr/>
-        </p:nvCxnSpPr>
-        <p:spPr>
-          <a:xfrm rot="10800000">
-            <a:off x="6343505" y="2480084"/>
-            <a:ext cx="1073711" cy="116381"/>
-          </a:xfrm>
-          <a:prstGeom prst="curvedConnector3">
-            <a:avLst>
-              <a:gd name="adj1" fmla="val 50000"/>
-            </a:avLst>
-          </a:prstGeom>
-          <a:ln>
-            <a:tailEnd type="triangle"/>
-          </a:ln>
-        </p:spPr>
-        <p:style>
-          <a:lnRef idx="1">
-            <a:schemeClr val="accent1"/>
-          </a:lnRef>
-          <a:fillRef idx="0">
-            <a:schemeClr val="accent1"/>
-          </a:fillRef>
-          <a:effectRef idx="0">
-            <a:schemeClr val="accent1"/>
-          </a:effectRef>
-          <a:fontRef idx="minor">
-            <a:schemeClr val="tx1"/>
-          </a:fontRef>
-        </p:style>
-      </p:cxnSp>
-      <p:sp>
-        <p:nvSpPr>
-          <p:cNvPr id="137" name="TextBox 136"/>
-          <p:cNvSpPr txBox="1"/>
-          <p:nvPr/>
-        </p:nvSpPr>
-        <p:spPr>
-          <a:xfrm>
-            <a:off x="5451855" y="1695705"/>
-            <a:ext cx="1308723" cy="230832"/>
-          </a:xfrm>
-          <a:prstGeom prst="rect">
-            <a:avLst/>
-          </a:prstGeom>
-        </p:spPr>
-        <p:txBody>
-          <a:bodyPr wrap="square" lIns="0" tIns="0" rIns="0" bIns="0" rtlCol="0" anchor="ctr">
-            <a:spAutoFit/>
-          </a:bodyPr>
-          <a:lstStyle/>
-          <a:p>
-            <a:pPr marL="0" indent="0">
-              <a:lnSpc>
-                <a:spcPct val="150000"/>
-              </a:lnSpc>
-              <a:buNone/>
-            </a:pPr>
-            <a:r>
-              <a:rPr lang="en-US" altLang="ko-KR" sz="1000" b="1" dirty="0" smtClean="0">
-                <a:latin typeface="+mj-lt"/>
-              </a:rPr>
-              <a:t>3D </a:t>
-            </a:r>
-            <a:r>
-              <a:rPr lang="ko-KR" altLang="en-US" sz="1000" b="1" dirty="0" smtClean="0">
-                <a:latin typeface="+mj-lt"/>
-              </a:rPr>
-              <a:t>모델 </a:t>
-            </a:r>
-            <a:endParaRPr lang="ko-KR" altLang="en-US" sz="1000" b="1" dirty="0" smtClean="0">
-              <a:solidFill>
-                <a:schemeClr val="tx1"/>
-              </a:solidFill>
-              <a:latin typeface="+mj-lt"/>
-            </a:endParaRPr>
-          </a:p>
-        </p:txBody>
-      </p:sp>
-      <p:sp>
-        <p:nvSpPr>
-          <p:cNvPr id="138" name="TextBox 137"/>
-          <p:cNvSpPr txBox="1"/>
-          <p:nvPr/>
-        </p:nvSpPr>
-        <p:spPr>
-          <a:xfrm>
-            <a:off x="3052537" y="2386214"/>
-            <a:ext cx="1308723" cy="230832"/>
+            <a:off x="6784195" y="1779662"/>
+            <a:ext cx="776137" cy="230832"/>
           </a:xfrm>
           <a:prstGeom prst="rect">
             <a:avLst/>
@@ -16700,140 +17746,72 @@
               <a:rPr lang="ko-KR" altLang="en-US" sz="1000" b="1" dirty="0" smtClean="0">
                 <a:latin typeface="+mj-lt"/>
               </a:rPr>
-              <a:t>모드 </a:t>
+              <a:t>찾은 </a:t>
             </a:r>
             <a:r>
               <a:rPr lang="en-US" altLang="ko-KR" sz="1000" b="1" dirty="0" smtClean="0">
                 <a:latin typeface="+mj-lt"/>
               </a:rPr>
-              <a:t>= select</a:t>
+              <a:t>3D </a:t>
             </a:r>
-            <a:endParaRPr lang="ko-KR" altLang="en-US" sz="1000" b="1" dirty="0" smtClean="0">
-              <a:solidFill>
-                <a:schemeClr val="tx1"/>
-              </a:solidFill>
+            <a:r>
+              <a:rPr lang="ko-KR" altLang="en-US" sz="1000" b="1" dirty="0" smtClean="0">
+                <a:latin typeface="+mj-lt"/>
+              </a:rPr>
+              <a:t>모델 </a:t>
+            </a:r>
+            <a:endParaRPr lang="en-US" altLang="ko-KR" sz="1000" b="1" dirty="0" smtClean="0">
               <a:latin typeface="+mj-lt"/>
             </a:endParaRPr>
           </a:p>
         </p:txBody>
       </p:sp>
-    </p:spTree>
-    <p:extLst>
-      <p:ext uri="{BB962C8B-B14F-4D97-AF65-F5344CB8AC3E}">
-        <p14:creationId xmlns:p14="http://schemas.microsoft.com/office/powerpoint/2010/main" val="1427322013"/>
-      </p:ext>
-    </p:extLst>
-  </p:cSld>
-  <p:clrMapOvr>
-    <a:masterClrMapping/>
-  </p:clrMapOvr>
-  <mc:AlternateContent xmlns:mc="http://schemas.openxmlformats.org/markup-compatibility/2006" xmlns:p14="http://schemas.microsoft.com/office/powerpoint/2010/main">
-    <mc:Choice Requires="p14">
-      <p:transition spd="med" p14:dur="700">
-        <p:fade/>
-      </p:transition>
-    </mc:Choice>
-    <mc:Fallback xmlns="">
-      <p:transition spd="med">
-        <p:fade/>
-      </p:transition>
-    </mc:Fallback>
-  </mc:AlternateContent>
-  <p:timing>
-    <p:tnLst>
-      <p:par>
-        <p:cTn id="1" dur="indefinite" restart="never" nodeType="tmRoot"/>
-      </p:par>
-    </p:tnLst>
-  </p:timing>
-</p:sld>
-</file>
-
-<file path=ppt/slides/slide17.xml><?xml version="1.0" encoding="utf-8"?>
-<p:sld xmlns:a="http://schemas.openxmlformats.org/drawingml/2006/main" xmlns:r="http://schemas.openxmlformats.org/officeDocument/2006/relationships" xmlns:p="http://schemas.openxmlformats.org/presentationml/2006/main">
-  <p:cSld>
-    <p:spTree>
-      <p:nvGrpSpPr>
-        <p:cNvPr id="1" name=""/>
-        <p:cNvGrpSpPr/>
-        <p:nvPr/>
-      </p:nvGrpSpPr>
-      <p:grpSpPr>
-        <a:xfrm>
-          <a:off x="0" y="0"/>
-          <a:ext cx="0" cy="0"/>
-          <a:chOff x="0" y="0"/>
-          <a:chExt cx="0" cy="0"/>
-        </a:xfrm>
-      </p:grpSpPr>
+      <p:cxnSp>
+        <p:nvCxnSpPr>
+          <p:cNvPr id="114" name="직선 화살표 연결선 113"/>
+          <p:cNvCxnSpPr>
+            <a:stCxn id="3" idx="6"/>
+            <a:endCxn id="115" idx="0"/>
+          </p:cNvCxnSpPr>
+          <p:nvPr/>
+        </p:nvCxnSpPr>
+        <p:spPr>
+          <a:xfrm>
+            <a:off x="7540279" y="2819386"/>
+            <a:ext cx="686127" cy="609849"/>
+          </a:xfrm>
+          <a:prstGeom prst="curvedConnector2">
+            <a:avLst/>
+          </a:prstGeom>
+          <a:ln>
+            <a:tailEnd type="arrow"/>
+          </a:ln>
+        </p:spPr>
+        <p:style>
+          <a:lnRef idx="2">
+            <a:schemeClr val="accent6"/>
+          </a:lnRef>
+          <a:fillRef idx="0">
+            <a:schemeClr val="accent6"/>
+          </a:fillRef>
+          <a:effectRef idx="1">
+            <a:schemeClr val="accent6"/>
+          </a:effectRef>
+          <a:fontRef idx="minor">
+            <a:schemeClr val="tx1"/>
+          </a:fontRef>
+        </p:style>
+      </p:cxnSp>
       <p:sp>
         <p:nvSpPr>
-          <p:cNvPr id="22" name="Title 1"/>
-          <p:cNvSpPr txBox="1"/>
-          <p:nvPr/>
-        </p:nvSpPr>
-        <p:spPr>
-          <a:xfrm>
-            <a:off x="381000" y="341313"/>
-            <a:ext cx="8368363" cy="495383"/>
-          </a:xfrm>
-          <a:prstGeom prst="rect">
-            <a:avLst/>
-          </a:prstGeom>
-        </p:spPr>
-        <p:txBody>
-          <a:bodyPr/>
-          <a:lstStyle>
-            <a:lvl1pPr algn="ctr" defTabSz="914400" rtl="0" eaLnBrk="1" latinLnBrk="0" hangingPunct="1">
-              <a:spcBef>
-                <a:spcPct val="0"/>
-              </a:spcBef>
-              <a:buNone/>
-              <a:defRPr sz="4400" kern="1200">
-                <a:solidFill>
-                  <a:schemeClr val="tx1"/>
-                </a:solidFill>
-                <a:latin typeface="+mj-lt"/>
-                <a:ea typeface="+mj-ea"/>
-                <a:cs typeface="+mj-cs"/>
-              </a:defRPr>
-            </a:lvl1pPr>
-          </a:lstStyle>
-          <a:p>
-            <a:pPr lvl="0">
-              <a:defRPr lang="ko-KR" altLang="en-US"/>
-            </a:pPr>
-            <a:r>
-              <a:rPr lang="ko-KR" altLang="en-US" sz="3200" dirty="0" smtClean="0">
-                <a:solidFill>
-                  <a:srgbClr val="FFFFFF">
-                    <a:lumMod val="50000"/>
-                  </a:srgbClr>
-                </a:solidFill>
-                <a:latin typeface="+mn-lt"/>
-                <a:ea typeface="+mn-ea"/>
-                <a:cs typeface="+mn-cs"/>
-              </a:rPr>
-              <a:t>데이터 흐름도 </a:t>
-            </a:r>
-            <a:endParaRPr lang="en-US" dirty="0">
-              <a:latin typeface="+mn-lt"/>
-              <a:ea typeface="+mn-ea"/>
-              <a:cs typeface="+mn-cs"/>
-            </a:endParaRPr>
-          </a:p>
-        </p:txBody>
-      </p:sp>
-      <p:sp>
-        <p:nvSpPr>
-          <p:cNvPr id="2" name="직사각형 1"/>
+          <p:cNvPr id="115" name="직사각형 114"/>
           <p:cNvSpPr/>
           <p:nvPr/>
         </p:nvSpPr>
         <p:spPr>
           <a:xfrm>
-            <a:off x="719572" y="1154447"/>
-            <a:ext cx="1620180" cy="477767"/>
+            <a:off x="7560332" y="3429235"/>
+            <a:ext cx="1332148" cy="368470"/>
           </a:xfrm>
           <a:prstGeom prst="rect">
             <a:avLst/>
@@ -16863,53 +17841,106 @@
           <a:lstStyle/>
           <a:p>
             <a:pPr algn="ctr"/>
+            <a:r>
+              <a:rPr lang="en-US" altLang="ko-KR" dirty="0" smtClean="0"/>
+              <a:t>AR</a:t>
+            </a:r>
+            <a:r>
+              <a:rPr lang="ko-KR" altLang="en-US" dirty="0" smtClean="0"/>
+              <a:t>화면</a:t>
+            </a:r>
             <a:endParaRPr lang="ko-KR" altLang="en-US" dirty="0"/>
           </a:p>
         </p:txBody>
       </p:sp>
       <p:sp>
         <p:nvSpPr>
-          <p:cNvPr id="3" name="타원 2"/>
-          <p:cNvSpPr/>
+          <p:cNvPr id="117" name="TextBox 116"/>
+          <p:cNvSpPr txBox="1"/>
           <p:nvPr/>
         </p:nvSpPr>
         <p:spPr>
           <a:xfrm>
-            <a:off x="1799692" y="3075806"/>
-            <a:ext cx="1224136" cy="900100"/>
+            <a:off x="8028384" y="2848325"/>
+            <a:ext cx="776137" cy="194925"/>
           </a:xfrm>
-          <a:prstGeom prst="ellipse">
+          <a:prstGeom prst="rect">
             <a:avLst/>
           </a:prstGeom>
-          <a:ln/>
         </p:spPr>
-        <p:style>
-          <a:lnRef idx="2">
-            <a:schemeClr val="dk1"/>
-          </a:lnRef>
-          <a:fillRef idx="1">
-            <a:schemeClr val="lt1"/>
-          </a:fillRef>
-          <a:effectRef idx="0">
-            <a:schemeClr val="dk1"/>
-          </a:effectRef>
-          <a:fontRef idx="minor">
-            <a:schemeClr val="dk1"/>
-          </a:fontRef>
-        </p:style>
         <p:txBody>
-          <a:bodyPr vert="horz" wrap="square" lIns="91440" tIns="45720" rIns="91440" bIns="45720" numCol="1" rtlCol="0" anchor="t" anchorCtr="0" compatLnSpc="1">
-            <a:prstTxWarp prst="textNoShape">
-              <a:avLst/>
-            </a:prstTxWarp>
+          <a:bodyPr wrap="square" lIns="0" tIns="0" rIns="0" bIns="0" rtlCol="0" anchor="ctr">
+            <a:spAutoFit/>
           </a:bodyPr>
           <a:lstStyle/>
           <a:p>
-            <a:pPr algn="ctr"/>
-            <a:endParaRPr lang="ko-KR" altLang="en-US"/>
+            <a:pPr marL="0" indent="0">
+              <a:lnSpc>
+                <a:spcPct val="150000"/>
+              </a:lnSpc>
+              <a:buNone/>
+            </a:pPr>
+            <a:r>
+              <a:rPr lang="ko-KR" altLang="en-US" sz="1000" b="1" dirty="0" smtClean="0">
+                <a:latin typeface="+mj-lt"/>
+              </a:rPr>
+              <a:t>생성한 물체</a:t>
+            </a:r>
+            <a:endParaRPr lang="en-US" altLang="ko-KR" sz="1000" b="1" dirty="0" smtClean="0">
+              <a:latin typeface="+mj-lt"/>
+            </a:endParaRPr>
           </a:p>
         </p:txBody>
       </p:sp>
+    </p:spTree>
+    <p:extLst>
+      <p:ext uri="{BB962C8B-B14F-4D97-AF65-F5344CB8AC3E}">
+        <p14:creationId xmlns:p14="http://schemas.microsoft.com/office/powerpoint/2010/main" val="449575334"/>
+      </p:ext>
+    </p:extLst>
+  </p:cSld>
+  <p:clrMapOvr>
+    <a:masterClrMapping/>
+  </p:clrMapOvr>
+  <mc:AlternateContent xmlns:mc="http://schemas.openxmlformats.org/markup-compatibility/2006" xmlns:p14="http://schemas.microsoft.com/office/powerpoint/2010/main">
+    <mc:Choice Requires="p14">
+      <p:transition spd="med" p14:dur="700" advTm="20000">
+        <p:fade/>
+      </p:transition>
+    </mc:Choice>
+    <mc:Fallback xmlns="">
+      <p:transition spd="med" advTm="20000">
+        <p:fade/>
+      </p:transition>
+    </mc:Fallback>
+  </mc:AlternateContent>
+  <p:timing>
+    <p:tnLst>
+      <p:par>
+        <p:cTn id="1" dur="indefinite" restart="never" nodeType="tmRoot"/>
+      </p:par>
+    </p:tnLst>
+  </p:timing>
+</p:sld>
+</file>
+
+<file path=ppt/slides/slide18.xml><?xml version="1.0" encoding="utf-8"?>
+<p:sld xmlns:a="http://schemas.openxmlformats.org/drawingml/2006/main" xmlns:r="http://schemas.openxmlformats.org/officeDocument/2006/relationships" xmlns:p="http://schemas.openxmlformats.org/presentationml/2006/main">
+  <p:cSld>
+    <p:spTree>
+      <p:nvGrpSpPr>
+        <p:cNvPr id="1" name=""/>
+        <p:cNvGrpSpPr/>
+        <p:nvPr/>
+      </p:nvGrpSpPr>
+      <p:grpSpPr>
+        <a:xfrm>
+          <a:off x="0" y="0"/>
+          <a:ext cx="0" cy="0"/>
+          <a:chOff x="0" y="0"/>
+          <a:chExt cx="0" cy="0"/>
+        </a:xfrm>
+      </p:grpSpPr>
       <p:grpSp>
         <p:nvGrpSpPr>
           <p:cNvPr id="13" name="그룹 12"/>
@@ -16918,10 +17949,10 @@
         </p:nvGrpSpPr>
         <p:grpSpPr>
           <a:xfrm>
-            <a:off x="3635896" y="1923678"/>
-            <a:ext cx="1620180" cy="549775"/>
-            <a:chOff x="3851920" y="1815666"/>
-            <a:chExt cx="1620180" cy="549775"/>
+            <a:off x="1412491" y="2631059"/>
+            <a:ext cx="1332148" cy="428878"/>
+            <a:chOff x="3851920" y="1809348"/>
+            <a:chExt cx="1620180" cy="556093"/>
           </a:xfrm>
         </p:grpSpPr>
         <p:sp>
@@ -17002,8 +18033,8 @@
           </p:nvSpPr>
           <p:spPr>
             <a:xfrm>
-              <a:off x="3851920" y="1981661"/>
-              <a:ext cx="1620180" cy="194925"/>
+              <a:off x="3851920" y="1809348"/>
+              <a:ext cx="1620180" cy="454940"/>
             </a:xfrm>
             <a:prstGeom prst="rect">
               <a:avLst/>
@@ -17022,28 +18053,1106 @@
                 <a:buNone/>
               </a:pPr>
               <a:r>
-                <a:rPr lang="ko-KR" altLang="en-US" sz="1000" b="1" dirty="0" smtClean="0">
+                <a:rPr lang="ko-KR" altLang="en-US" b="1" dirty="0" smtClean="0">
                   <a:solidFill>
                     <a:schemeClr val="tx1"/>
                   </a:solidFill>
                   <a:latin typeface="+mj-lt"/>
                 </a:rPr>
-                <a:t>내용</a:t>
+                <a:t>제어판</a:t>
               </a:r>
+              <a:r>
+                <a:rPr lang="en-US" altLang="ko-KR" b="1" dirty="0" smtClean="0">
+                  <a:solidFill>
+                    <a:schemeClr val="tx1"/>
+                  </a:solidFill>
+                  <a:latin typeface="+mj-lt"/>
+                </a:rPr>
+                <a:t>(</a:t>
+              </a:r>
+              <a:r>
+                <a:rPr lang="ko-KR" altLang="en-US" b="1" dirty="0">
+                  <a:latin typeface="+mj-lt"/>
+                </a:rPr>
+                <a:t>값</a:t>
+              </a:r>
+              <a:r>
+                <a:rPr lang="en-US" altLang="ko-KR" b="1" dirty="0" smtClean="0">
+                  <a:solidFill>
+                    <a:schemeClr val="tx1"/>
+                  </a:solidFill>
+                  <a:latin typeface="+mj-lt"/>
+                </a:rPr>
+                <a:t>)</a:t>
+              </a:r>
+              <a:endParaRPr lang="ko-KR" altLang="en-US" b="1" dirty="0" smtClean="0">
+                <a:solidFill>
+                  <a:schemeClr val="tx1"/>
+                </a:solidFill>
+                <a:latin typeface="+mj-lt"/>
+              </a:endParaRPr>
             </a:p>
           </p:txBody>
         </p:sp>
       </p:grpSp>
       <p:sp>
         <p:nvSpPr>
-          <p:cNvPr id="23" name="직사각형 22"/>
+          <p:cNvPr id="128" name="Title 1"/>
+          <p:cNvSpPr txBox="1"/>
+          <p:nvPr/>
+        </p:nvSpPr>
+        <p:spPr>
+          <a:xfrm>
+            <a:off x="381000" y="303498"/>
+            <a:ext cx="8368363" cy="495383"/>
+          </a:xfrm>
+          <a:prstGeom prst="rect">
+            <a:avLst/>
+          </a:prstGeom>
+        </p:spPr>
+        <p:txBody>
+          <a:bodyPr/>
+          <a:lstStyle>
+            <a:lvl1pPr algn="ctr" defTabSz="914400" rtl="0" eaLnBrk="1" latinLnBrk="0" hangingPunct="1">
+              <a:spcBef>
+                <a:spcPct val="0"/>
+              </a:spcBef>
+              <a:buNone/>
+              <a:defRPr sz="4400" kern="1200">
+                <a:solidFill>
+                  <a:schemeClr val="tx1"/>
+                </a:solidFill>
+                <a:latin typeface="+mj-lt"/>
+                <a:ea typeface="+mj-ea"/>
+                <a:cs typeface="+mj-cs"/>
+              </a:defRPr>
+            </a:lvl1pPr>
+          </a:lstStyle>
+          <a:p>
+            <a:pPr lvl="0">
+              <a:defRPr lang="ko-KR" altLang="en-US"/>
+            </a:pPr>
+            <a:r>
+              <a:rPr lang="en-US" altLang="ko-KR" sz="2800" dirty="0" smtClean="0">
+                <a:solidFill>
+                  <a:srgbClr val="FFFFFF">
+                    <a:lumMod val="50000"/>
+                  </a:srgbClr>
+                </a:solidFill>
+                <a:latin typeface="+mn-lt"/>
+                <a:ea typeface="+mn-ea"/>
+                <a:cs typeface="+mn-cs"/>
+              </a:rPr>
+              <a:t>select </a:t>
+            </a:r>
+            <a:r>
+              <a:rPr lang="ko-KR" altLang="en-US" sz="2800" dirty="0" smtClean="0">
+                <a:solidFill>
+                  <a:srgbClr val="FFFFFF">
+                    <a:lumMod val="50000"/>
+                  </a:srgbClr>
+                </a:solidFill>
+                <a:latin typeface="+mn-lt"/>
+                <a:ea typeface="+mn-ea"/>
+                <a:cs typeface="+mn-cs"/>
+              </a:rPr>
+              <a:t>모드</a:t>
+            </a:r>
+            <a:r>
+              <a:rPr lang="en-US" altLang="ko-KR" sz="2800" dirty="0" smtClean="0">
+                <a:solidFill>
+                  <a:srgbClr val="FFFFFF">
+                    <a:lumMod val="50000"/>
+                  </a:srgbClr>
+                </a:solidFill>
+                <a:latin typeface="+mn-lt"/>
+                <a:ea typeface="+mn-ea"/>
+                <a:cs typeface="+mn-cs"/>
+              </a:rPr>
+              <a:t>_</a:t>
+            </a:r>
+            <a:r>
+              <a:rPr lang="ko-KR" altLang="en-US" sz="2800" dirty="0" smtClean="0">
+                <a:solidFill>
+                  <a:srgbClr val="FFFFFF">
+                    <a:lumMod val="50000"/>
+                  </a:srgbClr>
+                </a:solidFill>
+                <a:latin typeface="+mn-lt"/>
+                <a:ea typeface="+mn-ea"/>
+                <a:cs typeface="+mn-cs"/>
+              </a:rPr>
+              <a:t>물체 </a:t>
+            </a:r>
+            <a:r>
+              <a:rPr lang="ko-KR" altLang="en-US" sz="2800" b="1" dirty="0" smtClean="0">
+                <a:solidFill>
+                  <a:srgbClr val="FFFFFF">
+                    <a:lumMod val="50000"/>
+                  </a:srgbClr>
+                </a:solidFill>
+                <a:latin typeface="+mn-lt"/>
+                <a:ea typeface="+mn-ea"/>
+                <a:cs typeface="+mn-cs"/>
+              </a:rPr>
+              <a:t>선택</a:t>
+            </a:r>
+            <a:r>
+              <a:rPr lang="ko-KR" altLang="en-US" sz="2800" dirty="0" smtClean="0">
+                <a:solidFill>
+                  <a:srgbClr val="FFFFFF">
+                    <a:lumMod val="50000"/>
+                  </a:srgbClr>
+                </a:solidFill>
+                <a:latin typeface="+mn-lt"/>
+                <a:ea typeface="+mn-ea"/>
+                <a:cs typeface="+mn-cs"/>
+              </a:rPr>
+              <a:t> </a:t>
+            </a:r>
+            <a:endParaRPr lang="en-US" sz="4000" dirty="0">
+              <a:latin typeface="+mn-lt"/>
+              <a:ea typeface="+mn-ea"/>
+              <a:cs typeface="+mn-cs"/>
+            </a:endParaRPr>
+          </a:p>
+        </p:txBody>
+      </p:sp>
+      <p:sp>
+        <p:nvSpPr>
+          <p:cNvPr id="47" name="타원 46"/>
           <p:cNvSpPr/>
           <p:nvPr/>
         </p:nvSpPr>
         <p:spPr>
           <a:xfrm>
-            <a:off x="381000" y="1956251"/>
-            <a:ext cx="1620180" cy="477767"/>
+            <a:off x="3927128" y="2448518"/>
+            <a:ext cx="1006512" cy="694187"/>
+          </a:xfrm>
+          <a:prstGeom prst="ellipse">
+            <a:avLst/>
+          </a:prstGeom>
+          <a:ln/>
+        </p:spPr>
+        <p:style>
+          <a:lnRef idx="2">
+            <a:schemeClr val="dk1"/>
+          </a:lnRef>
+          <a:fillRef idx="1">
+            <a:schemeClr val="lt1"/>
+          </a:fillRef>
+          <a:effectRef idx="0">
+            <a:schemeClr val="dk1"/>
+          </a:effectRef>
+          <a:fontRef idx="minor">
+            <a:schemeClr val="dk1"/>
+          </a:fontRef>
+        </p:style>
+        <p:txBody>
+          <a:bodyPr vert="horz" wrap="square" lIns="91440" tIns="45720" rIns="91440" bIns="45720" numCol="1" rtlCol="0" anchor="ctr" anchorCtr="0" compatLnSpc="1">
+            <a:prstTxWarp prst="textNoShape">
+              <a:avLst/>
+            </a:prstTxWarp>
+          </a:bodyPr>
+          <a:lstStyle/>
+          <a:p>
+            <a:pPr algn="ctr"/>
+            <a:r>
+              <a:rPr lang="ko-KR" altLang="en-US" dirty="0" smtClean="0"/>
+              <a:t>광선 투사</a:t>
+            </a:r>
+            <a:endParaRPr lang="ko-KR" altLang="en-US" dirty="0"/>
+          </a:p>
+        </p:txBody>
+      </p:sp>
+      <p:sp>
+        <p:nvSpPr>
+          <p:cNvPr id="58" name="타원 57"/>
+          <p:cNvSpPr/>
+          <p:nvPr/>
+        </p:nvSpPr>
+        <p:spPr>
+          <a:xfrm>
+            <a:off x="5868144" y="2376510"/>
+            <a:ext cx="1692188" cy="836676"/>
+          </a:xfrm>
+          <a:prstGeom prst="ellipse">
+            <a:avLst/>
+          </a:prstGeom>
+          <a:ln/>
+        </p:spPr>
+        <p:style>
+          <a:lnRef idx="2">
+            <a:schemeClr val="dk1"/>
+          </a:lnRef>
+          <a:fillRef idx="1">
+            <a:schemeClr val="lt1"/>
+          </a:fillRef>
+          <a:effectRef idx="0">
+            <a:schemeClr val="dk1"/>
+          </a:effectRef>
+          <a:fontRef idx="minor">
+            <a:schemeClr val="dk1"/>
+          </a:fontRef>
+        </p:style>
+        <p:txBody>
+          <a:bodyPr vert="horz" wrap="square" lIns="91440" tIns="45720" rIns="91440" bIns="45720" numCol="1" rtlCol="0" anchor="ctr" anchorCtr="0" compatLnSpc="1">
+            <a:prstTxWarp prst="textNoShape">
+              <a:avLst/>
+            </a:prstTxWarp>
+          </a:bodyPr>
+          <a:lstStyle/>
+          <a:p>
+            <a:pPr algn="ctr"/>
+            <a:r>
+              <a:rPr lang="ko-KR" altLang="en-US" sz="1150" dirty="0" smtClean="0"/>
+              <a:t>투사</a:t>
+            </a:r>
+            <a:r>
+              <a:rPr lang="ko-KR" altLang="en-US" sz="1150" dirty="0"/>
+              <a:t>된</a:t>
+            </a:r>
+            <a:r>
+              <a:rPr lang="ko-KR" altLang="en-US" sz="1150" dirty="0" smtClean="0"/>
+              <a:t> 물체 중 가장 가까운 물체를 등록</a:t>
+            </a:r>
+            <a:endParaRPr lang="ko-KR" altLang="en-US" sz="1150" dirty="0"/>
+          </a:p>
+        </p:txBody>
+      </p:sp>
+      <p:sp>
+        <p:nvSpPr>
+          <p:cNvPr id="59" name="TextBox 58"/>
+          <p:cNvSpPr txBox="1"/>
+          <p:nvPr/>
+        </p:nvSpPr>
+        <p:spPr>
+          <a:xfrm>
+            <a:off x="5005648" y="2279814"/>
+            <a:ext cx="801501" cy="425758"/>
+          </a:xfrm>
+          <a:prstGeom prst="rect">
+            <a:avLst/>
+          </a:prstGeom>
+        </p:spPr>
+        <p:txBody>
+          <a:bodyPr wrap="none" lIns="0" tIns="0" rIns="0" bIns="0" rtlCol="0" anchor="ctr">
+            <a:spAutoFit/>
+          </a:bodyPr>
+          <a:lstStyle/>
+          <a:p>
+            <a:pPr marL="0" indent="0">
+              <a:lnSpc>
+                <a:spcPct val="150000"/>
+              </a:lnSpc>
+              <a:buNone/>
+            </a:pPr>
+            <a:r>
+              <a:rPr lang="ko-KR" altLang="en-US" sz="1000" b="1" dirty="0" smtClean="0">
+                <a:latin typeface="+mj-lt"/>
+              </a:rPr>
+              <a:t>원판의 좌표로</a:t>
+            </a:r>
+            <a:endParaRPr lang="en-US" altLang="ko-KR" sz="1000" b="1" dirty="0" smtClean="0">
+              <a:latin typeface="+mj-lt"/>
+            </a:endParaRPr>
+          </a:p>
+          <a:p>
+            <a:pPr marL="0" indent="0">
+              <a:lnSpc>
+                <a:spcPct val="150000"/>
+              </a:lnSpc>
+              <a:buNone/>
+            </a:pPr>
+            <a:r>
+              <a:rPr lang="ko-KR" altLang="en-US" sz="1000" b="1" dirty="0" smtClean="0">
+                <a:latin typeface="+mj-lt"/>
+              </a:rPr>
+              <a:t>향하는</a:t>
+            </a:r>
+            <a:r>
+              <a:rPr lang="ko-KR" altLang="en-US" sz="1000" b="1" dirty="0" smtClean="0">
+                <a:solidFill>
+                  <a:schemeClr val="tx1"/>
+                </a:solidFill>
+                <a:latin typeface="+mj-lt"/>
+              </a:rPr>
+              <a:t> 광선</a:t>
+            </a:r>
+            <a:endParaRPr lang="ko-KR" altLang="en-US" sz="1000" b="1" dirty="0" smtClean="0">
+              <a:solidFill>
+                <a:schemeClr val="tx1"/>
+              </a:solidFill>
+              <a:latin typeface="+mj-lt"/>
+            </a:endParaRPr>
+          </a:p>
+        </p:txBody>
+      </p:sp>
+      <p:cxnSp>
+        <p:nvCxnSpPr>
+          <p:cNvPr id="63" name="직선 화살표 연결선 62"/>
+          <p:cNvCxnSpPr>
+            <a:stCxn id="47" idx="6"/>
+            <a:endCxn id="58" idx="2"/>
+          </p:cNvCxnSpPr>
+          <p:nvPr/>
+        </p:nvCxnSpPr>
+        <p:spPr>
+          <a:xfrm flipV="1">
+            <a:off x="4933640" y="2794848"/>
+            <a:ext cx="934504" cy="764"/>
+          </a:xfrm>
+          <a:prstGeom prst="straightConnector1">
+            <a:avLst/>
+          </a:prstGeom>
+          <a:ln>
+            <a:tailEnd type="arrow"/>
+          </a:ln>
+        </p:spPr>
+        <p:style>
+          <a:lnRef idx="2">
+            <a:schemeClr val="accent3"/>
+          </a:lnRef>
+          <a:fillRef idx="0">
+            <a:schemeClr val="accent3"/>
+          </a:fillRef>
+          <a:effectRef idx="1">
+            <a:schemeClr val="accent3"/>
+          </a:effectRef>
+          <a:fontRef idx="minor">
+            <a:schemeClr val="tx1"/>
+          </a:fontRef>
+        </p:style>
+      </p:cxnSp>
+      <p:cxnSp>
+        <p:nvCxnSpPr>
+          <p:cNvPr id="97" name="직선 화살표 연결선 96"/>
+          <p:cNvCxnSpPr>
+            <a:stCxn id="125" idx="0"/>
+            <a:endCxn id="47" idx="4"/>
+          </p:cNvCxnSpPr>
+          <p:nvPr/>
+        </p:nvCxnSpPr>
+        <p:spPr>
+          <a:xfrm flipH="1" flipV="1">
+            <a:off x="4430384" y="3142705"/>
+            <a:ext cx="9752" cy="656664"/>
+          </a:xfrm>
+          <a:prstGeom prst="straightConnector1">
+            <a:avLst/>
+          </a:prstGeom>
+          <a:ln>
+            <a:tailEnd type="arrow"/>
+          </a:ln>
+        </p:spPr>
+        <p:style>
+          <a:lnRef idx="2">
+            <a:schemeClr val="accent3"/>
+          </a:lnRef>
+          <a:fillRef idx="0">
+            <a:schemeClr val="accent3"/>
+          </a:fillRef>
+          <a:effectRef idx="1">
+            <a:schemeClr val="accent3"/>
+          </a:effectRef>
+          <a:fontRef idx="minor">
+            <a:schemeClr val="tx1"/>
+          </a:fontRef>
+        </p:style>
+      </p:cxnSp>
+      <p:grpSp>
+        <p:nvGrpSpPr>
+          <p:cNvPr id="105" name="그룹 104"/>
+          <p:cNvGrpSpPr/>
+          <p:nvPr/>
+        </p:nvGrpSpPr>
+        <p:grpSpPr>
+          <a:xfrm>
+            <a:off x="3601492" y="1547113"/>
+            <a:ext cx="1332148" cy="428878"/>
+            <a:chOff x="3851920" y="1809348"/>
+            <a:chExt cx="1620180" cy="556093"/>
+          </a:xfrm>
+        </p:grpSpPr>
+        <p:sp>
+          <p:nvSpPr>
+            <p:cNvPr id="108" name="직사각형 107"/>
+            <p:cNvSpPr/>
+            <p:nvPr/>
+          </p:nvSpPr>
+          <p:spPr>
+            <a:xfrm>
+              <a:off x="3851920" y="1815666"/>
+              <a:ext cx="1620180" cy="45719"/>
+            </a:xfrm>
+            <a:prstGeom prst="rect">
+              <a:avLst/>
+            </a:prstGeom>
+            <a:solidFill>
+              <a:schemeClr val="tx1"/>
+            </a:solidFill>
+            <a:ln w="9525">
+              <a:noFill/>
+              <a:round/>
+            </a:ln>
+          </p:spPr>
+          <p:txBody>
+            <a:bodyPr vert="horz" wrap="square" lIns="91440" tIns="45720" rIns="91440" bIns="45720" numCol="1" rtlCol="0" anchor="t" anchorCtr="0" compatLnSpc="1">
+              <a:prstTxWarp prst="textNoShape">
+                <a:avLst/>
+              </a:prstTxWarp>
+            </a:bodyPr>
+            <a:lstStyle/>
+            <a:p>
+              <a:pPr algn="ctr"/>
+              <a:endParaRPr lang="ko-KR" altLang="en-US"/>
+            </a:p>
+          </p:txBody>
+        </p:sp>
+        <p:sp>
+          <p:nvSpPr>
+            <p:cNvPr id="111" name="직사각형 110"/>
+            <p:cNvSpPr/>
+            <p:nvPr/>
+          </p:nvSpPr>
+          <p:spPr>
+            <a:xfrm>
+              <a:off x="3851920" y="2319722"/>
+              <a:ext cx="1620180" cy="45719"/>
+            </a:xfrm>
+            <a:prstGeom prst="rect">
+              <a:avLst/>
+            </a:prstGeom>
+            <a:solidFill>
+              <a:schemeClr val="tx1"/>
+            </a:solidFill>
+            <a:ln w="9525">
+              <a:noFill/>
+              <a:round/>
+            </a:ln>
+          </p:spPr>
+          <p:txBody>
+            <a:bodyPr vert="horz" wrap="square" lIns="91440" tIns="45720" rIns="91440" bIns="45720" numCol="1" rtlCol="0" anchor="t" anchorCtr="0" compatLnSpc="1">
+              <a:prstTxWarp prst="textNoShape">
+                <a:avLst/>
+              </a:prstTxWarp>
+            </a:bodyPr>
+            <a:lstStyle/>
+            <a:p>
+              <a:pPr algn="ctr"/>
+              <a:endParaRPr lang="ko-KR" altLang="en-US"/>
+            </a:p>
+          </p:txBody>
+        </p:sp>
+        <p:sp>
+          <p:nvSpPr>
+            <p:cNvPr id="112" name="TextBox 111"/>
+            <p:cNvSpPr txBox="1"/>
+            <p:nvPr/>
+          </p:nvSpPr>
+          <p:spPr>
+            <a:xfrm>
+              <a:off x="3851920" y="1809348"/>
+              <a:ext cx="1620180" cy="454940"/>
+            </a:xfrm>
+            <a:prstGeom prst="rect">
+              <a:avLst/>
+            </a:prstGeom>
+          </p:spPr>
+          <p:txBody>
+            <a:bodyPr wrap="square" lIns="0" tIns="0" rIns="0" bIns="0" rtlCol="0" anchor="ctr">
+              <a:spAutoFit/>
+            </a:bodyPr>
+            <a:lstStyle/>
+            <a:p>
+              <a:pPr marL="0" indent="0" algn="ctr">
+                <a:lnSpc>
+                  <a:spcPct val="150000"/>
+                </a:lnSpc>
+                <a:buNone/>
+              </a:pPr>
+              <a:r>
+                <a:rPr lang="ko-KR" altLang="en-US" b="1" dirty="0" smtClean="0">
+                  <a:latin typeface="+mj-lt"/>
+                </a:rPr>
+                <a:t>선택된 물체</a:t>
+              </a:r>
+              <a:endParaRPr lang="ko-KR" altLang="en-US" b="1" dirty="0" smtClean="0">
+                <a:solidFill>
+                  <a:schemeClr val="tx1"/>
+                </a:solidFill>
+                <a:latin typeface="+mj-lt"/>
+              </a:endParaRPr>
+            </a:p>
+          </p:txBody>
+        </p:sp>
+      </p:grpSp>
+      <p:sp>
+        <p:nvSpPr>
+          <p:cNvPr id="113" name="TextBox 112"/>
+          <p:cNvSpPr txBox="1"/>
+          <p:nvPr/>
+        </p:nvSpPr>
+        <p:spPr>
+          <a:xfrm>
+            <a:off x="5390861" y="1504233"/>
+            <a:ext cx="766235" cy="230832"/>
+          </a:xfrm>
+          <a:prstGeom prst="rect">
+            <a:avLst/>
+          </a:prstGeom>
+        </p:spPr>
+        <p:txBody>
+          <a:bodyPr wrap="none" lIns="0" tIns="0" rIns="0" bIns="0" rtlCol="0" anchor="ctr">
+            <a:spAutoFit/>
+          </a:bodyPr>
+          <a:lstStyle/>
+          <a:p>
+            <a:pPr marL="0" indent="0">
+              <a:lnSpc>
+                <a:spcPct val="150000"/>
+              </a:lnSpc>
+              <a:buNone/>
+            </a:pPr>
+            <a:r>
+              <a:rPr lang="ko-KR" altLang="en-US" sz="1000" b="1" dirty="0" smtClean="0">
+                <a:solidFill>
+                  <a:schemeClr val="tx1"/>
+                </a:solidFill>
+                <a:latin typeface="+mj-lt"/>
+              </a:rPr>
+              <a:t>물체</a:t>
+            </a:r>
+            <a:r>
+              <a:rPr lang="en-US" altLang="ko-KR" sz="1000" b="1" dirty="0" smtClean="0">
+                <a:solidFill>
+                  <a:schemeClr val="tx1"/>
+                </a:solidFill>
+                <a:latin typeface="+mj-lt"/>
+              </a:rPr>
+              <a:t>(3</a:t>
+            </a:r>
+            <a:r>
+              <a:rPr lang="en-US" altLang="ko-KR" sz="1000" b="1" dirty="0" smtClean="0">
+                <a:latin typeface="+mj-lt"/>
+              </a:rPr>
+              <a:t>D</a:t>
+            </a:r>
+            <a:r>
+              <a:rPr lang="ko-KR" altLang="en-US" sz="1000" b="1" dirty="0" smtClean="0">
+                <a:latin typeface="+mj-lt"/>
+              </a:rPr>
+              <a:t>모델</a:t>
+            </a:r>
+            <a:r>
+              <a:rPr lang="en-US" altLang="ko-KR" sz="1000" b="1" dirty="0" smtClean="0">
+                <a:latin typeface="+mj-lt"/>
+              </a:rPr>
+              <a:t>)</a:t>
+            </a:r>
+            <a:endParaRPr lang="ko-KR" altLang="en-US" sz="1000" b="1" dirty="0" smtClean="0">
+              <a:solidFill>
+                <a:schemeClr val="tx1"/>
+              </a:solidFill>
+              <a:latin typeface="+mj-lt"/>
+            </a:endParaRPr>
+          </a:p>
+        </p:txBody>
+      </p:sp>
+      <p:cxnSp>
+        <p:nvCxnSpPr>
+          <p:cNvPr id="114" name="직선 화살표 연결선 63"/>
+          <p:cNvCxnSpPr>
+            <a:stCxn id="58" idx="0"/>
+            <a:endCxn id="112" idx="3"/>
+          </p:cNvCxnSpPr>
+          <p:nvPr/>
+        </p:nvCxnSpPr>
+        <p:spPr>
+          <a:xfrm rot="16200000" flipV="1">
+            <a:off x="5496957" y="1159229"/>
+            <a:ext cx="653964" cy="1780598"/>
+          </a:xfrm>
+          <a:prstGeom prst="curvedConnector2">
+            <a:avLst/>
+          </a:prstGeom>
+          <a:ln>
+            <a:tailEnd type="arrow"/>
+          </a:ln>
+        </p:spPr>
+        <p:style>
+          <a:lnRef idx="2">
+            <a:schemeClr val="accent3"/>
+          </a:lnRef>
+          <a:fillRef idx="0">
+            <a:schemeClr val="accent3"/>
+          </a:fillRef>
+          <a:effectRef idx="1">
+            <a:schemeClr val="accent3"/>
+          </a:effectRef>
+          <a:fontRef idx="minor">
+            <a:schemeClr val="tx1"/>
+          </a:fontRef>
+        </p:style>
+      </p:cxnSp>
+      <p:cxnSp>
+        <p:nvCxnSpPr>
+          <p:cNvPr id="115" name="직선 화살표 연결선 66"/>
+          <p:cNvCxnSpPr>
+            <a:stCxn id="112" idx="1"/>
+            <a:endCxn id="10" idx="0"/>
+          </p:cNvCxnSpPr>
+          <p:nvPr/>
+        </p:nvCxnSpPr>
+        <p:spPr>
+          <a:xfrm rot="10800000" flipV="1">
+            <a:off x="2078566" y="1722545"/>
+            <a:ext cx="1522927" cy="908513"/>
+          </a:xfrm>
+          <a:prstGeom prst="curvedConnector2">
+            <a:avLst/>
+          </a:prstGeom>
+          <a:ln>
+            <a:tailEnd type="arrow"/>
+          </a:ln>
+        </p:spPr>
+        <p:style>
+          <a:lnRef idx="2">
+            <a:schemeClr val="accent3"/>
+          </a:lnRef>
+          <a:fillRef idx="0">
+            <a:schemeClr val="accent3"/>
+          </a:fillRef>
+          <a:effectRef idx="1">
+            <a:schemeClr val="accent3"/>
+          </a:effectRef>
+          <a:fontRef idx="minor">
+            <a:schemeClr val="tx1"/>
+          </a:fontRef>
+        </p:style>
+      </p:cxnSp>
+      <p:sp>
+        <p:nvSpPr>
+          <p:cNvPr id="116" name="TextBox 115"/>
+          <p:cNvSpPr txBox="1"/>
+          <p:nvPr/>
+        </p:nvSpPr>
+        <p:spPr>
+          <a:xfrm>
+            <a:off x="2287348" y="1491713"/>
+            <a:ext cx="1040349" cy="230832"/>
+          </a:xfrm>
+          <a:prstGeom prst="rect">
+            <a:avLst/>
+          </a:prstGeom>
+        </p:spPr>
+        <p:txBody>
+          <a:bodyPr wrap="none" lIns="0" tIns="0" rIns="0" bIns="0" rtlCol="0" anchor="ctr">
+            <a:spAutoFit/>
+          </a:bodyPr>
+          <a:lstStyle/>
+          <a:p>
+            <a:pPr marL="0" indent="0">
+              <a:lnSpc>
+                <a:spcPct val="150000"/>
+              </a:lnSpc>
+              <a:buNone/>
+            </a:pPr>
+            <a:r>
+              <a:rPr lang="ko-KR" altLang="en-US" sz="1000" b="1" dirty="0" smtClean="0">
+                <a:solidFill>
+                  <a:schemeClr val="tx1"/>
+                </a:solidFill>
+                <a:latin typeface="+mj-lt"/>
+              </a:rPr>
+              <a:t>물체</a:t>
+            </a:r>
+            <a:r>
+              <a:rPr lang="ko-KR" altLang="en-US" sz="1000" b="1" dirty="0" smtClean="0">
+                <a:latin typeface="+mj-lt"/>
+              </a:rPr>
+              <a:t>의 </a:t>
+            </a:r>
+            <a:r>
+              <a:rPr lang="en-US" altLang="ko-KR" sz="1000" b="1" dirty="0" smtClean="0">
+                <a:latin typeface="+mj-lt"/>
+              </a:rPr>
+              <a:t>rotation</a:t>
+            </a:r>
+            <a:r>
+              <a:rPr lang="ko-KR" altLang="en-US" sz="1000" b="1" dirty="0" smtClean="0">
+                <a:latin typeface="+mj-lt"/>
+              </a:rPr>
+              <a:t> 값</a:t>
+            </a:r>
+            <a:endParaRPr lang="ko-KR" altLang="en-US" sz="1000" b="1" dirty="0" smtClean="0">
+              <a:solidFill>
+                <a:schemeClr val="tx1"/>
+              </a:solidFill>
+              <a:latin typeface="+mj-lt"/>
+            </a:endParaRPr>
+          </a:p>
+        </p:txBody>
+      </p:sp>
+      <p:sp>
+        <p:nvSpPr>
+          <p:cNvPr id="121" name="TextBox 120"/>
+          <p:cNvSpPr txBox="1"/>
+          <p:nvPr/>
+        </p:nvSpPr>
+        <p:spPr>
+          <a:xfrm>
+            <a:off x="4482042" y="3399842"/>
+            <a:ext cx="674865" cy="194925"/>
+          </a:xfrm>
+          <a:prstGeom prst="rect">
+            <a:avLst/>
+          </a:prstGeom>
+        </p:spPr>
+        <p:txBody>
+          <a:bodyPr wrap="none" lIns="0" tIns="0" rIns="0" bIns="0" rtlCol="0" anchor="ctr">
+            <a:spAutoFit/>
+          </a:bodyPr>
+          <a:lstStyle/>
+          <a:p>
+            <a:pPr marL="0" indent="0">
+              <a:lnSpc>
+                <a:spcPct val="150000"/>
+              </a:lnSpc>
+              <a:buNone/>
+            </a:pPr>
+            <a:r>
+              <a:rPr lang="ko-KR" altLang="en-US" sz="1000" b="1" dirty="0" smtClean="0">
+                <a:solidFill>
+                  <a:schemeClr val="tx1"/>
+                </a:solidFill>
+                <a:latin typeface="+mj-lt"/>
+              </a:rPr>
+              <a:t>원판의 좌표</a:t>
+            </a:r>
+            <a:endParaRPr lang="ko-KR" altLang="en-US" sz="1000" b="1" dirty="0" smtClean="0">
+              <a:solidFill>
+                <a:schemeClr val="tx1"/>
+              </a:solidFill>
+              <a:latin typeface="+mj-lt"/>
+            </a:endParaRPr>
+          </a:p>
+        </p:txBody>
+      </p:sp>
+      <p:grpSp>
+        <p:nvGrpSpPr>
+          <p:cNvPr id="122" name="그룹 121"/>
+          <p:cNvGrpSpPr/>
+          <p:nvPr/>
+        </p:nvGrpSpPr>
+        <p:grpSpPr>
+          <a:xfrm>
+            <a:off x="3651847" y="3799369"/>
+            <a:ext cx="1576577" cy="428565"/>
+            <a:chOff x="3851920" y="1809753"/>
+            <a:chExt cx="1620181" cy="555688"/>
+          </a:xfrm>
+        </p:grpSpPr>
+        <p:sp>
+          <p:nvSpPr>
+            <p:cNvPr id="123" name="직사각형 122"/>
+            <p:cNvSpPr/>
+            <p:nvPr/>
+          </p:nvSpPr>
+          <p:spPr>
+            <a:xfrm>
+              <a:off x="3851920" y="1815666"/>
+              <a:ext cx="1620180" cy="45719"/>
+            </a:xfrm>
+            <a:prstGeom prst="rect">
+              <a:avLst/>
+            </a:prstGeom>
+            <a:solidFill>
+              <a:schemeClr val="tx1"/>
+            </a:solidFill>
+            <a:ln w="9525">
+              <a:noFill/>
+              <a:round/>
+            </a:ln>
+          </p:spPr>
+          <p:txBody>
+            <a:bodyPr vert="horz" wrap="square" lIns="91440" tIns="45720" rIns="91440" bIns="45720" numCol="1" rtlCol="0" anchor="t" anchorCtr="0" compatLnSpc="1">
+              <a:prstTxWarp prst="textNoShape">
+                <a:avLst/>
+              </a:prstTxWarp>
+            </a:bodyPr>
+            <a:lstStyle/>
+            <a:p>
+              <a:pPr algn="ctr"/>
+              <a:endParaRPr lang="ko-KR" altLang="en-US"/>
+            </a:p>
+          </p:txBody>
+        </p:sp>
+        <p:sp>
+          <p:nvSpPr>
+            <p:cNvPr id="124" name="직사각형 123"/>
+            <p:cNvSpPr/>
+            <p:nvPr/>
+          </p:nvSpPr>
+          <p:spPr>
+            <a:xfrm>
+              <a:off x="3851920" y="2319722"/>
+              <a:ext cx="1620180" cy="45719"/>
+            </a:xfrm>
+            <a:prstGeom prst="rect">
+              <a:avLst/>
+            </a:prstGeom>
+            <a:solidFill>
+              <a:schemeClr val="tx1"/>
+            </a:solidFill>
+            <a:ln w="9525">
+              <a:noFill/>
+              <a:round/>
+            </a:ln>
+          </p:spPr>
+          <p:txBody>
+            <a:bodyPr vert="horz" wrap="square" lIns="91440" tIns="45720" rIns="91440" bIns="45720" numCol="1" rtlCol="0" anchor="t" anchorCtr="0" compatLnSpc="1">
+              <a:prstTxWarp prst="textNoShape">
+                <a:avLst/>
+              </a:prstTxWarp>
+            </a:bodyPr>
+            <a:lstStyle/>
+            <a:p>
+              <a:pPr algn="ctr"/>
+              <a:endParaRPr lang="ko-KR" altLang="en-US"/>
+            </a:p>
+          </p:txBody>
+        </p:sp>
+        <p:sp>
+          <p:nvSpPr>
+            <p:cNvPr id="125" name="TextBox 124"/>
+            <p:cNvSpPr txBox="1"/>
+            <p:nvPr/>
+          </p:nvSpPr>
+          <p:spPr>
+            <a:xfrm>
+              <a:off x="3851921" y="1809753"/>
+              <a:ext cx="1620180" cy="538745"/>
+            </a:xfrm>
+            <a:prstGeom prst="rect">
+              <a:avLst/>
+            </a:prstGeom>
+          </p:spPr>
+          <p:txBody>
+            <a:bodyPr wrap="square" lIns="0" tIns="0" rIns="0" bIns="0" rtlCol="0" anchor="ctr">
+              <a:spAutoFit/>
+            </a:bodyPr>
+            <a:lstStyle/>
+            <a:p>
+              <a:pPr marL="0" indent="0" algn="ctr">
+                <a:lnSpc>
+                  <a:spcPct val="150000"/>
+                </a:lnSpc>
+                <a:buNone/>
+              </a:pPr>
+              <a:r>
+                <a:rPr lang="ko-KR" altLang="en-US" b="1" dirty="0" smtClean="0">
+                  <a:latin typeface="+mj-lt"/>
+                </a:rPr>
+                <a:t>원판</a:t>
+              </a:r>
+              <a:r>
+                <a:rPr lang="ko-KR" altLang="en-US" b="1" dirty="0">
+                  <a:latin typeface="+mj-lt"/>
+                </a:rPr>
+                <a:t>의</a:t>
+              </a:r>
+              <a:r>
+                <a:rPr lang="en-US" altLang="ko-KR" b="1" dirty="0" smtClean="0">
+                  <a:solidFill>
+                    <a:schemeClr val="tx1"/>
+                  </a:solidFill>
+                  <a:latin typeface="+mj-lt"/>
+                </a:rPr>
+                <a:t> </a:t>
+              </a:r>
+              <a:r>
+                <a:rPr lang="ko-KR" altLang="en-US" b="1" dirty="0" smtClean="0">
+                  <a:solidFill>
+                    <a:schemeClr val="tx1"/>
+                  </a:solidFill>
+                  <a:latin typeface="+mj-lt"/>
+                </a:rPr>
+                <a:t>좌표</a:t>
+              </a:r>
+            </a:p>
+          </p:txBody>
+        </p:sp>
+      </p:grpSp>
+    </p:spTree>
+    <p:extLst>
+      <p:ext uri="{BB962C8B-B14F-4D97-AF65-F5344CB8AC3E}">
+        <p14:creationId xmlns:p14="http://schemas.microsoft.com/office/powerpoint/2010/main" val="92848842"/>
+      </p:ext>
+    </p:extLst>
+  </p:cSld>
+  <p:clrMapOvr>
+    <a:masterClrMapping/>
+  </p:clrMapOvr>
+  <mc:AlternateContent xmlns:mc="http://schemas.openxmlformats.org/markup-compatibility/2006" xmlns:p14="http://schemas.microsoft.com/office/powerpoint/2010/main">
+    <mc:Choice Requires="p14">
+      <p:transition spd="med" p14:dur="700" advTm="20000">
+        <p:fade/>
+      </p:transition>
+    </mc:Choice>
+    <mc:Fallback xmlns="">
+      <p:transition spd="med" advTm="20000">
+        <p:fade/>
+      </p:transition>
+    </mc:Fallback>
+  </mc:AlternateContent>
+  <p:timing>
+    <p:tnLst>
+      <p:par>
+        <p:cTn id="1" dur="indefinite" restart="never" nodeType="tmRoot"/>
+      </p:par>
+    </p:tnLst>
+  </p:timing>
+</p:sld>
+</file>
+
+<file path=ppt/slides/slide19.xml><?xml version="1.0" encoding="utf-8"?>
+<p:sld xmlns:a="http://schemas.openxmlformats.org/drawingml/2006/main" xmlns:r="http://schemas.openxmlformats.org/officeDocument/2006/relationships" xmlns:p="http://schemas.openxmlformats.org/presentationml/2006/main">
+  <p:cSld>
+    <p:spTree>
+      <p:nvGrpSpPr>
+        <p:cNvPr id="1" name=""/>
+        <p:cNvGrpSpPr/>
+        <p:nvPr/>
+      </p:nvGrpSpPr>
+      <p:grpSpPr>
+        <a:xfrm>
+          <a:off x="0" y="0"/>
+          <a:ext cx="0" cy="0"/>
+          <a:chOff x="0" y="0"/>
+          <a:chExt cx="0" cy="0"/>
+        </a:xfrm>
+      </p:grpSpPr>
+      <p:sp>
+        <p:nvSpPr>
+          <p:cNvPr id="128" name="Title 1"/>
+          <p:cNvSpPr txBox="1"/>
+          <p:nvPr/>
+        </p:nvSpPr>
+        <p:spPr>
+          <a:xfrm>
+            <a:off x="381000" y="303498"/>
+            <a:ext cx="8368363" cy="495383"/>
+          </a:xfrm>
+          <a:prstGeom prst="rect">
+            <a:avLst/>
+          </a:prstGeom>
+        </p:spPr>
+        <p:txBody>
+          <a:bodyPr/>
+          <a:lstStyle>
+            <a:lvl1pPr algn="ctr" defTabSz="914400" rtl="0" eaLnBrk="1" latinLnBrk="0" hangingPunct="1">
+              <a:spcBef>
+                <a:spcPct val="0"/>
+              </a:spcBef>
+              <a:buNone/>
+              <a:defRPr sz="4400" kern="1200">
+                <a:solidFill>
+                  <a:schemeClr val="tx1"/>
+                </a:solidFill>
+                <a:latin typeface="+mj-lt"/>
+                <a:ea typeface="+mj-ea"/>
+                <a:cs typeface="+mj-cs"/>
+              </a:defRPr>
+            </a:lvl1pPr>
+          </a:lstStyle>
+          <a:p>
+            <a:pPr lvl="0">
+              <a:defRPr lang="ko-KR" altLang="en-US"/>
+            </a:pPr>
+            <a:r>
+              <a:rPr lang="en-US" altLang="ko-KR" sz="2800" dirty="0" smtClean="0">
+                <a:solidFill>
+                  <a:srgbClr val="FFFFFF">
+                    <a:lumMod val="50000"/>
+                  </a:srgbClr>
+                </a:solidFill>
+                <a:latin typeface="+mn-lt"/>
+                <a:ea typeface="+mn-ea"/>
+                <a:cs typeface="+mn-cs"/>
+              </a:rPr>
+              <a:t>select </a:t>
+            </a:r>
+            <a:r>
+              <a:rPr lang="ko-KR" altLang="en-US" sz="2800" dirty="0" smtClean="0">
+                <a:solidFill>
+                  <a:srgbClr val="FFFFFF">
+                    <a:lumMod val="50000"/>
+                  </a:srgbClr>
+                </a:solidFill>
+                <a:latin typeface="+mn-lt"/>
+                <a:ea typeface="+mn-ea"/>
+                <a:cs typeface="+mn-cs"/>
+              </a:rPr>
+              <a:t>모드</a:t>
+            </a:r>
+            <a:r>
+              <a:rPr lang="en-US" altLang="ko-KR" sz="2800" dirty="0" smtClean="0">
+                <a:solidFill>
+                  <a:srgbClr val="FFFFFF">
+                    <a:lumMod val="50000"/>
+                  </a:srgbClr>
+                </a:solidFill>
+                <a:latin typeface="+mn-lt"/>
+                <a:ea typeface="+mn-ea"/>
+                <a:cs typeface="+mn-cs"/>
+              </a:rPr>
+              <a:t>_</a:t>
+            </a:r>
+            <a:r>
+              <a:rPr lang="ko-KR" altLang="en-US" sz="2800" dirty="0" smtClean="0">
+                <a:solidFill>
+                  <a:srgbClr val="FFFFFF">
+                    <a:lumMod val="50000"/>
+                  </a:srgbClr>
+                </a:solidFill>
+                <a:latin typeface="+mn-lt"/>
+                <a:ea typeface="+mn-ea"/>
+                <a:cs typeface="+mn-cs"/>
+              </a:rPr>
+              <a:t>물체 </a:t>
+            </a:r>
+            <a:r>
+              <a:rPr lang="ko-KR" altLang="en-US" sz="2800" b="1" dirty="0" smtClean="0">
+                <a:solidFill>
+                  <a:srgbClr val="FFFFFF">
+                    <a:lumMod val="50000"/>
+                  </a:srgbClr>
+                </a:solidFill>
+                <a:latin typeface="+mn-lt"/>
+                <a:ea typeface="+mn-ea"/>
+                <a:cs typeface="+mn-cs"/>
+              </a:rPr>
+              <a:t>이동</a:t>
+            </a:r>
+            <a:endParaRPr lang="en-US" sz="4000" b="1" dirty="0">
+              <a:latin typeface="+mn-lt"/>
+              <a:ea typeface="+mn-ea"/>
+              <a:cs typeface="+mn-cs"/>
+            </a:endParaRPr>
+          </a:p>
+        </p:txBody>
+      </p:sp>
+      <p:sp>
+        <p:nvSpPr>
+          <p:cNvPr id="69" name="직사각형 68"/>
+          <p:cNvSpPr/>
+          <p:nvPr/>
+        </p:nvSpPr>
+        <p:spPr>
+          <a:xfrm>
+            <a:off x="843482" y="2939104"/>
+            <a:ext cx="1332148" cy="368470"/>
           </a:xfrm>
           <a:prstGeom prst="rect">
             <a:avLst/>
@@ -17075,16 +19184,672 @@
             <a:pPr algn="ctr"/>
             <a:r>
               <a:rPr lang="ko-KR" altLang="en-US" dirty="0" smtClean="0"/>
-              <a:t>길이 측정</a:t>
+              <a:t>사용자 폰</a:t>
             </a:r>
             <a:endParaRPr lang="ko-KR" altLang="en-US" dirty="0"/>
           </a:p>
         </p:txBody>
       </p:sp>
+      <p:cxnSp>
+        <p:nvCxnSpPr>
+          <p:cNvPr id="75" name="직선 화살표 연결선 74"/>
+          <p:cNvCxnSpPr>
+            <a:stCxn id="69" idx="3"/>
+            <a:endCxn id="84" idx="2"/>
+          </p:cNvCxnSpPr>
+          <p:nvPr/>
+        </p:nvCxnSpPr>
+        <p:spPr>
+          <a:xfrm flipV="1">
+            <a:off x="2175630" y="3123338"/>
+            <a:ext cx="684076" cy="1"/>
+          </a:xfrm>
+          <a:prstGeom prst="straightConnector1">
+            <a:avLst/>
+          </a:prstGeom>
+          <a:ln>
+            <a:tailEnd type="arrow"/>
+          </a:ln>
+        </p:spPr>
+        <p:style>
+          <a:lnRef idx="2">
+            <a:schemeClr val="accent6"/>
+          </a:lnRef>
+          <a:fillRef idx="0">
+            <a:schemeClr val="accent6"/>
+          </a:fillRef>
+          <a:effectRef idx="1">
+            <a:schemeClr val="accent6"/>
+          </a:effectRef>
+          <a:fontRef idx="minor">
+            <a:schemeClr val="tx1"/>
+          </a:fontRef>
+        </p:style>
+      </p:cxnSp>
+      <p:sp>
+        <p:nvSpPr>
+          <p:cNvPr id="84" name="타원 83"/>
+          <p:cNvSpPr/>
+          <p:nvPr/>
+        </p:nvSpPr>
+        <p:spPr>
+          <a:xfrm>
+            <a:off x="2859706" y="2776244"/>
+            <a:ext cx="1006512" cy="694187"/>
+          </a:xfrm>
+          <a:prstGeom prst="ellipse">
+            <a:avLst/>
+          </a:prstGeom>
+          <a:ln/>
+        </p:spPr>
+        <p:style>
+          <a:lnRef idx="2">
+            <a:schemeClr val="dk1"/>
+          </a:lnRef>
+          <a:fillRef idx="1">
+            <a:schemeClr val="lt1"/>
+          </a:fillRef>
+          <a:effectRef idx="0">
+            <a:schemeClr val="dk1"/>
+          </a:effectRef>
+          <a:fontRef idx="minor">
+            <a:schemeClr val="dk1"/>
+          </a:fontRef>
+        </p:style>
+        <p:txBody>
+          <a:bodyPr vert="horz" wrap="square" lIns="91440" tIns="45720" rIns="91440" bIns="45720" numCol="1" rtlCol="0" anchor="ctr" anchorCtr="0" compatLnSpc="1">
+            <a:prstTxWarp prst="textNoShape">
+              <a:avLst/>
+            </a:prstTxWarp>
+          </a:bodyPr>
+          <a:lstStyle/>
+          <a:p>
+            <a:pPr algn="ctr"/>
+            <a:r>
+              <a:rPr lang="ko-KR" altLang="en-US" sz="1200" dirty="0" smtClean="0"/>
+              <a:t>화면을 터치</a:t>
+            </a:r>
+            <a:endParaRPr lang="ko-KR" altLang="en-US" sz="1200" dirty="0"/>
+          </a:p>
+        </p:txBody>
+      </p:sp>
+      <p:cxnSp>
+        <p:nvCxnSpPr>
+          <p:cNvPr id="100" name="직선 화살표 연결선 99"/>
+          <p:cNvCxnSpPr>
+            <a:stCxn id="169" idx="2"/>
+            <a:endCxn id="131" idx="6"/>
+          </p:cNvCxnSpPr>
+          <p:nvPr/>
+        </p:nvCxnSpPr>
+        <p:spPr>
+          <a:xfrm rot="5400000">
+            <a:off x="6020817" y="2192093"/>
+            <a:ext cx="803500" cy="1058992"/>
+          </a:xfrm>
+          <a:prstGeom prst="curvedConnector2">
+            <a:avLst/>
+          </a:prstGeom>
+          <a:ln>
+            <a:tailEnd type="arrow"/>
+          </a:ln>
+        </p:spPr>
+        <p:style>
+          <a:lnRef idx="2">
+            <a:schemeClr val="accent6"/>
+          </a:lnRef>
+          <a:fillRef idx="0">
+            <a:schemeClr val="accent6"/>
+          </a:fillRef>
+          <a:effectRef idx="1">
+            <a:schemeClr val="accent6"/>
+          </a:effectRef>
+          <a:fontRef idx="minor">
+            <a:schemeClr val="tx1"/>
+          </a:fontRef>
+        </p:style>
+      </p:cxnSp>
+      <p:sp>
+        <p:nvSpPr>
+          <p:cNvPr id="104" name="TextBox 103"/>
+          <p:cNvSpPr txBox="1"/>
+          <p:nvPr/>
+        </p:nvSpPr>
+        <p:spPr>
+          <a:xfrm>
+            <a:off x="3909294" y="2859782"/>
+            <a:ext cx="716543" cy="230832"/>
+          </a:xfrm>
+          <a:prstGeom prst="rect">
+            <a:avLst/>
+          </a:prstGeom>
+        </p:spPr>
+        <p:txBody>
+          <a:bodyPr wrap="none" lIns="0" tIns="0" rIns="0" bIns="0" rtlCol="0" anchor="ctr">
+            <a:spAutoFit/>
+          </a:bodyPr>
+          <a:lstStyle/>
+          <a:p>
+            <a:pPr marL="0" indent="0">
+              <a:lnSpc>
+                <a:spcPct val="150000"/>
+              </a:lnSpc>
+              <a:buNone/>
+            </a:pPr>
+            <a:r>
+              <a:rPr lang="ko-KR" altLang="en-US" sz="1000" b="1" dirty="0" smtClean="0">
+                <a:latin typeface="+mj-lt"/>
+              </a:rPr>
+              <a:t>터치 좌표 값</a:t>
+            </a:r>
+            <a:endParaRPr lang="ko-KR" altLang="en-US" sz="1000" b="1" dirty="0" smtClean="0">
+              <a:solidFill>
+                <a:schemeClr val="tx1"/>
+              </a:solidFill>
+              <a:latin typeface="+mj-lt"/>
+            </a:endParaRPr>
+          </a:p>
+        </p:txBody>
+      </p:sp>
+      <p:cxnSp>
+        <p:nvCxnSpPr>
+          <p:cNvPr id="122" name="직선 화살표 연결선 121"/>
+          <p:cNvCxnSpPr>
+            <a:stCxn id="84" idx="6"/>
+            <a:endCxn id="131" idx="2"/>
+          </p:cNvCxnSpPr>
+          <p:nvPr/>
+        </p:nvCxnSpPr>
+        <p:spPr>
+          <a:xfrm>
+            <a:off x="3866218" y="3123338"/>
+            <a:ext cx="885802" cy="1"/>
+          </a:xfrm>
+          <a:prstGeom prst="straightConnector1">
+            <a:avLst/>
+          </a:prstGeom>
+          <a:ln>
+            <a:tailEnd type="arrow"/>
+          </a:ln>
+        </p:spPr>
+        <p:style>
+          <a:lnRef idx="2">
+            <a:schemeClr val="accent6"/>
+          </a:lnRef>
+          <a:fillRef idx="0">
+            <a:schemeClr val="accent6"/>
+          </a:fillRef>
+          <a:effectRef idx="1">
+            <a:schemeClr val="accent6"/>
+          </a:effectRef>
+          <a:fontRef idx="minor">
+            <a:schemeClr val="tx1"/>
+          </a:fontRef>
+        </p:style>
+      </p:cxnSp>
+      <p:sp>
+        <p:nvSpPr>
+          <p:cNvPr id="130" name="TextBox 129"/>
+          <p:cNvSpPr txBox="1"/>
+          <p:nvPr/>
+        </p:nvSpPr>
+        <p:spPr>
+          <a:xfrm>
+            <a:off x="4385413" y="2355726"/>
+            <a:ext cx="548227" cy="307777"/>
+          </a:xfrm>
+          <a:prstGeom prst="rect">
+            <a:avLst/>
+          </a:prstGeom>
+        </p:spPr>
+        <p:txBody>
+          <a:bodyPr wrap="none" lIns="0" tIns="0" rIns="0" bIns="0" rtlCol="0" anchor="ctr">
+            <a:spAutoFit/>
+          </a:bodyPr>
+          <a:lstStyle/>
+          <a:p>
+            <a:pPr marL="0" indent="0">
+              <a:buNone/>
+            </a:pPr>
+            <a:r>
+              <a:rPr lang="ko-KR" altLang="en-US" sz="1000" b="1" dirty="0" smtClean="0">
+                <a:solidFill>
+                  <a:schemeClr val="tx1"/>
+                </a:solidFill>
+                <a:latin typeface="+mj-lt"/>
+              </a:rPr>
+              <a:t>물체의</a:t>
+            </a:r>
+            <a:endParaRPr lang="en-US" altLang="ko-KR" sz="1000" b="1" dirty="0" smtClean="0">
+              <a:solidFill>
+                <a:schemeClr val="tx1"/>
+              </a:solidFill>
+              <a:latin typeface="+mj-lt"/>
+            </a:endParaRPr>
+          </a:p>
+          <a:p>
+            <a:pPr marL="0" indent="0">
+              <a:buNone/>
+            </a:pPr>
+            <a:r>
+              <a:rPr lang="ko-KR" altLang="en-US" sz="1000" b="1" dirty="0" smtClean="0">
+                <a:solidFill>
+                  <a:schemeClr val="tx1"/>
+                </a:solidFill>
+                <a:latin typeface="+mj-lt"/>
+              </a:rPr>
+              <a:t>위치 좌표</a:t>
+            </a:r>
+            <a:endParaRPr lang="ko-KR" altLang="en-US" sz="1000" b="1" dirty="0" smtClean="0">
+              <a:solidFill>
+                <a:schemeClr val="tx1"/>
+              </a:solidFill>
+              <a:latin typeface="+mj-lt"/>
+            </a:endParaRPr>
+          </a:p>
+        </p:txBody>
+      </p:sp>
+      <p:sp>
+        <p:nvSpPr>
+          <p:cNvPr id="131" name="타원 130"/>
+          <p:cNvSpPr/>
+          <p:nvPr/>
+        </p:nvSpPr>
+        <p:spPr>
+          <a:xfrm>
+            <a:off x="4752020" y="2715766"/>
+            <a:ext cx="1141051" cy="815146"/>
+          </a:xfrm>
+          <a:prstGeom prst="ellipse">
+            <a:avLst/>
+          </a:prstGeom>
+          <a:ln/>
+        </p:spPr>
+        <p:style>
+          <a:lnRef idx="2">
+            <a:schemeClr val="dk1"/>
+          </a:lnRef>
+          <a:fillRef idx="1">
+            <a:schemeClr val="lt1"/>
+          </a:fillRef>
+          <a:effectRef idx="0">
+            <a:schemeClr val="dk1"/>
+          </a:effectRef>
+          <a:fontRef idx="minor">
+            <a:schemeClr val="dk1"/>
+          </a:fontRef>
+        </p:style>
+        <p:txBody>
+          <a:bodyPr vert="horz" wrap="square" lIns="91440" tIns="45720" rIns="91440" bIns="45720" numCol="1" rtlCol="0" anchor="ctr" anchorCtr="0" compatLnSpc="1">
+            <a:prstTxWarp prst="textNoShape">
+              <a:avLst/>
+            </a:prstTxWarp>
+          </a:bodyPr>
+          <a:lstStyle/>
+          <a:p>
+            <a:pPr algn="ctr"/>
+            <a:r>
+              <a:rPr lang="ko-KR" altLang="en-US" sz="1100" b="1" dirty="0" smtClean="0"/>
+              <a:t>물체의 위치 좌표 갱신</a:t>
+            </a:r>
+            <a:endParaRPr lang="ko-KR" altLang="en-US" sz="1100" b="1" dirty="0"/>
+          </a:p>
+        </p:txBody>
+      </p:sp>
+      <p:sp>
+        <p:nvSpPr>
+          <p:cNvPr id="132" name="TextBox 131"/>
+          <p:cNvSpPr txBox="1"/>
+          <p:nvPr/>
+        </p:nvSpPr>
+        <p:spPr>
+          <a:xfrm>
+            <a:off x="5909961" y="2624238"/>
+            <a:ext cx="713337" cy="230832"/>
+          </a:xfrm>
+          <a:prstGeom prst="rect">
+            <a:avLst/>
+          </a:prstGeom>
+        </p:spPr>
+        <p:txBody>
+          <a:bodyPr wrap="none" lIns="0" tIns="0" rIns="0" bIns="0" rtlCol="0" anchor="ctr">
+            <a:spAutoFit/>
+          </a:bodyPr>
+          <a:lstStyle/>
+          <a:p>
+            <a:pPr marL="0" indent="0">
+              <a:lnSpc>
+                <a:spcPct val="150000"/>
+              </a:lnSpc>
+              <a:buNone/>
+            </a:pPr>
+            <a:r>
+              <a:rPr lang="en-US" altLang="ko-KR" sz="1000" b="1" dirty="0" smtClean="0">
+                <a:latin typeface="+mj-lt"/>
+              </a:rPr>
+              <a:t>AR</a:t>
+            </a:r>
+            <a:r>
+              <a:rPr lang="ko-KR" altLang="en-US" sz="1000" b="1" dirty="0" smtClean="0">
+                <a:latin typeface="+mj-lt"/>
+              </a:rPr>
+              <a:t>공간 정보</a:t>
+            </a:r>
+            <a:endParaRPr lang="ko-KR" altLang="en-US" sz="1000" b="1" dirty="0" smtClean="0">
+              <a:solidFill>
+                <a:schemeClr val="tx1"/>
+              </a:solidFill>
+              <a:latin typeface="+mj-lt"/>
+            </a:endParaRPr>
+          </a:p>
+        </p:txBody>
+      </p:sp>
+      <p:cxnSp>
+        <p:nvCxnSpPr>
+          <p:cNvPr id="150" name="직선 화살표 연결선 149"/>
+          <p:cNvCxnSpPr>
+            <a:stCxn id="153" idx="2"/>
+            <a:endCxn id="131" idx="0"/>
+          </p:cNvCxnSpPr>
+          <p:nvPr/>
+        </p:nvCxnSpPr>
+        <p:spPr>
+          <a:xfrm rot="16200000" flipH="1">
+            <a:off x="4425169" y="1818388"/>
+            <a:ext cx="739775" cy="1054980"/>
+          </a:xfrm>
+          <a:prstGeom prst="curvedConnector3">
+            <a:avLst>
+              <a:gd name="adj1" fmla="val 50000"/>
+            </a:avLst>
+          </a:prstGeom>
+          <a:ln>
+            <a:headEnd type="arrow"/>
+            <a:tailEnd type="arrow"/>
+          </a:ln>
+        </p:spPr>
+        <p:style>
+          <a:lnRef idx="2">
+            <a:schemeClr val="accent6"/>
+          </a:lnRef>
+          <a:fillRef idx="0">
+            <a:schemeClr val="accent6"/>
+          </a:fillRef>
+          <a:effectRef idx="1">
+            <a:schemeClr val="accent6"/>
+          </a:effectRef>
+          <a:fontRef idx="minor">
+            <a:schemeClr val="tx1"/>
+          </a:fontRef>
+        </p:style>
+      </p:cxnSp>
+      <p:grpSp>
+        <p:nvGrpSpPr>
+          <p:cNvPr id="151" name="그룹 150"/>
+          <p:cNvGrpSpPr/>
+          <p:nvPr/>
+        </p:nvGrpSpPr>
+        <p:grpSpPr>
+          <a:xfrm>
+            <a:off x="3601492" y="1547113"/>
+            <a:ext cx="1332148" cy="428878"/>
+            <a:chOff x="3851920" y="1809348"/>
+            <a:chExt cx="1620180" cy="556093"/>
+          </a:xfrm>
+        </p:grpSpPr>
+        <p:sp>
+          <p:nvSpPr>
+            <p:cNvPr id="152" name="직사각형 151"/>
+            <p:cNvSpPr/>
+            <p:nvPr/>
+          </p:nvSpPr>
+          <p:spPr>
+            <a:xfrm>
+              <a:off x="3851920" y="1815666"/>
+              <a:ext cx="1620180" cy="45719"/>
+            </a:xfrm>
+            <a:prstGeom prst="rect">
+              <a:avLst/>
+            </a:prstGeom>
+            <a:solidFill>
+              <a:schemeClr val="tx1"/>
+            </a:solidFill>
+            <a:ln w="9525">
+              <a:noFill/>
+              <a:round/>
+            </a:ln>
+          </p:spPr>
+          <p:txBody>
+            <a:bodyPr vert="horz" wrap="square" lIns="91440" tIns="45720" rIns="91440" bIns="45720" numCol="1" rtlCol="0" anchor="t" anchorCtr="0" compatLnSpc="1">
+              <a:prstTxWarp prst="textNoShape">
+                <a:avLst/>
+              </a:prstTxWarp>
+            </a:bodyPr>
+            <a:lstStyle/>
+            <a:p>
+              <a:pPr algn="ctr"/>
+              <a:endParaRPr lang="ko-KR" altLang="en-US"/>
+            </a:p>
+          </p:txBody>
+        </p:sp>
+        <p:sp>
+          <p:nvSpPr>
+            <p:cNvPr id="153" name="직사각형 152"/>
+            <p:cNvSpPr/>
+            <p:nvPr/>
+          </p:nvSpPr>
+          <p:spPr>
+            <a:xfrm>
+              <a:off x="3851920" y="2319722"/>
+              <a:ext cx="1620180" cy="45719"/>
+            </a:xfrm>
+            <a:prstGeom prst="rect">
+              <a:avLst/>
+            </a:prstGeom>
+            <a:solidFill>
+              <a:schemeClr val="tx1"/>
+            </a:solidFill>
+            <a:ln w="9525">
+              <a:noFill/>
+              <a:round/>
+            </a:ln>
+          </p:spPr>
+          <p:txBody>
+            <a:bodyPr vert="horz" wrap="square" lIns="91440" tIns="45720" rIns="91440" bIns="45720" numCol="1" rtlCol="0" anchor="t" anchorCtr="0" compatLnSpc="1">
+              <a:prstTxWarp prst="textNoShape">
+                <a:avLst/>
+              </a:prstTxWarp>
+            </a:bodyPr>
+            <a:lstStyle/>
+            <a:p>
+              <a:pPr algn="ctr"/>
+              <a:endParaRPr lang="ko-KR" altLang="en-US"/>
+            </a:p>
+          </p:txBody>
+        </p:sp>
+        <p:sp>
+          <p:nvSpPr>
+            <p:cNvPr id="154" name="TextBox 153"/>
+            <p:cNvSpPr txBox="1"/>
+            <p:nvPr/>
+          </p:nvSpPr>
+          <p:spPr>
+            <a:xfrm>
+              <a:off x="3851920" y="1809348"/>
+              <a:ext cx="1620180" cy="454940"/>
+            </a:xfrm>
+            <a:prstGeom prst="rect">
+              <a:avLst/>
+            </a:prstGeom>
+          </p:spPr>
+          <p:txBody>
+            <a:bodyPr wrap="square" lIns="0" tIns="0" rIns="0" bIns="0" rtlCol="0" anchor="ctr">
+              <a:spAutoFit/>
+            </a:bodyPr>
+            <a:lstStyle/>
+            <a:p>
+              <a:pPr marL="0" indent="0" algn="ctr">
+                <a:lnSpc>
+                  <a:spcPct val="150000"/>
+                </a:lnSpc>
+                <a:buNone/>
+              </a:pPr>
+              <a:r>
+                <a:rPr lang="ko-KR" altLang="en-US" b="1" dirty="0" smtClean="0">
+                  <a:latin typeface="+mj-lt"/>
+                </a:rPr>
+                <a:t>선택된 물체</a:t>
+              </a:r>
+              <a:endParaRPr lang="ko-KR" altLang="en-US" b="1" dirty="0" smtClean="0">
+                <a:solidFill>
+                  <a:schemeClr val="tx1"/>
+                </a:solidFill>
+                <a:latin typeface="+mj-lt"/>
+              </a:endParaRPr>
+            </a:p>
+          </p:txBody>
+        </p:sp>
+      </p:grpSp>
+      <p:grpSp>
+        <p:nvGrpSpPr>
+          <p:cNvPr id="167" name="그룹 166"/>
+          <p:cNvGrpSpPr/>
+          <p:nvPr/>
+        </p:nvGrpSpPr>
+        <p:grpSpPr>
+          <a:xfrm>
+            <a:off x="6163775" y="1891277"/>
+            <a:ext cx="1576577" cy="428562"/>
+            <a:chOff x="3851920" y="1809757"/>
+            <a:chExt cx="1620181" cy="555684"/>
+          </a:xfrm>
+        </p:grpSpPr>
+        <p:sp>
+          <p:nvSpPr>
+            <p:cNvPr id="168" name="직사각형 167"/>
+            <p:cNvSpPr/>
+            <p:nvPr/>
+          </p:nvSpPr>
+          <p:spPr>
+            <a:xfrm>
+              <a:off x="3851920" y="1815666"/>
+              <a:ext cx="1620180" cy="45719"/>
+            </a:xfrm>
+            <a:prstGeom prst="rect">
+              <a:avLst/>
+            </a:prstGeom>
+            <a:solidFill>
+              <a:schemeClr val="tx1"/>
+            </a:solidFill>
+            <a:ln w="9525">
+              <a:noFill/>
+              <a:round/>
+            </a:ln>
+          </p:spPr>
+          <p:txBody>
+            <a:bodyPr vert="horz" wrap="square" lIns="91440" tIns="45720" rIns="91440" bIns="45720" numCol="1" rtlCol="0" anchor="t" anchorCtr="0" compatLnSpc="1">
+              <a:prstTxWarp prst="textNoShape">
+                <a:avLst/>
+              </a:prstTxWarp>
+            </a:bodyPr>
+            <a:lstStyle/>
+            <a:p>
+              <a:pPr algn="ctr"/>
+              <a:endParaRPr lang="ko-KR" altLang="en-US"/>
+            </a:p>
+          </p:txBody>
+        </p:sp>
+        <p:sp>
+          <p:nvSpPr>
+            <p:cNvPr id="169" name="직사각형 168"/>
+            <p:cNvSpPr/>
+            <p:nvPr/>
+          </p:nvSpPr>
+          <p:spPr>
+            <a:xfrm>
+              <a:off x="3851920" y="2319722"/>
+              <a:ext cx="1620180" cy="45719"/>
+            </a:xfrm>
+            <a:prstGeom prst="rect">
+              <a:avLst/>
+            </a:prstGeom>
+            <a:solidFill>
+              <a:schemeClr val="tx1"/>
+            </a:solidFill>
+            <a:ln w="9525">
+              <a:noFill/>
+              <a:round/>
+            </a:ln>
+          </p:spPr>
+          <p:txBody>
+            <a:bodyPr vert="horz" wrap="square" lIns="91440" tIns="45720" rIns="91440" bIns="45720" numCol="1" rtlCol="0" anchor="t" anchorCtr="0" compatLnSpc="1">
+              <a:prstTxWarp prst="textNoShape">
+                <a:avLst/>
+              </a:prstTxWarp>
+            </a:bodyPr>
+            <a:lstStyle/>
+            <a:p>
+              <a:pPr algn="ctr"/>
+              <a:endParaRPr lang="ko-KR" altLang="en-US"/>
+            </a:p>
+          </p:txBody>
+        </p:sp>
+        <p:sp>
+          <p:nvSpPr>
+            <p:cNvPr id="170" name="TextBox 169"/>
+            <p:cNvSpPr txBox="1"/>
+            <p:nvPr/>
+          </p:nvSpPr>
+          <p:spPr>
+            <a:xfrm>
+              <a:off x="3851921" y="1809757"/>
+              <a:ext cx="1620180" cy="538745"/>
+            </a:xfrm>
+            <a:prstGeom prst="rect">
+              <a:avLst/>
+            </a:prstGeom>
+          </p:spPr>
+          <p:txBody>
+            <a:bodyPr wrap="square" lIns="0" tIns="0" rIns="0" bIns="0" rtlCol="0" anchor="ctr">
+              <a:spAutoFit/>
+            </a:bodyPr>
+            <a:lstStyle/>
+            <a:p>
+              <a:pPr marL="0" indent="0" algn="ctr">
+                <a:lnSpc>
+                  <a:spcPct val="150000"/>
+                </a:lnSpc>
+                <a:buNone/>
+              </a:pPr>
+              <a:r>
+                <a:rPr lang="en-US" altLang="ko-KR" b="1" dirty="0" smtClean="0">
+                  <a:latin typeface="+mj-lt"/>
+                </a:rPr>
+                <a:t>AR</a:t>
+              </a:r>
+              <a:r>
+                <a:rPr lang="ko-KR" altLang="en-US" b="1" dirty="0" smtClean="0">
+                  <a:solidFill>
+                    <a:schemeClr val="tx1"/>
+                  </a:solidFill>
+                  <a:latin typeface="+mj-lt"/>
+                </a:rPr>
+                <a:t>공간 정보</a:t>
+              </a:r>
+              <a:endParaRPr lang="ko-KR" altLang="en-US" b="1" dirty="0" smtClean="0">
+                <a:solidFill>
+                  <a:schemeClr val="tx1"/>
+                </a:solidFill>
+                <a:latin typeface="+mj-lt"/>
+              </a:endParaRPr>
+            </a:p>
+          </p:txBody>
+        </p:sp>
+      </p:grpSp>
     </p:spTree>
     <p:extLst>
       <p:ext uri="{BB962C8B-B14F-4D97-AF65-F5344CB8AC3E}">
-        <p14:creationId xmlns:p14="http://schemas.microsoft.com/office/powerpoint/2010/main" val="1957242805"/>
+        <p14:creationId xmlns:p14="http://schemas.microsoft.com/office/powerpoint/2010/main" val="1476798313"/>
       </p:ext>
     </p:extLst>
   </p:cSld>
@@ -17093,247 +19858,12 @@
   </p:clrMapOvr>
   <mc:AlternateContent xmlns:mc="http://schemas.openxmlformats.org/markup-compatibility/2006" xmlns:p14="http://schemas.microsoft.com/office/powerpoint/2010/main">
     <mc:Choice Requires="p14">
-      <p:transition spd="med" p14:dur="700">
+      <p:transition spd="med" p14:dur="700" advTm="20000">
         <p:fade/>
       </p:transition>
     </mc:Choice>
     <mc:Fallback xmlns="">
-      <p:transition spd="med">
-        <p:fade/>
-      </p:transition>
-    </mc:Fallback>
-  </mc:AlternateContent>
-  <p:timing>
-    <p:tnLst>
-      <p:par>
-        <p:cTn id="1" dur="indefinite" restart="never" nodeType="tmRoot"/>
-      </p:par>
-    </p:tnLst>
-  </p:timing>
-</p:sld>
-</file>
-
-<file path=ppt/slides/slide18.xml><?xml version="1.0" encoding="utf-8"?>
-<p:sld xmlns:a="http://schemas.openxmlformats.org/drawingml/2006/main" xmlns:r="http://schemas.openxmlformats.org/officeDocument/2006/relationships" xmlns:p="http://schemas.openxmlformats.org/presentationml/2006/main">
-  <p:cSld>
-    <p:spTree>
-      <p:nvGrpSpPr>
-        <p:cNvPr id="1" name=""/>
-        <p:cNvGrpSpPr/>
-        <p:nvPr/>
-      </p:nvGrpSpPr>
-      <p:grpSpPr>
-        <a:xfrm>
-          <a:off x="0" y="0"/>
-          <a:ext cx="0" cy="0"/>
-          <a:chOff x="0" y="0"/>
-          <a:chExt cx="0" cy="0"/>
-        </a:xfrm>
-      </p:grpSpPr>
-      <p:sp>
-        <p:nvSpPr>
-          <p:cNvPr id="7" name="제목 6"/>
-          <p:cNvSpPr>
-            <a:spLocks noGrp="1"/>
-          </p:cNvSpPr>
-          <p:nvPr>
-            <p:ph type="title"/>
-          </p:nvPr>
-        </p:nvSpPr>
-        <p:spPr/>
-        <p:txBody>
-          <a:bodyPr/>
-          <a:lstStyle/>
-          <a:p>
-            <a:pPr lvl="0">
-              <a:defRPr lang="ko-KR" altLang="en-US"/>
-            </a:pPr>
-            <a:r>
-              <a:rPr lang="ko-KR" altLang="en-US" dirty="0" smtClean="0"/>
-              <a:t>사용 영상</a:t>
-            </a:r>
-            <a:endParaRPr lang="ko-KR" altLang="en-US" dirty="0"/>
-          </a:p>
-        </p:txBody>
-      </p:sp>
-      <p:sp>
-        <p:nvSpPr>
-          <p:cNvPr id="2" name="직사각형 1"/>
-          <p:cNvSpPr/>
-          <p:nvPr/>
-        </p:nvSpPr>
-        <p:spPr>
-          <a:xfrm>
-            <a:off x="685800" y="1200150"/>
-            <a:ext cx="7848600" cy="3505200"/>
-          </a:xfrm>
-          <a:prstGeom prst="rect">
-            <a:avLst/>
-          </a:prstGeom>
-          <a:solidFill>
-            <a:schemeClr val="accent5">
-              <a:lumMod val="20000"/>
-              <a:lumOff val="80000"/>
-            </a:schemeClr>
-          </a:solidFill>
-          <a:ln w="9525">
-            <a:noFill/>
-            <a:round/>
-          </a:ln>
-        </p:spPr>
-        <p:txBody>
-          <a:bodyPr vert="horz" wrap="square" lIns="91440" tIns="45720" rIns="91440" bIns="45720" anchor="t" anchorCtr="0"/>
-          <a:lstStyle/>
-          <a:p>
-            <a:pPr algn="ctr">
-              <a:defRPr lang="ko-KR" altLang="en-US"/>
-            </a:pPr>
-            <a:r>
-              <a:rPr lang="en-US" altLang="ko-KR">
-                <a:latin typeface="+mn-lt"/>
-                <a:ea typeface="+mn-ea"/>
-                <a:cs typeface="+mn-cs"/>
-              </a:rPr>
-              <a:t>~</a:t>
-            </a:r>
-            <a:r>
-              <a:rPr lang="ko-KR" altLang="en-US">
-                <a:latin typeface="+mn-lt"/>
-                <a:ea typeface="+mn-ea"/>
-                <a:cs typeface="+mn-cs"/>
-              </a:rPr>
-              <a:t>영상</a:t>
-            </a:r>
-            <a:r>
-              <a:rPr lang="en-US" altLang="ko-KR">
-                <a:latin typeface="+mn-lt"/>
-                <a:ea typeface="+mn-ea"/>
-                <a:cs typeface="+mn-cs"/>
-              </a:rPr>
-              <a:t>~</a:t>
-            </a:r>
-            <a:endParaRPr lang="ko-KR" altLang="en-US">
-              <a:latin typeface="+mn-lt"/>
-              <a:ea typeface="+mn-ea"/>
-              <a:cs typeface="+mn-cs"/>
-            </a:endParaRPr>
-          </a:p>
-        </p:txBody>
-      </p:sp>
-    </p:spTree>
-    <p:extLst>
-      <p:ext uri="{BB962C8B-B14F-4D97-AF65-F5344CB8AC3E}">
-        <p14:creationId xmlns:p14="http://schemas.microsoft.com/office/powerpoint/2010/main" val="16732786"/>
-      </p:ext>
-    </p:extLst>
-  </p:cSld>
-  <p:clrMapOvr>
-    <a:masterClrMapping/>
-  </p:clrMapOvr>
-  <mc:AlternateContent xmlns:mc="http://schemas.openxmlformats.org/markup-compatibility/2006" xmlns:p14="http://schemas.microsoft.com/office/powerpoint/2010/main">
-    <mc:Choice Requires="p14">
-      <p:transition spd="med" p14:dur="700">
-        <p:fade/>
-      </p:transition>
-    </mc:Choice>
-    <mc:Fallback xmlns="">
-      <p:transition spd="med">
-        <p:fade/>
-      </p:transition>
-    </mc:Fallback>
-  </mc:AlternateContent>
-  <p:timing>
-    <p:tnLst>
-      <p:par>
-        <p:cTn id="1" dur="indefinite" restart="never" nodeType="tmRoot"/>
-      </p:par>
-    </p:tnLst>
-  </p:timing>
-</p:sld>
-</file>
-
-<file path=ppt/slides/slide19.xml><?xml version="1.0" encoding="utf-8"?>
-<p:sld xmlns:a="http://schemas.openxmlformats.org/drawingml/2006/main" xmlns:r="http://schemas.openxmlformats.org/officeDocument/2006/relationships" xmlns:p="http://schemas.openxmlformats.org/presentationml/2006/main" showMasterSp="0">
-  <p:cSld>
-    <p:spTree>
-      <p:nvGrpSpPr>
-        <p:cNvPr id="1" name=""/>
-        <p:cNvGrpSpPr/>
-        <p:nvPr/>
-      </p:nvGrpSpPr>
-      <p:grpSpPr>
-        <a:xfrm>
-          <a:off x="0" y="0"/>
-          <a:ext cx="0" cy="0"/>
-          <a:chOff x="0" y="0"/>
-          <a:chExt cx="0" cy="0"/>
-        </a:xfrm>
-      </p:grpSpPr>
-      <p:sp>
-        <p:nvSpPr>
-          <p:cNvPr id="12" name="제목 11"/>
-          <p:cNvSpPr>
-            <a:spLocks noGrp="1"/>
-          </p:cNvSpPr>
-          <p:nvPr>
-            <p:ph type="title"/>
-          </p:nvPr>
-        </p:nvSpPr>
-        <p:spPr>
-          <a:xfrm>
-            <a:off x="323528" y="591530"/>
-            <a:ext cx="8368363" cy="495383"/>
-          </a:xfrm>
-        </p:spPr>
-        <p:txBody>
-          <a:bodyPr/>
-          <a:lstStyle/>
-          <a:p>
-            <a:pPr lvl="0">
-              <a:defRPr lang="ko-KR" altLang="en-US"/>
-            </a:pPr>
-            <a:r>
-              <a:rPr lang="ko-KR" altLang="en-US" dirty="0"/>
-              <a:t>역할분담</a:t>
-            </a:r>
-          </a:p>
-        </p:txBody>
-      </p:sp>
-      <p:graphicFrame>
-        <p:nvGraphicFramePr>
-          <p:cNvPr id="13" name="다이어그램 12"/>
-          <p:cNvGraphicFramePr/>
-          <p:nvPr>
-            <p:extLst>
-              <p:ext uri="{D42A27DB-BD31-4B8C-83A1-F6EECF244321}">
-                <p14:modId xmlns:p14="http://schemas.microsoft.com/office/powerpoint/2010/main" val="1971593582"/>
-              </p:ext>
-            </p:extLst>
-          </p:nvPr>
-        </p:nvGraphicFramePr>
-        <p:xfrm>
-          <a:off x="1547664" y="1779662"/>
-          <a:ext cx="5868652" cy="2232248"/>
-        </p:xfrm>
-        <a:graphic>
-          <a:graphicData uri="http://schemas.openxmlformats.org/drawingml/2006/diagram">
-            <dgm:relIds xmlns:dgm="http://schemas.openxmlformats.org/drawingml/2006/diagram" xmlns:r="http://schemas.openxmlformats.org/officeDocument/2006/relationships" r:dm="rId2" r:lo="rId3" r:qs="rId4" r:cs="rId5"/>
-          </a:graphicData>
-        </a:graphic>
-      </p:graphicFrame>
-    </p:spTree>
-  </p:cSld>
-  <p:clrMapOvr>
-    <a:masterClrMapping/>
-  </p:clrMapOvr>
-  <mc:AlternateContent xmlns:mc="http://schemas.openxmlformats.org/markup-compatibility/2006" xmlns:p14="http://schemas.microsoft.com/office/powerpoint/2010/main">
-    <mc:Choice Requires="p14">
-      <p:transition spd="med" p14:dur="700">
-        <p:fade/>
-      </p:transition>
-    </mc:Choice>
-    <mc:Fallback xmlns="">
-      <p:transition spd="med">
+      <p:transition spd="med" advTm="20000">
         <p:fade/>
       </p:transition>
     </mc:Fallback>
@@ -26751,6 +29281,1838 @@
 </file>
 
 <file path=ppt/slides/slide20.xml><?xml version="1.0" encoding="utf-8"?>
+<p:sld xmlns:a="http://schemas.openxmlformats.org/drawingml/2006/main" xmlns:r="http://schemas.openxmlformats.org/officeDocument/2006/relationships" xmlns:p="http://schemas.openxmlformats.org/presentationml/2006/main">
+  <p:cSld>
+    <p:spTree>
+      <p:nvGrpSpPr>
+        <p:cNvPr id="1" name=""/>
+        <p:cNvGrpSpPr/>
+        <p:nvPr/>
+      </p:nvGrpSpPr>
+      <p:grpSpPr>
+        <a:xfrm>
+          <a:off x="0" y="0"/>
+          <a:ext cx="0" cy="0"/>
+          <a:chOff x="0" y="0"/>
+          <a:chExt cx="0" cy="0"/>
+        </a:xfrm>
+      </p:grpSpPr>
+      <p:sp>
+        <p:nvSpPr>
+          <p:cNvPr id="128" name="Title 1"/>
+          <p:cNvSpPr txBox="1"/>
+          <p:nvPr/>
+        </p:nvSpPr>
+        <p:spPr>
+          <a:xfrm>
+            <a:off x="381000" y="303498"/>
+            <a:ext cx="8368363" cy="495383"/>
+          </a:xfrm>
+          <a:prstGeom prst="rect">
+            <a:avLst/>
+          </a:prstGeom>
+        </p:spPr>
+        <p:txBody>
+          <a:bodyPr/>
+          <a:lstStyle>
+            <a:lvl1pPr algn="ctr" defTabSz="914400" rtl="0" eaLnBrk="1" latinLnBrk="0" hangingPunct="1">
+              <a:spcBef>
+                <a:spcPct val="0"/>
+              </a:spcBef>
+              <a:buNone/>
+              <a:defRPr sz="4400" kern="1200">
+                <a:solidFill>
+                  <a:schemeClr val="tx1"/>
+                </a:solidFill>
+                <a:latin typeface="+mj-lt"/>
+                <a:ea typeface="+mj-ea"/>
+                <a:cs typeface="+mj-cs"/>
+              </a:defRPr>
+            </a:lvl1pPr>
+          </a:lstStyle>
+          <a:p>
+            <a:pPr lvl="0">
+              <a:defRPr lang="ko-KR" altLang="en-US"/>
+            </a:pPr>
+            <a:r>
+              <a:rPr lang="ko-KR" altLang="en-US" sz="2800" dirty="0" smtClean="0">
+                <a:solidFill>
+                  <a:srgbClr val="FFFFFF">
+                    <a:lumMod val="50000"/>
+                  </a:srgbClr>
+                </a:solidFill>
+                <a:latin typeface="+mn-lt"/>
+                <a:ea typeface="+mn-ea"/>
+                <a:cs typeface="+mn-cs"/>
+              </a:rPr>
+              <a:t>길이측</a:t>
+            </a:r>
+            <a:r>
+              <a:rPr lang="ko-KR" altLang="en-US" sz="2800" dirty="0">
+                <a:solidFill>
+                  <a:srgbClr val="FFFFFF">
+                    <a:lumMod val="50000"/>
+                  </a:srgbClr>
+                </a:solidFill>
+                <a:latin typeface="+mn-lt"/>
+                <a:ea typeface="+mn-ea"/>
+                <a:cs typeface="+mn-cs"/>
+              </a:rPr>
+              <a:t>정</a:t>
+            </a:r>
+            <a:r>
+              <a:rPr lang="en-US" altLang="ko-KR" sz="2800" dirty="0" smtClean="0">
+                <a:solidFill>
+                  <a:srgbClr val="FFFFFF">
+                    <a:lumMod val="50000"/>
+                  </a:srgbClr>
+                </a:solidFill>
+                <a:latin typeface="+mn-lt"/>
+                <a:ea typeface="+mn-ea"/>
+                <a:cs typeface="+mn-cs"/>
+              </a:rPr>
+              <a:t> </a:t>
+            </a:r>
+            <a:r>
+              <a:rPr lang="ko-KR" altLang="en-US" sz="2800" dirty="0" smtClean="0">
+                <a:solidFill>
+                  <a:srgbClr val="FFFFFF">
+                    <a:lumMod val="50000"/>
+                  </a:srgbClr>
+                </a:solidFill>
+                <a:latin typeface="+mn-lt"/>
+                <a:ea typeface="+mn-ea"/>
+                <a:cs typeface="+mn-cs"/>
+              </a:rPr>
+              <a:t>모드</a:t>
+            </a:r>
+            <a:endParaRPr lang="en-US" sz="4000" dirty="0">
+              <a:latin typeface="+mn-lt"/>
+              <a:ea typeface="+mn-ea"/>
+              <a:cs typeface="+mn-cs"/>
+            </a:endParaRPr>
+          </a:p>
+        </p:txBody>
+      </p:sp>
+      <p:grpSp>
+        <p:nvGrpSpPr>
+          <p:cNvPr id="21" name="그룹 20"/>
+          <p:cNvGrpSpPr/>
+          <p:nvPr/>
+        </p:nvGrpSpPr>
+        <p:grpSpPr>
+          <a:xfrm>
+            <a:off x="3671900" y="3799369"/>
+            <a:ext cx="1576577" cy="428565"/>
+            <a:chOff x="3851920" y="1809753"/>
+            <a:chExt cx="1620181" cy="555688"/>
+          </a:xfrm>
+        </p:grpSpPr>
+        <p:sp>
+          <p:nvSpPr>
+            <p:cNvPr id="22" name="직사각형 21"/>
+            <p:cNvSpPr/>
+            <p:nvPr/>
+          </p:nvSpPr>
+          <p:spPr>
+            <a:xfrm>
+              <a:off x="3851920" y="1815666"/>
+              <a:ext cx="1620180" cy="45719"/>
+            </a:xfrm>
+            <a:prstGeom prst="rect">
+              <a:avLst/>
+            </a:prstGeom>
+            <a:solidFill>
+              <a:schemeClr val="tx1"/>
+            </a:solidFill>
+            <a:ln w="9525">
+              <a:noFill/>
+              <a:round/>
+            </a:ln>
+          </p:spPr>
+          <p:txBody>
+            <a:bodyPr vert="horz" wrap="square" lIns="91440" tIns="45720" rIns="91440" bIns="45720" numCol="1" rtlCol="0" anchor="t" anchorCtr="0" compatLnSpc="1">
+              <a:prstTxWarp prst="textNoShape">
+                <a:avLst/>
+              </a:prstTxWarp>
+            </a:bodyPr>
+            <a:lstStyle/>
+            <a:p>
+              <a:pPr algn="ctr"/>
+              <a:endParaRPr lang="ko-KR" altLang="en-US"/>
+            </a:p>
+          </p:txBody>
+        </p:sp>
+        <p:sp>
+          <p:nvSpPr>
+            <p:cNvPr id="23" name="직사각형 22"/>
+            <p:cNvSpPr/>
+            <p:nvPr/>
+          </p:nvSpPr>
+          <p:spPr>
+            <a:xfrm>
+              <a:off x="3851920" y="2319722"/>
+              <a:ext cx="1620180" cy="45719"/>
+            </a:xfrm>
+            <a:prstGeom prst="rect">
+              <a:avLst/>
+            </a:prstGeom>
+            <a:solidFill>
+              <a:schemeClr val="tx1"/>
+            </a:solidFill>
+            <a:ln w="9525">
+              <a:noFill/>
+              <a:round/>
+            </a:ln>
+          </p:spPr>
+          <p:txBody>
+            <a:bodyPr vert="horz" wrap="square" lIns="91440" tIns="45720" rIns="91440" bIns="45720" numCol="1" rtlCol="0" anchor="t" anchorCtr="0" compatLnSpc="1">
+              <a:prstTxWarp prst="textNoShape">
+                <a:avLst/>
+              </a:prstTxWarp>
+            </a:bodyPr>
+            <a:lstStyle/>
+            <a:p>
+              <a:pPr algn="ctr"/>
+              <a:endParaRPr lang="ko-KR" altLang="en-US"/>
+            </a:p>
+          </p:txBody>
+        </p:sp>
+        <p:sp>
+          <p:nvSpPr>
+            <p:cNvPr id="24" name="TextBox 23"/>
+            <p:cNvSpPr txBox="1"/>
+            <p:nvPr/>
+          </p:nvSpPr>
+          <p:spPr>
+            <a:xfrm>
+              <a:off x="3851921" y="1809753"/>
+              <a:ext cx="1620180" cy="538745"/>
+            </a:xfrm>
+            <a:prstGeom prst="rect">
+              <a:avLst/>
+            </a:prstGeom>
+          </p:spPr>
+          <p:txBody>
+            <a:bodyPr wrap="square" lIns="0" tIns="0" rIns="0" bIns="0" rtlCol="0" anchor="ctr">
+              <a:spAutoFit/>
+            </a:bodyPr>
+            <a:lstStyle/>
+            <a:p>
+              <a:pPr marL="0" indent="0" algn="ctr">
+                <a:lnSpc>
+                  <a:spcPct val="150000"/>
+                </a:lnSpc>
+                <a:buNone/>
+              </a:pPr>
+              <a:r>
+                <a:rPr lang="ko-KR" altLang="en-US" b="1" dirty="0" smtClean="0">
+                  <a:latin typeface="+mj-lt"/>
+                </a:rPr>
+                <a:t>원판</a:t>
+              </a:r>
+              <a:r>
+                <a:rPr lang="ko-KR" altLang="en-US" b="1" dirty="0">
+                  <a:latin typeface="+mj-lt"/>
+                </a:rPr>
+                <a:t>의</a:t>
+              </a:r>
+              <a:r>
+                <a:rPr lang="en-US" altLang="ko-KR" b="1" dirty="0" smtClean="0">
+                  <a:solidFill>
+                    <a:schemeClr val="tx1"/>
+                  </a:solidFill>
+                  <a:latin typeface="+mj-lt"/>
+                </a:rPr>
+                <a:t> </a:t>
+              </a:r>
+              <a:r>
+                <a:rPr lang="ko-KR" altLang="en-US" b="1" dirty="0" smtClean="0">
+                  <a:solidFill>
+                    <a:schemeClr val="tx1"/>
+                  </a:solidFill>
+                  <a:latin typeface="+mj-lt"/>
+                </a:rPr>
+                <a:t>좌표</a:t>
+              </a:r>
+            </a:p>
+          </p:txBody>
+        </p:sp>
+      </p:grpSp>
+      <p:sp>
+        <p:nvSpPr>
+          <p:cNvPr id="25" name="직사각형 24"/>
+          <p:cNvSpPr/>
+          <p:nvPr/>
+        </p:nvSpPr>
+        <p:spPr>
+          <a:xfrm>
+            <a:off x="287524" y="2642379"/>
+            <a:ext cx="1332148" cy="368470"/>
+          </a:xfrm>
+          <a:prstGeom prst="rect">
+            <a:avLst/>
+          </a:prstGeom>
+          <a:ln/>
+        </p:spPr>
+        <p:style>
+          <a:lnRef idx="2">
+            <a:schemeClr val="dk1"/>
+          </a:lnRef>
+          <a:fillRef idx="1">
+            <a:schemeClr val="lt1"/>
+          </a:fillRef>
+          <a:effectRef idx="0">
+            <a:schemeClr val="dk1"/>
+          </a:effectRef>
+          <a:fontRef idx="minor">
+            <a:schemeClr val="dk1"/>
+          </a:fontRef>
+        </p:style>
+        <p:txBody>
+          <a:bodyPr vert="horz" wrap="square" lIns="91440" tIns="45720" rIns="91440" bIns="45720" numCol="1" rtlCol="0" anchor="t" anchorCtr="0" compatLnSpc="1">
+            <a:prstTxWarp prst="textNoShape">
+              <a:avLst/>
+            </a:prstTxWarp>
+          </a:bodyPr>
+          <a:lstStyle/>
+          <a:p>
+            <a:pPr algn="ctr"/>
+            <a:r>
+              <a:rPr lang="ko-KR" altLang="en-US" dirty="0" smtClean="0"/>
+              <a:t>사용자 폰</a:t>
+            </a:r>
+            <a:endParaRPr lang="ko-KR" altLang="en-US" dirty="0"/>
+          </a:p>
+        </p:txBody>
+      </p:sp>
+      <p:cxnSp>
+        <p:nvCxnSpPr>
+          <p:cNvPr id="26" name="직선 화살표 연결선 25"/>
+          <p:cNvCxnSpPr>
+            <a:stCxn id="25" idx="3"/>
+            <a:endCxn id="27" idx="2"/>
+          </p:cNvCxnSpPr>
+          <p:nvPr/>
+        </p:nvCxnSpPr>
+        <p:spPr>
+          <a:xfrm>
+            <a:off x="1619672" y="2826614"/>
+            <a:ext cx="324036" cy="0"/>
+          </a:xfrm>
+          <a:prstGeom prst="straightConnector1">
+            <a:avLst/>
+          </a:prstGeom>
+          <a:ln>
+            <a:tailEnd type="arrow"/>
+          </a:ln>
+        </p:spPr>
+        <p:style>
+          <a:lnRef idx="2">
+            <a:schemeClr val="accent6"/>
+          </a:lnRef>
+          <a:fillRef idx="0">
+            <a:schemeClr val="accent6"/>
+          </a:fillRef>
+          <a:effectRef idx="1">
+            <a:schemeClr val="accent6"/>
+          </a:effectRef>
+          <a:fontRef idx="minor">
+            <a:schemeClr val="tx1"/>
+          </a:fontRef>
+        </p:style>
+      </p:cxnSp>
+      <p:sp>
+        <p:nvSpPr>
+          <p:cNvPr id="27" name="타원 26"/>
+          <p:cNvSpPr/>
+          <p:nvPr/>
+        </p:nvSpPr>
+        <p:spPr>
+          <a:xfrm>
+            <a:off x="1943708" y="2479520"/>
+            <a:ext cx="1006512" cy="694187"/>
+          </a:xfrm>
+          <a:prstGeom prst="ellipse">
+            <a:avLst/>
+          </a:prstGeom>
+          <a:ln/>
+        </p:spPr>
+        <p:style>
+          <a:lnRef idx="2">
+            <a:schemeClr val="dk1"/>
+          </a:lnRef>
+          <a:fillRef idx="1">
+            <a:schemeClr val="lt1"/>
+          </a:fillRef>
+          <a:effectRef idx="0">
+            <a:schemeClr val="dk1"/>
+          </a:effectRef>
+          <a:fontRef idx="minor">
+            <a:schemeClr val="dk1"/>
+          </a:fontRef>
+        </p:style>
+        <p:txBody>
+          <a:bodyPr vert="horz" wrap="square" lIns="91440" tIns="45720" rIns="91440" bIns="45720" numCol="1" rtlCol="0" anchor="ctr" anchorCtr="0" compatLnSpc="1">
+            <a:prstTxWarp prst="textNoShape">
+              <a:avLst/>
+            </a:prstTxWarp>
+          </a:bodyPr>
+          <a:lstStyle/>
+          <a:p>
+            <a:pPr algn="ctr"/>
+            <a:r>
+              <a:rPr lang="ko-KR" altLang="en-US" sz="1200" dirty="0" smtClean="0"/>
+              <a:t>화면을 터치</a:t>
+            </a:r>
+            <a:endParaRPr lang="ko-KR" altLang="en-US" sz="1200" dirty="0"/>
+          </a:p>
+        </p:txBody>
+      </p:sp>
+      <p:sp>
+        <p:nvSpPr>
+          <p:cNvPr id="33" name="타원 32"/>
+          <p:cNvSpPr/>
+          <p:nvPr/>
+        </p:nvSpPr>
+        <p:spPr>
+          <a:xfrm>
+            <a:off x="3678415" y="2345615"/>
+            <a:ext cx="1584176" cy="946215"/>
+          </a:xfrm>
+          <a:prstGeom prst="ellipse">
+            <a:avLst/>
+          </a:prstGeom>
+          <a:ln/>
+        </p:spPr>
+        <p:style>
+          <a:lnRef idx="2">
+            <a:schemeClr val="dk1"/>
+          </a:lnRef>
+          <a:fillRef idx="1">
+            <a:schemeClr val="lt1"/>
+          </a:fillRef>
+          <a:effectRef idx="0">
+            <a:schemeClr val="dk1"/>
+          </a:effectRef>
+          <a:fontRef idx="minor">
+            <a:schemeClr val="dk1"/>
+          </a:fontRef>
+        </p:style>
+        <p:txBody>
+          <a:bodyPr vert="horz" wrap="square" lIns="91440" tIns="45720" rIns="91440" bIns="45720" numCol="1" rtlCol="0" anchor="ctr" anchorCtr="0" compatLnSpc="1">
+            <a:prstTxWarp prst="textNoShape">
+              <a:avLst/>
+            </a:prstTxWarp>
+          </a:bodyPr>
+          <a:lstStyle/>
+          <a:p>
+            <a:pPr algn="ctr"/>
+            <a:r>
+              <a:rPr lang="ko-KR" altLang="en-US" sz="1200" dirty="0" smtClean="0"/>
+              <a:t>직</a:t>
+            </a:r>
+            <a:r>
+              <a:rPr lang="ko-KR" altLang="en-US" sz="1200" dirty="0"/>
+              <a:t>선</a:t>
+            </a:r>
+            <a:r>
+              <a:rPr lang="ko-KR" altLang="en-US" sz="1200" dirty="0" smtClean="0"/>
+              <a:t>의 시작점</a:t>
+            </a:r>
+            <a:r>
+              <a:rPr lang="en-US" altLang="ko-KR" sz="1200" dirty="0" smtClean="0"/>
+              <a:t>or</a:t>
+            </a:r>
+            <a:r>
+              <a:rPr lang="ko-KR" altLang="en-US" sz="1200" dirty="0" smtClean="0"/>
+              <a:t>끝점 생성</a:t>
+            </a:r>
+            <a:endParaRPr lang="ko-KR" altLang="en-US" sz="1200" dirty="0"/>
+          </a:p>
+        </p:txBody>
+      </p:sp>
+      <p:cxnSp>
+        <p:nvCxnSpPr>
+          <p:cNvPr id="34" name="직선 화살표 연결선 33"/>
+          <p:cNvCxnSpPr>
+            <a:stCxn id="27" idx="6"/>
+            <a:endCxn id="33" idx="2"/>
+          </p:cNvCxnSpPr>
+          <p:nvPr/>
+        </p:nvCxnSpPr>
+        <p:spPr>
+          <a:xfrm flipV="1">
+            <a:off x="2950220" y="2818723"/>
+            <a:ext cx="728195" cy="7891"/>
+          </a:xfrm>
+          <a:prstGeom prst="straightConnector1">
+            <a:avLst/>
+          </a:prstGeom>
+          <a:ln>
+            <a:tailEnd type="arrow"/>
+          </a:ln>
+        </p:spPr>
+        <p:style>
+          <a:lnRef idx="2">
+            <a:schemeClr val="accent6"/>
+          </a:lnRef>
+          <a:fillRef idx="0">
+            <a:schemeClr val="accent6"/>
+          </a:fillRef>
+          <a:effectRef idx="1">
+            <a:schemeClr val="accent6"/>
+          </a:effectRef>
+          <a:fontRef idx="minor">
+            <a:schemeClr val="tx1"/>
+          </a:fontRef>
+        </p:style>
+      </p:cxnSp>
+      <p:cxnSp>
+        <p:nvCxnSpPr>
+          <p:cNvPr id="37" name="직선 화살표 연결선 36"/>
+          <p:cNvCxnSpPr>
+            <a:stCxn id="24" idx="0"/>
+            <a:endCxn id="33" idx="4"/>
+          </p:cNvCxnSpPr>
+          <p:nvPr/>
+        </p:nvCxnSpPr>
+        <p:spPr>
+          <a:xfrm flipV="1">
+            <a:off x="4460189" y="3291830"/>
+            <a:ext cx="10314" cy="507539"/>
+          </a:xfrm>
+          <a:prstGeom prst="straightConnector1">
+            <a:avLst/>
+          </a:prstGeom>
+          <a:ln>
+            <a:tailEnd type="arrow"/>
+          </a:ln>
+        </p:spPr>
+        <p:style>
+          <a:lnRef idx="2">
+            <a:schemeClr val="accent6"/>
+          </a:lnRef>
+          <a:fillRef idx="0">
+            <a:schemeClr val="accent6"/>
+          </a:fillRef>
+          <a:effectRef idx="1">
+            <a:schemeClr val="accent6"/>
+          </a:effectRef>
+          <a:fontRef idx="minor">
+            <a:schemeClr val="tx1"/>
+          </a:fontRef>
+        </p:style>
+      </p:cxnSp>
+      <p:sp>
+        <p:nvSpPr>
+          <p:cNvPr id="40" name="TextBox 39"/>
+          <p:cNvSpPr txBox="1"/>
+          <p:nvPr/>
+        </p:nvSpPr>
+        <p:spPr>
+          <a:xfrm>
+            <a:off x="4554399" y="3327834"/>
+            <a:ext cx="421590" cy="384721"/>
+          </a:xfrm>
+          <a:prstGeom prst="rect">
+            <a:avLst/>
+          </a:prstGeom>
+        </p:spPr>
+        <p:txBody>
+          <a:bodyPr wrap="none" lIns="0" tIns="0" rIns="0" bIns="0" rtlCol="0" anchor="ctr">
+            <a:spAutoFit/>
+          </a:bodyPr>
+          <a:lstStyle/>
+          <a:p>
+            <a:pPr marL="0" indent="0">
+              <a:lnSpc>
+                <a:spcPct val="150000"/>
+              </a:lnSpc>
+              <a:buNone/>
+            </a:pPr>
+            <a:r>
+              <a:rPr lang="ko-KR" altLang="en-US" sz="1000" b="1" dirty="0" smtClean="0">
+                <a:latin typeface="+mj-lt"/>
+              </a:rPr>
+              <a:t>원판의 </a:t>
+            </a:r>
+            <a:endParaRPr lang="en-US" altLang="ko-KR" sz="1000" b="1" dirty="0" smtClean="0">
+              <a:latin typeface="+mj-lt"/>
+            </a:endParaRPr>
+          </a:p>
+          <a:p>
+            <a:pPr marL="0" indent="0">
+              <a:buNone/>
+            </a:pPr>
+            <a:r>
+              <a:rPr lang="ko-KR" altLang="en-US" sz="1000" b="1" dirty="0" smtClean="0">
+                <a:latin typeface="+mj-lt"/>
+              </a:rPr>
+              <a:t>좌표</a:t>
+            </a:r>
+            <a:endParaRPr lang="ko-KR" altLang="en-US" sz="1000" b="1" dirty="0" smtClean="0">
+              <a:solidFill>
+                <a:schemeClr val="tx1"/>
+              </a:solidFill>
+              <a:latin typeface="+mj-lt"/>
+            </a:endParaRPr>
+          </a:p>
+        </p:txBody>
+      </p:sp>
+      <p:sp>
+        <p:nvSpPr>
+          <p:cNvPr id="41" name="TextBox 40"/>
+          <p:cNvSpPr txBox="1"/>
+          <p:nvPr/>
+        </p:nvSpPr>
+        <p:spPr>
+          <a:xfrm>
+            <a:off x="2951820" y="2525635"/>
+            <a:ext cx="674865" cy="194925"/>
+          </a:xfrm>
+          <a:prstGeom prst="rect">
+            <a:avLst/>
+          </a:prstGeom>
+        </p:spPr>
+        <p:txBody>
+          <a:bodyPr wrap="none" lIns="0" tIns="0" rIns="0" bIns="0" rtlCol="0" anchor="ctr">
+            <a:spAutoFit/>
+          </a:bodyPr>
+          <a:lstStyle/>
+          <a:p>
+            <a:pPr marL="0" indent="0">
+              <a:lnSpc>
+                <a:spcPct val="150000"/>
+              </a:lnSpc>
+              <a:buNone/>
+            </a:pPr>
+            <a:r>
+              <a:rPr lang="ko-KR" altLang="en-US" sz="1000" b="1" dirty="0" smtClean="0">
+                <a:solidFill>
+                  <a:schemeClr val="tx1"/>
+                </a:solidFill>
+                <a:latin typeface="+mj-lt"/>
+              </a:rPr>
+              <a:t>터치 이벤트</a:t>
+            </a:r>
+            <a:endParaRPr lang="ko-KR" altLang="en-US" sz="1000" b="1" dirty="0" smtClean="0">
+              <a:solidFill>
+                <a:schemeClr val="tx1"/>
+              </a:solidFill>
+              <a:latin typeface="+mj-lt"/>
+            </a:endParaRPr>
+          </a:p>
+        </p:txBody>
+      </p:sp>
+      <p:grpSp>
+        <p:nvGrpSpPr>
+          <p:cNvPr id="44" name="그룹 43"/>
+          <p:cNvGrpSpPr/>
+          <p:nvPr/>
+        </p:nvGrpSpPr>
+        <p:grpSpPr>
+          <a:xfrm>
+            <a:off x="3686014" y="1319653"/>
+            <a:ext cx="1576577" cy="424005"/>
+            <a:chOff x="3851920" y="1815666"/>
+            <a:chExt cx="1620181" cy="549775"/>
+          </a:xfrm>
+        </p:grpSpPr>
+        <p:sp>
+          <p:nvSpPr>
+            <p:cNvPr id="45" name="직사각형 44"/>
+            <p:cNvSpPr/>
+            <p:nvPr/>
+          </p:nvSpPr>
+          <p:spPr>
+            <a:xfrm>
+              <a:off x="3851920" y="1815666"/>
+              <a:ext cx="1620180" cy="45719"/>
+            </a:xfrm>
+            <a:prstGeom prst="rect">
+              <a:avLst/>
+            </a:prstGeom>
+            <a:solidFill>
+              <a:schemeClr val="tx1"/>
+            </a:solidFill>
+            <a:ln w="9525">
+              <a:noFill/>
+              <a:round/>
+            </a:ln>
+          </p:spPr>
+          <p:txBody>
+            <a:bodyPr vert="horz" wrap="square" lIns="91440" tIns="45720" rIns="91440" bIns="45720" numCol="1" rtlCol="0" anchor="t" anchorCtr="0" compatLnSpc="1">
+              <a:prstTxWarp prst="textNoShape">
+                <a:avLst/>
+              </a:prstTxWarp>
+            </a:bodyPr>
+            <a:lstStyle/>
+            <a:p>
+              <a:pPr algn="ctr"/>
+              <a:endParaRPr lang="ko-KR" altLang="en-US"/>
+            </a:p>
+          </p:txBody>
+        </p:sp>
+        <p:sp>
+          <p:nvSpPr>
+            <p:cNvPr id="46" name="직사각형 45"/>
+            <p:cNvSpPr/>
+            <p:nvPr/>
+          </p:nvSpPr>
+          <p:spPr>
+            <a:xfrm>
+              <a:off x="3851920" y="2319722"/>
+              <a:ext cx="1620180" cy="45719"/>
+            </a:xfrm>
+            <a:prstGeom prst="rect">
+              <a:avLst/>
+            </a:prstGeom>
+            <a:solidFill>
+              <a:schemeClr val="tx1"/>
+            </a:solidFill>
+            <a:ln w="9525">
+              <a:noFill/>
+              <a:round/>
+            </a:ln>
+          </p:spPr>
+          <p:txBody>
+            <a:bodyPr vert="horz" wrap="square" lIns="91440" tIns="45720" rIns="91440" bIns="45720" numCol="1" rtlCol="0" anchor="t" anchorCtr="0" compatLnSpc="1">
+              <a:prstTxWarp prst="textNoShape">
+                <a:avLst/>
+              </a:prstTxWarp>
+            </a:bodyPr>
+            <a:lstStyle/>
+            <a:p>
+              <a:pPr algn="ctr"/>
+              <a:endParaRPr lang="ko-KR" altLang="en-US"/>
+            </a:p>
+          </p:txBody>
+        </p:sp>
+        <p:sp>
+          <p:nvSpPr>
+            <p:cNvPr id="47" name="TextBox 46"/>
+            <p:cNvSpPr txBox="1"/>
+            <p:nvPr/>
+          </p:nvSpPr>
+          <p:spPr>
+            <a:xfrm>
+              <a:off x="3851921" y="1869612"/>
+              <a:ext cx="1620180" cy="419023"/>
+            </a:xfrm>
+            <a:prstGeom prst="rect">
+              <a:avLst/>
+            </a:prstGeom>
+          </p:spPr>
+          <p:txBody>
+            <a:bodyPr wrap="square" lIns="0" tIns="0" rIns="0" bIns="0" rtlCol="0" anchor="ctr">
+              <a:spAutoFit/>
+            </a:bodyPr>
+            <a:lstStyle/>
+            <a:p>
+              <a:pPr marL="0" indent="0" algn="ctr">
+                <a:lnSpc>
+                  <a:spcPct val="150000"/>
+                </a:lnSpc>
+                <a:buNone/>
+              </a:pPr>
+              <a:r>
+                <a:rPr lang="ko-KR" altLang="en-US" sz="1400" b="1" dirty="0" smtClean="0">
+                  <a:latin typeface="+mj-lt"/>
+                </a:rPr>
+                <a:t>직선의 양 끝점 좌표</a:t>
+              </a:r>
+              <a:endParaRPr lang="ko-KR" altLang="en-US" sz="1400" b="1" dirty="0" smtClean="0">
+                <a:solidFill>
+                  <a:schemeClr val="tx1"/>
+                </a:solidFill>
+                <a:latin typeface="+mj-lt"/>
+              </a:endParaRPr>
+            </a:p>
+          </p:txBody>
+        </p:sp>
+      </p:grpSp>
+      <p:cxnSp>
+        <p:nvCxnSpPr>
+          <p:cNvPr id="48" name="직선 화살표 연결선 47"/>
+          <p:cNvCxnSpPr>
+            <a:stCxn id="33" idx="0"/>
+            <a:endCxn id="46" idx="0"/>
+          </p:cNvCxnSpPr>
+          <p:nvPr/>
+        </p:nvCxnSpPr>
+        <p:spPr>
+          <a:xfrm flipV="1">
+            <a:off x="4470503" y="1708398"/>
+            <a:ext cx="3799" cy="637217"/>
+          </a:xfrm>
+          <a:prstGeom prst="straightConnector1">
+            <a:avLst/>
+          </a:prstGeom>
+          <a:ln>
+            <a:tailEnd type="arrow"/>
+          </a:ln>
+        </p:spPr>
+        <p:style>
+          <a:lnRef idx="2">
+            <a:schemeClr val="accent6"/>
+          </a:lnRef>
+          <a:fillRef idx="0">
+            <a:schemeClr val="accent6"/>
+          </a:fillRef>
+          <a:effectRef idx="1">
+            <a:schemeClr val="accent6"/>
+          </a:effectRef>
+          <a:fontRef idx="minor">
+            <a:schemeClr val="tx1"/>
+          </a:fontRef>
+        </p:style>
+      </p:cxnSp>
+      <p:sp>
+        <p:nvSpPr>
+          <p:cNvPr id="51" name="TextBox 50"/>
+          <p:cNvSpPr txBox="1"/>
+          <p:nvPr/>
+        </p:nvSpPr>
+        <p:spPr>
+          <a:xfrm>
+            <a:off x="4516965" y="1858057"/>
+            <a:ext cx="811119" cy="461665"/>
+          </a:xfrm>
+          <a:prstGeom prst="rect">
+            <a:avLst/>
+          </a:prstGeom>
+        </p:spPr>
+        <p:txBody>
+          <a:bodyPr wrap="none" lIns="0" tIns="0" rIns="0" bIns="0" rtlCol="0" anchor="ctr">
+            <a:spAutoFit/>
+          </a:bodyPr>
+          <a:lstStyle/>
+          <a:p>
+            <a:pPr marL="0" indent="0">
+              <a:buNone/>
+            </a:pPr>
+            <a:r>
+              <a:rPr lang="ko-KR" altLang="en-US" sz="1000" b="1" dirty="0" smtClean="0">
+                <a:latin typeface="+mj-lt"/>
+              </a:rPr>
+              <a:t>직</a:t>
+            </a:r>
+            <a:r>
+              <a:rPr lang="ko-KR" altLang="en-US" sz="1000" b="1" dirty="0">
+                <a:latin typeface="+mj-lt"/>
+              </a:rPr>
+              <a:t>선</a:t>
+            </a:r>
+            <a:r>
+              <a:rPr lang="ko-KR" altLang="en-US" sz="1000" b="1" dirty="0" smtClean="0">
+                <a:latin typeface="+mj-lt"/>
+              </a:rPr>
+              <a:t>의 </a:t>
+            </a:r>
+            <a:endParaRPr lang="en-US" altLang="ko-KR" sz="1000" b="1" dirty="0" smtClean="0">
+              <a:latin typeface="+mj-lt"/>
+            </a:endParaRPr>
+          </a:p>
+          <a:p>
+            <a:pPr marL="0" indent="0">
+              <a:buNone/>
+            </a:pPr>
+            <a:r>
+              <a:rPr lang="ko-KR" altLang="en-US" sz="1000" b="1" dirty="0" smtClean="0">
+                <a:latin typeface="+mj-lt"/>
+              </a:rPr>
+              <a:t>시작점 </a:t>
+            </a:r>
+            <a:r>
+              <a:rPr lang="en-US" altLang="ko-KR" sz="1000" b="1" dirty="0" smtClean="0">
+                <a:latin typeface="+mj-lt"/>
+              </a:rPr>
+              <a:t>/ </a:t>
+            </a:r>
+            <a:r>
+              <a:rPr lang="ko-KR" altLang="en-US" sz="1000" b="1" dirty="0" smtClean="0">
+                <a:latin typeface="+mj-lt"/>
+              </a:rPr>
+              <a:t>끝점 </a:t>
+            </a:r>
+            <a:endParaRPr lang="en-US" altLang="ko-KR" sz="1000" b="1" dirty="0" smtClean="0">
+              <a:latin typeface="+mj-lt"/>
+            </a:endParaRPr>
+          </a:p>
+          <a:p>
+            <a:pPr marL="0" indent="0">
+              <a:buNone/>
+            </a:pPr>
+            <a:r>
+              <a:rPr lang="ko-KR" altLang="en-US" sz="1000" b="1" dirty="0" smtClean="0">
+                <a:latin typeface="+mj-lt"/>
+              </a:rPr>
+              <a:t>좌표</a:t>
+            </a:r>
+            <a:endParaRPr lang="ko-KR" altLang="en-US" sz="1000" b="1" dirty="0" smtClean="0">
+              <a:solidFill>
+                <a:schemeClr val="tx1"/>
+              </a:solidFill>
+              <a:latin typeface="+mj-lt"/>
+            </a:endParaRPr>
+          </a:p>
+        </p:txBody>
+      </p:sp>
+      <p:cxnSp>
+        <p:nvCxnSpPr>
+          <p:cNvPr id="61" name="직선 화살표 연결선 60"/>
+          <p:cNvCxnSpPr>
+            <a:stCxn id="47" idx="3"/>
+            <a:endCxn id="66" idx="2"/>
+          </p:cNvCxnSpPr>
+          <p:nvPr/>
+        </p:nvCxnSpPr>
+        <p:spPr>
+          <a:xfrm>
+            <a:off x="5262591" y="1522841"/>
+            <a:ext cx="821127" cy="1295881"/>
+          </a:xfrm>
+          <a:prstGeom prst="curvedConnector3">
+            <a:avLst>
+              <a:gd name="adj1" fmla="val 50000"/>
+            </a:avLst>
+          </a:prstGeom>
+          <a:ln>
+            <a:tailEnd type="arrow"/>
+          </a:ln>
+        </p:spPr>
+        <p:style>
+          <a:lnRef idx="2">
+            <a:schemeClr val="accent6"/>
+          </a:lnRef>
+          <a:fillRef idx="0">
+            <a:schemeClr val="accent6"/>
+          </a:fillRef>
+          <a:effectRef idx="1">
+            <a:schemeClr val="accent6"/>
+          </a:effectRef>
+          <a:fontRef idx="minor">
+            <a:schemeClr val="tx1"/>
+          </a:fontRef>
+        </p:style>
+      </p:cxnSp>
+      <p:sp>
+        <p:nvSpPr>
+          <p:cNvPr id="66" name="타원 65"/>
+          <p:cNvSpPr/>
+          <p:nvPr/>
+        </p:nvSpPr>
+        <p:spPr>
+          <a:xfrm>
+            <a:off x="6083718" y="2471628"/>
+            <a:ext cx="1006512" cy="694187"/>
+          </a:xfrm>
+          <a:prstGeom prst="ellipse">
+            <a:avLst/>
+          </a:prstGeom>
+          <a:ln/>
+        </p:spPr>
+        <p:style>
+          <a:lnRef idx="2">
+            <a:schemeClr val="dk1"/>
+          </a:lnRef>
+          <a:fillRef idx="1">
+            <a:schemeClr val="lt1"/>
+          </a:fillRef>
+          <a:effectRef idx="0">
+            <a:schemeClr val="dk1"/>
+          </a:effectRef>
+          <a:fontRef idx="minor">
+            <a:schemeClr val="dk1"/>
+          </a:fontRef>
+        </p:style>
+        <p:txBody>
+          <a:bodyPr vert="horz" wrap="square" lIns="91440" tIns="45720" rIns="91440" bIns="45720" numCol="1" rtlCol="0" anchor="ctr" anchorCtr="0" compatLnSpc="1">
+            <a:prstTxWarp prst="textNoShape">
+              <a:avLst/>
+            </a:prstTxWarp>
+          </a:bodyPr>
+          <a:lstStyle/>
+          <a:p>
+            <a:pPr algn="ctr"/>
+            <a:r>
+              <a:rPr lang="ko-KR" altLang="en-US" sz="1200" dirty="0" smtClean="0"/>
+              <a:t>선의 길이 계산</a:t>
+            </a:r>
+            <a:endParaRPr lang="ko-KR" altLang="en-US" sz="1200" dirty="0"/>
+          </a:p>
+        </p:txBody>
+      </p:sp>
+      <p:grpSp>
+        <p:nvGrpSpPr>
+          <p:cNvPr id="74" name="그룹 73"/>
+          <p:cNvGrpSpPr/>
+          <p:nvPr/>
+        </p:nvGrpSpPr>
+        <p:grpSpPr>
+          <a:xfrm>
+            <a:off x="5803735" y="1387104"/>
+            <a:ext cx="1576577" cy="428562"/>
+            <a:chOff x="3851920" y="1809757"/>
+            <a:chExt cx="1620181" cy="555684"/>
+          </a:xfrm>
+        </p:grpSpPr>
+        <p:sp>
+          <p:nvSpPr>
+            <p:cNvPr id="76" name="직사각형 75"/>
+            <p:cNvSpPr/>
+            <p:nvPr/>
+          </p:nvSpPr>
+          <p:spPr>
+            <a:xfrm>
+              <a:off x="3851920" y="1815666"/>
+              <a:ext cx="1620180" cy="45719"/>
+            </a:xfrm>
+            <a:prstGeom prst="rect">
+              <a:avLst/>
+            </a:prstGeom>
+            <a:solidFill>
+              <a:schemeClr val="tx1"/>
+            </a:solidFill>
+            <a:ln w="9525">
+              <a:noFill/>
+              <a:round/>
+            </a:ln>
+          </p:spPr>
+          <p:txBody>
+            <a:bodyPr vert="horz" wrap="square" lIns="91440" tIns="45720" rIns="91440" bIns="45720" numCol="1" rtlCol="0" anchor="t" anchorCtr="0" compatLnSpc="1">
+              <a:prstTxWarp prst="textNoShape">
+                <a:avLst/>
+              </a:prstTxWarp>
+            </a:bodyPr>
+            <a:lstStyle/>
+            <a:p>
+              <a:pPr algn="ctr"/>
+              <a:endParaRPr lang="ko-KR" altLang="en-US"/>
+            </a:p>
+          </p:txBody>
+        </p:sp>
+        <p:sp>
+          <p:nvSpPr>
+            <p:cNvPr id="77" name="직사각형 76"/>
+            <p:cNvSpPr/>
+            <p:nvPr/>
+          </p:nvSpPr>
+          <p:spPr>
+            <a:xfrm>
+              <a:off x="3851920" y="2319722"/>
+              <a:ext cx="1620180" cy="45719"/>
+            </a:xfrm>
+            <a:prstGeom prst="rect">
+              <a:avLst/>
+            </a:prstGeom>
+            <a:solidFill>
+              <a:schemeClr val="tx1"/>
+            </a:solidFill>
+            <a:ln w="9525">
+              <a:noFill/>
+              <a:round/>
+            </a:ln>
+          </p:spPr>
+          <p:txBody>
+            <a:bodyPr vert="horz" wrap="square" lIns="91440" tIns="45720" rIns="91440" bIns="45720" numCol="1" rtlCol="0" anchor="t" anchorCtr="0" compatLnSpc="1">
+              <a:prstTxWarp prst="textNoShape">
+                <a:avLst/>
+              </a:prstTxWarp>
+            </a:bodyPr>
+            <a:lstStyle/>
+            <a:p>
+              <a:pPr algn="ctr"/>
+              <a:endParaRPr lang="ko-KR" altLang="en-US"/>
+            </a:p>
+          </p:txBody>
+        </p:sp>
+        <p:sp>
+          <p:nvSpPr>
+            <p:cNvPr id="78" name="TextBox 77"/>
+            <p:cNvSpPr txBox="1"/>
+            <p:nvPr/>
+          </p:nvSpPr>
+          <p:spPr>
+            <a:xfrm>
+              <a:off x="3851921" y="1809757"/>
+              <a:ext cx="1620180" cy="538745"/>
+            </a:xfrm>
+            <a:prstGeom prst="rect">
+              <a:avLst/>
+            </a:prstGeom>
+          </p:spPr>
+          <p:txBody>
+            <a:bodyPr wrap="square" lIns="0" tIns="0" rIns="0" bIns="0" rtlCol="0" anchor="ctr">
+              <a:spAutoFit/>
+            </a:bodyPr>
+            <a:lstStyle/>
+            <a:p>
+              <a:pPr marL="0" indent="0" algn="ctr">
+                <a:lnSpc>
+                  <a:spcPct val="150000"/>
+                </a:lnSpc>
+                <a:buNone/>
+              </a:pPr>
+              <a:r>
+                <a:rPr lang="en-US" altLang="ko-KR" b="1" dirty="0" smtClean="0">
+                  <a:latin typeface="+mj-lt"/>
+                </a:rPr>
+                <a:t>AR</a:t>
+              </a:r>
+              <a:r>
+                <a:rPr lang="ko-KR" altLang="en-US" b="1" dirty="0" smtClean="0">
+                  <a:solidFill>
+                    <a:schemeClr val="tx1"/>
+                  </a:solidFill>
+                  <a:latin typeface="+mj-lt"/>
+                </a:rPr>
+                <a:t>공간 정보</a:t>
+              </a:r>
+              <a:endParaRPr lang="ko-KR" altLang="en-US" b="1" dirty="0" smtClean="0">
+                <a:solidFill>
+                  <a:schemeClr val="tx1"/>
+                </a:solidFill>
+                <a:latin typeface="+mj-lt"/>
+              </a:endParaRPr>
+            </a:p>
+          </p:txBody>
+        </p:sp>
+      </p:grpSp>
+      <p:cxnSp>
+        <p:nvCxnSpPr>
+          <p:cNvPr id="79" name="직선 화살표 연결선 78"/>
+          <p:cNvCxnSpPr>
+            <a:stCxn id="77" idx="2"/>
+            <a:endCxn id="66" idx="0"/>
+          </p:cNvCxnSpPr>
+          <p:nvPr/>
+        </p:nvCxnSpPr>
+        <p:spPr>
+          <a:xfrm flipH="1">
+            <a:off x="6586974" y="1815666"/>
+            <a:ext cx="5049" cy="655962"/>
+          </a:xfrm>
+          <a:prstGeom prst="straightConnector1">
+            <a:avLst/>
+          </a:prstGeom>
+          <a:ln>
+            <a:tailEnd type="arrow"/>
+          </a:ln>
+        </p:spPr>
+        <p:style>
+          <a:lnRef idx="2">
+            <a:schemeClr val="accent6"/>
+          </a:lnRef>
+          <a:fillRef idx="0">
+            <a:schemeClr val="accent6"/>
+          </a:fillRef>
+          <a:effectRef idx="1">
+            <a:schemeClr val="accent6"/>
+          </a:effectRef>
+          <a:fontRef idx="minor">
+            <a:schemeClr val="tx1"/>
+          </a:fontRef>
+        </p:style>
+      </p:cxnSp>
+      <p:sp>
+        <p:nvSpPr>
+          <p:cNvPr id="80" name="TextBox 79"/>
+          <p:cNvSpPr txBox="1"/>
+          <p:nvPr/>
+        </p:nvSpPr>
+        <p:spPr>
+          <a:xfrm>
+            <a:off x="5701618" y="2079017"/>
+            <a:ext cx="548227" cy="384721"/>
+          </a:xfrm>
+          <a:prstGeom prst="rect">
+            <a:avLst/>
+          </a:prstGeom>
+        </p:spPr>
+        <p:txBody>
+          <a:bodyPr wrap="none" lIns="0" tIns="0" rIns="0" bIns="0" rtlCol="0" anchor="ctr">
+            <a:spAutoFit/>
+          </a:bodyPr>
+          <a:lstStyle/>
+          <a:p>
+            <a:pPr marL="0" indent="0">
+              <a:lnSpc>
+                <a:spcPct val="150000"/>
+              </a:lnSpc>
+              <a:buNone/>
+            </a:pPr>
+            <a:r>
+              <a:rPr lang="ko-KR" altLang="en-US" sz="1000" b="1" dirty="0">
+                <a:latin typeface="+mj-lt"/>
+              </a:rPr>
+              <a:t>양</a:t>
+            </a:r>
+            <a:r>
+              <a:rPr lang="ko-KR" altLang="en-US" sz="1000" b="1" dirty="0" smtClean="0">
+                <a:latin typeface="+mj-lt"/>
+              </a:rPr>
+              <a:t> 끝점의</a:t>
+            </a:r>
+            <a:endParaRPr lang="en-US" altLang="ko-KR" sz="1000" b="1" dirty="0" smtClean="0">
+              <a:latin typeface="+mj-lt"/>
+            </a:endParaRPr>
+          </a:p>
+          <a:p>
+            <a:pPr marL="0" indent="0">
+              <a:buNone/>
+            </a:pPr>
+            <a:r>
+              <a:rPr lang="ko-KR" altLang="en-US" sz="1000" b="1" dirty="0" smtClean="0">
+                <a:latin typeface="+mj-lt"/>
+              </a:rPr>
+              <a:t> 좌표 </a:t>
+            </a:r>
+            <a:endParaRPr lang="en-US" altLang="ko-KR" sz="1000" b="1" dirty="0" smtClean="0">
+              <a:latin typeface="+mj-lt"/>
+            </a:endParaRPr>
+          </a:p>
+        </p:txBody>
+      </p:sp>
+      <p:sp>
+        <p:nvSpPr>
+          <p:cNvPr id="82" name="TextBox 81"/>
+          <p:cNvSpPr txBox="1"/>
+          <p:nvPr/>
+        </p:nvSpPr>
+        <p:spPr>
+          <a:xfrm>
+            <a:off x="6628292" y="2014355"/>
+            <a:ext cx="548227" cy="194925"/>
+          </a:xfrm>
+          <a:prstGeom prst="rect">
+            <a:avLst/>
+          </a:prstGeom>
+        </p:spPr>
+        <p:txBody>
+          <a:bodyPr wrap="none" lIns="0" tIns="0" rIns="0" bIns="0" rtlCol="0" anchor="ctr">
+            <a:spAutoFit/>
+          </a:bodyPr>
+          <a:lstStyle/>
+          <a:p>
+            <a:pPr marL="0" indent="0">
+              <a:lnSpc>
+                <a:spcPct val="150000"/>
+              </a:lnSpc>
+              <a:buNone/>
+            </a:pPr>
+            <a:r>
+              <a:rPr lang="ko-KR" altLang="en-US" sz="1000" b="1" dirty="0" smtClean="0">
+                <a:latin typeface="+mj-lt"/>
+              </a:rPr>
+              <a:t>공간 정보</a:t>
+            </a:r>
+            <a:endParaRPr lang="en-US" altLang="ko-KR" sz="1000" b="1" dirty="0" smtClean="0">
+              <a:latin typeface="+mj-lt"/>
+            </a:endParaRPr>
+          </a:p>
+        </p:txBody>
+      </p:sp>
+      <p:cxnSp>
+        <p:nvCxnSpPr>
+          <p:cNvPr id="83" name="직선 화살표 연결선 82"/>
+          <p:cNvCxnSpPr>
+            <a:stCxn id="66" idx="6"/>
+            <a:endCxn id="88" idx="2"/>
+          </p:cNvCxnSpPr>
+          <p:nvPr/>
+        </p:nvCxnSpPr>
+        <p:spPr>
+          <a:xfrm>
+            <a:off x="7090230" y="2818722"/>
+            <a:ext cx="798652" cy="18003"/>
+          </a:xfrm>
+          <a:prstGeom prst="straightConnector1">
+            <a:avLst/>
+          </a:prstGeom>
+          <a:ln>
+            <a:tailEnd type="arrow"/>
+          </a:ln>
+        </p:spPr>
+        <p:style>
+          <a:lnRef idx="2">
+            <a:schemeClr val="accent6"/>
+          </a:lnRef>
+          <a:fillRef idx="0">
+            <a:schemeClr val="accent6"/>
+          </a:fillRef>
+          <a:effectRef idx="1">
+            <a:schemeClr val="accent6"/>
+          </a:effectRef>
+          <a:fontRef idx="minor">
+            <a:schemeClr val="tx1"/>
+          </a:fontRef>
+        </p:style>
+      </p:cxnSp>
+      <p:sp>
+        <p:nvSpPr>
+          <p:cNvPr id="88" name="타원 87"/>
+          <p:cNvSpPr/>
+          <p:nvPr/>
+        </p:nvSpPr>
+        <p:spPr>
+          <a:xfrm>
+            <a:off x="7888882" y="2417623"/>
+            <a:ext cx="1147614" cy="838203"/>
+          </a:xfrm>
+          <a:prstGeom prst="ellipse">
+            <a:avLst/>
+          </a:prstGeom>
+          <a:ln/>
+        </p:spPr>
+        <p:style>
+          <a:lnRef idx="2">
+            <a:schemeClr val="dk1"/>
+          </a:lnRef>
+          <a:fillRef idx="1">
+            <a:schemeClr val="lt1"/>
+          </a:fillRef>
+          <a:effectRef idx="0">
+            <a:schemeClr val="dk1"/>
+          </a:effectRef>
+          <a:fontRef idx="minor">
+            <a:schemeClr val="dk1"/>
+          </a:fontRef>
+        </p:style>
+        <p:txBody>
+          <a:bodyPr vert="horz" wrap="square" lIns="91440" tIns="45720" rIns="91440" bIns="45720" numCol="1" rtlCol="0" anchor="ctr" anchorCtr="0" compatLnSpc="1">
+            <a:prstTxWarp prst="textNoShape">
+              <a:avLst/>
+            </a:prstTxWarp>
+          </a:bodyPr>
+          <a:lstStyle/>
+          <a:p>
+            <a:pPr algn="ctr"/>
+            <a:r>
+              <a:rPr lang="ko-KR" altLang="en-US" sz="1100" b="1" dirty="0" smtClean="0"/>
+              <a:t>선의 길이를 표시할 라벨 생성</a:t>
+            </a:r>
+            <a:endParaRPr lang="ko-KR" altLang="en-US" sz="1100" b="1" dirty="0"/>
+          </a:p>
+        </p:txBody>
+      </p:sp>
+      <p:sp>
+        <p:nvSpPr>
+          <p:cNvPr id="90" name="TextBox 89"/>
+          <p:cNvSpPr txBox="1"/>
+          <p:nvPr/>
+        </p:nvSpPr>
+        <p:spPr>
+          <a:xfrm>
+            <a:off x="7176519" y="2551630"/>
+            <a:ext cx="548227" cy="194925"/>
+          </a:xfrm>
+          <a:prstGeom prst="rect">
+            <a:avLst/>
+          </a:prstGeom>
+        </p:spPr>
+        <p:txBody>
+          <a:bodyPr wrap="none" lIns="0" tIns="0" rIns="0" bIns="0" rtlCol="0" anchor="ctr">
+            <a:spAutoFit/>
+          </a:bodyPr>
+          <a:lstStyle/>
+          <a:p>
+            <a:pPr marL="0" indent="0">
+              <a:lnSpc>
+                <a:spcPct val="150000"/>
+              </a:lnSpc>
+              <a:buNone/>
+            </a:pPr>
+            <a:r>
+              <a:rPr lang="ko-KR" altLang="en-US" sz="1000" b="1" dirty="0" smtClean="0">
+                <a:latin typeface="+mj-lt"/>
+              </a:rPr>
+              <a:t>선의 길이</a:t>
+            </a:r>
+            <a:endParaRPr lang="en-US" altLang="ko-KR" sz="1000" b="1" dirty="0" smtClean="0">
+              <a:latin typeface="+mj-lt"/>
+            </a:endParaRPr>
+          </a:p>
+        </p:txBody>
+      </p:sp>
+      <p:cxnSp>
+        <p:nvCxnSpPr>
+          <p:cNvPr id="91" name="직선 화살표 연결선 90"/>
+          <p:cNvCxnSpPr>
+            <a:stCxn id="88" idx="4"/>
+            <a:endCxn id="95" idx="3"/>
+          </p:cNvCxnSpPr>
+          <p:nvPr/>
+        </p:nvCxnSpPr>
+        <p:spPr>
+          <a:xfrm rot="5400000">
+            <a:off x="7663985" y="3189460"/>
+            <a:ext cx="732338" cy="865071"/>
+          </a:xfrm>
+          <a:prstGeom prst="curvedConnector2">
+            <a:avLst/>
+          </a:prstGeom>
+          <a:ln>
+            <a:tailEnd type="arrow"/>
+          </a:ln>
+        </p:spPr>
+        <p:style>
+          <a:lnRef idx="2">
+            <a:schemeClr val="accent6"/>
+          </a:lnRef>
+          <a:fillRef idx="0">
+            <a:schemeClr val="accent6"/>
+          </a:fillRef>
+          <a:effectRef idx="1">
+            <a:schemeClr val="accent6"/>
+          </a:effectRef>
+          <a:fontRef idx="minor">
+            <a:schemeClr val="tx1"/>
+          </a:fontRef>
+        </p:style>
+      </p:cxnSp>
+      <p:sp>
+        <p:nvSpPr>
+          <p:cNvPr id="95" name="직사각형 94"/>
+          <p:cNvSpPr/>
+          <p:nvPr/>
+        </p:nvSpPr>
+        <p:spPr>
+          <a:xfrm>
+            <a:off x="6265470" y="3803929"/>
+            <a:ext cx="1332148" cy="368470"/>
+          </a:xfrm>
+          <a:prstGeom prst="rect">
+            <a:avLst/>
+          </a:prstGeom>
+          <a:ln/>
+        </p:spPr>
+        <p:style>
+          <a:lnRef idx="2">
+            <a:schemeClr val="dk1"/>
+          </a:lnRef>
+          <a:fillRef idx="1">
+            <a:schemeClr val="lt1"/>
+          </a:fillRef>
+          <a:effectRef idx="0">
+            <a:schemeClr val="dk1"/>
+          </a:effectRef>
+          <a:fontRef idx="minor">
+            <a:schemeClr val="dk1"/>
+          </a:fontRef>
+        </p:style>
+        <p:txBody>
+          <a:bodyPr vert="horz" wrap="square" lIns="91440" tIns="45720" rIns="91440" bIns="45720" numCol="1" rtlCol="0" anchor="t" anchorCtr="0" compatLnSpc="1">
+            <a:prstTxWarp prst="textNoShape">
+              <a:avLst/>
+            </a:prstTxWarp>
+          </a:bodyPr>
+          <a:lstStyle/>
+          <a:p>
+            <a:pPr algn="ctr"/>
+            <a:r>
+              <a:rPr lang="en-US" altLang="ko-KR" dirty="0" smtClean="0"/>
+              <a:t>AR</a:t>
+            </a:r>
+            <a:r>
+              <a:rPr lang="ko-KR" altLang="en-US" dirty="0" smtClean="0"/>
+              <a:t>화면</a:t>
+            </a:r>
+            <a:endParaRPr lang="ko-KR" altLang="en-US" dirty="0"/>
+          </a:p>
+        </p:txBody>
+      </p:sp>
+      <p:sp>
+        <p:nvSpPr>
+          <p:cNvPr id="96" name="TextBox 95"/>
+          <p:cNvSpPr txBox="1"/>
+          <p:nvPr/>
+        </p:nvSpPr>
+        <p:spPr>
+          <a:xfrm>
+            <a:off x="7956376" y="3517630"/>
+            <a:ext cx="253274" cy="194925"/>
+          </a:xfrm>
+          <a:prstGeom prst="rect">
+            <a:avLst/>
+          </a:prstGeom>
+        </p:spPr>
+        <p:txBody>
+          <a:bodyPr wrap="none" lIns="0" tIns="0" rIns="0" bIns="0" rtlCol="0" anchor="ctr">
+            <a:spAutoFit/>
+          </a:bodyPr>
+          <a:lstStyle/>
+          <a:p>
+            <a:pPr marL="0" indent="0">
+              <a:lnSpc>
+                <a:spcPct val="150000"/>
+              </a:lnSpc>
+              <a:buNone/>
+            </a:pPr>
+            <a:r>
+              <a:rPr lang="ko-KR" altLang="en-US" sz="1000" b="1" dirty="0" smtClean="0">
+                <a:latin typeface="+mj-lt"/>
+              </a:rPr>
+              <a:t>라벨</a:t>
+            </a:r>
+            <a:endParaRPr lang="en-US" altLang="ko-KR" sz="1000" b="1" dirty="0" smtClean="0">
+              <a:latin typeface="+mj-lt"/>
+            </a:endParaRPr>
+          </a:p>
+        </p:txBody>
+      </p:sp>
+      <p:cxnSp>
+        <p:nvCxnSpPr>
+          <p:cNvPr id="97" name="직선 화살표 연결선 60"/>
+          <p:cNvCxnSpPr>
+            <a:stCxn id="33" idx="6"/>
+            <a:endCxn id="95" idx="1"/>
+          </p:cNvCxnSpPr>
+          <p:nvPr/>
+        </p:nvCxnSpPr>
+        <p:spPr>
+          <a:xfrm>
+            <a:off x="5262591" y="2818723"/>
+            <a:ext cx="1002879" cy="1169441"/>
+          </a:xfrm>
+          <a:prstGeom prst="curvedConnector3">
+            <a:avLst>
+              <a:gd name="adj1" fmla="val 50000"/>
+            </a:avLst>
+          </a:prstGeom>
+          <a:ln>
+            <a:tailEnd type="arrow"/>
+          </a:ln>
+        </p:spPr>
+        <p:style>
+          <a:lnRef idx="2">
+            <a:schemeClr val="accent6"/>
+          </a:lnRef>
+          <a:fillRef idx="0">
+            <a:schemeClr val="accent6"/>
+          </a:fillRef>
+          <a:effectRef idx="1">
+            <a:schemeClr val="accent6"/>
+          </a:effectRef>
+          <a:fontRef idx="minor">
+            <a:schemeClr val="tx1"/>
+          </a:fontRef>
+        </p:style>
+      </p:cxnSp>
+      <p:sp>
+        <p:nvSpPr>
+          <p:cNvPr id="101" name="TextBox 100"/>
+          <p:cNvSpPr txBox="1"/>
+          <p:nvPr/>
+        </p:nvSpPr>
+        <p:spPr>
+          <a:xfrm>
+            <a:off x="5816654" y="3365117"/>
+            <a:ext cx="253274" cy="194925"/>
+          </a:xfrm>
+          <a:prstGeom prst="rect">
+            <a:avLst/>
+          </a:prstGeom>
+        </p:spPr>
+        <p:txBody>
+          <a:bodyPr wrap="none" lIns="0" tIns="0" rIns="0" bIns="0" rtlCol="0" anchor="ctr">
+            <a:spAutoFit/>
+          </a:bodyPr>
+          <a:lstStyle/>
+          <a:p>
+            <a:pPr marL="0" indent="0">
+              <a:lnSpc>
+                <a:spcPct val="150000"/>
+              </a:lnSpc>
+              <a:buNone/>
+            </a:pPr>
+            <a:r>
+              <a:rPr lang="ko-KR" altLang="en-US" sz="1000" b="1" dirty="0" smtClean="0">
+                <a:latin typeface="+mj-lt"/>
+              </a:rPr>
+              <a:t>직</a:t>
+            </a:r>
+            <a:r>
+              <a:rPr lang="ko-KR" altLang="en-US" sz="1000" b="1" dirty="0">
+                <a:latin typeface="+mj-lt"/>
+              </a:rPr>
+              <a:t>선</a:t>
+            </a:r>
+            <a:endParaRPr lang="en-US" altLang="ko-KR" sz="1000" b="1" dirty="0" smtClean="0">
+              <a:latin typeface="+mj-lt"/>
+            </a:endParaRPr>
+          </a:p>
+        </p:txBody>
+      </p:sp>
+    </p:spTree>
+    <p:extLst>
+      <p:ext uri="{BB962C8B-B14F-4D97-AF65-F5344CB8AC3E}">
+        <p14:creationId xmlns:p14="http://schemas.microsoft.com/office/powerpoint/2010/main" val="2859627669"/>
+      </p:ext>
+    </p:extLst>
+  </p:cSld>
+  <p:clrMapOvr>
+    <a:masterClrMapping/>
+  </p:clrMapOvr>
+  <mc:AlternateContent xmlns:mc="http://schemas.openxmlformats.org/markup-compatibility/2006" xmlns:p14="http://schemas.microsoft.com/office/powerpoint/2010/main">
+    <mc:Choice Requires="p14">
+      <p:transition spd="med" p14:dur="700" advTm="20000">
+        <p:fade/>
+      </p:transition>
+    </mc:Choice>
+    <mc:Fallback xmlns="">
+      <p:transition spd="med" advTm="20000">
+        <p:fade/>
+      </p:transition>
+    </mc:Fallback>
+  </mc:AlternateContent>
+  <p:timing>
+    <p:tnLst>
+      <p:par>
+        <p:cTn id="1" dur="indefinite" restart="never" nodeType="tmRoot"/>
+      </p:par>
+    </p:tnLst>
+  </p:timing>
+</p:sld>
+</file>
+
+<file path=ppt/slides/slide21.xml><?xml version="1.0" encoding="utf-8"?>
+<p:sld xmlns:a="http://schemas.openxmlformats.org/drawingml/2006/main" xmlns:r="http://schemas.openxmlformats.org/officeDocument/2006/relationships" xmlns:p="http://schemas.openxmlformats.org/presentationml/2006/main">
+  <p:cSld>
+    <p:spTree>
+      <p:nvGrpSpPr>
+        <p:cNvPr id="1" name=""/>
+        <p:cNvGrpSpPr/>
+        <p:nvPr/>
+      </p:nvGrpSpPr>
+      <p:grpSpPr>
+        <a:xfrm>
+          <a:off x="0" y="0"/>
+          <a:ext cx="0" cy="0"/>
+          <a:chOff x="0" y="0"/>
+          <a:chExt cx="0" cy="0"/>
+        </a:xfrm>
+      </p:grpSpPr>
+      <p:sp>
+        <p:nvSpPr>
+          <p:cNvPr id="7" name="제목 6"/>
+          <p:cNvSpPr>
+            <a:spLocks noGrp="1"/>
+          </p:cNvSpPr>
+          <p:nvPr>
+            <p:ph type="title"/>
+          </p:nvPr>
+        </p:nvSpPr>
+        <p:spPr/>
+        <p:txBody>
+          <a:bodyPr/>
+          <a:lstStyle/>
+          <a:p>
+            <a:pPr lvl="0">
+              <a:defRPr lang="ko-KR" altLang="en-US"/>
+            </a:pPr>
+            <a:r>
+              <a:rPr lang="ko-KR" altLang="en-US" dirty="0" smtClean="0"/>
+              <a:t>사용 영상</a:t>
+            </a:r>
+            <a:endParaRPr lang="ko-KR" altLang="en-US" dirty="0"/>
+          </a:p>
+        </p:txBody>
+      </p:sp>
+      <p:sp>
+        <p:nvSpPr>
+          <p:cNvPr id="2" name="직사각형 1"/>
+          <p:cNvSpPr/>
+          <p:nvPr/>
+        </p:nvSpPr>
+        <p:spPr>
+          <a:xfrm>
+            <a:off x="685800" y="1200150"/>
+            <a:ext cx="7848600" cy="3505200"/>
+          </a:xfrm>
+          <a:prstGeom prst="rect">
+            <a:avLst/>
+          </a:prstGeom>
+          <a:solidFill>
+            <a:schemeClr val="accent5">
+              <a:lumMod val="20000"/>
+              <a:lumOff val="80000"/>
+            </a:schemeClr>
+          </a:solidFill>
+          <a:ln w="9525">
+            <a:noFill/>
+            <a:round/>
+          </a:ln>
+        </p:spPr>
+        <p:txBody>
+          <a:bodyPr vert="horz" wrap="square" lIns="91440" tIns="45720" rIns="91440" bIns="45720" anchor="t" anchorCtr="0"/>
+          <a:lstStyle/>
+          <a:p>
+            <a:pPr algn="ctr">
+              <a:defRPr lang="ko-KR" altLang="en-US"/>
+            </a:pPr>
+            <a:r>
+              <a:rPr lang="en-US" altLang="ko-KR">
+                <a:latin typeface="+mn-lt"/>
+                <a:ea typeface="+mn-ea"/>
+                <a:cs typeface="+mn-cs"/>
+              </a:rPr>
+              <a:t>~</a:t>
+            </a:r>
+            <a:r>
+              <a:rPr lang="ko-KR" altLang="en-US">
+                <a:latin typeface="+mn-lt"/>
+                <a:ea typeface="+mn-ea"/>
+                <a:cs typeface="+mn-cs"/>
+              </a:rPr>
+              <a:t>영상</a:t>
+            </a:r>
+            <a:r>
+              <a:rPr lang="en-US" altLang="ko-KR">
+                <a:latin typeface="+mn-lt"/>
+                <a:ea typeface="+mn-ea"/>
+                <a:cs typeface="+mn-cs"/>
+              </a:rPr>
+              <a:t>~</a:t>
+            </a:r>
+            <a:endParaRPr lang="ko-KR" altLang="en-US">
+              <a:latin typeface="+mn-lt"/>
+              <a:ea typeface="+mn-ea"/>
+              <a:cs typeface="+mn-cs"/>
+            </a:endParaRPr>
+          </a:p>
+        </p:txBody>
+      </p:sp>
+    </p:spTree>
+    <p:extLst>
+      <p:ext uri="{BB962C8B-B14F-4D97-AF65-F5344CB8AC3E}">
+        <p14:creationId xmlns:p14="http://schemas.microsoft.com/office/powerpoint/2010/main" val="16732786"/>
+      </p:ext>
+    </p:extLst>
+  </p:cSld>
+  <p:clrMapOvr>
+    <a:masterClrMapping/>
+  </p:clrMapOvr>
+  <mc:AlternateContent xmlns:mc="http://schemas.openxmlformats.org/markup-compatibility/2006" xmlns:p14="http://schemas.microsoft.com/office/powerpoint/2010/main">
+    <mc:Choice Requires="p14">
+      <p:transition spd="med" p14:dur="700">
+        <p:fade/>
+      </p:transition>
+    </mc:Choice>
+    <mc:Fallback xmlns="">
+      <p:transition spd="med">
+        <p:fade/>
+      </p:transition>
+    </mc:Fallback>
+  </mc:AlternateContent>
+  <p:timing>
+    <p:tnLst>
+      <p:par>
+        <p:cTn id="1" dur="indefinite" restart="never" nodeType="tmRoot"/>
+      </p:par>
+    </p:tnLst>
+  </p:timing>
+</p:sld>
+</file>
+
+<file path=ppt/slides/slide22.xml><?xml version="1.0" encoding="utf-8"?>
+<p:sld xmlns:a="http://schemas.openxmlformats.org/drawingml/2006/main" xmlns:r="http://schemas.openxmlformats.org/officeDocument/2006/relationships" xmlns:p="http://schemas.openxmlformats.org/presentationml/2006/main" showMasterSp="0">
+  <p:cSld>
+    <p:spTree>
+      <p:nvGrpSpPr>
+        <p:cNvPr id="1" name=""/>
+        <p:cNvGrpSpPr/>
+        <p:nvPr/>
+      </p:nvGrpSpPr>
+      <p:grpSpPr>
+        <a:xfrm>
+          <a:off x="0" y="0"/>
+          <a:ext cx="0" cy="0"/>
+          <a:chOff x="0" y="0"/>
+          <a:chExt cx="0" cy="0"/>
+        </a:xfrm>
+      </p:grpSpPr>
+      <p:sp>
+        <p:nvSpPr>
+          <p:cNvPr id="12" name="제목 11"/>
+          <p:cNvSpPr>
+            <a:spLocks noGrp="1"/>
+          </p:cNvSpPr>
+          <p:nvPr>
+            <p:ph type="title"/>
+          </p:nvPr>
+        </p:nvSpPr>
+        <p:spPr>
+          <a:xfrm>
+            <a:off x="323528" y="591530"/>
+            <a:ext cx="8368363" cy="495383"/>
+          </a:xfrm>
+        </p:spPr>
+        <p:txBody>
+          <a:bodyPr/>
+          <a:lstStyle/>
+          <a:p>
+            <a:pPr lvl="0">
+              <a:defRPr lang="ko-KR" altLang="en-US"/>
+            </a:pPr>
+            <a:r>
+              <a:rPr lang="ko-KR" altLang="en-US" dirty="0"/>
+              <a:t>역할분담</a:t>
+            </a:r>
+          </a:p>
+        </p:txBody>
+      </p:sp>
+      <p:graphicFrame>
+        <p:nvGraphicFramePr>
+          <p:cNvPr id="13" name="다이어그램 12"/>
+          <p:cNvGraphicFramePr/>
+          <p:nvPr>
+            <p:extLst>
+              <p:ext uri="{D42A27DB-BD31-4B8C-83A1-F6EECF244321}">
+                <p14:modId xmlns:p14="http://schemas.microsoft.com/office/powerpoint/2010/main" val="1971593582"/>
+              </p:ext>
+            </p:extLst>
+          </p:nvPr>
+        </p:nvGraphicFramePr>
+        <p:xfrm>
+          <a:off x="1547664" y="1779662"/>
+          <a:ext cx="5868652" cy="2232248"/>
+        </p:xfrm>
+        <a:graphic>
+          <a:graphicData uri="http://schemas.openxmlformats.org/drawingml/2006/diagram">
+            <dgm:relIds xmlns:dgm="http://schemas.openxmlformats.org/drawingml/2006/diagram" xmlns:r="http://schemas.openxmlformats.org/officeDocument/2006/relationships" r:dm="rId2" r:lo="rId3" r:qs="rId4" r:cs="rId5"/>
+          </a:graphicData>
+        </a:graphic>
+      </p:graphicFrame>
+    </p:spTree>
+  </p:cSld>
+  <p:clrMapOvr>
+    <a:masterClrMapping/>
+  </p:clrMapOvr>
+  <mc:AlternateContent xmlns:mc="http://schemas.openxmlformats.org/markup-compatibility/2006" xmlns:p14="http://schemas.microsoft.com/office/powerpoint/2010/main">
+    <mc:Choice Requires="p14">
+      <p:transition spd="med" p14:dur="700">
+        <p:fade/>
+      </p:transition>
+    </mc:Choice>
+    <mc:Fallback xmlns="">
+      <p:transition spd="med">
+        <p:fade/>
+      </p:transition>
+    </mc:Fallback>
+  </mc:AlternateContent>
+  <p:timing>
+    <p:tnLst>
+      <p:par>
+        <p:cTn id="1" dur="indefinite" restart="never" nodeType="tmRoot"/>
+      </p:par>
+    </p:tnLst>
+  </p:timing>
+</p:sld>
+</file>
+
+<file path=ppt/slides/slide23.xml><?xml version="1.0" encoding="utf-8"?>
 <p:sld xmlns:a="http://schemas.openxmlformats.org/drawingml/2006/main" xmlns:r="http://schemas.openxmlformats.org/officeDocument/2006/relationships" xmlns:p="http://schemas.openxmlformats.org/presentationml/2006/main" showMasterSp="0">
   <p:cSld>
     <p:spTree>

--- a/호남-발표자료.pptx
+++ b/호남-발표자료.pptx
@@ -135,7 +135,7 @@
   </p:defaultTextStyle>
   <p:extLst>
     <p:ext uri="{EFAFB233-063F-42B5-8137-9DF3F51BA10A}">
-      <p15:sldGuideLst xmlns:p15="http://schemas.microsoft.com/office/powerpoint/2012/main" xmlns="">
+      <p15:sldGuideLst xmlns="" xmlns:p15="http://schemas.microsoft.com/office/powerpoint/2012/main">
         <p15:guide id="1" orient="horz" pos="1619">
           <p15:clr>
             <a:srgbClr val="A4A3A4"/>
@@ -149,7 +149,7 @@
       </p15:sldGuideLst>
     </p:ext>
     <p:ext uri="{2D200454-40CA-4A62-9FC3-DE9A4176ACB9}">
-      <p15:notesGuideLst xmlns:p15="http://schemas.microsoft.com/office/powerpoint/2012/main" xmlns=""/>
+      <p15:notesGuideLst xmlns="" xmlns:p15="http://schemas.microsoft.com/office/powerpoint/2012/main"/>
     </p:ext>
   </p:extLst>
 </p:presentation>
@@ -3354,7 +3354,7 @@
               <a:pPr lvl="0">
                 <a:defRPr lang="ko-KR" altLang="en-US"/>
               </a:pPr>
-              <a:t>11/21/2020</a:t>
+              <a:t>11/22/2020</a:t>
             </a:fld>
             <a:endParaRPr lang="en-US"/>
           </a:p>
@@ -3537,7 +3537,7 @@
               <a:pPr lvl="0">
                 <a:defRPr lang="ko-KR" altLang="en-US"/>
               </a:pPr>
-              <a:t>11/21/2020</a:t>
+              <a:t>11/22/2020</a:t>
             </a:fld>
             <a:endParaRPr lang="en-US"/>
           </a:p>
@@ -10254,15 +10254,7 @@
                           <a:ea typeface="+mn-ea"/>
                           <a:cs typeface="+mn-cs"/>
                         </a:rPr>
-                        <a:t>받아야 </a:t>
-                      </a:r>
-                      <a:r>
-                        <a:rPr lang="ko-KR" altLang="en-US" sz="1400" dirty="0" smtClean="0">
-                          <a:latin typeface="+mn-lt"/>
-                          <a:ea typeface="+mn-ea"/>
-                          <a:cs typeface="+mn-cs"/>
-                        </a:rPr>
-                        <a:t>함</a:t>
+                        <a:t>받아야 함</a:t>
                       </a:r>
                       <a:r>
                         <a:rPr lang="en-US" altLang="ko-KR" sz="1400" dirty="0" smtClean="0">
@@ -10434,15 +10426,7 @@
                           <a:ea typeface="+mn-ea"/>
                           <a:cs typeface="+mn-cs"/>
                         </a:rPr>
-                        <a:t> 로딩시간이 </a:t>
-                      </a:r>
-                      <a:r>
-                        <a:rPr lang="ko-KR" altLang="en-US" sz="1400" dirty="0" smtClean="0">
-                          <a:latin typeface="+mn-lt"/>
-                          <a:ea typeface="+mn-ea"/>
-                          <a:cs typeface="+mn-cs"/>
-                        </a:rPr>
-                        <a:t>긺</a:t>
+                        <a:t> 로딩시간이 긺</a:t>
                       </a:r>
                       <a:r>
                         <a:rPr lang="en-US" altLang="ko-KR" sz="1400" dirty="0" smtClean="0">
@@ -10485,15 +10469,7 @@
                           <a:ea typeface="+mn-ea"/>
                           <a:cs typeface="+mn-cs"/>
                         </a:rPr>
-                        <a:t>물체가 </a:t>
-                      </a:r>
-                      <a:r>
-                        <a:rPr lang="ko-KR" altLang="en-US" sz="1400" dirty="0" smtClean="0">
-                          <a:latin typeface="+mn-lt"/>
-                          <a:ea typeface="+mn-ea"/>
-                          <a:cs typeface="+mn-cs"/>
-                        </a:rPr>
-                        <a:t>적음</a:t>
+                        <a:t>물체가 적음</a:t>
                       </a:r>
                       <a:r>
                         <a:rPr lang="en-US" altLang="ko-KR" sz="1400" dirty="0" smtClean="0">
@@ -15560,12 +15536,6 @@
               </a:rPr>
               <a:t>카메라영상</a:t>
             </a:r>
-            <a:endParaRPr lang="ko-KR" altLang="en-US" sz="1000" b="1" dirty="0" smtClean="0">
-              <a:solidFill>
-                <a:schemeClr val="tx1"/>
-              </a:solidFill>
-              <a:latin typeface="+mj-lt"/>
-            </a:endParaRPr>
           </a:p>
         </p:txBody>
       </p:sp>
@@ -15606,13 +15576,7 @@
               <a:rPr lang="ko-KR" altLang="en-US" sz="1000" b="1" dirty="0" smtClean="0">
                 <a:latin typeface="+mj-lt"/>
               </a:rPr>
-              <a:t>좌표 </a:t>
-            </a:r>
-            <a:r>
-              <a:rPr lang="ko-KR" altLang="en-US" sz="1000" b="1" dirty="0" smtClean="0">
-                <a:latin typeface="+mj-lt"/>
-              </a:rPr>
-              <a:t>값</a:t>
+              <a:t>좌표 값</a:t>
             </a:r>
             <a:endParaRPr lang="en-US" altLang="ko-KR" sz="1000" b="1" dirty="0" smtClean="0">
               <a:latin typeface="+mj-lt"/>
@@ -15828,20 +15792,7 @@
                 <a:ea typeface="+mn-ea"/>
                 <a:cs typeface="+mn-cs"/>
               </a:rPr>
-              <a:t>데이터 </a:t>
-            </a:r>
-            <a:r>
-              <a:rPr lang="ko-KR" altLang="en-US" sz="2800" dirty="0" smtClean="0">
-                <a:solidFill>
-                  <a:srgbClr val="FFFFFF">
-                    <a:lumMod val="50000"/>
-                  </a:srgbClr>
-                </a:solidFill>
-                <a:latin typeface="+mn-lt"/>
-                <a:ea typeface="+mn-ea"/>
-                <a:cs typeface="+mn-cs"/>
-              </a:rPr>
-              <a:t>흐름도 </a:t>
+              <a:t>데이터 흐름도 </a:t>
             </a:r>
             <a:r>
               <a:rPr lang="en-US" altLang="ko-KR" sz="2800" dirty="0" smtClean="0">
@@ -16052,13 +16003,7 @@
               <a:rPr lang="ko-KR" altLang="en-US" sz="1000" b="1" dirty="0" smtClean="0">
                 <a:latin typeface="+mj-lt"/>
               </a:rPr>
-              <a:t>좌표 </a:t>
-            </a:r>
-            <a:r>
-              <a:rPr lang="ko-KR" altLang="en-US" sz="1000" b="1" dirty="0" smtClean="0">
-                <a:latin typeface="+mj-lt"/>
-              </a:rPr>
-              <a:t>값 </a:t>
+              <a:t>좌표 값 </a:t>
             </a:r>
             <a:endParaRPr lang="en-US" altLang="ko-KR" sz="1000" b="1" dirty="0" smtClean="0">
               <a:latin typeface="+mj-lt"/>
@@ -16075,13 +16020,7 @@
               <a:rPr lang="en-US" altLang="ko-KR" sz="1000" b="1" dirty="0" smtClean="0">
                 <a:latin typeface="+mj-lt"/>
               </a:rPr>
-              <a:t>(</a:t>
-            </a:r>
-            <a:r>
-              <a:rPr lang="en-US" altLang="ko-KR" sz="1000" b="1" dirty="0" smtClean="0">
-                <a:latin typeface="+mj-lt"/>
-              </a:rPr>
-              <a:t>x, y, z)</a:t>
+              <a:t>(x, y, z)</a:t>
             </a:r>
             <a:endParaRPr lang="ko-KR" altLang="en-US" sz="1000" b="1" dirty="0" smtClean="0">
               <a:solidFill>
@@ -16254,12 +16193,6 @@
                 </a:rPr>
                 <a:t>공간 정보</a:t>
               </a:r>
-              <a:endParaRPr lang="ko-KR" altLang="en-US" b="1" dirty="0" smtClean="0">
-                <a:solidFill>
-                  <a:schemeClr val="tx1"/>
-                </a:solidFill>
-                <a:latin typeface="+mj-lt"/>
-              </a:endParaRPr>
             </a:p>
           </p:txBody>
         </p:sp>
@@ -16477,12 +16410,6 @@
               </a:rPr>
               <a:t>원판</a:t>
             </a:r>
-            <a:endParaRPr lang="ko-KR" altLang="en-US" sz="1000" b="1" dirty="0" smtClean="0">
-              <a:solidFill>
-                <a:schemeClr val="tx1"/>
-              </a:solidFill>
-              <a:latin typeface="+mj-lt"/>
-            </a:endParaRPr>
           </a:p>
         </p:txBody>
       </p:sp>
@@ -16496,14 +16423,14 @@
   <p:clrMapOvr>
     <a:masterClrMapping/>
   </p:clrMapOvr>
-  <mc:AlternateContent xmlns:mc="http://schemas.openxmlformats.org/markup-compatibility/2006" xmlns:p14="http://schemas.microsoft.com/office/powerpoint/2010/main">
-    <mc:Choice Requires="p14">
-      <p:transition spd="med" p14:dur="700" advTm="20000">
+  <mc:AlternateContent xmlns:mc="http://schemas.openxmlformats.org/markup-compatibility/2006">
+    <mc:Choice xmlns:p14="http://schemas.microsoft.com/office/powerpoint/2010/main" Requires="p14">
+      <p:transition spd="med" p14:dur="700">
         <p:fade/>
       </p:transition>
     </mc:Choice>
-    <mc:Fallback xmlns="">
-      <p:transition spd="med" advTm="20000">
+    <mc:Fallback>
+      <p:transition spd="med">
         <p:fade/>
       </p:transition>
     </mc:Fallback>
@@ -16768,11 +16695,7 @@
             <a:pPr algn="ctr"/>
             <a:r>
               <a:rPr lang="ko-KR" altLang="en-US" sz="1200" dirty="0" smtClean="0"/>
-              <a:t>물체 </a:t>
-            </a:r>
-            <a:r>
-              <a:rPr lang="ko-KR" altLang="en-US" sz="1200" dirty="0" smtClean="0"/>
-              <a:t>생성 및 원판변경</a:t>
+              <a:t>물체 생성 및 원판변경</a:t>
             </a:r>
             <a:endParaRPr lang="en-US" altLang="ko-KR" sz="1200" dirty="0" smtClean="0"/>
           </a:p>
@@ -17214,20 +17137,7 @@
                 <a:ea typeface="+mn-ea"/>
                 <a:cs typeface="+mn-cs"/>
               </a:rPr>
-              <a:t>데이터 </a:t>
-            </a:r>
-            <a:r>
-              <a:rPr lang="ko-KR" altLang="en-US" sz="2800" dirty="0" smtClean="0">
-                <a:solidFill>
-                  <a:srgbClr val="FFFFFF">
-                    <a:lumMod val="50000"/>
-                  </a:srgbClr>
-                </a:solidFill>
-                <a:latin typeface="+mn-lt"/>
-                <a:ea typeface="+mn-ea"/>
-                <a:cs typeface="+mn-cs"/>
-              </a:rPr>
-              <a:t>흐름도 </a:t>
+              <a:t>데이터 흐름도 </a:t>
             </a:r>
             <a:r>
               <a:rPr lang="en-US" altLang="ko-KR" sz="2800" dirty="0" smtClean="0">
@@ -17902,14 +17812,14 @@
   <p:clrMapOvr>
     <a:masterClrMapping/>
   </p:clrMapOvr>
-  <mc:AlternateContent xmlns:mc="http://schemas.openxmlformats.org/markup-compatibility/2006" xmlns:p14="http://schemas.microsoft.com/office/powerpoint/2010/main">
-    <mc:Choice Requires="p14">
-      <p:transition spd="med" p14:dur="700" advTm="20000">
+  <mc:AlternateContent xmlns:mc="http://schemas.openxmlformats.org/markup-compatibility/2006">
+    <mc:Choice xmlns:p14="http://schemas.microsoft.com/office/powerpoint/2010/main" Requires="p14">
+      <p:transition spd="med" p14:dur="700">
         <p:fade/>
       </p:transition>
     </mc:Choice>
-    <mc:Fallback xmlns="">
-      <p:transition spd="med" advTm="20000">
+    <mc:Fallback>
+      <p:transition spd="med">
         <p:fade/>
       </p:transition>
     </mc:Fallback>
@@ -18379,12 +18289,6 @@
               </a:rPr>
               <a:t> 광선</a:t>
             </a:r>
-            <a:endParaRPr lang="ko-KR" altLang="en-US" sz="1000" b="1" dirty="0" smtClean="0">
-              <a:solidFill>
-                <a:schemeClr val="tx1"/>
-              </a:solidFill>
-              <a:latin typeface="+mj-lt"/>
-            </a:endParaRPr>
           </a:p>
         </p:txBody>
       </p:sp>
@@ -18830,12 +18734,6 @@
               </a:rPr>
               <a:t>원판의 좌표</a:t>
             </a:r>
-            <a:endParaRPr lang="ko-KR" altLang="en-US" sz="1000" b="1" dirty="0" smtClean="0">
-              <a:solidFill>
-                <a:schemeClr val="tx1"/>
-              </a:solidFill>
-              <a:latin typeface="+mj-lt"/>
-            </a:endParaRPr>
           </a:p>
         </p:txBody>
       </p:sp>
@@ -18994,14 +18892,14 @@
   <p:clrMapOvr>
     <a:masterClrMapping/>
   </p:clrMapOvr>
-  <mc:AlternateContent xmlns:mc="http://schemas.openxmlformats.org/markup-compatibility/2006" xmlns:p14="http://schemas.microsoft.com/office/powerpoint/2010/main">
-    <mc:Choice Requires="p14">
-      <p:transition spd="med" p14:dur="700" advTm="20000">
+  <mc:AlternateContent xmlns:mc="http://schemas.openxmlformats.org/markup-compatibility/2006">
+    <mc:Choice xmlns:p14="http://schemas.microsoft.com/office/powerpoint/2010/main" Requires="p14">
+      <p:transition spd="med" p14:dur="700">
         <p:fade/>
       </p:transition>
     </mc:Choice>
-    <mc:Fallback xmlns="">
-      <p:transition spd="med" advTm="20000">
+    <mc:Fallback>
+      <p:transition spd="med">
         <p:fade/>
       </p:transition>
     </mc:Fallback>
@@ -19440,12 +19338,6 @@
               </a:rPr>
               <a:t>위치 좌표</a:t>
             </a:r>
-            <a:endParaRPr lang="ko-KR" altLang="en-US" sz="1000" b="1" dirty="0" smtClean="0">
-              <a:solidFill>
-                <a:schemeClr val="tx1"/>
-              </a:solidFill>
-              <a:latin typeface="+mj-lt"/>
-            </a:endParaRPr>
           </a:p>
         </p:txBody>
       </p:sp>
@@ -19836,12 +19728,6 @@
                 </a:rPr>
                 <a:t>공간 정보</a:t>
               </a:r>
-              <a:endParaRPr lang="ko-KR" altLang="en-US" b="1" dirty="0" smtClean="0">
-                <a:solidFill>
-                  <a:schemeClr val="tx1"/>
-                </a:solidFill>
-                <a:latin typeface="+mj-lt"/>
-              </a:endParaRPr>
             </a:p>
           </p:txBody>
         </p:sp>
@@ -19856,14 +19742,14 @@
   <p:clrMapOvr>
     <a:masterClrMapping/>
   </p:clrMapOvr>
-  <mc:AlternateContent xmlns:mc="http://schemas.openxmlformats.org/markup-compatibility/2006" xmlns:p14="http://schemas.microsoft.com/office/powerpoint/2010/main">
-    <mc:Choice Requires="p14">
-      <p:transition spd="med" p14:dur="700" advTm="20000">
+  <mc:AlternateContent xmlns:mc="http://schemas.openxmlformats.org/markup-compatibility/2006">
+    <mc:Choice xmlns:p14="http://schemas.microsoft.com/office/powerpoint/2010/main" Requires="p14">
+      <p:transition spd="med" p14:dur="700">
         <p:fade/>
       </p:transition>
     </mc:Choice>
-    <mc:Fallback xmlns="">
-      <p:transition spd="med" advTm="20000">
+    <mc:Fallback>
+      <p:transition spd="med">
         <p:fade/>
       </p:transition>
     </mc:Fallback>
@@ -29896,12 +29782,6 @@
               </a:rPr>
               <a:t>터치 이벤트</a:t>
             </a:r>
-            <a:endParaRPr lang="ko-KR" altLang="en-US" sz="1000" b="1" dirty="0" smtClean="0">
-              <a:solidFill>
-                <a:schemeClr val="tx1"/>
-              </a:solidFill>
-              <a:latin typeface="+mj-lt"/>
-            </a:endParaRPr>
           </a:p>
         </p:txBody>
       </p:sp>
@@ -30370,12 +30250,6 @@
                 </a:rPr>
                 <a:t>공간 정보</a:t>
               </a:r>
-              <a:endParaRPr lang="ko-KR" altLang="en-US" b="1" dirty="0" smtClean="0">
-                <a:solidFill>
-                  <a:schemeClr val="tx1"/>
-                </a:solidFill>
-                <a:latin typeface="+mj-lt"/>
-              </a:endParaRPr>
             </a:p>
           </p:txBody>
         </p:sp>
@@ -30855,14 +30729,14 @@
   <p:clrMapOvr>
     <a:masterClrMapping/>
   </p:clrMapOvr>
-  <mc:AlternateContent xmlns:mc="http://schemas.openxmlformats.org/markup-compatibility/2006" xmlns:p14="http://schemas.microsoft.com/office/powerpoint/2010/main">
-    <mc:Choice Requires="p14">
-      <p:transition spd="med" p14:dur="700" advTm="20000">
+  <mc:AlternateContent xmlns:mc="http://schemas.openxmlformats.org/markup-compatibility/2006">
+    <mc:Choice xmlns:p14="http://schemas.microsoft.com/office/powerpoint/2010/main" Requires="p14">
+      <p:transition spd="med" p14:dur="700">
         <p:fade/>
       </p:transition>
     </mc:Choice>
-    <mc:Fallback xmlns="">
-      <p:transition spd="med" advTm="20000">
+    <mc:Fallback>
+      <p:transition spd="med">
         <p:fade/>
       </p:transition>
     </mc:Fallback>

--- a/호남-발표자료.pptx
+++ b/호남-발표자료.pptx
@@ -18,12 +18,12 @@
     <p:sldId id="260" r:id="rId6"/>
     <p:sldId id="261" r:id="rId7"/>
     <p:sldId id="277" r:id="rId8"/>
-    <p:sldId id="275" r:id="rId9"/>
-    <p:sldId id="273" r:id="rId10"/>
-    <p:sldId id="276" r:id="rId11"/>
-    <p:sldId id="263" r:id="rId12"/>
-    <p:sldId id="280" r:id="rId13"/>
-    <p:sldId id="266" r:id="rId14"/>
+    <p:sldId id="266" r:id="rId9"/>
+    <p:sldId id="275" r:id="rId10"/>
+    <p:sldId id="273" r:id="rId11"/>
+    <p:sldId id="276" r:id="rId12"/>
+    <p:sldId id="263" r:id="rId13"/>
+    <p:sldId id="280" r:id="rId14"/>
     <p:sldId id="278" r:id="rId15"/>
     <p:sldId id="269" r:id="rId16"/>
     <p:sldId id="268" r:id="rId17"/>
@@ -135,7 +135,7 @@
   </p:defaultTextStyle>
   <p:extLst>
     <p:ext uri="{EFAFB233-063F-42B5-8137-9DF3F51BA10A}">
-      <p15:sldGuideLst xmlns="" xmlns:p15="http://schemas.microsoft.com/office/powerpoint/2012/main">
+      <p15:sldGuideLst xmlns:p15="http://schemas.microsoft.com/office/powerpoint/2012/main" xmlns="">
         <p15:guide id="1" orient="horz" pos="1619">
           <p15:clr>
             <a:srgbClr val="A4A3A4"/>
@@ -149,7 +149,7 @@
       </p15:sldGuideLst>
     </p:ext>
     <p:ext uri="{2D200454-40CA-4A62-9FC3-DE9A4176ACB9}">
-      <p15:notesGuideLst xmlns="" xmlns:p15="http://schemas.microsoft.com/office/powerpoint/2012/main"/>
+      <p15:notesGuideLst xmlns:p15="http://schemas.microsoft.com/office/powerpoint/2012/main" xmlns=""/>
     </p:ext>
   </p:extLst>
 </p:presentation>
@@ -1066,12 +1066,8 @@
         <a:p>
           <a:pPr latinLnBrk="1"/>
           <a:r>
-            <a:rPr lang="en-US" altLang="ko-KR" sz="2400" dirty="0" smtClean="0"/>
-            <a:t>SERVER</a:t>
-          </a:r>
-          <a:r>
             <a:rPr lang="ko-KR" altLang="en-US" sz="2400" dirty="0" smtClean="0"/>
-            <a:t> </a:t>
+            <a:t>서버</a:t>
           </a:r>
           <a:endParaRPr lang="ko-KR" altLang="en-US" sz="2400" dirty="0"/>
         </a:p>
@@ -1696,12 +1692,8 @@
             </a:spcAft>
           </a:pPr>
           <a:r>
-            <a:rPr lang="en-US" altLang="ko-KR" sz="2400" kern="1200" dirty="0" smtClean="0"/>
-            <a:t>SERVER</a:t>
-          </a:r>
-          <a:r>
             <a:rPr lang="ko-KR" altLang="en-US" sz="2400" kern="1200" dirty="0" smtClean="0"/>
-            <a:t> </a:t>
+            <a:t>서버</a:t>
           </a:r>
           <a:endParaRPr lang="ko-KR" altLang="en-US" sz="2400" kern="1200" dirty="0"/>
         </a:p>
@@ -9037,6 +9029,810 @@
 </file>
 
 <file path=ppt/slides/slide10.xml><?xml version="1.0" encoding="utf-8"?>
+<p:sld xmlns:a="http://schemas.openxmlformats.org/drawingml/2006/main" xmlns:r="http://schemas.openxmlformats.org/officeDocument/2006/relationships" xmlns:p="http://schemas.openxmlformats.org/presentationml/2006/main">
+  <p:cSld>
+    <p:spTree>
+      <p:nvGrpSpPr>
+        <p:cNvPr id="1" name=""/>
+        <p:cNvGrpSpPr/>
+        <p:nvPr/>
+      </p:nvGrpSpPr>
+      <p:grpSpPr>
+        <a:xfrm>
+          <a:off x="0" y="0"/>
+          <a:ext cx="0" cy="0"/>
+          <a:chOff x="0" y="0"/>
+          <a:chExt cx="0" cy="0"/>
+        </a:xfrm>
+      </p:grpSpPr>
+      <p:sp>
+        <p:nvSpPr>
+          <p:cNvPr id="9" name="Rectangle 5"/>
+          <p:cNvSpPr/>
+          <p:nvPr/>
+        </p:nvSpPr>
+        <p:spPr>
+          <a:xfrm>
+            <a:off x="-508" y="3579718"/>
+            <a:ext cx="9144000" cy="1563638"/>
+          </a:xfrm>
+          <a:prstGeom prst="rect">
+            <a:avLst/>
+          </a:prstGeom>
+          <a:solidFill>
+            <a:srgbClr val="3F4C55"/>
+          </a:solidFill>
+          <a:ln w="9525">
+            <a:noFill/>
+            <a:round/>
+          </a:ln>
+        </p:spPr>
+        <p:txBody>
+          <a:bodyPr vert="horz" wrap="square" lIns="91440" tIns="45720" rIns="91440" bIns="45720" anchor="ctr" anchorCtr="0"/>
+          <a:lstStyle/>
+          <a:p>
+            <a:pPr algn="ctr">
+              <a:defRPr lang="ko-KR" altLang="en-US"/>
+            </a:pPr>
+            <a:endParaRPr lang="en-US">
+              <a:solidFill>
+                <a:schemeClr val="bg1"/>
+              </a:solidFill>
+              <a:latin typeface="+mn-lt"/>
+              <a:ea typeface="+mn-ea"/>
+              <a:cs typeface="+mn-cs"/>
+            </a:endParaRPr>
+          </a:p>
+        </p:txBody>
+      </p:sp>
+      <p:sp>
+        <p:nvSpPr>
+          <p:cNvPr id="2" name="Title 1"/>
+          <p:cNvSpPr>
+            <a:spLocks noGrp="1"/>
+          </p:cNvSpPr>
+          <p:nvPr>
+            <p:ph type="title"/>
+          </p:nvPr>
+        </p:nvSpPr>
+        <p:spPr/>
+        <p:txBody>
+          <a:bodyPr/>
+          <a:lstStyle/>
+          <a:p>
+            <a:pPr lvl="0">
+              <a:defRPr lang="ko-KR" altLang="en-US"/>
+            </a:pPr>
+            <a:r>
+              <a:rPr lang="en-US" dirty="0" err="1"/>
+              <a:t>WebAR</a:t>
+            </a:r>
+            <a:r>
+              <a:rPr lang="ko-KR" altLang="en-US" dirty="0"/>
+              <a:t> 인테리어 </a:t>
+            </a:r>
+            <a:r>
+              <a:rPr lang="en-US" altLang="ko-KR" dirty="0"/>
+              <a:t>- </a:t>
+            </a:r>
+            <a:r>
+              <a:rPr lang="ko-KR" altLang="en-US" dirty="0"/>
+              <a:t>기능</a:t>
+            </a:r>
+            <a:endParaRPr lang="en-US" dirty="0"/>
+          </a:p>
+        </p:txBody>
+      </p:sp>
+      <p:sp>
+        <p:nvSpPr>
+          <p:cNvPr id="12" name="Inhaltsplatzhalter 4"/>
+          <p:cNvSpPr txBox="1"/>
+          <p:nvPr/>
+        </p:nvSpPr>
+        <p:spPr>
+          <a:xfrm>
+            <a:off x="1331640" y="3881476"/>
+            <a:ext cx="2412268" cy="969496"/>
+          </a:xfrm>
+          <a:prstGeom prst="rect">
+            <a:avLst/>
+          </a:prstGeom>
+        </p:spPr>
+        <p:txBody>
+          <a:bodyPr wrap="square" lIns="0" tIns="0" rIns="0" bIns="0" anchor="ctr">
+            <a:spAutoFit/>
+          </a:bodyPr>
+          <a:lstStyle>
+            <a:lvl1pPr marL="272967" indent="-272967" algn="l" defTabSz="914127" rtl="0" eaLnBrk="1" latinLnBrk="0" hangingPunct="1">
+              <a:lnSpc>
+                <a:spcPct val="90000"/>
+              </a:lnSpc>
+              <a:spcBef>
+                <a:spcPts val="0"/>
+              </a:spcBef>
+              <a:spcAft>
+                <a:spcPts val="1000"/>
+              </a:spcAft>
+              <a:buFont typeface="Wingdings"/>
+              <a:buChar char="§"/>
+              <a:defRPr sz="2300" kern="1200">
+                <a:solidFill>
+                  <a:schemeClr val="bg1"/>
+                </a:solidFill>
+                <a:latin typeface="Calibri Light"/>
+                <a:ea typeface="+mn-ea"/>
+                <a:cs typeface="+mn-cs"/>
+              </a:defRPr>
+            </a:lvl1pPr>
+            <a:lvl2pPr marL="807798" indent="-272967" algn="l" defTabSz="914127" rtl="0" eaLnBrk="1" latinLnBrk="0" hangingPunct="1">
+              <a:lnSpc>
+                <a:spcPct val="90000"/>
+              </a:lnSpc>
+              <a:spcBef>
+                <a:spcPts val="0"/>
+              </a:spcBef>
+              <a:spcAft>
+                <a:spcPts val="1000"/>
+              </a:spcAft>
+              <a:buFont typeface="Symbol"/>
+              <a:buChar char="-"/>
+              <a:defRPr sz="2000" kern="1200">
+                <a:solidFill>
+                  <a:schemeClr val="bg1"/>
+                </a:solidFill>
+                <a:latin typeface="Calibri Light"/>
+                <a:ea typeface="+mn-ea"/>
+                <a:cs typeface="+mn-cs"/>
+              </a:defRPr>
+            </a:lvl2pPr>
+            <a:lvl3pPr marL="1080764" indent="-177748" algn="l" defTabSz="914127" rtl="0" eaLnBrk="1" latinLnBrk="0" hangingPunct="1">
+              <a:lnSpc>
+                <a:spcPct val="90000"/>
+              </a:lnSpc>
+              <a:spcBef>
+                <a:spcPts val="0"/>
+              </a:spcBef>
+              <a:spcAft>
+                <a:spcPts val="1000"/>
+              </a:spcAft>
+              <a:buFont typeface="Symbol"/>
+              <a:buChar char="-"/>
+              <a:defRPr sz="1900" kern="1200">
+                <a:solidFill>
+                  <a:schemeClr val="bg1"/>
+                </a:solidFill>
+                <a:latin typeface="Calibri Light"/>
+                <a:ea typeface="+mn-ea"/>
+                <a:cs typeface="+mn-cs"/>
+              </a:defRPr>
+            </a:lvl3pPr>
+            <a:lvl4pPr marL="1436256" indent="-177748" algn="l" defTabSz="914127" rtl="0" eaLnBrk="1" latinLnBrk="0" hangingPunct="1">
+              <a:lnSpc>
+                <a:spcPct val="90000"/>
+              </a:lnSpc>
+              <a:spcBef>
+                <a:spcPts val="0"/>
+              </a:spcBef>
+              <a:spcAft>
+                <a:spcPts val="1000"/>
+              </a:spcAft>
+              <a:buFont typeface="Symbol"/>
+              <a:buChar char="-"/>
+              <a:defRPr sz="1600" kern="1200">
+                <a:solidFill>
+                  <a:schemeClr val="bg1"/>
+                </a:solidFill>
+                <a:latin typeface="Calibri Light"/>
+                <a:ea typeface="+mn-ea"/>
+                <a:cs typeface="+mn-cs"/>
+              </a:defRPr>
+            </a:lvl4pPr>
+            <a:lvl5pPr marL="1793335" indent="-179335" algn="l" defTabSz="914127" rtl="0" eaLnBrk="1" latinLnBrk="0" hangingPunct="1">
+              <a:lnSpc>
+                <a:spcPct val="90000"/>
+              </a:lnSpc>
+              <a:spcBef>
+                <a:spcPts val="0"/>
+              </a:spcBef>
+              <a:spcAft>
+                <a:spcPts val="1000"/>
+              </a:spcAft>
+              <a:buFont typeface="Symbol"/>
+              <a:buChar char="-"/>
+              <a:defRPr sz="1600" kern="1200">
+                <a:solidFill>
+                  <a:schemeClr val="bg1"/>
+                </a:solidFill>
+                <a:latin typeface="Calibri Light"/>
+                <a:ea typeface="+mn-ea"/>
+                <a:cs typeface="+mn-cs"/>
+              </a:defRPr>
+            </a:lvl5pPr>
+            <a:lvl6pPr marL="2513847" indent="-228532" algn="l" defTabSz="914127" rtl="0" eaLnBrk="1" latinLnBrk="0" hangingPunct="1">
+              <a:spcBef>
+                <a:spcPct val="20000"/>
+              </a:spcBef>
+              <a:buFont typeface="Arial"/>
+              <a:buChar char="•"/>
+              <a:defRPr sz="2000" kern="1200">
+                <a:solidFill>
+                  <a:schemeClr val="tx1"/>
+                </a:solidFill>
+                <a:latin typeface="+mn-lt"/>
+                <a:ea typeface="+mn-ea"/>
+                <a:cs typeface="+mn-cs"/>
+              </a:defRPr>
+            </a:lvl6pPr>
+            <a:lvl7pPr marL="2970910" indent="-228532" algn="l" defTabSz="914127" rtl="0" eaLnBrk="1" latinLnBrk="0" hangingPunct="1">
+              <a:spcBef>
+                <a:spcPct val="20000"/>
+              </a:spcBef>
+              <a:buFont typeface="Arial"/>
+              <a:buChar char="•"/>
+              <a:defRPr sz="2000" kern="1200">
+                <a:solidFill>
+                  <a:schemeClr val="tx1"/>
+                </a:solidFill>
+                <a:latin typeface="+mn-lt"/>
+                <a:ea typeface="+mn-ea"/>
+                <a:cs typeface="+mn-cs"/>
+              </a:defRPr>
+            </a:lvl7pPr>
+            <a:lvl8pPr marL="3427972" indent="-228532" algn="l" defTabSz="914127" rtl="0" eaLnBrk="1" latinLnBrk="0" hangingPunct="1">
+              <a:spcBef>
+                <a:spcPct val="20000"/>
+              </a:spcBef>
+              <a:buFont typeface="Arial"/>
+              <a:buChar char="•"/>
+              <a:defRPr sz="2000" kern="1200">
+                <a:solidFill>
+                  <a:schemeClr val="tx1"/>
+                </a:solidFill>
+                <a:latin typeface="+mn-lt"/>
+                <a:ea typeface="+mn-ea"/>
+                <a:cs typeface="+mn-cs"/>
+              </a:defRPr>
+            </a:lvl8pPr>
+            <a:lvl9pPr marL="3885034" indent="-228532" algn="l" defTabSz="914127" rtl="0" eaLnBrk="1" latinLnBrk="0" hangingPunct="1">
+              <a:spcBef>
+                <a:spcPct val="20000"/>
+              </a:spcBef>
+              <a:buFont typeface="Arial"/>
+              <a:buChar char="•"/>
+              <a:defRPr sz="2000" kern="1200">
+                <a:solidFill>
+                  <a:schemeClr val="tx1"/>
+                </a:solidFill>
+                <a:latin typeface="+mn-lt"/>
+                <a:ea typeface="+mn-ea"/>
+                <a:cs typeface="+mn-cs"/>
+              </a:defRPr>
+            </a:lvl9pPr>
+          </a:lstStyle>
+          <a:p>
+            <a:pPr marL="0" indent="0">
+              <a:lnSpc>
+                <a:spcPct val="150000"/>
+              </a:lnSpc>
+              <a:buNone/>
+              <a:defRPr lang="ko-KR" altLang="en-US"/>
+            </a:pPr>
+            <a:r>
+              <a:rPr lang="ko-KR" altLang="en-US" sz="1800" b="1" dirty="0" smtClean="0">
+                <a:latin typeface="+mj-lt"/>
+              </a:rPr>
+              <a:t>사용자 편의</a:t>
+            </a:r>
+            <a:r>
+              <a:rPr lang="ko-KR" altLang="en-US" sz="1800" b="1" dirty="0" smtClean="0">
+                <a:latin typeface="+mj-lt"/>
+              </a:rPr>
+              <a:t> </a:t>
+            </a:r>
+            <a:r>
+              <a:rPr lang="ko-KR" altLang="en-US" sz="1800" b="1" dirty="0" smtClean="0">
+                <a:latin typeface="+mj-lt"/>
+              </a:rPr>
+              <a:t>옵션 </a:t>
+            </a:r>
+            <a:r>
+              <a:rPr lang="en-US" altLang="ko-KR" sz="1800" b="1" dirty="0" smtClean="0">
+                <a:latin typeface="+mj-lt"/>
+              </a:rPr>
+              <a:t>#05</a:t>
+            </a:r>
+            <a:r>
+              <a:rPr lang="en-US" sz="1800" b="1" dirty="0" smtClean="0">
+                <a:latin typeface="+mj-lt"/>
+              </a:rPr>
+              <a:t/>
+            </a:r>
+            <a:br>
+              <a:rPr lang="en-US" sz="1800" b="1" dirty="0" smtClean="0">
+                <a:latin typeface="+mj-lt"/>
+              </a:rPr>
+            </a:br>
+            <a:r>
+              <a:rPr lang="ko-KR" altLang="en-US" sz="1200" dirty="0" err="1" smtClean="0">
+                <a:latin typeface="+mj-lt"/>
+              </a:rPr>
+              <a:t>스크린샷을</a:t>
+            </a:r>
+            <a:r>
+              <a:rPr lang="ko-KR" altLang="en-US" sz="1200" dirty="0" smtClean="0">
+                <a:latin typeface="+mj-lt"/>
+              </a:rPr>
+              <a:t> </a:t>
+            </a:r>
+            <a:r>
+              <a:rPr lang="ko-KR" altLang="en-US" sz="1200" dirty="0" smtClean="0">
+                <a:latin typeface="+mj-lt"/>
+              </a:rPr>
+              <a:t>찍을 때 </a:t>
+            </a:r>
+            <a:r>
+              <a:rPr lang="ko-KR" altLang="en-US" sz="1200" dirty="0" smtClean="0">
+                <a:latin typeface="+mj-lt"/>
+              </a:rPr>
+              <a:t>생성 도우미 원판</a:t>
+            </a:r>
+            <a:r>
+              <a:rPr lang="ko-KR" altLang="en-US" sz="1200" dirty="0">
+                <a:latin typeface="+mj-lt"/>
+              </a:rPr>
+              <a:t>과</a:t>
+            </a:r>
+            <a:r>
+              <a:rPr lang="ko-KR" altLang="en-US" sz="1200" dirty="0" smtClean="0">
+                <a:latin typeface="+mj-lt"/>
+              </a:rPr>
+              <a:t> </a:t>
+            </a:r>
+            <a:r>
+              <a:rPr lang="ko-KR" altLang="en-US" sz="1200" dirty="0" smtClean="0">
+                <a:latin typeface="+mj-lt"/>
+              </a:rPr>
+              <a:t>길이표시 </a:t>
+            </a:r>
+            <a:r>
+              <a:rPr lang="ko-KR" altLang="en-US" sz="1200" dirty="0" smtClean="0">
+                <a:latin typeface="+mj-lt"/>
+              </a:rPr>
+              <a:t>감추</a:t>
+            </a:r>
+            <a:r>
+              <a:rPr lang="ko-KR" altLang="en-US" sz="1200" dirty="0">
+                <a:latin typeface="+mj-lt"/>
+              </a:rPr>
+              <a:t>기</a:t>
+            </a:r>
+            <a:r>
+              <a:rPr lang="ko-KR" altLang="en-US" sz="1200" dirty="0" smtClean="0">
+                <a:latin typeface="+mj-lt"/>
+              </a:rPr>
+              <a:t> </a:t>
+            </a:r>
+            <a:r>
+              <a:rPr lang="ko-KR" altLang="en-US" sz="1200" dirty="0" smtClean="0">
+                <a:latin typeface="+mj-lt"/>
+              </a:rPr>
+              <a:t>가능</a:t>
+            </a:r>
+            <a:endParaRPr lang="en-US" sz="1400" dirty="0">
+              <a:latin typeface="+mj-lt"/>
+            </a:endParaRPr>
+          </a:p>
+        </p:txBody>
+      </p:sp>
+      <p:sp>
+        <p:nvSpPr>
+          <p:cNvPr id="13" name="Inhaltsplatzhalter 4"/>
+          <p:cNvSpPr txBox="1"/>
+          <p:nvPr/>
+        </p:nvSpPr>
+        <p:spPr>
+          <a:xfrm>
+            <a:off x="5508104" y="3738434"/>
+            <a:ext cx="2432860" cy="1246495"/>
+          </a:xfrm>
+          <a:prstGeom prst="rect">
+            <a:avLst/>
+          </a:prstGeom>
+        </p:spPr>
+        <p:txBody>
+          <a:bodyPr wrap="square" lIns="0" tIns="0" rIns="0" bIns="0" anchor="ctr">
+            <a:spAutoFit/>
+          </a:bodyPr>
+          <a:lstStyle>
+            <a:lvl1pPr marL="272967" indent="-272967" algn="l" defTabSz="914127" rtl="0" eaLnBrk="1" latinLnBrk="0" hangingPunct="1">
+              <a:lnSpc>
+                <a:spcPct val="90000"/>
+              </a:lnSpc>
+              <a:spcBef>
+                <a:spcPts val="0"/>
+              </a:spcBef>
+              <a:spcAft>
+                <a:spcPts val="1000"/>
+              </a:spcAft>
+              <a:buFont typeface="Wingdings"/>
+              <a:buChar char="§"/>
+              <a:defRPr sz="2300" kern="1200">
+                <a:solidFill>
+                  <a:schemeClr val="bg1"/>
+                </a:solidFill>
+                <a:latin typeface="Calibri Light"/>
+                <a:ea typeface="+mn-ea"/>
+                <a:cs typeface="+mn-cs"/>
+              </a:defRPr>
+            </a:lvl1pPr>
+            <a:lvl2pPr marL="807798" indent="-272967" algn="l" defTabSz="914127" rtl="0" eaLnBrk="1" latinLnBrk="0" hangingPunct="1">
+              <a:lnSpc>
+                <a:spcPct val="90000"/>
+              </a:lnSpc>
+              <a:spcBef>
+                <a:spcPts val="0"/>
+              </a:spcBef>
+              <a:spcAft>
+                <a:spcPts val="1000"/>
+              </a:spcAft>
+              <a:buFont typeface="Symbol"/>
+              <a:buChar char="-"/>
+              <a:defRPr sz="2000" kern="1200">
+                <a:solidFill>
+                  <a:schemeClr val="bg1"/>
+                </a:solidFill>
+                <a:latin typeface="Calibri Light"/>
+                <a:ea typeface="+mn-ea"/>
+                <a:cs typeface="+mn-cs"/>
+              </a:defRPr>
+            </a:lvl2pPr>
+            <a:lvl3pPr marL="1080764" indent="-177748" algn="l" defTabSz="914127" rtl="0" eaLnBrk="1" latinLnBrk="0" hangingPunct="1">
+              <a:lnSpc>
+                <a:spcPct val="90000"/>
+              </a:lnSpc>
+              <a:spcBef>
+                <a:spcPts val="0"/>
+              </a:spcBef>
+              <a:spcAft>
+                <a:spcPts val="1000"/>
+              </a:spcAft>
+              <a:buFont typeface="Symbol"/>
+              <a:buChar char="-"/>
+              <a:defRPr sz="1900" kern="1200">
+                <a:solidFill>
+                  <a:schemeClr val="bg1"/>
+                </a:solidFill>
+                <a:latin typeface="Calibri Light"/>
+                <a:ea typeface="+mn-ea"/>
+                <a:cs typeface="+mn-cs"/>
+              </a:defRPr>
+            </a:lvl3pPr>
+            <a:lvl4pPr marL="1436256" indent="-177748" algn="l" defTabSz="914127" rtl="0" eaLnBrk="1" latinLnBrk="0" hangingPunct="1">
+              <a:lnSpc>
+                <a:spcPct val="90000"/>
+              </a:lnSpc>
+              <a:spcBef>
+                <a:spcPts val="0"/>
+              </a:spcBef>
+              <a:spcAft>
+                <a:spcPts val="1000"/>
+              </a:spcAft>
+              <a:buFont typeface="Symbol"/>
+              <a:buChar char="-"/>
+              <a:defRPr sz="1600" kern="1200">
+                <a:solidFill>
+                  <a:schemeClr val="bg1"/>
+                </a:solidFill>
+                <a:latin typeface="Calibri Light"/>
+                <a:ea typeface="+mn-ea"/>
+                <a:cs typeface="+mn-cs"/>
+              </a:defRPr>
+            </a:lvl4pPr>
+            <a:lvl5pPr marL="1793335" indent="-179335" algn="l" defTabSz="914127" rtl="0" eaLnBrk="1" latinLnBrk="0" hangingPunct="1">
+              <a:lnSpc>
+                <a:spcPct val="90000"/>
+              </a:lnSpc>
+              <a:spcBef>
+                <a:spcPts val="0"/>
+              </a:spcBef>
+              <a:spcAft>
+                <a:spcPts val="1000"/>
+              </a:spcAft>
+              <a:buFont typeface="Symbol"/>
+              <a:buChar char="-"/>
+              <a:defRPr sz="1600" kern="1200">
+                <a:solidFill>
+                  <a:schemeClr val="bg1"/>
+                </a:solidFill>
+                <a:latin typeface="Calibri Light"/>
+                <a:ea typeface="+mn-ea"/>
+                <a:cs typeface="+mn-cs"/>
+              </a:defRPr>
+            </a:lvl5pPr>
+            <a:lvl6pPr marL="2513847" indent="-228532" algn="l" defTabSz="914127" rtl="0" eaLnBrk="1" latinLnBrk="0" hangingPunct="1">
+              <a:spcBef>
+                <a:spcPct val="20000"/>
+              </a:spcBef>
+              <a:buFont typeface="Arial"/>
+              <a:buChar char="•"/>
+              <a:defRPr sz="2000" kern="1200">
+                <a:solidFill>
+                  <a:schemeClr val="tx1"/>
+                </a:solidFill>
+                <a:latin typeface="+mn-lt"/>
+                <a:ea typeface="+mn-ea"/>
+                <a:cs typeface="+mn-cs"/>
+              </a:defRPr>
+            </a:lvl6pPr>
+            <a:lvl7pPr marL="2970910" indent="-228532" algn="l" defTabSz="914127" rtl="0" eaLnBrk="1" latinLnBrk="0" hangingPunct="1">
+              <a:spcBef>
+                <a:spcPct val="20000"/>
+              </a:spcBef>
+              <a:buFont typeface="Arial"/>
+              <a:buChar char="•"/>
+              <a:defRPr sz="2000" kern="1200">
+                <a:solidFill>
+                  <a:schemeClr val="tx1"/>
+                </a:solidFill>
+                <a:latin typeface="+mn-lt"/>
+                <a:ea typeface="+mn-ea"/>
+                <a:cs typeface="+mn-cs"/>
+              </a:defRPr>
+            </a:lvl7pPr>
+            <a:lvl8pPr marL="3427972" indent="-228532" algn="l" defTabSz="914127" rtl="0" eaLnBrk="1" latinLnBrk="0" hangingPunct="1">
+              <a:spcBef>
+                <a:spcPct val="20000"/>
+              </a:spcBef>
+              <a:buFont typeface="Arial"/>
+              <a:buChar char="•"/>
+              <a:defRPr sz="2000" kern="1200">
+                <a:solidFill>
+                  <a:schemeClr val="tx1"/>
+                </a:solidFill>
+                <a:latin typeface="+mn-lt"/>
+                <a:ea typeface="+mn-ea"/>
+                <a:cs typeface="+mn-cs"/>
+              </a:defRPr>
+            </a:lvl8pPr>
+            <a:lvl9pPr marL="3885034" indent="-228532" algn="l" defTabSz="914127" rtl="0" eaLnBrk="1" latinLnBrk="0" hangingPunct="1">
+              <a:spcBef>
+                <a:spcPct val="20000"/>
+              </a:spcBef>
+              <a:buFont typeface="Arial"/>
+              <a:buChar char="•"/>
+              <a:defRPr sz="2000" kern="1200">
+                <a:solidFill>
+                  <a:schemeClr val="tx1"/>
+                </a:solidFill>
+                <a:latin typeface="+mn-lt"/>
+                <a:ea typeface="+mn-ea"/>
+                <a:cs typeface="+mn-cs"/>
+              </a:defRPr>
+            </a:lvl9pPr>
+          </a:lstStyle>
+          <a:p>
+            <a:pPr marL="0" indent="0">
+              <a:lnSpc>
+                <a:spcPct val="150000"/>
+              </a:lnSpc>
+              <a:buNone/>
+              <a:defRPr lang="ko-KR" altLang="en-US"/>
+            </a:pPr>
+            <a:r>
+              <a:rPr lang="ko-KR" altLang="en-US" sz="1800" b="1" dirty="0" smtClean="0">
+                <a:latin typeface="+mj-lt"/>
+              </a:rPr>
+              <a:t>사용기록 제공 </a:t>
+            </a:r>
+            <a:r>
+              <a:rPr lang="en-US" sz="1800" b="1" dirty="0" smtClean="0">
+                <a:latin typeface="+mj-lt"/>
+              </a:rPr>
+              <a:t>#06</a:t>
+            </a:r>
+            <a:r>
+              <a:rPr lang="en-US" sz="1800" b="1" dirty="0">
+                <a:latin typeface="+mj-lt"/>
+              </a:rPr>
+              <a:t/>
+            </a:r>
+            <a:br>
+              <a:rPr lang="en-US" sz="1800" b="1" dirty="0">
+                <a:latin typeface="+mj-lt"/>
+              </a:rPr>
+            </a:br>
+            <a:r>
+              <a:rPr lang="ko-KR" altLang="en-US" sz="1200" dirty="0" smtClean="0">
+                <a:latin typeface="+mj-lt"/>
+              </a:rPr>
+              <a:t>로그인</a:t>
+            </a:r>
+            <a:r>
+              <a:rPr lang="en-US" altLang="ko-KR" sz="1200" dirty="0" smtClean="0">
+                <a:latin typeface="+mj-lt"/>
+              </a:rPr>
+              <a:t>-</a:t>
+            </a:r>
+            <a:r>
+              <a:rPr lang="ko-KR" altLang="en-US" sz="1200" dirty="0" smtClean="0">
+                <a:latin typeface="+mj-lt"/>
+              </a:rPr>
+              <a:t>인테리어 기록 기능을 제공해 사용자의 인테리어 내역을 언제</a:t>
+            </a:r>
+            <a:r>
+              <a:rPr lang="en-US" altLang="ko-KR" sz="1200" dirty="0" smtClean="0">
+                <a:latin typeface="+mj-lt"/>
+              </a:rPr>
+              <a:t>, </a:t>
+            </a:r>
+            <a:r>
+              <a:rPr lang="ko-KR" altLang="en-US" sz="1200" dirty="0" smtClean="0">
+                <a:latin typeface="+mj-lt"/>
+              </a:rPr>
+              <a:t>어디서나 확인 가능</a:t>
+            </a:r>
+            <a:endParaRPr lang="en-US" sz="1400" dirty="0">
+              <a:latin typeface="+mj-lt"/>
+            </a:endParaRPr>
+          </a:p>
+        </p:txBody>
+      </p:sp>
+    </p:spTree>
+    <p:extLst>
+      <p:ext uri="{BB962C8B-B14F-4D97-AF65-F5344CB8AC3E}">
+        <p14:creationId xmlns:p14="http://schemas.microsoft.com/office/powerpoint/2010/main" val="2400844566"/>
+      </p:ext>
+    </p:extLst>
+  </p:cSld>
+  <p:clrMapOvr>
+    <a:masterClrMapping/>
+  </p:clrMapOvr>
+  <p:transition spd="med">
+    <p:fade/>
+  </p:transition>
+  <p:timing>
+    <p:tnLst>
+      <p:par>
+        <p:cTn id="1" dur="indefinite" restart="never" nodeType="tmRoot">
+          <p:childTnLst>
+            <p:seq concurrent="1" nextAc="seek">
+              <p:cTn id="2" dur="indefinite" nodeType="mainSeq">
+                <p:childTnLst>
+                  <p:par>
+                    <p:cTn id="3" fill="hold">
+                      <p:stCondLst>
+                        <p:cond delay="indefinite"/>
+                        <p:cond evt="onBegin" delay="0">
+                          <p:tn val="2"/>
+                        </p:cond>
+                      </p:stCondLst>
+                      <p:childTnLst>
+                        <p:par>
+                          <p:cTn id="4" fill="hold">
+                            <p:stCondLst>
+                              <p:cond delay="0"/>
+                            </p:stCondLst>
+                            <p:childTnLst>
+                              <p:par>
+                                <p:cTn id="5" presetID="22" presetClass="entr" presetSubtype="8" fill="hold" grpId="0" nodeType="withEffect">
+                                  <p:stCondLst>
+                                    <p:cond delay="0"/>
+                                  </p:stCondLst>
+                                  <p:iterate>
+                                    <p:tmPct val="10000"/>
+                                  </p:iterate>
+                                  <p:childTnLst>
+                                    <p:set>
+                                      <p:cBhvr>
+                                        <p:cTn id="6" dur="1" fill="hold">
+                                          <p:stCondLst>
+                                            <p:cond delay="0"/>
+                                          </p:stCondLst>
+                                        </p:cTn>
+                                        <p:tgtEl>
+                                          <p:spTgt spid="12"/>
+                                        </p:tgtEl>
+                                        <p:attrNameLst>
+                                          <p:attrName>style.visibility</p:attrName>
+                                        </p:attrNameLst>
+                                      </p:cBhvr>
+                                      <p:to>
+                                        <p:strVal val="visible"/>
+                                      </p:to>
+                                    </p:set>
+                                    <p:animEffect transition="in" filter="wipe(left)">
+                                      <p:cBhvr>
+                                        <p:cTn id="7" dur="500" fill="hold">
+                                          <p:stCondLst>
+                                            <p:cond delay="0"/>
+                                          </p:stCondLst>
+                                        </p:cTn>
+                                        <p:tgtEl>
+                                          <p:spTgt spid="12"/>
+                                        </p:tgtEl>
+                                      </p:cBhvr>
+                                    </p:animEffect>
+                                  </p:childTnLst>
+                                </p:cTn>
+                              </p:par>
+                              <p:par>
+                                <p:cTn id="8" presetID="22" presetClass="entr" presetSubtype="8" fill="hold" grpId="0" nodeType="withEffect">
+                                  <p:stCondLst>
+                                    <p:cond delay="0"/>
+                                  </p:stCondLst>
+                                  <p:iterate>
+                                    <p:tmPct val="10000"/>
+                                  </p:iterate>
+                                  <p:childTnLst>
+                                    <p:set>
+                                      <p:cBhvr>
+                                        <p:cTn id="9" dur="1" fill="hold">
+                                          <p:stCondLst>
+                                            <p:cond delay="0"/>
+                                          </p:stCondLst>
+                                        </p:cTn>
+                                        <p:tgtEl>
+                                          <p:spTgt spid="13"/>
+                                        </p:tgtEl>
+                                        <p:attrNameLst>
+                                          <p:attrName>style.visibility</p:attrName>
+                                        </p:attrNameLst>
+                                      </p:cBhvr>
+                                      <p:to>
+                                        <p:strVal val="visible"/>
+                                      </p:to>
+                                    </p:set>
+                                    <p:animEffect transition="in" filter="wipe(left)">
+                                      <p:cBhvr>
+                                        <p:cTn id="10" dur="500" fill="hold">
+                                          <p:stCondLst>
+                                            <p:cond delay="0"/>
+                                          </p:stCondLst>
+                                        </p:cTn>
+                                        <p:tgtEl>
+                                          <p:spTgt spid="13"/>
+                                        </p:tgtEl>
+                                      </p:cBhvr>
+                                    </p:animEffect>
+                                  </p:childTnLst>
+                                </p:cTn>
+                              </p:par>
+                            </p:childTnLst>
+                          </p:cTn>
+                        </p:par>
+                      </p:childTnLst>
+                    </p:cTn>
+                  </p:par>
+                </p:childTnLst>
+              </p:cTn>
+              <p:prevCondLst>
+                <p:cond evt="onPrev" delay="0">
+                  <p:tgtEl>
+                    <p:sldTgt/>
+                  </p:tgtEl>
+                </p:cond>
+              </p:prevCondLst>
+              <p:nextCondLst>
+                <p:cond evt="onNext" delay="0">
+                  <p:tgtEl>
+                    <p:sldTgt/>
+                  </p:tgtEl>
+                </p:cond>
+              </p:nextCondLst>
+            </p:seq>
+          </p:childTnLst>
+        </p:cTn>
+      </p:par>
+    </p:tnLst>
+    <p:bldLst>
+      <p:bldP spid="12" grpId="0" autoUpdateAnimBg="0"/>
+      <p:bldP spid="13" grpId="0" autoUpdateAnimBg="0"/>
+    </p:bldLst>
+  </p:timing>
+</p:sld>
+</file>
+
+<file path=ppt/slides/slide11.xml><?xml version="1.0" encoding="utf-8"?>
 <p:sld xmlns:a="http://schemas.openxmlformats.org/drawingml/2006/main" xmlns:r="http://schemas.openxmlformats.org/officeDocument/2006/relationships" xmlns:p="http://schemas.openxmlformats.org/presentationml/2006/main" showMasterSp="0">
   <p:cSld>
     <p:spTree>
@@ -10658,7 +11454,7 @@
 </p:sld>
 </file>
 
-<file path=ppt/slides/slide11.xml><?xml version="1.0" encoding="utf-8"?>
+<file path=ppt/slides/slide12.xml><?xml version="1.0" encoding="utf-8"?>
 <p:sld xmlns:a="http://schemas.openxmlformats.org/drawingml/2006/main" xmlns:r="http://schemas.openxmlformats.org/officeDocument/2006/relationships" xmlns:p="http://schemas.openxmlformats.org/presentationml/2006/main" showMasterSp="0">
   <p:cSld>
     <p:spTree>
@@ -11109,1124 +11905,6 @@
         </p:cTn>
       </p:par>
     </p:tnLst>
-  </p:timing>
-</p:sld>
-</file>
-
-<file path=ppt/slides/slide12.xml><?xml version="1.0" encoding="utf-8"?>
-<p:sld xmlns:a="http://schemas.openxmlformats.org/drawingml/2006/main" xmlns:r="http://schemas.openxmlformats.org/officeDocument/2006/relationships" xmlns:p="http://schemas.openxmlformats.org/presentationml/2006/main" showMasterSp="0">
-  <p:cSld>
-    <p:spTree>
-      <p:nvGrpSpPr>
-        <p:cNvPr id="1" name=""/>
-        <p:cNvGrpSpPr/>
-        <p:nvPr/>
-      </p:nvGrpSpPr>
-      <p:grpSpPr>
-        <a:xfrm>
-          <a:off x="0" y="0"/>
-          <a:ext cx="0" cy="0"/>
-          <a:chOff x="0" y="0"/>
-          <a:chExt cx="0" cy="0"/>
-        </a:xfrm>
-      </p:grpSpPr>
-      <p:sp>
-        <p:nvSpPr>
-          <p:cNvPr id="4" name="제목 3"/>
-          <p:cNvSpPr>
-            <a:spLocks noGrp="1"/>
-          </p:cNvSpPr>
-          <p:nvPr>
-            <p:ph type="title"/>
-          </p:nvPr>
-        </p:nvSpPr>
-        <p:spPr>
-          <a:xfrm>
-            <a:off x="337413" y="341711"/>
-            <a:ext cx="8368363" cy="495383"/>
-          </a:xfrm>
-        </p:spPr>
-        <p:txBody>
-          <a:bodyPr/>
-          <a:lstStyle/>
-          <a:p>
-            <a:pPr lvl="0">
-              <a:defRPr lang="ko-KR" altLang="en-US"/>
-            </a:pPr>
-            <a:r>
-              <a:rPr lang="ko-KR" altLang="en-US" b="1" dirty="0"/>
-              <a:t>사용한 라이브러리</a:t>
-            </a:r>
-          </a:p>
-        </p:txBody>
-      </p:sp>
-      <p:sp>
-        <p:nvSpPr>
-          <p:cNvPr id="3" name="텍스트 개체 틀 2"/>
-          <p:cNvSpPr>
-            <a:spLocks noGrp="1"/>
-          </p:cNvSpPr>
-          <p:nvPr>
-            <p:ph type="body" sz="half" idx="2"/>
-          </p:nvPr>
-        </p:nvSpPr>
-        <p:spPr>
-          <a:xfrm>
-            <a:off x="139003" y="889397"/>
-            <a:ext cx="8368363" cy="173255"/>
-          </a:xfrm>
-        </p:spPr>
-        <p:txBody>
-          <a:bodyPr/>
-          <a:lstStyle/>
-          <a:p>
-            <a:pPr lvl="0">
-              <a:defRPr lang="ko-KR" altLang="en-US"/>
-            </a:pPr>
-            <a:r>
-              <a:rPr lang="en-US" altLang="ko-KR" b="1" dirty="0" err="1"/>
-              <a:t>WebXR</a:t>
-            </a:r>
-            <a:r>
-              <a:rPr lang="en-US" altLang="ko-KR" b="1" dirty="0"/>
-              <a:t> Device API </a:t>
-            </a:r>
-            <a:r>
-              <a:rPr lang="en-US" altLang="ko-KR" b="1" dirty="0" smtClean="0"/>
-              <a:t>		</a:t>
-            </a:r>
-            <a:r>
-              <a:rPr lang="en-US" altLang="ko-KR" b="1" dirty="0"/>
-              <a:t>	Three.js	</a:t>
-            </a:r>
-            <a:r>
-              <a:rPr lang="en-US" altLang="ko-KR" b="1" dirty="0" smtClean="0"/>
-              <a:t>	</a:t>
-            </a:r>
-            <a:r>
-              <a:rPr lang="en-US" altLang="ko-KR" b="1" dirty="0"/>
-              <a:t>	dat.gui.js</a:t>
-            </a:r>
-            <a:endParaRPr lang="ko-KR" altLang="en-US" b="1" dirty="0"/>
-          </a:p>
-        </p:txBody>
-      </p:sp>
-      <p:sp>
-        <p:nvSpPr>
-          <p:cNvPr id="8" name="Rectangle 5"/>
-          <p:cNvSpPr/>
-          <p:nvPr/>
-        </p:nvSpPr>
-        <p:spPr>
-          <a:xfrm>
-            <a:off x="0" y="3028950"/>
-            <a:ext cx="9144000" cy="2114550"/>
-          </a:xfrm>
-          <a:prstGeom prst="rect">
-            <a:avLst/>
-          </a:prstGeom>
-          <a:solidFill>
-            <a:srgbClr val="3F4C55"/>
-          </a:solidFill>
-          <a:ln w="9525">
-            <a:noFill/>
-            <a:round/>
-          </a:ln>
-        </p:spPr>
-        <p:txBody>
-          <a:bodyPr vert="horz" wrap="square" lIns="91440" tIns="45720" rIns="91440" bIns="45720" anchor="ctr" anchorCtr="0"/>
-          <a:lstStyle/>
-          <a:p>
-            <a:pPr algn="ctr">
-              <a:defRPr lang="ko-KR" altLang="en-US"/>
-            </a:pPr>
-            <a:endParaRPr lang="en-US">
-              <a:solidFill>
-                <a:schemeClr val="bg1"/>
-              </a:solidFill>
-              <a:latin typeface="+mn-lt"/>
-              <a:ea typeface="+mn-ea"/>
-              <a:cs typeface="+mn-cs"/>
-            </a:endParaRPr>
-          </a:p>
-        </p:txBody>
-      </p:sp>
-      <p:sp>
-        <p:nvSpPr>
-          <p:cNvPr id="9" name="Inhaltsplatzhalter 4"/>
-          <p:cNvSpPr txBox="1"/>
-          <p:nvPr/>
-        </p:nvSpPr>
-        <p:spPr>
-          <a:xfrm>
-            <a:off x="762000" y="3324225"/>
-            <a:ext cx="1573219" cy="1015612"/>
-          </a:xfrm>
-          <a:prstGeom prst="rect">
-            <a:avLst/>
-          </a:prstGeom>
-        </p:spPr>
-        <p:txBody>
-          <a:bodyPr wrap="square" lIns="0" tIns="0" rIns="0" bIns="0" anchor="ctr">
-            <a:spAutoFit/>
-          </a:bodyPr>
-          <a:lstStyle>
-            <a:lvl1pPr marL="272967" indent="-272967" algn="l" defTabSz="914127" rtl="0" eaLnBrk="1" latinLnBrk="0" hangingPunct="1">
-              <a:lnSpc>
-                <a:spcPct val="90000"/>
-              </a:lnSpc>
-              <a:spcBef>
-                <a:spcPts val="0"/>
-              </a:spcBef>
-              <a:spcAft>
-                <a:spcPts val="1000"/>
-              </a:spcAft>
-              <a:buFont typeface="Wingdings"/>
-              <a:buChar char="§"/>
-              <a:defRPr sz="2300" kern="1200">
-                <a:solidFill>
-                  <a:schemeClr val="bg1"/>
-                </a:solidFill>
-                <a:latin typeface="Calibri Light"/>
-                <a:ea typeface="+mn-ea"/>
-                <a:cs typeface="+mn-cs"/>
-              </a:defRPr>
-            </a:lvl1pPr>
-            <a:lvl2pPr marL="807798" indent="-272967" algn="l" defTabSz="914127" rtl="0" eaLnBrk="1" latinLnBrk="0" hangingPunct="1">
-              <a:lnSpc>
-                <a:spcPct val="90000"/>
-              </a:lnSpc>
-              <a:spcBef>
-                <a:spcPts val="0"/>
-              </a:spcBef>
-              <a:spcAft>
-                <a:spcPts val="1000"/>
-              </a:spcAft>
-              <a:buFont typeface="Symbol"/>
-              <a:buChar char="-"/>
-              <a:defRPr sz="2000" kern="1200">
-                <a:solidFill>
-                  <a:schemeClr val="bg1"/>
-                </a:solidFill>
-                <a:latin typeface="Calibri Light"/>
-                <a:ea typeface="+mn-ea"/>
-                <a:cs typeface="+mn-cs"/>
-              </a:defRPr>
-            </a:lvl2pPr>
-            <a:lvl3pPr marL="1080764" indent="-177748" algn="l" defTabSz="914127" rtl="0" eaLnBrk="1" latinLnBrk="0" hangingPunct="1">
-              <a:lnSpc>
-                <a:spcPct val="90000"/>
-              </a:lnSpc>
-              <a:spcBef>
-                <a:spcPts val="0"/>
-              </a:spcBef>
-              <a:spcAft>
-                <a:spcPts val="1000"/>
-              </a:spcAft>
-              <a:buFont typeface="Symbol"/>
-              <a:buChar char="-"/>
-              <a:defRPr sz="1900" kern="1200">
-                <a:solidFill>
-                  <a:schemeClr val="bg1"/>
-                </a:solidFill>
-                <a:latin typeface="Calibri Light"/>
-                <a:ea typeface="+mn-ea"/>
-                <a:cs typeface="+mn-cs"/>
-              </a:defRPr>
-            </a:lvl3pPr>
-            <a:lvl4pPr marL="1436256" indent="-177748" algn="l" defTabSz="914127" rtl="0" eaLnBrk="1" latinLnBrk="0" hangingPunct="1">
-              <a:lnSpc>
-                <a:spcPct val="90000"/>
-              </a:lnSpc>
-              <a:spcBef>
-                <a:spcPts val="0"/>
-              </a:spcBef>
-              <a:spcAft>
-                <a:spcPts val="1000"/>
-              </a:spcAft>
-              <a:buFont typeface="Symbol"/>
-              <a:buChar char="-"/>
-              <a:defRPr sz="1600" kern="1200">
-                <a:solidFill>
-                  <a:schemeClr val="bg1"/>
-                </a:solidFill>
-                <a:latin typeface="Calibri Light"/>
-                <a:ea typeface="+mn-ea"/>
-                <a:cs typeface="+mn-cs"/>
-              </a:defRPr>
-            </a:lvl4pPr>
-            <a:lvl5pPr marL="1793335" indent="-179335" algn="l" defTabSz="914127" rtl="0" eaLnBrk="1" latinLnBrk="0" hangingPunct="1">
-              <a:lnSpc>
-                <a:spcPct val="90000"/>
-              </a:lnSpc>
-              <a:spcBef>
-                <a:spcPts val="0"/>
-              </a:spcBef>
-              <a:spcAft>
-                <a:spcPts val="1000"/>
-              </a:spcAft>
-              <a:buFont typeface="Symbol"/>
-              <a:buChar char="-"/>
-              <a:defRPr sz="1600" kern="1200">
-                <a:solidFill>
-                  <a:schemeClr val="bg1"/>
-                </a:solidFill>
-                <a:latin typeface="Calibri Light"/>
-                <a:ea typeface="+mn-ea"/>
-                <a:cs typeface="+mn-cs"/>
-              </a:defRPr>
-            </a:lvl5pPr>
-            <a:lvl6pPr marL="2513847" indent="-228532" algn="l" defTabSz="914127" rtl="0" eaLnBrk="1" latinLnBrk="0" hangingPunct="1">
-              <a:spcBef>
-                <a:spcPct val="20000"/>
-              </a:spcBef>
-              <a:buFont typeface="Arial"/>
-              <a:buChar char="•"/>
-              <a:defRPr sz="2000" kern="1200">
-                <a:solidFill>
-                  <a:schemeClr val="tx1"/>
-                </a:solidFill>
-                <a:latin typeface="+mn-lt"/>
-                <a:ea typeface="+mn-ea"/>
-                <a:cs typeface="+mn-cs"/>
-              </a:defRPr>
-            </a:lvl6pPr>
-            <a:lvl7pPr marL="2970910" indent="-228532" algn="l" defTabSz="914127" rtl="0" eaLnBrk="1" latinLnBrk="0" hangingPunct="1">
-              <a:spcBef>
-                <a:spcPct val="20000"/>
-              </a:spcBef>
-              <a:buFont typeface="Arial"/>
-              <a:buChar char="•"/>
-              <a:defRPr sz="2000" kern="1200">
-                <a:solidFill>
-                  <a:schemeClr val="tx1"/>
-                </a:solidFill>
-                <a:latin typeface="+mn-lt"/>
-                <a:ea typeface="+mn-ea"/>
-                <a:cs typeface="+mn-cs"/>
-              </a:defRPr>
-            </a:lvl7pPr>
-            <a:lvl8pPr marL="3427972" indent="-228532" algn="l" defTabSz="914127" rtl="0" eaLnBrk="1" latinLnBrk="0" hangingPunct="1">
-              <a:spcBef>
-                <a:spcPct val="20000"/>
-              </a:spcBef>
-              <a:buFont typeface="Arial"/>
-              <a:buChar char="•"/>
-              <a:defRPr sz="2000" kern="1200">
-                <a:solidFill>
-                  <a:schemeClr val="tx1"/>
-                </a:solidFill>
-                <a:latin typeface="+mn-lt"/>
-                <a:ea typeface="+mn-ea"/>
-                <a:cs typeface="+mn-cs"/>
-              </a:defRPr>
-            </a:lvl8pPr>
-            <a:lvl9pPr marL="3885034" indent="-228532" algn="l" defTabSz="914127" rtl="0" eaLnBrk="1" latinLnBrk="0" hangingPunct="1">
-              <a:spcBef>
-                <a:spcPct val="20000"/>
-              </a:spcBef>
-              <a:buFont typeface="Arial"/>
-              <a:buChar char="•"/>
-              <a:defRPr sz="2000" kern="1200">
-                <a:solidFill>
-                  <a:schemeClr val="tx1"/>
-                </a:solidFill>
-                <a:latin typeface="+mn-lt"/>
-                <a:ea typeface="+mn-ea"/>
-                <a:cs typeface="+mn-cs"/>
-              </a:defRPr>
-            </a:lvl9pPr>
-          </a:lstStyle>
-          <a:p>
-            <a:pPr marL="0" indent="0">
-              <a:lnSpc>
-                <a:spcPct val="150000"/>
-              </a:lnSpc>
-              <a:buNone/>
-              <a:defRPr lang="ko-KR" altLang="en-US"/>
-            </a:pPr>
-            <a:r>
-              <a:rPr lang="en-US" altLang="ko-KR" sz="1400" b="1">
-                <a:latin typeface="+mj-lt"/>
-              </a:rPr>
-              <a:t>WebXR API  #01</a:t>
-            </a:r>
-            <a:r>
-              <a:rPr lang="en-US" sz="1400" b="1">
-                <a:latin typeface="+mj-lt"/>
-              </a:rPr>
-              <a:t/>
-            </a:r>
-            <a:br>
-              <a:rPr lang="en-US" sz="1400" b="1">
-                <a:latin typeface="+mj-lt"/>
-              </a:rPr>
-            </a:br>
-            <a:r>
-              <a:rPr lang="ko-KR" altLang="en-US" sz="1000">
-                <a:latin typeface="+mj-lt"/>
-              </a:rPr>
-              <a:t>웹 페이지에서 </a:t>
-            </a:r>
-            <a:r>
-              <a:rPr lang="en-US" altLang="ko-KR" sz="1000">
-                <a:latin typeface="+mj-lt"/>
-              </a:rPr>
-              <a:t>VR, AR</a:t>
-            </a:r>
-            <a:r>
-              <a:rPr lang="ko-KR" altLang="en-US" sz="1000">
-                <a:latin typeface="+mj-lt"/>
-              </a:rPr>
-              <a:t>을 사용할 수 있게 해주는     웹 표준 그룹</a:t>
-            </a:r>
-            <a:endParaRPr lang="en-US" sz="1050">
-              <a:latin typeface="+mj-lt"/>
-            </a:endParaRPr>
-          </a:p>
-        </p:txBody>
-      </p:sp>
-      <p:sp>
-        <p:nvSpPr>
-          <p:cNvPr id="10" name="Inhaltsplatzhalter 4"/>
-          <p:cNvSpPr txBox="1"/>
-          <p:nvPr/>
-        </p:nvSpPr>
-        <p:spPr>
-          <a:xfrm>
-            <a:off x="3785390" y="3324225"/>
-            <a:ext cx="1472410" cy="1015615"/>
-          </a:xfrm>
-          <a:prstGeom prst="rect">
-            <a:avLst/>
-          </a:prstGeom>
-        </p:spPr>
-        <p:txBody>
-          <a:bodyPr wrap="square" lIns="0" tIns="0" rIns="0" bIns="0" anchor="ctr">
-            <a:spAutoFit/>
-          </a:bodyPr>
-          <a:lstStyle>
-            <a:lvl1pPr marL="272967" indent="-272967" algn="l" defTabSz="914127" rtl="0" eaLnBrk="1" latinLnBrk="0" hangingPunct="1">
-              <a:lnSpc>
-                <a:spcPct val="90000"/>
-              </a:lnSpc>
-              <a:spcBef>
-                <a:spcPts val="0"/>
-              </a:spcBef>
-              <a:spcAft>
-                <a:spcPts val="1000"/>
-              </a:spcAft>
-              <a:buFont typeface="Wingdings"/>
-              <a:buChar char="§"/>
-              <a:defRPr sz="2300" kern="1200">
-                <a:solidFill>
-                  <a:schemeClr val="bg1"/>
-                </a:solidFill>
-                <a:latin typeface="Calibri Light"/>
-                <a:ea typeface="+mn-ea"/>
-                <a:cs typeface="+mn-cs"/>
-              </a:defRPr>
-            </a:lvl1pPr>
-            <a:lvl2pPr marL="807798" indent="-272967" algn="l" defTabSz="914127" rtl="0" eaLnBrk="1" latinLnBrk="0" hangingPunct="1">
-              <a:lnSpc>
-                <a:spcPct val="90000"/>
-              </a:lnSpc>
-              <a:spcBef>
-                <a:spcPts val="0"/>
-              </a:spcBef>
-              <a:spcAft>
-                <a:spcPts val="1000"/>
-              </a:spcAft>
-              <a:buFont typeface="Symbol"/>
-              <a:buChar char="-"/>
-              <a:defRPr sz="2000" kern="1200">
-                <a:solidFill>
-                  <a:schemeClr val="bg1"/>
-                </a:solidFill>
-                <a:latin typeface="Calibri Light"/>
-                <a:ea typeface="+mn-ea"/>
-                <a:cs typeface="+mn-cs"/>
-              </a:defRPr>
-            </a:lvl2pPr>
-            <a:lvl3pPr marL="1080764" indent="-177748" algn="l" defTabSz="914127" rtl="0" eaLnBrk="1" latinLnBrk="0" hangingPunct="1">
-              <a:lnSpc>
-                <a:spcPct val="90000"/>
-              </a:lnSpc>
-              <a:spcBef>
-                <a:spcPts val="0"/>
-              </a:spcBef>
-              <a:spcAft>
-                <a:spcPts val="1000"/>
-              </a:spcAft>
-              <a:buFont typeface="Symbol"/>
-              <a:buChar char="-"/>
-              <a:defRPr sz="1900" kern="1200">
-                <a:solidFill>
-                  <a:schemeClr val="bg1"/>
-                </a:solidFill>
-                <a:latin typeface="Calibri Light"/>
-                <a:ea typeface="+mn-ea"/>
-                <a:cs typeface="+mn-cs"/>
-              </a:defRPr>
-            </a:lvl3pPr>
-            <a:lvl4pPr marL="1436256" indent="-177748" algn="l" defTabSz="914127" rtl="0" eaLnBrk="1" latinLnBrk="0" hangingPunct="1">
-              <a:lnSpc>
-                <a:spcPct val="90000"/>
-              </a:lnSpc>
-              <a:spcBef>
-                <a:spcPts val="0"/>
-              </a:spcBef>
-              <a:spcAft>
-                <a:spcPts val="1000"/>
-              </a:spcAft>
-              <a:buFont typeface="Symbol"/>
-              <a:buChar char="-"/>
-              <a:defRPr sz="1600" kern="1200">
-                <a:solidFill>
-                  <a:schemeClr val="bg1"/>
-                </a:solidFill>
-                <a:latin typeface="Calibri Light"/>
-                <a:ea typeface="+mn-ea"/>
-                <a:cs typeface="+mn-cs"/>
-              </a:defRPr>
-            </a:lvl4pPr>
-            <a:lvl5pPr marL="1793335" indent="-179335" algn="l" defTabSz="914127" rtl="0" eaLnBrk="1" latinLnBrk="0" hangingPunct="1">
-              <a:lnSpc>
-                <a:spcPct val="90000"/>
-              </a:lnSpc>
-              <a:spcBef>
-                <a:spcPts val="0"/>
-              </a:spcBef>
-              <a:spcAft>
-                <a:spcPts val="1000"/>
-              </a:spcAft>
-              <a:buFont typeface="Symbol"/>
-              <a:buChar char="-"/>
-              <a:defRPr sz="1600" kern="1200">
-                <a:solidFill>
-                  <a:schemeClr val="bg1"/>
-                </a:solidFill>
-                <a:latin typeface="Calibri Light"/>
-                <a:ea typeface="+mn-ea"/>
-                <a:cs typeface="+mn-cs"/>
-              </a:defRPr>
-            </a:lvl5pPr>
-            <a:lvl6pPr marL="2513847" indent="-228532" algn="l" defTabSz="914127" rtl="0" eaLnBrk="1" latinLnBrk="0" hangingPunct="1">
-              <a:spcBef>
-                <a:spcPct val="20000"/>
-              </a:spcBef>
-              <a:buFont typeface="Arial"/>
-              <a:buChar char="•"/>
-              <a:defRPr sz="2000" kern="1200">
-                <a:solidFill>
-                  <a:schemeClr val="tx1"/>
-                </a:solidFill>
-                <a:latin typeface="+mn-lt"/>
-                <a:ea typeface="+mn-ea"/>
-                <a:cs typeface="+mn-cs"/>
-              </a:defRPr>
-            </a:lvl6pPr>
-            <a:lvl7pPr marL="2970910" indent="-228532" algn="l" defTabSz="914127" rtl="0" eaLnBrk="1" latinLnBrk="0" hangingPunct="1">
-              <a:spcBef>
-                <a:spcPct val="20000"/>
-              </a:spcBef>
-              <a:buFont typeface="Arial"/>
-              <a:buChar char="•"/>
-              <a:defRPr sz="2000" kern="1200">
-                <a:solidFill>
-                  <a:schemeClr val="tx1"/>
-                </a:solidFill>
-                <a:latin typeface="+mn-lt"/>
-                <a:ea typeface="+mn-ea"/>
-                <a:cs typeface="+mn-cs"/>
-              </a:defRPr>
-            </a:lvl7pPr>
-            <a:lvl8pPr marL="3427972" indent="-228532" algn="l" defTabSz="914127" rtl="0" eaLnBrk="1" latinLnBrk="0" hangingPunct="1">
-              <a:spcBef>
-                <a:spcPct val="20000"/>
-              </a:spcBef>
-              <a:buFont typeface="Arial"/>
-              <a:buChar char="•"/>
-              <a:defRPr sz="2000" kern="1200">
-                <a:solidFill>
-                  <a:schemeClr val="tx1"/>
-                </a:solidFill>
-                <a:latin typeface="+mn-lt"/>
-                <a:ea typeface="+mn-ea"/>
-                <a:cs typeface="+mn-cs"/>
-              </a:defRPr>
-            </a:lvl8pPr>
-            <a:lvl9pPr marL="3885034" indent="-228532" algn="l" defTabSz="914127" rtl="0" eaLnBrk="1" latinLnBrk="0" hangingPunct="1">
-              <a:spcBef>
-                <a:spcPct val="20000"/>
-              </a:spcBef>
-              <a:buFont typeface="Arial"/>
-              <a:buChar char="•"/>
-              <a:defRPr sz="2000" kern="1200">
-                <a:solidFill>
-                  <a:schemeClr val="tx1"/>
-                </a:solidFill>
-                <a:latin typeface="+mn-lt"/>
-                <a:ea typeface="+mn-ea"/>
-                <a:cs typeface="+mn-cs"/>
-              </a:defRPr>
-            </a:lvl9pPr>
-          </a:lstStyle>
-          <a:p>
-            <a:pPr marL="0" indent="0">
-              <a:lnSpc>
-                <a:spcPct val="150000"/>
-              </a:lnSpc>
-              <a:buNone/>
-              <a:defRPr lang="ko-KR" altLang="en-US"/>
-            </a:pPr>
-            <a:r>
-              <a:rPr lang="en-US" altLang="ko-KR" sz="1400" b="1">
-                <a:latin typeface="+mj-lt"/>
-              </a:rPr>
-              <a:t>Three.js  #02</a:t>
-            </a:r>
-            <a:r>
-              <a:rPr lang="en-US" sz="1400" b="1">
-                <a:latin typeface="+mj-lt"/>
-              </a:rPr>
-              <a:t/>
-            </a:r>
-            <a:br>
-              <a:rPr lang="en-US" sz="1400" b="1">
-                <a:latin typeface="+mj-lt"/>
-              </a:rPr>
-            </a:br>
-            <a:r>
-              <a:rPr lang="ko-KR" altLang="en-US" sz="1000">
-                <a:latin typeface="+mj-lt"/>
-              </a:rPr>
-              <a:t> 웹에서 </a:t>
-            </a:r>
-            <a:r>
-              <a:rPr lang="en-US" altLang="ko-KR" sz="1000">
-                <a:latin typeface="+mj-lt"/>
-              </a:rPr>
-              <a:t>3D </a:t>
-            </a:r>
-            <a:r>
-              <a:rPr lang="ko-KR" altLang="en-US" sz="1000">
-                <a:latin typeface="+mj-lt"/>
-              </a:rPr>
-              <a:t>그래픽을 다룰 수 있게 해주는 자바스크립트 라이브러리</a:t>
-            </a:r>
-            <a:endParaRPr lang="en-US" sz="1050">
-              <a:latin typeface="+mj-lt"/>
-            </a:endParaRPr>
-          </a:p>
-        </p:txBody>
-      </p:sp>
-      <p:sp>
-        <p:nvSpPr>
-          <p:cNvPr id="11" name="Inhaltsplatzhalter 4"/>
-          <p:cNvSpPr txBox="1"/>
-          <p:nvPr/>
-        </p:nvSpPr>
-        <p:spPr>
-          <a:xfrm>
-            <a:off x="6934200" y="3325927"/>
-            <a:ext cx="1573220" cy="1015663"/>
-          </a:xfrm>
-          <a:prstGeom prst="rect">
-            <a:avLst/>
-          </a:prstGeom>
-        </p:spPr>
-        <p:txBody>
-          <a:bodyPr wrap="square" lIns="0" tIns="0" rIns="0" bIns="0" anchor="ctr">
-            <a:spAutoFit/>
-          </a:bodyPr>
-          <a:lstStyle>
-            <a:lvl1pPr marL="272967" indent="-272967" algn="l" defTabSz="914127" rtl="0" eaLnBrk="1" latinLnBrk="0" hangingPunct="1">
-              <a:lnSpc>
-                <a:spcPct val="90000"/>
-              </a:lnSpc>
-              <a:spcBef>
-                <a:spcPts val="0"/>
-              </a:spcBef>
-              <a:spcAft>
-                <a:spcPts val="1000"/>
-              </a:spcAft>
-              <a:buFont typeface="Wingdings"/>
-              <a:buChar char="§"/>
-              <a:defRPr sz="2300" kern="1200">
-                <a:solidFill>
-                  <a:schemeClr val="bg1"/>
-                </a:solidFill>
-                <a:latin typeface="Calibri Light"/>
-                <a:ea typeface="+mn-ea"/>
-                <a:cs typeface="+mn-cs"/>
-              </a:defRPr>
-            </a:lvl1pPr>
-            <a:lvl2pPr marL="807798" indent="-272967" algn="l" defTabSz="914127" rtl="0" eaLnBrk="1" latinLnBrk="0" hangingPunct="1">
-              <a:lnSpc>
-                <a:spcPct val="90000"/>
-              </a:lnSpc>
-              <a:spcBef>
-                <a:spcPts val="0"/>
-              </a:spcBef>
-              <a:spcAft>
-                <a:spcPts val="1000"/>
-              </a:spcAft>
-              <a:buFont typeface="Symbol"/>
-              <a:buChar char="-"/>
-              <a:defRPr sz="2000" kern="1200">
-                <a:solidFill>
-                  <a:schemeClr val="bg1"/>
-                </a:solidFill>
-                <a:latin typeface="Calibri Light"/>
-                <a:ea typeface="+mn-ea"/>
-                <a:cs typeface="+mn-cs"/>
-              </a:defRPr>
-            </a:lvl2pPr>
-            <a:lvl3pPr marL="1080764" indent="-177748" algn="l" defTabSz="914127" rtl="0" eaLnBrk="1" latinLnBrk="0" hangingPunct="1">
-              <a:lnSpc>
-                <a:spcPct val="90000"/>
-              </a:lnSpc>
-              <a:spcBef>
-                <a:spcPts val="0"/>
-              </a:spcBef>
-              <a:spcAft>
-                <a:spcPts val="1000"/>
-              </a:spcAft>
-              <a:buFont typeface="Symbol"/>
-              <a:buChar char="-"/>
-              <a:defRPr sz="1900" kern="1200">
-                <a:solidFill>
-                  <a:schemeClr val="bg1"/>
-                </a:solidFill>
-                <a:latin typeface="Calibri Light"/>
-                <a:ea typeface="+mn-ea"/>
-                <a:cs typeface="+mn-cs"/>
-              </a:defRPr>
-            </a:lvl3pPr>
-            <a:lvl4pPr marL="1436256" indent="-177748" algn="l" defTabSz="914127" rtl="0" eaLnBrk="1" latinLnBrk="0" hangingPunct="1">
-              <a:lnSpc>
-                <a:spcPct val="90000"/>
-              </a:lnSpc>
-              <a:spcBef>
-                <a:spcPts val="0"/>
-              </a:spcBef>
-              <a:spcAft>
-                <a:spcPts val="1000"/>
-              </a:spcAft>
-              <a:buFont typeface="Symbol"/>
-              <a:buChar char="-"/>
-              <a:defRPr sz="1600" kern="1200">
-                <a:solidFill>
-                  <a:schemeClr val="bg1"/>
-                </a:solidFill>
-                <a:latin typeface="Calibri Light"/>
-                <a:ea typeface="+mn-ea"/>
-                <a:cs typeface="+mn-cs"/>
-              </a:defRPr>
-            </a:lvl4pPr>
-            <a:lvl5pPr marL="1793335" indent="-179335" algn="l" defTabSz="914127" rtl="0" eaLnBrk="1" latinLnBrk="0" hangingPunct="1">
-              <a:lnSpc>
-                <a:spcPct val="90000"/>
-              </a:lnSpc>
-              <a:spcBef>
-                <a:spcPts val="0"/>
-              </a:spcBef>
-              <a:spcAft>
-                <a:spcPts val="1000"/>
-              </a:spcAft>
-              <a:buFont typeface="Symbol"/>
-              <a:buChar char="-"/>
-              <a:defRPr sz="1600" kern="1200">
-                <a:solidFill>
-                  <a:schemeClr val="bg1"/>
-                </a:solidFill>
-                <a:latin typeface="Calibri Light"/>
-                <a:ea typeface="+mn-ea"/>
-                <a:cs typeface="+mn-cs"/>
-              </a:defRPr>
-            </a:lvl5pPr>
-            <a:lvl6pPr marL="2513847" indent="-228532" algn="l" defTabSz="914127" rtl="0" eaLnBrk="1" latinLnBrk="0" hangingPunct="1">
-              <a:spcBef>
-                <a:spcPct val="20000"/>
-              </a:spcBef>
-              <a:buFont typeface="Arial"/>
-              <a:buChar char="•"/>
-              <a:defRPr sz="2000" kern="1200">
-                <a:solidFill>
-                  <a:schemeClr val="tx1"/>
-                </a:solidFill>
-                <a:latin typeface="+mn-lt"/>
-                <a:ea typeface="+mn-ea"/>
-                <a:cs typeface="+mn-cs"/>
-              </a:defRPr>
-            </a:lvl6pPr>
-            <a:lvl7pPr marL="2970910" indent="-228532" algn="l" defTabSz="914127" rtl="0" eaLnBrk="1" latinLnBrk="0" hangingPunct="1">
-              <a:spcBef>
-                <a:spcPct val="20000"/>
-              </a:spcBef>
-              <a:buFont typeface="Arial"/>
-              <a:buChar char="•"/>
-              <a:defRPr sz="2000" kern="1200">
-                <a:solidFill>
-                  <a:schemeClr val="tx1"/>
-                </a:solidFill>
-                <a:latin typeface="+mn-lt"/>
-                <a:ea typeface="+mn-ea"/>
-                <a:cs typeface="+mn-cs"/>
-              </a:defRPr>
-            </a:lvl7pPr>
-            <a:lvl8pPr marL="3427972" indent="-228532" algn="l" defTabSz="914127" rtl="0" eaLnBrk="1" latinLnBrk="0" hangingPunct="1">
-              <a:spcBef>
-                <a:spcPct val="20000"/>
-              </a:spcBef>
-              <a:buFont typeface="Arial"/>
-              <a:buChar char="•"/>
-              <a:defRPr sz="2000" kern="1200">
-                <a:solidFill>
-                  <a:schemeClr val="tx1"/>
-                </a:solidFill>
-                <a:latin typeface="+mn-lt"/>
-                <a:ea typeface="+mn-ea"/>
-                <a:cs typeface="+mn-cs"/>
-              </a:defRPr>
-            </a:lvl8pPr>
-            <a:lvl9pPr marL="3885034" indent="-228532" algn="l" defTabSz="914127" rtl="0" eaLnBrk="1" latinLnBrk="0" hangingPunct="1">
-              <a:spcBef>
-                <a:spcPct val="20000"/>
-              </a:spcBef>
-              <a:buFont typeface="Arial"/>
-              <a:buChar char="•"/>
-              <a:defRPr sz="2000" kern="1200">
-                <a:solidFill>
-                  <a:schemeClr val="tx1"/>
-                </a:solidFill>
-                <a:latin typeface="+mn-lt"/>
-                <a:ea typeface="+mn-ea"/>
-                <a:cs typeface="+mn-cs"/>
-              </a:defRPr>
-            </a:lvl9pPr>
-          </a:lstStyle>
-          <a:p>
-            <a:pPr marL="0" indent="0">
-              <a:lnSpc>
-                <a:spcPct val="150000"/>
-              </a:lnSpc>
-              <a:buNone/>
-              <a:defRPr lang="ko-KR" altLang="en-US"/>
-            </a:pPr>
-            <a:r>
-              <a:rPr lang="en-US" altLang="ko-KR" sz="1400" b="1">
-                <a:latin typeface="+mj-lt"/>
-              </a:rPr>
-              <a:t>Dat.GUI.js  #03</a:t>
-            </a:r>
-            <a:r>
-              <a:rPr lang="en-US" sz="1400" b="1">
-                <a:latin typeface="+mj-lt"/>
-              </a:rPr>
-              <a:t/>
-            </a:r>
-            <a:br>
-              <a:rPr lang="en-US" sz="1400" b="1">
-                <a:latin typeface="+mj-lt"/>
-              </a:rPr>
-            </a:br>
-            <a:r>
-              <a:rPr lang="ko-KR" altLang="en-US" sz="1000">
-                <a:latin typeface="+mj-lt"/>
-              </a:rPr>
-              <a:t> 각종 조작이 가능한 제어판을 제공하는 자바스크립트 라이브러리</a:t>
-            </a:r>
-            <a:endParaRPr lang="en-US" sz="1050">
-              <a:latin typeface="+mj-lt"/>
-            </a:endParaRPr>
-          </a:p>
-        </p:txBody>
-      </p:sp>
-      <p:pic>
-        <p:nvPicPr>
-          <p:cNvPr id="3078" name="Picture 6"/>
-          <p:cNvPicPr>
-            <a:picLocks noChangeAspect="1" noChangeArrowheads="1"/>
-          </p:cNvPicPr>
-          <p:nvPr/>
-        </p:nvPicPr>
-        <p:blipFill rotWithShape="1">
-          <a:blip r:embed="rId2"/>
-          <a:srcRect/>
-          <a:stretch>
-            <a:fillRect/>
-          </a:stretch>
-        </p:blipFill>
-        <p:spPr>
-          <a:xfrm>
-            <a:off x="3057218" y="1236032"/>
-            <a:ext cx="3009900" cy="1514475"/>
-          </a:xfrm>
-          <a:prstGeom prst="rect">
-            <a:avLst/>
-          </a:prstGeom>
-          <a:noFill/>
-          <a:ln>
-            <a:noFill/>
-          </a:ln>
-        </p:spPr>
-      </p:pic>
-      <p:pic>
-        <p:nvPicPr>
-          <p:cNvPr id="2050" name="Picture 2"/>
-          <p:cNvPicPr>
-            <a:picLocks noChangeAspect="1" noChangeArrowheads="1"/>
-          </p:cNvPicPr>
-          <p:nvPr/>
-        </p:nvPicPr>
-        <p:blipFill rotWithShape="1">
-          <a:blip r:embed="rId3"/>
-          <a:srcRect/>
-          <a:stretch>
-            <a:fillRect/>
-          </a:stretch>
-        </p:blipFill>
-        <p:spPr>
-          <a:xfrm>
-            <a:off x="312014" y="1719426"/>
-            <a:ext cx="1997540" cy="566123"/>
-          </a:xfrm>
-          <a:prstGeom prst="rect">
-            <a:avLst/>
-          </a:prstGeom>
-          <a:noFill/>
-          <a:ln>
-            <a:noFill/>
-          </a:ln>
-          <a:effectLst/>
-        </p:spPr>
-      </p:pic>
-      <p:pic>
-        <p:nvPicPr>
-          <p:cNvPr id="14" name="Picture 3"/>
-          <p:cNvPicPr>
-            <a:picLocks noChangeAspect="1" noChangeArrowheads="1"/>
-          </p:cNvPicPr>
-          <p:nvPr/>
-        </p:nvPicPr>
-        <p:blipFill rotWithShape="1">
-          <a:blip r:embed="rId4"/>
-          <a:srcRect l="5430" t="31090" r="55900" b="37640"/>
-          <a:stretch>
-            <a:fillRect/>
-          </a:stretch>
-        </p:blipFill>
-        <p:spPr>
-          <a:xfrm>
-            <a:off x="6657341" y="1640757"/>
-            <a:ext cx="2126937" cy="705024"/>
-          </a:xfrm>
-          <a:prstGeom prst="rect">
-            <a:avLst/>
-          </a:prstGeom>
-          <a:noFill/>
-          <a:ln>
-            <a:noFill/>
-          </a:ln>
-        </p:spPr>
-      </p:pic>
-    </p:spTree>
-  </p:cSld>
-  <p:clrMapOvr>
-    <a:masterClrMapping/>
-  </p:clrMapOvr>
-  <mc:AlternateContent xmlns:mc="http://schemas.openxmlformats.org/markup-compatibility/2006" xmlns:p14="http://schemas.microsoft.com/office/powerpoint/2010/main">
-    <mc:Choice Requires="p14">
-      <p:transition spd="med" p14:dur="700">
-        <p:fade/>
-      </p:transition>
-    </mc:Choice>
-    <mc:Fallback xmlns="">
-      <p:transition spd="med">
-        <p:fade/>
-      </p:transition>
-    </mc:Fallback>
-  </mc:AlternateContent>
-  <p:timing>
-    <p:tnLst>
-      <p:par>
-        <p:cTn id="1" dur="indefinite" restart="never" nodeType="tmRoot">
-          <p:childTnLst>
-            <p:seq concurrent="1" nextAc="seek">
-              <p:cTn id="2" dur="indefinite" nodeType="mainSeq">
-                <p:childTnLst>
-                  <p:par>
-                    <p:cTn id="3" fill="hold">
-                      <p:stCondLst>
-                        <p:cond delay="0"/>
-                      </p:stCondLst>
-                      <p:childTnLst>
-                        <p:par>
-                          <p:cTn id="4" fill="hold">
-                            <p:stCondLst>
-                              <p:cond delay="0"/>
-                            </p:stCondLst>
-                            <p:childTnLst>
-                              <p:par>
-                                <p:cTn id="5" presetID="22" presetClass="entr" presetSubtype="8" fill="hold" grpId="0" nodeType="withEffect">
-                                  <p:stCondLst>
-                                    <p:cond delay="0"/>
-                                  </p:stCondLst>
-                                  <p:iterate>
-                                    <p:tmPct val="10000"/>
-                                  </p:iterate>
-                                  <p:childTnLst>
-                                    <p:set>
-                                      <p:cBhvr>
-                                        <p:cTn id="6" dur="1" fill="hold">
-                                          <p:stCondLst>
-                                            <p:cond delay="0"/>
-                                          </p:stCondLst>
-                                        </p:cTn>
-                                        <p:tgtEl>
-                                          <p:spTgt spid="9"/>
-                                        </p:tgtEl>
-                                        <p:attrNameLst>
-                                          <p:attrName>style.visibility</p:attrName>
-                                        </p:attrNameLst>
-                                      </p:cBhvr>
-                                      <p:to>
-                                        <p:strVal val="visible"/>
-                                      </p:to>
-                                    </p:set>
-                                    <p:animEffect transition="in" filter="wipe(left)">
-                                      <p:cBhvr>
-                                        <p:cTn id="7" dur="500" fill="hold">
-                                          <p:stCondLst>
-                                            <p:cond delay="0"/>
-                                          </p:stCondLst>
-                                        </p:cTn>
-                                        <p:tgtEl>
-                                          <p:spTgt spid="9"/>
-                                        </p:tgtEl>
-                                      </p:cBhvr>
-                                    </p:animEffect>
-                                  </p:childTnLst>
-                                </p:cTn>
-                              </p:par>
-                              <p:par>
-                                <p:cTn id="8" presetID="22" presetClass="entr" presetSubtype="8" fill="hold" grpId="0" nodeType="withEffect">
-                                  <p:stCondLst>
-                                    <p:cond delay="0"/>
-                                  </p:stCondLst>
-                                  <p:iterate>
-                                    <p:tmPct val="10000"/>
-                                  </p:iterate>
-                                  <p:childTnLst>
-                                    <p:set>
-                                      <p:cBhvr>
-                                        <p:cTn id="9" dur="1" fill="hold">
-                                          <p:stCondLst>
-                                            <p:cond delay="0"/>
-                                          </p:stCondLst>
-                                        </p:cTn>
-                                        <p:tgtEl>
-                                          <p:spTgt spid="10"/>
-                                        </p:tgtEl>
-                                        <p:attrNameLst>
-                                          <p:attrName>style.visibility</p:attrName>
-                                        </p:attrNameLst>
-                                      </p:cBhvr>
-                                      <p:to>
-                                        <p:strVal val="visible"/>
-                                      </p:to>
-                                    </p:set>
-                                    <p:animEffect transition="in" filter="wipe(left)">
-                                      <p:cBhvr>
-                                        <p:cTn id="10" dur="500" fill="hold">
-                                          <p:stCondLst>
-                                            <p:cond delay="0"/>
-                                          </p:stCondLst>
-                                        </p:cTn>
-                                        <p:tgtEl>
-                                          <p:spTgt spid="10"/>
-                                        </p:tgtEl>
-                                      </p:cBhvr>
-                                    </p:animEffect>
-                                  </p:childTnLst>
-                                </p:cTn>
-                              </p:par>
-                              <p:par>
-                                <p:cTn id="11" presetID="22" presetClass="entr" presetSubtype="8" fill="hold" grpId="0" nodeType="withEffect">
-                                  <p:stCondLst>
-                                    <p:cond delay="0"/>
-                                  </p:stCondLst>
-                                  <p:iterate>
-                                    <p:tmPct val="10000"/>
-                                  </p:iterate>
-                                  <p:childTnLst>
-                                    <p:set>
-                                      <p:cBhvr>
-                                        <p:cTn id="12" dur="1" fill="hold">
-                                          <p:stCondLst>
-                                            <p:cond delay="0"/>
-                                          </p:stCondLst>
-                                        </p:cTn>
-                                        <p:tgtEl>
-                                          <p:spTgt spid="11"/>
-                                        </p:tgtEl>
-                                        <p:attrNameLst>
-                                          <p:attrName>style.visibility</p:attrName>
-                                        </p:attrNameLst>
-                                      </p:cBhvr>
-                                      <p:to>
-                                        <p:strVal val="visible"/>
-                                      </p:to>
-                                    </p:set>
-                                    <p:animEffect transition="in" filter="wipe(left)">
-                                      <p:cBhvr>
-                                        <p:cTn id="13" dur="500" fill="hold">
-                                          <p:stCondLst>
-                                            <p:cond delay="0"/>
-                                          </p:stCondLst>
-                                        </p:cTn>
-                                        <p:tgtEl>
-                                          <p:spTgt spid="11"/>
-                                        </p:tgtEl>
-                                      </p:cBhvr>
-                                    </p:animEffect>
-                                  </p:childTnLst>
-                                </p:cTn>
-                              </p:par>
-                            </p:childTnLst>
-                          </p:cTn>
-                        </p:par>
-                      </p:childTnLst>
-                    </p:cTn>
-                  </p:par>
-                </p:childTnLst>
-              </p:cTn>
-              <p:prevCondLst>
-                <p:cond evt="onPrev" delay="0">
-                  <p:tgtEl>
-                    <p:sldTgt/>
-                  </p:tgtEl>
-                </p:cond>
-              </p:prevCondLst>
-              <p:nextCondLst>
-                <p:cond evt="onNext" delay="0">
-                  <p:tgtEl>
-                    <p:sldTgt/>
-                  </p:tgtEl>
-                </p:cond>
-              </p:nextCondLst>
-            </p:seq>
-          </p:childTnLst>
-        </p:cTn>
-      </p:par>
-    </p:tnLst>
-    <p:bldLst>
-      <p:bldP spid="9" grpId="0" autoUpdateAnimBg="0"/>
-      <p:bldP spid="10" grpId="0" autoUpdateAnimBg="0"/>
-      <p:bldP spid="11" grpId="0" autoUpdateAnimBg="0"/>
-    </p:bldLst>
   </p:timing>
 </p:sld>
 </file>
@@ -15374,7 +15052,7 @@
 </file>
 
 <file path=ppt/slides/slide16.xml><?xml version="1.0" encoding="utf-8"?>
-<p:sld xmlns:a="http://schemas.openxmlformats.org/drawingml/2006/main" xmlns:r="http://schemas.openxmlformats.org/officeDocument/2006/relationships" xmlns:p="http://schemas.openxmlformats.org/presentationml/2006/main">
+<p:sld xmlns:a="http://schemas.openxmlformats.org/drawingml/2006/main" xmlns:r="http://schemas.openxmlformats.org/officeDocument/2006/relationships" xmlns:p="http://schemas.openxmlformats.org/presentationml/2006/main" showMasterSp="0">
   <p:cSld>
     <p:spTree>
       <p:nvGrpSpPr>
@@ -16423,13 +16101,13 @@
   <p:clrMapOvr>
     <a:masterClrMapping/>
   </p:clrMapOvr>
-  <mc:AlternateContent xmlns:mc="http://schemas.openxmlformats.org/markup-compatibility/2006">
-    <mc:Choice xmlns:p14="http://schemas.microsoft.com/office/powerpoint/2010/main" Requires="p14">
+  <mc:AlternateContent xmlns:mc="http://schemas.openxmlformats.org/markup-compatibility/2006" xmlns:p14="http://schemas.microsoft.com/office/powerpoint/2010/main">
+    <mc:Choice Requires="p14">
       <p:transition spd="med" p14:dur="700">
         <p:fade/>
       </p:transition>
     </mc:Choice>
-    <mc:Fallback>
+    <mc:Fallback xmlns="">
       <p:transition spd="med">
         <p:fade/>
       </p:transition>
@@ -16446,7 +16124,7 @@
 </file>
 
 <file path=ppt/slides/slide17.xml><?xml version="1.0" encoding="utf-8"?>
-<p:sld xmlns:a="http://schemas.openxmlformats.org/drawingml/2006/main" xmlns:r="http://schemas.openxmlformats.org/officeDocument/2006/relationships" xmlns:p="http://schemas.openxmlformats.org/presentationml/2006/main">
+<p:sld xmlns:a="http://schemas.openxmlformats.org/drawingml/2006/main" xmlns:r="http://schemas.openxmlformats.org/officeDocument/2006/relationships" xmlns:p="http://schemas.openxmlformats.org/presentationml/2006/main" showMasterSp="0">
   <p:cSld>
     <p:spTree>
       <p:nvGrpSpPr>
@@ -17812,13 +17490,13 @@
   <p:clrMapOvr>
     <a:masterClrMapping/>
   </p:clrMapOvr>
-  <mc:AlternateContent xmlns:mc="http://schemas.openxmlformats.org/markup-compatibility/2006">
-    <mc:Choice xmlns:p14="http://schemas.microsoft.com/office/powerpoint/2010/main" Requires="p14">
+  <mc:AlternateContent xmlns:mc="http://schemas.openxmlformats.org/markup-compatibility/2006" xmlns:p14="http://schemas.microsoft.com/office/powerpoint/2010/main">
+    <mc:Choice Requires="p14">
       <p:transition spd="med" p14:dur="700">
         <p:fade/>
       </p:transition>
     </mc:Choice>
-    <mc:Fallback>
+    <mc:Fallback xmlns="">
       <p:transition spd="med">
         <p:fade/>
       </p:transition>
@@ -17835,7 +17513,7 @@
 </file>
 
 <file path=ppt/slides/slide18.xml><?xml version="1.0" encoding="utf-8"?>
-<p:sld xmlns:a="http://schemas.openxmlformats.org/drawingml/2006/main" xmlns:r="http://schemas.openxmlformats.org/officeDocument/2006/relationships" xmlns:p="http://schemas.openxmlformats.org/presentationml/2006/main">
+<p:sld xmlns:a="http://schemas.openxmlformats.org/drawingml/2006/main" xmlns:r="http://schemas.openxmlformats.org/officeDocument/2006/relationships" xmlns:p="http://schemas.openxmlformats.org/presentationml/2006/main" showMasterSp="0">
   <p:cSld>
     <p:spTree>
       <p:nvGrpSpPr>
@@ -18892,13 +18570,13 @@
   <p:clrMapOvr>
     <a:masterClrMapping/>
   </p:clrMapOvr>
-  <mc:AlternateContent xmlns:mc="http://schemas.openxmlformats.org/markup-compatibility/2006">
-    <mc:Choice xmlns:p14="http://schemas.microsoft.com/office/powerpoint/2010/main" Requires="p14">
+  <mc:AlternateContent xmlns:mc="http://schemas.openxmlformats.org/markup-compatibility/2006" xmlns:p14="http://schemas.microsoft.com/office/powerpoint/2010/main">
+    <mc:Choice Requires="p14">
       <p:transition spd="med" p14:dur="700">
         <p:fade/>
       </p:transition>
     </mc:Choice>
-    <mc:Fallback>
+    <mc:Fallback xmlns="">
       <p:transition spd="med">
         <p:fade/>
       </p:transition>
@@ -18915,7 +18593,7 @@
 </file>
 
 <file path=ppt/slides/slide19.xml><?xml version="1.0" encoding="utf-8"?>
-<p:sld xmlns:a="http://schemas.openxmlformats.org/drawingml/2006/main" xmlns:r="http://schemas.openxmlformats.org/officeDocument/2006/relationships" xmlns:p="http://schemas.openxmlformats.org/presentationml/2006/main">
+<p:sld xmlns:a="http://schemas.openxmlformats.org/drawingml/2006/main" xmlns:r="http://schemas.openxmlformats.org/officeDocument/2006/relationships" xmlns:p="http://schemas.openxmlformats.org/presentationml/2006/main" showMasterSp="0">
   <p:cSld>
     <p:spTree>
       <p:nvGrpSpPr>
@@ -19742,13 +19420,13 @@
   <p:clrMapOvr>
     <a:masterClrMapping/>
   </p:clrMapOvr>
-  <mc:AlternateContent xmlns:mc="http://schemas.openxmlformats.org/markup-compatibility/2006">
-    <mc:Choice xmlns:p14="http://schemas.microsoft.com/office/powerpoint/2010/main" Requires="p14">
+  <mc:AlternateContent xmlns:mc="http://schemas.openxmlformats.org/markup-compatibility/2006" xmlns:p14="http://schemas.microsoft.com/office/powerpoint/2010/main">
+    <mc:Choice Requires="p14">
       <p:transition spd="med" p14:dur="700">
         <p:fade/>
       </p:transition>
     </mc:Choice>
-    <mc:Fallback>
+    <mc:Fallback xmlns="">
       <p:transition spd="med">
         <p:fade/>
       </p:transition>
@@ -29167,7 +28845,7 @@
 </file>
 
 <file path=ppt/slides/slide20.xml><?xml version="1.0" encoding="utf-8"?>
-<p:sld xmlns:a="http://schemas.openxmlformats.org/drawingml/2006/main" xmlns:r="http://schemas.openxmlformats.org/officeDocument/2006/relationships" xmlns:p="http://schemas.openxmlformats.org/presentationml/2006/main">
+<p:sld xmlns:a="http://schemas.openxmlformats.org/drawingml/2006/main" xmlns:r="http://schemas.openxmlformats.org/officeDocument/2006/relationships" xmlns:p="http://schemas.openxmlformats.org/presentationml/2006/main" showMasterSp="0">
   <p:cSld>
     <p:spTree>
       <p:nvGrpSpPr>
@@ -29754,7 +29432,7 @@
         </p:nvSpPr>
         <p:spPr>
           <a:xfrm>
-            <a:off x="2951820" y="2525635"/>
+            <a:off x="2951820" y="2556845"/>
             <a:ext cx="674865" cy="194925"/>
           </a:xfrm>
           <a:prstGeom prst="rect">
@@ -30055,7 +29733,7 @@
           </a:xfrm>
           <a:prstGeom prst="curvedConnector3">
             <a:avLst>
-              <a:gd name="adj1" fmla="val 50000"/>
+              <a:gd name="adj1" fmla="val 35307"/>
             </a:avLst>
           </a:prstGeom>
           <a:ln>
@@ -30298,7 +29976,7 @@
         </p:nvSpPr>
         <p:spPr>
           <a:xfrm>
-            <a:off x="5701618" y="2079017"/>
+            <a:off x="5648113" y="2027006"/>
             <a:ext cx="548227" cy="384721"/>
           </a:xfrm>
           <a:prstGeom prst="rect">
@@ -30605,8 +30283,8 @@
         </p:nvSpPr>
         <p:spPr>
           <a:xfrm>
-            <a:off x="7956376" y="3517630"/>
-            <a:ext cx="253274" cy="194925"/>
+            <a:off x="7632340" y="3435846"/>
+            <a:ext cx="674865" cy="307777"/>
           </a:xfrm>
           <a:prstGeom prst="rect">
             <a:avLst/>
@@ -30619,9 +30297,32 @@
           <a:lstStyle/>
           <a:p>
             <a:pPr marL="0" indent="0">
-              <a:lnSpc>
-                <a:spcPct val="150000"/>
-              </a:lnSpc>
+              <a:buNone/>
+            </a:pPr>
+            <a:r>
+              <a:rPr lang="ko-KR" altLang="en-US" sz="1000" b="1" dirty="0" smtClean="0">
+                <a:latin typeface="+mj-lt"/>
+              </a:rPr>
+              <a:t>길이가 </a:t>
+            </a:r>
+            <a:r>
+              <a:rPr lang="ko-KR" altLang="en-US" sz="1000" b="1" dirty="0" smtClean="0">
+                <a:latin typeface="+mj-lt"/>
+              </a:rPr>
+              <a:t>적</a:t>
+            </a:r>
+            <a:r>
+              <a:rPr lang="ko-KR" altLang="en-US" sz="1000" b="1" dirty="0">
+                <a:latin typeface="+mj-lt"/>
+              </a:rPr>
+              <a:t>힌</a:t>
+            </a:r>
+            <a:endParaRPr lang="en-US" altLang="ko-KR" sz="1000" b="1" dirty="0" smtClean="0">
+              <a:latin typeface="+mj-lt"/>
+            </a:endParaRPr>
+          </a:p>
+          <a:p>
+            <a:pPr marL="0" indent="0">
               <a:buNone/>
             </a:pPr>
             <a:r>
@@ -30719,6 +30420,156 @@
           </a:p>
         </p:txBody>
       </p:sp>
+      <p:cxnSp>
+        <p:nvCxnSpPr>
+          <p:cNvPr id="43" name="직선 화살표 연결선 42"/>
+          <p:cNvCxnSpPr>
+            <a:stCxn id="47" idx="1"/>
+            <a:endCxn id="27" idx="0"/>
+          </p:cNvCxnSpPr>
+          <p:nvPr/>
+        </p:nvCxnSpPr>
+        <p:spPr>
+          <a:xfrm rot="10800000" flipV="1">
+            <a:off x="2446965" y="1522840"/>
+            <a:ext cx="1239051" cy="956679"/>
+          </a:xfrm>
+          <a:prstGeom prst="curvedConnector2">
+            <a:avLst/>
+          </a:prstGeom>
+          <a:ln>
+            <a:tailEnd type="arrow"/>
+          </a:ln>
+        </p:spPr>
+        <p:style>
+          <a:lnRef idx="2">
+            <a:schemeClr val="accent6"/>
+          </a:lnRef>
+          <a:fillRef idx="0">
+            <a:schemeClr val="accent6"/>
+          </a:fillRef>
+          <a:effectRef idx="1">
+            <a:schemeClr val="accent6"/>
+          </a:effectRef>
+          <a:fontRef idx="minor">
+            <a:schemeClr val="tx1"/>
+          </a:fontRef>
+        </p:style>
+      </p:cxnSp>
+      <p:sp>
+        <p:nvSpPr>
+          <p:cNvPr id="49" name="TextBox 48"/>
+          <p:cNvSpPr txBox="1"/>
+          <p:nvPr/>
+        </p:nvSpPr>
+        <p:spPr>
+          <a:xfrm>
+            <a:off x="2719441" y="1167594"/>
+            <a:ext cx="897682" cy="194925"/>
+          </a:xfrm>
+          <a:prstGeom prst="rect">
+            <a:avLst/>
+          </a:prstGeom>
+        </p:spPr>
+        <p:txBody>
+          <a:bodyPr wrap="none" lIns="0" tIns="0" rIns="0" bIns="0" rtlCol="0" anchor="ctr">
+            <a:spAutoFit/>
+          </a:bodyPr>
+          <a:lstStyle/>
+          <a:p>
+            <a:pPr marL="0" indent="0">
+              <a:lnSpc>
+                <a:spcPct val="150000"/>
+              </a:lnSpc>
+              <a:buNone/>
+            </a:pPr>
+            <a:r>
+              <a:rPr lang="en-US" altLang="ko-KR" sz="1000" b="1" dirty="0" smtClean="0">
+                <a:latin typeface="+mj-lt"/>
+              </a:rPr>
+              <a:t>(</a:t>
+            </a:r>
+            <a:r>
+              <a:rPr lang="ko-KR" altLang="en-US" sz="1000" b="1" dirty="0" smtClean="0">
+                <a:latin typeface="+mj-lt"/>
+              </a:rPr>
+              <a:t>시작점일 경우</a:t>
+            </a:r>
+            <a:r>
+              <a:rPr lang="en-US" altLang="ko-KR" sz="1000" b="1" dirty="0" smtClean="0">
+                <a:latin typeface="+mj-lt"/>
+              </a:rPr>
+              <a:t>)</a:t>
+            </a:r>
+            <a:endParaRPr lang="ko-KR" altLang="en-US" sz="1000" b="1" dirty="0" smtClean="0">
+              <a:solidFill>
+                <a:schemeClr val="tx1"/>
+              </a:solidFill>
+              <a:latin typeface="+mj-lt"/>
+            </a:endParaRPr>
+          </a:p>
+        </p:txBody>
+      </p:sp>
+      <p:sp>
+        <p:nvSpPr>
+          <p:cNvPr id="50" name="TextBox 49"/>
+          <p:cNvSpPr txBox="1"/>
+          <p:nvPr/>
+        </p:nvSpPr>
+        <p:spPr>
+          <a:xfrm>
+            <a:off x="5262591" y="1152786"/>
+            <a:ext cx="771045" cy="230832"/>
+          </a:xfrm>
+          <a:prstGeom prst="rect">
+            <a:avLst/>
+          </a:prstGeom>
+        </p:spPr>
+        <p:txBody>
+          <a:bodyPr wrap="none" lIns="0" tIns="0" rIns="0" bIns="0" rtlCol="0" anchor="ctr">
+            <a:spAutoFit/>
+          </a:bodyPr>
+          <a:lstStyle/>
+          <a:p>
+            <a:pPr marL="0" indent="0">
+              <a:lnSpc>
+                <a:spcPct val="150000"/>
+              </a:lnSpc>
+              <a:buNone/>
+            </a:pPr>
+            <a:r>
+              <a:rPr lang="en-US" altLang="ko-KR" sz="1000" b="1" dirty="0" smtClean="0">
+                <a:latin typeface="+mj-lt"/>
+              </a:rPr>
+              <a:t>(</a:t>
+            </a:r>
+            <a:r>
+              <a:rPr lang="ko-KR" altLang="en-US" sz="1000" b="1" dirty="0">
+                <a:latin typeface="+mj-lt"/>
+              </a:rPr>
+              <a:t>끝</a:t>
+            </a:r>
+            <a:r>
+              <a:rPr lang="ko-KR" altLang="en-US" sz="1000" b="1" dirty="0" smtClean="0">
+                <a:latin typeface="+mj-lt"/>
+              </a:rPr>
+              <a:t>점일 경우</a:t>
+            </a:r>
+            <a:r>
+              <a:rPr lang="en-US" altLang="ko-KR" sz="1000" b="1" dirty="0" smtClean="0">
+                <a:latin typeface="+mj-lt"/>
+              </a:rPr>
+              <a:t>)</a:t>
+            </a:r>
+            <a:endParaRPr lang="ko-KR" altLang="en-US" sz="1000" b="1" dirty="0" smtClean="0">
+              <a:solidFill>
+                <a:schemeClr val="tx1"/>
+              </a:solidFill>
+              <a:latin typeface="+mj-lt"/>
+            </a:endParaRPr>
+          </a:p>
+        </p:txBody>
+      </p:sp>
     </p:spTree>
     <p:extLst>
       <p:ext uri="{BB962C8B-B14F-4D97-AF65-F5344CB8AC3E}">
@@ -30729,13 +30580,13 @@
   <p:clrMapOvr>
     <a:masterClrMapping/>
   </p:clrMapOvr>
-  <mc:AlternateContent xmlns:mc="http://schemas.openxmlformats.org/markup-compatibility/2006">
-    <mc:Choice xmlns:p14="http://schemas.microsoft.com/office/powerpoint/2010/main" Requires="p14">
+  <mc:AlternateContent xmlns:mc="http://schemas.openxmlformats.org/markup-compatibility/2006" xmlns:p14="http://schemas.microsoft.com/office/powerpoint/2010/main">
+    <mc:Choice Requires="p14">
       <p:transition spd="med" p14:dur="700">
         <p:fade/>
       </p:transition>
     </mc:Choice>
-    <mc:Fallback>
+    <mc:Fallback xmlns="">
       <p:transition spd="med">
         <p:fade/>
       </p:transition>
@@ -30752,7 +30603,7 @@
 </file>
 
 <file path=ppt/slides/slide21.xml><?xml version="1.0" encoding="utf-8"?>
-<p:sld xmlns:a="http://schemas.openxmlformats.org/drawingml/2006/main" xmlns:r="http://schemas.openxmlformats.org/officeDocument/2006/relationships" xmlns:p="http://schemas.openxmlformats.org/presentationml/2006/main">
+<p:sld xmlns:a="http://schemas.openxmlformats.org/drawingml/2006/main" xmlns:r="http://schemas.openxmlformats.org/officeDocument/2006/relationships" xmlns:p="http://schemas.openxmlformats.org/presentationml/2006/main" showMasterSp="0">
   <p:cSld>
     <p:spTree>
       <p:nvGrpSpPr>
@@ -30944,7 +30795,7 @@
           <p:nvPr>
             <p:extLst>
               <p:ext uri="{D42A27DB-BD31-4B8C-83A1-F6EECF244321}">
-                <p14:modId xmlns:p14="http://schemas.microsoft.com/office/powerpoint/2010/main" val="1971593582"/>
+                <p14:modId xmlns:p14="http://schemas.microsoft.com/office/powerpoint/2010/main" val="254239998"/>
               </p:ext>
             </p:extLst>
           </p:nvPr>
@@ -32563,7 +32414,7 @@
         <p:spPr>
           <a:xfrm>
             <a:off x="990600" y="1039837"/>
-            <a:ext cx="1796415" cy="307777"/>
+            <a:ext cx="2210862" cy="307777"/>
           </a:xfrm>
           <a:prstGeom prst="rect">
             <a:avLst/>
@@ -32596,12 +32447,32 @@
               <a:t> </a:t>
             </a:r>
             <a:r>
+              <a:rPr lang="en-US" altLang="ko-KR" sz="1400" dirty="0" err="1" smtClean="0"/>
+              <a:t>Web</a:t>
+            </a:r>
+            <a:r>
+              <a:rPr lang="en-US" altLang="ko-KR" sz="1400" dirty="0" err="1" smtClean="0">
+                <a:latin typeface="+mn-lt"/>
+                <a:ea typeface="+mn-ea"/>
+                <a:cs typeface="+mn-cs"/>
+              </a:rPr>
+              <a:t>AR</a:t>
+            </a:r>
+            <a:r>
+              <a:rPr lang="en-US" altLang="ko-KR" sz="1400" dirty="0" smtClean="0">
+                <a:latin typeface="+mn-lt"/>
+                <a:ea typeface="+mn-ea"/>
+                <a:cs typeface="+mn-cs"/>
+              </a:rPr>
+              <a:t> </a:t>
+            </a:r>
+            <a:r>
               <a:rPr lang="en-US" altLang="ko-KR" sz="1400" dirty="0">
                 <a:latin typeface="+mn-lt"/>
                 <a:ea typeface="+mn-ea"/>
                 <a:cs typeface="+mn-cs"/>
               </a:rPr>
-              <a:t>AR Interior</a:t>
+              <a:t>Interior</a:t>
             </a:r>
             <a:endParaRPr lang="ko-KR" altLang="en-US" sz="1400" dirty="0">
               <a:latin typeface="+mn-lt"/>
@@ -32941,7 +32812,7 @@
 </file>
 
 <file path=ppt/slides/slide7.xml><?xml version="1.0" encoding="utf-8"?>
-<p:sld xmlns:a="http://schemas.openxmlformats.org/drawingml/2006/main" xmlns:r="http://schemas.openxmlformats.org/officeDocument/2006/relationships" xmlns:p="http://schemas.openxmlformats.org/presentationml/2006/main">
+<p:sld xmlns:a="http://schemas.openxmlformats.org/drawingml/2006/main" xmlns:r="http://schemas.openxmlformats.org/officeDocument/2006/relationships" xmlns:p="http://schemas.openxmlformats.org/presentationml/2006/main" showMasterSp="0">
   <p:cSld>
     <p:spTree>
       <p:nvGrpSpPr>
@@ -32959,7 +32830,7 @@
       </p:grpSpPr>
       <p:sp>
         <p:nvSpPr>
-          <p:cNvPr id="2" name="Title 1"/>
+          <p:cNvPr id="4" name="제목 3"/>
           <p:cNvSpPr>
             <a:spLocks noGrp="1"/>
           </p:cNvSpPr>
@@ -32967,7 +32838,12 @@
             <p:ph type="title"/>
           </p:nvPr>
         </p:nvSpPr>
-        <p:spPr/>
+        <p:spPr>
+          <a:xfrm>
+            <a:off x="337413" y="341711"/>
+            <a:ext cx="8368363" cy="495383"/>
+          </a:xfrm>
+        </p:spPr>
         <p:txBody>
           <a:bodyPr/>
           <a:lstStyle/>
@@ -32976,35 +32852,73 @@
               <a:defRPr lang="ko-KR" altLang="en-US"/>
             </a:pPr>
             <a:r>
-              <a:rPr lang="en-US" dirty="0" err="1"/>
-              <a:t>WebAR</a:t>
-            </a:r>
-            <a:r>
-              <a:rPr lang="ko-KR" altLang="en-US" dirty="0"/>
-              <a:t> 인테리어 </a:t>
-            </a:r>
-            <a:r>
-              <a:rPr lang="en-US" altLang="ko-KR" dirty="0"/>
-              <a:t>-</a:t>
-            </a:r>
-            <a:r>
-              <a:rPr lang="ko-KR" altLang="en-US" dirty="0"/>
-              <a:t> 기능</a:t>
-            </a:r>
-            <a:endParaRPr lang="en-US" dirty="0"/>
+              <a:rPr lang="ko-KR" altLang="en-US" b="1" dirty="0"/>
+              <a:t>사용한 라이브러리</a:t>
+            </a:r>
           </a:p>
         </p:txBody>
       </p:sp>
       <p:sp>
         <p:nvSpPr>
-          <p:cNvPr id="6" name="Rectangle 5"/>
+          <p:cNvPr id="3" name="텍스트 개체 틀 2"/>
+          <p:cNvSpPr>
+            <a:spLocks noGrp="1"/>
+          </p:cNvSpPr>
+          <p:nvPr>
+            <p:ph type="body" sz="half" idx="2"/>
+          </p:nvPr>
+        </p:nvSpPr>
+        <p:spPr>
+          <a:xfrm>
+            <a:off x="139003" y="889397"/>
+            <a:ext cx="8368363" cy="173255"/>
+          </a:xfrm>
+        </p:spPr>
+        <p:txBody>
+          <a:bodyPr/>
+          <a:lstStyle/>
+          <a:p>
+            <a:pPr lvl="0">
+              <a:defRPr lang="ko-KR" altLang="en-US"/>
+            </a:pPr>
+            <a:r>
+              <a:rPr lang="en-US" altLang="ko-KR" b="1" dirty="0" err="1"/>
+              <a:t>WebXR</a:t>
+            </a:r>
+            <a:r>
+              <a:rPr lang="en-US" altLang="ko-KR" b="1" dirty="0"/>
+              <a:t> Device API </a:t>
+            </a:r>
+            <a:r>
+              <a:rPr lang="en-US" altLang="ko-KR" b="1" dirty="0" smtClean="0"/>
+              <a:t>		</a:t>
+            </a:r>
+            <a:r>
+              <a:rPr lang="en-US" altLang="ko-KR" b="1" dirty="0"/>
+              <a:t>	Three.js	</a:t>
+            </a:r>
+            <a:r>
+              <a:rPr lang="en-US" altLang="ko-KR" b="1" dirty="0" smtClean="0"/>
+              <a:t>	</a:t>
+            </a:r>
+            <a:r>
+              <a:rPr lang="en-US" altLang="ko-KR" b="1" dirty="0"/>
+              <a:t>	dat.gui.js</a:t>
+            </a:r>
+            <a:endParaRPr lang="ko-KR" altLang="en-US" b="1" dirty="0"/>
+          </a:p>
+        </p:txBody>
+      </p:sp>
+      <p:sp>
+        <p:nvSpPr>
+          <p:cNvPr id="8" name="Rectangle 5"/>
           <p:cNvSpPr/>
           <p:nvPr/>
         </p:nvSpPr>
         <p:spPr>
           <a:xfrm>
-            <a:off x="0" y="3579862"/>
-            <a:ext cx="9144000" cy="1563638"/>
+            <a:off x="0" y="3028950"/>
+            <a:ext cx="9144000" cy="2114550"/>
           </a:xfrm>
           <a:prstGeom prst="rect">
             <a:avLst/>
@@ -33037,14 +32951,14 @@
       </p:sp>
       <p:sp>
         <p:nvSpPr>
-          <p:cNvPr id="67" name="Inhaltsplatzhalter 4"/>
+          <p:cNvPr id="9" name="Inhaltsplatzhalter 4"/>
           <p:cNvSpPr txBox="1"/>
           <p:nvPr/>
         </p:nvSpPr>
         <p:spPr>
           <a:xfrm>
-            <a:off x="1331640" y="3903020"/>
-            <a:ext cx="2448272" cy="926407"/>
+            <a:off x="762000" y="3324225"/>
+            <a:ext cx="1573219" cy="1015612"/>
           </a:xfrm>
           <a:prstGeom prst="rect">
             <a:avLst/>
@@ -33230,10 +33144,1109 @@
               <a:defRPr lang="ko-KR" altLang="en-US"/>
             </a:pPr>
             <a:r>
+              <a:rPr lang="en-US" altLang="ko-KR" sz="1400" b="1">
+                <a:latin typeface="+mj-lt"/>
+              </a:rPr>
+              <a:t>WebXR API  #01</a:t>
+            </a:r>
+            <a:r>
+              <a:rPr lang="en-US" sz="1400" b="1">
+                <a:latin typeface="+mj-lt"/>
+              </a:rPr>
+              <a:t/>
+            </a:r>
+            <a:br>
+              <a:rPr lang="en-US" sz="1400" b="1">
+                <a:latin typeface="+mj-lt"/>
+              </a:rPr>
+            </a:br>
+            <a:r>
+              <a:rPr lang="ko-KR" altLang="en-US" sz="1000">
+                <a:latin typeface="+mj-lt"/>
+              </a:rPr>
+              <a:t>웹 페이지에서 </a:t>
+            </a:r>
+            <a:r>
+              <a:rPr lang="en-US" altLang="ko-KR" sz="1000">
+                <a:latin typeface="+mj-lt"/>
+              </a:rPr>
+              <a:t>VR, AR</a:t>
+            </a:r>
+            <a:r>
+              <a:rPr lang="ko-KR" altLang="en-US" sz="1000">
+                <a:latin typeface="+mj-lt"/>
+              </a:rPr>
+              <a:t>을 사용할 수 있게 해주는     웹 표준 그룹</a:t>
+            </a:r>
+            <a:endParaRPr lang="en-US" sz="1050">
+              <a:latin typeface="+mj-lt"/>
+            </a:endParaRPr>
+          </a:p>
+        </p:txBody>
+      </p:sp>
+      <p:sp>
+        <p:nvSpPr>
+          <p:cNvPr id="10" name="Inhaltsplatzhalter 4"/>
+          <p:cNvSpPr txBox="1"/>
+          <p:nvPr/>
+        </p:nvSpPr>
+        <p:spPr>
+          <a:xfrm>
+            <a:off x="3785390" y="3324225"/>
+            <a:ext cx="1472410" cy="1015615"/>
+          </a:xfrm>
+          <a:prstGeom prst="rect">
+            <a:avLst/>
+          </a:prstGeom>
+        </p:spPr>
+        <p:txBody>
+          <a:bodyPr wrap="square" lIns="0" tIns="0" rIns="0" bIns="0" anchor="ctr">
+            <a:spAutoFit/>
+          </a:bodyPr>
+          <a:lstStyle>
+            <a:lvl1pPr marL="272967" indent="-272967" algn="l" defTabSz="914127" rtl="0" eaLnBrk="1" latinLnBrk="0" hangingPunct="1">
+              <a:lnSpc>
+                <a:spcPct val="90000"/>
+              </a:lnSpc>
+              <a:spcBef>
+                <a:spcPts val="0"/>
+              </a:spcBef>
+              <a:spcAft>
+                <a:spcPts val="1000"/>
+              </a:spcAft>
+              <a:buFont typeface="Wingdings"/>
+              <a:buChar char="§"/>
+              <a:defRPr sz="2300" kern="1200">
+                <a:solidFill>
+                  <a:schemeClr val="bg1"/>
+                </a:solidFill>
+                <a:latin typeface="Calibri Light"/>
+                <a:ea typeface="+mn-ea"/>
+                <a:cs typeface="+mn-cs"/>
+              </a:defRPr>
+            </a:lvl1pPr>
+            <a:lvl2pPr marL="807798" indent="-272967" algn="l" defTabSz="914127" rtl="0" eaLnBrk="1" latinLnBrk="0" hangingPunct="1">
+              <a:lnSpc>
+                <a:spcPct val="90000"/>
+              </a:lnSpc>
+              <a:spcBef>
+                <a:spcPts val="0"/>
+              </a:spcBef>
+              <a:spcAft>
+                <a:spcPts val="1000"/>
+              </a:spcAft>
+              <a:buFont typeface="Symbol"/>
+              <a:buChar char="-"/>
+              <a:defRPr sz="2000" kern="1200">
+                <a:solidFill>
+                  <a:schemeClr val="bg1"/>
+                </a:solidFill>
+                <a:latin typeface="Calibri Light"/>
+                <a:ea typeface="+mn-ea"/>
+                <a:cs typeface="+mn-cs"/>
+              </a:defRPr>
+            </a:lvl2pPr>
+            <a:lvl3pPr marL="1080764" indent="-177748" algn="l" defTabSz="914127" rtl="0" eaLnBrk="1" latinLnBrk="0" hangingPunct="1">
+              <a:lnSpc>
+                <a:spcPct val="90000"/>
+              </a:lnSpc>
+              <a:spcBef>
+                <a:spcPts val="0"/>
+              </a:spcBef>
+              <a:spcAft>
+                <a:spcPts val="1000"/>
+              </a:spcAft>
+              <a:buFont typeface="Symbol"/>
+              <a:buChar char="-"/>
+              <a:defRPr sz="1900" kern="1200">
+                <a:solidFill>
+                  <a:schemeClr val="bg1"/>
+                </a:solidFill>
+                <a:latin typeface="Calibri Light"/>
+                <a:ea typeface="+mn-ea"/>
+                <a:cs typeface="+mn-cs"/>
+              </a:defRPr>
+            </a:lvl3pPr>
+            <a:lvl4pPr marL="1436256" indent="-177748" algn="l" defTabSz="914127" rtl="0" eaLnBrk="1" latinLnBrk="0" hangingPunct="1">
+              <a:lnSpc>
+                <a:spcPct val="90000"/>
+              </a:lnSpc>
+              <a:spcBef>
+                <a:spcPts val="0"/>
+              </a:spcBef>
+              <a:spcAft>
+                <a:spcPts val="1000"/>
+              </a:spcAft>
+              <a:buFont typeface="Symbol"/>
+              <a:buChar char="-"/>
+              <a:defRPr sz="1600" kern="1200">
+                <a:solidFill>
+                  <a:schemeClr val="bg1"/>
+                </a:solidFill>
+                <a:latin typeface="Calibri Light"/>
+                <a:ea typeface="+mn-ea"/>
+                <a:cs typeface="+mn-cs"/>
+              </a:defRPr>
+            </a:lvl4pPr>
+            <a:lvl5pPr marL="1793335" indent="-179335" algn="l" defTabSz="914127" rtl="0" eaLnBrk="1" latinLnBrk="0" hangingPunct="1">
+              <a:lnSpc>
+                <a:spcPct val="90000"/>
+              </a:lnSpc>
+              <a:spcBef>
+                <a:spcPts val="0"/>
+              </a:spcBef>
+              <a:spcAft>
+                <a:spcPts val="1000"/>
+              </a:spcAft>
+              <a:buFont typeface="Symbol"/>
+              <a:buChar char="-"/>
+              <a:defRPr sz="1600" kern="1200">
+                <a:solidFill>
+                  <a:schemeClr val="bg1"/>
+                </a:solidFill>
+                <a:latin typeface="Calibri Light"/>
+                <a:ea typeface="+mn-ea"/>
+                <a:cs typeface="+mn-cs"/>
+              </a:defRPr>
+            </a:lvl5pPr>
+            <a:lvl6pPr marL="2513847" indent="-228532" algn="l" defTabSz="914127" rtl="0" eaLnBrk="1" latinLnBrk="0" hangingPunct="1">
+              <a:spcBef>
+                <a:spcPct val="20000"/>
+              </a:spcBef>
+              <a:buFont typeface="Arial"/>
+              <a:buChar char="•"/>
+              <a:defRPr sz="2000" kern="1200">
+                <a:solidFill>
+                  <a:schemeClr val="tx1"/>
+                </a:solidFill>
+                <a:latin typeface="+mn-lt"/>
+                <a:ea typeface="+mn-ea"/>
+                <a:cs typeface="+mn-cs"/>
+              </a:defRPr>
+            </a:lvl6pPr>
+            <a:lvl7pPr marL="2970910" indent="-228532" algn="l" defTabSz="914127" rtl="0" eaLnBrk="1" latinLnBrk="0" hangingPunct="1">
+              <a:spcBef>
+                <a:spcPct val="20000"/>
+              </a:spcBef>
+              <a:buFont typeface="Arial"/>
+              <a:buChar char="•"/>
+              <a:defRPr sz="2000" kern="1200">
+                <a:solidFill>
+                  <a:schemeClr val="tx1"/>
+                </a:solidFill>
+                <a:latin typeface="+mn-lt"/>
+                <a:ea typeface="+mn-ea"/>
+                <a:cs typeface="+mn-cs"/>
+              </a:defRPr>
+            </a:lvl7pPr>
+            <a:lvl8pPr marL="3427972" indent="-228532" algn="l" defTabSz="914127" rtl="0" eaLnBrk="1" latinLnBrk="0" hangingPunct="1">
+              <a:spcBef>
+                <a:spcPct val="20000"/>
+              </a:spcBef>
+              <a:buFont typeface="Arial"/>
+              <a:buChar char="•"/>
+              <a:defRPr sz="2000" kern="1200">
+                <a:solidFill>
+                  <a:schemeClr val="tx1"/>
+                </a:solidFill>
+                <a:latin typeface="+mn-lt"/>
+                <a:ea typeface="+mn-ea"/>
+                <a:cs typeface="+mn-cs"/>
+              </a:defRPr>
+            </a:lvl8pPr>
+            <a:lvl9pPr marL="3885034" indent="-228532" algn="l" defTabSz="914127" rtl="0" eaLnBrk="1" latinLnBrk="0" hangingPunct="1">
+              <a:spcBef>
+                <a:spcPct val="20000"/>
+              </a:spcBef>
+              <a:buFont typeface="Arial"/>
+              <a:buChar char="•"/>
+              <a:defRPr sz="2000" kern="1200">
+                <a:solidFill>
+                  <a:schemeClr val="tx1"/>
+                </a:solidFill>
+                <a:latin typeface="+mn-lt"/>
+                <a:ea typeface="+mn-ea"/>
+                <a:cs typeface="+mn-cs"/>
+              </a:defRPr>
+            </a:lvl9pPr>
+          </a:lstStyle>
+          <a:p>
+            <a:pPr marL="0" indent="0">
+              <a:lnSpc>
+                <a:spcPct val="150000"/>
+              </a:lnSpc>
+              <a:buNone/>
+              <a:defRPr lang="ko-KR" altLang="en-US"/>
+            </a:pPr>
+            <a:r>
+              <a:rPr lang="en-US" altLang="ko-KR" sz="1400" b="1">
+                <a:latin typeface="+mj-lt"/>
+              </a:rPr>
+              <a:t>Three.js  #02</a:t>
+            </a:r>
+            <a:r>
+              <a:rPr lang="en-US" sz="1400" b="1">
+                <a:latin typeface="+mj-lt"/>
+              </a:rPr>
+              <a:t/>
+            </a:r>
+            <a:br>
+              <a:rPr lang="en-US" sz="1400" b="1">
+                <a:latin typeface="+mj-lt"/>
+              </a:rPr>
+            </a:br>
+            <a:r>
+              <a:rPr lang="ko-KR" altLang="en-US" sz="1000">
+                <a:latin typeface="+mj-lt"/>
+              </a:rPr>
+              <a:t> 웹에서 </a:t>
+            </a:r>
+            <a:r>
+              <a:rPr lang="en-US" altLang="ko-KR" sz="1000">
+                <a:latin typeface="+mj-lt"/>
+              </a:rPr>
+              <a:t>3D </a:t>
+            </a:r>
+            <a:r>
+              <a:rPr lang="ko-KR" altLang="en-US" sz="1000">
+                <a:latin typeface="+mj-lt"/>
+              </a:rPr>
+              <a:t>그래픽을 다룰 수 있게 해주는 자바스크립트 라이브러리</a:t>
+            </a:r>
+            <a:endParaRPr lang="en-US" sz="1050">
+              <a:latin typeface="+mj-lt"/>
+            </a:endParaRPr>
+          </a:p>
+        </p:txBody>
+      </p:sp>
+      <p:sp>
+        <p:nvSpPr>
+          <p:cNvPr id="11" name="Inhaltsplatzhalter 4"/>
+          <p:cNvSpPr txBox="1"/>
+          <p:nvPr/>
+        </p:nvSpPr>
+        <p:spPr>
+          <a:xfrm>
+            <a:off x="6934200" y="3325927"/>
+            <a:ext cx="1573220" cy="1015663"/>
+          </a:xfrm>
+          <a:prstGeom prst="rect">
+            <a:avLst/>
+          </a:prstGeom>
+        </p:spPr>
+        <p:txBody>
+          <a:bodyPr wrap="square" lIns="0" tIns="0" rIns="0" bIns="0" anchor="ctr">
+            <a:spAutoFit/>
+          </a:bodyPr>
+          <a:lstStyle>
+            <a:lvl1pPr marL="272967" indent="-272967" algn="l" defTabSz="914127" rtl="0" eaLnBrk="1" latinLnBrk="0" hangingPunct="1">
+              <a:lnSpc>
+                <a:spcPct val="90000"/>
+              </a:lnSpc>
+              <a:spcBef>
+                <a:spcPts val="0"/>
+              </a:spcBef>
+              <a:spcAft>
+                <a:spcPts val="1000"/>
+              </a:spcAft>
+              <a:buFont typeface="Wingdings"/>
+              <a:buChar char="§"/>
+              <a:defRPr sz="2300" kern="1200">
+                <a:solidFill>
+                  <a:schemeClr val="bg1"/>
+                </a:solidFill>
+                <a:latin typeface="Calibri Light"/>
+                <a:ea typeface="+mn-ea"/>
+                <a:cs typeface="+mn-cs"/>
+              </a:defRPr>
+            </a:lvl1pPr>
+            <a:lvl2pPr marL="807798" indent="-272967" algn="l" defTabSz="914127" rtl="0" eaLnBrk="1" latinLnBrk="0" hangingPunct="1">
+              <a:lnSpc>
+                <a:spcPct val="90000"/>
+              </a:lnSpc>
+              <a:spcBef>
+                <a:spcPts val="0"/>
+              </a:spcBef>
+              <a:spcAft>
+                <a:spcPts val="1000"/>
+              </a:spcAft>
+              <a:buFont typeface="Symbol"/>
+              <a:buChar char="-"/>
+              <a:defRPr sz="2000" kern="1200">
+                <a:solidFill>
+                  <a:schemeClr val="bg1"/>
+                </a:solidFill>
+                <a:latin typeface="Calibri Light"/>
+                <a:ea typeface="+mn-ea"/>
+                <a:cs typeface="+mn-cs"/>
+              </a:defRPr>
+            </a:lvl2pPr>
+            <a:lvl3pPr marL="1080764" indent="-177748" algn="l" defTabSz="914127" rtl="0" eaLnBrk="1" latinLnBrk="0" hangingPunct="1">
+              <a:lnSpc>
+                <a:spcPct val="90000"/>
+              </a:lnSpc>
+              <a:spcBef>
+                <a:spcPts val="0"/>
+              </a:spcBef>
+              <a:spcAft>
+                <a:spcPts val="1000"/>
+              </a:spcAft>
+              <a:buFont typeface="Symbol"/>
+              <a:buChar char="-"/>
+              <a:defRPr sz="1900" kern="1200">
+                <a:solidFill>
+                  <a:schemeClr val="bg1"/>
+                </a:solidFill>
+                <a:latin typeface="Calibri Light"/>
+                <a:ea typeface="+mn-ea"/>
+                <a:cs typeface="+mn-cs"/>
+              </a:defRPr>
+            </a:lvl3pPr>
+            <a:lvl4pPr marL="1436256" indent="-177748" algn="l" defTabSz="914127" rtl="0" eaLnBrk="1" latinLnBrk="0" hangingPunct="1">
+              <a:lnSpc>
+                <a:spcPct val="90000"/>
+              </a:lnSpc>
+              <a:spcBef>
+                <a:spcPts val="0"/>
+              </a:spcBef>
+              <a:spcAft>
+                <a:spcPts val="1000"/>
+              </a:spcAft>
+              <a:buFont typeface="Symbol"/>
+              <a:buChar char="-"/>
+              <a:defRPr sz="1600" kern="1200">
+                <a:solidFill>
+                  <a:schemeClr val="bg1"/>
+                </a:solidFill>
+                <a:latin typeface="Calibri Light"/>
+                <a:ea typeface="+mn-ea"/>
+                <a:cs typeface="+mn-cs"/>
+              </a:defRPr>
+            </a:lvl4pPr>
+            <a:lvl5pPr marL="1793335" indent="-179335" algn="l" defTabSz="914127" rtl="0" eaLnBrk="1" latinLnBrk="0" hangingPunct="1">
+              <a:lnSpc>
+                <a:spcPct val="90000"/>
+              </a:lnSpc>
+              <a:spcBef>
+                <a:spcPts val="0"/>
+              </a:spcBef>
+              <a:spcAft>
+                <a:spcPts val="1000"/>
+              </a:spcAft>
+              <a:buFont typeface="Symbol"/>
+              <a:buChar char="-"/>
+              <a:defRPr sz="1600" kern="1200">
+                <a:solidFill>
+                  <a:schemeClr val="bg1"/>
+                </a:solidFill>
+                <a:latin typeface="Calibri Light"/>
+                <a:ea typeface="+mn-ea"/>
+                <a:cs typeface="+mn-cs"/>
+              </a:defRPr>
+            </a:lvl5pPr>
+            <a:lvl6pPr marL="2513847" indent="-228532" algn="l" defTabSz="914127" rtl="0" eaLnBrk="1" latinLnBrk="0" hangingPunct="1">
+              <a:spcBef>
+                <a:spcPct val="20000"/>
+              </a:spcBef>
+              <a:buFont typeface="Arial"/>
+              <a:buChar char="•"/>
+              <a:defRPr sz="2000" kern="1200">
+                <a:solidFill>
+                  <a:schemeClr val="tx1"/>
+                </a:solidFill>
+                <a:latin typeface="+mn-lt"/>
+                <a:ea typeface="+mn-ea"/>
+                <a:cs typeface="+mn-cs"/>
+              </a:defRPr>
+            </a:lvl6pPr>
+            <a:lvl7pPr marL="2970910" indent="-228532" algn="l" defTabSz="914127" rtl="0" eaLnBrk="1" latinLnBrk="0" hangingPunct="1">
+              <a:spcBef>
+                <a:spcPct val="20000"/>
+              </a:spcBef>
+              <a:buFont typeface="Arial"/>
+              <a:buChar char="•"/>
+              <a:defRPr sz="2000" kern="1200">
+                <a:solidFill>
+                  <a:schemeClr val="tx1"/>
+                </a:solidFill>
+                <a:latin typeface="+mn-lt"/>
+                <a:ea typeface="+mn-ea"/>
+                <a:cs typeface="+mn-cs"/>
+              </a:defRPr>
+            </a:lvl7pPr>
+            <a:lvl8pPr marL="3427972" indent="-228532" algn="l" defTabSz="914127" rtl="0" eaLnBrk="1" latinLnBrk="0" hangingPunct="1">
+              <a:spcBef>
+                <a:spcPct val="20000"/>
+              </a:spcBef>
+              <a:buFont typeface="Arial"/>
+              <a:buChar char="•"/>
+              <a:defRPr sz="2000" kern="1200">
+                <a:solidFill>
+                  <a:schemeClr val="tx1"/>
+                </a:solidFill>
+                <a:latin typeface="+mn-lt"/>
+                <a:ea typeface="+mn-ea"/>
+                <a:cs typeface="+mn-cs"/>
+              </a:defRPr>
+            </a:lvl8pPr>
+            <a:lvl9pPr marL="3885034" indent="-228532" algn="l" defTabSz="914127" rtl="0" eaLnBrk="1" latinLnBrk="0" hangingPunct="1">
+              <a:spcBef>
+                <a:spcPct val="20000"/>
+              </a:spcBef>
+              <a:buFont typeface="Arial"/>
+              <a:buChar char="•"/>
+              <a:defRPr sz="2000" kern="1200">
+                <a:solidFill>
+                  <a:schemeClr val="tx1"/>
+                </a:solidFill>
+                <a:latin typeface="+mn-lt"/>
+                <a:ea typeface="+mn-ea"/>
+                <a:cs typeface="+mn-cs"/>
+              </a:defRPr>
+            </a:lvl9pPr>
+          </a:lstStyle>
+          <a:p>
+            <a:pPr marL="0" indent="0">
+              <a:lnSpc>
+                <a:spcPct val="150000"/>
+              </a:lnSpc>
+              <a:buNone/>
+              <a:defRPr lang="ko-KR" altLang="en-US"/>
+            </a:pPr>
+            <a:r>
+              <a:rPr lang="en-US" altLang="ko-KR" sz="1400" b="1">
+                <a:latin typeface="+mj-lt"/>
+              </a:rPr>
+              <a:t>Dat.GUI.js  #03</a:t>
+            </a:r>
+            <a:r>
+              <a:rPr lang="en-US" sz="1400" b="1">
+                <a:latin typeface="+mj-lt"/>
+              </a:rPr>
+              <a:t/>
+            </a:r>
+            <a:br>
+              <a:rPr lang="en-US" sz="1400" b="1">
+                <a:latin typeface="+mj-lt"/>
+              </a:rPr>
+            </a:br>
+            <a:r>
+              <a:rPr lang="ko-KR" altLang="en-US" sz="1000">
+                <a:latin typeface="+mj-lt"/>
+              </a:rPr>
+              <a:t> 각종 조작이 가능한 제어판을 제공하는 자바스크립트 라이브러리</a:t>
+            </a:r>
+            <a:endParaRPr lang="en-US" sz="1050">
+              <a:latin typeface="+mj-lt"/>
+            </a:endParaRPr>
+          </a:p>
+        </p:txBody>
+      </p:sp>
+      <p:pic>
+        <p:nvPicPr>
+          <p:cNvPr id="3078" name="Picture 6"/>
+          <p:cNvPicPr>
+            <a:picLocks noChangeAspect="1" noChangeArrowheads="1"/>
+          </p:cNvPicPr>
+          <p:nvPr/>
+        </p:nvPicPr>
+        <p:blipFill rotWithShape="1">
+          <a:blip r:embed="rId2"/>
+          <a:srcRect/>
+          <a:stretch>
+            <a:fillRect/>
+          </a:stretch>
+        </p:blipFill>
+        <p:spPr>
+          <a:xfrm>
+            <a:off x="3057218" y="1236032"/>
+            <a:ext cx="3009900" cy="1514475"/>
+          </a:xfrm>
+          <a:prstGeom prst="rect">
+            <a:avLst/>
+          </a:prstGeom>
+          <a:noFill/>
+          <a:ln>
+            <a:noFill/>
+          </a:ln>
+        </p:spPr>
+      </p:pic>
+      <p:pic>
+        <p:nvPicPr>
+          <p:cNvPr id="2050" name="Picture 2"/>
+          <p:cNvPicPr>
+            <a:picLocks noChangeAspect="1" noChangeArrowheads="1"/>
+          </p:cNvPicPr>
+          <p:nvPr/>
+        </p:nvPicPr>
+        <p:blipFill rotWithShape="1">
+          <a:blip r:embed="rId3"/>
+          <a:srcRect/>
+          <a:stretch>
+            <a:fillRect/>
+          </a:stretch>
+        </p:blipFill>
+        <p:spPr>
+          <a:xfrm>
+            <a:off x="312014" y="1719426"/>
+            <a:ext cx="1997540" cy="566123"/>
+          </a:xfrm>
+          <a:prstGeom prst="rect">
+            <a:avLst/>
+          </a:prstGeom>
+          <a:noFill/>
+          <a:ln>
+            <a:noFill/>
+          </a:ln>
+          <a:effectLst/>
+        </p:spPr>
+      </p:pic>
+      <p:pic>
+        <p:nvPicPr>
+          <p:cNvPr id="14" name="Picture 3"/>
+          <p:cNvPicPr>
+            <a:picLocks noChangeAspect="1" noChangeArrowheads="1"/>
+          </p:cNvPicPr>
+          <p:nvPr/>
+        </p:nvPicPr>
+        <p:blipFill rotWithShape="1">
+          <a:blip r:embed="rId4"/>
+          <a:srcRect l="5430" t="31090" r="55900" b="37640"/>
+          <a:stretch>
+            <a:fillRect/>
+          </a:stretch>
+        </p:blipFill>
+        <p:spPr>
+          <a:xfrm>
+            <a:off x="6657341" y="1640757"/>
+            <a:ext cx="2126937" cy="705024"/>
+          </a:xfrm>
+          <a:prstGeom prst="rect">
+            <a:avLst/>
+          </a:prstGeom>
+          <a:noFill/>
+          <a:ln>
+            <a:noFill/>
+          </a:ln>
+        </p:spPr>
+      </p:pic>
+    </p:spTree>
+  </p:cSld>
+  <p:clrMapOvr>
+    <a:masterClrMapping/>
+  </p:clrMapOvr>
+  <mc:AlternateContent xmlns:mc="http://schemas.openxmlformats.org/markup-compatibility/2006" xmlns:p14="http://schemas.microsoft.com/office/powerpoint/2010/main">
+    <mc:Choice Requires="p14">
+      <p:transition spd="med" p14:dur="700">
+        <p:fade/>
+      </p:transition>
+    </mc:Choice>
+    <mc:Fallback xmlns="">
+      <p:transition spd="med">
+        <p:fade/>
+      </p:transition>
+    </mc:Fallback>
+  </mc:AlternateContent>
+  <p:timing>
+    <p:tnLst>
+      <p:par>
+        <p:cTn id="1" dur="indefinite" restart="never" nodeType="tmRoot">
+          <p:childTnLst>
+            <p:seq concurrent="1" nextAc="seek">
+              <p:cTn id="2" dur="indefinite" nodeType="mainSeq">
+                <p:childTnLst>
+                  <p:par>
+                    <p:cTn id="3" fill="hold">
+                      <p:stCondLst>
+                        <p:cond delay="0"/>
+                      </p:stCondLst>
+                      <p:childTnLst>
+                        <p:par>
+                          <p:cTn id="4" fill="hold">
+                            <p:stCondLst>
+                              <p:cond delay="0"/>
+                            </p:stCondLst>
+                            <p:childTnLst>
+                              <p:par>
+                                <p:cTn id="5" presetID="22" presetClass="entr" presetSubtype="8" fill="hold" grpId="0" nodeType="withEffect">
+                                  <p:stCondLst>
+                                    <p:cond delay="0"/>
+                                  </p:stCondLst>
+                                  <p:iterate>
+                                    <p:tmPct val="10000"/>
+                                  </p:iterate>
+                                  <p:childTnLst>
+                                    <p:set>
+                                      <p:cBhvr>
+                                        <p:cTn id="6" dur="1" fill="hold">
+                                          <p:stCondLst>
+                                            <p:cond delay="0"/>
+                                          </p:stCondLst>
+                                        </p:cTn>
+                                        <p:tgtEl>
+                                          <p:spTgt spid="9"/>
+                                        </p:tgtEl>
+                                        <p:attrNameLst>
+                                          <p:attrName>style.visibility</p:attrName>
+                                        </p:attrNameLst>
+                                      </p:cBhvr>
+                                      <p:to>
+                                        <p:strVal val="visible"/>
+                                      </p:to>
+                                    </p:set>
+                                    <p:animEffect transition="in" filter="wipe(left)">
+                                      <p:cBhvr>
+                                        <p:cTn id="7" dur="500" fill="hold">
+                                          <p:stCondLst>
+                                            <p:cond delay="0"/>
+                                          </p:stCondLst>
+                                        </p:cTn>
+                                        <p:tgtEl>
+                                          <p:spTgt spid="9"/>
+                                        </p:tgtEl>
+                                      </p:cBhvr>
+                                    </p:animEffect>
+                                  </p:childTnLst>
+                                </p:cTn>
+                              </p:par>
+                              <p:par>
+                                <p:cTn id="8" presetID="22" presetClass="entr" presetSubtype="8" fill="hold" grpId="0" nodeType="withEffect">
+                                  <p:stCondLst>
+                                    <p:cond delay="0"/>
+                                  </p:stCondLst>
+                                  <p:iterate>
+                                    <p:tmPct val="10000"/>
+                                  </p:iterate>
+                                  <p:childTnLst>
+                                    <p:set>
+                                      <p:cBhvr>
+                                        <p:cTn id="9" dur="1" fill="hold">
+                                          <p:stCondLst>
+                                            <p:cond delay="0"/>
+                                          </p:stCondLst>
+                                        </p:cTn>
+                                        <p:tgtEl>
+                                          <p:spTgt spid="10"/>
+                                        </p:tgtEl>
+                                        <p:attrNameLst>
+                                          <p:attrName>style.visibility</p:attrName>
+                                        </p:attrNameLst>
+                                      </p:cBhvr>
+                                      <p:to>
+                                        <p:strVal val="visible"/>
+                                      </p:to>
+                                    </p:set>
+                                    <p:animEffect transition="in" filter="wipe(left)">
+                                      <p:cBhvr>
+                                        <p:cTn id="10" dur="500" fill="hold">
+                                          <p:stCondLst>
+                                            <p:cond delay="0"/>
+                                          </p:stCondLst>
+                                        </p:cTn>
+                                        <p:tgtEl>
+                                          <p:spTgt spid="10"/>
+                                        </p:tgtEl>
+                                      </p:cBhvr>
+                                    </p:animEffect>
+                                  </p:childTnLst>
+                                </p:cTn>
+                              </p:par>
+                              <p:par>
+                                <p:cTn id="11" presetID="22" presetClass="entr" presetSubtype="8" fill="hold" grpId="0" nodeType="withEffect">
+                                  <p:stCondLst>
+                                    <p:cond delay="0"/>
+                                  </p:stCondLst>
+                                  <p:iterate>
+                                    <p:tmPct val="10000"/>
+                                  </p:iterate>
+                                  <p:childTnLst>
+                                    <p:set>
+                                      <p:cBhvr>
+                                        <p:cTn id="12" dur="1" fill="hold">
+                                          <p:stCondLst>
+                                            <p:cond delay="0"/>
+                                          </p:stCondLst>
+                                        </p:cTn>
+                                        <p:tgtEl>
+                                          <p:spTgt spid="11"/>
+                                        </p:tgtEl>
+                                        <p:attrNameLst>
+                                          <p:attrName>style.visibility</p:attrName>
+                                        </p:attrNameLst>
+                                      </p:cBhvr>
+                                      <p:to>
+                                        <p:strVal val="visible"/>
+                                      </p:to>
+                                    </p:set>
+                                    <p:animEffect transition="in" filter="wipe(left)">
+                                      <p:cBhvr>
+                                        <p:cTn id="13" dur="500" fill="hold">
+                                          <p:stCondLst>
+                                            <p:cond delay="0"/>
+                                          </p:stCondLst>
+                                        </p:cTn>
+                                        <p:tgtEl>
+                                          <p:spTgt spid="11"/>
+                                        </p:tgtEl>
+                                      </p:cBhvr>
+                                    </p:animEffect>
+                                  </p:childTnLst>
+                                </p:cTn>
+                              </p:par>
+                            </p:childTnLst>
+                          </p:cTn>
+                        </p:par>
+                      </p:childTnLst>
+                    </p:cTn>
+                  </p:par>
+                </p:childTnLst>
+              </p:cTn>
+              <p:prevCondLst>
+                <p:cond evt="onPrev" delay="0">
+                  <p:tgtEl>
+                    <p:sldTgt/>
+                  </p:tgtEl>
+                </p:cond>
+              </p:prevCondLst>
+              <p:nextCondLst>
+                <p:cond evt="onNext" delay="0">
+                  <p:tgtEl>
+                    <p:sldTgt/>
+                  </p:tgtEl>
+                </p:cond>
+              </p:nextCondLst>
+            </p:seq>
+          </p:childTnLst>
+        </p:cTn>
+      </p:par>
+    </p:tnLst>
+    <p:bldLst>
+      <p:bldP spid="9" grpId="0" autoUpdateAnimBg="0"/>
+      <p:bldP spid="10" grpId="0" autoUpdateAnimBg="0"/>
+      <p:bldP spid="11" grpId="0" autoUpdateAnimBg="0"/>
+    </p:bldLst>
+  </p:timing>
+</p:sld>
+</file>
+
+<file path=ppt/slides/slide8.xml><?xml version="1.0" encoding="utf-8"?>
+<p:sld xmlns:a="http://schemas.openxmlformats.org/drawingml/2006/main" xmlns:r="http://schemas.openxmlformats.org/officeDocument/2006/relationships" xmlns:p="http://schemas.openxmlformats.org/presentationml/2006/main">
+  <p:cSld>
+    <p:spTree>
+      <p:nvGrpSpPr>
+        <p:cNvPr id="1" name=""/>
+        <p:cNvGrpSpPr/>
+        <p:nvPr/>
+      </p:nvGrpSpPr>
+      <p:grpSpPr>
+        <a:xfrm>
+          <a:off x="0" y="0"/>
+          <a:ext cx="0" cy="0"/>
+          <a:chOff x="0" y="0"/>
+          <a:chExt cx="0" cy="0"/>
+        </a:xfrm>
+      </p:grpSpPr>
+      <p:sp>
+        <p:nvSpPr>
+          <p:cNvPr id="2" name="Title 1"/>
+          <p:cNvSpPr>
+            <a:spLocks noGrp="1"/>
+          </p:cNvSpPr>
+          <p:nvPr>
+            <p:ph type="title"/>
+          </p:nvPr>
+        </p:nvSpPr>
+        <p:spPr/>
+        <p:txBody>
+          <a:bodyPr/>
+          <a:lstStyle/>
+          <a:p>
+            <a:pPr lvl="0">
+              <a:defRPr lang="ko-KR" altLang="en-US"/>
+            </a:pPr>
+            <a:r>
+              <a:rPr lang="en-US" dirty="0" err="1"/>
+              <a:t>WebAR</a:t>
+            </a:r>
+            <a:r>
+              <a:rPr lang="ko-KR" altLang="en-US" dirty="0"/>
+              <a:t> 인테리어 </a:t>
+            </a:r>
+            <a:r>
+              <a:rPr lang="en-US" altLang="ko-KR" dirty="0"/>
+              <a:t>-</a:t>
+            </a:r>
+            <a:r>
+              <a:rPr lang="ko-KR" altLang="en-US" dirty="0"/>
+              <a:t> 기능</a:t>
+            </a:r>
+            <a:endParaRPr lang="en-US" dirty="0"/>
+          </a:p>
+        </p:txBody>
+      </p:sp>
+      <p:sp>
+        <p:nvSpPr>
+          <p:cNvPr id="6" name="Rectangle 5"/>
+          <p:cNvSpPr/>
+          <p:nvPr/>
+        </p:nvSpPr>
+        <p:spPr>
+          <a:xfrm>
+            <a:off x="0" y="3579862"/>
+            <a:ext cx="9144000" cy="1563638"/>
+          </a:xfrm>
+          <a:prstGeom prst="rect">
+            <a:avLst/>
+          </a:prstGeom>
+          <a:solidFill>
+            <a:srgbClr val="3F4C55"/>
+          </a:solidFill>
+          <a:ln w="9525">
+            <a:noFill/>
+            <a:round/>
+          </a:ln>
+        </p:spPr>
+        <p:txBody>
+          <a:bodyPr vert="horz" wrap="square" lIns="91440" tIns="45720" rIns="91440" bIns="45720" anchor="ctr" anchorCtr="0"/>
+          <a:lstStyle/>
+          <a:p>
+            <a:pPr algn="ctr">
+              <a:defRPr lang="ko-KR" altLang="en-US"/>
+            </a:pPr>
+            <a:endParaRPr lang="en-US">
+              <a:solidFill>
+                <a:schemeClr val="bg1"/>
+              </a:solidFill>
+              <a:latin typeface="+mn-lt"/>
+              <a:ea typeface="+mn-ea"/>
+              <a:cs typeface="+mn-cs"/>
+            </a:endParaRPr>
+          </a:p>
+        </p:txBody>
+      </p:sp>
+      <p:sp>
+        <p:nvSpPr>
+          <p:cNvPr id="67" name="Inhaltsplatzhalter 4"/>
+          <p:cNvSpPr txBox="1"/>
+          <p:nvPr/>
+        </p:nvSpPr>
+        <p:spPr>
+          <a:xfrm>
+            <a:off x="1331640" y="3881476"/>
+            <a:ext cx="2448272" cy="969496"/>
+          </a:xfrm>
+          <a:prstGeom prst="rect">
+            <a:avLst/>
+          </a:prstGeom>
+        </p:spPr>
+        <p:txBody>
+          <a:bodyPr wrap="square" lIns="0" tIns="0" rIns="0" bIns="0" anchor="ctr">
+            <a:spAutoFit/>
+          </a:bodyPr>
+          <a:lstStyle>
+            <a:lvl1pPr marL="272967" indent="-272967" algn="l" defTabSz="914127" rtl="0" eaLnBrk="1" latinLnBrk="0" hangingPunct="1">
+              <a:lnSpc>
+                <a:spcPct val="90000"/>
+              </a:lnSpc>
+              <a:spcBef>
+                <a:spcPts val="0"/>
+              </a:spcBef>
+              <a:spcAft>
+                <a:spcPts val="1000"/>
+              </a:spcAft>
+              <a:buFont typeface="Wingdings"/>
+              <a:buChar char="§"/>
+              <a:defRPr sz="2300" kern="1200">
+                <a:solidFill>
+                  <a:schemeClr val="bg1"/>
+                </a:solidFill>
+                <a:latin typeface="Calibri Light"/>
+                <a:ea typeface="+mn-ea"/>
+                <a:cs typeface="+mn-cs"/>
+              </a:defRPr>
+            </a:lvl1pPr>
+            <a:lvl2pPr marL="807798" indent="-272967" algn="l" defTabSz="914127" rtl="0" eaLnBrk="1" latinLnBrk="0" hangingPunct="1">
+              <a:lnSpc>
+                <a:spcPct val="90000"/>
+              </a:lnSpc>
+              <a:spcBef>
+                <a:spcPts val="0"/>
+              </a:spcBef>
+              <a:spcAft>
+                <a:spcPts val="1000"/>
+              </a:spcAft>
+              <a:buFont typeface="Symbol"/>
+              <a:buChar char="-"/>
+              <a:defRPr sz="2000" kern="1200">
+                <a:solidFill>
+                  <a:schemeClr val="bg1"/>
+                </a:solidFill>
+                <a:latin typeface="Calibri Light"/>
+                <a:ea typeface="+mn-ea"/>
+                <a:cs typeface="+mn-cs"/>
+              </a:defRPr>
+            </a:lvl2pPr>
+            <a:lvl3pPr marL="1080764" indent="-177748" algn="l" defTabSz="914127" rtl="0" eaLnBrk="1" latinLnBrk="0" hangingPunct="1">
+              <a:lnSpc>
+                <a:spcPct val="90000"/>
+              </a:lnSpc>
+              <a:spcBef>
+                <a:spcPts val="0"/>
+              </a:spcBef>
+              <a:spcAft>
+                <a:spcPts val="1000"/>
+              </a:spcAft>
+              <a:buFont typeface="Symbol"/>
+              <a:buChar char="-"/>
+              <a:defRPr sz="1900" kern="1200">
+                <a:solidFill>
+                  <a:schemeClr val="bg1"/>
+                </a:solidFill>
+                <a:latin typeface="Calibri Light"/>
+                <a:ea typeface="+mn-ea"/>
+                <a:cs typeface="+mn-cs"/>
+              </a:defRPr>
+            </a:lvl3pPr>
+            <a:lvl4pPr marL="1436256" indent="-177748" algn="l" defTabSz="914127" rtl="0" eaLnBrk="1" latinLnBrk="0" hangingPunct="1">
+              <a:lnSpc>
+                <a:spcPct val="90000"/>
+              </a:lnSpc>
+              <a:spcBef>
+                <a:spcPts val="0"/>
+              </a:spcBef>
+              <a:spcAft>
+                <a:spcPts val="1000"/>
+              </a:spcAft>
+              <a:buFont typeface="Symbol"/>
+              <a:buChar char="-"/>
+              <a:defRPr sz="1600" kern="1200">
+                <a:solidFill>
+                  <a:schemeClr val="bg1"/>
+                </a:solidFill>
+                <a:latin typeface="Calibri Light"/>
+                <a:ea typeface="+mn-ea"/>
+                <a:cs typeface="+mn-cs"/>
+              </a:defRPr>
+            </a:lvl4pPr>
+            <a:lvl5pPr marL="1793335" indent="-179335" algn="l" defTabSz="914127" rtl="0" eaLnBrk="1" latinLnBrk="0" hangingPunct="1">
+              <a:lnSpc>
+                <a:spcPct val="90000"/>
+              </a:lnSpc>
+              <a:spcBef>
+                <a:spcPts val="0"/>
+              </a:spcBef>
+              <a:spcAft>
+                <a:spcPts val="1000"/>
+              </a:spcAft>
+              <a:buFont typeface="Symbol"/>
+              <a:buChar char="-"/>
+              <a:defRPr sz="1600" kern="1200">
+                <a:solidFill>
+                  <a:schemeClr val="bg1"/>
+                </a:solidFill>
+                <a:latin typeface="Calibri Light"/>
+                <a:ea typeface="+mn-ea"/>
+                <a:cs typeface="+mn-cs"/>
+              </a:defRPr>
+            </a:lvl5pPr>
+            <a:lvl6pPr marL="2513847" indent="-228532" algn="l" defTabSz="914127" rtl="0" eaLnBrk="1" latinLnBrk="0" hangingPunct="1">
+              <a:spcBef>
+                <a:spcPct val="20000"/>
+              </a:spcBef>
+              <a:buFont typeface="Arial"/>
+              <a:buChar char="•"/>
+              <a:defRPr sz="2000" kern="1200">
+                <a:solidFill>
+                  <a:schemeClr val="tx1"/>
+                </a:solidFill>
+                <a:latin typeface="+mn-lt"/>
+                <a:ea typeface="+mn-ea"/>
+                <a:cs typeface="+mn-cs"/>
+              </a:defRPr>
+            </a:lvl6pPr>
+            <a:lvl7pPr marL="2970910" indent="-228532" algn="l" defTabSz="914127" rtl="0" eaLnBrk="1" latinLnBrk="0" hangingPunct="1">
+              <a:spcBef>
+                <a:spcPct val="20000"/>
+              </a:spcBef>
+              <a:buFont typeface="Arial"/>
+              <a:buChar char="•"/>
+              <a:defRPr sz="2000" kern="1200">
+                <a:solidFill>
+                  <a:schemeClr val="tx1"/>
+                </a:solidFill>
+                <a:latin typeface="+mn-lt"/>
+                <a:ea typeface="+mn-ea"/>
+                <a:cs typeface="+mn-cs"/>
+              </a:defRPr>
+            </a:lvl7pPr>
+            <a:lvl8pPr marL="3427972" indent="-228532" algn="l" defTabSz="914127" rtl="0" eaLnBrk="1" latinLnBrk="0" hangingPunct="1">
+              <a:spcBef>
+                <a:spcPct val="20000"/>
+              </a:spcBef>
+              <a:buFont typeface="Arial"/>
+              <a:buChar char="•"/>
+              <a:defRPr sz="2000" kern="1200">
+                <a:solidFill>
+                  <a:schemeClr val="tx1"/>
+                </a:solidFill>
+                <a:latin typeface="+mn-lt"/>
+                <a:ea typeface="+mn-ea"/>
+                <a:cs typeface="+mn-cs"/>
+              </a:defRPr>
+            </a:lvl8pPr>
+            <a:lvl9pPr marL="3885034" indent="-228532" algn="l" defTabSz="914127" rtl="0" eaLnBrk="1" latinLnBrk="0" hangingPunct="1">
+              <a:spcBef>
+                <a:spcPct val="20000"/>
+              </a:spcBef>
+              <a:buFont typeface="Arial"/>
+              <a:buChar char="•"/>
+              <a:defRPr sz="2000" kern="1200">
+                <a:solidFill>
+                  <a:schemeClr val="tx1"/>
+                </a:solidFill>
+                <a:latin typeface="+mn-lt"/>
+                <a:ea typeface="+mn-ea"/>
+                <a:cs typeface="+mn-cs"/>
+              </a:defRPr>
+            </a:lvl9pPr>
+          </a:lstStyle>
+          <a:p>
+            <a:pPr marL="0" indent="0">
+              <a:lnSpc>
+                <a:spcPct val="150000"/>
+              </a:lnSpc>
+              <a:buNone/>
+              <a:defRPr lang="ko-KR" altLang="en-US"/>
+            </a:pPr>
+            <a:r>
               <a:rPr lang="ko-KR" altLang="en-US" sz="1800" b="1" dirty="0" smtClean="0">
                 <a:latin typeface="+mj-lt"/>
               </a:rPr>
-              <a:t>바로 확인 가능 </a:t>
+              <a:t>바로 </a:t>
+            </a:r>
+            <a:r>
+              <a:rPr lang="ko-KR" altLang="en-US" sz="1800" b="1" dirty="0" smtClean="0">
+                <a:latin typeface="+mj-lt"/>
+              </a:rPr>
+              <a:t>사</a:t>
+            </a:r>
+            <a:r>
+              <a:rPr lang="ko-KR" altLang="en-US" sz="1800" b="1" dirty="0">
+                <a:latin typeface="+mj-lt"/>
+              </a:rPr>
+              <a:t>용</a:t>
+            </a:r>
+            <a:r>
+              <a:rPr lang="ko-KR" altLang="en-US" sz="1800" b="1" dirty="0" smtClean="0">
+                <a:latin typeface="+mj-lt"/>
+              </a:rPr>
+              <a:t> </a:t>
+            </a:r>
+            <a:r>
+              <a:rPr lang="ko-KR" altLang="en-US" sz="1800" b="1" dirty="0" smtClean="0">
+                <a:latin typeface="+mj-lt"/>
+              </a:rPr>
+              <a:t>가능 </a:t>
             </a:r>
             <a:r>
               <a:rPr lang="en-US" altLang="ko-KR" sz="1800" b="1" dirty="0" smtClean="0">
@@ -33687,7 +34700,7 @@
 </p:sld>
 </file>
 
-<file path=ppt/slides/slide8.xml><?xml version="1.0" encoding="utf-8"?>
+<file path=ppt/slides/slide9.xml><?xml version="1.0" encoding="utf-8"?>
 <p:sld xmlns:a="http://schemas.openxmlformats.org/drawingml/2006/main" xmlns:r="http://schemas.openxmlformats.org/officeDocument/2006/relationships" xmlns:p="http://schemas.openxmlformats.org/presentationml/2006/main">
   <p:cSld>
     <p:spTree>
@@ -33980,7 +34993,25 @@
               <a:rPr lang="ko-KR" altLang="en-US" sz="1800" b="1" dirty="0" smtClean="0">
                 <a:latin typeface="+mj-lt"/>
               </a:rPr>
-              <a:t>쉽고 정확한 이동 </a:t>
+              <a:t>쉽고 </a:t>
+            </a:r>
+            <a:r>
+              <a:rPr lang="ko-KR" altLang="en-US" sz="1800" b="1" dirty="0" smtClean="0">
+                <a:latin typeface="+mj-lt"/>
+              </a:rPr>
+              <a:t>간</a:t>
+            </a:r>
+            <a:r>
+              <a:rPr lang="ko-KR" altLang="en-US" sz="1800" b="1" dirty="0">
+                <a:latin typeface="+mj-lt"/>
+              </a:rPr>
+              <a:t>편</a:t>
+            </a:r>
+            <a:r>
+              <a:rPr lang="ko-KR" altLang="en-US" sz="1800" b="1" dirty="0" smtClean="0">
+                <a:latin typeface="+mj-lt"/>
+              </a:rPr>
+              <a:t>한 배치 </a:t>
             </a:r>
             <a:r>
               <a:rPr lang="en-US" altLang="ko-KR" sz="1800" b="1" dirty="0" smtClean="0">
@@ -34003,13 +35034,37 @@
               <a:rPr lang="en-US" altLang="ko-KR" sz="1200" dirty="0" smtClean="0">
                 <a:latin typeface="+mj-lt"/>
               </a:rPr>
-              <a:t>Hit-test API</a:t>
+              <a:t>Hit-test </a:t>
+            </a:r>
+            <a:r>
+              <a:rPr lang="en-US" altLang="ko-KR" sz="1200" dirty="0" smtClean="0">
+                <a:latin typeface="+mj-lt"/>
+              </a:rPr>
+              <a:t>API</a:t>
             </a:r>
             <a:r>
               <a:rPr lang="ko-KR" altLang="en-US" sz="1200" dirty="0" smtClean="0">
                 <a:latin typeface="+mj-lt"/>
               </a:rPr>
-              <a:t>를 사용으로 실체 사물과 비슷하게 놓고 터치만으로 쉽게 이동</a:t>
+              <a:t>를 사용해</a:t>
+            </a:r>
+            <a:r>
+              <a:rPr lang="ko-KR" altLang="en-US" sz="1200" dirty="0" smtClean="0">
+                <a:latin typeface="+mj-lt"/>
+              </a:rPr>
+              <a:t> 바닥에 사물을 놓을 수 있고 터치로 </a:t>
+            </a:r>
+            <a:r>
+              <a:rPr lang="ko-KR" altLang="en-US" sz="1200" dirty="0" smtClean="0">
+                <a:latin typeface="+mj-lt"/>
+              </a:rPr>
+              <a:t>쉽게 </a:t>
+            </a:r>
+            <a:r>
+              <a:rPr lang="ko-KR" altLang="en-US" sz="1200" dirty="0" smtClean="0">
+                <a:latin typeface="+mj-lt"/>
+              </a:rPr>
+              <a:t>이동가능</a:t>
             </a:r>
             <a:endParaRPr lang="en-US" sz="1400" dirty="0">
               <a:latin typeface="+mj-lt"/>
@@ -34215,7 +35270,19 @@
               <a:rPr lang="ko-KR" altLang="en-US" sz="1800" b="1" dirty="0" smtClean="0">
                 <a:latin typeface="+mj-lt"/>
               </a:rPr>
-              <a:t>편하고 정확함 </a:t>
+              <a:t>정</a:t>
+            </a:r>
+            <a:r>
+              <a:rPr lang="ko-KR" altLang="en-US" sz="1800" b="1" dirty="0">
+                <a:latin typeface="+mj-lt"/>
+              </a:rPr>
+              <a:t>확</a:t>
+            </a:r>
+            <a:r>
+              <a:rPr lang="ko-KR" altLang="en-US" sz="1800" b="1" dirty="0" smtClean="0">
+                <a:latin typeface="+mj-lt"/>
+              </a:rPr>
+              <a:t>한 길이 측정 </a:t>
             </a:r>
             <a:r>
               <a:rPr lang="en-US" sz="1800" b="1" dirty="0" smtClean="0">
@@ -34238,7 +35305,25 @@
               <a:rPr lang="ko-KR" altLang="en-US" sz="1200" dirty="0" smtClean="0">
                 <a:latin typeface="+mj-lt"/>
               </a:rPr>
-              <a:t>거리측정 기능을 제공해</a:t>
+              <a:t>길</a:t>
+            </a:r>
+            <a:r>
+              <a:rPr lang="ko-KR" altLang="en-US" sz="1200" dirty="0">
+                <a:latin typeface="+mj-lt"/>
+              </a:rPr>
+              <a:t>이</a:t>
+            </a:r>
+            <a:r>
+              <a:rPr lang="ko-KR" altLang="en-US" sz="1200" dirty="0" smtClean="0">
+                <a:latin typeface="+mj-lt"/>
+              </a:rPr>
+              <a:t>측정 </a:t>
+            </a:r>
+            <a:r>
+              <a:rPr lang="ko-KR" altLang="en-US" sz="1200" dirty="0" smtClean="0">
+                <a:latin typeface="+mj-lt"/>
+              </a:rPr>
+              <a:t>기능을 제공해</a:t>
             </a:r>
             <a:r>
               <a:rPr lang="en-US" altLang="ko-KR" sz="1200" dirty="0" smtClean="0">
@@ -34262,750 +35347,6 @@
     <p:extLst>
       <p:ext uri="{BB962C8B-B14F-4D97-AF65-F5344CB8AC3E}">
         <p14:creationId xmlns:p14="http://schemas.microsoft.com/office/powerpoint/2010/main" val="4029614632"/>
-      </p:ext>
-    </p:extLst>
-  </p:cSld>
-  <p:clrMapOvr>
-    <a:masterClrMapping/>
-  </p:clrMapOvr>
-  <p:transition spd="med">
-    <p:fade/>
-  </p:transition>
-  <p:timing>
-    <p:tnLst>
-      <p:par>
-        <p:cTn id="1" dur="indefinite" restart="never" nodeType="tmRoot">
-          <p:childTnLst>
-            <p:seq concurrent="1" nextAc="seek">
-              <p:cTn id="2" dur="indefinite" nodeType="mainSeq">
-                <p:childTnLst>
-                  <p:par>
-                    <p:cTn id="3" fill="hold">
-                      <p:stCondLst>
-                        <p:cond delay="indefinite"/>
-                        <p:cond evt="onBegin" delay="0">
-                          <p:tn val="2"/>
-                        </p:cond>
-                      </p:stCondLst>
-                      <p:childTnLst>
-                        <p:par>
-                          <p:cTn id="4" fill="hold">
-                            <p:stCondLst>
-                              <p:cond delay="0"/>
-                            </p:stCondLst>
-                            <p:childTnLst>
-                              <p:par>
-                                <p:cTn id="5" presetID="22" presetClass="entr" presetSubtype="8" fill="hold" grpId="0" nodeType="withEffect">
-                                  <p:stCondLst>
-                                    <p:cond delay="0"/>
-                                  </p:stCondLst>
-                                  <p:iterate>
-                                    <p:tmPct val="10000"/>
-                                  </p:iterate>
-                                  <p:childTnLst>
-                                    <p:set>
-                                      <p:cBhvr>
-                                        <p:cTn id="6" dur="1" fill="hold">
-                                          <p:stCondLst>
-                                            <p:cond delay="0"/>
-                                          </p:stCondLst>
-                                        </p:cTn>
-                                        <p:tgtEl>
-                                          <p:spTgt spid="12"/>
-                                        </p:tgtEl>
-                                        <p:attrNameLst>
-                                          <p:attrName>style.visibility</p:attrName>
-                                        </p:attrNameLst>
-                                      </p:cBhvr>
-                                      <p:to>
-                                        <p:strVal val="visible"/>
-                                      </p:to>
-                                    </p:set>
-                                    <p:animEffect transition="in" filter="wipe(left)">
-                                      <p:cBhvr>
-                                        <p:cTn id="7" dur="500" fill="hold">
-                                          <p:stCondLst>
-                                            <p:cond delay="0"/>
-                                          </p:stCondLst>
-                                        </p:cTn>
-                                        <p:tgtEl>
-                                          <p:spTgt spid="12"/>
-                                        </p:tgtEl>
-                                      </p:cBhvr>
-                                    </p:animEffect>
-                                  </p:childTnLst>
-                                </p:cTn>
-                              </p:par>
-                              <p:par>
-                                <p:cTn id="8" presetID="22" presetClass="entr" presetSubtype="8" fill="hold" grpId="0" nodeType="withEffect">
-                                  <p:stCondLst>
-                                    <p:cond delay="0"/>
-                                  </p:stCondLst>
-                                  <p:iterate>
-                                    <p:tmPct val="10000"/>
-                                  </p:iterate>
-                                  <p:childTnLst>
-                                    <p:set>
-                                      <p:cBhvr>
-                                        <p:cTn id="9" dur="1" fill="hold">
-                                          <p:stCondLst>
-                                            <p:cond delay="0"/>
-                                          </p:stCondLst>
-                                        </p:cTn>
-                                        <p:tgtEl>
-                                          <p:spTgt spid="13"/>
-                                        </p:tgtEl>
-                                        <p:attrNameLst>
-                                          <p:attrName>style.visibility</p:attrName>
-                                        </p:attrNameLst>
-                                      </p:cBhvr>
-                                      <p:to>
-                                        <p:strVal val="visible"/>
-                                      </p:to>
-                                    </p:set>
-                                    <p:animEffect transition="in" filter="wipe(left)">
-                                      <p:cBhvr>
-                                        <p:cTn id="10" dur="500" fill="hold">
-                                          <p:stCondLst>
-                                            <p:cond delay="0"/>
-                                          </p:stCondLst>
-                                        </p:cTn>
-                                        <p:tgtEl>
-                                          <p:spTgt spid="13"/>
-                                        </p:tgtEl>
-                                      </p:cBhvr>
-                                    </p:animEffect>
-                                  </p:childTnLst>
-                                </p:cTn>
-                              </p:par>
-                            </p:childTnLst>
-                          </p:cTn>
-                        </p:par>
-                      </p:childTnLst>
-                    </p:cTn>
-                  </p:par>
-                </p:childTnLst>
-              </p:cTn>
-              <p:prevCondLst>
-                <p:cond evt="onPrev" delay="0">
-                  <p:tgtEl>
-                    <p:sldTgt/>
-                  </p:tgtEl>
-                </p:cond>
-              </p:prevCondLst>
-              <p:nextCondLst>
-                <p:cond evt="onNext" delay="0">
-                  <p:tgtEl>
-                    <p:sldTgt/>
-                  </p:tgtEl>
-                </p:cond>
-              </p:nextCondLst>
-            </p:seq>
-          </p:childTnLst>
-        </p:cTn>
-      </p:par>
-    </p:tnLst>
-    <p:bldLst>
-      <p:bldP spid="12" grpId="0" autoUpdateAnimBg="0"/>
-      <p:bldP spid="13" grpId="0" autoUpdateAnimBg="0"/>
-    </p:bldLst>
-  </p:timing>
-</p:sld>
-</file>
-
-<file path=ppt/slides/slide9.xml><?xml version="1.0" encoding="utf-8"?>
-<p:sld xmlns:a="http://schemas.openxmlformats.org/drawingml/2006/main" xmlns:r="http://schemas.openxmlformats.org/officeDocument/2006/relationships" xmlns:p="http://schemas.openxmlformats.org/presentationml/2006/main">
-  <p:cSld>
-    <p:spTree>
-      <p:nvGrpSpPr>
-        <p:cNvPr id="1" name=""/>
-        <p:cNvGrpSpPr/>
-        <p:nvPr/>
-      </p:nvGrpSpPr>
-      <p:grpSpPr>
-        <a:xfrm>
-          <a:off x="0" y="0"/>
-          <a:ext cx="0" cy="0"/>
-          <a:chOff x="0" y="0"/>
-          <a:chExt cx="0" cy="0"/>
-        </a:xfrm>
-      </p:grpSpPr>
-      <p:sp>
-        <p:nvSpPr>
-          <p:cNvPr id="9" name="Rectangle 5"/>
-          <p:cNvSpPr/>
-          <p:nvPr/>
-        </p:nvSpPr>
-        <p:spPr>
-          <a:xfrm>
-            <a:off x="-508" y="3579718"/>
-            <a:ext cx="9144000" cy="1563638"/>
-          </a:xfrm>
-          <a:prstGeom prst="rect">
-            <a:avLst/>
-          </a:prstGeom>
-          <a:solidFill>
-            <a:srgbClr val="3F4C55"/>
-          </a:solidFill>
-          <a:ln w="9525">
-            <a:noFill/>
-            <a:round/>
-          </a:ln>
-        </p:spPr>
-        <p:txBody>
-          <a:bodyPr vert="horz" wrap="square" lIns="91440" tIns="45720" rIns="91440" bIns="45720" anchor="ctr" anchorCtr="0"/>
-          <a:lstStyle/>
-          <a:p>
-            <a:pPr algn="ctr">
-              <a:defRPr lang="ko-KR" altLang="en-US"/>
-            </a:pPr>
-            <a:endParaRPr lang="en-US">
-              <a:solidFill>
-                <a:schemeClr val="bg1"/>
-              </a:solidFill>
-              <a:latin typeface="+mn-lt"/>
-              <a:ea typeface="+mn-ea"/>
-              <a:cs typeface="+mn-cs"/>
-            </a:endParaRPr>
-          </a:p>
-        </p:txBody>
-      </p:sp>
-      <p:sp>
-        <p:nvSpPr>
-          <p:cNvPr id="2" name="Title 1"/>
-          <p:cNvSpPr>
-            <a:spLocks noGrp="1"/>
-          </p:cNvSpPr>
-          <p:nvPr>
-            <p:ph type="title"/>
-          </p:nvPr>
-        </p:nvSpPr>
-        <p:spPr/>
-        <p:txBody>
-          <a:bodyPr/>
-          <a:lstStyle/>
-          <a:p>
-            <a:pPr lvl="0">
-              <a:defRPr lang="ko-KR" altLang="en-US"/>
-            </a:pPr>
-            <a:r>
-              <a:rPr lang="en-US" dirty="0" err="1"/>
-              <a:t>WebAR</a:t>
-            </a:r>
-            <a:r>
-              <a:rPr lang="ko-KR" altLang="en-US" dirty="0"/>
-              <a:t> 인테리어 </a:t>
-            </a:r>
-            <a:r>
-              <a:rPr lang="en-US" altLang="ko-KR" dirty="0"/>
-              <a:t>- </a:t>
-            </a:r>
-            <a:r>
-              <a:rPr lang="ko-KR" altLang="en-US" dirty="0"/>
-              <a:t>기능</a:t>
-            </a:r>
-            <a:endParaRPr lang="en-US" dirty="0"/>
-          </a:p>
-        </p:txBody>
-      </p:sp>
-      <p:sp>
-        <p:nvSpPr>
-          <p:cNvPr id="12" name="Inhaltsplatzhalter 4"/>
-          <p:cNvSpPr txBox="1"/>
-          <p:nvPr/>
-        </p:nvSpPr>
-        <p:spPr>
-          <a:xfrm>
-            <a:off x="1331640" y="3742977"/>
-            <a:ext cx="2412268" cy="1246495"/>
-          </a:xfrm>
-          <a:prstGeom prst="rect">
-            <a:avLst/>
-          </a:prstGeom>
-        </p:spPr>
-        <p:txBody>
-          <a:bodyPr wrap="square" lIns="0" tIns="0" rIns="0" bIns="0" anchor="ctr">
-            <a:spAutoFit/>
-          </a:bodyPr>
-          <a:lstStyle>
-            <a:lvl1pPr marL="272967" indent="-272967" algn="l" defTabSz="914127" rtl="0" eaLnBrk="1" latinLnBrk="0" hangingPunct="1">
-              <a:lnSpc>
-                <a:spcPct val="90000"/>
-              </a:lnSpc>
-              <a:spcBef>
-                <a:spcPts val="0"/>
-              </a:spcBef>
-              <a:spcAft>
-                <a:spcPts val="1000"/>
-              </a:spcAft>
-              <a:buFont typeface="Wingdings"/>
-              <a:buChar char="§"/>
-              <a:defRPr sz="2300" kern="1200">
-                <a:solidFill>
-                  <a:schemeClr val="bg1"/>
-                </a:solidFill>
-                <a:latin typeface="Calibri Light"/>
-                <a:ea typeface="+mn-ea"/>
-                <a:cs typeface="+mn-cs"/>
-              </a:defRPr>
-            </a:lvl1pPr>
-            <a:lvl2pPr marL="807798" indent="-272967" algn="l" defTabSz="914127" rtl="0" eaLnBrk="1" latinLnBrk="0" hangingPunct="1">
-              <a:lnSpc>
-                <a:spcPct val="90000"/>
-              </a:lnSpc>
-              <a:spcBef>
-                <a:spcPts val="0"/>
-              </a:spcBef>
-              <a:spcAft>
-                <a:spcPts val="1000"/>
-              </a:spcAft>
-              <a:buFont typeface="Symbol"/>
-              <a:buChar char="-"/>
-              <a:defRPr sz="2000" kern="1200">
-                <a:solidFill>
-                  <a:schemeClr val="bg1"/>
-                </a:solidFill>
-                <a:latin typeface="Calibri Light"/>
-                <a:ea typeface="+mn-ea"/>
-                <a:cs typeface="+mn-cs"/>
-              </a:defRPr>
-            </a:lvl2pPr>
-            <a:lvl3pPr marL="1080764" indent="-177748" algn="l" defTabSz="914127" rtl="0" eaLnBrk="1" latinLnBrk="0" hangingPunct="1">
-              <a:lnSpc>
-                <a:spcPct val="90000"/>
-              </a:lnSpc>
-              <a:spcBef>
-                <a:spcPts val="0"/>
-              </a:spcBef>
-              <a:spcAft>
-                <a:spcPts val="1000"/>
-              </a:spcAft>
-              <a:buFont typeface="Symbol"/>
-              <a:buChar char="-"/>
-              <a:defRPr sz="1900" kern="1200">
-                <a:solidFill>
-                  <a:schemeClr val="bg1"/>
-                </a:solidFill>
-                <a:latin typeface="Calibri Light"/>
-                <a:ea typeface="+mn-ea"/>
-                <a:cs typeface="+mn-cs"/>
-              </a:defRPr>
-            </a:lvl3pPr>
-            <a:lvl4pPr marL="1436256" indent="-177748" algn="l" defTabSz="914127" rtl="0" eaLnBrk="1" latinLnBrk="0" hangingPunct="1">
-              <a:lnSpc>
-                <a:spcPct val="90000"/>
-              </a:lnSpc>
-              <a:spcBef>
-                <a:spcPts val="0"/>
-              </a:spcBef>
-              <a:spcAft>
-                <a:spcPts val="1000"/>
-              </a:spcAft>
-              <a:buFont typeface="Symbol"/>
-              <a:buChar char="-"/>
-              <a:defRPr sz="1600" kern="1200">
-                <a:solidFill>
-                  <a:schemeClr val="bg1"/>
-                </a:solidFill>
-                <a:latin typeface="Calibri Light"/>
-                <a:ea typeface="+mn-ea"/>
-                <a:cs typeface="+mn-cs"/>
-              </a:defRPr>
-            </a:lvl4pPr>
-            <a:lvl5pPr marL="1793335" indent="-179335" algn="l" defTabSz="914127" rtl="0" eaLnBrk="1" latinLnBrk="0" hangingPunct="1">
-              <a:lnSpc>
-                <a:spcPct val="90000"/>
-              </a:lnSpc>
-              <a:spcBef>
-                <a:spcPts val="0"/>
-              </a:spcBef>
-              <a:spcAft>
-                <a:spcPts val="1000"/>
-              </a:spcAft>
-              <a:buFont typeface="Symbol"/>
-              <a:buChar char="-"/>
-              <a:defRPr sz="1600" kern="1200">
-                <a:solidFill>
-                  <a:schemeClr val="bg1"/>
-                </a:solidFill>
-                <a:latin typeface="Calibri Light"/>
-                <a:ea typeface="+mn-ea"/>
-                <a:cs typeface="+mn-cs"/>
-              </a:defRPr>
-            </a:lvl5pPr>
-            <a:lvl6pPr marL="2513847" indent="-228532" algn="l" defTabSz="914127" rtl="0" eaLnBrk="1" latinLnBrk="0" hangingPunct="1">
-              <a:spcBef>
-                <a:spcPct val="20000"/>
-              </a:spcBef>
-              <a:buFont typeface="Arial"/>
-              <a:buChar char="•"/>
-              <a:defRPr sz="2000" kern="1200">
-                <a:solidFill>
-                  <a:schemeClr val="tx1"/>
-                </a:solidFill>
-                <a:latin typeface="+mn-lt"/>
-                <a:ea typeface="+mn-ea"/>
-                <a:cs typeface="+mn-cs"/>
-              </a:defRPr>
-            </a:lvl6pPr>
-            <a:lvl7pPr marL="2970910" indent="-228532" algn="l" defTabSz="914127" rtl="0" eaLnBrk="1" latinLnBrk="0" hangingPunct="1">
-              <a:spcBef>
-                <a:spcPct val="20000"/>
-              </a:spcBef>
-              <a:buFont typeface="Arial"/>
-              <a:buChar char="•"/>
-              <a:defRPr sz="2000" kern="1200">
-                <a:solidFill>
-                  <a:schemeClr val="tx1"/>
-                </a:solidFill>
-                <a:latin typeface="+mn-lt"/>
-                <a:ea typeface="+mn-ea"/>
-                <a:cs typeface="+mn-cs"/>
-              </a:defRPr>
-            </a:lvl7pPr>
-            <a:lvl8pPr marL="3427972" indent="-228532" algn="l" defTabSz="914127" rtl="0" eaLnBrk="1" latinLnBrk="0" hangingPunct="1">
-              <a:spcBef>
-                <a:spcPct val="20000"/>
-              </a:spcBef>
-              <a:buFont typeface="Arial"/>
-              <a:buChar char="•"/>
-              <a:defRPr sz="2000" kern="1200">
-                <a:solidFill>
-                  <a:schemeClr val="tx1"/>
-                </a:solidFill>
-                <a:latin typeface="+mn-lt"/>
-                <a:ea typeface="+mn-ea"/>
-                <a:cs typeface="+mn-cs"/>
-              </a:defRPr>
-            </a:lvl8pPr>
-            <a:lvl9pPr marL="3885034" indent="-228532" algn="l" defTabSz="914127" rtl="0" eaLnBrk="1" latinLnBrk="0" hangingPunct="1">
-              <a:spcBef>
-                <a:spcPct val="20000"/>
-              </a:spcBef>
-              <a:buFont typeface="Arial"/>
-              <a:buChar char="•"/>
-              <a:defRPr sz="2000" kern="1200">
-                <a:solidFill>
-                  <a:schemeClr val="tx1"/>
-                </a:solidFill>
-                <a:latin typeface="+mn-lt"/>
-                <a:ea typeface="+mn-ea"/>
-                <a:cs typeface="+mn-cs"/>
-              </a:defRPr>
-            </a:lvl9pPr>
-          </a:lstStyle>
-          <a:p>
-            <a:pPr marL="0" indent="0">
-              <a:lnSpc>
-                <a:spcPct val="150000"/>
-              </a:lnSpc>
-              <a:buNone/>
-              <a:defRPr lang="ko-KR" altLang="en-US"/>
-            </a:pPr>
-            <a:r>
-              <a:rPr lang="ko-KR" altLang="en-US" sz="1800" b="1" dirty="0" smtClean="0">
-                <a:latin typeface="+mj-lt"/>
-              </a:rPr>
-              <a:t>보기 편한 옵션 </a:t>
-            </a:r>
-            <a:r>
-              <a:rPr lang="en-US" altLang="ko-KR" sz="1800" b="1" dirty="0" smtClean="0">
-                <a:latin typeface="+mj-lt"/>
-              </a:rPr>
-              <a:t>#05</a:t>
-            </a:r>
-            <a:r>
-              <a:rPr lang="en-US" sz="1800" b="1" dirty="0" smtClean="0">
-                <a:latin typeface="+mj-lt"/>
-              </a:rPr>
-              <a:t/>
-            </a:r>
-            <a:br>
-              <a:rPr lang="en-US" sz="1800" b="1" dirty="0" smtClean="0">
-                <a:latin typeface="+mj-lt"/>
-              </a:rPr>
-            </a:br>
-            <a:r>
-              <a:rPr lang="ko-KR" altLang="en-US" sz="1200" dirty="0" smtClean="0">
-                <a:latin typeface="+mj-lt"/>
-              </a:rPr>
-              <a:t>접속 후 바로 볼 수 있는 제어판과 </a:t>
-            </a:r>
-            <a:r>
-              <a:rPr lang="ko-KR" altLang="en-US" sz="1200" dirty="0" err="1" smtClean="0">
-                <a:latin typeface="+mj-lt"/>
-              </a:rPr>
-              <a:t>스크린샷을</a:t>
-            </a:r>
-            <a:r>
-              <a:rPr lang="ko-KR" altLang="en-US" sz="1200" dirty="0" smtClean="0">
-                <a:latin typeface="+mj-lt"/>
-              </a:rPr>
-              <a:t> 찍을 때 타원이나 길이표시 삭제 가능</a:t>
-            </a:r>
-            <a:endParaRPr lang="en-US" sz="1400" dirty="0">
-              <a:latin typeface="+mj-lt"/>
-            </a:endParaRPr>
-          </a:p>
-        </p:txBody>
-      </p:sp>
-      <p:sp>
-        <p:nvSpPr>
-          <p:cNvPr id="13" name="Inhaltsplatzhalter 4"/>
-          <p:cNvSpPr txBox="1"/>
-          <p:nvPr/>
-        </p:nvSpPr>
-        <p:spPr>
-          <a:xfrm>
-            <a:off x="5508104" y="3738434"/>
-            <a:ext cx="2432860" cy="1246495"/>
-          </a:xfrm>
-          <a:prstGeom prst="rect">
-            <a:avLst/>
-          </a:prstGeom>
-        </p:spPr>
-        <p:txBody>
-          <a:bodyPr wrap="square" lIns="0" tIns="0" rIns="0" bIns="0" anchor="ctr">
-            <a:spAutoFit/>
-          </a:bodyPr>
-          <a:lstStyle>
-            <a:lvl1pPr marL="272967" indent="-272967" algn="l" defTabSz="914127" rtl="0" eaLnBrk="1" latinLnBrk="0" hangingPunct="1">
-              <a:lnSpc>
-                <a:spcPct val="90000"/>
-              </a:lnSpc>
-              <a:spcBef>
-                <a:spcPts val="0"/>
-              </a:spcBef>
-              <a:spcAft>
-                <a:spcPts val="1000"/>
-              </a:spcAft>
-              <a:buFont typeface="Wingdings"/>
-              <a:buChar char="§"/>
-              <a:defRPr sz="2300" kern="1200">
-                <a:solidFill>
-                  <a:schemeClr val="bg1"/>
-                </a:solidFill>
-                <a:latin typeface="Calibri Light"/>
-                <a:ea typeface="+mn-ea"/>
-                <a:cs typeface="+mn-cs"/>
-              </a:defRPr>
-            </a:lvl1pPr>
-            <a:lvl2pPr marL="807798" indent="-272967" algn="l" defTabSz="914127" rtl="0" eaLnBrk="1" latinLnBrk="0" hangingPunct="1">
-              <a:lnSpc>
-                <a:spcPct val="90000"/>
-              </a:lnSpc>
-              <a:spcBef>
-                <a:spcPts val="0"/>
-              </a:spcBef>
-              <a:spcAft>
-                <a:spcPts val="1000"/>
-              </a:spcAft>
-              <a:buFont typeface="Symbol"/>
-              <a:buChar char="-"/>
-              <a:defRPr sz="2000" kern="1200">
-                <a:solidFill>
-                  <a:schemeClr val="bg1"/>
-                </a:solidFill>
-                <a:latin typeface="Calibri Light"/>
-                <a:ea typeface="+mn-ea"/>
-                <a:cs typeface="+mn-cs"/>
-              </a:defRPr>
-            </a:lvl2pPr>
-            <a:lvl3pPr marL="1080764" indent="-177748" algn="l" defTabSz="914127" rtl="0" eaLnBrk="1" latinLnBrk="0" hangingPunct="1">
-              <a:lnSpc>
-                <a:spcPct val="90000"/>
-              </a:lnSpc>
-              <a:spcBef>
-                <a:spcPts val="0"/>
-              </a:spcBef>
-              <a:spcAft>
-                <a:spcPts val="1000"/>
-              </a:spcAft>
-              <a:buFont typeface="Symbol"/>
-              <a:buChar char="-"/>
-              <a:defRPr sz="1900" kern="1200">
-                <a:solidFill>
-                  <a:schemeClr val="bg1"/>
-                </a:solidFill>
-                <a:latin typeface="Calibri Light"/>
-                <a:ea typeface="+mn-ea"/>
-                <a:cs typeface="+mn-cs"/>
-              </a:defRPr>
-            </a:lvl3pPr>
-            <a:lvl4pPr marL="1436256" indent="-177748" algn="l" defTabSz="914127" rtl="0" eaLnBrk="1" latinLnBrk="0" hangingPunct="1">
-              <a:lnSpc>
-                <a:spcPct val="90000"/>
-              </a:lnSpc>
-              <a:spcBef>
-                <a:spcPts val="0"/>
-              </a:spcBef>
-              <a:spcAft>
-                <a:spcPts val="1000"/>
-              </a:spcAft>
-              <a:buFont typeface="Symbol"/>
-              <a:buChar char="-"/>
-              <a:defRPr sz="1600" kern="1200">
-                <a:solidFill>
-                  <a:schemeClr val="bg1"/>
-                </a:solidFill>
-                <a:latin typeface="Calibri Light"/>
-                <a:ea typeface="+mn-ea"/>
-                <a:cs typeface="+mn-cs"/>
-              </a:defRPr>
-            </a:lvl4pPr>
-            <a:lvl5pPr marL="1793335" indent="-179335" algn="l" defTabSz="914127" rtl="0" eaLnBrk="1" latinLnBrk="0" hangingPunct="1">
-              <a:lnSpc>
-                <a:spcPct val="90000"/>
-              </a:lnSpc>
-              <a:spcBef>
-                <a:spcPts val="0"/>
-              </a:spcBef>
-              <a:spcAft>
-                <a:spcPts val="1000"/>
-              </a:spcAft>
-              <a:buFont typeface="Symbol"/>
-              <a:buChar char="-"/>
-              <a:defRPr sz="1600" kern="1200">
-                <a:solidFill>
-                  <a:schemeClr val="bg1"/>
-                </a:solidFill>
-                <a:latin typeface="Calibri Light"/>
-                <a:ea typeface="+mn-ea"/>
-                <a:cs typeface="+mn-cs"/>
-              </a:defRPr>
-            </a:lvl5pPr>
-            <a:lvl6pPr marL="2513847" indent="-228532" algn="l" defTabSz="914127" rtl="0" eaLnBrk="1" latinLnBrk="0" hangingPunct="1">
-              <a:spcBef>
-                <a:spcPct val="20000"/>
-              </a:spcBef>
-              <a:buFont typeface="Arial"/>
-              <a:buChar char="•"/>
-              <a:defRPr sz="2000" kern="1200">
-                <a:solidFill>
-                  <a:schemeClr val="tx1"/>
-                </a:solidFill>
-                <a:latin typeface="+mn-lt"/>
-                <a:ea typeface="+mn-ea"/>
-                <a:cs typeface="+mn-cs"/>
-              </a:defRPr>
-            </a:lvl6pPr>
-            <a:lvl7pPr marL="2970910" indent="-228532" algn="l" defTabSz="914127" rtl="0" eaLnBrk="1" latinLnBrk="0" hangingPunct="1">
-              <a:spcBef>
-                <a:spcPct val="20000"/>
-              </a:spcBef>
-              <a:buFont typeface="Arial"/>
-              <a:buChar char="•"/>
-              <a:defRPr sz="2000" kern="1200">
-                <a:solidFill>
-                  <a:schemeClr val="tx1"/>
-                </a:solidFill>
-                <a:latin typeface="+mn-lt"/>
-                <a:ea typeface="+mn-ea"/>
-                <a:cs typeface="+mn-cs"/>
-              </a:defRPr>
-            </a:lvl7pPr>
-            <a:lvl8pPr marL="3427972" indent="-228532" algn="l" defTabSz="914127" rtl="0" eaLnBrk="1" latinLnBrk="0" hangingPunct="1">
-              <a:spcBef>
-                <a:spcPct val="20000"/>
-              </a:spcBef>
-              <a:buFont typeface="Arial"/>
-              <a:buChar char="•"/>
-              <a:defRPr sz="2000" kern="1200">
-                <a:solidFill>
-                  <a:schemeClr val="tx1"/>
-                </a:solidFill>
-                <a:latin typeface="+mn-lt"/>
-                <a:ea typeface="+mn-ea"/>
-                <a:cs typeface="+mn-cs"/>
-              </a:defRPr>
-            </a:lvl8pPr>
-            <a:lvl9pPr marL="3885034" indent="-228532" algn="l" defTabSz="914127" rtl="0" eaLnBrk="1" latinLnBrk="0" hangingPunct="1">
-              <a:spcBef>
-                <a:spcPct val="20000"/>
-              </a:spcBef>
-              <a:buFont typeface="Arial"/>
-              <a:buChar char="•"/>
-              <a:defRPr sz="2000" kern="1200">
-                <a:solidFill>
-                  <a:schemeClr val="tx1"/>
-                </a:solidFill>
-                <a:latin typeface="+mn-lt"/>
-                <a:ea typeface="+mn-ea"/>
-                <a:cs typeface="+mn-cs"/>
-              </a:defRPr>
-            </a:lvl9pPr>
-          </a:lstStyle>
-          <a:p>
-            <a:pPr marL="0" indent="0">
-              <a:lnSpc>
-                <a:spcPct val="150000"/>
-              </a:lnSpc>
-              <a:buNone/>
-              <a:defRPr lang="ko-KR" altLang="en-US"/>
-            </a:pPr>
-            <a:r>
-              <a:rPr lang="ko-KR" altLang="en-US" sz="1800" b="1" dirty="0" smtClean="0">
-                <a:latin typeface="+mj-lt"/>
-              </a:rPr>
-              <a:t>사용기록 제공 </a:t>
-            </a:r>
-            <a:r>
-              <a:rPr lang="en-US" sz="1800" b="1" dirty="0" smtClean="0">
-                <a:latin typeface="+mj-lt"/>
-              </a:rPr>
-              <a:t>#06</a:t>
-            </a:r>
-            <a:r>
-              <a:rPr lang="en-US" sz="1800" b="1" dirty="0">
-                <a:latin typeface="+mj-lt"/>
-              </a:rPr>
-              <a:t/>
-            </a:r>
-            <a:br>
-              <a:rPr lang="en-US" sz="1800" b="1" dirty="0">
-                <a:latin typeface="+mj-lt"/>
-              </a:rPr>
-            </a:br>
-            <a:r>
-              <a:rPr lang="ko-KR" altLang="en-US" sz="1200" dirty="0" smtClean="0">
-                <a:latin typeface="+mj-lt"/>
-              </a:rPr>
-              <a:t>로그인</a:t>
-            </a:r>
-            <a:r>
-              <a:rPr lang="en-US" altLang="ko-KR" sz="1200" dirty="0" smtClean="0">
-                <a:latin typeface="+mj-lt"/>
-              </a:rPr>
-              <a:t>-</a:t>
-            </a:r>
-            <a:r>
-              <a:rPr lang="ko-KR" altLang="en-US" sz="1200" dirty="0" smtClean="0">
-                <a:latin typeface="+mj-lt"/>
-              </a:rPr>
-              <a:t>인테리어 기록 기능을 제공해 사용자의 인테리어 내역을 언제</a:t>
-            </a:r>
-            <a:r>
-              <a:rPr lang="en-US" altLang="ko-KR" sz="1200" dirty="0" smtClean="0">
-                <a:latin typeface="+mj-lt"/>
-              </a:rPr>
-              <a:t>, </a:t>
-            </a:r>
-            <a:r>
-              <a:rPr lang="ko-KR" altLang="en-US" sz="1200" dirty="0" smtClean="0">
-                <a:latin typeface="+mj-lt"/>
-              </a:rPr>
-              <a:t>어디서나 확인 가능</a:t>
-            </a:r>
-            <a:endParaRPr lang="en-US" sz="1400" dirty="0">
-              <a:latin typeface="+mj-lt"/>
-            </a:endParaRPr>
-          </a:p>
-        </p:txBody>
-      </p:sp>
-    </p:spTree>
-    <p:extLst>
-      <p:ext uri="{BB962C8B-B14F-4D97-AF65-F5344CB8AC3E}">
-        <p14:creationId xmlns:p14="http://schemas.microsoft.com/office/powerpoint/2010/main" val="2400844566"/>
       </p:ext>
     </p:extLst>
   </p:cSld>

--- a/호남-발표자료.pptx
+++ b/호남-발표자료.pptx
@@ -135,7 +135,7 @@
   </p:defaultTextStyle>
   <p:extLst>
     <p:ext uri="{EFAFB233-063F-42B5-8137-9DF3F51BA10A}">
-      <p15:sldGuideLst xmlns:p15="http://schemas.microsoft.com/office/powerpoint/2012/main" xmlns="">
+      <p15:sldGuideLst xmlns="" xmlns:p15="http://schemas.microsoft.com/office/powerpoint/2012/main">
         <p15:guide id="1" orient="horz" pos="1619">
           <p15:clr>
             <a:srgbClr val="A4A3A4"/>
@@ -149,7 +149,7 @@
       </p15:sldGuideLst>
     </p:ext>
     <p:ext uri="{2D200454-40CA-4A62-9FC3-DE9A4176ACB9}">
-      <p15:notesGuideLst xmlns:p15="http://schemas.microsoft.com/office/powerpoint/2012/main" xmlns=""/>
+      <p15:notesGuideLst xmlns="" xmlns:p15="http://schemas.microsoft.com/office/powerpoint/2012/main"/>
     </p:ext>
   </p:extLst>
 </p:presentation>
@@ -1287,470 +1287,6 @@
       <dsp:cNvGrpSpPr/>
     </dsp:nvGrpSpPr>
     <dsp:grpSpPr/>
-    <dsp:sp modelId="{97E95642-6116-44AE-A337-7BC0A6A646B2}">
-      <dsp:nvSpPr>
-        <dsp:cNvPr id="0" name=""/>
-        <dsp:cNvSpPr/>
-      </dsp:nvSpPr>
-      <dsp:spPr>
-        <a:xfrm>
-          <a:off x="0" y="0"/>
-          <a:ext cx="5868652" cy="0"/>
-        </a:xfrm>
-        <a:prstGeom prst="line">
-          <a:avLst/>
-        </a:prstGeom>
-        <a:solidFill>
-          <a:schemeClr val="accent1">
-            <a:hueOff val="0"/>
-            <a:satOff val="0"/>
-            <a:lumOff val="0"/>
-            <a:alphaOff val="0"/>
-          </a:schemeClr>
-        </a:solidFill>
-        <a:ln w="25400" cap="flat" cmpd="sng" algn="ctr">
-          <a:solidFill>
-            <a:schemeClr val="accent1">
-              <a:hueOff val="0"/>
-              <a:satOff val="0"/>
-              <a:lumOff val="0"/>
-              <a:alphaOff val="0"/>
-            </a:schemeClr>
-          </a:solidFill>
-          <a:prstDash val="solid"/>
-        </a:ln>
-        <a:effectLst/>
-      </dsp:spPr>
-      <dsp:style>
-        <a:lnRef idx="2">
-          <a:scrgbClr r="0" g="0" b="0"/>
-        </a:lnRef>
-        <a:fillRef idx="1">
-          <a:scrgbClr r="0" g="0" b="0"/>
-        </a:fillRef>
-        <a:effectRef idx="0">
-          <a:scrgbClr r="0" g="0" b="0"/>
-        </a:effectRef>
-        <a:fontRef idx="minor">
-          <a:schemeClr val="lt1"/>
-        </a:fontRef>
-      </dsp:style>
-    </dsp:sp>
-    <dsp:sp modelId="{DCBC971F-FC39-4D96-ABAA-1A7A0C3F50D1}">
-      <dsp:nvSpPr>
-        <dsp:cNvPr id="0" name=""/>
-        <dsp:cNvSpPr/>
-      </dsp:nvSpPr>
-      <dsp:spPr>
-        <a:xfrm>
-          <a:off x="0" y="148232"/>
-          <a:ext cx="1173730" cy="1116124"/>
-        </a:xfrm>
-        <a:prstGeom prst="rect">
-          <a:avLst/>
-        </a:prstGeom>
-        <a:noFill/>
-        <a:ln>
-          <a:noFill/>
-        </a:ln>
-        <a:effectLst/>
-      </dsp:spPr>
-      <dsp:style>
-        <a:lnRef idx="0">
-          <a:scrgbClr r="0" g="0" b="0"/>
-        </a:lnRef>
-        <a:fillRef idx="0">
-          <a:scrgbClr r="0" g="0" b="0"/>
-        </a:fillRef>
-        <a:effectRef idx="0">
-          <a:scrgbClr r="0" g="0" b="0"/>
-        </a:effectRef>
-        <a:fontRef idx="minor"/>
-      </dsp:style>
-      <dsp:txBody>
-        <a:bodyPr spcFirstLastPara="0" vert="horz" wrap="square" lIns="76200" tIns="76200" rIns="76200" bIns="76200" numCol="1" spcCol="1270" anchor="t" anchorCtr="0">
-          <a:noAutofit/>
-        </a:bodyPr>
-        <a:lstStyle/>
-        <a:p>
-          <a:pPr lvl="0" algn="l" defTabSz="889000" latinLnBrk="1">
-            <a:lnSpc>
-              <a:spcPct val="90000"/>
-            </a:lnSpc>
-            <a:spcBef>
-              <a:spcPct val="0"/>
-            </a:spcBef>
-            <a:spcAft>
-              <a:spcPct val="35000"/>
-            </a:spcAft>
-          </a:pPr>
-          <a:r>
-            <a:rPr lang="ko-KR" altLang="en-US" sz="2000" kern="1200" dirty="0" err="1" smtClean="0"/>
-            <a:t>곽규한</a:t>
-          </a:r>
-          <a:endParaRPr lang="en-US" altLang="ko-KR" sz="2000" kern="1200" dirty="0" smtClean="0"/>
-        </a:p>
-        <a:p>
-          <a:pPr lvl="0" algn="l" defTabSz="889000" latinLnBrk="1">
-            <a:lnSpc>
-              <a:spcPct val="90000"/>
-            </a:lnSpc>
-            <a:spcBef>
-              <a:spcPct val="0"/>
-            </a:spcBef>
-            <a:spcAft>
-              <a:spcPct val="35000"/>
-            </a:spcAft>
-          </a:pPr>
-          <a:r>
-            <a:rPr lang="ko-KR" altLang="en-US" sz="2000" kern="1200" dirty="0" smtClean="0"/>
-            <a:t>이호준</a:t>
-          </a:r>
-          <a:endParaRPr lang="ko-KR" altLang="en-US" sz="2000" kern="1200" dirty="0"/>
-        </a:p>
-      </dsp:txBody>
-      <dsp:txXfrm>
-        <a:off x="0" y="148232"/>
-        <a:ext cx="1173730" cy="1116124"/>
-      </dsp:txXfrm>
-    </dsp:sp>
-    <dsp:sp modelId="{7C4FB7B5-D460-4973-BF26-AEBEB02499D0}">
-      <dsp:nvSpPr>
-        <dsp:cNvPr id="0" name=""/>
-        <dsp:cNvSpPr/>
-      </dsp:nvSpPr>
-      <dsp:spPr>
-        <a:xfrm>
-          <a:off x="1261760" y="50683"/>
-          <a:ext cx="4606891" cy="1013667"/>
-        </a:xfrm>
-        <a:prstGeom prst="rect">
-          <a:avLst/>
-        </a:prstGeom>
-        <a:noFill/>
-        <a:ln>
-          <a:noFill/>
-        </a:ln>
-        <a:effectLst/>
-      </dsp:spPr>
-      <dsp:style>
-        <a:lnRef idx="0">
-          <a:scrgbClr r="0" g="0" b="0"/>
-        </a:lnRef>
-        <a:fillRef idx="0">
-          <a:scrgbClr r="0" g="0" b="0"/>
-        </a:fillRef>
-        <a:effectRef idx="0">
-          <a:scrgbClr r="0" g="0" b="0"/>
-        </a:effectRef>
-        <a:fontRef idx="minor"/>
-      </dsp:style>
-      <dsp:txBody>
-        <a:bodyPr spcFirstLastPara="0" vert="horz" wrap="square" lIns="91440" tIns="91440" rIns="91440" bIns="91440" numCol="1" spcCol="1270" anchor="t" anchorCtr="0">
-          <a:noAutofit/>
-        </a:bodyPr>
-        <a:lstStyle/>
-        <a:p>
-          <a:pPr lvl="0" algn="l" defTabSz="1066800" latinLnBrk="1">
-            <a:lnSpc>
-              <a:spcPct val="90000"/>
-            </a:lnSpc>
-            <a:spcBef>
-              <a:spcPct val="0"/>
-            </a:spcBef>
-            <a:spcAft>
-              <a:spcPct val="35000"/>
-            </a:spcAft>
-          </a:pPr>
-          <a:r>
-            <a:rPr lang="en-US" altLang="ko-KR" sz="2400" kern="1200" dirty="0" smtClean="0"/>
-            <a:t>AR </a:t>
-          </a:r>
-          <a:r>
-            <a:rPr lang="ko-KR" altLang="en-US" sz="2400" kern="1200" dirty="0" smtClean="0"/>
-            <a:t>기능</a:t>
-          </a:r>
-          <a:r>
-            <a:rPr lang="en-US" altLang="ko-KR" sz="2400" kern="1200" dirty="0" smtClean="0"/>
-            <a:t>, </a:t>
-          </a:r>
-          <a:r>
-            <a:rPr lang="ko-KR" altLang="en-US" sz="2400" kern="1200" dirty="0" smtClean="0"/>
-            <a:t>제어판 기능</a:t>
-          </a:r>
-          <a:endParaRPr lang="ko-KR" altLang="en-US" sz="2400" kern="1200" dirty="0"/>
-        </a:p>
-      </dsp:txBody>
-      <dsp:txXfrm>
-        <a:off x="1261760" y="50683"/>
-        <a:ext cx="4606891" cy="1013667"/>
-      </dsp:txXfrm>
-    </dsp:sp>
-    <dsp:sp modelId="{BAA0753F-A9FE-4701-942D-2D8182617D15}">
-      <dsp:nvSpPr>
-        <dsp:cNvPr id="0" name=""/>
-        <dsp:cNvSpPr/>
-      </dsp:nvSpPr>
-      <dsp:spPr>
-        <a:xfrm>
-          <a:off x="1173730" y="1064350"/>
-          <a:ext cx="4694921" cy="0"/>
-        </a:xfrm>
-        <a:prstGeom prst="line">
-          <a:avLst/>
-        </a:prstGeom>
-        <a:solidFill>
-          <a:schemeClr val="accent1">
-            <a:hueOff val="0"/>
-            <a:satOff val="0"/>
-            <a:lumOff val="0"/>
-            <a:alphaOff val="0"/>
-          </a:schemeClr>
-        </a:solidFill>
-        <a:ln w="25400" cap="flat" cmpd="sng" algn="ctr">
-          <a:solidFill>
-            <a:schemeClr val="accent1">
-              <a:tint val="50000"/>
-              <a:hueOff val="0"/>
-              <a:satOff val="0"/>
-              <a:lumOff val="0"/>
-              <a:alphaOff val="0"/>
-            </a:schemeClr>
-          </a:solidFill>
-          <a:prstDash val="solid"/>
-        </a:ln>
-        <a:effectLst/>
-      </dsp:spPr>
-      <dsp:style>
-        <a:lnRef idx="2">
-          <a:scrgbClr r="0" g="0" b="0"/>
-        </a:lnRef>
-        <a:fillRef idx="1">
-          <a:scrgbClr r="0" g="0" b="0"/>
-        </a:fillRef>
-        <a:effectRef idx="0">
-          <a:scrgbClr r="0" g="0" b="0"/>
-        </a:effectRef>
-        <a:fontRef idx="minor"/>
-      </dsp:style>
-    </dsp:sp>
-    <dsp:sp modelId="{D7502388-C955-45BA-8AF5-2054B132C11C}">
-      <dsp:nvSpPr>
-        <dsp:cNvPr id="0" name=""/>
-        <dsp:cNvSpPr/>
-      </dsp:nvSpPr>
-      <dsp:spPr>
-        <a:xfrm>
-          <a:off x="0" y="1116124"/>
-          <a:ext cx="5868652" cy="0"/>
-        </a:xfrm>
-        <a:prstGeom prst="line">
-          <a:avLst/>
-        </a:prstGeom>
-        <a:solidFill>
-          <a:schemeClr val="accent1">
-            <a:hueOff val="0"/>
-            <a:satOff val="0"/>
-            <a:lumOff val="0"/>
-            <a:alphaOff val="0"/>
-          </a:schemeClr>
-        </a:solidFill>
-        <a:ln w="25400" cap="flat" cmpd="sng" algn="ctr">
-          <a:solidFill>
-            <a:schemeClr val="accent1">
-              <a:hueOff val="0"/>
-              <a:satOff val="0"/>
-              <a:lumOff val="0"/>
-              <a:alphaOff val="0"/>
-            </a:schemeClr>
-          </a:solidFill>
-          <a:prstDash val="solid"/>
-        </a:ln>
-        <a:effectLst/>
-      </dsp:spPr>
-      <dsp:style>
-        <a:lnRef idx="2">
-          <a:scrgbClr r="0" g="0" b="0"/>
-        </a:lnRef>
-        <a:fillRef idx="1">
-          <a:scrgbClr r="0" g="0" b="0"/>
-        </a:fillRef>
-        <a:effectRef idx="0">
-          <a:scrgbClr r="0" g="0" b="0"/>
-        </a:effectRef>
-        <a:fontRef idx="minor">
-          <a:schemeClr val="lt1"/>
-        </a:fontRef>
-      </dsp:style>
-    </dsp:sp>
-    <dsp:sp modelId="{0121AB03-4C53-463B-B760-EC250EE8B1A2}">
-      <dsp:nvSpPr>
-        <dsp:cNvPr id="0" name=""/>
-        <dsp:cNvSpPr/>
-      </dsp:nvSpPr>
-      <dsp:spPr>
-        <a:xfrm>
-          <a:off x="0" y="1116124"/>
-          <a:ext cx="1173730" cy="1116124"/>
-        </a:xfrm>
-        <a:prstGeom prst="rect">
-          <a:avLst/>
-        </a:prstGeom>
-        <a:noFill/>
-        <a:ln>
-          <a:noFill/>
-        </a:ln>
-        <a:effectLst/>
-      </dsp:spPr>
-      <dsp:style>
-        <a:lnRef idx="0">
-          <a:scrgbClr r="0" g="0" b="0"/>
-        </a:lnRef>
-        <a:fillRef idx="0">
-          <a:scrgbClr r="0" g="0" b="0"/>
-        </a:fillRef>
-        <a:effectRef idx="0">
-          <a:scrgbClr r="0" g="0" b="0"/>
-        </a:effectRef>
-        <a:fontRef idx="minor"/>
-      </dsp:style>
-      <dsp:txBody>
-        <a:bodyPr spcFirstLastPara="0" vert="horz" wrap="square" lIns="76200" tIns="76200" rIns="76200" bIns="76200" numCol="1" spcCol="1270" anchor="t" anchorCtr="0">
-          <a:noAutofit/>
-        </a:bodyPr>
-        <a:lstStyle/>
-        <a:p>
-          <a:pPr lvl="0" algn="l" defTabSz="889000" latinLnBrk="1">
-            <a:lnSpc>
-              <a:spcPct val="90000"/>
-            </a:lnSpc>
-            <a:spcBef>
-              <a:spcPct val="0"/>
-            </a:spcBef>
-            <a:spcAft>
-              <a:spcPct val="35000"/>
-            </a:spcAft>
-          </a:pPr>
-          <a:r>
-            <a:rPr lang="ko-KR" altLang="en-US" sz="2000" kern="1200" dirty="0" smtClean="0"/>
-            <a:t>이남현</a:t>
-          </a:r>
-          <a:endParaRPr lang="ko-KR" altLang="en-US" sz="2000" kern="1200" dirty="0"/>
-        </a:p>
-      </dsp:txBody>
-      <dsp:txXfrm>
-        <a:off x="0" y="1116124"/>
-        <a:ext cx="1173730" cy="1116124"/>
-      </dsp:txXfrm>
-    </dsp:sp>
-    <dsp:sp modelId="{4C37C8A3-9B77-46C6-AB1D-90AB5E3271E6}">
-      <dsp:nvSpPr>
-        <dsp:cNvPr id="0" name=""/>
-        <dsp:cNvSpPr/>
-      </dsp:nvSpPr>
-      <dsp:spPr>
-        <a:xfrm>
-          <a:off x="1261760" y="1166807"/>
-          <a:ext cx="4606891" cy="1013667"/>
-        </a:xfrm>
-        <a:prstGeom prst="rect">
-          <a:avLst/>
-        </a:prstGeom>
-        <a:noFill/>
-        <a:ln>
-          <a:noFill/>
-        </a:ln>
-        <a:effectLst/>
-      </dsp:spPr>
-      <dsp:style>
-        <a:lnRef idx="0">
-          <a:scrgbClr r="0" g="0" b="0"/>
-        </a:lnRef>
-        <a:fillRef idx="0">
-          <a:scrgbClr r="0" g="0" b="0"/>
-        </a:fillRef>
-        <a:effectRef idx="0">
-          <a:scrgbClr r="0" g="0" b="0"/>
-        </a:effectRef>
-        <a:fontRef idx="minor"/>
-      </dsp:style>
-      <dsp:txBody>
-        <a:bodyPr spcFirstLastPara="0" vert="horz" wrap="square" lIns="91440" tIns="91440" rIns="91440" bIns="91440" numCol="1" spcCol="1270" anchor="t" anchorCtr="0">
-          <a:noAutofit/>
-        </a:bodyPr>
-        <a:lstStyle/>
-        <a:p>
-          <a:pPr lvl="0" algn="l" defTabSz="1066800" latinLnBrk="1">
-            <a:lnSpc>
-              <a:spcPct val="90000"/>
-            </a:lnSpc>
-            <a:spcBef>
-              <a:spcPct val="0"/>
-            </a:spcBef>
-            <a:spcAft>
-              <a:spcPct val="35000"/>
-            </a:spcAft>
-          </a:pPr>
-          <a:r>
-            <a:rPr lang="ko-KR" altLang="en-US" sz="2400" kern="1200" dirty="0" smtClean="0"/>
-            <a:t>서버</a:t>
-          </a:r>
-          <a:endParaRPr lang="ko-KR" altLang="en-US" sz="2400" kern="1200" dirty="0"/>
-        </a:p>
-      </dsp:txBody>
-      <dsp:txXfrm>
-        <a:off x="1261760" y="1166807"/>
-        <a:ext cx="4606891" cy="1013667"/>
-      </dsp:txXfrm>
-    </dsp:sp>
-    <dsp:sp modelId="{F16ADB40-B52D-40B8-A813-0E635BE895AE}">
-      <dsp:nvSpPr>
-        <dsp:cNvPr id="0" name=""/>
-        <dsp:cNvSpPr/>
-      </dsp:nvSpPr>
-      <dsp:spPr>
-        <a:xfrm>
-          <a:off x="1173730" y="2180474"/>
-          <a:ext cx="4694921" cy="0"/>
-        </a:xfrm>
-        <a:prstGeom prst="line">
-          <a:avLst/>
-        </a:prstGeom>
-        <a:solidFill>
-          <a:schemeClr val="accent1">
-            <a:hueOff val="0"/>
-            <a:satOff val="0"/>
-            <a:lumOff val="0"/>
-            <a:alphaOff val="0"/>
-          </a:schemeClr>
-        </a:solidFill>
-        <a:ln w="25400" cap="flat" cmpd="sng" algn="ctr">
-          <a:solidFill>
-            <a:schemeClr val="accent1">
-              <a:tint val="50000"/>
-              <a:hueOff val="0"/>
-              <a:satOff val="0"/>
-              <a:lumOff val="0"/>
-              <a:alphaOff val="0"/>
-            </a:schemeClr>
-          </a:solidFill>
-          <a:prstDash val="solid"/>
-        </a:ln>
-        <a:effectLst/>
-      </dsp:spPr>
-      <dsp:style>
-        <a:lnRef idx="2">
-          <a:scrgbClr r="0" g="0" b="0"/>
-        </a:lnRef>
-        <a:fillRef idx="1">
-          <a:scrgbClr r="0" g="0" b="0"/>
-        </a:fillRef>
-        <a:effectRef idx="0">
-          <a:scrgbClr r="0" g="0" b="0"/>
-        </a:effectRef>
-        <a:fontRef idx="minor"/>
-      </dsp:style>
-    </dsp:sp>
   </dsp:spTree>
 </dsp:drawing>
 </file>
@@ -9321,19 +8857,7 @@
               <a:rPr lang="ko-KR" altLang="en-US" sz="1800" b="1" dirty="0" smtClean="0">
                 <a:latin typeface="+mj-lt"/>
               </a:rPr>
-              <a:t>사용자 편의</a:t>
-            </a:r>
-            <a:r>
-              <a:rPr lang="ko-KR" altLang="en-US" sz="1800" b="1" dirty="0" smtClean="0">
-                <a:latin typeface="+mj-lt"/>
-              </a:rPr>
-              <a:t> </a:t>
-            </a:r>
-            <a:r>
-              <a:rPr lang="ko-KR" altLang="en-US" sz="1800" b="1" dirty="0" smtClean="0">
-                <a:latin typeface="+mj-lt"/>
-              </a:rPr>
-              <a:t>옵션 </a:t>
+              <a:t>사용자 편의 옵션 </a:t>
             </a:r>
             <a:r>
               <a:rPr lang="en-US" altLang="ko-KR" sz="1800" b="1" dirty="0" smtClean="0">
@@ -9362,19 +8886,7 @@
               <a:rPr lang="ko-KR" altLang="en-US" sz="1200" dirty="0" smtClean="0">
                 <a:latin typeface="+mj-lt"/>
               </a:rPr>
-              <a:t> </a:t>
-            </a:r>
-            <a:r>
-              <a:rPr lang="ko-KR" altLang="en-US" sz="1200" dirty="0" smtClean="0">
-                <a:latin typeface="+mj-lt"/>
-              </a:rPr>
-              <a:t>찍을 때 </a:t>
-            </a:r>
-            <a:r>
-              <a:rPr lang="ko-KR" altLang="en-US" sz="1200" dirty="0" smtClean="0">
-                <a:latin typeface="+mj-lt"/>
-              </a:rPr>
-              <a:t>생성 도우미 원판</a:t>
+              <a:t> 찍을 때 생성 도우미 원판</a:t>
             </a:r>
             <a:r>
               <a:rPr lang="ko-KR" altLang="en-US" sz="1200" dirty="0">
@@ -9386,19 +8898,7 @@
               <a:rPr lang="ko-KR" altLang="en-US" sz="1200" dirty="0" smtClean="0">
                 <a:latin typeface="+mj-lt"/>
               </a:rPr>
-              <a:t> </a:t>
-            </a:r>
-            <a:r>
-              <a:rPr lang="ko-KR" altLang="en-US" sz="1200" dirty="0" smtClean="0">
-                <a:latin typeface="+mj-lt"/>
-              </a:rPr>
-              <a:t>길이표시 </a:t>
-            </a:r>
-            <a:r>
-              <a:rPr lang="ko-KR" altLang="en-US" sz="1200" dirty="0" smtClean="0">
-                <a:latin typeface="+mj-lt"/>
-              </a:rPr>
-              <a:t>감추</a:t>
+              <a:t> 길이표시 감추</a:t>
             </a:r>
             <a:r>
               <a:rPr lang="ko-KR" altLang="en-US" sz="1200" dirty="0">
@@ -9410,13 +8910,7 @@
               <a:rPr lang="ko-KR" altLang="en-US" sz="1200" dirty="0" smtClean="0">
                 <a:latin typeface="+mj-lt"/>
               </a:rPr>
-              <a:t> </a:t>
-            </a:r>
-            <a:r>
-              <a:rPr lang="ko-KR" altLang="en-US" sz="1200" dirty="0" smtClean="0">
-                <a:latin typeface="+mj-lt"/>
-              </a:rPr>
-              <a:t>가능</a:t>
+              <a:t> 가능</a:t>
             </a:r>
             <a:endParaRPr lang="en-US" sz="1400" dirty="0">
               <a:latin typeface="+mj-lt"/>
@@ -30303,13 +29797,7 @@
               <a:rPr lang="ko-KR" altLang="en-US" sz="1000" b="1" dirty="0" smtClean="0">
                 <a:latin typeface="+mj-lt"/>
               </a:rPr>
-              <a:t>길이가 </a:t>
-            </a:r>
-            <a:r>
-              <a:rPr lang="ko-KR" altLang="en-US" sz="1000" b="1" dirty="0" smtClean="0">
-                <a:latin typeface="+mj-lt"/>
-              </a:rPr>
-              <a:t>적</a:t>
+              <a:t>길이가 적</a:t>
             </a:r>
             <a:r>
               <a:rPr lang="ko-KR" altLang="en-US" sz="1000" b="1" dirty="0">
@@ -32037,7 +31525,7 @@
         <p:spPr>
           <a:xfrm>
             <a:off x="990600" y="1149527"/>
-            <a:ext cx="1082040" cy="307777"/>
+            <a:ext cx="2354491" cy="307777"/>
           </a:xfrm>
           <a:prstGeom prst="rect">
             <a:avLst/>
@@ -32059,7 +31547,19 @@
                 <a:ea typeface="+mn-ea"/>
                 <a:cs typeface="+mn-cs"/>
               </a:rPr>
-              <a:t>IKEA Place</a:t>
+              <a:t>IKEA </a:t>
+            </a:r>
+            <a:r>
+              <a:rPr lang="en-US" altLang="ko-KR" sz="1400" dirty="0" smtClean="0">
+                <a:latin typeface="+mn-lt"/>
+                <a:ea typeface="+mn-ea"/>
+                <a:cs typeface="+mn-cs"/>
+              </a:rPr>
+              <a:t>Place(</a:t>
+            </a:r>
+            <a:r>
+              <a:rPr lang="en-US" altLang="ko-KR" sz="1400" dirty="0" smtClean="0"/>
+              <a:t>AR Application)</a:t>
             </a:r>
             <a:endParaRPr lang="ko-KR" altLang="en-US" sz="1400" dirty="0">
               <a:latin typeface="+mn-lt"/>
@@ -34222,13 +33722,7 @@
               <a:rPr lang="ko-KR" altLang="en-US" sz="1800" b="1" dirty="0" smtClean="0">
                 <a:latin typeface="+mj-lt"/>
               </a:rPr>
-              <a:t>바로 </a:t>
-            </a:r>
-            <a:r>
-              <a:rPr lang="ko-KR" altLang="en-US" sz="1800" b="1" dirty="0" smtClean="0">
-                <a:latin typeface="+mj-lt"/>
-              </a:rPr>
-              <a:t>사</a:t>
+              <a:t>바로 사</a:t>
             </a:r>
             <a:r>
               <a:rPr lang="ko-KR" altLang="en-US" sz="1800" b="1" dirty="0">
@@ -34240,13 +33734,7 @@
               <a:rPr lang="ko-KR" altLang="en-US" sz="1800" b="1" dirty="0" smtClean="0">
                 <a:latin typeface="+mj-lt"/>
               </a:rPr>
-              <a:t> </a:t>
-            </a:r>
-            <a:r>
-              <a:rPr lang="ko-KR" altLang="en-US" sz="1800" b="1" dirty="0" smtClean="0">
-                <a:latin typeface="+mj-lt"/>
-              </a:rPr>
-              <a:t>가능 </a:t>
+              <a:t> 가능 </a:t>
             </a:r>
             <a:r>
               <a:rPr lang="en-US" altLang="ko-KR" sz="1800" b="1" dirty="0" smtClean="0">
@@ -34993,13 +34481,7 @@
               <a:rPr lang="ko-KR" altLang="en-US" sz="1800" b="1" dirty="0" smtClean="0">
                 <a:latin typeface="+mj-lt"/>
               </a:rPr>
-              <a:t>쉽고 </a:t>
-            </a:r>
-            <a:r>
-              <a:rPr lang="ko-KR" altLang="en-US" sz="1800" b="1" dirty="0" smtClean="0">
-                <a:latin typeface="+mj-lt"/>
-              </a:rPr>
-              <a:t>간</a:t>
+              <a:t>쉽고 간</a:t>
             </a:r>
             <a:r>
               <a:rPr lang="ko-KR" altLang="en-US" sz="1800" b="1" dirty="0">
@@ -35034,37 +34516,13 @@
               <a:rPr lang="en-US" altLang="ko-KR" sz="1200" dirty="0" smtClean="0">
                 <a:latin typeface="+mj-lt"/>
               </a:rPr>
-              <a:t>Hit-test </a:t>
-            </a:r>
-            <a:r>
-              <a:rPr lang="en-US" altLang="ko-KR" sz="1200" dirty="0" smtClean="0">
-                <a:latin typeface="+mj-lt"/>
-              </a:rPr>
-              <a:t>API</a:t>
+              <a:t>Hit-test API</a:t>
             </a:r>
             <a:r>
               <a:rPr lang="ko-KR" altLang="en-US" sz="1200" dirty="0" smtClean="0">
                 <a:latin typeface="+mj-lt"/>
               </a:rPr>
-              <a:t>를 사용해</a:t>
-            </a:r>
-            <a:r>
-              <a:rPr lang="ko-KR" altLang="en-US" sz="1200" dirty="0" smtClean="0">
-                <a:latin typeface="+mj-lt"/>
-              </a:rPr>
-              <a:t> 바닥에 사물을 놓을 수 있고 터치로 </a:t>
-            </a:r>
-            <a:r>
-              <a:rPr lang="ko-KR" altLang="en-US" sz="1200" dirty="0" smtClean="0">
-                <a:latin typeface="+mj-lt"/>
-              </a:rPr>
-              <a:t>쉽게 </a:t>
-            </a:r>
-            <a:r>
-              <a:rPr lang="ko-KR" altLang="en-US" sz="1200" dirty="0" smtClean="0">
-                <a:latin typeface="+mj-lt"/>
-              </a:rPr>
-              <a:t>이동가능</a:t>
+              <a:t>를 사용해 바닥에 사물을 놓을 수 있고 터치로 쉽게 이동가능</a:t>
             </a:r>
             <a:endParaRPr lang="en-US" sz="1400" dirty="0">
               <a:latin typeface="+mj-lt"/>
@@ -35317,13 +34775,7 @@
               <a:rPr lang="ko-KR" altLang="en-US" sz="1200" dirty="0" smtClean="0">
                 <a:latin typeface="+mj-lt"/>
               </a:rPr>
-              <a:t>측정 </a:t>
-            </a:r>
-            <a:r>
-              <a:rPr lang="ko-KR" altLang="en-US" sz="1200" dirty="0" smtClean="0">
-                <a:latin typeface="+mj-lt"/>
-              </a:rPr>
-              <a:t>기능을 제공해</a:t>
+              <a:t>측정 기능을 제공해</a:t>
             </a:r>
             <a:r>
               <a:rPr lang="en-US" altLang="ko-KR" sz="1200" dirty="0" smtClean="0">

--- a/호남-발표자료.pptx
+++ b/호남-발표자료.pptx
@@ -18,14 +18,14 @@
     <p:sldId id="260" r:id="rId6"/>
     <p:sldId id="261" r:id="rId7"/>
     <p:sldId id="277" r:id="rId8"/>
-    <p:sldId id="266" r:id="rId9"/>
-    <p:sldId id="275" r:id="rId10"/>
-    <p:sldId id="273" r:id="rId11"/>
-    <p:sldId id="276" r:id="rId12"/>
-    <p:sldId id="263" r:id="rId13"/>
-    <p:sldId id="280" r:id="rId14"/>
-    <p:sldId id="278" r:id="rId15"/>
-    <p:sldId id="269" r:id="rId16"/>
+    <p:sldId id="286" r:id="rId9"/>
+    <p:sldId id="266" r:id="rId10"/>
+    <p:sldId id="275" r:id="rId11"/>
+    <p:sldId id="273" r:id="rId12"/>
+    <p:sldId id="276" r:id="rId13"/>
+    <p:sldId id="263" r:id="rId14"/>
+    <p:sldId id="280" r:id="rId15"/>
+    <p:sldId id="278" r:id="rId16"/>
     <p:sldId id="268" r:id="rId17"/>
     <p:sldId id="281" r:id="rId18"/>
     <p:sldId id="282" r:id="rId19"/>
@@ -135,7 +135,7 @@
   </p:defaultTextStyle>
   <p:extLst>
     <p:ext uri="{EFAFB233-063F-42B5-8137-9DF3F51BA10A}">
-      <p15:sldGuideLst xmlns="" xmlns:p15="http://schemas.microsoft.com/office/powerpoint/2012/main">
+      <p15:sldGuideLst xmlns:p15="http://schemas.microsoft.com/office/powerpoint/2012/main" xmlns="">
         <p15:guide id="1" orient="horz" pos="1619">
           <p15:clr>
             <a:srgbClr val="A4A3A4"/>
@@ -149,7 +149,7 @@
       </p15:sldGuideLst>
     </p:ext>
     <p:ext uri="{2D200454-40CA-4A62-9FC3-DE9A4176ACB9}">
-      <p15:notesGuideLst xmlns="" xmlns:p15="http://schemas.microsoft.com/office/powerpoint/2012/main"/>
+      <p15:notesGuideLst xmlns:p15="http://schemas.microsoft.com/office/powerpoint/2012/main" xmlns=""/>
     </p:ext>
   </p:extLst>
 </p:presentation>
@@ -1287,6 +1287,470 @@
       <dsp:cNvGrpSpPr/>
     </dsp:nvGrpSpPr>
     <dsp:grpSpPr/>
+    <dsp:sp modelId="{97E95642-6116-44AE-A337-7BC0A6A646B2}">
+      <dsp:nvSpPr>
+        <dsp:cNvPr id="0" name=""/>
+        <dsp:cNvSpPr/>
+      </dsp:nvSpPr>
+      <dsp:spPr>
+        <a:xfrm>
+          <a:off x="0" y="0"/>
+          <a:ext cx="5868652" cy="0"/>
+        </a:xfrm>
+        <a:prstGeom prst="line">
+          <a:avLst/>
+        </a:prstGeom>
+        <a:solidFill>
+          <a:schemeClr val="accent1">
+            <a:hueOff val="0"/>
+            <a:satOff val="0"/>
+            <a:lumOff val="0"/>
+            <a:alphaOff val="0"/>
+          </a:schemeClr>
+        </a:solidFill>
+        <a:ln w="25400" cap="flat" cmpd="sng" algn="ctr">
+          <a:solidFill>
+            <a:schemeClr val="accent1">
+              <a:hueOff val="0"/>
+              <a:satOff val="0"/>
+              <a:lumOff val="0"/>
+              <a:alphaOff val="0"/>
+            </a:schemeClr>
+          </a:solidFill>
+          <a:prstDash val="solid"/>
+        </a:ln>
+        <a:effectLst/>
+      </dsp:spPr>
+      <dsp:style>
+        <a:lnRef idx="2">
+          <a:scrgbClr r="0" g="0" b="0"/>
+        </a:lnRef>
+        <a:fillRef idx="1">
+          <a:scrgbClr r="0" g="0" b="0"/>
+        </a:fillRef>
+        <a:effectRef idx="0">
+          <a:scrgbClr r="0" g="0" b="0"/>
+        </a:effectRef>
+        <a:fontRef idx="minor">
+          <a:schemeClr val="lt1"/>
+        </a:fontRef>
+      </dsp:style>
+    </dsp:sp>
+    <dsp:sp modelId="{DCBC971F-FC39-4D96-ABAA-1A7A0C3F50D1}">
+      <dsp:nvSpPr>
+        <dsp:cNvPr id="0" name=""/>
+        <dsp:cNvSpPr/>
+      </dsp:nvSpPr>
+      <dsp:spPr>
+        <a:xfrm>
+          <a:off x="0" y="148232"/>
+          <a:ext cx="1173730" cy="1116124"/>
+        </a:xfrm>
+        <a:prstGeom prst="rect">
+          <a:avLst/>
+        </a:prstGeom>
+        <a:noFill/>
+        <a:ln>
+          <a:noFill/>
+        </a:ln>
+        <a:effectLst/>
+      </dsp:spPr>
+      <dsp:style>
+        <a:lnRef idx="0">
+          <a:scrgbClr r="0" g="0" b="0"/>
+        </a:lnRef>
+        <a:fillRef idx="0">
+          <a:scrgbClr r="0" g="0" b="0"/>
+        </a:fillRef>
+        <a:effectRef idx="0">
+          <a:scrgbClr r="0" g="0" b="0"/>
+        </a:effectRef>
+        <a:fontRef idx="minor"/>
+      </dsp:style>
+      <dsp:txBody>
+        <a:bodyPr spcFirstLastPara="0" vert="horz" wrap="square" lIns="76200" tIns="76200" rIns="76200" bIns="76200" numCol="1" spcCol="1270" anchor="t" anchorCtr="0">
+          <a:noAutofit/>
+        </a:bodyPr>
+        <a:lstStyle/>
+        <a:p>
+          <a:pPr lvl="0" algn="l" defTabSz="889000" latinLnBrk="1">
+            <a:lnSpc>
+              <a:spcPct val="90000"/>
+            </a:lnSpc>
+            <a:spcBef>
+              <a:spcPct val="0"/>
+            </a:spcBef>
+            <a:spcAft>
+              <a:spcPct val="35000"/>
+            </a:spcAft>
+          </a:pPr>
+          <a:r>
+            <a:rPr lang="ko-KR" altLang="en-US" sz="2000" kern="1200" dirty="0" err="1" smtClean="0"/>
+            <a:t>곽규한</a:t>
+          </a:r>
+          <a:endParaRPr lang="en-US" altLang="ko-KR" sz="2000" kern="1200" dirty="0" smtClean="0"/>
+        </a:p>
+        <a:p>
+          <a:pPr lvl="0" algn="l" defTabSz="889000" latinLnBrk="1">
+            <a:lnSpc>
+              <a:spcPct val="90000"/>
+            </a:lnSpc>
+            <a:spcBef>
+              <a:spcPct val="0"/>
+            </a:spcBef>
+            <a:spcAft>
+              <a:spcPct val="35000"/>
+            </a:spcAft>
+          </a:pPr>
+          <a:r>
+            <a:rPr lang="ko-KR" altLang="en-US" sz="2000" kern="1200" dirty="0" smtClean="0"/>
+            <a:t>이호준</a:t>
+          </a:r>
+          <a:endParaRPr lang="ko-KR" altLang="en-US" sz="2000" kern="1200" dirty="0"/>
+        </a:p>
+      </dsp:txBody>
+      <dsp:txXfrm>
+        <a:off x="0" y="148232"/>
+        <a:ext cx="1173730" cy="1116124"/>
+      </dsp:txXfrm>
+    </dsp:sp>
+    <dsp:sp modelId="{7C4FB7B5-D460-4973-BF26-AEBEB02499D0}">
+      <dsp:nvSpPr>
+        <dsp:cNvPr id="0" name=""/>
+        <dsp:cNvSpPr/>
+      </dsp:nvSpPr>
+      <dsp:spPr>
+        <a:xfrm>
+          <a:off x="1261760" y="50683"/>
+          <a:ext cx="4606891" cy="1013667"/>
+        </a:xfrm>
+        <a:prstGeom prst="rect">
+          <a:avLst/>
+        </a:prstGeom>
+        <a:noFill/>
+        <a:ln>
+          <a:noFill/>
+        </a:ln>
+        <a:effectLst/>
+      </dsp:spPr>
+      <dsp:style>
+        <a:lnRef idx="0">
+          <a:scrgbClr r="0" g="0" b="0"/>
+        </a:lnRef>
+        <a:fillRef idx="0">
+          <a:scrgbClr r="0" g="0" b="0"/>
+        </a:fillRef>
+        <a:effectRef idx="0">
+          <a:scrgbClr r="0" g="0" b="0"/>
+        </a:effectRef>
+        <a:fontRef idx="minor"/>
+      </dsp:style>
+      <dsp:txBody>
+        <a:bodyPr spcFirstLastPara="0" vert="horz" wrap="square" lIns="91440" tIns="91440" rIns="91440" bIns="91440" numCol="1" spcCol="1270" anchor="t" anchorCtr="0">
+          <a:noAutofit/>
+        </a:bodyPr>
+        <a:lstStyle/>
+        <a:p>
+          <a:pPr lvl="0" algn="l" defTabSz="1066800" latinLnBrk="1">
+            <a:lnSpc>
+              <a:spcPct val="90000"/>
+            </a:lnSpc>
+            <a:spcBef>
+              <a:spcPct val="0"/>
+            </a:spcBef>
+            <a:spcAft>
+              <a:spcPct val="35000"/>
+            </a:spcAft>
+          </a:pPr>
+          <a:r>
+            <a:rPr lang="en-US" altLang="ko-KR" sz="2400" kern="1200" dirty="0" smtClean="0"/>
+            <a:t>AR </a:t>
+          </a:r>
+          <a:r>
+            <a:rPr lang="ko-KR" altLang="en-US" sz="2400" kern="1200" dirty="0" smtClean="0"/>
+            <a:t>기능</a:t>
+          </a:r>
+          <a:r>
+            <a:rPr lang="en-US" altLang="ko-KR" sz="2400" kern="1200" dirty="0" smtClean="0"/>
+            <a:t>, </a:t>
+          </a:r>
+          <a:r>
+            <a:rPr lang="ko-KR" altLang="en-US" sz="2400" kern="1200" dirty="0" smtClean="0"/>
+            <a:t>제어판 기능</a:t>
+          </a:r>
+          <a:endParaRPr lang="ko-KR" altLang="en-US" sz="2400" kern="1200" dirty="0"/>
+        </a:p>
+      </dsp:txBody>
+      <dsp:txXfrm>
+        <a:off x="1261760" y="50683"/>
+        <a:ext cx="4606891" cy="1013667"/>
+      </dsp:txXfrm>
+    </dsp:sp>
+    <dsp:sp modelId="{BAA0753F-A9FE-4701-942D-2D8182617D15}">
+      <dsp:nvSpPr>
+        <dsp:cNvPr id="0" name=""/>
+        <dsp:cNvSpPr/>
+      </dsp:nvSpPr>
+      <dsp:spPr>
+        <a:xfrm>
+          <a:off x="1173730" y="1064350"/>
+          <a:ext cx="4694921" cy="0"/>
+        </a:xfrm>
+        <a:prstGeom prst="line">
+          <a:avLst/>
+        </a:prstGeom>
+        <a:solidFill>
+          <a:schemeClr val="accent1">
+            <a:hueOff val="0"/>
+            <a:satOff val="0"/>
+            <a:lumOff val="0"/>
+            <a:alphaOff val="0"/>
+          </a:schemeClr>
+        </a:solidFill>
+        <a:ln w="25400" cap="flat" cmpd="sng" algn="ctr">
+          <a:solidFill>
+            <a:schemeClr val="accent1">
+              <a:tint val="50000"/>
+              <a:hueOff val="0"/>
+              <a:satOff val="0"/>
+              <a:lumOff val="0"/>
+              <a:alphaOff val="0"/>
+            </a:schemeClr>
+          </a:solidFill>
+          <a:prstDash val="solid"/>
+        </a:ln>
+        <a:effectLst/>
+      </dsp:spPr>
+      <dsp:style>
+        <a:lnRef idx="2">
+          <a:scrgbClr r="0" g="0" b="0"/>
+        </a:lnRef>
+        <a:fillRef idx="1">
+          <a:scrgbClr r="0" g="0" b="0"/>
+        </a:fillRef>
+        <a:effectRef idx="0">
+          <a:scrgbClr r="0" g="0" b="0"/>
+        </a:effectRef>
+        <a:fontRef idx="minor"/>
+      </dsp:style>
+    </dsp:sp>
+    <dsp:sp modelId="{D7502388-C955-45BA-8AF5-2054B132C11C}">
+      <dsp:nvSpPr>
+        <dsp:cNvPr id="0" name=""/>
+        <dsp:cNvSpPr/>
+      </dsp:nvSpPr>
+      <dsp:spPr>
+        <a:xfrm>
+          <a:off x="0" y="1116124"/>
+          <a:ext cx="5868652" cy="0"/>
+        </a:xfrm>
+        <a:prstGeom prst="line">
+          <a:avLst/>
+        </a:prstGeom>
+        <a:solidFill>
+          <a:schemeClr val="accent1">
+            <a:hueOff val="0"/>
+            <a:satOff val="0"/>
+            <a:lumOff val="0"/>
+            <a:alphaOff val="0"/>
+          </a:schemeClr>
+        </a:solidFill>
+        <a:ln w="25400" cap="flat" cmpd="sng" algn="ctr">
+          <a:solidFill>
+            <a:schemeClr val="accent1">
+              <a:hueOff val="0"/>
+              <a:satOff val="0"/>
+              <a:lumOff val="0"/>
+              <a:alphaOff val="0"/>
+            </a:schemeClr>
+          </a:solidFill>
+          <a:prstDash val="solid"/>
+        </a:ln>
+        <a:effectLst/>
+      </dsp:spPr>
+      <dsp:style>
+        <a:lnRef idx="2">
+          <a:scrgbClr r="0" g="0" b="0"/>
+        </a:lnRef>
+        <a:fillRef idx="1">
+          <a:scrgbClr r="0" g="0" b="0"/>
+        </a:fillRef>
+        <a:effectRef idx="0">
+          <a:scrgbClr r="0" g="0" b="0"/>
+        </a:effectRef>
+        <a:fontRef idx="minor">
+          <a:schemeClr val="lt1"/>
+        </a:fontRef>
+      </dsp:style>
+    </dsp:sp>
+    <dsp:sp modelId="{0121AB03-4C53-463B-B760-EC250EE8B1A2}">
+      <dsp:nvSpPr>
+        <dsp:cNvPr id="0" name=""/>
+        <dsp:cNvSpPr/>
+      </dsp:nvSpPr>
+      <dsp:spPr>
+        <a:xfrm>
+          <a:off x="0" y="1116124"/>
+          <a:ext cx="1173730" cy="1116124"/>
+        </a:xfrm>
+        <a:prstGeom prst="rect">
+          <a:avLst/>
+        </a:prstGeom>
+        <a:noFill/>
+        <a:ln>
+          <a:noFill/>
+        </a:ln>
+        <a:effectLst/>
+      </dsp:spPr>
+      <dsp:style>
+        <a:lnRef idx="0">
+          <a:scrgbClr r="0" g="0" b="0"/>
+        </a:lnRef>
+        <a:fillRef idx="0">
+          <a:scrgbClr r="0" g="0" b="0"/>
+        </a:fillRef>
+        <a:effectRef idx="0">
+          <a:scrgbClr r="0" g="0" b="0"/>
+        </a:effectRef>
+        <a:fontRef idx="minor"/>
+      </dsp:style>
+      <dsp:txBody>
+        <a:bodyPr spcFirstLastPara="0" vert="horz" wrap="square" lIns="76200" tIns="76200" rIns="76200" bIns="76200" numCol="1" spcCol="1270" anchor="t" anchorCtr="0">
+          <a:noAutofit/>
+        </a:bodyPr>
+        <a:lstStyle/>
+        <a:p>
+          <a:pPr lvl="0" algn="l" defTabSz="889000" latinLnBrk="1">
+            <a:lnSpc>
+              <a:spcPct val="90000"/>
+            </a:lnSpc>
+            <a:spcBef>
+              <a:spcPct val="0"/>
+            </a:spcBef>
+            <a:spcAft>
+              <a:spcPct val="35000"/>
+            </a:spcAft>
+          </a:pPr>
+          <a:r>
+            <a:rPr lang="ko-KR" altLang="en-US" sz="2000" kern="1200" dirty="0" smtClean="0"/>
+            <a:t>이남현</a:t>
+          </a:r>
+          <a:endParaRPr lang="ko-KR" altLang="en-US" sz="2000" kern="1200" dirty="0"/>
+        </a:p>
+      </dsp:txBody>
+      <dsp:txXfrm>
+        <a:off x="0" y="1116124"/>
+        <a:ext cx="1173730" cy="1116124"/>
+      </dsp:txXfrm>
+    </dsp:sp>
+    <dsp:sp modelId="{4C37C8A3-9B77-46C6-AB1D-90AB5E3271E6}">
+      <dsp:nvSpPr>
+        <dsp:cNvPr id="0" name=""/>
+        <dsp:cNvSpPr/>
+      </dsp:nvSpPr>
+      <dsp:spPr>
+        <a:xfrm>
+          <a:off x="1261760" y="1166807"/>
+          <a:ext cx="4606891" cy="1013667"/>
+        </a:xfrm>
+        <a:prstGeom prst="rect">
+          <a:avLst/>
+        </a:prstGeom>
+        <a:noFill/>
+        <a:ln>
+          <a:noFill/>
+        </a:ln>
+        <a:effectLst/>
+      </dsp:spPr>
+      <dsp:style>
+        <a:lnRef idx="0">
+          <a:scrgbClr r="0" g="0" b="0"/>
+        </a:lnRef>
+        <a:fillRef idx="0">
+          <a:scrgbClr r="0" g="0" b="0"/>
+        </a:fillRef>
+        <a:effectRef idx="0">
+          <a:scrgbClr r="0" g="0" b="0"/>
+        </a:effectRef>
+        <a:fontRef idx="minor"/>
+      </dsp:style>
+      <dsp:txBody>
+        <a:bodyPr spcFirstLastPara="0" vert="horz" wrap="square" lIns="91440" tIns="91440" rIns="91440" bIns="91440" numCol="1" spcCol="1270" anchor="t" anchorCtr="0">
+          <a:noAutofit/>
+        </a:bodyPr>
+        <a:lstStyle/>
+        <a:p>
+          <a:pPr lvl="0" algn="l" defTabSz="1066800" latinLnBrk="1">
+            <a:lnSpc>
+              <a:spcPct val="90000"/>
+            </a:lnSpc>
+            <a:spcBef>
+              <a:spcPct val="0"/>
+            </a:spcBef>
+            <a:spcAft>
+              <a:spcPct val="35000"/>
+            </a:spcAft>
+          </a:pPr>
+          <a:r>
+            <a:rPr lang="ko-KR" altLang="en-US" sz="2400" kern="1200" dirty="0" smtClean="0"/>
+            <a:t>서버</a:t>
+          </a:r>
+          <a:endParaRPr lang="ko-KR" altLang="en-US" sz="2400" kern="1200" dirty="0"/>
+        </a:p>
+      </dsp:txBody>
+      <dsp:txXfrm>
+        <a:off x="1261760" y="1166807"/>
+        <a:ext cx="4606891" cy="1013667"/>
+      </dsp:txXfrm>
+    </dsp:sp>
+    <dsp:sp modelId="{F16ADB40-B52D-40B8-A813-0E635BE895AE}">
+      <dsp:nvSpPr>
+        <dsp:cNvPr id="0" name=""/>
+        <dsp:cNvSpPr/>
+      </dsp:nvSpPr>
+      <dsp:spPr>
+        <a:xfrm>
+          <a:off x="1173730" y="2180474"/>
+          <a:ext cx="4694921" cy="0"/>
+        </a:xfrm>
+        <a:prstGeom prst="line">
+          <a:avLst/>
+        </a:prstGeom>
+        <a:solidFill>
+          <a:schemeClr val="accent1">
+            <a:hueOff val="0"/>
+            <a:satOff val="0"/>
+            <a:lumOff val="0"/>
+            <a:alphaOff val="0"/>
+          </a:schemeClr>
+        </a:solidFill>
+        <a:ln w="25400" cap="flat" cmpd="sng" algn="ctr">
+          <a:solidFill>
+            <a:schemeClr val="accent1">
+              <a:tint val="50000"/>
+              <a:hueOff val="0"/>
+              <a:satOff val="0"/>
+              <a:lumOff val="0"/>
+              <a:alphaOff val="0"/>
+            </a:schemeClr>
+          </a:solidFill>
+          <a:prstDash val="solid"/>
+        </a:ln>
+        <a:effectLst/>
+      </dsp:spPr>
+      <dsp:style>
+        <a:lnRef idx="2">
+          <a:scrgbClr r="0" g="0" b="0"/>
+        </a:lnRef>
+        <a:fillRef idx="1">
+          <a:scrgbClr r="0" g="0" b="0"/>
+        </a:fillRef>
+        <a:effectRef idx="0">
+          <a:scrgbClr r="0" g="0" b="0"/>
+        </a:effectRef>
+        <a:fontRef idx="minor"/>
+      </dsp:style>
+    </dsp:sp>
   </dsp:spTree>
 </dsp:drawing>
 </file>
@@ -8640,6 +9104,768 @@
               <a:defRPr lang="ko-KR" altLang="en-US"/>
             </a:pPr>
             <a:r>
+              <a:rPr lang="en-US"/>
+              <a:t>WebAR</a:t>
+            </a:r>
+            <a:r>
+              <a:rPr lang="ko-KR" altLang="en-US"/>
+              <a:t> 인테리어 </a:t>
+            </a:r>
+            <a:r>
+              <a:rPr lang="en-US" altLang="ko-KR"/>
+              <a:t>- </a:t>
+            </a:r>
+            <a:r>
+              <a:rPr lang="ko-KR" altLang="en-US"/>
+              <a:t>기능</a:t>
+            </a:r>
+            <a:endParaRPr lang="en-US"/>
+          </a:p>
+        </p:txBody>
+      </p:sp>
+      <p:sp>
+        <p:nvSpPr>
+          <p:cNvPr id="12" name="Inhaltsplatzhalter 4"/>
+          <p:cNvSpPr txBox="1"/>
+          <p:nvPr/>
+        </p:nvSpPr>
+        <p:spPr>
+          <a:xfrm>
+            <a:off x="1331640" y="3881476"/>
+            <a:ext cx="2556284" cy="969496"/>
+          </a:xfrm>
+          <a:prstGeom prst="rect">
+            <a:avLst/>
+          </a:prstGeom>
+        </p:spPr>
+        <p:txBody>
+          <a:bodyPr wrap="square" lIns="0" tIns="0" rIns="0" bIns="0" anchor="ctr">
+            <a:spAutoFit/>
+          </a:bodyPr>
+          <a:lstStyle>
+            <a:lvl1pPr marL="272967" indent="-272967" algn="l" defTabSz="914127" rtl="0" eaLnBrk="1" latinLnBrk="0" hangingPunct="1">
+              <a:lnSpc>
+                <a:spcPct val="90000"/>
+              </a:lnSpc>
+              <a:spcBef>
+                <a:spcPts val="0"/>
+              </a:spcBef>
+              <a:spcAft>
+                <a:spcPts val="1000"/>
+              </a:spcAft>
+              <a:buFont typeface="Wingdings"/>
+              <a:buChar char="§"/>
+              <a:defRPr sz="2300" kern="1200">
+                <a:solidFill>
+                  <a:schemeClr val="bg1"/>
+                </a:solidFill>
+                <a:latin typeface="Calibri Light"/>
+                <a:ea typeface="+mn-ea"/>
+                <a:cs typeface="+mn-cs"/>
+              </a:defRPr>
+            </a:lvl1pPr>
+            <a:lvl2pPr marL="807798" indent="-272967" algn="l" defTabSz="914127" rtl="0" eaLnBrk="1" latinLnBrk="0" hangingPunct="1">
+              <a:lnSpc>
+                <a:spcPct val="90000"/>
+              </a:lnSpc>
+              <a:spcBef>
+                <a:spcPts val="0"/>
+              </a:spcBef>
+              <a:spcAft>
+                <a:spcPts val="1000"/>
+              </a:spcAft>
+              <a:buFont typeface="Symbol"/>
+              <a:buChar char="-"/>
+              <a:defRPr sz="2000" kern="1200">
+                <a:solidFill>
+                  <a:schemeClr val="bg1"/>
+                </a:solidFill>
+                <a:latin typeface="Calibri Light"/>
+                <a:ea typeface="+mn-ea"/>
+                <a:cs typeface="+mn-cs"/>
+              </a:defRPr>
+            </a:lvl2pPr>
+            <a:lvl3pPr marL="1080764" indent="-177748" algn="l" defTabSz="914127" rtl="0" eaLnBrk="1" latinLnBrk="0" hangingPunct="1">
+              <a:lnSpc>
+                <a:spcPct val="90000"/>
+              </a:lnSpc>
+              <a:spcBef>
+                <a:spcPts val="0"/>
+              </a:spcBef>
+              <a:spcAft>
+                <a:spcPts val="1000"/>
+              </a:spcAft>
+              <a:buFont typeface="Symbol"/>
+              <a:buChar char="-"/>
+              <a:defRPr sz="1900" kern="1200">
+                <a:solidFill>
+                  <a:schemeClr val="bg1"/>
+                </a:solidFill>
+                <a:latin typeface="Calibri Light"/>
+                <a:ea typeface="+mn-ea"/>
+                <a:cs typeface="+mn-cs"/>
+              </a:defRPr>
+            </a:lvl3pPr>
+            <a:lvl4pPr marL="1436256" indent="-177748" algn="l" defTabSz="914127" rtl="0" eaLnBrk="1" latinLnBrk="0" hangingPunct="1">
+              <a:lnSpc>
+                <a:spcPct val="90000"/>
+              </a:lnSpc>
+              <a:spcBef>
+                <a:spcPts val="0"/>
+              </a:spcBef>
+              <a:spcAft>
+                <a:spcPts val="1000"/>
+              </a:spcAft>
+              <a:buFont typeface="Symbol"/>
+              <a:buChar char="-"/>
+              <a:defRPr sz="1600" kern="1200">
+                <a:solidFill>
+                  <a:schemeClr val="bg1"/>
+                </a:solidFill>
+                <a:latin typeface="Calibri Light"/>
+                <a:ea typeface="+mn-ea"/>
+                <a:cs typeface="+mn-cs"/>
+              </a:defRPr>
+            </a:lvl4pPr>
+            <a:lvl5pPr marL="1793335" indent="-179335" algn="l" defTabSz="914127" rtl="0" eaLnBrk="1" latinLnBrk="0" hangingPunct="1">
+              <a:lnSpc>
+                <a:spcPct val="90000"/>
+              </a:lnSpc>
+              <a:spcBef>
+                <a:spcPts val="0"/>
+              </a:spcBef>
+              <a:spcAft>
+                <a:spcPts val="1000"/>
+              </a:spcAft>
+              <a:buFont typeface="Symbol"/>
+              <a:buChar char="-"/>
+              <a:defRPr sz="1600" kern="1200">
+                <a:solidFill>
+                  <a:schemeClr val="bg1"/>
+                </a:solidFill>
+                <a:latin typeface="Calibri Light"/>
+                <a:ea typeface="+mn-ea"/>
+                <a:cs typeface="+mn-cs"/>
+              </a:defRPr>
+            </a:lvl5pPr>
+            <a:lvl6pPr marL="2513847" indent="-228532" algn="l" defTabSz="914127" rtl="0" eaLnBrk="1" latinLnBrk="0" hangingPunct="1">
+              <a:spcBef>
+                <a:spcPct val="20000"/>
+              </a:spcBef>
+              <a:buFont typeface="Arial"/>
+              <a:buChar char="•"/>
+              <a:defRPr sz="2000" kern="1200">
+                <a:solidFill>
+                  <a:schemeClr val="tx1"/>
+                </a:solidFill>
+                <a:latin typeface="+mn-lt"/>
+                <a:ea typeface="+mn-ea"/>
+                <a:cs typeface="+mn-cs"/>
+              </a:defRPr>
+            </a:lvl6pPr>
+            <a:lvl7pPr marL="2970910" indent="-228532" algn="l" defTabSz="914127" rtl="0" eaLnBrk="1" latinLnBrk="0" hangingPunct="1">
+              <a:spcBef>
+                <a:spcPct val="20000"/>
+              </a:spcBef>
+              <a:buFont typeface="Arial"/>
+              <a:buChar char="•"/>
+              <a:defRPr sz="2000" kern="1200">
+                <a:solidFill>
+                  <a:schemeClr val="tx1"/>
+                </a:solidFill>
+                <a:latin typeface="+mn-lt"/>
+                <a:ea typeface="+mn-ea"/>
+                <a:cs typeface="+mn-cs"/>
+              </a:defRPr>
+            </a:lvl7pPr>
+            <a:lvl8pPr marL="3427972" indent="-228532" algn="l" defTabSz="914127" rtl="0" eaLnBrk="1" latinLnBrk="0" hangingPunct="1">
+              <a:spcBef>
+                <a:spcPct val="20000"/>
+              </a:spcBef>
+              <a:buFont typeface="Arial"/>
+              <a:buChar char="•"/>
+              <a:defRPr sz="2000" kern="1200">
+                <a:solidFill>
+                  <a:schemeClr val="tx1"/>
+                </a:solidFill>
+                <a:latin typeface="+mn-lt"/>
+                <a:ea typeface="+mn-ea"/>
+                <a:cs typeface="+mn-cs"/>
+              </a:defRPr>
+            </a:lvl8pPr>
+            <a:lvl9pPr marL="3885034" indent="-228532" algn="l" defTabSz="914127" rtl="0" eaLnBrk="1" latinLnBrk="0" hangingPunct="1">
+              <a:spcBef>
+                <a:spcPct val="20000"/>
+              </a:spcBef>
+              <a:buFont typeface="Arial"/>
+              <a:buChar char="•"/>
+              <a:defRPr sz="2000" kern="1200">
+                <a:solidFill>
+                  <a:schemeClr val="tx1"/>
+                </a:solidFill>
+                <a:latin typeface="+mn-lt"/>
+                <a:ea typeface="+mn-ea"/>
+                <a:cs typeface="+mn-cs"/>
+              </a:defRPr>
+            </a:lvl9pPr>
+          </a:lstStyle>
+          <a:p>
+            <a:pPr marL="0" indent="0">
+              <a:lnSpc>
+                <a:spcPct val="150000"/>
+              </a:lnSpc>
+              <a:buNone/>
+              <a:defRPr lang="ko-KR" altLang="en-US"/>
+            </a:pPr>
+            <a:r>
+              <a:rPr lang="ko-KR" altLang="en-US" sz="1800" b="1" dirty="0" smtClean="0">
+                <a:latin typeface="+mj-lt"/>
+              </a:rPr>
+              <a:t>쉽고 간</a:t>
+            </a:r>
+            <a:r>
+              <a:rPr lang="ko-KR" altLang="en-US" sz="1800" b="1" dirty="0">
+                <a:latin typeface="+mj-lt"/>
+              </a:rPr>
+              <a:t>편</a:t>
+            </a:r>
+            <a:r>
+              <a:rPr lang="ko-KR" altLang="en-US" sz="1800" b="1" dirty="0" smtClean="0">
+                <a:latin typeface="+mj-lt"/>
+              </a:rPr>
+              <a:t>한 배치 </a:t>
+            </a:r>
+            <a:r>
+              <a:rPr lang="en-US" altLang="ko-KR" sz="1800" b="1" dirty="0" smtClean="0">
+                <a:latin typeface="+mj-lt"/>
+              </a:rPr>
+              <a:t>#03</a:t>
+            </a:r>
+            <a:r>
+              <a:rPr lang="en-US" sz="1800" b="1" dirty="0" smtClean="0">
+                <a:latin typeface="+mj-lt"/>
+              </a:rPr>
+              <a:t/>
+            </a:r>
+            <a:br>
+              <a:rPr lang="en-US" sz="1800" b="1" dirty="0" smtClean="0">
+                <a:latin typeface="+mj-lt"/>
+              </a:rPr>
+            </a:br>
+            <a:r>
+              <a:rPr lang="en-US" altLang="ko-KR" sz="1200" dirty="0" smtClean="0">
+                <a:latin typeface="+mj-lt"/>
+              </a:rPr>
+              <a:t>Hit-test API</a:t>
+            </a:r>
+            <a:r>
+              <a:rPr lang="ko-KR" altLang="en-US" sz="1200" dirty="0" smtClean="0">
+                <a:latin typeface="+mj-lt"/>
+              </a:rPr>
+              <a:t>를 사용해 바닥에 사물을 놓을 수 있고 터치로 쉽게 이동가능</a:t>
+            </a:r>
+            <a:endParaRPr lang="en-US" sz="1400" dirty="0">
+              <a:latin typeface="+mj-lt"/>
+            </a:endParaRPr>
+          </a:p>
+        </p:txBody>
+      </p:sp>
+      <p:sp>
+        <p:nvSpPr>
+          <p:cNvPr id="13" name="Inhaltsplatzhalter 4"/>
+          <p:cNvSpPr txBox="1"/>
+          <p:nvPr/>
+        </p:nvSpPr>
+        <p:spPr>
+          <a:xfrm>
+            <a:off x="5508104" y="3876933"/>
+            <a:ext cx="2432860" cy="969496"/>
+          </a:xfrm>
+          <a:prstGeom prst="rect">
+            <a:avLst/>
+          </a:prstGeom>
+        </p:spPr>
+        <p:txBody>
+          <a:bodyPr wrap="square" lIns="0" tIns="0" rIns="0" bIns="0" anchor="ctr">
+            <a:spAutoFit/>
+          </a:bodyPr>
+          <a:lstStyle>
+            <a:lvl1pPr marL="272967" indent="-272967" algn="l" defTabSz="914127" rtl="0" eaLnBrk="1" latinLnBrk="0" hangingPunct="1">
+              <a:lnSpc>
+                <a:spcPct val="90000"/>
+              </a:lnSpc>
+              <a:spcBef>
+                <a:spcPts val="0"/>
+              </a:spcBef>
+              <a:spcAft>
+                <a:spcPts val="1000"/>
+              </a:spcAft>
+              <a:buFont typeface="Wingdings"/>
+              <a:buChar char="§"/>
+              <a:defRPr sz="2300" kern="1200">
+                <a:solidFill>
+                  <a:schemeClr val="bg1"/>
+                </a:solidFill>
+                <a:latin typeface="Calibri Light"/>
+                <a:ea typeface="+mn-ea"/>
+                <a:cs typeface="+mn-cs"/>
+              </a:defRPr>
+            </a:lvl1pPr>
+            <a:lvl2pPr marL="807798" indent="-272967" algn="l" defTabSz="914127" rtl="0" eaLnBrk="1" latinLnBrk="0" hangingPunct="1">
+              <a:lnSpc>
+                <a:spcPct val="90000"/>
+              </a:lnSpc>
+              <a:spcBef>
+                <a:spcPts val="0"/>
+              </a:spcBef>
+              <a:spcAft>
+                <a:spcPts val="1000"/>
+              </a:spcAft>
+              <a:buFont typeface="Symbol"/>
+              <a:buChar char="-"/>
+              <a:defRPr sz="2000" kern="1200">
+                <a:solidFill>
+                  <a:schemeClr val="bg1"/>
+                </a:solidFill>
+                <a:latin typeface="Calibri Light"/>
+                <a:ea typeface="+mn-ea"/>
+                <a:cs typeface="+mn-cs"/>
+              </a:defRPr>
+            </a:lvl2pPr>
+            <a:lvl3pPr marL="1080764" indent="-177748" algn="l" defTabSz="914127" rtl="0" eaLnBrk="1" latinLnBrk="0" hangingPunct="1">
+              <a:lnSpc>
+                <a:spcPct val="90000"/>
+              </a:lnSpc>
+              <a:spcBef>
+                <a:spcPts val="0"/>
+              </a:spcBef>
+              <a:spcAft>
+                <a:spcPts val="1000"/>
+              </a:spcAft>
+              <a:buFont typeface="Symbol"/>
+              <a:buChar char="-"/>
+              <a:defRPr sz="1900" kern="1200">
+                <a:solidFill>
+                  <a:schemeClr val="bg1"/>
+                </a:solidFill>
+                <a:latin typeface="Calibri Light"/>
+                <a:ea typeface="+mn-ea"/>
+                <a:cs typeface="+mn-cs"/>
+              </a:defRPr>
+            </a:lvl3pPr>
+            <a:lvl4pPr marL="1436256" indent="-177748" algn="l" defTabSz="914127" rtl="0" eaLnBrk="1" latinLnBrk="0" hangingPunct="1">
+              <a:lnSpc>
+                <a:spcPct val="90000"/>
+              </a:lnSpc>
+              <a:spcBef>
+                <a:spcPts val="0"/>
+              </a:spcBef>
+              <a:spcAft>
+                <a:spcPts val="1000"/>
+              </a:spcAft>
+              <a:buFont typeface="Symbol"/>
+              <a:buChar char="-"/>
+              <a:defRPr sz="1600" kern="1200">
+                <a:solidFill>
+                  <a:schemeClr val="bg1"/>
+                </a:solidFill>
+                <a:latin typeface="Calibri Light"/>
+                <a:ea typeface="+mn-ea"/>
+                <a:cs typeface="+mn-cs"/>
+              </a:defRPr>
+            </a:lvl4pPr>
+            <a:lvl5pPr marL="1793335" indent="-179335" algn="l" defTabSz="914127" rtl="0" eaLnBrk="1" latinLnBrk="0" hangingPunct="1">
+              <a:lnSpc>
+                <a:spcPct val="90000"/>
+              </a:lnSpc>
+              <a:spcBef>
+                <a:spcPts val="0"/>
+              </a:spcBef>
+              <a:spcAft>
+                <a:spcPts val="1000"/>
+              </a:spcAft>
+              <a:buFont typeface="Symbol"/>
+              <a:buChar char="-"/>
+              <a:defRPr sz="1600" kern="1200">
+                <a:solidFill>
+                  <a:schemeClr val="bg1"/>
+                </a:solidFill>
+                <a:latin typeface="Calibri Light"/>
+                <a:ea typeface="+mn-ea"/>
+                <a:cs typeface="+mn-cs"/>
+              </a:defRPr>
+            </a:lvl5pPr>
+            <a:lvl6pPr marL="2513847" indent="-228532" algn="l" defTabSz="914127" rtl="0" eaLnBrk="1" latinLnBrk="0" hangingPunct="1">
+              <a:spcBef>
+                <a:spcPct val="20000"/>
+              </a:spcBef>
+              <a:buFont typeface="Arial"/>
+              <a:buChar char="•"/>
+              <a:defRPr sz="2000" kern="1200">
+                <a:solidFill>
+                  <a:schemeClr val="tx1"/>
+                </a:solidFill>
+                <a:latin typeface="+mn-lt"/>
+                <a:ea typeface="+mn-ea"/>
+                <a:cs typeface="+mn-cs"/>
+              </a:defRPr>
+            </a:lvl6pPr>
+            <a:lvl7pPr marL="2970910" indent="-228532" algn="l" defTabSz="914127" rtl="0" eaLnBrk="1" latinLnBrk="0" hangingPunct="1">
+              <a:spcBef>
+                <a:spcPct val="20000"/>
+              </a:spcBef>
+              <a:buFont typeface="Arial"/>
+              <a:buChar char="•"/>
+              <a:defRPr sz="2000" kern="1200">
+                <a:solidFill>
+                  <a:schemeClr val="tx1"/>
+                </a:solidFill>
+                <a:latin typeface="+mn-lt"/>
+                <a:ea typeface="+mn-ea"/>
+                <a:cs typeface="+mn-cs"/>
+              </a:defRPr>
+            </a:lvl7pPr>
+            <a:lvl8pPr marL="3427972" indent="-228532" algn="l" defTabSz="914127" rtl="0" eaLnBrk="1" latinLnBrk="0" hangingPunct="1">
+              <a:spcBef>
+                <a:spcPct val="20000"/>
+              </a:spcBef>
+              <a:buFont typeface="Arial"/>
+              <a:buChar char="•"/>
+              <a:defRPr sz="2000" kern="1200">
+                <a:solidFill>
+                  <a:schemeClr val="tx1"/>
+                </a:solidFill>
+                <a:latin typeface="+mn-lt"/>
+                <a:ea typeface="+mn-ea"/>
+                <a:cs typeface="+mn-cs"/>
+              </a:defRPr>
+            </a:lvl8pPr>
+            <a:lvl9pPr marL="3885034" indent="-228532" algn="l" defTabSz="914127" rtl="0" eaLnBrk="1" latinLnBrk="0" hangingPunct="1">
+              <a:spcBef>
+                <a:spcPct val="20000"/>
+              </a:spcBef>
+              <a:buFont typeface="Arial"/>
+              <a:buChar char="•"/>
+              <a:defRPr sz="2000" kern="1200">
+                <a:solidFill>
+                  <a:schemeClr val="tx1"/>
+                </a:solidFill>
+                <a:latin typeface="+mn-lt"/>
+                <a:ea typeface="+mn-ea"/>
+                <a:cs typeface="+mn-cs"/>
+              </a:defRPr>
+            </a:lvl9pPr>
+          </a:lstStyle>
+          <a:p>
+            <a:pPr marL="0" indent="0">
+              <a:lnSpc>
+                <a:spcPct val="150000"/>
+              </a:lnSpc>
+              <a:buNone/>
+              <a:defRPr lang="ko-KR" altLang="en-US"/>
+            </a:pPr>
+            <a:r>
+              <a:rPr lang="ko-KR" altLang="en-US" sz="1800" b="1" dirty="0" smtClean="0">
+                <a:latin typeface="+mj-lt"/>
+              </a:rPr>
+              <a:t>정</a:t>
+            </a:r>
+            <a:r>
+              <a:rPr lang="ko-KR" altLang="en-US" sz="1800" b="1" dirty="0">
+                <a:latin typeface="+mj-lt"/>
+              </a:rPr>
+              <a:t>확</a:t>
+            </a:r>
+            <a:r>
+              <a:rPr lang="ko-KR" altLang="en-US" sz="1800" b="1" dirty="0" smtClean="0">
+                <a:latin typeface="+mj-lt"/>
+              </a:rPr>
+              <a:t>한 길이 측정 </a:t>
+            </a:r>
+            <a:r>
+              <a:rPr lang="en-US" sz="1800" b="1" dirty="0" smtClean="0">
+                <a:latin typeface="+mj-lt"/>
+              </a:rPr>
+              <a:t>#04</a:t>
+            </a:r>
+            <a:r>
+              <a:rPr lang="en-US" sz="1800" b="1" dirty="0">
+                <a:latin typeface="+mj-lt"/>
+              </a:rPr>
+              <a:t/>
+            </a:r>
+            <a:br>
+              <a:rPr lang="en-US" sz="1800" b="1" dirty="0">
+                <a:latin typeface="+mj-lt"/>
+              </a:rPr>
+            </a:br>
+            <a:r>
+              <a:rPr lang="ko-KR" altLang="en-US" sz="1200" dirty="0" smtClean="0">
+                <a:latin typeface="+mj-lt"/>
+              </a:rPr>
+              <a:t>길</a:t>
+            </a:r>
+            <a:r>
+              <a:rPr lang="ko-KR" altLang="en-US" sz="1200" dirty="0">
+                <a:latin typeface="+mj-lt"/>
+              </a:rPr>
+              <a:t>이</a:t>
+            </a:r>
+            <a:r>
+              <a:rPr lang="ko-KR" altLang="en-US" sz="1200" dirty="0" smtClean="0">
+                <a:latin typeface="+mj-lt"/>
+              </a:rPr>
+              <a:t>측정 기능을 제공해</a:t>
+            </a:r>
+            <a:r>
+              <a:rPr lang="en-US" altLang="ko-KR" sz="1200" dirty="0" smtClean="0">
+                <a:latin typeface="+mj-lt"/>
+              </a:rPr>
+              <a:t>, </a:t>
+            </a:r>
+            <a:r>
+              <a:rPr lang="ko-KR" altLang="en-US" sz="1200" dirty="0" smtClean="0">
+                <a:latin typeface="+mj-lt"/>
+              </a:rPr>
+              <a:t>실제 가구 배치에 도움을 줌</a:t>
+            </a:r>
+            <a:endParaRPr lang="en-US" sz="1400" dirty="0">
+              <a:latin typeface="+mj-lt"/>
+            </a:endParaRPr>
+          </a:p>
+        </p:txBody>
+      </p:sp>
+    </p:spTree>
+    <p:extLst>
+      <p:ext uri="{BB962C8B-B14F-4D97-AF65-F5344CB8AC3E}">
+        <p14:creationId xmlns:p14="http://schemas.microsoft.com/office/powerpoint/2010/main" val="4029614632"/>
+      </p:ext>
+    </p:extLst>
+  </p:cSld>
+  <p:clrMapOvr>
+    <a:masterClrMapping/>
+  </p:clrMapOvr>
+  <p:transition spd="med">
+    <p:fade/>
+  </p:transition>
+  <p:timing>
+    <p:tnLst>
+      <p:par>
+        <p:cTn id="1" dur="indefinite" restart="never" nodeType="tmRoot">
+          <p:childTnLst>
+            <p:seq concurrent="1" nextAc="seek">
+              <p:cTn id="2" dur="indefinite" nodeType="mainSeq">
+                <p:childTnLst>
+                  <p:par>
+                    <p:cTn id="3" fill="hold">
+                      <p:stCondLst>
+                        <p:cond delay="indefinite"/>
+                        <p:cond evt="onBegin" delay="0">
+                          <p:tn val="2"/>
+                        </p:cond>
+                      </p:stCondLst>
+                      <p:childTnLst>
+                        <p:par>
+                          <p:cTn id="4" fill="hold">
+                            <p:stCondLst>
+                              <p:cond delay="0"/>
+                            </p:stCondLst>
+                            <p:childTnLst>
+                              <p:par>
+                                <p:cTn id="5" presetID="22" presetClass="entr" presetSubtype="8" fill="hold" grpId="0" nodeType="withEffect">
+                                  <p:stCondLst>
+                                    <p:cond delay="0"/>
+                                  </p:stCondLst>
+                                  <p:iterate>
+                                    <p:tmPct val="10000"/>
+                                  </p:iterate>
+                                  <p:childTnLst>
+                                    <p:set>
+                                      <p:cBhvr>
+                                        <p:cTn id="6" dur="1" fill="hold">
+                                          <p:stCondLst>
+                                            <p:cond delay="0"/>
+                                          </p:stCondLst>
+                                        </p:cTn>
+                                        <p:tgtEl>
+                                          <p:spTgt spid="12"/>
+                                        </p:tgtEl>
+                                        <p:attrNameLst>
+                                          <p:attrName>style.visibility</p:attrName>
+                                        </p:attrNameLst>
+                                      </p:cBhvr>
+                                      <p:to>
+                                        <p:strVal val="visible"/>
+                                      </p:to>
+                                    </p:set>
+                                    <p:animEffect transition="in" filter="wipe(left)">
+                                      <p:cBhvr>
+                                        <p:cTn id="7" dur="500" fill="hold">
+                                          <p:stCondLst>
+                                            <p:cond delay="0"/>
+                                          </p:stCondLst>
+                                        </p:cTn>
+                                        <p:tgtEl>
+                                          <p:spTgt spid="12"/>
+                                        </p:tgtEl>
+                                      </p:cBhvr>
+                                    </p:animEffect>
+                                  </p:childTnLst>
+                                </p:cTn>
+                              </p:par>
+                              <p:par>
+                                <p:cTn id="8" presetID="22" presetClass="entr" presetSubtype="8" fill="hold" grpId="0" nodeType="withEffect">
+                                  <p:stCondLst>
+                                    <p:cond delay="0"/>
+                                  </p:stCondLst>
+                                  <p:iterate>
+                                    <p:tmPct val="10000"/>
+                                  </p:iterate>
+                                  <p:childTnLst>
+                                    <p:set>
+                                      <p:cBhvr>
+                                        <p:cTn id="9" dur="1" fill="hold">
+                                          <p:stCondLst>
+                                            <p:cond delay="0"/>
+                                          </p:stCondLst>
+                                        </p:cTn>
+                                        <p:tgtEl>
+                                          <p:spTgt spid="13"/>
+                                        </p:tgtEl>
+                                        <p:attrNameLst>
+                                          <p:attrName>style.visibility</p:attrName>
+                                        </p:attrNameLst>
+                                      </p:cBhvr>
+                                      <p:to>
+                                        <p:strVal val="visible"/>
+                                      </p:to>
+                                    </p:set>
+                                    <p:animEffect transition="in" filter="wipe(left)">
+                                      <p:cBhvr>
+                                        <p:cTn id="10" dur="500" fill="hold">
+                                          <p:stCondLst>
+                                            <p:cond delay="0"/>
+                                          </p:stCondLst>
+                                        </p:cTn>
+                                        <p:tgtEl>
+                                          <p:spTgt spid="13"/>
+                                        </p:tgtEl>
+                                      </p:cBhvr>
+                                    </p:animEffect>
+                                  </p:childTnLst>
+                                </p:cTn>
+                              </p:par>
+                            </p:childTnLst>
+                          </p:cTn>
+                        </p:par>
+                      </p:childTnLst>
+                    </p:cTn>
+                  </p:par>
+                </p:childTnLst>
+              </p:cTn>
+              <p:prevCondLst>
+                <p:cond evt="onPrev" delay="0">
+                  <p:tgtEl>
+                    <p:sldTgt/>
+                  </p:tgtEl>
+                </p:cond>
+              </p:prevCondLst>
+              <p:nextCondLst>
+                <p:cond evt="onNext" delay="0">
+                  <p:tgtEl>
+                    <p:sldTgt/>
+                  </p:tgtEl>
+                </p:cond>
+              </p:nextCondLst>
+            </p:seq>
+          </p:childTnLst>
+        </p:cTn>
+      </p:par>
+    </p:tnLst>
+    <p:bldLst>
+      <p:bldP spid="12" grpId="0" autoUpdateAnimBg="0"/>
+      <p:bldP spid="13" grpId="0" autoUpdateAnimBg="0"/>
+    </p:bldLst>
+  </p:timing>
+</p:sld>
+</file>
+
+<file path=ppt/slides/slide11.xml><?xml version="1.0" encoding="utf-8"?>
+<p:sld xmlns:a="http://schemas.openxmlformats.org/drawingml/2006/main" xmlns:r="http://schemas.openxmlformats.org/officeDocument/2006/relationships" xmlns:p="http://schemas.openxmlformats.org/presentationml/2006/main">
+  <p:cSld>
+    <p:spTree>
+      <p:nvGrpSpPr>
+        <p:cNvPr id="1" name=""/>
+        <p:cNvGrpSpPr/>
+        <p:nvPr/>
+      </p:nvGrpSpPr>
+      <p:grpSpPr>
+        <a:xfrm>
+          <a:off x="0" y="0"/>
+          <a:ext cx="0" cy="0"/>
+          <a:chOff x="0" y="0"/>
+          <a:chExt cx="0" cy="0"/>
+        </a:xfrm>
+      </p:grpSpPr>
+      <p:sp>
+        <p:nvSpPr>
+          <p:cNvPr id="9" name="Rectangle 5"/>
+          <p:cNvSpPr/>
+          <p:nvPr/>
+        </p:nvSpPr>
+        <p:spPr>
+          <a:xfrm>
+            <a:off x="-508" y="3579718"/>
+            <a:ext cx="9144000" cy="1563638"/>
+          </a:xfrm>
+          <a:prstGeom prst="rect">
+            <a:avLst/>
+          </a:prstGeom>
+          <a:solidFill>
+            <a:srgbClr val="3F4C55"/>
+          </a:solidFill>
+          <a:ln w="9525">
+            <a:noFill/>
+            <a:round/>
+          </a:ln>
+        </p:spPr>
+        <p:txBody>
+          <a:bodyPr vert="horz" wrap="square" lIns="91440" tIns="45720" rIns="91440" bIns="45720" anchor="ctr" anchorCtr="0"/>
+          <a:lstStyle/>
+          <a:p>
+            <a:pPr algn="ctr">
+              <a:defRPr lang="ko-KR" altLang="en-US"/>
+            </a:pPr>
+            <a:endParaRPr lang="en-US">
+              <a:solidFill>
+                <a:schemeClr val="bg1"/>
+              </a:solidFill>
+              <a:latin typeface="+mn-lt"/>
+              <a:ea typeface="+mn-ea"/>
+              <a:cs typeface="+mn-cs"/>
+            </a:endParaRPr>
+          </a:p>
+        </p:txBody>
+      </p:sp>
+      <p:sp>
+        <p:nvSpPr>
+          <p:cNvPr id="2" name="Title 1"/>
+          <p:cNvSpPr>
+            <a:spLocks noGrp="1"/>
+          </p:cNvSpPr>
+          <p:nvPr>
+            <p:ph type="title"/>
+          </p:nvPr>
+        </p:nvSpPr>
+        <p:spPr/>
+        <p:txBody>
+          <a:bodyPr/>
+          <a:lstStyle/>
+          <a:p>
+            <a:pPr lvl="0">
+              <a:defRPr lang="ko-KR" altLang="en-US"/>
+            </a:pPr>
+            <a:r>
               <a:rPr lang="en-US" dirty="0" err="1"/>
               <a:t>WebAR</a:t>
             </a:r>
@@ -9326,7 +10552,7 @@
 </p:sld>
 </file>
 
-<file path=ppt/slides/slide11.xml><?xml version="1.0" encoding="utf-8"?>
+<file path=ppt/slides/slide12.xml><?xml version="1.0" encoding="utf-8"?>
 <p:sld xmlns:a="http://schemas.openxmlformats.org/drawingml/2006/main" xmlns:r="http://schemas.openxmlformats.org/officeDocument/2006/relationships" xmlns:p="http://schemas.openxmlformats.org/presentationml/2006/main" showMasterSp="0">
   <p:cSld>
     <p:spTree>
@@ -10948,7 +12174,7 @@
 </p:sld>
 </file>
 
-<file path=ppt/slides/slide12.xml><?xml version="1.0" encoding="utf-8"?>
+<file path=ppt/slides/slide13.xml><?xml version="1.0" encoding="utf-8"?>
 <p:sld xmlns:a="http://schemas.openxmlformats.org/drawingml/2006/main" xmlns:r="http://schemas.openxmlformats.org/officeDocument/2006/relationships" xmlns:p="http://schemas.openxmlformats.org/presentationml/2006/main" showMasterSp="0">
   <p:cSld>
     <p:spTree>
@@ -11403,7 +12629,7 @@
 </p:sld>
 </file>
 
-<file path=ppt/slides/slide13.xml><?xml version="1.0" encoding="utf-8"?>
+<file path=ppt/slides/slide14.xml><?xml version="1.0" encoding="utf-8"?>
 <p:sld xmlns:a="http://schemas.openxmlformats.org/drawingml/2006/main" xmlns:r="http://schemas.openxmlformats.org/officeDocument/2006/relationships" xmlns:p="http://schemas.openxmlformats.org/presentationml/2006/main" showMasterSp="0">
   <p:cSld>
     <p:spTree>
@@ -12789,1038 +14015,6 @@
 </p:sld>
 </file>
 
-<file path=ppt/slides/slide14.xml><?xml version="1.0" encoding="utf-8"?>
-<p:sld xmlns:a="http://schemas.openxmlformats.org/drawingml/2006/main" xmlns:r="http://schemas.openxmlformats.org/officeDocument/2006/relationships" xmlns:p="http://schemas.openxmlformats.org/presentationml/2006/main" showMasterSp="0">
-  <p:cSld>
-    <p:spTree>
-      <p:nvGrpSpPr>
-        <p:cNvPr id="1" name=""/>
-        <p:cNvGrpSpPr/>
-        <p:nvPr/>
-      </p:nvGrpSpPr>
-      <p:grpSpPr>
-        <a:xfrm>
-          <a:off x="0" y="0"/>
-          <a:ext cx="0" cy="0"/>
-          <a:chOff x="0" y="0"/>
-          <a:chExt cx="0" cy="0"/>
-        </a:xfrm>
-      </p:grpSpPr>
-      <p:sp>
-        <p:nvSpPr>
-          <p:cNvPr id="7" name="제목 6"/>
-          <p:cNvSpPr>
-            <a:spLocks noGrp="1"/>
-          </p:cNvSpPr>
-          <p:nvPr>
-            <p:ph type="title"/>
-          </p:nvPr>
-        </p:nvSpPr>
-        <p:spPr/>
-        <p:txBody>
-          <a:bodyPr/>
-          <a:lstStyle/>
-          <a:p>
-            <a:pPr lvl="0">
-              <a:defRPr lang="ko-KR" altLang="en-US"/>
-            </a:pPr>
-            <a:r>
-              <a:rPr lang="ko-KR" altLang="en-US"/>
-              <a:t>흐름도</a:t>
-            </a:r>
-          </a:p>
-        </p:txBody>
-      </p:sp>
-      <p:grpSp>
-        <p:nvGrpSpPr>
-          <p:cNvPr id="29" name="그룹 28"/>
-          <p:cNvGrpSpPr/>
-          <p:nvPr/>
-        </p:nvGrpSpPr>
-        <p:grpSpPr>
-          <a:xfrm>
-            <a:off x="373607" y="1058637"/>
-            <a:ext cx="8421042" cy="3133293"/>
-            <a:chOff x="380999" y="1039082"/>
-            <a:chExt cx="8421042" cy="2447451"/>
-          </a:xfrm>
-        </p:grpSpPr>
-        <p:grpSp>
-          <p:nvGrpSpPr>
-            <p:cNvPr id="9" name="그룹 8"/>
-            <p:cNvGrpSpPr/>
-            <p:nvPr/>
-          </p:nvGrpSpPr>
-          <p:grpSpPr>
-            <a:xfrm>
-              <a:off x="457200" y="1864792"/>
-              <a:ext cx="1072913" cy="1143000"/>
-              <a:chOff x="685800" y="1986009"/>
-              <a:chExt cx="1072913" cy="1143000"/>
-            </a:xfrm>
-          </p:grpSpPr>
-          <p:pic>
-            <p:nvPicPr>
-              <p:cNvPr id="10" name="Picture 5"/>
-              <p:cNvPicPr>
-                <a:picLocks noChangeAspect="1" noChangeArrowheads="1"/>
-              </p:cNvPicPr>
-              <p:nvPr/>
-            </p:nvPicPr>
-            <p:blipFill rotWithShape="1">
-              <a:blip r:embed="rId2"/>
-              <a:srcRect/>
-              <a:stretch>
-                <a:fillRect/>
-              </a:stretch>
-            </p:blipFill>
-            <p:spPr>
-              <a:xfrm>
-                <a:off x="685800" y="1986009"/>
-                <a:ext cx="1072913" cy="1143000"/>
-              </a:xfrm>
-              <a:prstGeom prst="rect">
-                <a:avLst/>
-              </a:prstGeom>
-              <a:noFill/>
-              <a:ln>
-                <a:noFill/>
-              </a:ln>
-            </p:spPr>
-          </p:pic>
-          <p:pic>
-            <p:nvPicPr>
-              <p:cNvPr id="1026" name="Picture 2"/>
-              <p:cNvPicPr>
-                <a:picLocks noChangeAspect="1" noChangeArrowheads="1"/>
-              </p:cNvPicPr>
-              <p:nvPr/>
-            </p:nvPicPr>
-            <p:blipFill rotWithShape="1">
-              <a:blip r:embed="rId3"/>
-              <a:srcRect l="18280" t="18500" r="14920" b="22240"/>
-              <a:stretch>
-                <a:fillRect/>
-              </a:stretch>
-            </p:blipFill>
-            <p:spPr>
-              <a:xfrm>
-                <a:off x="765056" y="2671809"/>
-                <a:ext cx="914400" cy="380419"/>
-              </a:xfrm>
-              <a:prstGeom prst="rect">
-                <a:avLst/>
-              </a:prstGeom>
-              <a:noFill/>
-              <a:ln>
-                <a:noFill/>
-              </a:ln>
-            </p:spPr>
-          </p:pic>
-        </p:grpSp>
-        <p:sp>
-          <p:nvSpPr>
-            <p:cNvPr id="12" name="TextBox 11"/>
-            <p:cNvSpPr txBox="1"/>
-            <p:nvPr/>
-          </p:nvSpPr>
-          <p:spPr>
-            <a:xfrm>
-              <a:off x="380999" y="2986471"/>
-              <a:ext cx="1600200" cy="360612"/>
-            </a:xfrm>
-            <a:prstGeom prst="rect">
-              <a:avLst/>
-            </a:prstGeom>
-            <a:noFill/>
-          </p:spPr>
-          <p:txBody>
-            <a:bodyPr wrap="square">
-              <a:spAutoFit/>
-            </a:bodyPr>
-            <a:lstStyle/>
-            <a:p>
-              <a:pPr lvl="0">
-                <a:defRPr lang="ko-KR" altLang="en-US"/>
-              </a:pPr>
-              <a:r>
-                <a:rPr lang="ko-KR" altLang="en-US" sz="1200" b="1">
-                  <a:latin typeface="+mn-lt"/>
-                  <a:ea typeface="+mn-ea"/>
-                  <a:cs typeface="+mn-cs"/>
-                </a:rPr>
-                <a:t>웹 페이지 접속 후 </a:t>
-              </a:r>
-            </a:p>
-            <a:p>
-              <a:pPr lvl="0">
-                <a:defRPr lang="ko-KR" altLang="en-US"/>
-              </a:pPr>
-              <a:r>
-                <a:rPr lang="en-US" altLang="ko-KR" sz="1200" b="1">
-                  <a:latin typeface="+mn-lt"/>
-                  <a:ea typeface="+mn-ea"/>
-                  <a:cs typeface="+mn-cs"/>
-                </a:rPr>
-                <a:t>AR</a:t>
-              </a:r>
-              <a:r>
-                <a:rPr lang="ko-KR" altLang="en-US" sz="1200" b="1">
-                  <a:latin typeface="+mn-lt"/>
-                  <a:ea typeface="+mn-ea"/>
-                  <a:cs typeface="+mn-cs"/>
-                </a:rPr>
-                <a:t>실행 버튼 터치</a:t>
-              </a:r>
-            </a:p>
-          </p:txBody>
-        </p:sp>
-        <p:sp>
-          <p:nvSpPr>
-            <p:cNvPr id="14" name="직사각형 13"/>
-            <p:cNvSpPr/>
-            <p:nvPr/>
-          </p:nvSpPr>
-          <p:spPr>
-            <a:xfrm>
-              <a:off x="2409785" y="1357300"/>
-              <a:ext cx="1447800" cy="2116744"/>
-            </a:xfrm>
-            <a:prstGeom prst="rect">
-              <a:avLst/>
-            </a:prstGeom>
-            <a:solidFill>
-              <a:schemeClr val="bg2">
-                <a:lumMod val="75000"/>
-              </a:schemeClr>
-            </a:solidFill>
-            <a:ln w="38100">
-              <a:solidFill>
-                <a:schemeClr val="tx1"/>
-              </a:solidFill>
-              <a:round/>
-            </a:ln>
-          </p:spPr>
-          <p:txBody>
-            <a:bodyPr vert="horz" wrap="square" lIns="91440" tIns="45720" rIns="91440" bIns="45720" anchor="t" anchorCtr="0"/>
-            <a:lstStyle/>
-            <a:p>
-              <a:pPr algn="ctr">
-                <a:defRPr lang="ko-KR" altLang="en-US"/>
-              </a:pPr>
-              <a:endParaRPr lang="ko-KR" altLang="en-US">
-                <a:latin typeface="+mn-lt"/>
-                <a:ea typeface="+mn-ea"/>
-                <a:cs typeface="+mn-cs"/>
-              </a:endParaRPr>
-            </a:p>
-          </p:txBody>
-        </p:sp>
-        <p:sp>
-          <p:nvSpPr>
-            <p:cNvPr id="16" name="TextBox 15"/>
-            <p:cNvSpPr txBox="1"/>
-            <p:nvPr/>
-          </p:nvSpPr>
-          <p:spPr>
-            <a:xfrm>
-              <a:off x="2683882" y="1128444"/>
-              <a:ext cx="899605" cy="216367"/>
-            </a:xfrm>
-            <a:prstGeom prst="rect">
-              <a:avLst/>
-            </a:prstGeom>
-            <a:noFill/>
-          </p:spPr>
-          <p:txBody>
-            <a:bodyPr wrap="none">
-              <a:spAutoFit/>
-            </a:bodyPr>
-            <a:lstStyle/>
-            <a:p>
-              <a:pPr lvl="0">
-                <a:defRPr lang="ko-KR" altLang="en-US"/>
-              </a:pPr>
-              <a:r>
-                <a:rPr lang="en-US" altLang="ko-KR" sz="1200" b="1" dirty="0">
-                  <a:latin typeface="+mn-lt"/>
-                  <a:ea typeface="+mn-ea"/>
-                  <a:cs typeface="+mn-cs"/>
-                </a:rPr>
-                <a:t>(</a:t>
-              </a:r>
-              <a:r>
-                <a:rPr lang="ko-KR" altLang="en-US" sz="1200" b="1" dirty="0" err="1">
-                  <a:latin typeface="+mn-lt"/>
-                  <a:ea typeface="+mn-ea"/>
-                  <a:cs typeface="+mn-cs"/>
-                </a:rPr>
-                <a:t>스마트폰</a:t>
-              </a:r>
-              <a:r>
-                <a:rPr lang="en-US" altLang="ko-KR" sz="1200" b="1" dirty="0">
-                  <a:latin typeface="+mn-lt"/>
-                  <a:ea typeface="+mn-ea"/>
-                  <a:cs typeface="+mn-cs"/>
-                </a:rPr>
-                <a:t>)</a:t>
-              </a:r>
-              <a:endParaRPr lang="ko-KR" altLang="en-US" b="1" dirty="0">
-                <a:latin typeface="+mn-lt"/>
-                <a:ea typeface="+mn-ea"/>
-                <a:cs typeface="+mn-cs"/>
-              </a:endParaRPr>
-            </a:p>
-          </p:txBody>
-        </p:sp>
-        <p:sp>
-          <p:nvSpPr>
-            <p:cNvPr id="19" name="TextBox 18"/>
-            <p:cNvSpPr txBox="1"/>
-            <p:nvPr/>
-          </p:nvSpPr>
-          <p:spPr>
-            <a:xfrm>
-              <a:off x="2415411" y="2088927"/>
-              <a:ext cx="1470302" cy="360612"/>
-            </a:xfrm>
-            <a:prstGeom prst="rect">
-              <a:avLst/>
-            </a:prstGeom>
-            <a:noFill/>
-          </p:spPr>
-          <p:txBody>
-            <a:bodyPr wrap="square">
-              <a:spAutoFit/>
-            </a:bodyPr>
-            <a:lstStyle/>
-            <a:p>
-              <a:pPr lvl="0">
-                <a:defRPr lang="ko-KR" altLang="en-US"/>
-              </a:pPr>
-              <a:r>
-                <a:rPr lang="en-US" altLang="ko-KR" sz="1200" b="1" dirty="0">
-                  <a:latin typeface="+mn-lt"/>
-                  <a:ea typeface="+mn-ea"/>
-                  <a:cs typeface="+mn-cs"/>
-                </a:rPr>
-                <a:t>1. </a:t>
-              </a:r>
-              <a:r>
-                <a:rPr lang="ko-KR" altLang="en-US" sz="1200" b="1" dirty="0">
-                  <a:latin typeface="+mn-lt"/>
-                  <a:ea typeface="+mn-ea"/>
-                  <a:cs typeface="+mn-cs"/>
-                </a:rPr>
-                <a:t>제어판에서 원하는 사물선택</a:t>
-              </a:r>
-            </a:p>
-          </p:txBody>
-        </p:sp>
-        <p:sp>
-          <p:nvSpPr>
-            <p:cNvPr id="20" name="오른쪽 화살표 19"/>
-            <p:cNvSpPr/>
-            <p:nvPr/>
-          </p:nvSpPr>
-          <p:spPr>
-            <a:xfrm>
-              <a:off x="3956287" y="2245792"/>
-              <a:ext cx="679687" cy="381000"/>
-            </a:xfrm>
-            <a:prstGeom prst="rightArrow">
-              <a:avLst>
-                <a:gd name="adj1" fmla="val 50000"/>
-                <a:gd name="adj2" fmla="val 50000"/>
-              </a:avLst>
-            </a:prstGeom>
-            <a:solidFill>
-              <a:schemeClr val="tx1"/>
-            </a:solidFill>
-            <a:ln w="9525">
-              <a:noFill/>
-              <a:round/>
-            </a:ln>
-          </p:spPr>
-          <p:txBody>
-            <a:bodyPr vert="horz" wrap="square" lIns="91440" tIns="45720" rIns="91440" bIns="45720" anchor="t" anchorCtr="0"/>
-            <a:lstStyle/>
-            <a:p>
-              <a:pPr algn="ctr">
-                <a:defRPr lang="ko-KR" altLang="en-US"/>
-              </a:pPr>
-              <a:endParaRPr lang="ko-KR" altLang="en-US">
-                <a:latin typeface="+mn-lt"/>
-                <a:ea typeface="+mn-ea"/>
-                <a:cs typeface="+mn-cs"/>
-              </a:endParaRPr>
-            </a:p>
-          </p:txBody>
-        </p:sp>
-        <p:sp>
-          <p:nvSpPr>
-            <p:cNvPr id="21" name="직사각형 20"/>
-            <p:cNvSpPr/>
-            <p:nvPr/>
-          </p:nvSpPr>
-          <p:spPr>
-            <a:xfrm>
-              <a:off x="4718287" y="1357300"/>
-              <a:ext cx="1447800" cy="2116744"/>
-            </a:xfrm>
-            <a:prstGeom prst="rect">
-              <a:avLst/>
-            </a:prstGeom>
-            <a:solidFill>
-              <a:schemeClr val="bg2">
-                <a:lumMod val="75000"/>
-              </a:schemeClr>
-            </a:solidFill>
-            <a:ln w="38100">
-              <a:solidFill>
-                <a:schemeClr val="tx1"/>
-              </a:solidFill>
-              <a:round/>
-            </a:ln>
-          </p:spPr>
-          <p:txBody>
-            <a:bodyPr vert="horz" wrap="square" lIns="91440" tIns="45720" rIns="91440" bIns="45720" anchor="t" anchorCtr="0"/>
-            <a:lstStyle/>
-            <a:p>
-              <a:pPr algn="ctr">
-                <a:defRPr lang="ko-KR" altLang="en-US"/>
-              </a:pPr>
-              <a:endParaRPr lang="ko-KR" altLang="en-US">
-                <a:latin typeface="+mn-lt"/>
-                <a:ea typeface="+mn-ea"/>
-                <a:cs typeface="+mn-cs"/>
-              </a:endParaRPr>
-            </a:p>
-          </p:txBody>
-        </p:sp>
-        <p:sp>
-          <p:nvSpPr>
-            <p:cNvPr id="24" name="TextBox 23"/>
-            <p:cNvSpPr txBox="1"/>
-            <p:nvPr/>
-          </p:nvSpPr>
-          <p:spPr>
-            <a:xfrm>
-              <a:off x="4707036" y="2643047"/>
-              <a:ext cx="1470302" cy="649101"/>
-            </a:xfrm>
-            <a:prstGeom prst="rect">
-              <a:avLst/>
-            </a:prstGeom>
-            <a:noFill/>
-          </p:spPr>
-          <p:txBody>
-            <a:bodyPr wrap="square">
-              <a:spAutoFit/>
-            </a:bodyPr>
-            <a:lstStyle/>
-            <a:p>
-              <a:pPr lvl="0">
-                <a:defRPr lang="ko-KR" altLang="en-US"/>
-              </a:pPr>
-              <a:r>
-                <a:rPr lang="en-US" altLang="ko-KR" sz="1200" b="1" dirty="0">
-                  <a:latin typeface="+mn-lt"/>
-                  <a:ea typeface="+mn-ea"/>
-                  <a:cs typeface="+mn-cs"/>
-                </a:rPr>
-                <a:t>2. </a:t>
-              </a:r>
-              <a:r>
-                <a:rPr lang="ko-KR" altLang="en-US" sz="1200" b="1" dirty="0">
-                  <a:latin typeface="+mn-lt"/>
-                  <a:ea typeface="+mn-ea"/>
-                  <a:cs typeface="+mn-cs"/>
-                </a:rPr>
-                <a:t>원판이 나오면</a:t>
-              </a:r>
-            </a:p>
-            <a:p>
-              <a:pPr lvl="0">
-                <a:defRPr lang="ko-KR" altLang="en-US"/>
-              </a:pPr>
-              <a:r>
-                <a:rPr lang="ko-KR" altLang="en-US" sz="1200" b="1" dirty="0">
-                  <a:latin typeface="+mn-lt"/>
-                  <a:ea typeface="+mn-ea"/>
-                  <a:cs typeface="+mn-cs"/>
-                </a:rPr>
-                <a:t>바닥이 인식된 것</a:t>
-              </a:r>
-              <a:r>
-                <a:rPr lang="en-US" altLang="ko-KR" sz="1200" b="1" dirty="0">
-                  <a:latin typeface="+mn-lt"/>
-                  <a:ea typeface="+mn-ea"/>
-                  <a:cs typeface="+mn-cs"/>
-                </a:rPr>
-                <a:t>.</a:t>
-              </a:r>
-              <a:r>
-                <a:rPr lang="ko-KR" altLang="en-US" sz="1200" b="1" dirty="0">
-                  <a:latin typeface="+mn-lt"/>
-                  <a:ea typeface="+mn-ea"/>
-                  <a:cs typeface="+mn-cs"/>
-                </a:rPr>
-                <a:t> 한번 터치해서 사물을 배치</a:t>
-              </a:r>
-            </a:p>
-          </p:txBody>
-        </p:sp>
-        <p:pic>
-          <p:nvPicPr>
-            <p:cNvPr id="1030" name="Picture 6" descr="C:\Users\ptyoi\Desktop\원판.png"/>
-            <p:cNvPicPr>
-              <a:picLocks noChangeAspect="1" noChangeArrowheads="1"/>
-            </p:cNvPicPr>
-            <p:nvPr/>
-          </p:nvPicPr>
-          <p:blipFill rotWithShape="1">
-            <a:blip r:embed="rId4"/>
-            <a:srcRect/>
-            <a:stretch>
-              <a:fillRect/>
-            </a:stretch>
-          </p:blipFill>
-          <p:spPr>
-            <a:xfrm rot="16200000">
-              <a:off x="4897975" y="1905443"/>
-              <a:ext cx="1088424" cy="1116273"/>
-            </a:xfrm>
-            <a:prstGeom prst="rect">
-              <a:avLst/>
-            </a:prstGeom>
-            <a:noFill/>
-          </p:spPr>
-        </p:pic>
-        <p:sp>
-          <p:nvSpPr>
-            <p:cNvPr id="25" name="TextBox 24"/>
-            <p:cNvSpPr txBox="1"/>
-            <p:nvPr/>
-          </p:nvSpPr>
-          <p:spPr>
-            <a:xfrm>
-              <a:off x="3983168" y="1510849"/>
-              <a:ext cx="713640" cy="552938"/>
-            </a:xfrm>
-            <a:prstGeom prst="rect">
-              <a:avLst/>
-            </a:prstGeom>
-            <a:noFill/>
-          </p:spPr>
-          <p:txBody>
-            <a:bodyPr wrap="square">
-              <a:spAutoFit/>
-            </a:bodyPr>
-            <a:lstStyle/>
-            <a:p>
-              <a:pPr lvl="0">
-                <a:defRPr lang="ko-KR" altLang="en-US"/>
-              </a:pPr>
-              <a:r>
-                <a:rPr lang="en-US" altLang="ko-KR" sz="1000" i="1" dirty="0">
-                  <a:latin typeface="+mn-lt"/>
-                  <a:ea typeface="+mn-ea"/>
-                  <a:cs typeface="+mn-cs"/>
-                </a:rPr>
-                <a:t>Close</a:t>
-              </a:r>
-              <a:r>
-                <a:rPr lang="ko-KR" altLang="en-US" sz="1000" i="1" dirty="0">
-                  <a:latin typeface="+mn-lt"/>
-                  <a:ea typeface="+mn-ea"/>
-                  <a:cs typeface="+mn-cs"/>
-                </a:rPr>
-                <a:t> 버튼으로 최소화 가능</a:t>
-              </a:r>
-            </a:p>
-          </p:txBody>
-        </p:sp>
-        <p:sp>
-          <p:nvSpPr>
-            <p:cNvPr id="32" name="오른쪽 화살표 31"/>
-            <p:cNvSpPr/>
-            <p:nvPr/>
-          </p:nvSpPr>
-          <p:spPr>
-            <a:xfrm>
-              <a:off x="6277841" y="2209328"/>
-              <a:ext cx="679687" cy="381000"/>
-            </a:xfrm>
-            <a:prstGeom prst="rightArrow">
-              <a:avLst>
-                <a:gd name="adj1" fmla="val 50000"/>
-                <a:gd name="adj2" fmla="val 50000"/>
-              </a:avLst>
-            </a:prstGeom>
-            <a:solidFill>
-              <a:schemeClr val="tx1"/>
-            </a:solidFill>
-            <a:ln w="9525">
-              <a:noFill/>
-              <a:round/>
-            </a:ln>
-          </p:spPr>
-          <p:txBody>
-            <a:bodyPr vert="horz" wrap="square" lIns="91440" tIns="45720" rIns="91440" bIns="45720" anchor="t" anchorCtr="0"/>
-            <a:lstStyle/>
-            <a:p>
-              <a:pPr algn="ctr">
-                <a:defRPr lang="ko-KR" altLang="en-US"/>
-              </a:pPr>
-              <a:endParaRPr lang="ko-KR" altLang="en-US">
-                <a:latin typeface="+mn-lt"/>
-                <a:ea typeface="+mn-ea"/>
-                <a:cs typeface="+mn-cs"/>
-              </a:endParaRPr>
-            </a:p>
-          </p:txBody>
-        </p:sp>
-        <p:pic>
-          <p:nvPicPr>
-            <p:cNvPr id="1031" name="Picture 7"/>
-            <p:cNvPicPr>
-              <a:picLocks noChangeAspect="1" noChangeArrowheads="1"/>
-            </p:cNvPicPr>
-            <p:nvPr/>
-          </p:nvPicPr>
-          <p:blipFill rotWithShape="1">
-            <a:blip r:embed="rId5"/>
-            <a:srcRect/>
-            <a:stretch>
-              <a:fillRect/>
-            </a:stretch>
-          </p:blipFill>
-          <p:spPr>
-            <a:xfrm>
-              <a:off x="2857141" y="1357300"/>
-              <a:ext cx="1008427" cy="659892"/>
-            </a:xfrm>
-            <a:prstGeom prst="rect">
-              <a:avLst/>
-            </a:prstGeom>
-            <a:noFill/>
-            <a:ln>
-              <a:noFill/>
-            </a:ln>
-          </p:spPr>
-        </p:pic>
-        <p:cxnSp>
-          <p:nvCxnSpPr>
-            <p:cNvPr id="18" name="직선 화살표 연결선 17"/>
-            <p:cNvCxnSpPr/>
-            <p:nvPr/>
-          </p:nvCxnSpPr>
-          <p:spPr>
-            <a:xfrm>
-              <a:off x="3658647" y="1931532"/>
-              <a:ext cx="373840" cy="0"/>
-            </a:xfrm>
-            <a:prstGeom prst="straightConnector1">
-              <a:avLst/>
-            </a:prstGeom>
-            <a:ln>
-              <a:tailEnd type="arrow"/>
-            </a:ln>
-          </p:spPr>
-          <p:style>
-            <a:lnRef idx="1">
-              <a:schemeClr val="accent1"/>
-            </a:lnRef>
-            <a:fillRef idx="0">
-              <a:schemeClr val="accent1"/>
-            </a:fillRef>
-            <a:effectRef idx="0">
-              <a:schemeClr val="accent1"/>
-            </a:effectRef>
-            <a:fontRef idx="minor">
-              <a:schemeClr val="tx1"/>
-            </a:fontRef>
-          </p:style>
-        </p:cxnSp>
-        <p:pic>
-          <p:nvPicPr>
-            <p:cNvPr id="34" name="Picture 7"/>
-            <p:cNvPicPr>
-              <a:picLocks noChangeAspect="1" noChangeArrowheads="1"/>
-            </p:cNvPicPr>
-            <p:nvPr/>
-          </p:nvPicPr>
-          <p:blipFill rotWithShape="1">
-            <a:blip r:embed="rId5"/>
-            <a:srcRect/>
-            <a:stretch>
-              <a:fillRect/>
-            </a:stretch>
-          </p:blipFill>
-          <p:spPr>
-            <a:xfrm>
-              <a:off x="5157660" y="1344811"/>
-              <a:ext cx="1008427" cy="659892"/>
-            </a:xfrm>
-            <a:prstGeom prst="rect">
-              <a:avLst/>
-            </a:prstGeom>
-            <a:noFill/>
-            <a:ln>
-              <a:noFill/>
-            </a:ln>
-          </p:spPr>
-        </p:pic>
-        <p:sp>
-          <p:nvSpPr>
-            <p:cNvPr id="35" name="직사각형 34"/>
-            <p:cNvSpPr/>
-            <p:nvPr/>
-          </p:nvSpPr>
-          <p:spPr>
-            <a:xfrm>
-              <a:off x="7022114" y="1369789"/>
-              <a:ext cx="1447800" cy="2116744"/>
-            </a:xfrm>
-            <a:prstGeom prst="rect">
-              <a:avLst/>
-            </a:prstGeom>
-            <a:solidFill>
-              <a:schemeClr val="bg2">
-                <a:lumMod val="75000"/>
-              </a:schemeClr>
-            </a:solidFill>
-            <a:ln w="38100">
-              <a:solidFill>
-                <a:schemeClr val="tx1"/>
-              </a:solidFill>
-              <a:round/>
-            </a:ln>
-          </p:spPr>
-          <p:txBody>
-            <a:bodyPr vert="horz" wrap="square" lIns="91440" tIns="45720" rIns="91440" bIns="45720" anchor="t" anchorCtr="0"/>
-            <a:lstStyle/>
-            <a:p>
-              <a:pPr algn="ctr">
-                <a:defRPr lang="ko-KR" altLang="en-US"/>
-              </a:pPr>
-              <a:endParaRPr lang="ko-KR" altLang="en-US">
-                <a:latin typeface="+mn-lt"/>
-                <a:ea typeface="+mn-ea"/>
-                <a:cs typeface="+mn-cs"/>
-              </a:endParaRPr>
-            </a:p>
-          </p:txBody>
-        </p:sp>
-        <p:sp>
-          <p:nvSpPr>
-            <p:cNvPr id="36" name="TextBox 35"/>
-            <p:cNvSpPr txBox="1"/>
-            <p:nvPr/>
-          </p:nvSpPr>
-          <p:spPr>
-            <a:xfrm>
-              <a:off x="7029094" y="2883942"/>
-              <a:ext cx="1470302" cy="354601"/>
-            </a:xfrm>
-            <a:prstGeom prst="rect">
-              <a:avLst/>
-            </a:prstGeom>
-            <a:noFill/>
-          </p:spPr>
-          <p:txBody>
-            <a:bodyPr wrap="square">
-              <a:spAutoFit/>
-            </a:bodyPr>
-            <a:lstStyle/>
-            <a:p>
-              <a:pPr lvl="0">
-                <a:defRPr lang="ko-KR" altLang="en-US"/>
-              </a:pPr>
-              <a:r>
-                <a:rPr lang="en-US" altLang="ko-KR" sz="1200" b="1">
-                  <a:latin typeface="+mn-lt"/>
-                  <a:ea typeface="+mn-ea"/>
-                  <a:cs typeface="+mn-cs"/>
-                </a:rPr>
-                <a:t>3. </a:t>
-              </a:r>
-              <a:r>
-                <a:rPr lang="ko-KR" altLang="en-US" sz="1150" b="1">
-                  <a:latin typeface="+mn-lt"/>
-                  <a:ea typeface="+mn-ea"/>
-                  <a:cs typeface="+mn-cs"/>
-                </a:rPr>
-                <a:t>제어판으로 각종 제어를 할 수 있음</a:t>
-              </a:r>
-            </a:p>
-          </p:txBody>
-        </p:sp>
-        <p:pic>
-          <p:nvPicPr>
-            <p:cNvPr id="38" name="Picture 7"/>
-            <p:cNvPicPr>
-              <a:picLocks noChangeAspect="1" noChangeArrowheads="1"/>
-            </p:cNvPicPr>
-            <p:nvPr/>
-          </p:nvPicPr>
-          <p:blipFill rotWithShape="1">
-            <a:blip r:embed="rId5"/>
-            <a:srcRect/>
-            <a:stretch>
-              <a:fillRect/>
-            </a:stretch>
-          </p:blipFill>
-          <p:spPr>
-            <a:xfrm>
-              <a:off x="7461487" y="1357300"/>
-              <a:ext cx="1008427" cy="659892"/>
-            </a:xfrm>
-            <a:prstGeom prst="rect">
-              <a:avLst/>
-            </a:prstGeom>
-            <a:noFill/>
-            <a:ln>
-              <a:noFill/>
-            </a:ln>
-          </p:spPr>
-        </p:pic>
-        <p:pic>
-          <p:nvPicPr>
-            <p:cNvPr id="1032" name="Picture 8" descr="C:\Users\ptyoi\AppData\Local\Microsoft\Windows\INetCache\IE\BGB5EW4V\macintosh_argyle-chair[1].jpg"/>
-            <p:cNvPicPr>
-              <a:picLocks noChangeAspect="1" noChangeArrowheads="1"/>
-            </p:cNvPicPr>
-            <p:nvPr/>
-          </p:nvPicPr>
-          <p:blipFill rotWithShape="1">
-            <a:blip r:embed="rId6"/>
-            <a:srcRect l="30970" r="32440"/>
-            <a:stretch>
-              <a:fillRect/>
-            </a:stretch>
-          </p:blipFill>
-          <p:spPr>
-            <a:xfrm rot="991795">
-              <a:off x="7566852" y="2053503"/>
-              <a:ext cx="341555" cy="793023"/>
-            </a:xfrm>
-            <a:prstGeom prst="rect">
-              <a:avLst/>
-            </a:prstGeom>
-            <a:noFill/>
-          </p:spPr>
-        </p:pic>
-        <p:sp>
-          <p:nvSpPr>
-            <p:cNvPr id="40" name="TextBox 39"/>
-            <p:cNvSpPr txBox="1"/>
-            <p:nvPr/>
-          </p:nvSpPr>
-          <p:spPr>
-            <a:xfrm>
-              <a:off x="6726449" y="1039082"/>
-              <a:ext cx="2075592" cy="216367"/>
-            </a:xfrm>
-            <a:prstGeom prst="rect">
-              <a:avLst/>
-            </a:prstGeom>
-            <a:noFill/>
-          </p:spPr>
-          <p:txBody>
-            <a:bodyPr wrap="square">
-              <a:spAutoFit/>
-            </a:bodyPr>
-            <a:lstStyle/>
-            <a:p>
-              <a:pPr lvl="0">
-                <a:defRPr lang="ko-KR" altLang="en-US"/>
-              </a:pPr>
-              <a:r>
-                <a:rPr lang="ko-KR" altLang="en-US" sz="1200" i="1" dirty="0"/>
-                <a:t>배치 </a:t>
-              </a:r>
-              <a:r>
-                <a:rPr lang="ko-KR" altLang="en-US" sz="1200" i="1" dirty="0" smtClean="0"/>
-                <a:t>후</a:t>
-              </a:r>
-              <a:r>
-                <a:rPr lang="en-US" altLang="ko-KR" sz="1200" i="1" dirty="0"/>
-                <a:t> </a:t>
-              </a:r>
-              <a:r>
-                <a:rPr lang="en-US" altLang="ko-KR" sz="1200" i="1" dirty="0" smtClean="0"/>
-                <a:t>Select</a:t>
-              </a:r>
-              <a:r>
-                <a:rPr lang="ko-KR" altLang="en-US" sz="1200" i="1" dirty="0" smtClean="0"/>
-                <a:t>모드로 변경 </a:t>
-              </a:r>
-              <a:endParaRPr lang="ko-KR" altLang="en-US" sz="1200" i="1" dirty="0"/>
-            </a:p>
-          </p:txBody>
-        </p:sp>
-        <p:sp>
-          <p:nvSpPr>
-            <p:cNvPr id="13" name="오른쪽 화살표 12"/>
-            <p:cNvSpPr/>
-            <p:nvPr/>
-          </p:nvSpPr>
-          <p:spPr>
-            <a:xfrm>
-              <a:off x="1641356" y="2245792"/>
-              <a:ext cx="679687" cy="381000"/>
-            </a:xfrm>
-            <a:prstGeom prst="rightArrow">
-              <a:avLst>
-                <a:gd name="adj1" fmla="val 50000"/>
-                <a:gd name="adj2" fmla="val 50000"/>
-              </a:avLst>
-            </a:prstGeom>
-            <a:solidFill>
-              <a:schemeClr val="tx1"/>
-            </a:solidFill>
-            <a:ln w="9525">
-              <a:noFill/>
-              <a:round/>
-            </a:ln>
-          </p:spPr>
-          <p:txBody>
-            <a:bodyPr vert="horz" wrap="square" lIns="91440" tIns="45720" rIns="91440" bIns="45720" anchor="t" anchorCtr="0"/>
-            <a:lstStyle/>
-            <a:p>
-              <a:pPr algn="ctr">
-                <a:defRPr lang="ko-KR" altLang="en-US"/>
-              </a:pPr>
-              <a:endParaRPr lang="ko-KR" altLang="en-US">
-                <a:latin typeface="+mn-lt"/>
-                <a:ea typeface="+mn-ea"/>
-                <a:cs typeface="+mn-cs"/>
-              </a:endParaRPr>
-            </a:p>
-          </p:txBody>
-        </p:sp>
-        <p:sp>
-          <p:nvSpPr>
-            <p:cNvPr id="43" name="TextBox 42"/>
-            <p:cNvSpPr txBox="1"/>
-            <p:nvPr/>
-          </p:nvSpPr>
-          <p:spPr>
-            <a:xfrm>
-              <a:off x="383436" y="1587793"/>
-              <a:ext cx="1277914" cy="216367"/>
-            </a:xfrm>
-            <a:prstGeom prst="rect">
-              <a:avLst/>
-            </a:prstGeom>
-            <a:noFill/>
-          </p:spPr>
-          <p:txBody>
-            <a:bodyPr wrap="none">
-              <a:spAutoFit/>
-            </a:bodyPr>
-            <a:lstStyle/>
-            <a:p>
-              <a:pPr lvl="0">
-                <a:defRPr lang="ko-KR" altLang="en-US"/>
-              </a:pPr>
-              <a:r>
-                <a:rPr lang="en-US" altLang="ko-KR" sz="1200" b="1">
-                  <a:latin typeface="+mn-lt"/>
-                  <a:ea typeface="+mn-ea"/>
-                  <a:cs typeface="+mn-cs"/>
-                </a:rPr>
-                <a:t>&lt;</a:t>
-              </a:r>
-              <a:r>
-                <a:rPr lang="ko-KR" altLang="en-US" sz="1200" b="1">
-                  <a:latin typeface="+mn-lt"/>
-                  <a:ea typeface="+mn-ea"/>
-                  <a:cs typeface="+mn-cs"/>
-                </a:rPr>
-                <a:t>카메라페이지</a:t>
-              </a:r>
-              <a:r>
-                <a:rPr lang="en-US" altLang="ko-KR" sz="1200" b="1">
-                  <a:latin typeface="+mn-lt"/>
-                  <a:ea typeface="+mn-ea"/>
-                  <a:cs typeface="+mn-cs"/>
-                </a:rPr>
-                <a:t>&gt;</a:t>
-              </a:r>
-              <a:endParaRPr lang="ko-KR" altLang="en-US" sz="1600" b="1">
-                <a:latin typeface="+mn-lt"/>
-                <a:ea typeface="+mn-ea"/>
-                <a:cs typeface="+mn-cs"/>
-              </a:endParaRPr>
-            </a:p>
-          </p:txBody>
-        </p:sp>
-      </p:grpSp>
-      <p:cxnSp>
-        <p:nvCxnSpPr>
-          <p:cNvPr id="31" name="꺾인 연결선 30"/>
-          <p:cNvCxnSpPr/>
-          <p:nvPr/>
-        </p:nvCxnSpPr>
-        <p:spPr>
-          <a:xfrm rot="5400000">
-            <a:off x="2390105" y="1731103"/>
-            <a:ext cx="660346" cy="258952"/>
-          </a:xfrm>
-          <a:prstGeom prst="bentConnector3">
-            <a:avLst>
-              <a:gd name="adj1" fmla="val 50000"/>
-            </a:avLst>
-          </a:prstGeom>
-          <a:ln>
-            <a:tailEnd type="arrow"/>
-          </a:ln>
-        </p:spPr>
-        <p:style>
-          <a:lnRef idx="1">
-            <a:schemeClr val="accent1"/>
-          </a:lnRef>
-          <a:fillRef idx="0">
-            <a:schemeClr val="accent1"/>
-          </a:fillRef>
-          <a:effectRef idx="0">
-            <a:schemeClr val="accent1"/>
-          </a:effectRef>
-          <a:fontRef idx="minor">
-            <a:schemeClr val="tx1"/>
-          </a:fontRef>
-        </p:style>
-      </p:cxnSp>
-    </p:spTree>
-  </p:cSld>
-  <p:clrMapOvr>
-    <a:masterClrMapping/>
-  </p:clrMapOvr>
-  <mc:AlternateContent xmlns:mc="http://schemas.openxmlformats.org/markup-compatibility/2006" xmlns:p14="http://schemas.microsoft.com/office/powerpoint/2010/main">
-    <mc:Choice Requires="p14">
-      <p:transition spd="med" p14:dur="700">
-        <p:fade/>
-      </p:transition>
-    </mc:Choice>
-    <mc:Fallback xmlns="">
-      <p:transition spd="med">
-        <p:fade/>
-      </p:transition>
-    </mc:Fallback>
-  </mc:AlternateContent>
-  <p:timing>
-    <p:tnLst>
-      <p:par>
-        <p:cTn id="1" dur="indefinite" restart="never" nodeType="tmRoot"/>
-      </p:par>
-    </p:tnLst>
-  </p:timing>
-</p:sld>
-</file>
-
 <file path=ppt/slides/slide15.xml><?xml version="1.0" encoding="utf-8"?>
 <p:sld xmlns:a="http://schemas.openxmlformats.org/drawingml/2006/main" xmlns:r="http://schemas.openxmlformats.org/officeDocument/2006/relationships" xmlns:p="http://schemas.openxmlformats.org/presentationml/2006/main" showMasterSp="0">
   <p:cSld>
@@ -32330,6 +32524,1044 @@
       </p:grpSpPr>
       <p:sp>
         <p:nvSpPr>
+          <p:cNvPr id="7" name="제목 6"/>
+          <p:cNvSpPr>
+            <a:spLocks noGrp="1"/>
+          </p:cNvSpPr>
+          <p:nvPr>
+            <p:ph type="title"/>
+          </p:nvPr>
+        </p:nvSpPr>
+        <p:spPr/>
+        <p:txBody>
+          <a:bodyPr/>
+          <a:lstStyle/>
+          <a:p>
+            <a:pPr lvl="0">
+              <a:defRPr lang="ko-KR" altLang="en-US"/>
+            </a:pPr>
+            <a:r>
+              <a:rPr lang="ko-KR" altLang="en-US" dirty="0" smtClean="0"/>
+              <a:t>사용법</a:t>
+            </a:r>
+            <a:endParaRPr lang="ko-KR" altLang="en-US" dirty="0"/>
+          </a:p>
+        </p:txBody>
+      </p:sp>
+      <p:grpSp>
+        <p:nvGrpSpPr>
+          <p:cNvPr id="29" name="그룹 28"/>
+          <p:cNvGrpSpPr/>
+          <p:nvPr/>
+        </p:nvGrpSpPr>
+        <p:grpSpPr>
+          <a:xfrm>
+            <a:off x="373607" y="1058637"/>
+            <a:ext cx="8421042" cy="3133293"/>
+            <a:chOff x="380999" y="1039082"/>
+            <a:chExt cx="8421042" cy="2447451"/>
+          </a:xfrm>
+        </p:grpSpPr>
+        <p:grpSp>
+          <p:nvGrpSpPr>
+            <p:cNvPr id="9" name="그룹 8"/>
+            <p:cNvGrpSpPr/>
+            <p:nvPr/>
+          </p:nvGrpSpPr>
+          <p:grpSpPr>
+            <a:xfrm>
+              <a:off x="457200" y="1864792"/>
+              <a:ext cx="1072913" cy="1143000"/>
+              <a:chOff x="685800" y="1986009"/>
+              <a:chExt cx="1072913" cy="1143000"/>
+            </a:xfrm>
+          </p:grpSpPr>
+          <p:pic>
+            <p:nvPicPr>
+              <p:cNvPr id="10" name="Picture 5"/>
+              <p:cNvPicPr>
+                <a:picLocks noChangeAspect="1" noChangeArrowheads="1"/>
+              </p:cNvPicPr>
+              <p:nvPr/>
+            </p:nvPicPr>
+            <p:blipFill rotWithShape="1">
+              <a:blip r:embed="rId2"/>
+              <a:srcRect/>
+              <a:stretch>
+                <a:fillRect/>
+              </a:stretch>
+            </p:blipFill>
+            <p:spPr>
+              <a:xfrm>
+                <a:off x="685800" y="1986009"/>
+                <a:ext cx="1072913" cy="1143000"/>
+              </a:xfrm>
+              <a:prstGeom prst="rect">
+                <a:avLst/>
+              </a:prstGeom>
+              <a:noFill/>
+              <a:ln>
+                <a:noFill/>
+              </a:ln>
+            </p:spPr>
+          </p:pic>
+          <p:pic>
+            <p:nvPicPr>
+              <p:cNvPr id="1026" name="Picture 2"/>
+              <p:cNvPicPr>
+                <a:picLocks noChangeAspect="1" noChangeArrowheads="1"/>
+              </p:cNvPicPr>
+              <p:nvPr/>
+            </p:nvPicPr>
+            <p:blipFill rotWithShape="1">
+              <a:blip r:embed="rId3"/>
+              <a:srcRect l="18280" t="18500" r="14920" b="22240"/>
+              <a:stretch>
+                <a:fillRect/>
+              </a:stretch>
+            </p:blipFill>
+            <p:spPr>
+              <a:xfrm>
+                <a:off x="765056" y="2671809"/>
+                <a:ext cx="914400" cy="380419"/>
+              </a:xfrm>
+              <a:prstGeom prst="rect">
+                <a:avLst/>
+              </a:prstGeom>
+              <a:noFill/>
+              <a:ln>
+                <a:noFill/>
+              </a:ln>
+            </p:spPr>
+          </p:pic>
+        </p:grpSp>
+        <p:sp>
+          <p:nvSpPr>
+            <p:cNvPr id="12" name="TextBox 11"/>
+            <p:cNvSpPr txBox="1"/>
+            <p:nvPr/>
+          </p:nvSpPr>
+          <p:spPr>
+            <a:xfrm>
+              <a:off x="380999" y="2986471"/>
+              <a:ext cx="1600200" cy="360612"/>
+            </a:xfrm>
+            <a:prstGeom prst="rect">
+              <a:avLst/>
+            </a:prstGeom>
+            <a:noFill/>
+          </p:spPr>
+          <p:txBody>
+            <a:bodyPr wrap="square">
+              <a:spAutoFit/>
+            </a:bodyPr>
+            <a:lstStyle/>
+            <a:p>
+              <a:pPr lvl="0">
+                <a:defRPr lang="ko-KR" altLang="en-US"/>
+              </a:pPr>
+              <a:r>
+                <a:rPr lang="ko-KR" altLang="en-US" sz="1200" b="1">
+                  <a:latin typeface="+mn-lt"/>
+                  <a:ea typeface="+mn-ea"/>
+                  <a:cs typeface="+mn-cs"/>
+                </a:rPr>
+                <a:t>웹 페이지 접속 후 </a:t>
+              </a:r>
+            </a:p>
+            <a:p>
+              <a:pPr lvl="0">
+                <a:defRPr lang="ko-KR" altLang="en-US"/>
+              </a:pPr>
+              <a:r>
+                <a:rPr lang="en-US" altLang="ko-KR" sz="1200" b="1">
+                  <a:latin typeface="+mn-lt"/>
+                  <a:ea typeface="+mn-ea"/>
+                  <a:cs typeface="+mn-cs"/>
+                </a:rPr>
+                <a:t>AR</a:t>
+              </a:r>
+              <a:r>
+                <a:rPr lang="ko-KR" altLang="en-US" sz="1200" b="1">
+                  <a:latin typeface="+mn-lt"/>
+                  <a:ea typeface="+mn-ea"/>
+                  <a:cs typeface="+mn-cs"/>
+                </a:rPr>
+                <a:t>실행 버튼 터치</a:t>
+              </a:r>
+            </a:p>
+          </p:txBody>
+        </p:sp>
+        <p:sp>
+          <p:nvSpPr>
+            <p:cNvPr id="14" name="직사각형 13"/>
+            <p:cNvSpPr/>
+            <p:nvPr/>
+          </p:nvSpPr>
+          <p:spPr>
+            <a:xfrm>
+              <a:off x="2409785" y="1357300"/>
+              <a:ext cx="1447800" cy="2116744"/>
+            </a:xfrm>
+            <a:prstGeom prst="rect">
+              <a:avLst/>
+            </a:prstGeom>
+            <a:solidFill>
+              <a:schemeClr val="bg2">
+                <a:lumMod val="75000"/>
+              </a:schemeClr>
+            </a:solidFill>
+            <a:ln w="38100">
+              <a:solidFill>
+                <a:schemeClr val="tx1"/>
+              </a:solidFill>
+              <a:round/>
+            </a:ln>
+          </p:spPr>
+          <p:txBody>
+            <a:bodyPr vert="horz" wrap="square" lIns="91440" tIns="45720" rIns="91440" bIns="45720" anchor="t" anchorCtr="0"/>
+            <a:lstStyle/>
+            <a:p>
+              <a:pPr algn="ctr">
+                <a:defRPr lang="ko-KR" altLang="en-US"/>
+              </a:pPr>
+              <a:endParaRPr lang="ko-KR" altLang="en-US">
+                <a:latin typeface="+mn-lt"/>
+                <a:ea typeface="+mn-ea"/>
+                <a:cs typeface="+mn-cs"/>
+              </a:endParaRPr>
+            </a:p>
+          </p:txBody>
+        </p:sp>
+        <p:sp>
+          <p:nvSpPr>
+            <p:cNvPr id="16" name="TextBox 15"/>
+            <p:cNvSpPr txBox="1"/>
+            <p:nvPr/>
+          </p:nvSpPr>
+          <p:spPr>
+            <a:xfrm>
+              <a:off x="2683882" y="1128444"/>
+              <a:ext cx="899605" cy="216367"/>
+            </a:xfrm>
+            <a:prstGeom prst="rect">
+              <a:avLst/>
+            </a:prstGeom>
+            <a:noFill/>
+          </p:spPr>
+          <p:txBody>
+            <a:bodyPr wrap="none">
+              <a:spAutoFit/>
+            </a:bodyPr>
+            <a:lstStyle/>
+            <a:p>
+              <a:pPr lvl="0">
+                <a:defRPr lang="ko-KR" altLang="en-US"/>
+              </a:pPr>
+              <a:r>
+                <a:rPr lang="en-US" altLang="ko-KR" sz="1200" b="1" dirty="0">
+                  <a:latin typeface="+mn-lt"/>
+                  <a:ea typeface="+mn-ea"/>
+                  <a:cs typeface="+mn-cs"/>
+                </a:rPr>
+                <a:t>(</a:t>
+              </a:r>
+              <a:r>
+                <a:rPr lang="ko-KR" altLang="en-US" sz="1200" b="1" dirty="0" err="1">
+                  <a:latin typeface="+mn-lt"/>
+                  <a:ea typeface="+mn-ea"/>
+                  <a:cs typeface="+mn-cs"/>
+                </a:rPr>
+                <a:t>스마트폰</a:t>
+              </a:r>
+              <a:r>
+                <a:rPr lang="en-US" altLang="ko-KR" sz="1200" b="1" dirty="0">
+                  <a:latin typeface="+mn-lt"/>
+                  <a:ea typeface="+mn-ea"/>
+                  <a:cs typeface="+mn-cs"/>
+                </a:rPr>
+                <a:t>)</a:t>
+              </a:r>
+              <a:endParaRPr lang="ko-KR" altLang="en-US" b="1" dirty="0">
+                <a:latin typeface="+mn-lt"/>
+                <a:ea typeface="+mn-ea"/>
+                <a:cs typeface="+mn-cs"/>
+              </a:endParaRPr>
+            </a:p>
+          </p:txBody>
+        </p:sp>
+        <p:sp>
+          <p:nvSpPr>
+            <p:cNvPr id="19" name="TextBox 18"/>
+            <p:cNvSpPr txBox="1"/>
+            <p:nvPr/>
+          </p:nvSpPr>
+          <p:spPr>
+            <a:xfrm>
+              <a:off x="2415411" y="2088927"/>
+              <a:ext cx="1470302" cy="360612"/>
+            </a:xfrm>
+            <a:prstGeom prst="rect">
+              <a:avLst/>
+            </a:prstGeom>
+            <a:noFill/>
+          </p:spPr>
+          <p:txBody>
+            <a:bodyPr wrap="square">
+              <a:spAutoFit/>
+            </a:bodyPr>
+            <a:lstStyle/>
+            <a:p>
+              <a:pPr lvl="0">
+                <a:defRPr lang="ko-KR" altLang="en-US"/>
+              </a:pPr>
+              <a:r>
+                <a:rPr lang="en-US" altLang="ko-KR" sz="1200" b="1" dirty="0">
+                  <a:latin typeface="+mn-lt"/>
+                  <a:ea typeface="+mn-ea"/>
+                  <a:cs typeface="+mn-cs"/>
+                </a:rPr>
+                <a:t>1. </a:t>
+              </a:r>
+              <a:r>
+                <a:rPr lang="ko-KR" altLang="en-US" sz="1200" b="1" dirty="0">
+                  <a:latin typeface="+mn-lt"/>
+                  <a:ea typeface="+mn-ea"/>
+                  <a:cs typeface="+mn-cs"/>
+                </a:rPr>
+                <a:t>제어판에서 원하는 사물선택</a:t>
+              </a:r>
+            </a:p>
+          </p:txBody>
+        </p:sp>
+        <p:sp>
+          <p:nvSpPr>
+            <p:cNvPr id="20" name="오른쪽 화살표 19"/>
+            <p:cNvSpPr/>
+            <p:nvPr/>
+          </p:nvSpPr>
+          <p:spPr>
+            <a:xfrm>
+              <a:off x="3956287" y="2245792"/>
+              <a:ext cx="679687" cy="381000"/>
+            </a:xfrm>
+            <a:prstGeom prst="rightArrow">
+              <a:avLst>
+                <a:gd name="adj1" fmla="val 50000"/>
+                <a:gd name="adj2" fmla="val 50000"/>
+              </a:avLst>
+            </a:prstGeom>
+            <a:solidFill>
+              <a:schemeClr val="tx1"/>
+            </a:solidFill>
+            <a:ln w="9525">
+              <a:noFill/>
+              <a:round/>
+            </a:ln>
+          </p:spPr>
+          <p:txBody>
+            <a:bodyPr vert="horz" wrap="square" lIns="91440" tIns="45720" rIns="91440" bIns="45720" anchor="t" anchorCtr="0"/>
+            <a:lstStyle/>
+            <a:p>
+              <a:pPr algn="ctr">
+                <a:defRPr lang="ko-KR" altLang="en-US"/>
+              </a:pPr>
+              <a:endParaRPr lang="ko-KR" altLang="en-US">
+                <a:latin typeface="+mn-lt"/>
+                <a:ea typeface="+mn-ea"/>
+                <a:cs typeface="+mn-cs"/>
+              </a:endParaRPr>
+            </a:p>
+          </p:txBody>
+        </p:sp>
+        <p:sp>
+          <p:nvSpPr>
+            <p:cNvPr id="21" name="직사각형 20"/>
+            <p:cNvSpPr/>
+            <p:nvPr/>
+          </p:nvSpPr>
+          <p:spPr>
+            <a:xfrm>
+              <a:off x="4718287" y="1357300"/>
+              <a:ext cx="1447800" cy="2116744"/>
+            </a:xfrm>
+            <a:prstGeom prst="rect">
+              <a:avLst/>
+            </a:prstGeom>
+            <a:solidFill>
+              <a:schemeClr val="bg2">
+                <a:lumMod val="75000"/>
+              </a:schemeClr>
+            </a:solidFill>
+            <a:ln w="38100">
+              <a:solidFill>
+                <a:schemeClr val="tx1"/>
+              </a:solidFill>
+              <a:round/>
+            </a:ln>
+          </p:spPr>
+          <p:txBody>
+            <a:bodyPr vert="horz" wrap="square" lIns="91440" tIns="45720" rIns="91440" bIns="45720" anchor="t" anchorCtr="0"/>
+            <a:lstStyle/>
+            <a:p>
+              <a:pPr algn="ctr">
+                <a:defRPr lang="ko-KR" altLang="en-US"/>
+              </a:pPr>
+              <a:endParaRPr lang="ko-KR" altLang="en-US">
+                <a:latin typeface="+mn-lt"/>
+                <a:ea typeface="+mn-ea"/>
+                <a:cs typeface="+mn-cs"/>
+              </a:endParaRPr>
+            </a:p>
+          </p:txBody>
+        </p:sp>
+        <p:sp>
+          <p:nvSpPr>
+            <p:cNvPr id="24" name="TextBox 23"/>
+            <p:cNvSpPr txBox="1"/>
+            <p:nvPr/>
+          </p:nvSpPr>
+          <p:spPr>
+            <a:xfrm>
+              <a:off x="4707036" y="2643047"/>
+              <a:ext cx="1470302" cy="649101"/>
+            </a:xfrm>
+            <a:prstGeom prst="rect">
+              <a:avLst/>
+            </a:prstGeom>
+            <a:noFill/>
+          </p:spPr>
+          <p:txBody>
+            <a:bodyPr wrap="square">
+              <a:spAutoFit/>
+            </a:bodyPr>
+            <a:lstStyle/>
+            <a:p>
+              <a:pPr lvl="0">
+                <a:defRPr lang="ko-KR" altLang="en-US"/>
+              </a:pPr>
+              <a:r>
+                <a:rPr lang="en-US" altLang="ko-KR" sz="1200" b="1" dirty="0">
+                  <a:latin typeface="+mn-lt"/>
+                  <a:ea typeface="+mn-ea"/>
+                  <a:cs typeface="+mn-cs"/>
+                </a:rPr>
+                <a:t>2. </a:t>
+              </a:r>
+              <a:r>
+                <a:rPr lang="ko-KR" altLang="en-US" sz="1200" b="1" dirty="0">
+                  <a:latin typeface="+mn-lt"/>
+                  <a:ea typeface="+mn-ea"/>
+                  <a:cs typeface="+mn-cs"/>
+                </a:rPr>
+                <a:t>원판이 나오면</a:t>
+              </a:r>
+            </a:p>
+            <a:p>
+              <a:pPr lvl="0">
+                <a:defRPr lang="ko-KR" altLang="en-US"/>
+              </a:pPr>
+              <a:r>
+                <a:rPr lang="ko-KR" altLang="en-US" sz="1200" b="1" dirty="0">
+                  <a:latin typeface="+mn-lt"/>
+                  <a:ea typeface="+mn-ea"/>
+                  <a:cs typeface="+mn-cs"/>
+                </a:rPr>
+                <a:t>바닥이 인식된 것</a:t>
+              </a:r>
+              <a:r>
+                <a:rPr lang="en-US" altLang="ko-KR" sz="1200" b="1" dirty="0">
+                  <a:latin typeface="+mn-lt"/>
+                  <a:ea typeface="+mn-ea"/>
+                  <a:cs typeface="+mn-cs"/>
+                </a:rPr>
+                <a:t>.</a:t>
+              </a:r>
+              <a:r>
+                <a:rPr lang="ko-KR" altLang="en-US" sz="1200" b="1" dirty="0">
+                  <a:latin typeface="+mn-lt"/>
+                  <a:ea typeface="+mn-ea"/>
+                  <a:cs typeface="+mn-cs"/>
+                </a:rPr>
+                <a:t> 한번 터치해서 사물을 배치</a:t>
+              </a:r>
+            </a:p>
+          </p:txBody>
+        </p:sp>
+        <p:pic>
+          <p:nvPicPr>
+            <p:cNvPr id="1030" name="Picture 6" descr="C:\Users\ptyoi\Desktop\원판.png"/>
+            <p:cNvPicPr>
+              <a:picLocks noChangeAspect="1" noChangeArrowheads="1"/>
+            </p:cNvPicPr>
+            <p:nvPr/>
+          </p:nvPicPr>
+          <p:blipFill rotWithShape="1">
+            <a:blip r:embed="rId4"/>
+            <a:srcRect/>
+            <a:stretch>
+              <a:fillRect/>
+            </a:stretch>
+          </p:blipFill>
+          <p:spPr>
+            <a:xfrm rot="16200000">
+              <a:off x="4897975" y="1905443"/>
+              <a:ext cx="1088424" cy="1116273"/>
+            </a:xfrm>
+            <a:prstGeom prst="rect">
+              <a:avLst/>
+            </a:prstGeom>
+            <a:noFill/>
+          </p:spPr>
+        </p:pic>
+        <p:sp>
+          <p:nvSpPr>
+            <p:cNvPr id="25" name="TextBox 24"/>
+            <p:cNvSpPr txBox="1"/>
+            <p:nvPr/>
+          </p:nvSpPr>
+          <p:spPr>
+            <a:xfrm>
+              <a:off x="3983168" y="1510849"/>
+              <a:ext cx="713640" cy="552938"/>
+            </a:xfrm>
+            <a:prstGeom prst="rect">
+              <a:avLst/>
+            </a:prstGeom>
+            <a:noFill/>
+          </p:spPr>
+          <p:txBody>
+            <a:bodyPr wrap="square">
+              <a:spAutoFit/>
+            </a:bodyPr>
+            <a:lstStyle/>
+            <a:p>
+              <a:pPr lvl="0">
+                <a:defRPr lang="ko-KR" altLang="en-US"/>
+              </a:pPr>
+              <a:r>
+                <a:rPr lang="en-US" altLang="ko-KR" sz="1000" i="1" dirty="0">
+                  <a:latin typeface="+mn-lt"/>
+                  <a:ea typeface="+mn-ea"/>
+                  <a:cs typeface="+mn-cs"/>
+                </a:rPr>
+                <a:t>Close</a:t>
+              </a:r>
+              <a:r>
+                <a:rPr lang="ko-KR" altLang="en-US" sz="1000" i="1" dirty="0">
+                  <a:latin typeface="+mn-lt"/>
+                  <a:ea typeface="+mn-ea"/>
+                  <a:cs typeface="+mn-cs"/>
+                </a:rPr>
+                <a:t> 버튼으로 최소화 가능</a:t>
+              </a:r>
+            </a:p>
+          </p:txBody>
+        </p:sp>
+        <p:sp>
+          <p:nvSpPr>
+            <p:cNvPr id="32" name="오른쪽 화살표 31"/>
+            <p:cNvSpPr/>
+            <p:nvPr/>
+          </p:nvSpPr>
+          <p:spPr>
+            <a:xfrm>
+              <a:off x="6277841" y="2209328"/>
+              <a:ext cx="679687" cy="381000"/>
+            </a:xfrm>
+            <a:prstGeom prst="rightArrow">
+              <a:avLst>
+                <a:gd name="adj1" fmla="val 50000"/>
+                <a:gd name="adj2" fmla="val 50000"/>
+              </a:avLst>
+            </a:prstGeom>
+            <a:solidFill>
+              <a:schemeClr val="tx1"/>
+            </a:solidFill>
+            <a:ln w="9525">
+              <a:noFill/>
+              <a:round/>
+            </a:ln>
+          </p:spPr>
+          <p:txBody>
+            <a:bodyPr vert="horz" wrap="square" lIns="91440" tIns="45720" rIns="91440" bIns="45720" anchor="t" anchorCtr="0"/>
+            <a:lstStyle/>
+            <a:p>
+              <a:pPr algn="ctr">
+                <a:defRPr lang="ko-KR" altLang="en-US"/>
+              </a:pPr>
+              <a:endParaRPr lang="ko-KR" altLang="en-US">
+                <a:latin typeface="+mn-lt"/>
+                <a:ea typeface="+mn-ea"/>
+                <a:cs typeface="+mn-cs"/>
+              </a:endParaRPr>
+            </a:p>
+          </p:txBody>
+        </p:sp>
+        <p:pic>
+          <p:nvPicPr>
+            <p:cNvPr id="1031" name="Picture 7"/>
+            <p:cNvPicPr>
+              <a:picLocks noChangeAspect="1" noChangeArrowheads="1"/>
+            </p:cNvPicPr>
+            <p:nvPr/>
+          </p:nvPicPr>
+          <p:blipFill rotWithShape="1">
+            <a:blip r:embed="rId5"/>
+            <a:srcRect/>
+            <a:stretch>
+              <a:fillRect/>
+            </a:stretch>
+          </p:blipFill>
+          <p:spPr>
+            <a:xfrm>
+              <a:off x="2857141" y="1357300"/>
+              <a:ext cx="1008427" cy="659892"/>
+            </a:xfrm>
+            <a:prstGeom prst="rect">
+              <a:avLst/>
+            </a:prstGeom>
+            <a:noFill/>
+            <a:ln>
+              <a:noFill/>
+            </a:ln>
+          </p:spPr>
+        </p:pic>
+        <p:cxnSp>
+          <p:nvCxnSpPr>
+            <p:cNvPr id="18" name="직선 화살표 연결선 17"/>
+            <p:cNvCxnSpPr/>
+            <p:nvPr/>
+          </p:nvCxnSpPr>
+          <p:spPr>
+            <a:xfrm>
+              <a:off x="3658647" y="1931532"/>
+              <a:ext cx="373840" cy="0"/>
+            </a:xfrm>
+            <a:prstGeom prst="straightConnector1">
+              <a:avLst/>
+            </a:prstGeom>
+            <a:ln>
+              <a:tailEnd type="arrow"/>
+            </a:ln>
+          </p:spPr>
+          <p:style>
+            <a:lnRef idx="1">
+              <a:schemeClr val="accent1"/>
+            </a:lnRef>
+            <a:fillRef idx="0">
+              <a:schemeClr val="accent1"/>
+            </a:fillRef>
+            <a:effectRef idx="0">
+              <a:schemeClr val="accent1"/>
+            </a:effectRef>
+            <a:fontRef idx="minor">
+              <a:schemeClr val="tx1"/>
+            </a:fontRef>
+          </p:style>
+        </p:cxnSp>
+        <p:pic>
+          <p:nvPicPr>
+            <p:cNvPr id="34" name="Picture 7"/>
+            <p:cNvPicPr>
+              <a:picLocks noChangeAspect="1" noChangeArrowheads="1"/>
+            </p:cNvPicPr>
+            <p:nvPr/>
+          </p:nvPicPr>
+          <p:blipFill rotWithShape="1">
+            <a:blip r:embed="rId5"/>
+            <a:srcRect/>
+            <a:stretch>
+              <a:fillRect/>
+            </a:stretch>
+          </p:blipFill>
+          <p:spPr>
+            <a:xfrm>
+              <a:off x="5157660" y="1344811"/>
+              <a:ext cx="1008427" cy="659892"/>
+            </a:xfrm>
+            <a:prstGeom prst="rect">
+              <a:avLst/>
+            </a:prstGeom>
+            <a:noFill/>
+            <a:ln>
+              <a:noFill/>
+            </a:ln>
+          </p:spPr>
+        </p:pic>
+        <p:sp>
+          <p:nvSpPr>
+            <p:cNvPr id="35" name="직사각형 34"/>
+            <p:cNvSpPr/>
+            <p:nvPr/>
+          </p:nvSpPr>
+          <p:spPr>
+            <a:xfrm>
+              <a:off x="7022114" y="1369789"/>
+              <a:ext cx="1447800" cy="2116744"/>
+            </a:xfrm>
+            <a:prstGeom prst="rect">
+              <a:avLst/>
+            </a:prstGeom>
+            <a:solidFill>
+              <a:schemeClr val="bg2">
+                <a:lumMod val="75000"/>
+              </a:schemeClr>
+            </a:solidFill>
+            <a:ln w="38100">
+              <a:solidFill>
+                <a:schemeClr val="tx1"/>
+              </a:solidFill>
+              <a:round/>
+            </a:ln>
+          </p:spPr>
+          <p:txBody>
+            <a:bodyPr vert="horz" wrap="square" lIns="91440" tIns="45720" rIns="91440" bIns="45720" anchor="t" anchorCtr="0"/>
+            <a:lstStyle/>
+            <a:p>
+              <a:pPr algn="ctr">
+                <a:defRPr lang="ko-KR" altLang="en-US"/>
+              </a:pPr>
+              <a:endParaRPr lang="ko-KR" altLang="en-US">
+                <a:latin typeface="+mn-lt"/>
+                <a:ea typeface="+mn-ea"/>
+                <a:cs typeface="+mn-cs"/>
+              </a:endParaRPr>
+            </a:p>
+          </p:txBody>
+        </p:sp>
+        <p:sp>
+          <p:nvSpPr>
+            <p:cNvPr id="36" name="TextBox 35"/>
+            <p:cNvSpPr txBox="1"/>
+            <p:nvPr/>
+          </p:nvSpPr>
+          <p:spPr>
+            <a:xfrm>
+              <a:off x="7029094" y="2883942"/>
+              <a:ext cx="1470302" cy="354601"/>
+            </a:xfrm>
+            <a:prstGeom prst="rect">
+              <a:avLst/>
+            </a:prstGeom>
+            <a:noFill/>
+          </p:spPr>
+          <p:txBody>
+            <a:bodyPr wrap="square">
+              <a:spAutoFit/>
+            </a:bodyPr>
+            <a:lstStyle/>
+            <a:p>
+              <a:pPr lvl="0">
+                <a:defRPr lang="ko-KR" altLang="en-US"/>
+              </a:pPr>
+              <a:r>
+                <a:rPr lang="en-US" altLang="ko-KR" sz="1200" b="1">
+                  <a:latin typeface="+mn-lt"/>
+                  <a:ea typeface="+mn-ea"/>
+                  <a:cs typeface="+mn-cs"/>
+                </a:rPr>
+                <a:t>3. </a:t>
+              </a:r>
+              <a:r>
+                <a:rPr lang="ko-KR" altLang="en-US" sz="1150" b="1">
+                  <a:latin typeface="+mn-lt"/>
+                  <a:ea typeface="+mn-ea"/>
+                  <a:cs typeface="+mn-cs"/>
+                </a:rPr>
+                <a:t>제어판으로 각종 제어를 할 수 있음</a:t>
+              </a:r>
+            </a:p>
+          </p:txBody>
+        </p:sp>
+        <p:pic>
+          <p:nvPicPr>
+            <p:cNvPr id="38" name="Picture 7"/>
+            <p:cNvPicPr>
+              <a:picLocks noChangeAspect="1" noChangeArrowheads="1"/>
+            </p:cNvPicPr>
+            <p:nvPr/>
+          </p:nvPicPr>
+          <p:blipFill rotWithShape="1">
+            <a:blip r:embed="rId5"/>
+            <a:srcRect/>
+            <a:stretch>
+              <a:fillRect/>
+            </a:stretch>
+          </p:blipFill>
+          <p:spPr>
+            <a:xfrm>
+              <a:off x="7461487" y="1357300"/>
+              <a:ext cx="1008427" cy="659892"/>
+            </a:xfrm>
+            <a:prstGeom prst="rect">
+              <a:avLst/>
+            </a:prstGeom>
+            <a:noFill/>
+            <a:ln>
+              <a:noFill/>
+            </a:ln>
+          </p:spPr>
+        </p:pic>
+        <p:pic>
+          <p:nvPicPr>
+            <p:cNvPr id="1032" name="Picture 8" descr="C:\Users\ptyoi\AppData\Local\Microsoft\Windows\INetCache\IE\BGB5EW4V\macintosh_argyle-chair[1].jpg"/>
+            <p:cNvPicPr>
+              <a:picLocks noChangeAspect="1" noChangeArrowheads="1"/>
+            </p:cNvPicPr>
+            <p:nvPr/>
+          </p:nvPicPr>
+          <p:blipFill rotWithShape="1">
+            <a:blip r:embed="rId6"/>
+            <a:srcRect l="30970" r="32440"/>
+            <a:stretch>
+              <a:fillRect/>
+            </a:stretch>
+          </p:blipFill>
+          <p:spPr>
+            <a:xfrm rot="991795">
+              <a:off x="7566852" y="2053503"/>
+              <a:ext cx="341555" cy="793023"/>
+            </a:xfrm>
+            <a:prstGeom prst="rect">
+              <a:avLst/>
+            </a:prstGeom>
+            <a:noFill/>
+          </p:spPr>
+        </p:pic>
+        <p:sp>
+          <p:nvSpPr>
+            <p:cNvPr id="40" name="TextBox 39"/>
+            <p:cNvSpPr txBox="1"/>
+            <p:nvPr/>
+          </p:nvSpPr>
+          <p:spPr>
+            <a:xfrm>
+              <a:off x="6726449" y="1039082"/>
+              <a:ext cx="2075592" cy="216367"/>
+            </a:xfrm>
+            <a:prstGeom prst="rect">
+              <a:avLst/>
+            </a:prstGeom>
+            <a:noFill/>
+          </p:spPr>
+          <p:txBody>
+            <a:bodyPr wrap="square">
+              <a:spAutoFit/>
+            </a:bodyPr>
+            <a:lstStyle/>
+            <a:p>
+              <a:pPr lvl="0">
+                <a:defRPr lang="ko-KR" altLang="en-US"/>
+              </a:pPr>
+              <a:r>
+                <a:rPr lang="ko-KR" altLang="en-US" sz="1200" i="1" dirty="0"/>
+                <a:t>배치 </a:t>
+              </a:r>
+              <a:r>
+                <a:rPr lang="ko-KR" altLang="en-US" sz="1200" i="1" dirty="0" smtClean="0"/>
+                <a:t>후</a:t>
+              </a:r>
+              <a:r>
+                <a:rPr lang="en-US" altLang="ko-KR" sz="1200" i="1" dirty="0"/>
+                <a:t> </a:t>
+              </a:r>
+              <a:r>
+                <a:rPr lang="en-US" altLang="ko-KR" sz="1200" i="1" dirty="0" smtClean="0"/>
+                <a:t>Select</a:t>
+              </a:r>
+              <a:r>
+                <a:rPr lang="ko-KR" altLang="en-US" sz="1200" i="1" dirty="0" smtClean="0"/>
+                <a:t>모드로 변경 </a:t>
+              </a:r>
+              <a:endParaRPr lang="ko-KR" altLang="en-US" sz="1200" i="1" dirty="0"/>
+            </a:p>
+          </p:txBody>
+        </p:sp>
+        <p:sp>
+          <p:nvSpPr>
+            <p:cNvPr id="13" name="오른쪽 화살표 12"/>
+            <p:cNvSpPr/>
+            <p:nvPr/>
+          </p:nvSpPr>
+          <p:spPr>
+            <a:xfrm>
+              <a:off x="1641356" y="2245792"/>
+              <a:ext cx="679687" cy="381000"/>
+            </a:xfrm>
+            <a:prstGeom prst="rightArrow">
+              <a:avLst>
+                <a:gd name="adj1" fmla="val 50000"/>
+                <a:gd name="adj2" fmla="val 50000"/>
+              </a:avLst>
+            </a:prstGeom>
+            <a:solidFill>
+              <a:schemeClr val="tx1"/>
+            </a:solidFill>
+            <a:ln w="9525">
+              <a:noFill/>
+              <a:round/>
+            </a:ln>
+          </p:spPr>
+          <p:txBody>
+            <a:bodyPr vert="horz" wrap="square" lIns="91440" tIns="45720" rIns="91440" bIns="45720" anchor="t" anchorCtr="0"/>
+            <a:lstStyle/>
+            <a:p>
+              <a:pPr algn="ctr">
+                <a:defRPr lang="ko-KR" altLang="en-US"/>
+              </a:pPr>
+              <a:endParaRPr lang="ko-KR" altLang="en-US">
+                <a:latin typeface="+mn-lt"/>
+                <a:ea typeface="+mn-ea"/>
+                <a:cs typeface="+mn-cs"/>
+              </a:endParaRPr>
+            </a:p>
+          </p:txBody>
+        </p:sp>
+        <p:sp>
+          <p:nvSpPr>
+            <p:cNvPr id="43" name="TextBox 42"/>
+            <p:cNvSpPr txBox="1"/>
+            <p:nvPr/>
+          </p:nvSpPr>
+          <p:spPr>
+            <a:xfrm>
+              <a:off x="383436" y="1587793"/>
+              <a:ext cx="1026243" cy="216367"/>
+            </a:xfrm>
+            <a:prstGeom prst="rect">
+              <a:avLst/>
+            </a:prstGeom>
+            <a:noFill/>
+          </p:spPr>
+          <p:txBody>
+            <a:bodyPr wrap="none">
+              <a:spAutoFit/>
+            </a:bodyPr>
+            <a:lstStyle/>
+            <a:p>
+              <a:pPr lvl="0">
+                <a:defRPr lang="ko-KR" altLang="en-US"/>
+              </a:pPr>
+              <a:r>
+                <a:rPr lang="en-US" altLang="ko-KR" sz="1200" b="1" dirty="0" smtClean="0">
+                  <a:latin typeface="+mn-lt"/>
+                  <a:ea typeface="+mn-ea"/>
+                  <a:cs typeface="+mn-cs"/>
+                </a:rPr>
+                <a:t>&lt;</a:t>
+              </a:r>
+              <a:r>
+                <a:rPr lang="ko-KR" altLang="en-US" sz="1200" b="1" dirty="0" smtClean="0">
+                  <a:latin typeface="+mn-lt"/>
+                  <a:ea typeface="+mn-ea"/>
+                  <a:cs typeface="+mn-cs"/>
+                </a:rPr>
+                <a:t>웹 페이지</a:t>
+              </a:r>
+              <a:r>
+                <a:rPr lang="en-US" altLang="ko-KR" sz="1200" b="1" dirty="0">
+                  <a:latin typeface="+mn-lt"/>
+                  <a:ea typeface="+mn-ea"/>
+                  <a:cs typeface="+mn-cs"/>
+                </a:rPr>
+                <a:t>&gt;</a:t>
+              </a:r>
+              <a:endParaRPr lang="ko-KR" altLang="en-US" sz="1600" b="1" dirty="0">
+                <a:latin typeface="+mn-lt"/>
+                <a:ea typeface="+mn-ea"/>
+                <a:cs typeface="+mn-cs"/>
+              </a:endParaRPr>
+            </a:p>
+          </p:txBody>
+        </p:sp>
+      </p:grpSp>
+      <p:cxnSp>
+        <p:nvCxnSpPr>
+          <p:cNvPr id="31" name="꺾인 연결선 30"/>
+          <p:cNvCxnSpPr/>
+          <p:nvPr/>
+        </p:nvCxnSpPr>
+        <p:spPr>
+          <a:xfrm rot="5400000">
+            <a:off x="2390105" y="1731103"/>
+            <a:ext cx="660346" cy="258952"/>
+          </a:xfrm>
+          <a:prstGeom prst="bentConnector3">
+            <a:avLst>
+              <a:gd name="adj1" fmla="val 50000"/>
+            </a:avLst>
+          </a:prstGeom>
+          <a:ln>
+            <a:tailEnd type="arrow"/>
+          </a:ln>
+        </p:spPr>
+        <p:style>
+          <a:lnRef idx="1">
+            <a:schemeClr val="accent1"/>
+          </a:lnRef>
+          <a:fillRef idx="0">
+            <a:schemeClr val="accent1"/>
+          </a:fillRef>
+          <a:effectRef idx="0">
+            <a:schemeClr val="accent1"/>
+          </a:effectRef>
+          <a:fontRef idx="minor">
+            <a:schemeClr val="tx1"/>
+          </a:fontRef>
+        </p:style>
+      </p:cxnSp>
+    </p:spTree>
+    <p:extLst>
+      <p:ext uri="{BB962C8B-B14F-4D97-AF65-F5344CB8AC3E}">
+        <p14:creationId xmlns:p14="http://schemas.microsoft.com/office/powerpoint/2010/main" val="3590634305"/>
+      </p:ext>
+    </p:extLst>
+  </p:cSld>
+  <p:clrMapOvr>
+    <a:masterClrMapping/>
+  </p:clrMapOvr>
+  <mc:AlternateContent xmlns:mc="http://schemas.openxmlformats.org/markup-compatibility/2006" xmlns:p14="http://schemas.microsoft.com/office/powerpoint/2010/main">
+    <mc:Choice Requires="p14">
+      <p:transition spd="med" p14:dur="700">
+        <p:fade/>
+      </p:transition>
+    </mc:Choice>
+    <mc:Fallback xmlns="">
+      <p:transition spd="med">
+        <p:fade/>
+      </p:transition>
+    </mc:Fallback>
+  </mc:AlternateContent>
+  <p:timing>
+    <p:tnLst>
+      <p:par>
+        <p:cTn id="1" dur="indefinite" restart="never" nodeType="tmRoot"/>
+      </p:par>
+    </p:tnLst>
+  </p:timing>
+</p:sld>
+</file>
+
+<file path=ppt/slides/slide8.xml><?xml version="1.0" encoding="utf-8"?>
+<p:sld xmlns:a="http://schemas.openxmlformats.org/drawingml/2006/main" xmlns:r="http://schemas.openxmlformats.org/officeDocument/2006/relationships" xmlns:p="http://schemas.openxmlformats.org/presentationml/2006/main" showMasterSp="0">
+  <p:cSld>
+    <p:spTree>
+      <p:nvGrpSpPr>
+        <p:cNvPr id="1" name=""/>
+        <p:cNvGrpSpPr/>
+        <p:nvPr/>
+      </p:nvGrpSpPr>
+      <p:grpSpPr>
+        <a:xfrm>
+          <a:off x="0" y="0"/>
+          <a:ext cx="0" cy="0"/>
+          <a:chOff x="0" y="0"/>
+          <a:chExt cx="0" cy="0"/>
+        </a:xfrm>
+      </p:grpSpPr>
+      <p:sp>
+        <p:nvSpPr>
           <p:cNvPr id="4" name="제목 3"/>
           <p:cNvSpPr>
             <a:spLocks noGrp="1"/>
@@ -33429,7 +34661,7 @@
 </p:sld>
 </file>
 
-<file path=ppt/slides/slide8.xml><?xml version="1.0" encoding="utf-8"?>
+<file path=ppt/slides/slide9.xml><?xml version="1.0" encoding="utf-8"?>
 <p:sld xmlns:a="http://schemas.openxmlformats.org/drawingml/2006/main" xmlns:r="http://schemas.openxmlformats.org/officeDocument/2006/relationships" xmlns:p="http://schemas.openxmlformats.org/presentationml/2006/main">
   <p:cSld>
     <p:spTree>
@@ -34183,768 +35415,6 @@
     <p:bldLst>
       <p:bldP spid="67" grpId="0" autoUpdateAnimBg="0"/>
       <p:bldP spid="71" grpId="0" autoUpdateAnimBg="0"/>
-    </p:bldLst>
-  </p:timing>
-</p:sld>
-</file>
-
-<file path=ppt/slides/slide9.xml><?xml version="1.0" encoding="utf-8"?>
-<p:sld xmlns:a="http://schemas.openxmlformats.org/drawingml/2006/main" xmlns:r="http://schemas.openxmlformats.org/officeDocument/2006/relationships" xmlns:p="http://schemas.openxmlformats.org/presentationml/2006/main">
-  <p:cSld>
-    <p:spTree>
-      <p:nvGrpSpPr>
-        <p:cNvPr id="1" name=""/>
-        <p:cNvGrpSpPr/>
-        <p:nvPr/>
-      </p:nvGrpSpPr>
-      <p:grpSpPr>
-        <a:xfrm>
-          <a:off x="0" y="0"/>
-          <a:ext cx="0" cy="0"/>
-          <a:chOff x="0" y="0"/>
-          <a:chExt cx="0" cy="0"/>
-        </a:xfrm>
-      </p:grpSpPr>
-      <p:sp>
-        <p:nvSpPr>
-          <p:cNvPr id="9" name="Rectangle 5"/>
-          <p:cNvSpPr/>
-          <p:nvPr/>
-        </p:nvSpPr>
-        <p:spPr>
-          <a:xfrm>
-            <a:off x="-508" y="3579718"/>
-            <a:ext cx="9144000" cy="1563638"/>
-          </a:xfrm>
-          <a:prstGeom prst="rect">
-            <a:avLst/>
-          </a:prstGeom>
-          <a:solidFill>
-            <a:srgbClr val="3F4C55"/>
-          </a:solidFill>
-          <a:ln w="9525">
-            <a:noFill/>
-            <a:round/>
-          </a:ln>
-        </p:spPr>
-        <p:txBody>
-          <a:bodyPr vert="horz" wrap="square" lIns="91440" tIns="45720" rIns="91440" bIns="45720" anchor="ctr" anchorCtr="0"/>
-          <a:lstStyle/>
-          <a:p>
-            <a:pPr algn="ctr">
-              <a:defRPr lang="ko-KR" altLang="en-US"/>
-            </a:pPr>
-            <a:endParaRPr lang="en-US">
-              <a:solidFill>
-                <a:schemeClr val="bg1"/>
-              </a:solidFill>
-              <a:latin typeface="+mn-lt"/>
-              <a:ea typeface="+mn-ea"/>
-              <a:cs typeface="+mn-cs"/>
-            </a:endParaRPr>
-          </a:p>
-        </p:txBody>
-      </p:sp>
-      <p:sp>
-        <p:nvSpPr>
-          <p:cNvPr id="2" name="Title 1"/>
-          <p:cNvSpPr>
-            <a:spLocks noGrp="1"/>
-          </p:cNvSpPr>
-          <p:nvPr>
-            <p:ph type="title"/>
-          </p:nvPr>
-        </p:nvSpPr>
-        <p:spPr/>
-        <p:txBody>
-          <a:bodyPr/>
-          <a:lstStyle/>
-          <a:p>
-            <a:pPr lvl="0">
-              <a:defRPr lang="ko-KR" altLang="en-US"/>
-            </a:pPr>
-            <a:r>
-              <a:rPr lang="en-US"/>
-              <a:t>WebAR</a:t>
-            </a:r>
-            <a:r>
-              <a:rPr lang="ko-KR" altLang="en-US"/>
-              <a:t> 인테리어 </a:t>
-            </a:r>
-            <a:r>
-              <a:rPr lang="en-US" altLang="ko-KR"/>
-              <a:t>- </a:t>
-            </a:r>
-            <a:r>
-              <a:rPr lang="ko-KR" altLang="en-US"/>
-              <a:t>기능</a:t>
-            </a:r>
-            <a:endParaRPr lang="en-US"/>
-          </a:p>
-        </p:txBody>
-      </p:sp>
-      <p:sp>
-        <p:nvSpPr>
-          <p:cNvPr id="12" name="Inhaltsplatzhalter 4"/>
-          <p:cNvSpPr txBox="1"/>
-          <p:nvPr/>
-        </p:nvSpPr>
-        <p:spPr>
-          <a:xfrm>
-            <a:off x="1331640" y="3881476"/>
-            <a:ext cx="2556284" cy="969496"/>
-          </a:xfrm>
-          <a:prstGeom prst="rect">
-            <a:avLst/>
-          </a:prstGeom>
-        </p:spPr>
-        <p:txBody>
-          <a:bodyPr wrap="square" lIns="0" tIns="0" rIns="0" bIns="0" anchor="ctr">
-            <a:spAutoFit/>
-          </a:bodyPr>
-          <a:lstStyle>
-            <a:lvl1pPr marL="272967" indent="-272967" algn="l" defTabSz="914127" rtl="0" eaLnBrk="1" latinLnBrk="0" hangingPunct="1">
-              <a:lnSpc>
-                <a:spcPct val="90000"/>
-              </a:lnSpc>
-              <a:spcBef>
-                <a:spcPts val="0"/>
-              </a:spcBef>
-              <a:spcAft>
-                <a:spcPts val="1000"/>
-              </a:spcAft>
-              <a:buFont typeface="Wingdings"/>
-              <a:buChar char="§"/>
-              <a:defRPr sz="2300" kern="1200">
-                <a:solidFill>
-                  <a:schemeClr val="bg1"/>
-                </a:solidFill>
-                <a:latin typeface="Calibri Light"/>
-                <a:ea typeface="+mn-ea"/>
-                <a:cs typeface="+mn-cs"/>
-              </a:defRPr>
-            </a:lvl1pPr>
-            <a:lvl2pPr marL="807798" indent="-272967" algn="l" defTabSz="914127" rtl="0" eaLnBrk="1" latinLnBrk="0" hangingPunct="1">
-              <a:lnSpc>
-                <a:spcPct val="90000"/>
-              </a:lnSpc>
-              <a:spcBef>
-                <a:spcPts val="0"/>
-              </a:spcBef>
-              <a:spcAft>
-                <a:spcPts val="1000"/>
-              </a:spcAft>
-              <a:buFont typeface="Symbol"/>
-              <a:buChar char="-"/>
-              <a:defRPr sz="2000" kern="1200">
-                <a:solidFill>
-                  <a:schemeClr val="bg1"/>
-                </a:solidFill>
-                <a:latin typeface="Calibri Light"/>
-                <a:ea typeface="+mn-ea"/>
-                <a:cs typeface="+mn-cs"/>
-              </a:defRPr>
-            </a:lvl2pPr>
-            <a:lvl3pPr marL="1080764" indent="-177748" algn="l" defTabSz="914127" rtl="0" eaLnBrk="1" latinLnBrk="0" hangingPunct="1">
-              <a:lnSpc>
-                <a:spcPct val="90000"/>
-              </a:lnSpc>
-              <a:spcBef>
-                <a:spcPts val="0"/>
-              </a:spcBef>
-              <a:spcAft>
-                <a:spcPts val="1000"/>
-              </a:spcAft>
-              <a:buFont typeface="Symbol"/>
-              <a:buChar char="-"/>
-              <a:defRPr sz="1900" kern="1200">
-                <a:solidFill>
-                  <a:schemeClr val="bg1"/>
-                </a:solidFill>
-                <a:latin typeface="Calibri Light"/>
-                <a:ea typeface="+mn-ea"/>
-                <a:cs typeface="+mn-cs"/>
-              </a:defRPr>
-            </a:lvl3pPr>
-            <a:lvl4pPr marL="1436256" indent="-177748" algn="l" defTabSz="914127" rtl="0" eaLnBrk="1" latinLnBrk="0" hangingPunct="1">
-              <a:lnSpc>
-                <a:spcPct val="90000"/>
-              </a:lnSpc>
-              <a:spcBef>
-                <a:spcPts val="0"/>
-              </a:spcBef>
-              <a:spcAft>
-                <a:spcPts val="1000"/>
-              </a:spcAft>
-              <a:buFont typeface="Symbol"/>
-              <a:buChar char="-"/>
-              <a:defRPr sz="1600" kern="1200">
-                <a:solidFill>
-                  <a:schemeClr val="bg1"/>
-                </a:solidFill>
-                <a:latin typeface="Calibri Light"/>
-                <a:ea typeface="+mn-ea"/>
-                <a:cs typeface="+mn-cs"/>
-              </a:defRPr>
-            </a:lvl4pPr>
-            <a:lvl5pPr marL="1793335" indent="-179335" algn="l" defTabSz="914127" rtl="0" eaLnBrk="1" latinLnBrk="0" hangingPunct="1">
-              <a:lnSpc>
-                <a:spcPct val="90000"/>
-              </a:lnSpc>
-              <a:spcBef>
-                <a:spcPts val="0"/>
-              </a:spcBef>
-              <a:spcAft>
-                <a:spcPts val="1000"/>
-              </a:spcAft>
-              <a:buFont typeface="Symbol"/>
-              <a:buChar char="-"/>
-              <a:defRPr sz="1600" kern="1200">
-                <a:solidFill>
-                  <a:schemeClr val="bg1"/>
-                </a:solidFill>
-                <a:latin typeface="Calibri Light"/>
-                <a:ea typeface="+mn-ea"/>
-                <a:cs typeface="+mn-cs"/>
-              </a:defRPr>
-            </a:lvl5pPr>
-            <a:lvl6pPr marL="2513847" indent="-228532" algn="l" defTabSz="914127" rtl="0" eaLnBrk="1" latinLnBrk="0" hangingPunct="1">
-              <a:spcBef>
-                <a:spcPct val="20000"/>
-              </a:spcBef>
-              <a:buFont typeface="Arial"/>
-              <a:buChar char="•"/>
-              <a:defRPr sz="2000" kern="1200">
-                <a:solidFill>
-                  <a:schemeClr val="tx1"/>
-                </a:solidFill>
-                <a:latin typeface="+mn-lt"/>
-                <a:ea typeface="+mn-ea"/>
-                <a:cs typeface="+mn-cs"/>
-              </a:defRPr>
-            </a:lvl6pPr>
-            <a:lvl7pPr marL="2970910" indent="-228532" algn="l" defTabSz="914127" rtl="0" eaLnBrk="1" latinLnBrk="0" hangingPunct="1">
-              <a:spcBef>
-                <a:spcPct val="20000"/>
-              </a:spcBef>
-              <a:buFont typeface="Arial"/>
-              <a:buChar char="•"/>
-              <a:defRPr sz="2000" kern="1200">
-                <a:solidFill>
-                  <a:schemeClr val="tx1"/>
-                </a:solidFill>
-                <a:latin typeface="+mn-lt"/>
-                <a:ea typeface="+mn-ea"/>
-                <a:cs typeface="+mn-cs"/>
-              </a:defRPr>
-            </a:lvl7pPr>
-            <a:lvl8pPr marL="3427972" indent="-228532" algn="l" defTabSz="914127" rtl="0" eaLnBrk="1" latinLnBrk="0" hangingPunct="1">
-              <a:spcBef>
-                <a:spcPct val="20000"/>
-              </a:spcBef>
-              <a:buFont typeface="Arial"/>
-              <a:buChar char="•"/>
-              <a:defRPr sz="2000" kern="1200">
-                <a:solidFill>
-                  <a:schemeClr val="tx1"/>
-                </a:solidFill>
-                <a:latin typeface="+mn-lt"/>
-                <a:ea typeface="+mn-ea"/>
-                <a:cs typeface="+mn-cs"/>
-              </a:defRPr>
-            </a:lvl8pPr>
-            <a:lvl9pPr marL="3885034" indent="-228532" algn="l" defTabSz="914127" rtl="0" eaLnBrk="1" latinLnBrk="0" hangingPunct="1">
-              <a:spcBef>
-                <a:spcPct val="20000"/>
-              </a:spcBef>
-              <a:buFont typeface="Arial"/>
-              <a:buChar char="•"/>
-              <a:defRPr sz="2000" kern="1200">
-                <a:solidFill>
-                  <a:schemeClr val="tx1"/>
-                </a:solidFill>
-                <a:latin typeface="+mn-lt"/>
-                <a:ea typeface="+mn-ea"/>
-                <a:cs typeface="+mn-cs"/>
-              </a:defRPr>
-            </a:lvl9pPr>
-          </a:lstStyle>
-          <a:p>
-            <a:pPr marL="0" indent="0">
-              <a:lnSpc>
-                <a:spcPct val="150000"/>
-              </a:lnSpc>
-              <a:buNone/>
-              <a:defRPr lang="ko-KR" altLang="en-US"/>
-            </a:pPr>
-            <a:r>
-              <a:rPr lang="ko-KR" altLang="en-US" sz="1800" b="1" dirty="0" smtClean="0">
-                <a:latin typeface="+mj-lt"/>
-              </a:rPr>
-              <a:t>쉽고 간</a:t>
-            </a:r>
-            <a:r>
-              <a:rPr lang="ko-KR" altLang="en-US" sz="1800" b="1" dirty="0">
-                <a:latin typeface="+mj-lt"/>
-              </a:rPr>
-              <a:t>편</a:t>
-            </a:r>
-            <a:r>
-              <a:rPr lang="ko-KR" altLang="en-US" sz="1800" b="1" dirty="0" smtClean="0">
-                <a:latin typeface="+mj-lt"/>
-              </a:rPr>
-              <a:t>한 배치 </a:t>
-            </a:r>
-            <a:r>
-              <a:rPr lang="en-US" altLang="ko-KR" sz="1800" b="1" dirty="0" smtClean="0">
-                <a:latin typeface="+mj-lt"/>
-              </a:rPr>
-              <a:t>#03</a:t>
-            </a:r>
-            <a:r>
-              <a:rPr lang="en-US" sz="1800" b="1" dirty="0" smtClean="0">
-                <a:latin typeface="+mj-lt"/>
-              </a:rPr>
-              <a:t/>
-            </a:r>
-            <a:br>
-              <a:rPr lang="en-US" sz="1800" b="1" dirty="0" smtClean="0">
-                <a:latin typeface="+mj-lt"/>
-              </a:rPr>
-            </a:br>
-            <a:r>
-              <a:rPr lang="en-US" altLang="ko-KR" sz="1200" dirty="0" smtClean="0">
-                <a:latin typeface="+mj-lt"/>
-              </a:rPr>
-              <a:t>Hit-test API</a:t>
-            </a:r>
-            <a:r>
-              <a:rPr lang="ko-KR" altLang="en-US" sz="1200" dirty="0" smtClean="0">
-                <a:latin typeface="+mj-lt"/>
-              </a:rPr>
-              <a:t>를 사용해 바닥에 사물을 놓을 수 있고 터치로 쉽게 이동가능</a:t>
-            </a:r>
-            <a:endParaRPr lang="en-US" sz="1400" dirty="0">
-              <a:latin typeface="+mj-lt"/>
-            </a:endParaRPr>
-          </a:p>
-        </p:txBody>
-      </p:sp>
-      <p:sp>
-        <p:nvSpPr>
-          <p:cNvPr id="13" name="Inhaltsplatzhalter 4"/>
-          <p:cNvSpPr txBox="1"/>
-          <p:nvPr/>
-        </p:nvSpPr>
-        <p:spPr>
-          <a:xfrm>
-            <a:off x="5508104" y="3876933"/>
-            <a:ext cx="2432860" cy="969496"/>
-          </a:xfrm>
-          <a:prstGeom prst="rect">
-            <a:avLst/>
-          </a:prstGeom>
-        </p:spPr>
-        <p:txBody>
-          <a:bodyPr wrap="square" lIns="0" tIns="0" rIns="0" bIns="0" anchor="ctr">
-            <a:spAutoFit/>
-          </a:bodyPr>
-          <a:lstStyle>
-            <a:lvl1pPr marL="272967" indent="-272967" algn="l" defTabSz="914127" rtl="0" eaLnBrk="1" latinLnBrk="0" hangingPunct="1">
-              <a:lnSpc>
-                <a:spcPct val="90000"/>
-              </a:lnSpc>
-              <a:spcBef>
-                <a:spcPts val="0"/>
-              </a:spcBef>
-              <a:spcAft>
-                <a:spcPts val="1000"/>
-              </a:spcAft>
-              <a:buFont typeface="Wingdings"/>
-              <a:buChar char="§"/>
-              <a:defRPr sz="2300" kern="1200">
-                <a:solidFill>
-                  <a:schemeClr val="bg1"/>
-                </a:solidFill>
-                <a:latin typeface="Calibri Light"/>
-                <a:ea typeface="+mn-ea"/>
-                <a:cs typeface="+mn-cs"/>
-              </a:defRPr>
-            </a:lvl1pPr>
-            <a:lvl2pPr marL="807798" indent="-272967" algn="l" defTabSz="914127" rtl="0" eaLnBrk="1" latinLnBrk="0" hangingPunct="1">
-              <a:lnSpc>
-                <a:spcPct val="90000"/>
-              </a:lnSpc>
-              <a:spcBef>
-                <a:spcPts val="0"/>
-              </a:spcBef>
-              <a:spcAft>
-                <a:spcPts val="1000"/>
-              </a:spcAft>
-              <a:buFont typeface="Symbol"/>
-              <a:buChar char="-"/>
-              <a:defRPr sz="2000" kern="1200">
-                <a:solidFill>
-                  <a:schemeClr val="bg1"/>
-                </a:solidFill>
-                <a:latin typeface="Calibri Light"/>
-                <a:ea typeface="+mn-ea"/>
-                <a:cs typeface="+mn-cs"/>
-              </a:defRPr>
-            </a:lvl2pPr>
-            <a:lvl3pPr marL="1080764" indent="-177748" algn="l" defTabSz="914127" rtl="0" eaLnBrk="1" latinLnBrk="0" hangingPunct="1">
-              <a:lnSpc>
-                <a:spcPct val="90000"/>
-              </a:lnSpc>
-              <a:spcBef>
-                <a:spcPts val="0"/>
-              </a:spcBef>
-              <a:spcAft>
-                <a:spcPts val="1000"/>
-              </a:spcAft>
-              <a:buFont typeface="Symbol"/>
-              <a:buChar char="-"/>
-              <a:defRPr sz="1900" kern="1200">
-                <a:solidFill>
-                  <a:schemeClr val="bg1"/>
-                </a:solidFill>
-                <a:latin typeface="Calibri Light"/>
-                <a:ea typeface="+mn-ea"/>
-                <a:cs typeface="+mn-cs"/>
-              </a:defRPr>
-            </a:lvl3pPr>
-            <a:lvl4pPr marL="1436256" indent="-177748" algn="l" defTabSz="914127" rtl="0" eaLnBrk="1" latinLnBrk="0" hangingPunct="1">
-              <a:lnSpc>
-                <a:spcPct val="90000"/>
-              </a:lnSpc>
-              <a:spcBef>
-                <a:spcPts val="0"/>
-              </a:spcBef>
-              <a:spcAft>
-                <a:spcPts val="1000"/>
-              </a:spcAft>
-              <a:buFont typeface="Symbol"/>
-              <a:buChar char="-"/>
-              <a:defRPr sz="1600" kern="1200">
-                <a:solidFill>
-                  <a:schemeClr val="bg1"/>
-                </a:solidFill>
-                <a:latin typeface="Calibri Light"/>
-                <a:ea typeface="+mn-ea"/>
-                <a:cs typeface="+mn-cs"/>
-              </a:defRPr>
-            </a:lvl4pPr>
-            <a:lvl5pPr marL="1793335" indent="-179335" algn="l" defTabSz="914127" rtl="0" eaLnBrk="1" latinLnBrk="0" hangingPunct="1">
-              <a:lnSpc>
-                <a:spcPct val="90000"/>
-              </a:lnSpc>
-              <a:spcBef>
-                <a:spcPts val="0"/>
-              </a:spcBef>
-              <a:spcAft>
-                <a:spcPts val="1000"/>
-              </a:spcAft>
-              <a:buFont typeface="Symbol"/>
-              <a:buChar char="-"/>
-              <a:defRPr sz="1600" kern="1200">
-                <a:solidFill>
-                  <a:schemeClr val="bg1"/>
-                </a:solidFill>
-                <a:latin typeface="Calibri Light"/>
-                <a:ea typeface="+mn-ea"/>
-                <a:cs typeface="+mn-cs"/>
-              </a:defRPr>
-            </a:lvl5pPr>
-            <a:lvl6pPr marL="2513847" indent="-228532" algn="l" defTabSz="914127" rtl="0" eaLnBrk="1" latinLnBrk="0" hangingPunct="1">
-              <a:spcBef>
-                <a:spcPct val="20000"/>
-              </a:spcBef>
-              <a:buFont typeface="Arial"/>
-              <a:buChar char="•"/>
-              <a:defRPr sz="2000" kern="1200">
-                <a:solidFill>
-                  <a:schemeClr val="tx1"/>
-                </a:solidFill>
-                <a:latin typeface="+mn-lt"/>
-                <a:ea typeface="+mn-ea"/>
-                <a:cs typeface="+mn-cs"/>
-              </a:defRPr>
-            </a:lvl6pPr>
-            <a:lvl7pPr marL="2970910" indent="-228532" algn="l" defTabSz="914127" rtl="0" eaLnBrk="1" latinLnBrk="0" hangingPunct="1">
-              <a:spcBef>
-                <a:spcPct val="20000"/>
-              </a:spcBef>
-              <a:buFont typeface="Arial"/>
-              <a:buChar char="•"/>
-              <a:defRPr sz="2000" kern="1200">
-                <a:solidFill>
-                  <a:schemeClr val="tx1"/>
-                </a:solidFill>
-                <a:latin typeface="+mn-lt"/>
-                <a:ea typeface="+mn-ea"/>
-                <a:cs typeface="+mn-cs"/>
-              </a:defRPr>
-            </a:lvl7pPr>
-            <a:lvl8pPr marL="3427972" indent="-228532" algn="l" defTabSz="914127" rtl="0" eaLnBrk="1" latinLnBrk="0" hangingPunct="1">
-              <a:spcBef>
-                <a:spcPct val="20000"/>
-              </a:spcBef>
-              <a:buFont typeface="Arial"/>
-              <a:buChar char="•"/>
-              <a:defRPr sz="2000" kern="1200">
-                <a:solidFill>
-                  <a:schemeClr val="tx1"/>
-                </a:solidFill>
-                <a:latin typeface="+mn-lt"/>
-                <a:ea typeface="+mn-ea"/>
-                <a:cs typeface="+mn-cs"/>
-              </a:defRPr>
-            </a:lvl8pPr>
-            <a:lvl9pPr marL="3885034" indent="-228532" algn="l" defTabSz="914127" rtl="0" eaLnBrk="1" latinLnBrk="0" hangingPunct="1">
-              <a:spcBef>
-                <a:spcPct val="20000"/>
-              </a:spcBef>
-              <a:buFont typeface="Arial"/>
-              <a:buChar char="•"/>
-              <a:defRPr sz="2000" kern="1200">
-                <a:solidFill>
-                  <a:schemeClr val="tx1"/>
-                </a:solidFill>
-                <a:latin typeface="+mn-lt"/>
-                <a:ea typeface="+mn-ea"/>
-                <a:cs typeface="+mn-cs"/>
-              </a:defRPr>
-            </a:lvl9pPr>
-          </a:lstStyle>
-          <a:p>
-            <a:pPr marL="0" indent="0">
-              <a:lnSpc>
-                <a:spcPct val="150000"/>
-              </a:lnSpc>
-              <a:buNone/>
-              <a:defRPr lang="ko-KR" altLang="en-US"/>
-            </a:pPr>
-            <a:r>
-              <a:rPr lang="ko-KR" altLang="en-US" sz="1800" b="1" dirty="0" smtClean="0">
-                <a:latin typeface="+mj-lt"/>
-              </a:rPr>
-              <a:t>정</a:t>
-            </a:r>
-            <a:r>
-              <a:rPr lang="ko-KR" altLang="en-US" sz="1800" b="1" dirty="0">
-                <a:latin typeface="+mj-lt"/>
-              </a:rPr>
-              <a:t>확</a:t>
-            </a:r>
-            <a:r>
-              <a:rPr lang="ko-KR" altLang="en-US" sz="1800" b="1" dirty="0" smtClean="0">
-                <a:latin typeface="+mj-lt"/>
-              </a:rPr>
-              <a:t>한 길이 측정 </a:t>
-            </a:r>
-            <a:r>
-              <a:rPr lang="en-US" sz="1800" b="1" dirty="0" smtClean="0">
-                <a:latin typeface="+mj-lt"/>
-              </a:rPr>
-              <a:t>#04</a:t>
-            </a:r>
-            <a:r>
-              <a:rPr lang="en-US" sz="1800" b="1" dirty="0">
-                <a:latin typeface="+mj-lt"/>
-              </a:rPr>
-              <a:t/>
-            </a:r>
-            <a:br>
-              <a:rPr lang="en-US" sz="1800" b="1" dirty="0">
-                <a:latin typeface="+mj-lt"/>
-              </a:rPr>
-            </a:br>
-            <a:r>
-              <a:rPr lang="ko-KR" altLang="en-US" sz="1200" dirty="0" smtClean="0">
-                <a:latin typeface="+mj-lt"/>
-              </a:rPr>
-              <a:t>길</a:t>
-            </a:r>
-            <a:r>
-              <a:rPr lang="ko-KR" altLang="en-US" sz="1200" dirty="0">
-                <a:latin typeface="+mj-lt"/>
-              </a:rPr>
-              <a:t>이</a:t>
-            </a:r>
-            <a:r>
-              <a:rPr lang="ko-KR" altLang="en-US" sz="1200" dirty="0" smtClean="0">
-                <a:latin typeface="+mj-lt"/>
-              </a:rPr>
-              <a:t>측정 기능을 제공해</a:t>
-            </a:r>
-            <a:r>
-              <a:rPr lang="en-US" altLang="ko-KR" sz="1200" dirty="0" smtClean="0">
-                <a:latin typeface="+mj-lt"/>
-              </a:rPr>
-              <a:t>, </a:t>
-            </a:r>
-            <a:r>
-              <a:rPr lang="ko-KR" altLang="en-US" sz="1200" dirty="0" smtClean="0">
-                <a:latin typeface="+mj-lt"/>
-              </a:rPr>
-              <a:t>실제 가구 배치에 도움을 줌</a:t>
-            </a:r>
-            <a:endParaRPr lang="en-US" sz="1400" dirty="0">
-              <a:latin typeface="+mj-lt"/>
-            </a:endParaRPr>
-          </a:p>
-        </p:txBody>
-      </p:sp>
-    </p:spTree>
-    <p:extLst>
-      <p:ext uri="{BB962C8B-B14F-4D97-AF65-F5344CB8AC3E}">
-        <p14:creationId xmlns:p14="http://schemas.microsoft.com/office/powerpoint/2010/main" val="4029614632"/>
-      </p:ext>
-    </p:extLst>
-  </p:cSld>
-  <p:clrMapOvr>
-    <a:masterClrMapping/>
-  </p:clrMapOvr>
-  <p:transition spd="med">
-    <p:fade/>
-  </p:transition>
-  <p:timing>
-    <p:tnLst>
-      <p:par>
-        <p:cTn id="1" dur="indefinite" restart="never" nodeType="tmRoot">
-          <p:childTnLst>
-            <p:seq concurrent="1" nextAc="seek">
-              <p:cTn id="2" dur="indefinite" nodeType="mainSeq">
-                <p:childTnLst>
-                  <p:par>
-                    <p:cTn id="3" fill="hold">
-                      <p:stCondLst>
-                        <p:cond delay="indefinite"/>
-                        <p:cond evt="onBegin" delay="0">
-                          <p:tn val="2"/>
-                        </p:cond>
-                      </p:stCondLst>
-                      <p:childTnLst>
-                        <p:par>
-                          <p:cTn id="4" fill="hold">
-                            <p:stCondLst>
-                              <p:cond delay="0"/>
-                            </p:stCondLst>
-                            <p:childTnLst>
-                              <p:par>
-                                <p:cTn id="5" presetID="22" presetClass="entr" presetSubtype="8" fill="hold" grpId="0" nodeType="withEffect">
-                                  <p:stCondLst>
-                                    <p:cond delay="0"/>
-                                  </p:stCondLst>
-                                  <p:iterate>
-                                    <p:tmPct val="10000"/>
-                                  </p:iterate>
-                                  <p:childTnLst>
-                                    <p:set>
-                                      <p:cBhvr>
-                                        <p:cTn id="6" dur="1" fill="hold">
-                                          <p:stCondLst>
-                                            <p:cond delay="0"/>
-                                          </p:stCondLst>
-                                        </p:cTn>
-                                        <p:tgtEl>
-                                          <p:spTgt spid="12"/>
-                                        </p:tgtEl>
-                                        <p:attrNameLst>
-                                          <p:attrName>style.visibility</p:attrName>
-                                        </p:attrNameLst>
-                                      </p:cBhvr>
-                                      <p:to>
-                                        <p:strVal val="visible"/>
-                                      </p:to>
-                                    </p:set>
-                                    <p:animEffect transition="in" filter="wipe(left)">
-                                      <p:cBhvr>
-                                        <p:cTn id="7" dur="500" fill="hold">
-                                          <p:stCondLst>
-                                            <p:cond delay="0"/>
-                                          </p:stCondLst>
-                                        </p:cTn>
-                                        <p:tgtEl>
-                                          <p:spTgt spid="12"/>
-                                        </p:tgtEl>
-                                      </p:cBhvr>
-                                    </p:animEffect>
-                                  </p:childTnLst>
-                                </p:cTn>
-                              </p:par>
-                              <p:par>
-                                <p:cTn id="8" presetID="22" presetClass="entr" presetSubtype="8" fill="hold" grpId="0" nodeType="withEffect">
-                                  <p:stCondLst>
-                                    <p:cond delay="0"/>
-                                  </p:stCondLst>
-                                  <p:iterate>
-                                    <p:tmPct val="10000"/>
-                                  </p:iterate>
-                                  <p:childTnLst>
-                                    <p:set>
-                                      <p:cBhvr>
-                                        <p:cTn id="9" dur="1" fill="hold">
-                                          <p:stCondLst>
-                                            <p:cond delay="0"/>
-                                          </p:stCondLst>
-                                        </p:cTn>
-                                        <p:tgtEl>
-                                          <p:spTgt spid="13"/>
-                                        </p:tgtEl>
-                                        <p:attrNameLst>
-                                          <p:attrName>style.visibility</p:attrName>
-                                        </p:attrNameLst>
-                                      </p:cBhvr>
-                                      <p:to>
-                                        <p:strVal val="visible"/>
-                                      </p:to>
-                                    </p:set>
-                                    <p:animEffect transition="in" filter="wipe(left)">
-                                      <p:cBhvr>
-                                        <p:cTn id="10" dur="500" fill="hold">
-                                          <p:stCondLst>
-                                            <p:cond delay="0"/>
-                                          </p:stCondLst>
-                                        </p:cTn>
-                                        <p:tgtEl>
-                                          <p:spTgt spid="13"/>
-                                        </p:tgtEl>
-                                      </p:cBhvr>
-                                    </p:animEffect>
-                                  </p:childTnLst>
-                                </p:cTn>
-                              </p:par>
-                            </p:childTnLst>
-                          </p:cTn>
-                        </p:par>
-                      </p:childTnLst>
-                    </p:cTn>
-                  </p:par>
-                </p:childTnLst>
-              </p:cTn>
-              <p:prevCondLst>
-                <p:cond evt="onPrev" delay="0">
-                  <p:tgtEl>
-                    <p:sldTgt/>
-                  </p:tgtEl>
-                </p:cond>
-              </p:prevCondLst>
-              <p:nextCondLst>
-                <p:cond evt="onNext" delay="0">
-                  <p:tgtEl>
-                    <p:sldTgt/>
-                  </p:tgtEl>
-                </p:cond>
-              </p:nextCondLst>
-            </p:seq>
-          </p:childTnLst>
-        </p:cTn>
-      </p:par>
-    </p:tnLst>
-    <p:bldLst>
-      <p:bldP spid="12" grpId="0" autoUpdateAnimBg="0"/>
-      <p:bldP spid="13" grpId="0" autoUpdateAnimBg="0"/>
     </p:bldLst>
   </p:timing>
 </p:sld>
